--- a/PFentertainment_presentación.pptx
+++ b/PFentertainment_presentación.pptx
@@ -5,15 +5,23 @@
     <p:sldMasterId id="2147484831" r:id="rId1"/>
   </p:sldMasterIdLst>
   <p:notesMasterIdLst>
-    <p:notesMasterId r:id="rId5"/>
+    <p:notesMasterId r:id="rId13"/>
   </p:notesMasterIdLst>
   <p:handoutMasterIdLst>
-    <p:handoutMasterId r:id="rId6"/>
+    <p:handoutMasterId r:id="rId14"/>
   </p:handoutMasterIdLst>
   <p:sldIdLst>
     <p:sldId id="256" r:id="rId2"/>
     <p:sldId id="257" r:id="rId3"/>
     <p:sldId id="258" r:id="rId4"/>
+    <p:sldId id="266" r:id="rId5"/>
+    <p:sldId id="259" r:id="rId6"/>
+    <p:sldId id="260" r:id="rId7"/>
+    <p:sldId id="261" r:id="rId8"/>
+    <p:sldId id="264" r:id="rId9"/>
+    <p:sldId id="262" r:id="rId10"/>
+    <p:sldId id="265" r:id="rId11"/>
+    <p:sldId id="263" r:id="rId12"/>
   </p:sldIdLst>
   <p:sldSz cx="9144000" cy="6858000" type="screen4x3"/>
   <p:notesSz cx="6858000" cy="9144000"/>
@@ -140,6 +148,14 @@
 </p:cmAuthorLst>
 </file>
 
+<file path=ppt/revisionInfo.xml><?xml version="1.0" encoding="utf-8"?>
+<p1510:revInfo xmlns:a="http://schemas.openxmlformats.org/drawingml/2006/main" xmlns:r="http://schemas.openxmlformats.org/officeDocument/2006/relationships" xmlns:p1510="http://schemas.microsoft.com/office/powerpoint/2015/10/main">
+  <p1510:revLst>
+    <p1510:client id="{202B8115-71DF-4874-A28C-BDD96070E8DE}" v="576" dt="2022-05-24T08:16:06.208"/>
+  </p1510:revLst>
+</p1510:revInfo>
+</file>
+
 <file path=ppt/handoutMasters/handoutMaster1.xml><?xml version="1.0" encoding="utf-8"?>
 <p:handoutMaster xmlns:a="http://schemas.openxmlformats.org/drawingml/2006/main" xmlns:r="http://schemas.openxmlformats.org/officeDocument/2006/relationships" xmlns:p="http://schemas.openxmlformats.org/presentationml/2006/main">
   <p:cSld>
@@ -223,7 +239,7 @@
             <a:fld id="{0252902A-18E7-6440-A09B-741E2A2B6D42}" type="datetimeFigureOut">
               <a:rPr lang="es-ES" smtClean="0"/>
               <a:pPr/>
-              <a:t>24/05/2022</a:t>
+              <a:t>26/05/2022</a:t>
             </a:fld>
             <a:endParaRPr lang="es-ES"/>
           </a:p>
@@ -391,7 +407,7 @@
             <a:fld id="{4FA7064A-13DB-A34E-B31E-2D0AF10C5A7A}" type="datetimeFigureOut">
               <a:rPr lang="es-ES" smtClean="0"/>
               <a:pPr/>
-              <a:t>24/05/2022</a:t>
+              <a:t>26/05/2022</a:t>
             </a:fld>
             <a:endParaRPr lang="es-ES"/>
           </a:p>
@@ -3946,7 +3962,7 @@
         <p:spPr>
           <a:xfrm>
             <a:off x="685800" y="1122363"/>
-            <a:ext cx="7772400" cy="1448117"/>
+            <a:ext cx="7772400" cy="975803"/>
           </a:xfrm>
         </p:spPr>
         <p:txBody>
@@ -3956,16 +3972,40 @@
           <a:lstStyle/>
           <a:p>
             <a:r>
-              <a:rPr lang="es-ES" dirty="0"/>
-              <a:t>Presentación de proyecto</a:t>
+              <a:rPr lang="es-ES" sz="4400" dirty="0">
+                <a:latin typeface="Geneva"/>
+                <a:cs typeface="Arial"/>
+              </a:rPr>
+              <a:t>Sabelotodo</a:t>
             </a:r>
             <a:br>
-              <a:rPr lang="es-ES" dirty="0"/>
+              <a:rPr lang="es-ES" sz="4400" dirty="0">
+                <a:latin typeface="Geneva"/>
+                <a:cs typeface="Arial"/>
+              </a:rPr>
             </a:br>
             <a:r>
-              <a:rPr lang="es-ES" dirty="0"/>
-              <a:t>&lt;título proyecto&gt;</a:t>
-            </a:r>
+              <a:rPr lang="es-ES" sz="1200" dirty="0" err="1">
+                <a:latin typeface="Geneva"/>
+                <a:cs typeface="Arial"/>
+              </a:rPr>
+              <a:t>by</a:t>
+            </a:r>
+            <a:r>
+              <a:rPr lang="es-ES" sz="1200" dirty="0">
+                <a:latin typeface="Geneva"/>
+                <a:cs typeface="Arial"/>
+              </a:rPr>
+              <a:t> PF </a:t>
+            </a:r>
+            <a:r>
+              <a:rPr lang="es-ES" sz="1200" dirty="0" err="1">
+                <a:latin typeface="Geneva"/>
+                <a:cs typeface="Arial"/>
+              </a:rPr>
+              <a:t>Entertainment</a:t>
+            </a:r>
+            <a:endParaRPr lang="es-ES" sz="4400" dirty="0" err="1"/>
           </a:p>
         </p:txBody>
       </p:sp>
@@ -3981,12 +4021,12 @@
         </p:nvSpPr>
         <p:spPr>
           <a:xfrm>
-            <a:off x="1113908" y="2570480"/>
-            <a:ext cx="6858000" cy="1655762"/>
+            <a:off x="1113908" y="2220968"/>
+            <a:ext cx="6858000" cy="3752835"/>
           </a:xfrm>
         </p:spPr>
         <p:txBody>
-          <a:bodyPr>
+          <a:bodyPr vert="horz" lIns="91440" tIns="45720" rIns="91440" bIns="45720" rtlCol="0" anchor="t">
             <a:normAutofit/>
           </a:bodyPr>
           <a:lstStyle/>
@@ -3998,21 +4038,136 @@
           </a:p>
           <a:p>
             <a:r>
-              <a:rPr lang="es-ES" sz="1600" dirty="0"/>
-              <a:t>Miembro 1, roles</a:t>
-            </a:r>
-          </a:p>
-          <a:p>
-            <a:r>
-              <a:rPr lang="es-ES" sz="1600" dirty="0"/>
-              <a:t>Miembro 2, roles</a:t>
-            </a:r>
-          </a:p>
-          <a:p>
-            <a:r>
-              <a:rPr lang="es-ES" sz="1600" dirty="0"/>
-              <a:t>…</a:t>
-            </a:r>
+              <a:rPr lang="es-ES" sz="1600" b="1" dirty="0">
+                <a:latin typeface="Verdana"/>
+                <a:ea typeface="Verdana"/>
+              </a:rPr>
+              <a:t>Carlos Castaño Moreno</a:t>
+            </a:r>
+            <a:r>
+              <a:rPr lang="es-ES" sz="1600" dirty="0">
+                <a:latin typeface="Verdana"/>
+                <a:ea typeface="Verdana"/>
+              </a:rPr>
+              <a:t>, planificación, diseño y scrum master.</a:t>
+            </a:r>
+          </a:p>
+          <a:p>
+            <a:r>
+              <a:rPr lang="es-ES" sz="1600" b="1" dirty="0">
+                <a:latin typeface="Verdana"/>
+                <a:ea typeface="Verdana"/>
+              </a:rPr>
+              <a:t>Nuria Rodríguez Tortosa</a:t>
+            </a:r>
+            <a:r>
+              <a:rPr lang="es-ES" sz="1600" dirty="0">
+                <a:latin typeface="Verdana"/>
+                <a:ea typeface="Verdana"/>
+              </a:rPr>
+              <a:t>, planificación, diseño y analista.</a:t>
+            </a:r>
+          </a:p>
+          <a:p>
+            <a:r>
+              <a:rPr lang="es-ES" sz="1600" b="1" dirty="0">
+                <a:latin typeface="Verdana"/>
+                <a:ea typeface="Verdana"/>
+              </a:rPr>
+              <a:t>Daniel García Rodríguez</a:t>
+            </a:r>
+            <a:r>
+              <a:rPr lang="es-ES" sz="1600" dirty="0">
+                <a:latin typeface="Verdana"/>
+                <a:ea typeface="Verdana"/>
+              </a:rPr>
+              <a:t>, implementación y scrum master.</a:t>
+            </a:r>
+          </a:p>
+          <a:p>
+            <a:r>
+              <a:rPr lang="es-ES" sz="1600" b="1" dirty="0">
+                <a:latin typeface="Verdana"/>
+                <a:ea typeface="Verdana"/>
+              </a:rPr>
+              <a:t>Javier Leiva Dueñas</a:t>
+            </a:r>
+            <a:r>
+              <a:rPr lang="es-ES" sz="1600" dirty="0">
+                <a:latin typeface="Verdana"/>
+                <a:ea typeface="Verdana"/>
+              </a:rPr>
+              <a:t>, implementación y prueba.</a:t>
+            </a:r>
+            <a:endParaRPr lang="es-ES" sz="1600" dirty="0"/>
+          </a:p>
+          <a:p>
+            <a:r>
+              <a:rPr lang="es-ES" sz="1600" b="1" dirty="0">
+                <a:latin typeface="Verdana"/>
+                <a:ea typeface="Verdana"/>
+              </a:rPr>
+              <a:t>Javier Lanceta Salas</a:t>
+            </a:r>
+            <a:r>
+              <a:rPr lang="es-ES" sz="1600" dirty="0">
+                <a:latin typeface="Verdana"/>
+                <a:ea typeface="Verdana"/>
+              </a:rPr>
+              <a:t>, implementación y prueba.</a:t>
+            </a:r>
+            <a:endParaRPr lang="es-ES" dirty="0"/>
+          </a:p>
+          <a:p>
+            <a:r>
+              <a:rPr lang="es-ES" sz="1600" b="1" dirty="0">
+                <a:latin typeface="Verdana"/>
+                <a:ea typeface="Verdana"/>
+              </a:rPr>
+              <a:t>Guillermo Tell González</a:t>
+            </a:r>
+            <a:r>
+              <a:rPr lang="es-ES" sz="1600" dirty="0">
+                <a:latin typeface="Verdana"/>
+                <a:ea typeface="Verdana"/>
+              </a:rPr>
+              <a:t>, planificación, prueba y analista.</a:t>
+            </a:r>
+            <a:endParaRPr lang="es-ES" dirty="0"/>
+          </a:p>
+          <a:p>
+            <a:r>
+              <a:rPr lang="es-ES" sz="1600" b="1" dirty="0">
+                <a:latin typeface="Verdana"/>
+                <a:ea typeface="Verdana"/>
+              </a:rPr>
+              <a:t>Julián Castro Coloma</a:t>
+            </a:r>
+            <a:r>
+              <a:rPr lang="es-ES" sz="1600" dirty="0">
+                <a:latin typeface="Verdana"/>
+                <a:ea typeface="Verdana"/>
+              </a:rPr>
+              <a:t>, diseño, prueba y scrum master.</a:t>
+            </a:r>
+            <a:endParaRPr lang="es-ES" dirty="0"/>
+          </a:p>
+          <a:p>
+            <a:r>
+              <a:rPr lang="es-ES" sz="1600" b="1" dirty="0">
+                <a:latin typeface="Verdana"/>
+                <a:ea typeface="Verdana"/>
+              </a:rPr>
+              <a:t>Pablo Fernández Serrano</a:t>
+            </a:r>
+            <a:r>
+              <a:rPr lang="es-ES" sz="1600" dirty="0">
+                <a:latin typeface="Verdana"/>
+                <a:ea typeface="Verdana"/>
+              </a:rPr>
+              <a:t>, diseño e implementación.</a:t>
+            </a:r>
+            <a:endParaRPr lang="es-ES" dirty="0"/>
           </a:p>
           <a:p>
             <a:endParaRPr lang="es-ES" sz="1600" dirty="0"/>
@@ -4023,6 +4178,414 @@
     <p:extLst>
       <p:ext uri="{BB962C8B-B14F-4D97-AF65-F5344CB8AC3E}">
         <p14:creationId xmlns:p14="http://schemas.microsoft.com/office/powerpoint/2010/main" val="3430160639"/>
+      </p:ext>
+    </p:extLst>
+  </p:cSld>
+  <p:clrMapOvr>
+    <a:masterClrMapping/>
+  </p:clrMapOvr>
+</p:sld>
+</file>
+
+<file path=ppt/slides/slide10.xml><?xml version="1.0" encoding="utf-8"?>
+<p:sld xmlns:a="http://schemas.openxmlformats.org/drawingml/2006/main" xmlns:r="http://schemas.openxmlformats.org/officeDocument/2006/relationships" xmlns:p="http://schemas.openxmlformats.org/presentationml/2006/main">
+  <p:cSld>
+    <p:spTree>
+      <p:nvGrpSpPr>
+        <p:cNvPr id="1" name=""/>
+        <p:cNvGrpSpPr/>
+        <p:nvPr/>
+      </p:nvGrpSpPr>
+      <p:grpSpPr>
+        <a:xfrm>
+          <a:off x="0" y="0"/>
+          <a:ext cx="0" cy="0"/>
+          <a:chOff x="0" y="0"/>
+          <a:chExt cx="0" cy="0"/>
+        </a:xfrm>
+      </p:grpSpPr>
+      <p:sp>
+        <p:nvSpPr>
+          <p:cNvPr id="2" name="Título 1">
+            <a:extLst>
+              <a:ext uri="{FF2B5EF4-FFF2-40B4-BE49-F238E27FC236}">
+                <a16:creationId xmlns:a16="http://schemas.microsoft.com/office/drawing/2014/main" id="{5D976B5A-B1FE-AA44-5307-8983E17F6F45}"/>
+              </a:ext>
+            </a:extLst>
+          </p:cNvPr>
+          <p:cNvSpPr>
+            <a:spLocks noGrp="1"/>
+          </p:cNvSpPr>
+          <p:nvPr>
+            <p:ph type="title"/>
+          </p:nvPr>
+        </p:nvSpPr>
+        <p:spPr/>
+        <p:txBody>
+          <a:bodyPr/>
+          <a:lstStyle/>
+          <a:p>
+            <a:r>
+              <a:rPr lang="es-ES" sz="2950" dirty="0">
+                <a:latin typeface="Geneva"/>
+              </a:rPr>
+              <a:t>Pruebas</a:t>
+            </a:r>
+            <a:endParaRPr lang="es-ES" dirty="0"/>
+          </a:p>
+        </p:txBody>
+      </p:sp>
+      <p:sp>
+        <p:nvSpPr>
+          <p:cNvPr id="3" name="Marcador de contenido 2">
+            <a:extLst>
+              <a:ext uri="{FF2B5EF4-FFF2-40B4-BE49-F238E27FC236}">
+                <a16:creationId xmlns:a16="http://schemas.microsoft.com/office/drawing/2014/main" id="{01CD13E6-C70F-756B-9193-AB58FB0335CD}"/>
+              </a:ext>
+            </a:extLst>
+          </p:cNvPr>
+          <p:cNvSpPr>
+            <a:spLocks noGrp="1"/>
+          </p:cNvSpPr>
+          <p:nvPr>
+            <p:ph idx="1"/>
+          </p:nvPr>
+        </p:nvSpPr>
+        <p:spPr/>
+        <p:txBody>
+          <a:bodyPr/>
+          <a:lstStyle/>
+          <a:p>
+            <a:endParaRPr lang="es-ES"/>
+          </a:p>
+        </p:txBody>
+      </p:sp>
+      <p:sp>
+        <p:nvSpPr>
+          <p:cNvPr id="4" name="Marcador de fecha 3">
+            <a:extLst>
+              <a:ext uri="{FF2B5EF4-FFF2-40B4-BE49-F238E27FC236}">
+                <a16:creationId xmlns:a16="http://schemas.microsoft.com/office/drawing/2014/main" id="{B6BE840B-B08D-477F-FD9F-3334C4503020}"/>
+              </a:ext>
+            </a:extLst>
+          </p:cNvPr>
+          <p:cNvSpPr>
+            <a:spLocks noGrp="1"/>
+          </p:cNvSpPr>
+          <p:nvPr>
+            <p:ph type="dt" sz="half" idx="10"/>
+          </p:nvPr>
+        </p:nvSpPr>
+        <p:spPr/>
+        <p:txBody>
+          <a:bodyPr/>
+          <a:lstStyle/>
+          <a:p>
+            <a:pPr defTabSz="422041">
+              <a:defRPr/>
+            </a:pPr>
+            <a:r>
+              <a:rPr lang="es-ES">
+                <a:solidFill>
+                  <a:prstClr val="black">
+                    <a:tint val="75000"/>
+                  </a:prstClr>
+                </a:solidFill>
+              </a:rPr>
+              <a:t>Curso 2021-2022</a:t>
+            </a:r>
+          </a:p>
+        </p:txBody>
+      </p:sp>
+      <p:sp>
+        <p:nvSpPr>
+          <p:cNvPr id="5" name="Marcador de pie de página 4">
+            <a:extLst>
+              <a:ext uri="{FF2B5EF4-FFF2-40B4-BE49-F238E27FC236}">
+                <a16:creationId xmlns:a16="http://schemas.microsoft.com/office/drawing/2014/main" id="{2B81049A-060D-24D7-7DC7-79841F480CE4}"/>
+              </a:ext>
+            </a:extLst>
+          </p:cNvPr>
+          <p:cNvSpPr>
+            <a:spLocks noGrp="1"/>
+          </p:cNvSpPr>
+          <p:nvPr>
+            <p:ph type="ftr" sz="quarter" idx="11"/>
+          </p:nvPr>
+        </p:nvSpPr>
+        <p:spPr/>
+        <p:txBody>
+          <a:bodyPr/>
+          <a:lstStyle/>
+          <a:p>
+            <a:pPr defTabSz="422041">
+              <a:defRPr/>
+            </a:pPr>
+            <a:r>
+              <a:rPr lang="es-ES">
+                <a:solidFill>
+                  <a:prstClr val="black">
+                    <a:tint val="75000"/>
+                  </a:prstClr>
+                </a:solidFill>
+              </a:rPr>
+              <a:t>Introducción a la Ingeniería del Software</a:t>
+            </a:r>
+          </a:p>
+        </p:txBody>
+      </p:sp>
+      <p:sp>
+        <p:nvSpPr>
+          <p:cNvPr id="6" name="Marcador de número de diapositiva 5">
+            <a:extLst>
+              <a:ext uri="{FF2B5EF4-FFF2-40B4-BE49-F238E27FC236}">
+                <a16:creationId xmlns:a16="http://schemas.microsoft.com/office/drawing/2014/main" id="{5EB6CB30-A328-58DB-6883-2323124C96BD}"/>
+              </a:ext>
+            </a:extLst>
+          </p:cNvPr>
+          <p:cNvSpPr>
+            <a:spLocks noGrp="1"/>
+          </p:cNvSpPr>
+          <p:nvPr>
+            <p:ph type="sldNum" sz="quarter" idx="12"/>
+          </p:nvPr>
+        </p:nvSpPr>
+        <p:spPr/>
+        <p:txBody>
+          <a:bodyPr/>
+          <a:lstStyle/>
+          <a:p>
+            <a:pPr defTabSz="422041">
+              <a:defRPr/>
+            </a:pPr>
+            <a:fld id="{9961DA19-05BC-2C48-AEE7-B9DFD6D07410}" type="slidenum">
+              <a:rPr lang="es-ES" smtClean="0">
+                <a:solidFill>
+                  <a:prstClr val="black">
+                    <a:tint val="75000"/>
+                  </a:prstClr>
+                </a:solidFill>
+              </a:rPr>
+              <a:pPr defTabSz="422041">
+                <a:defRPr/>
+              </a:pPr>
+              <a:t>10</a:t>
+            </a:fld>
+            <a:endParaRPr lang="es-ES">
+              <a:solidFill>
+                <a:prstClr val="black">
+                  <a:tint val="75000"/>
+                </a:prstClr>
+              </a:solidFill>
+            </a:endParaRPr>
+          </a:p>
+        </p:txBody>
+      </p:sp>
+    </p:spTree>
+    <p:extLst>
+      <p:ext uri="{BB962C8B-B14F-4D97-AF65-F5344CB8AC3E}">
+        <p14:creationId xmlns:p14="http://schemas.microsoft.com/office/powerpoint/2010/main" val="749499641"/>
+      </p:ext>
+    </p:extLst>
+  </p:cSld>
+  <p:clrMapOvr>
+    <a:masterClrMapping/>
+  </p:clrMapOvr>
+</p:sld>
+</file>
+
+<file path=ppt/slides/slide11.xml><?xml version="1.0" encoding="utf-8"?>
+<p:sld xmlns:a="http://schemas.openxmlformats.org/drawingml/2006/main" xmlns:r="http://schemas.openxmlformats.org/officeDocument/2006/relationships" xmlns:p="http://schemas.openxmlformats.org/presentationml/2006/main">
+  <p:cSld>
+    <p:spTree>
+      <p:nvGrpSpPr>
+        <p:cNvPr id="1" name=""/>
+        <p:cNvGrpSpPr/>
+        <p:nvPr/>
+      </p:nvGrpSpPr>
+      <p:grpSpPr>
+        <a:xfrm>
+          <a:off x="0" y="0"/>
+          <a:ext cx="0" cy="0"/>
+          <a:chOff x="0" y="0"/>
+          <a:chExt cx="0" cy="0"/>
+        </a:xfrm>
+      </p:grpSpPr>
+      <p:sp>
+        <p:nvSpPr>
+          <p:cNvPr id="2" name="Título 1">
+            <a:extLst>
+              <a:ext uri="{FF2B5EF4-FFF2-40B4-BE49-F238E27FC236}">
+                <a16:creationId xmlns:a16="http://schemas.microsoft.com/office/drawing/2014/main" id="{E3B0F960-EDD5-882D-8B18-2D5FBCF79A8D}"/>
+              </a:ext>
+            </a:extLst>
+          </p:cNvPr>
+          <p:cNvSpPr>
+            <a:spLocks noGrp="1"/>
+          </p:cNvSpPr>
+          <p:nvPr>
+            <p:ph type="title"/>
+          </p:nvPr>
+        </p:nvSpPr>
+        <p:spPr/>
+        <p:txBody>
+          <a:bodyPr/>
+          <a:lstStyle/>
+          <a:p>
+            <a:endParaRPr lang="es-ES"/>
+          </a:p>
+        </p:txBody>
+      </p:sp>
+      <p:sp>
+        <p:nvSpPr>
+          <p:cNvPr id="3" name="Marcador de contenido 2">
+            <a:extLst>
+              <a:ext uri="{FF2B5EF4-FFF2-40B4-BE49-F238E27FC236}">
+                <a16:creationId xmlns:a16="http://schemas.microsoft.com/office/drawing/2014/main" id="{27AA4DAC-C655-9E65-B602-7A5AD1380668}"/>
+              </a:ext>
+            </a:extLst>
+          </p:cNvPr>
+          <p:cNvSpPr>
+            <a:spLocks noGrp="1"/>
+          </p:cNvSpPr>
+          <p:nvPr>
+            <p:ph idx="1"/>
+          </p:nvPr>
+        </p:nvSpPr>
+        <p:spPr/>
+        <p:txBody>
+          <a:bodyPr/>
+          <a:lstStyle/>
+          <a:p>
+            <a:endParaRPr lang="es-ES"/>
+          </a:p>
+        </p:txBody>
+      </p:sp>
+      <p:sp>
+        <p:nvSpPr>
+          <p:cNvPr id="4" name="Marcador de fecha 3">
+            <a:extLst>
+              <a:ext uri="{FF2B5EF4-FFF2-40B4-BE49-F238E27FC236}">
+                <a16:creationId xmlns:a16="http://schemas.microsoft.com/office/drawing/2014/main" id="{1999519D-E047-B1D4-083C-C20D2B3558E2}"/>
+              </a:ext>
+            </a:extLst>
+          </p:cNvPr>
+          <p:cNvSpPr>
+            <a:spLocks noGrp="1"/>
+          </p:cNvSpPr>
+          <p:nvPr>
+            <p:ph type="dt" sz="half" idx="10"/>
+          </p:nvPr>
+        </p:nvSpPr>
+        <p:spPr/>
+        <p:txBody>
+          <a:bodyPr/>
+          <a:lstStyle/>
+          <a:p>
+            <a:pPr defTabSz="422041">
+              <a:defRPr/>
+            </a:pPr>
+            <a:r>
+              <a:rPr lang="es-ES">
+                <a:solidFill>
+                  <a:prstClr val="black">
+                    <a:tint val="75000"/>
+                  </a:prstClr>
+                </a:solidFill>
+              </a:rPr>
+              <a:t>Curso 2021-2022</a:t>
+            </a:r>
+          </a:p>
+        </p:txBody>
+      </p:sp>
+      <p:sp>
+        <p:nvSpPr>
+          <p:cNvPr id="5" name="Marcador de pie de página 4">
+            <a:extLst>
+              <a:ext uri="{FF2B5EF4-FFF2-40B4-BE49-F238E27FC236}">
+                <a16:creationId xmlns:a16="http://schemas.microsoft.com/office/drawing/2014/main" id="{A57621F8-9C3F-E245-F56B-43BCA71BA3A3}"/>
+              </a:ext>
+            </a:extLst>
+          </p:cNvPr>
+          <p:cNvSpPr>
+            <a:spLocks noGrp="1"/>
+          </p:cNvSpPr>
+          <p:nvPr>
+            <p:ph type="ftr" sz="quarter" idx="11"/>
+          </p:nvPr>
+        </p:nvSpPr>
+        <p:spPr/>
+        <p:txBody>
+          <a:bodyPr/>
+          <a:lstStyle/>
+          <a:p>
+            <a:pPr defTabSz="422041">
+              <a:defRPr/>
+            </a:pPr>
+            <a:r>
+              <a:rPr lang="es-ES">
+                <a:solidFill>
+                  <a:prstClr val="black">
+                    <a:tint val="75000"/>
+                  </a:prstClr>
+                </a:solidFill>
+              </a:rPr>
+              <a:t>Introducción a la Ingeniería del Software</a:t>
+            </a:r>
+          </a:p>
+        </p:txBody>
+      </p:sp>
+      <p:sp>
+        <p:nvSpPr>
+          <p:cNvPr id="6" name="Marcador de número de diapositiva 5">
+            <a:extLst>
+              <a:ext uri="{FF2B5EF4-FFF2-40B4-BE49-F238E27FC236}">
+                <a16:creationId xmlns:a16="http://schemas.microsoft.com/office/drawing/2014/main" id="{89E16AB4-8085-3A01-E83B-1892F6649A7E}"/>
+              </a:ext>
+            </a:extLst>
+          </p:cNvPr>
+          <p:cNvSpPr>
+            <a:spLocks noGrp="1"/>
+          </p:cNvSpPr>
+          <p:nvPr>
+            <p:ph type="sldNum" sz="quarter" idx="12"/>
+          </p:nvPr>
+        </p:nvSpPr>
+        <p:spPr/>
+        <p:txBody>
+          <a:bodyPr/>
+          <a:lstStyle/>
+          <a:p>
+            <a:pPr defTabSz="422041">
+              <a:defRPr/>
+            </a:pPr>
+            <a:fld id="{9961DA19-05BC-2C48-AEE7-B9DFD6D07410}" type="slidenum">
+              <a:rPr lang="es-ES" smtClean="0">
+                <a:solidFill>
+                  <a:prstClr val="black">
+                    <a:tint val="75000"/>
+                  </a:prstClr>
+                </a:solidFill>
+              </a:rPr>
+              <a:pPr defTabSz="422041">
+                <a:defRPr/>
+              </a:pPr>
+              <a:t>11</a:t>
+            </a:fld>
+            <a:endParaRPr lang="es-ES">
+              <a:solidFill>
+                <a:prstClr val="black">
+                  <a:tint val="75000"/>
+                </a:prstClr>
+              </a:solidFill>
+            </a:endParaRPr>
+          </a:p>
+        </p:txBody>
+      </p:sp>
+    </p:spTree>
+    <p:extLst>
+      <p:ext uri="{BB962C8B-B14F-4D97-AF65-F5344CB8AC3E}">
+        <p14:creationId xmlns:p14="http://schemas.microsoft.com/office/powerpoint/2010/main" val="2165828147"/>
       </p:ext>
     </p:extLst>
   </p:cSld>
@@ -4325,7 +4888,19 @@
           <a:bodyPr/>
           <a:lstStyle/>
           <a:p>
-            <a:endParaRPr lang="en-US"/>
+            <a:r>
+              <a:rPr lang="en-US" sz="2950" dirty="0">
+                <a:latin typeface="Geneva"/>
+              </a:rPr>
+              <a:t>El </a:t>
+            </a:r>
+            <a:r>
+              <a:rPr lang="en-US" sz="2950" dirty="0" err="1">
+                <a:latin typeface="Geneva"/>
+              </a:rPr>
+              <a:t>problema</a:t>
+            </a:r>
+            <a:endParaRPr lang="en-US" dirty="0" err="1"/>
           </a:p>
         </p:txBody>
       </p:sp>
@@ -4345,12 +4920,32 @@
             <p:ph idx="1"/>
           </p:nvPr>
         </p:nvSpPr>
-        <p:spPr/>
-        <p:txBody>
-          <a:bodyPr/>
-          <a:lstStyle/>
-          <a:p>
-            <a:endParaRPr lang="en-US"/>
+        <p:spPr>
+          <a:xfrm>
+            <a:off x="628651" y="1503947"/>
+            <a:ext cx="5525129" cy="4139837"/>
+          </a:xfrm>
+        </p:spPr>
+        <p:txBody>
+          <a:bodyPr vert="horz" lIns="91440" tIns="45720" rIns="91440" bIns="45720" rtlCol="0" anchor="t">
+            <a:normAutofit/>
+          </a:bodyPr>
+          <a:lstStyle/>
+          <a:p>
+            <a:pPr marL="210820" indent="-210820" algn="ctr">
+              <a:buNone/>
+            </a:pPr>
+            <a:r>
+              <a:rPr lang="es-ES" sz="2950" dirty="0">
+                <a:latin typeface="Helvetica"/>
+                <a:ea typeface="Verdana"/>
+                <a:cs typeface="Helvetica"/>
+              </a:rPr>
+              <a:t>Hacer una adaptación del juego tradicional 'Trivial' quitando la rivalidad de competir contra otros jugadores y entretener a los usuarios en partidas más rápidas que desafían su conocimiento en entretenimiento y ciencia. </a:t>
+            </a:r>
+            <a:endParaRPr lang="es-ES" sz="2950" dirty="0">
+              <a:cs typeface="Helvetica"/>
+            </a:endParaRPr>
           </a:p>
         </p:txBody>
       </p:sp>
@@ -4475,10 +5070,1334 @@
           </a:p>
         </p:txBody>
       </p:sp>
+      <p:pic>
+        <p:nvPicPr>
+          <p:cNvPr id="7" name="Imagen 7" descr="Texto&#10;&#10;Descripción generada automáticamente">
+            <a:extLst>
+              <a:ext uri="{FF2B5EF4-FFF2-40B4-BE49-F238E27FC236}">
+                <a16:creationId xmlns:a16="http://schemas.microsoft.com/office/drawing/2014/main" id="{5349D0B1-E0DB-36CD-5EF3-16C1194067CD}"/>
+              </a:ext>
+            </a:extLst>
+          </p:cNvPr>
+          <p:cNvPicPr>
+            <a:picLocks noChangeAspect="1"/>
+          </p:cNvPicPr>
+          <p:nvPr/>
+        </p:nvPicPr>
+        <p:blipFill>
+          <a:blip r:embed="rId2"/>
+          <a:stretch>
+            <a:fillRect/>
+          </a:stretch>
+        </p:blipFill>
+        <p:spPr>
+          <a:xfrm>
+            <a:off x="6186055" y="2191616"/>
+            <a:ext cx="2590800" cy="2266950"/>
+          </a:xfrm>
+          <a:prstGeom prst="rect">
+            <a:avLst/>
+          </a:prstGeom>
+        </p:spPr>
+      </p:pic>
     </p:spTree>
     <p:extLst>
       <p:ext uri="{BB962C8B-B14F-4D97-AF65-F5344CB8AC3E}">
         <p14:creationId xmlns:p14="http://schemas.microsoft.com/office/powerpoint/2010/main" val="3101252425"/>
+      </p:ext>
+    </p:extLst>
+  </p:cSld>
+  <p:clrMapOvr>
+    <a:masterClrMapping/>
+  </p:clrMapOvr>
+</p:sld>
+</file>
+
+<file path=ppt/slides/slide4.xml><?xml version="1.0" encoding="utf-8"?>
+<p:sld xmlns:a="http://schemas.openxmlformats.org/drawingml/2006/main" xmlns:r="http://schemas.openxmlformats.org/officeDocument/2006/relationships" xmlns:p="http://schemas.openxmlformats.org/presentationml/2006/main">
+  <p:cSld>
+    <p:spTree>
+      <p:nvGrpSpPr>
+        <p:cNvPr id="1" name=""/>
+        <p:cNvGrpSpPr/>
+        <p:nvPr/>
+      </p:nvGrpSpPr>
+      <p:grpSpPr>
+        <a:xfrm>
+          <a:off x="0" y="0"/>
+          <a:ext cx="0" cy="0"/>
+          <a:chOff x="0" y="0"/>
+          <a:chExt cx="0" cy="0"/>
+        </a:xfrm>
+      </p:grpSpPr>
+      <p:sp>
+        <p:nvSpPr>
+          <p:cNvPr id="2" name="Título 1">
+            <a:extLst>
+              <a:ext uri="{FF2B5EF4-FFF2-40B4-BE49-F238E27FC236}">
+                <a16:creationId xmlns:a16="http://schemas.microsoft.com/office/drawing/2014/main" id="{F97EB480-71EC-9782-42FD-BFC03D8C2995}"/>
+              </a:ext>
+            </a:extLst>
+          </p:cNvPr>
+          <p:cNvSpPr>
+            <a:spLocks noGrp="1"/>
+          </p:cNvSpPr>
+          <p:nvPr>
+            <p:ph type="title"/>
+          </p:nvPr>
+        </p:nvSpPr>
+        <p:spPr/>
+        <p:txBody>
+          <a:bodyPr/>
+          <a:lstStyle/>
+          <a:p>
+            <a:r>
+              <a:rPr lang="es-ES" sz="2950" dirty="0">
+                <a:latin typeface="Geneva"/>
+              </a:rPr>
+              <a:t>Equipo y trabajo en equipo</a:t>
+            </a:r>
+            <a:endParaRPr lang="es-ES" dirty="0"/>
+          </a:p>
+        </p:txBody>
+      </p:sp>
+      <p:sp>
+        <p:nvSpPr>
+          <p:cNvPr id="3" name="Marcador de contenido 2">
+            <a:extLst>
+              <a:ext uri="{FF2B5EF4-FFF2-40B4-BE49-F238E27FC236}">
+                <a16:creationId xmlns:a16="http://schemas.microsoft.com/office/drawing/2014/main" id="{59BDD5A3-9DAB-5207-0DDC-9C409625F314}"/>
+              </a:ext>
+            </a:extLst>
+          </p:cNvPr>
+          <p:cNvSpPr>
+            <a:spLocks noGrp="1"/>
+          </p:cNvSpPr>
+          <p:nvPr>
+            <p:ph idx="1"/>
+          </p:nvPr>
+        </p:nvSpPr>
+        <p:spPr/>
+        <p:txBody>
+          <a:bodyPr/>
+          <a:lstStyle/>
+          <a:p>
+            <a:endParaRPr lang="es-ES"/>
+          </a:p>
+        </p:txBody>
+      </p:sp>
+      <p:sp>
+        <p:nvSpPr>
+          <p:cNvPr id="4" name="Marcador de fecha 3">
+            <a:extLst>
+              <a:ext uri="{FF2B5EF4-FFF2-40B4-BE49-F238E27FC236}">
+                <a16:creationId xmlns:a16="http://schemas.microsoft.com/office/drawing/2014/main" id="{E495F94C-6284-D092-E748-41CB32C41A06}"/>
+              </a:ext>
+            </a:extLst>
+          </p:cNvPr>
+          <p:cNvSpPr>
+            <a:spLocks noGrp="1"/>
+          </p:cNvSpPr>
+          <p:nvPr>
+            <p:ph type="dt" sz="half" idx="10"/>
+          </p:nvPr>
+        </p:nvSpPr>
+        <p:spPr/>
+        <p:txBody>
+          <a:bodyPr/>
+          <a:lstStyle/>
+          <a:p>
+            <a:pPr defTabSz="422041">
+              <a:defRPr/>
+            </a:pPr>
+            <a:r>
+              <a:rPr lang="es-ES">
+                <a:solidFill>
+                  <a:prstClr val="black">
+                    <a:tint val="75000"/>
+                  </a:prstClr>
+                </a:solidFill>
+              </a:rPr>
+              <a:t>Curso 2021-2022</a:t>
+            </a:r>
+          </a:p>
+        </p:txBody>
+      </p:sp>
+      <p:sp>
+        <p:nvSpPr>
+          <p:cNvPr id="5" name="Marcador de pie de página 4">
+            <a:extLst>
+              <a:ext uri="{FF2B5EF4-FFF2-40B4-BE49-F238E27FC236}">
+                <a16:creationId xmlns:a16="http://schemas.microsoft.com/office/drawing/2014/main" id="{5F0BB940-6F87-5CC3-225D-E19B063E0D4F}"/>
+              </a:ext>
+            </a:extLst>
+          </p:cNvPr>
+          <p:cNvSpPr>
+            <a:spLocks noGrp="1"/>
+          </p:cNvSpPr>
+          <p:nvPr>
+            <p:ph type="ftr" sz="quarter" idx="11"/>
+          </p:nvPr>
+        </p:nvSpPr>
+        <p:spPr/>
+        <p:txBody>
+          <a:bodyPr/>
+          <a:lstStyle/>
+          <a:p>
+            <a:pPr defTabSz="422041">
+              <a:defRPr/>
+            </a:pPr>
+            <a:r>
+              <a:rPr lang="es-ES">
+                <a:solidFill>
+                  <a:prstClr val="black">
+                    <a:tint val="75000"/>
+                  </a:prstClr>
+                </a:solidFill>
+              </a:rPr>
+              <a:t>Introducción a la Ingeniería del Software</a:t>
+            </a:r>
+          </a:p>
+        </p:txBody>
+      </p:sp>
+      <p:sp>
+        <p:nvSpPr>
+          <p:cNvPr id="6" name="Marcador de número de diapositiva 5">
+            <a:extLst>
+              <a:ext uri="{FF2B5EF4-FFF2-40B4-BE49-F238E27FC236}">
+                <a16:creationId xmlns:a16="http://schemas.microsoft.com/office/drawing/2014/main" id="{8E2F5330-4383-1B4E-66CE-C8D09B8DE1FE}"/>
+              </a:ext>
+            </a:extLst>
+          </p:cNvPr>
+          <p:cNvSpPr>
+            <a:spLocks noGrp="1"/>
+          </p:cNvSpPr>
+          <p:nvPr>
+            <p:ph type="sldNum" sz="quarter" idx="12"/>
+          </p:nvPr>
+        </p:nvSpPr>
+        <p:spPr/>
+        <p:txBody>
+          <a:bodyPr/>
+          <a:lstStyle/>
+          <a:p>
+            <a:pPr defTabSz="422041">
+              <a:defRPr/>
+            </a:pPr>
+            <a:fld id="{9961DA19-05BC-2C48-AEE7-B9DFD6D07410}" type="slidenum">
+              <a:rPr lang="es-ES" smtClean="0">
+                <a:solidFill>
+                  <a:prstClr val="black">
+                    <a:tint val="75000"/>
+                  </a:prstClr>
+                </a:solidFill>
+              </a:rPr>
+              <a:pPr defTabSz="422041">
+                <a:defRPr/>
+              </a:pPr>
+              <a:t>4</a:t>
+            </a:fld>
+            <a:endParaRPr lang="es-ES">
+              <a:solidFill>
+                <a:prstClr val="black">
+                  <a:tint val="75000"/>
+                </a:prstClr>
+              </a:solidFill>
+            </a:endParaRPr>
+          </a:p>
+        </p:txBody>
+      </p:sp>
+    </p:spTree>
+    <p:extLst>
+      <p:ext uri="{BB962C8B-B14F-4D97-AF65-F5344CB8AC3E}">
+        <p14:creationId xmlns:p14="http://schemas.microsoft.com/office/powerpoint/2010/main" val="3909372119"/>
+      </p:ext>
+    </p:extLst>
+  </p:cSld>
+  <p:clrMapOvr>
+    <a:masterClrMapping/>
+  </p:clrMapOvr>
+</p:sld>
+</file>
+
+<file path=ppt/slides/slide5.xml><?xml version="1.0" encoding="utf-8"?>
+<p:sld xmlns:a="http://schemas.openxmlformats.org/drawingml/2006/main" xmlns:r="http://schemas.openxmlformats.org/officeDocument/2006/relationships" xmlns:p="http://schemas.openxmlformats.org/presentationml/2006/main">
+  <p:cSld>
+    <p:spTree>
+      <p:nvGrpSpPr>
+        <p:cNvPr id="1" name=""/>
+        <p:cNvGrpSpPr/>
+        <p:nvPr/>
+      </p:nvGrpSpPr>
+      <p:grpSpPr>
+        <a:xfrm>
+          <a:off x="0" y="0"/>
+          <a:ext cx="0" cy="0"/>
+          <a:chOff x="0" y="0"/>
+          <a:chExt cx="0" cy="0"/>
+        </a:xfrm>
+      </p:grpSpPr>
+      <p:sp>
+        <p:nvSpPr>
+          <p:cNvPr id="2" name="Título 1">
+            <a:extLst>
+              <a:ext uri="{FF2B5EF4-FFF2-40B4-BE49-F238E27FC236}">
+                <a16:creationId xmlns:a16="http://schemas.microsoft.com/office/drawing/2014/main" id="{2BCF9AE5-73E0-80E1-72EB-C1B0BBF4AA29}"/>
+              </a:ext>
+            </a:extLst>
+          </p:cNvPr>
+          <p:cNvSpPr>
+            <a:spLocks noGrp="1"/>
+          </p:cNvSpPr>
+          <p:nvPr>
+            <p:ph type="title"/>
+          </p:nvPr>
+        </p:nvSpPr>
+        <p:spPr/>
+        <p:txBody>
+          <a:bodyPr/>
+          <a:lstStyle/>
+          <a:p>
+            <a:r>
+              <a:rPr lang="es-ES" sz="2950" dirty="0">
+                <a:latin typeface="Geneva"/>
+              </a:rPr>
+              <a:t>Requisitos</a:t>
+            </a:r>
+            <a:endParaRPr lang="es-ES" dirty="0"/>
+          </a:p>
+        </p:txBody>
+      </p:sp>
+      <p:pic>
+        <p:nvPicPr>
+          <p:cNvPr id="7" name="Imagen 7" descr="Diagrama&#10;&#10;Descripción generada automáticamente">
+            <a:extLst>
+              <a:ext uri="{FF2B5EF4-FFF2-40B4-BE49-F238E27FC236}">
+                <a16:creationId xmlns:a16="http://schemas.microsoft.com/office/drawing/2014/main" id="{63B1447D-0AEE-5482-2B6A-F1DBBC951646}"/>
+              </a:ext>
+            </a:extLst>
+          </p:cNvPr>
+          <p:cNvPicPr>
+            <a:picLocks noGrp="1" noChangeAspect="1"/>
+          </p:cNvPicPr>
+          <p:nvPr>
+            <p:ph idx="1"/>
+          </p:nvPr>
+        </p:nvPicPr>
+        <p:blipFill>
+          <a:blip r:embed="rId2"/>
+          <a:stretch>
+            <a:fillRect/>
+          </a:stretch>
+        </p:blipFill>
+        <p:spPr>
+          <a:xfrm>
+            <a:off x="496404" y="1938366"/>
+            <a:ext cx="8245657" cy="3337123"/>
+          </a:xfrm>
+        </p:spPr>
+      </p:pic>
+      <p:sp>
+        <p:nvSpPr>
+          <p:cNvPr id="4" name="Marcador de fecha 3">
+            <a:extLst>
+              <a:ext uri="{FF2B5EF4-FFF2-40B4-BE49-F238E27FC236}">
+                <a16:creationId xmlns:a16="http://schemas.microsoft.com/office/drawing/2014/main" id="{6C1AED72-993D-4618-1907-16AFC7543BE0}"/>
+              </a:ext>
+            </a:extLst>
+          </p:cNvPr>
+          <p:cNvSpPr>
+            <a:spLocks noGrp="1"/>
+          </p:cNvSpPr>
+          <p:nvPr>
+            <p:ph type="dt" sz="half" idx="10"/>
+          </p:nvPr>
+        </p:nvSpPr>
+        <p:spPr/>
+        <p:txBody>
+          <a:bodyPr/>
+          <a:lstStyle/>
+          <a:p>
+            <a:pPr defTabSz="422041">
+              <a:defRPr/>
+            </a:pPr>
+            <a:r>
+              <a:rPr lang="es-ES">
+                <a:solidFill>
+                  <a:prstClr val="black">
+                    <a:tint val="75000"/>
+                  </a:prstClr>
+                </a:solidFill>
+              </a:rPr>
+              <a:t>Curso 2021-2022</a:t>
+            </a:r>
+          </a:p>
+        </p:txBody>
+      </p:sp>
+      <p:sp>
+        <p:nvSpPr>
+          <p:cNvPr id="5" name="Marcador de pie de página 4">
+            <a:extLst>
+              <a:ext uri="{FF2B5EF4-FFF2-40B4-BE49-F238E27FC236}">
+                <a16:creationId xmlns:a16="http://schemas.microsoft.com/office/drawing/2014/main" id="{91BDCB37-911A-43EE-C366-D2CB9AF9DC1A}"/>
+              </a:ext>
+            </a:extLst>
+          </p:cNvPr>
+          <p:cNvSpPr>
+            <a:spLocks noGrp="1"/>
+          </p:cNvSpPr>
+          <p:nvPr>
+            <p:ph type="ftr" sz="quarter" idx="11"/>
+          </p:nvPr>
+        </p:nvSpPr>
+        <p:spPr/>
+        <p:txBody>
+          <a:bodyPr/>
+          <a:lstStyle/>
+          <a:p>
+            <a:pPr defTabSz="422041">
+              <a:defRPr/>
+            </a:pPr>
+            <a:r>
+              <a:rPr lang="es-ES">
+                <a:solidFill>
+                  <a:prstClr val="black">
+                    <a:tint val="75000"/>
+                  </a:prstClr>
+                </a:solidFill>
+              </a:rPr>
+              <a:t>Introducción a la Ingeniería del Software</a:t>
+            </a:r>
+          </a:p>
+        </p:txBody>
+      </p:sp>
+      <p:sp>
+        <p:nvSpPr>
+          <p:cNvPr id="6" name="Marcador de número de diapositiva 5">
+            <a:extLst>
+              <a:ext uri="{FF2B5EF4-FFF2-40B4-BE49-F238E27FC236}">
+                <a16:creationId xmlns:a16="http://schemas.microsoft.com/office/drawing/2014/main" id="{D8C90CA9-87EA-3B98-F7C7-977868823577}"/>
+              </a:ext>
+            </a:extLst>
+          </p:cNvPr>
+          <p:cNvSpPr>
+            <a:spLocks noGrp="1"/>
+          </p:cNvSpPr>
+          <p:nvPr>
+            <p:ph type="sldNum" sz="quarter" idx="12"/>
+          </p:nvPr>
+        </p:nvSpPr>
+        <p:spPr/>
+        <p:txBody>
+          <a:bodyPr/>
+          <a:lstStyle/>
+          <a:p>
+            <a:pPr defTabSz="422041">
+              <a:defRPr/>
+            </a:pPr>
+            <a:fld id="{9961DA19-05BC-2C48-AEE7-B9DFD6D07410}" type="slidenum">
+              <a:rPr lang="es-ES" smtClean="0">
+                <a:solidFill>
+                  <a:prstClr val="black">
+                    <a:tint val="75000"/>
+                  </a:prstClr>
+                </a:solidFill>
+              </a:rPr>
+              <a:pPr defTabSz="422041">
+                <a:defRPr/>
+              </a:pPr>
+              <a:t>5</a:t>
+            </a:fld>
+            <a:endParaRPr lang="es-ES">
+              <a:solidFill>
+                <a:prstClr val="black">
+                  <a:tint val="75000"/>
+                </a:prstClr>
+              </a:solidFill>
+            </a:endParaRPr>
+          </a:p>
+        </p:txBody>
+      </p:sp>
+    </p:spTree>
+    <p:extLst>
+      <p:ext uri="{BB962C8B-B14F-4D97-AF65-F5344CB8AC3E}">
+        <p14:creationId xmlns:p14="http://schemas.microsoft.com/office/powerpoint/2010/main" val="3071069779"/>
+      </p:ext>
+    </p:extLst>
+  </p:cSld>
+  <p:clrMapOvr>
+    <a:masterClrMapping/>
+  </p:clrMapOvr>
+</p:sld>
+</file>
+
+<file path=ppt/slides/slide6.xml><?xml version="1.0" encoding="utf-8"?>
+<p:sld xmlns:a="http://schemas.openxmlformats.org/drawingml/2006/main" xmlns:r="http://schemas.openxmlformats.org/officeDocument/2006/relationships" xmlns:p="http://schemas.openxmlformats.org/presentationml/2006/main">
+  <p:cSld>
+    <p:spTree>
+      <p:nvGrpSpPr>
+        <p:cNvPr id="1" name=""/>
+        <p:cNvGrpSpPr/>
+        <p:nvPr/>
+      </p:nvGrpSpPr>
+      <p:grpSpPr>
+        <a:xfrm>
+          <a:off x="0" y="0"/>
+          <a:ext cx="0" cy="0"/>
+          <a:chOff x="0" y="0"/>
+          <a:chExt cx="0" cy="0"/>
+        </a:xfrm>
+      </p:grpSpPr>
+      <p:sp>
+        <p:nvSpPr>
+          <p:cNvPr id="2" name="Título 1">
+            <a:extLst>
+              <a:ext uri="{FF2B5EF4-FFF2-40B4-BE49-F238E27FC236}">
+                <a16:creationId xmlns:a16="http://schemas.microsoft.com/office/drawing/2014/main" id="{F82D0B56-CD85-64BA-3676-6C3B8A9D5968}"/>
+              </a:ext>
+            </a:extLst>
+          </p:cNvPr>
+          <p:cNvSpPr>
+            <a:spLocks noGrp="1"/>
+          </p:cNvSpPr>
+          <p:nvPr>
+            <p:ph type="title"/>
+          </p:nvPr>
+        </p:nvSpPr>
+        <p:spPr/>
+        <p:txBody>
+          <a:bodyPr/>
+          <a:lstStyle/>
+          <a:p>
+            <a:r>
+              <a:rPr lang="es-ES" sz="2950" dirty="0">
+                <a:latin typeface="Geneva"/>
+              </a:rPr>
+              <a:t>Planificación.</a:t>
+            </a:r>
+            <a:endParaRPr lang="es-ES" dirty="0"/>
+          </a:p>
+        </p:txBody>
+      </p:sp>
+      <p:sp>
+        <p:nvSpPr>
+          <p:cNvPr id="3" name="Marcador de contenido 2">
+            <a:extLst>
+              <a:ext uri="{FF2B5EF4-FFF2-40B4-BE49-F238E27FC236}">
+                <a16:creationId xmlns:a16="http://schemas.microsoft.com/office/drawing/2014/main" id="{53542526-2D1B-5E24-08AB-F70644F58BC9}"/>
+              </a:ext>
+            </a:extLst>
+          </p:cNvPr>
+          <p:cNvSpPr>
+            <a:spLocks noGrp="1"/>
+          </p:cNvSpPr>
+          <p:nvPr>
+            <p:ph idx="1"/>
+          </p:nvPr>
+        </p:nvSpPr>
+        <p:spPr>
+          <a:xfrm>
+            <a:off x="628651" y="1503947"/>
+            <a:ext cx="7697775" cy="748623"/>
+          </a:xfrm>
+        </p:spPr>
+        <p:txBody>
+          <a:bodyPr vert="horz" lIns="91440" tIns="45720" rIns="91440" bIns="45720" rtlCol="0" anchor="t">
+            <a:normAutofit/>
+          </a:bodyPr>
+          <a:lstStyle/>
+          <a:p>
+            <a:pPr marL="0" indent="0">
+              <a:buNone/>
+            </a:pPr>
+            <a:r>
+              <a:rPr lang="es-ES" sz="2950" dirty="0">
+                <a:latin typeface="Helvetica"/>
+                <a:ea typeface="Verdana"/>
+                <a:cs typeface="Arial"/>
+              </a:rPr>
+              <a:t>Hemos seleccionado la metodología Scrum</a:t>
+            </a:r>
+            <a:endParaRPr lang="es-ES" dirty="0"/>
+          </a:p>
+        </p:txBody>
+      </p:sp>
+      <p:sp>
+        <p:nvSpPr>
+          <p:cNvPr id="4" name="Marcador de fecha 3">
+            <a:extLst>
+              <a:ext uri="{FF2B5EF4-FFF2-40B4-BE49-F238E27FC236}">
+                <a16:creationId xmlns:a16="http://schemas.microsoft.com/office/drawing/2014/main" id="{E3C54609-8253-0974-C6C1-D8802A5FE99F}"/>
+              </a:ext>
+            </a:extLst>
+          </p:cNvPr>
+          <p:cNvSpPr>
+            <a:spLocks noGrp="1"/>
+          </p:cNvSpPr>
+          <p:nvPr>
+            <p:ph type="dt" sz="half" idx="10"/>
+          </p:nvPr>
+        </p:nvSpPr>
+        <p:spPr/>
+        <p:txBody>
+          <a:bodyPr/>
+          <a:lstStyle/>
+          <a:p>
+            <a:pPr defTabSz="422041">
+              <a:defRPr/>
+            </a:pPr>
+            <a:r>
+              <a:rPr lang="es-ES">
+                <a:solidFill>
+                  <a:prstClr val="black">
+                    <a:tint val="75000"/>
+                  </a:prstClr>
+                </a:solidFill>
+              </a:rPr>
+              <a:t>Curso 2021-2022</a:t>
+            </a:r>
+          </a:p>
+        </p:txBody>
+      </p:sp>
+      <p:sp>
+        <p:nvSpPr>
+          <p:cNvPr id="5" name="Marcador de pie de página 4">
+            <a:extLst>
+              <a:ext uri="{FF2B5EF4-FFF2-40B4-BE49-F238E27FC236}">
+                <a16:creationId xmlns:a16="http://schemas.microsoft.com/office/drawing/2014/main" id="{7869367F-AE39-7C68-849C-BB576D749337}"/>
+              </a:ext>
+            </a:extLst>
+          </p:cNvPr>
+          <p:cNvSpPr>
+            <a:spLocks noGrp="1"/>
+          </p:cNvSpPr>
+          <p:nvPr>
+            <p:ph type="ftr" sz="quarter" idx="11"/>
+          </p:nvPr>
+        </p:nvSpPr>
+        <p:spPr/>
+        <p:txBody>
+          <a:bodyPr/>
+          <a:lstStyle/>
+          <a:p>
+            <a:pPr defTabSz="422041">
+              <a:defRPr/>
+            </a:pPr>
+            <a:r>
+              <a:rPr lang="es-ES">
+                <a:solidFill>
+                  <a:prstClr val="black">
+                    <a:tint val="75000"/>
+                  </a:prstClr>
+                </a:solidFill>
+              </a:rPr>
+              <a:t>Introducción a la Ingeniería del Software</a:t>
+            </a:r>
+          </a:p>
+        </p:txBody>
+      </p:sp>
+      <p:sp>
+        <p:nvSpPr>
+          <p:cNvPr id="6" name="Marcador de número de diapositiva 5">
+            <a:extLst>
+              <a:ext uri="{FF2B5EF4-FFF2-40B4-BE49-F238E27FC236}">
+                <a16:creationId xmlns:a16="http://schemas.microsoft.com/office/drawing/2014/main" id="{183B6FA5-A77A-0082-04C0-6CDA5AEC95F1}"/>
+              </a:ext>
+            </a:extLst>
+          </p:cNvPr>
+          <p:cNvSpPr>
+            <a:spLocks noGrp="1"/>
+          </p:cNvSpPr>
+          <p:nvPr>
+            <p:ph type="sldNum" sz="quarter" idx="12"/>
+          </p:nvPr>
+        </p:nvSpPr>
+        <p:spPr/>
+        <p:txBody>
+          <a:bodyPr/>
+          <a:lstStyle/>
+          <a:p>
+            <a:pPr defTabSz="422041">
+              <a:defRPr/>
+            </a:pPr>
+            <a:fld id="{9961DA19-05BC-2C48-AEE7-B9DFD6D07410}" type="slidenum">
+              <a:rPr lang="es-ES" smtClean="0">
+                <a:solidFill>
+                  <a:prstClr val="black">
+                    <a:tint val="75000"/>
+                  </a:prstClr>
+                </a:solidFill>
+              </a:rPr>
+              <a:pPr defTabSz="422041">
+                <a:defRPr/>
+              </a:pPr>
+              <a:t>6</a:t>
+            </a:fld>
+            <a:endParaRPr lang="es-ES">
+              <a:solidFill>
+                <a:prstClr val="black">
+                  <a:tint val="75000"/>
+                </a:prstClr>
+              </a:solidFill>
+            </a:endParaRPr>
+          </a:p>
+        </p:txBody>
+      </p:sp>
+      <p:pic>
+        <p:nvPicPr>
+          <p:cNvPr id="7" name="Imagen 7" descr="Diagrama, Escala de tiempo&#10;&#10;Descripción generada automáticamente">
+            <a:extLst>
+              <a:ext uri="{FF2B5EF4-FFF2-40B4-BE49-F238E27FC236}">
+                <a16:creationId xmlns:a16="http://schemas.microsoft.com/office/drawing/2014/main" id="{035C372D-9FC4-3595-2D3D-54A9BCC760B3}"/>
+              </a:ext>
+            </a:extLst>
+          </p:cNvPr>
+          <p:cNvPicPr>
+            <a:picLocks noChangeAspect="1"/>
+          </p:cNvPicPr>
+          <p:nvPr/>
+        </p:nvPicPr>
+        <p:blipFill>
+          <a:blip r:embed="rId2"/>
+          <a:stretch>
+            <a:fillRect/>
+          </a:stretch>
+        </p:blipFill>
+        <p:spPr>
+          <a:xfrm>
+            <a:off x="819937" y="2023865"/>
+            <a:ext cx="7258523" cy="3981608"/>
+          </a:xfrm>
+          <a:prstGeom prst="rect">
+            <a:avLst/>
+          </a:prstGeom>
+        </p:spPr>
+      </p:pic>
+    </p:spTree>
+    <p:extLst>
+      <p:ext uri="{BB962C8B-B14F-4D97-AF65-F5344CB8AC3E}">
+        <p14:creationId xmlns:p14="http://schemas.microsoft.com/office/powerpoint/2010/main" val="612016020"/>
+      </p:ext>
+    </p:extLst>
+  </p:cSld>
+  <p:clrMapOvr>
+    <a:masterClrMapping/>
+  </p:clrMapOvr>
+</p:sld>
+</file>
+
+<file path=ppt/slides/slide7.xml><?xml version="1.0" encoding="utf-8"?>
+<p:sld xmlns:a="http://schemas.openxmlformats.org/drawingml/2006/main" xmlns:r="http://schemas.openxmlformats.org/officeDocument/2006/relationships" xmlns:p="http://schemas.openxmlformats.org/presentationml/2006/main">
+  <p:cSld>
+    <p:spTree>
+      <p:nvGrpSpPr>
+        <p:cNvPr id="1" name=""/>
+        <p:cNvGrpSpPr/>
+        <p:nvPr/>
+      </p:nvGrpSpPr>
+      <p:grpSpPr>
+        <a:xfrm>
+          <a:off x="0" y="0"/>
+          <a:ext cx="0" cy="0"/>
+          <a:chOff x="0" y="0"/>
+          <a:chExt cx="0" cy="0"/>
+        </a:xfrm>
+      </p:grpSpPr>
+      <p:sp>
+        <p:nvSpPr>
+          <p:cNvPr id="2" name="Título 1">
+            <a:extLst>
+              <a:ext uri="{FF2B5EF4-FFF2-40B4-BE49-F238E27FC236}">
+                <a16:creationId xmlns:a16="http://schemas.microsoft.com/office/drawing/2014/main" id="{F69FF439-ADBC-E2A8-75DD-26B866C6235E}"/>
+              </a:ext>
+            </a:extLst>
+          </p:cNvPr>
+          <p:cNvSpPr>
+            <a:spLocks noGrp="1"/>
+          </p:cNvSpPr>
+          <p:nvPr>
+            <p:ph type="title"/>
+          </p:nvPr>
+        </p:nvSpPr>
+        <p:spPr/>
+        <p:txBody>
+          <a:bodyPr/>
+          <a:lstStyle/>
+          <a:p>
+            <a:r>
+              <a:rPr lang="es-ES" sz="2950" dirty="0">
+                <a:latin typeface="Geneva"/>
+              </a:rPr>
+              <a:t>Arquitectura</a:t>
+            </a:r>
+            <a:endParaRPr lang="es-ES" dirty="0"/>
+          </a:p>
+        </p:txBody>
+      </p:sp>
+      <p:sp>
+        <p:nvSpPr>
+          <p:cNvPr id="3" name="Marcador de contenido 2">
+            <a:extLst>
+              <a:ext uri="{FF2B5EF4-FFF2-40B4-BE49-F238E27FC236}">
+                <a16:creationId xmlns:a16="http://schemas.microsoft.com/office/drawing/2014/main" id="{3420D9C2-CAC7-E2F4-D4D7-FC1C53F1E3AC}"/>
+              </a:ext>
+            </a:extLst>
+          </p:cNvPr>
+          <p:cNvSpPr>
+            <a:spLocks noGrp="1"/>
+          </p:cNvSpPr>
+          <p:nvPr>
+            <p:ph idx="1"/>
+          </p:nvPr>
+        </p:nvSpPr>
+        <p:spPr/>
+        <p:txBody>
+          <a:bodyPr/>
+          <a:lstStyle/>
+          <a:p>
+            <a:endParaRPr lang="es-ES"/>
+          </a:p>
+        </p:txBody>
+      </p:sp>
+      <p:sp>
+        <p:nvSpPr>
+          <p:cNvPr id="4" name="Marcador de fecha 3">
+            <a:extLst>
+              <a:ext uri="{FF2B5EF4-FFF2-40B4-BE49-F238E27FC236}">
+                <a16:creationId xmlns:a16="http://schemas.microsoft.com/office/drawing/2014/main" id="{1C7F6A76-A49E-63E1-873B-974ABA7D96CF}"/>
+              </a:ext>
+            </a:extLst>
+          </p:cNvPr>
+          <p:cNvSpPr>
+            <a:spLocks noGrp="1"/>
+          </p:cNvSpPr>
+          <p:nvPr>
+            <p:ph type="dt" sz="half" idx="10"/>
+          </p:nvPr>
+        </p:nvSpPr>
+        <p:spPr/>
+        <p:txBody>
+          <a:bodyPr/>
+          <a:lstStyle/>
+          <a:p>
+            <a:pPr defTabSz="422041">
+              <a:defRPr/>
+            </a:pPr>
+            <a:r>
+              <a:rPr lang="es-ES">
+                <a:solidFill>
+                  <a:prstClr val="black">
+                    <a:tint val="75000"/>
+                  </a:prstClr>
+                </a:solidFill>
+              </a:rPr>
+              <a:t>Curso 2021-2022</a:t>
+            </a:r>
+          </a:p>
+        </p:txBody>
+      </p:sp>
+      <p:sp>
+        <p:nvSpPr>
+          <p:cNvPr id="5" name="Marcador de pie de página 4">
+            <a:extLst>
+              <a:ext uri="{FF2B5EF4-FFF2-40B4-BE49-F238E27FC236}">
+                <a16:creationId xmlns:a16="http://schemas.microsoft.com/office/drawing/2014/main" id="{B02D4C27-4DF3-360E-6F59-85946C50BBE2}"/>
+              </a:ext>
+            </a:extLst>
+          </p:cNvPr>
+          <p:cNvSpPr>
+            <a:spLocks noGrp="1"/>
+          </p:cNvSpPr>
+          <p:nvPr>
+            <p:ph type="ftr" sz="quarter" idx="11"/>
+          </p:nvPr>
+        </p:nvSpPr>
+        <p:spPr/>
+        <p:txBody>
+          <a:bodyPr/>
+          <a:lstStyle/>
+          <a:p>
+            <a:pPr defTabSz="422041">
+              <a:defRPr/>
+            </a:pPr>
+            <a:r>
+              <a:rPr lang="es-ES">
+                <a:solidFill>
+                  <a:prstClr val="black">
+                    <a:tint val="75000"/>
+                  </a:prstClr>
+                </a:solidFill>
+              </a:rPr>
+              <a:t>Introducción a la Ingeniería del Software</a:t>
+            </a:r>
+          </a:p>
+        </p:txBody>
+      </p:sp>
+      <p:sp>
+        <p:nvSpPr>
+          <p:cNvPr id="6" name="Marcador de número de diapositiva 5">
+            <a:extLst>
+              <a:ext uri="{FF2B5EF4-FFF2-40B4-BE49-F238E27FC236}">
+                <a16:creationId xmlns:a16="http://schemas.microsoft.com/office/drawing/2014/main" id="{F4FB0E14-3B76-E561-001A-F81574E95A75}"/>
+              </a:ext>
+            </a:extLst>
+          </p:cNvPr>
+          <p:cNvSpPr>
+            <a:spLocks noGrp="1"/>
+          </p:cNvSpPr>
+          <p:nvPr>
+            <p:ph type="sldNum" sz="quarter" idx="12"/>
+          </p:nvPr>
+        </p:nvSpPr>
+        <p:spPr/>
+        <p:txBody>
+          <a:bodyPr/>
+          <a:lstStyle/>
+          <a:p>
+            <a:pPr defTabSz="422041">
+              <a:defRPr/>
+            </a:pPr>
+            <a:fld id="{9961DA19-05BC-2C48-AEE7-B9DFD6D07410}" type="slidenum">
+              <a:rPr lang="es-ES" smtClean="0">
+                <a:solidFill>
+                  <a:prstClr val="black">
+                    <a:tint val="75000"/>
+                  </a:prstClr>
+                </a:solidFill>
+              </a:rPr>
+              <a:pPr defTabSz="422041">
+                <a:defRPr/>
+              </a:pPr>
+              <a:t>7</a:t>
+            </a:fld>
+            <a:endParaRPr lang="es-ES">
+              <a:solidFill>
+                <a:prstClr val="black">
+                  <a:tint val="75000"/>
+                </a:prstClr>
+              </a:solidFill>
+            </a:endParaRPr>
+          </a:p>
+        </p:txBody>
+      </p:sp>
+    </p:spTree>
+    <p:extLst>
+      <p:ext uri="{BB962C8B-B14F-4D97-AF65-F5344CB8AC3E}">
+        <p14:creationId xmlns:p14="http://schemas.microsoft.com/office/powerpoint/2010/main" val="3636806485"/>
+      </p:ext>
+    </p:extLst>
+  </p:cSld>
+  <p:clrMapOvr>
+    <a:masterClrMapping/>
+  </p:clrMapOvr>
+</p:sld>
+</file>
+
+<file path=ppt/slides/slide8.xml><?xml version="1.0" encoding="utf-8"?>
+<p:sld xmlns:a="http://schemas.openxmlformats.org/drawingml/2006/main" xmlns:r="http://schemas.openxmlformats.org/officeDocument/2006/relationships" xmlns:p="http://schemas.openxmlformats.org/presentationml/2006/main">
+  <p:cSld>
+    <p:spTree>
+      <p:nvGrpSpPr>
+        <p:cNvPr id="1" name=""/>
+        <p:cNvGrpSpPr/>
+        <p:nvPr/>
+      </p:nvGrpSpPr>
+      <p:grpSpPr>
+        <a:xfrm>
+          <a:off x="0" y="0"/>
+          <a:ext cx="0" cy="0"/>
+          <a:chOff x="0" y="0"/>
+          <a:chExt cx="0" cy="0"/>
+        </a:xfrm>
+      </p:grpSpPr>
+      <p:sp>
+        <p:nvSpPr>
+          <p:cNvPr id="2" name="Título 1">
+            <a:extLst>
+              <a:ext uri="{FF2B5EF4-FFF2-40B4-BE49-F238E27FC236}">
+                <a16:creationId xmlns:a16="http://schemas.microsoft.com/office/drawing/2014/main" id="{06B4040A-B532-101C-06D2-E433575FEA12}"/>
+              </a:ext>
+            </a:extLst>
+          </p:cNvPr>
+          <p:cNvSpPr>
+            <a:spLocks noGrp="1"/>
+          </p:cNvSpPr>
+          <p:nvPr>
+            <p:ph type="title"/>
+          </p:nvPr>
+        </p:nvSpPr>
+        <p:spPr/>
+        <p:txBody>
+          <a:bodyPr/>
+          <a:lstStyle/>
+          <a:p>
+            <a:r>
+              <a:rPr lang="es-ES" sz="2950" dirty="0">
+                <a:latin typeface="Geneva"/>
+              </a:rPr>
+              <a:t>Modelos</a:t>
+            </a:r>
+            <a:endParaRPr lang="es-ES" sz="2950" dirty="0"/>
+          </a:p>
+        </p:txBody>
+      </p:sp>
+      <p:sp>
+        <p:nvSpPr>
+          <p:cNvPr id="3" name="Marcador de contenido 2">
+            <a:extLst>
+              <a:ext uri="{FF2B5EF4-FFF2-40B4-BE49-F238E27FC236}">
+                <a16:creationId xmlns:a16="http://schemas.microsoft.com/office/drawing/2014/main" id="{249AF41E-3847-E031-C574-A321E770A3C4}"/>
+              </a:ext>
+            </a:extLst>
+          </p:cNvPr>
+          <p:cNvSpPr>
+            <a:spLocks noGrp="1"/>
+          </p:cNvSpPr>
+          <p:nvPr>
+            <p:ph idx="1"/>
+          </p:nvPr>
+        </p:nvSpPr>
+        <p:spPr/>
+        <p:txBody>
+          <a:bodyPr/>
+          <a:lstStyle/>
+          <a:p>
+            <a:endParaRPr lang="es-ES"/>
+          </a:p>
+        </p:txBody>
+      </p:sp>
+      <p:sp>
+        <p:nvSpPr>
+          <p:cNvPr id="4" name="Marcador de fecha 3">
+            <a:extLst>
+              <a:ext uri="{FF2B5EF4-FFF2-40B4-BE49-F238E27FC236}">
+                <a16:creationId xmlns:a16="http://schemas.microsoft.com/office/drawing/2014/main" id="{1CE2F660-9A10-8F85-498A-F308016B7DEA}"/>
+              </a:ext>
+            </a:extLst>
+          </p:cNvPr>
+          <p:cNvSpPr>
+            <a:spLocks noGrp="1"/>
+          </p:cNvSpPr>
+          <p:nvPr>
+            <p:ph type="dt" sz="half" idx="10"/>
+          </p:nvPr>
+        </p:nvSpPr>
+        <p:spPr/>
+        <p:txBody>
+          <a:bodyPr/>
+          <a:lstStyle/>
+          <a:p>
+            <a:pPr defTabSz="422041">
+              <a:defRPr/>
+            </a:pPr>
+            <a:r>
+              <a:rPr lang="es-ES">
+                <a:solidFill>
+                  <a:prstClr val="black">
+                    <a:tint val="75000"/>
+                  </a:prstClr>
+                </a:solidFill>
+              </a:rPr>
+              <a:t>Curso 2021-2022</a:t>
+            </a:r>
+          </a:p>
+        </p:txBody>
+      </p:sp>
+      <p:sp>
+        <p:nvSpPr>
+          <p:cNvPr id="5" name="Marcador de pie de página 4">
+            <a:extLst>
+              <a:ext uri="{FF2B5EF4-FFF2-40B4-BE49-F238E27FC236}">
+                <a16:creationId xmlns:a16="http://schemas.microsoft.com/office/drawing/2014/main" id="{5EADE792-0AFB-5272-59A1-C260F22570E8}"/>
+              </a:ext>
+            </a:extLst>
+          </p:cNvPr>
+          <p:cNvSpPr>
+            <a:spLocks noGrp="1"/>
+          </p:cNvSpPr>
+          <p:nvPr>
+            <p:ph type="ftr" sz="quarter" idx="11"/>
+          </p:nvPr>
+        </p:nvSpPr>
+        <p:spPr/>
+        <p:txBody>
+          <a:bodyPr/>
+          <a:lstStyle/>
+          <a:p>
+            <a:pPr defTabSz="422041">
+              <a:defRPr/>
+            </a:pPr>
+            <a:r>
+              <a:rPr lang="es-ES">
+                <a:solidFill>
+                  <a:prstClr val="black">
+                    <a:tint val="75000"/>
+                  </a:prstClr>
+                </a:solidFill>
+              </a:rPr>
+              <a:t>Introducción a la Ingeniería del Software</a:t>
+            </a:r>
+          </a:p>
+        </p:txBody>
+      </p:sp>
+      <p:sp>
+        <p:nvSpPr>
+          <p:cNvPr id="6" name="Marcador de número de diapositiva 5">
+            <a:extLst>
+              <a:ext uri="{FF2B5EF4-FFF2-40B4-BE49-F238E27FC236}">
+                <a16:creationId xmlns:a16="http://schemas.microsoft.com/office/drawing/2014/main" id="{ACEAFB86-E3DC-0881-5E73-F8C28677AED0}"/>
+              </a:ext>
+            </a:extLst>
+          </p:cNvPr>
+          <p:cNvSpPr>
+            <a:spLocks noGrp="1"/>
+          </p:cNvSpPr>
+          <p:nvPr>
+            <p:ph type="sldNum" sz="quarter" idx="12"/>
+          </p:nvPr>
+        </p:nvSpPr>
+        <p:spPr/>
+        <p:txBody>
+          <a:bodyPr/>
+          <a:lstStyle/>
+          <a:p>
+            <a:pPr defTabSz="422041">
+              <a:defRPr/>
+            </a:pPr>
+            <a:fld id="{9961DA19-05BC-2C48-AEE7-B9DFD6D07410}" type="slidenum">
+              <a:rPr lang="es-ES" smtClean="0">
+                <a:solidFill>
+                  <a:prstClr val="black">
+                    <a:tint val="75000"/>
+                  </a:prstClr>
+                </a:solidFill>
+              </a:rPr>
+              <a:pPr defTabSz="422041">
+                <a:defRPr/>
+              </a:pPr>
+              <a:t>8</a:t>
+            </a:fld>
+            <a:endParaRPr lang="es-ES">
+              <a:solidFill>
+                <a:prstClr val="black">
+                  <a:tint val="75000"/>
+                </a:prstClr>
+              </a:solidFill>
+            </a:endParaRPr>
+          </a:p>
+        </p:txBody>
+      </p:sp>
+    </p:spTree>
+    <p:extLst>
+      <p:ext uri="{BB962C8B-B14F-4D97-AF65-F5344CB8AC3E}">
+        <p14:creationId xmlns:p14="http://schemas.microsoft.com/office/powerpoint/2010/main" val="3841751223"/>
+      </p:ext>
+    </p:extLst>
+  </p:cSld>
+  <p:clrMapOvr>
+    <a:masterClrMapping/>
+  </p:clrMapOvr>
+</p:sld>
+</file>
+
+<file path=ppt/slides/slide9.xml><?xml version="1.0" encoding="utf-8"?>
+<p:sld xmlns:a="http://schemas.openxmlformats.org/drawingml/2006/main" xmlns:r="http://schemas.openxmlformats.org/officeDocument/2006/relationships" xmlns:p="http://schemas.openxmlformats.org/presentationml/2006/main">
+  <p:cSld>
+    <p:spTree>
+      <p:nvGrpSpPr>
+        <p:cNvPr id="1" name=""/>
+        <p:cNvGrpSpPr/>
+        <p:nvPr/>
+      </p:nvGrpSpPr>
+      <p:grpSpPr>
+        <a:xfrm>
+          <a:off x="0" y="0"/>
+          <a:ext cx="0" cy="0"/>
+          <a:chOff x="0" y="0"/>
+          <a:chExt cx="0" cy="0"/>
+        </a:xfrm>
+      </p:grpSpPr>
+      <p:sp>
+        <p:nvSpPr>
+          <p:cNvPr id="2" name="Título 1">
+            <a:extLst>
+              <a:ext uri="{FF2B5EF4-FFF2-40B4-BE49-F238E27FC236}">
+                <a16:creationId xmlns:a16="http://schemas.microsoft.com/office/drawing/2014/main" id="{F92B5780-49D8-D397-78A8-E07A10F47A4C}"/>
+              </a:ext>
+            </a:extLst>
+          </p:cNvPr>
+          <p:cNvSpPr>
+            <a:spLocks noGrp="1"/>
+          </p:cNvSpPr>
+          <p:nvPr>
+            <p:ph type="title"/>
+          </p:nvPr>
+        </p:nvSpPr>
+        <p:spPr/>
+        <p:txBody>
+          <a:bodyPr/>
+          <a:lstStyle/>
+          <a:p>
+            <a:r>
+              <a:rPr lang="es-ES" sz="2950" dirty="0">
+                <a:latin typeface="Geneva"/>
+              </a:rPr>
+              <a:t>Patrones</a:t>
+            </a:r>
+            <a:endParaRPr lang="es-ES" dirty="0"/>
+          </a:p>
+        </p:txBody>
+      </p:sp>
+      <p:sp>
+        <p:nvSpPr>
+          <p:cNvPr id="3" name="Marcador de contenido 2">
+            <a:extLst>
+              <a:ext uri="{FF2B5EF4-FFF2-40B4-BE49-F238E27FC236}">
+                <a16:creationId xmlns:a16="http://schemas.microsoft.com/office/drawing/2014/main" id="{2FDC2392-65CF-CBD0-FD19-E260ABAC49CB}"/>
+              </a:ext>
+            </a:extLst>
+          </p:cNvPr>
+          <p:cNvSpPr>
+            <a:spLocks noGrp="1"/>
+          </p:cNvSpPr>
+          <p:nvPr>
+            <p:ph idx="1"/>
+          </p:nvPr>
+        </p:nvSpPr>
+        <p:spPr/>
+        <p:txBody>
+          <a:bodyPr/>
+          <a:lstStyle/>
+          <a:p>
+            <a:endParaRPr lang="es-ES"/>
+          </a:p>
+        </p:txBody>
+      </p:sp>
+      <p:sp>
+        <p:nvSpPr>
+          <p:cNvPr id="4" name="Marcador de fecha 3">
+            <a:extLst>
+              <a:ext uri="{FF2B5EF4-FFF2-40B4-BE49-F238E27FC236}">
+                <a16:creationId xmlns:a16="http://schemas.microsoft.com/office/drawing/2014/main" id="{0779FFCC-B079-4DB2-AD00-99192F4D993C}"/>
+              </a:ext>
+            </a:extLst>
+          </p:cNvPr>
+          <p:cNvSpPr>
+            <a:spLocks noGrp="1"/>
+          </p:cNvSpPr>
+          <p:nvPr>
+            <p:ph type="dt" sz="half" idx="10"/>
+          </p:nvPr>
+        </p:nvSpPr>
+        <p:spPr/>
+        <p:txBody>
+          <a:bodyPr/>
+          <a:lstStyle/>
+          <a:p>
+            <a:pPr defTabSz="422041">
+              <a:defRPr/>
+            </a:pPr>
+            <a:r>
+              <a:rPr lang="es-ES">
+                <a:solidFill>
+                  <a:prstClr val="black">
+                    <a:tint val="75000"/>
+                  </a:prstClr>
+                </a:solidFill>
+              </a:rPr>
+              <a:t>Curso 2021-2022</a:t>
+            </a:r>
+          </a:p>
+        </p:txBody>
+      </p:sp>
+      <p:sp>
+        <p:nvSpPr>
+          <p:cNvPr id="5" name="Marcador de pie de página 4">
+            <a:extLst>
+              <a:ext uri="{FF2B5EF4-FFF2-40B4-BE49-F238E27FC236}">
+                <a16:creationId xmlns:a16="http://schemas.microsoft.com/office/drawing/2014/main" id="{A8170F22-D978-887A-A622-BB7A4BDD8F8B}"/>
+              </a:ext>
+            </a:extLst>
+          </p:cNvPr>
+          <p:cNvSpPr>
+            <a:spLocks noGrp="1"/>
+          </p:cNvSpPr>
+          <p:nvPr>
+            <p:ph type="ftr" sz="quarter" idx="11"/>
+          </p:nvPr>
+        </p:nvSpPr>
+        <p:spPr/>
+        <p:txBody>
+          <a:bodyPr/>
+          <a:lstStyle/>
+          <a:p>
+            <a:pPr defTabSz="422041">
+              <a:defRPr/>
+            </a:pPr>
+            <a:r>
+              <a:rPr lang="es-ES">
+                <a:solidFill>
+                  <a:prstClr val="black">
+                    <a:tint val="75000"/>
+                  </a:prstClr>
+                </a:solidFill>
+              </a:rPr>
+              <a:t>Introducción a la Ingeniería del Software</a:t>
+            </a:r>
+          </a:p>
+        </p:txBody>
+      </p:sp>
+      <p:sp>
+        <p:nvSpPr>
+          <p:cNvPr id="6" name="Marcador de número de diapositiva 5">
+            <a:extLst>
+              <a:ext uri="{FF2B5EF4-FFF2-40B4-BE49-F238E27FC236}">
+                <a16:creationId xmlns:a16="http://schemas.microsoft.com/office/drawing/2014/main" id="{3A425E5B-FF22-FD9C-5BE3-4E38594D88B1}"/>
+              </a:ext>
+            </a:extLst>
+          </p:cNvPr>
+          <p:cNvSpPr>
+            <a:spLocks noGrp="1"/>
+          </p:cNvSpPr>
+          <p:nvPr>
+            <p:ph type="sldNum" sz="quarter" idx="12"/>
+          </p:nvPr>
+        </p:nvSpPr>
+        <p:spPr/>
+        <p:txBody>
+          <a:bodyPr/>
+          <a:lstStyle/>
+          <a:p>
+            <a:pPr defTabSz="422041">
+              <a:defRPr/>
+            </a:pPr>
+            <a:fld id="{9961DA19-05BC-2C48-AEE7-B9DFD6D07410}" type="slidenum">
+              <a:rPr lang="es-ES" smtClean="0">
+                <a:solidFill>
+                  <a:prstClr val="black">
+                    <a:tint val="75000"/>
+                  </a:prstClr>
+                </a:solidFill>
+              </a:rPr>
+              <a:pPr defTabSz="422041">
+                <a:defRPr/>
+              </a:pPr>
+              <a:t>9</a:t>
+            </a:fld>
+            <a:endParaRPr lang="es-ES">
+              <a:solidFill>
+                <a:prstClr val="black">
+                  <a:tint val="75000"/>
+                </a:prstClr>
+              </a:solidFill>
+            </a:endParaRPr>
+          </a:p>
+        </p:txBody>
+      </p:sp>
+    </p:spTree>
+    <p:extLst>
+      <p:ext uri="{BB962C8B-B14F-4D97-AF65-F5344CB8AC3E}">
+        <p14:creationId xmlns:p14="http://schemas.microsoft.com/office/powerpoint/2010/main" val="3758494902"/>
       </p:ext>
     </p:extLst>
   </p:cSld>

--- a/PFentertainment_presentación.pptx
+++ b/PFentertainment_presentación.pptx
@@ -5,23 +5,34 @@
     <p:sldMasterId id="2147484831" r:id="rId1"/>
   </p:sldMasterIdLst>
   <p:notesMasterIdLst>
-    <p:notesMasterId r:id="rId13"/>
+    <p:notesMasterId r:id="rId24"/>
   </p:notesMasterIdLst>
   <p:handoutMasterIdLst>
-    <p:handoutMasterId r:id="rId14"/>
+    <p:handoutMasterId r:id="rId25"/>
   </p:handoutMasterIdLst>
   <p:sldIdLst>
     <p:sldId id="256" r:id="rId2"/>
     <p:sldId id="257" r:id="rId3"/>
-    <p:sldId id="258" r:id="rId4"/>
-    <p:sldId id="266" r:id="rId5"/>
-    <p:sldId id="259" r:id="rId6"/>
-    <p:sldId id="260" r:id="rId7"/>
-    <p:sldId id="261" r:id="rId8"/>
-    <p:sldId id="264" r:id="rId9"/>
-    <p:sldId id="262" r:id="rId10"/>
-    <p:sldId id="265" r:id="rId11"/>
-    <p:sldId id="263" r:id="rId12"/>
+    <p:sldId id="274" r:id="rId4"/>
+    <p:sldId id="258" r:id="rId5"/>
+    <p:sldId id="266" r:id="rId6"/>
+    <p:sldId id="259" r:id="rId7"/>
+    <p:sldId id="260" r:id="rId8"/>
+    <p:sldId id="261" r:id="rId9"/>
+    <p:sldId id="264" r:id="rId10"/>
+    <p:sldId id="262" r:id="rId11"/>
+    <p:sldId id="273" r:id="rId12"/>
+    <p:sldId id="275" r:id="rId13"/>
+    <p:sldId id="276" r:id="rId14"/>
+    <p:sldId id="277" r:id="rId15"/>
+    <p:sldId id="278" r:id="rId16"/>
+    <p:sldId id="265" r:id="rId17"/>
+    <p:sldId id="272" r:id="rId18"/>
+    <p:sldId id="263" r:id="rId19"/>
+    <p:sldId id="267" r:id="rId20"/>
+    <p:sldId id="268" r:id="rId21"/>
+    <p:sldId id="269" r:id="rId22"/>
+    <p:sldId id="270" r:id="rId23"/>
   </p:sldIdLst>
   <p:sldSz cx="9144000" cy="6858000" type="screen4x3"/>
   <p:notesSz cx="6858000" cy="9144000"/>
@@ -151,7 +162,8 @@
 <file path=ppt/revisionInfo.xml><?xml version="1.0" encoding="utf-8"?>
 <p1510:revInfo xmlns:a="http://schemas.openxmlformats.org/drawingml/2006/main" xmlns:r="http://schemas.openxmlformats.org/officeDocument/2006/relationships" xmlns:p1510="http://schemas.microsoft.com/office/powerpoint/2015/10/main">
   <p1510:revLst>
-    <p1510:client id="{202B8115-71DF-4874-A28C-BDD96070E8DE}" v="576" dt="2022-05-24T08:16:06.208"/>
+    <p1510:client id="{41BC8598-B609-4012-A2B8-23110220FEA6}" v="799" dt="2022-05-30T12:20:43.895"/>
+    <p1510:client id="{4DE80898-35A4-4940-95C3-34D8C1415257}" v="1965" dt="2022-05-31T08:24:12.424"/>
   </p1510:revLst>
 </p1510:revInfo>
 </file>
@@ -239,7 +251,7 @@
             <a:fld id="{0252902A-18E7-6440-A09B-741E2A2B6D42}" type="datetimeFigureOut">
               <a:rPr lang="es-ES" smtClean="0"/>
               <a:pPr/>
-              <a:t>26/05/2022</a:t>
+              <a:t>30/05/2022</a:t>
             </a:fld>
             <a:endParaRPr lang="es-ES"/>
           </a:p>
@@ -407,7 +419,7 @@
             <a:fld id="{4FA7064A-13DB-A34E-B31E-2D0AF10C5A7A}" type="datetimeFigureOut">
               <a:rPr lang="es-ES" smtClean="0"/>
               <a:pPr/>
-              <a:t>26/05/2022</a:t>
+              <a:t>30/05/2022</a:t>
             </a:fld>
             <a:endParaRPr lang="es-ES"/>
           </a:p>
@@ -3961,7 +3973,7 @@
         </p:nvSpPr>
         <p:spPr>
           <a:xfrm>
-            <a:off x="685800" y="1122363"/>
+            <a:off x="685800" y="785257"/>
             <a:ext cx="7772400" cy="975803"/>
           </a:xfrm>
         </p:spPr>
@@ -4021,7 +4033,7 @@
         </p:nvSpPr>
         <p:spPr>
           <a:xfrm>
-            <a:off x="1113908" y="2220968"/>
+            <a:off x="1145512" y="2062950"/>
             <a:ext cx="6858000" cy="3752835"/>
           </a:xfrm>
         </p:spPr>
@@ -4209,7 +4221,7 @@
           <p:cNvPr id="2" name="Título 1">
             <a:extLst>
               <a:ext uri="{FF2B5EF4-FFF2-40B4-BE49-F238E27FC236}">
-                <a16:creationId xmlns:a16="http://schemas.microsoft.com/office/drawing/2014/main" id="{5D976B5A-B1FE-AA44-5307-8983E17F6F45}"/>
+                <a16:creationId xmlns:a16="http://schemas.microsoft.com/office/drawing/2014/main" id="{F92B5780-49D8-D397-78A8-E07A10F47A4C}"/>
               </a:ext>
             </a:extLst>
           </p:cNvPr>
@@ -4229,7 +4241,7 @@
               <a:rPr lang="es-ES" sz="2950" dirty="0">
                 <a:latin typeface="Geneva"/>
               </a:rPr>
-              <a:t>Pruebas</a:t>
+              <a:t>Patrones</a:t>
             </a:r>
             <a:endParaRPr lang="es-ES" dirty="0"/>
           </a:p>
@@ -4240,7 +4252,7 @@
           <p:cNvPr id="3" name="Marcador de contenido 2">
             <a:extLst>
               <a:ext uri="{FF2B5EF4-FFF2-40B4-BE49-F238E27FC236}">
-                <a16:creationId xmlns:a16="http://schemas.microsoft.com/office/drawing/2014/main" id="{01CD13E6-C70F-756B-9193-AB58FB0335CD}"/>
+                <a16:creationId xmlns:a16="http://schemas.microsoft.com/office/drawing/2014/main" id="{2FDC2392-65CF-CBD0-FD19-E260ABAC49CB}"/>
               </a:ext>
             </a:extLst>
           </p:cNvPr>
@@ -4253,10 +4265,58 @@
         </p:nvSpPr>
         <p:spPr/>
         <p:txBody>
-          <a:bodyPr/>
-          <a:lstStyle/>
-          <a:p>
-            <a:endParaRPr lang="es-ES"/>
+          <a:bodyPr vert="horz" lIns="91440" tIns="45720" rIns="91440" bIns="45720" rtlCol="0" anchor="t">
+            <a:normAutofit/>
+          </a:bodyPr>
+          <a:lstStyle/>
+          <a:p>
+            <a:pPr marL="0" indent="0" algn="ctr">
+              <a:buNone/>
+            </a:pPr>
+            <a:r>
+              <a:rPr lang="es-ES" sz="2950" dirty="0">
+                <a:latin typeface="Helvetica"/>
+                <a:ea typeface="Verdana"/>
+                <a:cs typeface="Arial"/>
+              </a:rPr>
+              <a:t>Patrón </a:t>
+            </a:r>
+            <a:r>
+              <a:rPr lang="es-ES" sz="2950" dirty="0" err="1">
+                <a:latin typeface="Helvetica"/>
+                <a:ea typeface="Verdana"/>
+                <a:cs typeface="Arial"/>
+              </a:rPr>
+              <a:t>Façade</a:t>
+            </a:r>
+            <a:r>
+              <a:rPr lang="es-ES" sz="2950" dirty="0">
+                <a:latin typeface="Helvetica"/>
+                <a:ea typeface="Verdana"/>
+                <a:cs typeface="Arial"/>
+              </a:rPr>
+              <a:t>: la clase Partida hace de fachada, pues el usuario interactúa con ella y ella se encarga de abrir las demás clases.</a:t>
+            </a:r>
+          </a:p>
+          <a:p>
+            <a:pPr marL="0" indent="0" algn="ctr">
+              <a:buNone/>
+            </a:pPr>
+            <a:endParaRPr lang="es-ES" sz="2950" dirty="0"/>
+          </a:p>
+          <a:p>
+            <a:pPr marL="0" indent="0" algn="ctr">
+              <a:buNone/>
+            </a:pPr>
+            <a:r>
+              <a:rPr lang="es-ES" sz="2950" dirty="0">
+                <a:latin typeface="Helvetica"/>
+                <a:ea typeface="Verdana"/>
+                <a:cs typeface="Arial"/>
+              </a:rPr>
+              <a:t>[a debate]</a:t>
+            </a:r>
+            <a:endParaRPr lang="es-ES" sz="2950" dirty="0"/>
           </a:p>
         </p:txBody>
       </p:sp>
@@ -4265,7 +4325,7 @@
           <p:cNvPr id="4" name="Marcador de fecha 3">
             <a:extLst>
               <a:ext uri="{FF2B5EF4-FFF2-40B4-BE49-F238E27FC236}">
-                <a16:creationId xmlns:a16="http://schemas.microsoft.com/office/drawing/2014/main" id="{B6BE840B-B08D-477F-FD9F-3334C4503020}"/>
+                <a16:creationId xmlns:a16="http://schemas.microsoft.com/office/drawing/2014/main" id="{0779FFCC-B079-4DB2-AD00-99192F4D993C}"/>
               </a:ext>
             </a:extLst>
           </p:cNvPr>
@@ -4302,7 +4362,7 @@
           <p:cNvPr id="5" name="Marcador de pie de página 4">
             <a:extLst>
               <a:ext uri="{FF2B5EF4-FFF2-40B4-BE49-F238E27FC236}">
-                <a16:creationId xmlns:a16="http://schemas.microsoft.com/office/drawing/2014/main" id="{2B81049A-060D-24D7-7DC7-79841F480CE4}"/>
+                <a16:creationId xmlns:a16="http://schemas.microsoft.com/office/drawing/2014/main" id="{A8170F22-D978-887A-A622-BB7A4BDD8F8B}"/>
               </a:ext>
             </a:extLst>
           </p:cNvPr>
@@ -4339,7 +4399,7 @@
           <p:cNvPr id="6" name="Marcador de número de diapositiva 5">
             <a:extLst>
               <a:ext uri="{FF2B5EF4-FFF2-40B4-BE49-F238E27FC236}">
-                <a16:creationId xmlns:a16="http://schemas.microsoft.com/office/drawing/2014/main" id="{5EB6CB30-A328-58DB-6883-2323124C96BD}"/>
+                <a16:creationId xmlns:a16="http://schemas.microsoft.com/office/drawing/2014/main" id="{3A425E5B-FF22-FD9C-5BE3-4E38594D88B1}"/>
               </a:ext>
             </a:extLst>
           </p:cNvPr>
@@ -4384,13 +4444,16 @@
     </p:spTree>
     <p:extLst>
       <p:ext uri="{BB962C8B-B14F-4D97-AF65-F5344CB8AC3E}">
-        <p14:creationId xmlns:p14="http://schemas.microsoft.com/office/powerpoint/2010/main" val="749499641"/>
+        <p14:creationId xmlns:p14="http://schemas.microsoft.com/office/powerpoint/2010/main" val="3758494902"/>
       </p:ext>
     </p:extLst>
   </p:cSld>
   <p:clrMapOvr>
     <a:masterClrMapping/>
   </p:clrMapOvr>
+  <p:transition spd="slow">
+    <p:wipe/>
+  </p:transition>
 </p:sld>
 </file>
 
@@ -4416,7 +4479,7 @@
           <p:cNvPr id="2" name="Título 1">
             <a:extLst>
               <a:ext uri="{FF2B5EF4-FFF2-40B4-BE49-F238E27FC236}">
-                <a16:creationId xmlns:a16="http://schemas.microsoft.com/office/drawing/2014/main" id="{E3B0F960-EDD5-882D-8B18-2D5FBCF79A8D}"/>
+                <a16:creationId xmlns:a16="http://schemas.microsoft.com/office/drawing/2014/main" id="{DC06363B-2DC7-0962-8E58-EEC44C5AF1CD}"/>
               </a:ext>
             </a:extLst>
           </p:cNvPr>
@@ -4432,32 +4495,75 @@
           <a:bodyPr/>
           <a:lstStyle/>
           <a:p>
+            <a:r>
+              <a:rPr lang="es-ES" sz="2950" dirty="0">
+                <a:latin typeface="Geneva"/>
+              </a:rPr>
+              <a:t>Principios: </a:t>
+            </a:r>
+            <a:r>
+              <a:rPr lang="es-ES" sz="2950" dirty="0">
+                <a:solidFill>
+                  <a:srgbClr val="FF0000"/>
+                </a:solidFill>
+                <a:latin typeface="Geneva"/>
+              </a:rPr>
+              <a:t>S</a:t>
+            </a:r>
+            <a:r>
+              <a:rPr lang="es-ES" sz="2950" dirty="0">
+                <a:latin typeface="Geneva"/>
+              </a:rPr>
+              <a:t>OLID</a:t>
+            </a:r>
+            <a:endParaRPr lang="es-ES" dirty="0">
+              <a:latin typeface="Geneva"/>
+            </a:endParaRPr>
+          </a:p>
+        </p:txBody>
+      </p:sp>
+      <p:sp>
+        <p:nvSpPr>
+          <p:cNvPr id="3" name="Marcador de contenido 2">
+            <a:extLst>
+              <a:ext uri="{FF2B5EF4-FFF2-40B4-BE49-F238E27FC236}">
+                <a16:creationId xmlns:a16="http://schemas.microsoft.com/office/drawing/2014/main" id="{B0E8CFB3-6013-7FAD-A9C9-8085C2048497}"/>
+              </a:ext>
+            </a:extLst>
+          </p:cNvPr>
+          <p:cNvSpPr>
+            <a:spLocks noGrp="1"/>
+          </p:cNvSpPr>
+          <p:nvPr>
+            <p:ph idx="1"/>
+          </p:nvPr>
+        </p:nvSpPr>
+        <p:spPr>
+          <a:xfrm>
+            <a:off x="364156" y="2193525"/>
+            <a:ext cx="3305254" cy="1390971"/>
+          </a:xfrm>
+        </p:spPr>
+        <p:txBody>
+          <a:bodyPr vert="horz" lIns="91440" tIns="45720" rIns="91440" bIns="45720" rtlCol="0" anchor="t">
+            <a:normAutofit lnSpcReduction="10000"/>
+          </a:bodyPr>
+          <a:lstStyle/>
+          <a:p>
+            <a:pPr marL="457200" indent="-457200" algn="ctr"/>
+            <a:r>
+              <a:rPr lang="es-ES" sz="2950" dirty="0">
+                <a:latin typeface="Helvetica"/>
+                <a:ea typeface="Verdana"/>
+                <a:cs typeface="Arial"/>
+              </a:rPr>
+              <a:t>Principio de responsabilidad única.</a:t>
+            </a:r>
             <a:endParaRPr lang="es-ES"/>
           </a:p>
-        </p:txBody>
-      </p:sp>
-      <p:sp>
-        <p:nvSpPr>
-          <p:cNvPr id="3" name="Marcador de contenido 2">
-            <a:extLst>
-              <a:ext uri="{FF2B5EF4-FFF2-40B4-BE49-F238E27FC236}">
-                <a16:creationId xmlns:a16="http://schemas.microsoft.com/office/drawing/2014/main" id="{27AA4DAC-C655-9E65-B602-7A5AD1380668}"/>
-              </a:ext>
-            </a:extLst>
-          </p:cNvPr>
-          <p:cNvSpPr>
-            <a:spLocks noGrp="1"/>
-          </p:cNvSpPr>
-          <p:nvPr>
-            <p:ph idx="1"/>
-          </p:nvPr>
-        </p:nvSpPr>
-        <p:spPr/>
-        <p:txBody>
-          <a:bodyPr/>
-          <a:lstStyle/>
-          <a:p>
-            <a:endParaRPr lang="es-ES"/>
+          <a:p>
+            <a:pPr marL="457200" indent="-457200"/>
+            <a:endParaRPr lang="es-ES" sz="2950" dirty="0"/>
           </a:p>
         </p:txBody>
       </p:sp>
@@ -4466,7 +4572,7 @@
           <p:cNvPr id="4" name="Marcador de fecha 3">
             <a:extLst>
               <a:ext uri="{FF2B5EF4-FFF2-40B4-BE49-F238E27FC236}">
-                <a16:creationId xmlns:a16="http://schemas.microsoft.com/office/drawing/2014/main" id="{1999519D-E047-B1D4-083C-C20D2B3558E2}"/>
+                <a16:creationId xmlns:a16="http://schemas.microsoft.com/office/drawing/2014/main" id="{E0998F76-7EFC-4456-0E75-32EBAA63639E}"/>
               </a:ext>
             </a:extLst>
           </p:cNvPr>
@@ -4503,7 +4609,7 @@
           <p:cNvPr id="5" name="Marcador de pie de página 4">
             <a:extLst>
               <a:ext uri="{FF2B5EF4-FFF2-40B4-BE49-F238E27FC236}">
-                <a16:creationId xmlns:a16="http://schemas.microsoft.com/office/drawing/2014/main" id="{A57621F8-9C3F-E245-F56B-43BCA71BA3A3}"/>
+                <a16:creationId xmlns:a16="http://schemas.microsoft.com/office/drawing/2014/main" id="{EBF2F905-8B69-4F4E-542A-674C97F75285}"/>
               </a:ext>
             </a:extLst>
           </p:cNvPr>
@@ -4523,7 +4629,7 @@
               <a:defRPr/>
             </a:pPr>
             <a:r>
-              <a:rPr lang="es-ES">
+              <a:rPr lang="es-ES" dirty="0">
                 <a:solidFill>
                   <a:prstClr val="black">
                     <a:tint val="75000"/>
@@ -4540,7 +4646,7 @@
           <p:cNvPr id="6" name="Marcador de número de diapositiva 5">
             <a:extLst>
               <a:ext uri="{FF2B5EF4-FFF2-40B4-BE49-F238E27FC236}">
-                <a16:creationId xmlns:a16="http://schemas.microsoft.com/office/drawing/2014/main" id="{89E16AB4-8085-3A01-E83B-1892F6649A7E}"/>
+                <a16:creationId xmlns:a16="http://schemas.microsoft.com/office/drawing/2014/main" id="{65FAEED6-82D5-E00F-DE56-69EB3EE13B03}"/>
               </a:ext>
             </a:extLst>
           </p:cNvPr>
@@ -4582,6 +4688,2261 @@
           </a:p>
         </p:txBody>
       </p:sp>
+      <p:pic>
+        <p:nvPicPr>
+          <p:cNvPr id="7" name="Imagen 7" descr="Texto&#10;&#10;Descripción generada automáticamente">
+            <a:extLst>
+              <a:ext uri="{FF2B5EF4-FFF2-40B4-BE49-F238E27FC236}">
+                <a16:creationId xmlns:a16="http://schemas.microsoft.com/office/drawing/2014/main" id="{1361EB69-F591-4F12-4416-09D6957E55B4}"/>
+              </a:ext>
+            </a:extLst>
+          </p:cNvPr>
+          <p:cNvPicPr>
+            <a:picLocks noChangeAspect="1"/>
+          </p:cNvPicPr>
+          <p:nvPr/>
+        </p:nvPicPr>
+        <p:blipFill>
+          <a:blip r:embed="rId2"/>
+          <a:stretch>
+            <a:fillRect/>
+          </a:stretch>
+        </p:blipFill>
+        <p:spPr>
+          <a:xfrm>
+            <a:off x="3927764" y="1365770"/>
+            <a:ext cx="4509654" cy="4447633"/>
+          </a:xfrm>
+          <a:prstGeom prst="rect">
+            <a:avLst/>
+          </a:prstGeom>
+        </p:spPr>
+      </p:pic>
+      <p:sp>
+        <p:nvSpPr>
+          <p:cNvPr id="8" name="CuadroTexto 7">
+            <a:extLst>
+              <a:ext uri="{FF2B5EF4-FFF2-40B4-BE49-F238E27FC236}">
+                <a16:creationId xmlns:a16="http://schemas.microsoft.com/office/drawing/2014/main" id="{E9A20E93-7BAF-55E7-E98C-9005FAEA3AC0}"/>
+              </a:ext>
+            </a:extLst>
+          </p:cNvPr>
+          <p:cNvSpPr txBox="1"/>
+          <p:nvPr/>
+        </p:nvSpPr>
+        <p:spPr>
+          <a:xfrm>
+            <a:off x="574335" y="3587698"/>
+            <a:ext cx="2875447" cy="646331"/>
+          </a:xfrm>
+          <a:prstGeom prst="rect">
+            <a:avLst/>
+          </a:prstGeom>
+          <a:noFill/>
+        </p:spPr>
+        <p:txBody>
+          <a:bodyPr rot="0" spcFirstLastPara="0" vertOverflow="overflow" horzOverflow="overflow" vert="horz" wrap="square" lIns="91440" tIns="45720" rIns="91440" bIns="45720" numCol="1" spcCol="0" rtlCol="0" fromWordArt="0" anchor="t" anchorCtr="0" forceAA="0" compatLnSpc="1">
+            <a:prstTxWarp prst="textNoShape">
+              <a:avLst/>
+            </a:prstTxWarp>
+            <a:spAutoFit/>
+          </a:bodyPr>
+          <a:lstStyle/>
+          <a:p>
+            <a:pPr algn="ctr"/>
+            <a:r>
+              <a:rPr lang="es-ES" dirty="0">
+                <a:latin typeface="Helvetica"/>
+                <a:cs typeface="Calibri"/>
+              </a:rPr>
+              <a:t>Una clase debe hacer una sola cosa y hacerla bien.</a:t>
+            </a:r>
+            <a:endParaRPr lang="es-ES" dirty="0">
+              <a:latin typeface="Helvetica"/>
+            </a:endParaRPr>
+          </a:p>
+        </p:txBody>
+      </p:sp>
+    </p:spTree>
+    <p:extLst>
+      <p:ext uri="{BB962C8B-B14F-4D97-AF65-F5344CB8AC3E}">
+        <p14:creationId xmlns:p14="http://schemas.microsoft.com/office/powerpoint/2010/main" val="1598849218"/>
+      </p:ext>
+    </p:extLst>
+  </p:cSld>
+  <p:clrMapOvr>
+    <a:masterClrMapping/>
+  </p:clrMapOvr>
+  <p:transition spd="slow">
+    <p:push dir="u"/>
+  </p:transition>
+</p:sld>
+</file>
+
+<file path=ppt/slides/slide12.xml><?xml version="1.0" encoding="utf-8"?>
+<p:sld xmlns:a="http://schemas.openxmlformats.org/drawingml/2006/main" xmlns:r="http://schemas.openxmlformats.org/officeDocument/2006/relationships" xmlns:p="http://schemas.openxmlformats.org/presentationml/2006/main">
+  <p:cSld>
+    <p:spTree>
+      <p:nvGrpSpPr>
+        <p:cNvPr id="1" name=""/>
+        <p:cNvGrpSpPr/>
+        <p:nvPr/>
+      </p:nvGrpSpPr>
+      <p:grpSpPr>
+        <a:xfrm>
+          <a:off x="0" y="0"/>
+          <a:ext cx="0" cy="0"/>
+          <a:chOff x="0" y="0"/>
+          <a:chExt cx="0" cy="0"/>
+        </a:xfrm>
+      </p:grpSpPr>
+      <p:sp>
+        <p:nvSpPr>
+          <p:cNvPr id="2" name="Título 1">
+            <a:extLst>
+              <a:ext uri="{FF2B5EF4-FFF2-40B4-BE49-F238E27FC236}">
+                <a16:creationId xmlns:a16="http://schemas.microsoft.com/office/drawing/2014/main" id="{0B6E4ECF-F238-69D7-643D-CAFE9E374AD1}"/>
+              </a:ext>
+            </a:extLst>
+          </p:cNvPr>
+          <p:cNvSpPr>
+            <a:spLocks noGrp="1"/>
+          </p:cNvSpPr>
+          <p:nvPr>
+            <p:ph type="title"/>
+          </p:nvPr>
+        </p:nvSpPr>
+        <p:spPr/>
+        <p:txBody>
+          <a:bodyPr/>
+          <a:lstStyle/>
+          <a:p>
+            <a:r>
+              <a:rPr lang="es-ES" sz="2950" dirty="0">
+                <a:latin typeface="Geneva"/>
+              </a:rPr>
+              <a:t>Principios: S</a:t>
+            </a:r>
+            <a:r>
+              <a:rPr lang="es-ES" sz="2950" dirty="0">
+                <a:solidFill>
+                  <a:srgbClr val="FF0000"/>
+                </a:solidFill>
+                <a:latin typeface="Geneva"/>
+              </a:rPr>
+              <a:t>O</a:t>
+            </a:r>
+            <a:r>
+              <a:rPr lang="es-ES" sz="2950" dirty="0">
+                <a:latin typeface="Geneva"/>
+              </a:rPr>
+              <a:t>LID</a:t>
+            </a:r>
+            <a:endParaRPr lang="es-ES" dirty="0"/>
+          </a:p>
+        </p:txBody>
+      </p:sp>
+      <p:sp>
+        <p:nvSpPr>
+          <p:cNvPr id="3" name="Marcador de contenido 2">
+            <a:extLst>
+              <a:ext uri="{FF2B5EF4-FFF2-40B4-BE49-F238E27FC236}">
+                <a16:creationId xmlns:a16="http://schemas.microsoft.com/office/drawing/2014/main" id="{3277E491-0BAC-D66E-0E21-88E0CC37B564}"/>
+              </a:ext>
+            </a:extLst>
+          </p:cNvPr>
+          <p:cNvSpPr>
+            <a:spLocks noGrp="1"/>
+          </p:cNvSpPr>
+          <p:nvPr>
+            <p:ph idx="1"/>
+          </p:nvPr>
+        </p:nvSpPr>
+        <p:spPr/>
+        <p:txBody>
+          <a:bodyPr vert="horz" lIns="91440" tIns="45720" rIns="91440" bIns="45720" rtlCol="0" anchor="t">
+            <a:normAutofit/>
+          </a:bodyPr>
+          <a:lstStyle/>
+          <a:p>
+            <a:pPr marL="210820" indent="-210820" algn="ctr"/>
+            <a:r>
+              <a:rPr lang="es-ES" sz="2950" dirty="0">
+                <a:latin typeface="Helvetica"/>
+                <a:ea typeface="Verdana"/>
+                <a:cs typeface="Arial"/>
+              </a:rPr>
+              <a:t>Principio abierto-cerrado</a:t>
+            </a:r>
+            <a:endParaRPr lang="es-ES" dirty="0"/>
+          </a:p>
+        </p:txBody>
+      </p:sp>
+      <p:sp>
+        <p:nvSpPr>
+          <p:cNvPr id="4" name="Marcador de fecha 3">
+            <a:extLst>
+              <a:ext uri="{FF2B5EF4-FFF2-40B4-BE49-F238E27FC236}">
+                <a16:creationId xmlns:a16="http://schemas.microsoft.com/office/drawing/2014/main" id="{E51139D6-7F72-0B08-3ECC-EB16A5B5A800}"/>
+              </a:ext>
+            </a:extLst>
+          </p:cNvPr>
+          <p:cNvSpPr>
+            <a:spLocks noGrp="1"/>
+          </p:cNvSpPr>
+          <p:nvPr>
+            <p:ph type="dt" sz="half" idx="10"/>
+          </p:nvPr>
+        </p:nvSpPr>
+        <p:spPr/>
+        <p:txBody>
+          <a:bodyPr/>
+          <a:lstStyle/>
+          <a:p>
+            <a:pPr defTabSz="422041">
+              <a:defRPr/>
+            </a:pPr>
+            <a:r>
+              <a:rPr lang="es-ES">
+                <a:solidFill>
+                  <a:prstClr val="black">
+                    <a:tint val="75000"/>
+                  </a:prstClr>
+                </a:solidFill>
+              </a:rPr>
+              <a:t>Curso 2021-2022</a:t>
+            </a:r>
+          </a:p>
+        </p:txBody>
+      </p:sp>
+      <p:sp>
+        <p:nvSpPr>
+          <p:cNvPr id="5" name="Marcador de pie de página 4">
+            <a:extLst>
+              <a:ext uri="{FF2B5EF4-FFF2-40B4-BE49-F238E27FC236}">
+                <a16:creationId xmlns:a16="http://schemas.microsoft.com/office/drawing/2014/main" id="{129F13B5-88BC-B4F2-F470-1D8C82630E34}"/>
+              </a:ext>
+            </a:extLst>
+          </p:cNvPr>
+          <p:cNvSpPr>
+            <a:spLocks noGrp="1"/>
+          </p:cNvSpPr>
+          <p:nvPr>
+            <p:ph type="ftr" sz="quarter" idx="11"/>
+          </p:nvPr>
+        </p:nvSpPr>
+        <p:spPr/>
+        <p:txBody>
+          <a:bodyPr/>
+          <a:lstStyle/>
+          <a:p>
+            <a:pPr defTabSz="422041">
+              <a:defRPr/>
+            </a:pPr>
+            <a:r>
+              <a:rPr lang="es-ES">
+                <a:solidFill>
+                  <a:prstClr val="black">
+                    <a:tint val="75000"/>
+                  </a:prstClr>
+                </a:solidFill>
+              </a:rPr>
+              <a:t>Introducción a la Ingeniería del Software</a:t>
+            </a:r>
+          </a:p>
+        </p:txBody>
+      </p:sp>
+      <p:sp>
+        <p:nvSpPr>
+          <p:cNvPr id="6" name="Marcador de número de diapositiva 5">
+            <a:extLst>
+              <a:ext uri="{FF2B5EF4-FFF2-40B4-BE49-F238E27FC236}">
+                <a16:creationId xmlns:a16="http://schemas.microsoft.com/office/drawing/2014/main" id="{DE1F1EE7-C0F2-66B5-423E-83C661EB1808}"/>
+              </a:ext>
+            </a:extLst>
+          </p:cNvPr>
+          <p:cNvSpPr>
+            <a:spLocks noGrp="1"/>
+          </p:cNvSpPr>
+          <p:nvPr>
+            <p:ph type="sldNum" sz="quarter" idx="12"/>
+          </p:nvPr>
+        </p:nvSpPr>
+        <p:spPr/>
+        <p:txBody>
+          <a:bodyPr/>
+          <a:lstStyle/>
+          <a:p>
+            <a:pPr defTabSz="422041">
+              <a:defRPr/>
+            </a:pPr>
+            <a:fld id="{9961DA19-05BC-2C48-AEE7-B9DFD6D07410}" type="slidenum">
+              <a:rPr lang="es-ES" smtClean="0">
+                <a:solidFill>
+                  <a:prstClr val="black">
+                    <a:tint val="75000"/>
+                  </a:prstClr>
+                </a:solidFill>
+              </a:rPr>
+              <a:pPr defTabSz="422041">
+                <a:defRPr/>
+              </a:pPr>
+              <a:t>12</a:t>
+            </a:fld>
+            <a:endParaRPr lang="es-ES">
+              <a:solidFill>
+                <a:prstClr val="black">
+                  <a:tint val="75000"/>
+                </a:prstClr>
+              </a:solidFill>
+            </a:endParaRPr>
+          </a:p>
+        </p:txBody>
+      </p:sp>
+      <p:sp>
+        <p:nvSpPr>
+          <p:cNvPr id="7" name="CuadroTexto 6">
+            <a:extLst>
+              <a:ext uri="{FF2B5EF4-FFF2-40B4-BE49-F238E27FC236}">
+                <a16:creationId xmlns:a16="http://schemas.microsoft.com/office/drawing/2014/main" id="{C2E4D2DD-D1E7-A33F-6E7F-CC4335247EB8}"/>
+              </a:ext>
+            </a:extLst>
+          </p:cNvPr>
+          <p:cNvSpPr txBox="1"/>
+          <p:nvPr/>
+        </p:nvSpPr>
+        <p:spPr>
+          <a:xfrm>
+            <a:off x="989971" y="2199094"/>
+            <a:ext cx="7438000" cy="1200329"/>
+          </a:xfrm>
+          <a:prstGeom prst="rect">
+            <a:avLst/>
+          </a:prstGeom>
+          <a:noFill/>
+        </p:spPr>
+        <p:txBody>
+          <a:bodyPr rot="0" spcFirstLastPara="0" vertOverflow="overflow" horzOverflow="overflow" vert="horz" wrap="square" lIns="91440" tIns="45720" rIns="91440" bIns="45720" numCol="1" spcCol="0" rtlCol="0" fromWordArt="0" anchor="t" anchorCtr="0" forceAA="0" compatLnSpc="1">
+            <a:prstTxWarp prst="textNoShape">
+              <a:avLst/>
+            </a:prstTxWarp>
+            <a:spAutoFit/>
+          </a:bodyPr>
+          <a:lstStyle/>
+          <a:p>
+            <a:pPr algn="ctr"/>
+            <a:r>
+              <a:rPr lang="es-ES" dirty="0">
+                <a:cs typeface="Calibri"/>
+              </a:rPr>
+              <a:t>Las clases deben estar abiertas a la extensión y cerradas a la modificación.</a:t>
+            </a:r>
+          </a:p>
+          <a:p>
+            <a:pPr algn="ctr"/>
+            <a:endParaRPr lang="es-ES" dirty="0">
+              <a:cs typeface="Calibri"/>
+            </a:endParaRPr>
+          </a:p>
+          <a:p>
+            <a:pPr algn="ctr"/>
+            <a:endParaRPr lang="es-ES" dirty="0">
+              <a:cs typeface="Calibri"/>
+            </a:endParaRPr>
+          </a:p>
+          <a:p>
+            <a:pPr algn="ctr"/>
+            <a:r>
+              <a:rPr lang="es-ES" dirty="0">
+                <a:cs typeface="Calibri"/>
+              </a:rPr>
+              <a:t>[no hay ejemplo como tal de esto?]</a:t>
+            </a:r>
+          </a:p>
+        </p:txBody>
+      </p:sp>
+    </p:spTree>
+    <p:extLst>
+      <p:ext uri="{BB962C8B-B14F-4D97-AF65-F5344CB8AC3E}">
+        <p14:creationId xmlns:p14="http://schemas.microsoft.com/office/powerpoint/2010/main" val="1767918215"/>
+      </p:ext>
+    </p:extLst>
+  </p:cSld>
+  <p:clrMapOvr>
+    <a:masterClrMapping/>
+  </p:clrMapOvr>
+  <p:transition spd="slow">
+    <p:wipe/>
+  </p:transition>
+</p:sld>
+</file>
+
+<file path=ppt/slides/slide13.xml><?xml version="1.0" encoding="utf-8"?>
+<p:sld xmlns:a="http://schemas.openxmlformats.org/drawingml/2006/main" xmlns:r="http://schemas.openxmlformats.org/officeDocument/2006/relationships" xmlns:p="http://schemas.openxmlformats.org/presentationml/2006/main">
+  <p:cSld>
+    <p:spTree>
+      <p:nvGrpSpPr>
+        <p:cNvPr id="1" name=""/>
+        <p:cNvGrpSpPr/>
+        <p:nvPr/>
+      </p:nvGrpSpPr>
+      <p:grpSpPr>
+        <a:xfrm>
+          <a:off x="0" y="0"/>
+          <a:ext cx="0" cy="0"/>
+          <a:chOff x="0" y="0"/>
+          <a:chExt cx="0" cy="0"/>
+        </a:xfrm>
+      </p:grpSpPr>
+      <p:sp>
+        <p:nvSpPr>
+          <p:cNvPr id="2" name="Título 1">
+            <a:extLst>
+              <a:ext uri="{FF2B5EF4-FFF2-40B4-BE49-F238E27FC236}">
+                <a16:creationId xmlns:a16="http://schemas.microsoft.com/office/drawing/2014/main" id="{B3C1355D-DA03-F813-AD31-D1D84881019B}"/>
+              </a:ext>
+            </a:extLst>
+          </p:cNvPr>
+          <p:cNvSpPr>
+            <a:spLocks noGrp="1"/>
+          </p:cNvSpPr>
+          <p:nvPr>
+            <p:ph type="title"/>
+          </p:nvPr>
+        </p:nvSpPr>
+        <p:spPr/>
+        <p:txBody>
+          <a:bodyPr/>
+          <a:lstStyle/>
+          <a:p>
+            <a:r>
+              <a:rPr lang="es-ES" sz="2950" dirty="0">
+                <a:latin typeface="Geneva"/>
+              </a:rPr>
+              <a:t>Principios: SO</a:t>
+            </a:r>
+            <a:r>
+              <a:rPr lang="es-ES" sz="2950" dirty="0">
+                <a:solidFill>
+                  <a:srgbClr val="FF0000"/>
+                </a:solidFill>
+                <a:latin typeface="Geneva"/>
+              </a:rPr>
+              <a:t>L</a:t>
+            </a:r>
+            <a:r>
+              <a:rPr lang="es-ES" sz="2950" dirty="0">
+                <a:latin typeface="Geneva"/>
+              </a:rPr>
+              <a:t>ID</a:t>
+            </a:r>
+            <a:endParaRPr lang="es-ES" dirty="0"/>
+          </a:p>
+        </p:txBody>
+      </p:sp>
+      <p:sp>
+        <p:nvSpPr>
+          <p:cNvPr id="3" name="Marcador de contenido 2">
+            <a:extLst>
+              <a:ext uri="{FF2B5EF4-FFF2-40B4-BE49-F238E27FC236}">
+                <a16:creationId xmlns:a16="http://schemas.microsoft.com/office/drawing/2014/main" id="{5FBF4679-0A01-8228-6804-2466E7E9FA31}"/>
+              </a:ext>
+            </a:extLst>
+          </p:cNvPr>
+          <p:cNvSpPr>
+            <a:spLocks noGrp="1"/>
+          </p:cNvSpPr>
+          <p:nvPr>
+            <p:ph idx="1"/>
+          </p:nvPr>
+        </p:nvSpPr>
+        <p:spPr>
+          <a:xfrm>
+            <a:off x="628651" y="1598410"/>
+            <a:ext cx="7593866" cy="559698"/>
+          </a:xfrm>
+        </p:spPr>
+        <p:txBody>
+          <a:bodyPr vert="horz" lIns="91440" tIns="45720" rIns="91440" bIns="45720" rtlCol="0" anchor="t">
+            <a:normAutofit/>
+          </a:bodyPr>
+          <a:lstStyle/>
+          <a:p>
+            <a:pPr marL="210820" indent="-210820" algn="ctr"/>
+            <a:r>
+              <a:rPr lang="es-ES" sz="2950" dirty="0">
+                <a:latin typeface="Helvetica"/>
+                <a:ea typeface="Verdana"/>
+                <a:cs typeface="Arial"/>
+              </a:rPr>
+              <a:t>Principio de sustitución de </a:t>
+            </a:r>
+            <a:r>
+              <a:rPr lang="es-ES" sz="2950" dirty="0" err="1">
+                <a:latin typeface="Helvetica"/>
+                <a:ea typeface="Verdana"/>
+                <a:cs typeface="Arial"/>
+              </a:rPr>
+              <a:t>Liskov</a:t>
+            </a:r>
+            <a:r>
+              <a:rPr lang="es-ES" sz="2950" dirty="0">
+                <a:latin typeface="Helvetica"/>
+                <a:ea typeface="Verdana"/>
+                <a:cs typeface="Arial"/>
+              </a:rPr>
+              <a:t>.</a:t>
+            </a:r>
+            <a:endParaRPr lang="es-ES" dirty="0" err="1"/>
+          </a:p>
+        </p:txBody>
+      </p:sp>
+      <p:sp>
+        <p:nvSpPr>
+          <p:cNvPr id="4" name="Marcador de fecha 3">
+            <a:extLst>
+              <a:ext uri="{FF2B5EF4-FFF2-40B4-BE49-F238E27FC236}">
+                <a16:creationId xmlns:a16="http://schemas.microsoft.com/office/drawing/2014/main" id="{9B1336B6-BAB7-A716-3EB2-B095AB723DBE}"/>
+              </a:ext>
+            </a:extLst>
+          </p:cNvPr>
+          <p:cNvSpPr>
+            <a:spLocks noGrp="1"/>
+          </p:cNvSpPr>
+          <p:nvPr>
+            <p:ph type="dt" sz="half" idx="10"/>
+          </p:nvPr>
+        </p:nvSpPr>
+        <p:spPr/>
+        <p:txBody>
+          <a:bodyPr/>
+          <a:lstStyle/>
+          <a:p>
+            <a:pPr defTabSz="422041">
+              <a:defRPr/>
+            </a:pPr>
+            <a:r>
+              <a:rPr lang="es-ES">
+                <a:solidFill>
+                  <a:prstClr val="black">
+                    <a:tint val="75000"/>
+                  </a:prstClr>
+                </a:solidFill>
+              </a:rPr>
+              <a:t>Curso 2021-2022</a:t>
+            </a:r>
+          </a:p>
+        </p:txBody>
+      </p:sp>
+      <p:sp>
+        <p:nvSpPr>
+          <p:cNvPr id="5" name="Marcador de pie de página 4">
+            <a:extLst>
+              <a:ext uri="{FF2B5EF4-FFF2-40B4-BE49-F238E27FC236}">
+                <a16:creationId xmlns:a16="http://schemas.microsoft.com/office/drawing/2014/main" id="{A0074193-9F44-24EE-EB51-55D1C3950C7A}"/>
+              </a:ext>
+            </a:extLst>
+          </p:cNvPr>
+          <p:cNvSpPr>
+            <a:spLocks noGrp="1"/>
+          </p:cNvSpPr>
+          <p:nvPr>
+            <p:ph type="ftr" sz="quarter" idx="11"/>
+          </p:nvPr>
+        </p:nvSpPr>
+        <p:spPr/>
+        <p:txBody>
+          <a:bodyPr/>
+          <a:lstStyle/>
+          <a:p>
+            <a:pPr defTabSz="422041">
+              <a:defRPr/>
+            </a:pPr>
+            <a:r>
+              <a:rPr lang="es-ES">
+                <a:solidFill>
+                  <a:prstClr val="black">
+                    <a:tint val="75000"/>
+                  </a:prstClr>
+                </a:solidFill>
+              </a:rPr>
+              <a:t>Introducción a la Ingeniería del Software</a:t>
+            </a:r>
+          </a:p>
+        </p:txBody>
+      </p:sp>
+      <p:sp>
+        <p:nvSpPr>
+          <p:cNvPr id="6" name="Marcador de número de diapositiva 5">
+            <a:extLst>
+              <a:ext uri="{FF2B5EF4-FFF2-40B4-BE49-F238E27FC236}">
+                <a16:creationId xmlns:a16="http://schemas.microsoft.com/office/drawing/2014/main" id="{A2ED1741-3A5E-D040-0B3F-1642FF64B0E6}"/>
+              </a:ext>
+            </a:extLst>
+          </p:cNvPr>
+          <p:cNvSpPr>
+            <a:spLocks noGrp="1"/>
+          </p:cNvSpPr>
+          <p:nvPr>
+            <p:ph type="sldNum" sz="quarter" idx="12"/>
+          </p:nvPr>
+        </p:nvSpPr>
+        <p:spPr/>
+        <p:txBody>
+          <a:bodyPr/>
+          <a:lstStyle/>
+          <a:p>
+            <a:pPr defTabSz="422041">
+              <a:defRPr/>
+            </a:pPr>
+            <a:fld id="{9961DA19-05BC-2C48-AEE7-B9DFD6D07410}" type="slidenum">
+              <a:rPr lang="es-ES" smtClean="0">
+                <a:solidFill>
+                  <a:prstClr val="black">
+                    <a:tint val="75000"/>
+                  </a:prstClr>
+                </a:solidFill>
+              </a:rPr>
+              <a:pPr defTabSz="422041">
+                <a:defRPr/>
+              </a:pPr>
+              <a:t>13</a:t>
+            </a:fld>
+            <a:endParaRPr lang="es-ES">
+              <a:solidFill>
+                <a:prstClr val="black">
+                  <a:tint val="75000"/>
+                </a:prstClr>
+              </a:solidFill>
+            </a:endParaRPr>
+          </a:p>
+        </p:txBody>
+      </p:sp>
+      <p:pic>
+        <p:nvPicPr>
+          <p:cNvPr id="7" name="Imagen 7" descr="Texto&#10;&#10;Descripción generada automáticamente">
+            <a:extLst>
+              <a:ext uri="{FF2B5EF4-FFF2-40B4-BE49-F238E27FC236}">
+                <a16:creationId xmlns:a16="http://schemas.microsoft.com/office/drawing/2014/main" id="{0517D874-C169-1E1C-0F21-85F090E36AD5}"/>
+              </a:ext>
+            </a:extLst>
+          </p:cNvPr>
+          <p:cNvPicPr>
+            <a:picLocks noChangeAspect="1"/>
+          </p:cNvPicPr>
+          <p:nvPr/>
+        </p:nvPicPr>
+        <p:blipFill>
+          <a:blip r:embed="rId2"/>
+          <a:stretch>
+            <a:fillRect/>
+          </a:stretch>
+        </p:blipFill>
+        <p:spPr>
+          <a:xfrm>
+            <a:off x="1216682" y="3723507"/>
+            <a:ext cx="6720083" cy="1016853"/>
+          </a:xfrm>
+          <a:prstGeom prst="rect">
+            <a:avLst/>
+          </a:prstGeom>
+        </p:spPr>
+      </p:pic>
+      <p:sp>
+        <p:nvSpPr>
+          <p:cNvPr id="8" name="CuadroTexto 7">
+            <a:extLst>
+              <a:ext uri="{FF2B5EF4-FFF2-40B4-BE49-F238E27FC236}">
+                <a16:creationId xmlns:a16="http://schemas.microsoft.com/office/drawing/2014/main" id="{9B47D456-76E1-F250-D7B5-9FC557757611}"/>
+              </a:ext>
+            </a:extLst>
+          </p:cNvPr>
+          <p:cNvSpPr txBox="1"/>
+          <p:nvPr/>
+        </p:nvSpPr>
+        <p:spPr>
+          <a:xfrm>
+            <a:off x="1717334" y="2227433"/>
+            <a:ext cx="5709331" cy="1200329"/>
+          </a:xfrm>
+          <a:prstGeom prst="rect">
+            <a:avLst/>
+          </a:prstGeom>
+          <a:noFill/>
+        </p:spPr>
+        <p:txBody>
+          <a:bodyPr rot="0" spcFirstLastPara="0" vertOverflow="overflow" horzOverflow="overflow" vert="horz" wrap="square" lIns="91440" tIns="45720" rIns="91440" bIns="45720" numCol="1" spcCol="0" rtlCol="0" fromWordArt="0" anchor="t" anchorCtr="0" forceAA="0" compatLnSpc="1">
+            <a:prstTxWarp prst="textNoShape">
+              <a:avLst/>
+            </a:prstTxWarp>
+            <a:spAutoFit/>
+          </a:bodyPr>
+          <a:lstStyle/>
+          <a:p>
+            <a:pPr algn="ctr"/>
+            <a:r>
+              <a:rPr lang="es-ES" sz="2400" dirty="0">
+                <a:latin typeface="Helvetica"/>
+                <a:cs typeface="Calibri"/>
+              </a:rPr>
+              <a:t>Las subclases deben poder sustituir a las clases base sin que el código cliente lo note.</a:t>
+            </a:r>
+            <a:endParaRPr lang="es-ES" dirty="0"/>
+          </a:p>
+        </p:txBody>
+      </p:sp>
+    </p:spTree>
+    <p:extLst>
+      <p:ext uri="{BB962C8B-B14F-4D97-AF65-F5344CB8AC3E}">
+        <p14:creationId xmlns:p14="http://schemas.microsoft.com/office/powerpoint/2010/main" val="3025753338"/>
+      </p:ext>
+    </p:extLst>
+  </p:cSld>
+  <p:clrMapOvr>
+    <a:masterClrMapping/>
+  </p:clrMapOvr>
+  <p:transition spd="slow">
+    <p:wipe/>
+  </p:transition>
+</p:sld>
+</file>
+
+<file path=ppt/slides/slide14.xml><?xml version="1.0" encoding="utf-8"?>
+<p:sld xmlns:a="http://schemas.openxmlformats.org/drawingml/2006/main" xmlns:r="http://schemas.openxmlformats.org/officeDocument/2006/relationships" xmlns:p="http://schemas.openxmlformats.org/presentationml/2006/main">
+  <p:cSld>
+    <p:spTree>
+      <p:nvGrpSpPr>
+        <p:cNvPr id="1" name=""/>
+        <p:cNvGrpSpPr/>
+        <p:nvPr/>
+      </p:nvGrpSpPr>
+      <p:grpSpPr>
+        <a:xfrm>
+          <a:off x="0" y="0"/>
+          <a:ext cx="0" cy="0"/>
+          <a:chOff x="0" y="0"/>
+          <a:chExt cx="0" cy="0"/>
+        </a:xfrm>
+      </p:grpSpPr>
+      <p:sp>
+        <p:nvSpPr>
+          <p:cNvPr id="2" name="Título 1">
+            <a:extLst>
+              <a:ext uri="{FF2B5EF4-FFF2-40B4-BE49-F238E27FC236}">
+                <a16:creationId xmlns:a16="http://schemas.microsoft.com/office/drawing/2014/main" id="{5FDE71F5-A752-7740-8EEA-69D32EEF0161}"/>
+              </a:ext>
+            </a:extLst>
+          </p:cNvPr>
+          <p:cNvSpPr>
+            <a:spLocks noGrp="1"/>
+          </p:cNvSpPr>
+          <p:nvPr>
+            <p:ph type="title"/>
+          </p:nvPr>
+        </p:nvSpPr>
+        <p:spPr/>
+        <p:txBody>
+          <a:bodyPr/>
+          <a:lstStyle/>
+          <a:p>
+            <a:r>
+              <a:rPr lang="es-ES" sz="2950" dirty="0">
+                <a:latin typeface="Geneva"/>
+              </a:rPr>
+              <a:t>Principios: SOL</a:t>
+            </a:r>
+            <a:r>
+              <a:rPr lang="es-ES" sz="2950" dirty="0">
+                <a:solidFill>
+                  <a:srgbClr val="FF0000"/>
+                </a:solidFill>
+                <a:latin typeface="Geneva"/>
+              </a:rPr>
+              <a:t>I</a:t>
+            </a:r>
+            <a:r>
+              <a:rPr lang="es-ES" sz="2950" dirty="0">
+                <a:latin typeface="Geneva"/>
+              </a:rPr>
+              <a:t>D</a:t>
+            </a:r>
+            <a:endParaRPr lang="es-ES" dirty="0"/>
+          </a:p>
+        </p:txBody>
+      </p:sp>
+      <p:sp>
+        <p:nvSpPr>
+          <p:cNvPr id="3" name="Marcador de contenido 2">
+            <a:extLst>
+              <a:ext uri="{FF2B5EF4-FFF2-40B4-BE49-F238E27FC236}">
+                <a16:creationId xmlns:a16="http://schemas.microsoft.com/office/drawing/2014/main" id="{5774A996-282C-1514-4D63-FB358A25F10B}"/>
+              </a:ext>
+            </a:extLst>
+          </p:cNvPr>
+          <p:cNvSpPr>
+            <a:spLocks noGrp="1"/>
+          </p:cNvSpPr>
+          <p:nvPr>
+            <p:ph idx="1"/>
+          </p:nvPr>
+        </p:nvSpPr>
+        <p:spPr>
+          <a:xfrm>
+            <a:off x="628651" y="1503947"/>
+            <a:ext cx="7886700" cy="739177"/>
+          </a:xfrm>
+        </p:spPr>
+        <p:txBody>
+          <a:bodyPr vert="horz" lIns="91440" tIns="45720" rIns="91440" bIns="45720" rtlCol="0" anchor="t">
+            <a:normAutofit/>
+          </a:bodyPr>
+          <a:lstStyle/>
+          <a:p>
+            <a:pPr marL="457200" indent="-457200" algn="ctr"/>
+            <a:r>
+              <a:rPr lang="es-ES" sz="2950" dirty="0">
+                <a:latin typeface="Helvetica"/>
+                <a:ea typeface="Verdana"/>
+                <a:cs typeface="Arial"/>
+              </a:rPr>
+              <a:t>Principio de segregación de interfaces.</a:t>
+            </a:r>
+            <a:endParaRPr lang="es-ES" dirty="0"/>
+          </a:p>
+        </p:txBody>
+      </p:sp>
+      <p:sp>
+        <p:nvSpPr>
+          <p:cNvPr id="4" name="Marcador de fecha 3">
+            <a:extLst>
+              <a:ext uri="{FF2B5EF4-FFF2-40B4-BE49-F238E27FC236}">
+                <a16:creationId xmlns:a16="http://schemas.microsoft.com/office/drawing/2014/main" id="{98D87CC3-C398-A7AD-4D0C-F55033B78DB4}"/>
+              </a:ext>
+            </a:extLst>
+          </p:cNvPr>
+          <p:cNvSpPr>
+            <a:spLocks noGrp="1"/>
+          </p:cNvSpPr>
+          <p:nvPr>
+            <p:ph type="dt" sz="half" idx="10"/>
+          </p:nvPr>
+        </p:nvSpPr>
+        <p:spPr/>
+        <p:txBody>
+          <a:bodyPr/>
+          <a:lstStyle/>
+          <a:p>
+            <a:pPr defTabSz="422041">
+              <a:defRPr/>
+            </a:pPr>
+            <a:r>
+              <a:rPr lang="es-ES">
+                <a:solidFill>
+                  <a:prstClr val="black">
+                    <a:tint val="75000"/>
+                  </a:prstClr>
+                </a:solidFill>
+              </a:rPr>
+              <a:t>Curso 2021-2022</a:t>
+            </a:r>
+          </a:p>
+        </p:txBody>
+      </p:sp>
+      <p:sp>
+        <p:nvSpPr>
+          <p:cNvPr id="5" name="Marcador de pie de página 4">
+            <a:extLst>
+              <a:ext uri="{FF2B5EF4-FFF2-40B4-BE49-F238E27FC236}">
+                <a16:creationId xmlns:a16="http://schemas.microsoft.com/office/drawing/2014/main" id="{1EC5CE2F-40C3-572F-CE15-31F8253473D5}"/>
+              </a:ext>
+            </a:extLst>
+          </p:cNvPr>
+          <p:cNvSpPr>
+            <a:spLocks noGrp="1"/>
+          </p:cNvSpPr>
+          <p:nvPr>
+            <p:ph type="ftr" sz="quarter" idx="11"/>
+          </p:nvPr>
+        </p:nvSpPr>
+        <p:spPr/>
+        <p:txBody>
+          <a:bodyPr/>
+          <a:lstStyle/>
+          <a:p>
+            <a:pPr defTabSz="422041">
+              <a:defRPr/>
+            </a:pPr>
+            <a:r>
+              <a:rPr lang="es-ES">
+                <a:solidFill>
+                  <a:prstClr val="black">
+                    <a:tint val="75000"/>
+                  </a:prstClr>
+                </a:solidFill>
+              </a:rPr>
+              <a:t>Introducción a la Ingeniería del Software</a:t>
+            </a:r>
+          </a:p>
+        </p:txBody>
+      </p:sp>
+      <p:sp>
+        <p:nvSpPr>
+          <p:cNvPr id="6" name="Marcador de número de diapositiva 5">
+            <a:extLst>
+              <a:ext uri="{FF2B5EF4-FFF2-40B4-BE49-F238E27FC236}">
+                <a16:creationId xmlns:a16="http://schemas.microsoft.com/office/drawing/2014/main" id="{B8E15421-4BF1-3FDB-C7FC-74E252E34548}"/>
+              </a:ext>
+            </a:extLst>
+          </p:cNvPr>
+          <p:cNvSpPr>
+            <a:spLocks noGrp="1"/>
+          </p:cNvSpPr>
+          <p:nvPr>
+            <p:ph type="sldNum" sz="quarter" idx="12"/>
+          </p:nvPr>
+        </p:nvSpPr>
+        <p:spPr/>
+        <p:txBody>
+          <a:bodyPr/>
+          <a:lstStyle/>
+          <a:p>
+            <a:pPr defTabSz="422041">
+              <a:defRPr/>
+            </a:pPr>
+            <a:fld id="{9961DA19-05BC-2C48-AEE7-B9DFD6D07410}" type="slidenum">
+              <a:rPr lang="es-ES" smtClean="0">
+                <a:solidFill>
+                  <a:prstClr val="black">
+                    <a:tint val="75000"/>
+                  </a:prstClr>
+                </a:solidFill>
+              </a:rPr>
+              <a:pPr defTabSz="422041">
+                <a:defRPr/>
+              </a:pPr>
+              <a:t>14</a:t>
+            </a:fld>
+            <a:endParaRPr lang="es-ES">
+              <a:solidFill>
+                <a:prstClr val="black">
+                  <a:tint val="75000"/>
+                </a:prstClr>
+              </a:solidFill>
+            </a:endParaRPr>
+          </a:p>
+        </p:txBody>
+      </p:sp>
+      <p:sp>
+        <p:nvSpPr>
+          <p:cNvPr id="7" name="CuadroTexto 6">
+            <a:extLst>
+              <a:ext uri="{FF2B5EF4-FFF2-40B4-BE49-F238E27FC236}">
+                <a16:creationId xmlns:a16="http://schemas.microsoft.com/office/drawing/2014/main" id="{32BB325A-967A-522C-9BBA-3DD7FD9C1696}"/>
+              </a:ext>
+            </a:extLst>
+          </p:cNvPr>
+          <p:cNvSpPr txBox="1"/>
+          <p:nvPr/>
+        </p:nvSpPr>
+        <p:spPr>
+          <a:xfrm>
+            <a:off x="1008862" y="2057401"/>
+            <a:ext cx="7041257" cy="369332"/>
+          </a:xfrm>
+          <a:prstGeom prst="rect">
+            <a:avLst/>
+          </a:prstGeom>
+          <a:noFill/>
+        </p:spPr>
+        <p:txBody>
+          <a:bodyPr rot="0" spcFirstLastPara="0" vertOverflow="overflow" horzOverflow="overflow" vert="horz" wrap="square" lIns="91440" tIns="45720" rIns="91440" bIns="45720" numCol="1" spcCol="0" rtlCol="0" fromWordArt="0" anchor="t" anchorCtr="0" forceAA="0" compatLnSpc="1">
+            <a:prstTxWarp prst="textNoShape">
+              <a:avLst/>
+            </a:prstTxWarp>
+            <a:spAutoFit/>
+          </a:bodyPr>
+          <a:lstStyle/>
+          <a:p>
+            <a:pPr algn="ctr"/>
+            <a:r>
+              <a:rPr lang="es-ES" dirty="0">
+                <a:cs typeface="Calibri"/>
+              </a:rPr>
+              <a:t>Los clientes no deben depender de métodos que no usan.</a:t>
+            </a:r>
+            <a:endParaRPr lang="es-ES" dirty="0"/>
+          </a:p>
+        </p:txBody>
+      </p:sp>
+      <p:sp>
+        <p:nvSpPr>
+          <p:cNvPr id="8" name="CuadroTexto 7">
+            <a:extLst>
+              <a:ext uri="{FF2B5EF4-FFF2-40B4-BE49-F238E27FC236}">
+                <a16:creationId xmlns:a16="http://schemas.microsoft.com/office/drawing/2014/main" id="{54CF10D3-15E5-A419-31A3-072471BC19CE}"/>
+              </a:ext>
+            </a:extLst>
+          </p:cNvPr>
+          <p:cNvSpPr txBox="1"/>
+          <p:nvPr/>
+        </p:nvSpPr>
+        <p:spPr>
+          <a:xfrm>
+            <a:off x="1386715" y="2784764"/>
+            <a:ext cx="6720083" cy="1015663"/>
+          </a:xfrm>
+          <a:prstGeom prst="rect">
+            <a:avLst/>
+          </a:prstGeom>
+          <a:noFill/>
+        </p:spPr>
+        <p:txBody>
+          <a:bodyPr rot="0" spcFirstLastPara="0" vertOverflow="overflow" horzOverflow="overflow" vert="horz" wrap="square" lIns="91440" tIns="45720" rIns="91440" bIns="45720" numCol="1" spcCol="0" rtlCol="0" fromWordArt="0" anchor="t" anchorCtr="0" forceAA="0" compatLnSpc="1">
+            <a:prstTxWarp prst="textNoShape">
+              <a:avLst/>
+            </a:prstTxWarp>
+            <a:spAutoFit/>
+          </a:bodyPr>
+          <a:lstStyle/>
+          <a:p>
+            <a:pPr algn="ctr"/>
+            <a:r>
+              <a:rPr lang="es-ES" sz="2000" dirty="0">
+                <a:latin typeface="Helvetica"/>
+                <a:cs typeface="Calibri"/>
+              </a:rPr>
+              <a:t>En nuestro caso, solo hay una acción que el cliente puede hacer: jugar. Por lo que no es necesario segregar la interfaz según clientes.</a:t>
+            </a:r>
+            <a:endParaRPr lang="es-ES" dirty="0"/>
+          </a:p>
+        </p:txBody>
+      </p:sp>
+    </p:spTree>
+    <p:extLst>
+      <p:ext uri="{BB962C8B-B14F-4D97-AF65-F5344CB8AC3E}">
+        <p14:creationId xmlns:p14="http://schemas.microsoft.com/office/powerpoint/2010/main" val="1074668632"/>
+      </p:ext>
+    </p:extLst>
+  </p:cSld>
+  <p:clrMapOvr>
+    <a:masterClrMapping/>
+  </p:clrMapOvr>
+  <p:transition spd="slow">
+    <p:wipe/>
+  </p:transition>
+</p:sld>
+</file>
+
+<file path=ppt/slides/slide15.xml><?xml version="1.0" encoding="utf-8"?>
+<p:sld xmlns:a="http://schemas.openxmlformats.org/drawingml/2006/main" xmlns:r="http://schemas.openxmlformats.org/officeDocument/2006/relationships" xmlns:p="http://schemas.openxmlformats.org/presentationml/2006/main">
+  <p:cSld>
+    <p:spTree>
+      <p:nvGrpSpPr>
+        <p:cNvPr id="1" name=""/>
+        <p:cNvGrpSpPr/>
+        <p:nvPr/>
+      </p:nvGrpSpPr>
+      <p:grpSpPr>
+        <a:xfrm>
+          <a:off x="0" y="0"/>
+          <a:ext cx="0" cy="0"/>
+          <a:chOff x="0" y="0"/>
+          <a:chExt cx="0" cy="0"/>
+        </a:xfrm>
+      </p:grpSpPr>
+      <p:sp>
+        <p:nvSpPr>
+          <p:cNvPr id="2" name="Título 1">
+            <a:extLst>
+              <a:ext uri="{FF2B5EF4-FFF2-40B4-BE49-F238E27FC236}">
+                <a16:creationId xmlns:a16="http://schemas.microsoft.com/office/drawing/2014/main" id="{2D1E138D-3B6B-027A-F73C-264C72C6AB57}"/>
+              </a:ext>
+            </a:extLst>
+          </p:cNvPr>
+          <p:cNvSpPr>
+            <a:spLocks noGrp="1"/>
+          </p:cNvSpPr>
+          <p:nvPr>
+            <p:ph type="title"/>
+          </p:nvPr>
+        </p:nvSpPr>
+        <p:spPr/>
+        <p:txBody>
+          <a:bodyPr/>
+          <a:lstStyle/>
+          <a:p>
+            <a:r>
+              <a:rPr lang="es-ES" sz="2950" dirty="0">
+                <a:latin typeface="Geneva"/>
+              </a:rPr>
+              <a:t>Principios: SOLI</a:t>
+            </a:r>
+            <a:r>
+              <a:rPr lang="es-ES" sz="2950" dirty="0">
+                <a:solidFill>
+                  <a:srgbClr val="FF0000"/>
+                </a:solidFill>
+                <a:latin typeface="Geneva"/>
+              </a:rPr>
+              <a:t>D</a:t>
+            </a:r>
+            <a:endParaRPr lang="es-ES" dirty="0">
+              <a:solidFill>
+                <a:srgbClr val="FF0000"/>
+              </a:solidFill>
+            </a:endParaRPr>
+          </a:p>
+        </p:txBody>
+      </p:sp>
+      <p:sp>
+        <p:nvSpPr>
+          <p:cNvPr id="3" name="Marcador de contenido 2">
+            <a:extLst>
+              <a:ext uri="{FF2B5EF4-FFF2-40B4-BE49-F238E27FC236}">
+                <a16:creationId xmlns:a16="http://schemas.microsoft.com/office/drawing/2014/main" id="{9DD18A5F-0C10-A120-FFB2-8D2393134BD5}"/>
+              </a:ext>
+            </a:extLst>
+          </p:cNvPr>
+          <p:cNvSpPr>
+            <a:spLocks noGrp="1"/>
+          </p:cNvSpPr>
+          <p:nvPr>
+            <p:ph idx="1"/>
+          </p:nvPr>
+        </p:nvSpPr>
+        <p:spPr/>
+        <p:txBody>
+          <a:bodyPr vert="horz" lIns="91440" tIns="45720" rIns="91440" bIns="45720" rtlCol="0" anchor="t">
+            <a:normAutofit/>
+          </a:bodyPr>
+          <a:lstStyle/>
+          <a:p>
+            <a:pPr marL="210820" indent="-210820" algn="ctr"/>
+            <a:r>
+              <a:rPr lang="es-ES" sz="2950" dirty="0">
+                <a:latin typeface="Helvetica"/>
+                <a:ea typeface="Verdana"/>
+                <a:cs typeface="Arial"/>
+              </a:rPr>
+              <a:t>Principios de inversión de dependencias.</a:t>
+            </a:r>
+            <a:endParaRPr lang="es-ES" dirty="0"/>
+          </a:p>
+        </p:txBody>
+      </p:sp>
+      <p:sp>
+        <p:nvSpPr>
+          <p:cNvPr id="4" name="Marcador de fecha 3">
+            <a:extLst>
+              <a:ext uri="{FF2B5EF4-FFF2-40B4-BE49-F238E27FC236}">
+                <a16:creationId xmlns:a16="http://schemas.microsoft.com/office/drawing/2014/main" id="{54DC990E-1EBB-6251-4DFA-F42C4308BD99}"/>
+              </a:ext>
+            </a:extLst>
+          </p:cNvPr>
+          <p:cNvSpPr>
+            <a:spLocks noGrp="1"/>
+          </p:cNvSpPr>
+          <p:nvPr>
+            <p:ph type="dt" sz="half" idx="10"/>
+          </p:nvPr>
+        </p:nvSpPr>
+        <p:spPr/>
+        <p:txBody>
+          <a:bodyPr/>
+          <a:lstStyle/>
+          <a:p>
+            <a:pPr defTabSz="422041">
+              <a:defRPr/>
+            </a:pPr>
+            <a:r>
+              <a:rPr lang="es-ES">
+                <a:solidFill>
+                  <a:prstClr val="black">
+                    <a:tint val="75000"/>
+                  </a:prstClr>
+                </a:solidFill>
+              </a:rPr>
+              <a:t>Curso 2021-2022</a:t>
+            </a:r>
+          </a:p>
+        </p:txBody>
+      </p:sp>
+      <p:sp>
+        <p:nvSpPr>
+          <p:cNvPr id="5" name="Marcador de pie de página 4">
+            <a:extLst>
+              <a:ext uri="{FF2B5EF4-FFF2-40B4-BE49-F238E27FC236}">
+                <a16:creationId xmlns:a16="http://schemas.microsoft.com/office/drawing/2014/main" id="{D981E450-4611-C34E-EB0A-F9467582049B}"/>
+              </a:ext>
+            </a:extLst>
+          </p:cNvPr>
+          <p:cNvSpPr>
+            <a:spLocks noGrp="1"/>
+          </p:cNvSpPr>
+          <p:nvPr>
+            <p:ph type="ftr" sz="quarter" idx="11"/>
+          </p:nvPr>
+        </p:nvSpPr>
+        <p:spPr/>
+        <p:txBody>
+          <a:bodyPr/>
+          <a:lstStyle/>
+          <a:p>
+            <a:pPr defTabSz="422041">
+              <a:defRPr/>
+            </a:pPr>
+            <a:r>
+              <a:rPr lang="es-ES">
+                <a:solidFill>
+                  <a:prstClr val="black">
+                    <a:tint val="75000"/>
+                  </a:prstClr>
+                </a:solidFill>
+              </a:rPr>
+              <a:t>Introducción a la Ingeniería del Software</a:t>
+            </a:r>
+          </a:p>
+        </p:txBody>
+      </p:sp>
+      <p:sp>
+        <p:nvSpPr>
+          <p:cNvPr id="6" name="Marcador de número de diapositiva 5">
+            <a:extLst>
+              <a:ext uri="{FF2B5EF4-FFF2-40B4-BE49-F238E27FC236}">
+                <a16:creationId xmlns:a16="http://schemas.microsoft.com/office/drawing/2014/main" id="{D4471FDE-DDE5-9511-D1BE-993CE71CC939}"/>
+              </a:ext>
+            </a:extLst>
+          </p:cNvPr>
+          <p:cNvSpPr>
+            <a:spLocks noGrp="1"/>
+          </p:cNvSpPr>
+          <p:nvPr>
+            <p:ph type="sldNum" sz="quarter" idx="12"/>
+          </p:nvPr>
+        </p:nvSpPr>
+        <p:spPr/>
+        <p:txBody>
+          <a:bodyPr/>
+          <a:lstStyle/>
+          <a:p>
+            <a:pPr defTabSz="422041">
+              <a:defRPr/>
+            </a:pPr>
+            <a:fld id="{9961DA19-05BC-2C48-AEE7-B9DFD6D07410}" type="slidenum">
+              <a:rPr lang="es-ES" smtClean="0">
+                <a:solidFill>
+                  <a:prstClr val="black">
+                    <a:tint val="75000"/>
+                  </a:prstClr>
+                </a:solidFill>
+              </a:rPr>
+              <a:pPr defTabSz="422041">
+                <a:defRPr/>
+              </a:pPr>
+              <a:t>15</a:t>
+            </a:fld>
+            <a:endParaRPr lang="es-ES">
+              <a:solidFill>
+                <a:prstClr val="black">
+                  <a:tint val="75000"/>
+                </a:prstClr>
+              </a:solidFill>
+            </a:endParaRPr>
+          </a:p>
+        </p:txBody>
+      </p:sp>
+      <p:sp>
+        <p:nvSpPr>
+          <p:cNvPr id="7" name="CuadroTexto 6">
+            <a:extLst>
+              <a:ext uri="{FF2B5EF4-FFF2-40B4-BE49-F238E27FC236}">
+                <a16:creationId xmlns:a16="http://schemas.microsoft.com/office/drawing/2014/main" id="{EE566371-1E34-2DFA-7720-6E48067C5E32}"/>
+              </a:ext>
+            </a:extLst>
+          </p:cNvPr>
+          <p:cNvSpPr txBox="1"/>
+          <p:nvPr/>
+        </p:nvSpPr>
+        <p:spPr>
+          <a:xfrm>
+            <a:off x="1405607" y="2151863"/>
+            <a:ext cx="6115521" cy="369332"/>
+          </a:xfrm>
+          <a:prstGeom prst="rect">
+            <a:avLst/>
+          </a:prstGeom>
+          <a:noFill/>
+        </p:spPr>
+        <p:txBody>
+          <a:bodyPr rot="0" spcFirstLastPara="0" vertOverflow="overflow" horzOverflow="overflow" vert="horz" wrap="square" lIns="91440" tIns="45720" rIns="91440" bIns="45720" numCol="1" spcCol="0" rtlCol="0" fromWordArt="0" anchor="t" anchorCtr="0" forceAA="0" compatLnSpc="1">
+            <a:prstTxWarp prst="textNoShape">
+              <a:avLst/>
+            </a:prstTxWarp>
+            <a:spAutoFit/>
+          </a:bodyPr>
+          <a:lstStyle/>
+          <a:p>
+            <a:pPr algn="ctr"/>
+            <a:r>
+              <a:rPr lang="es-ES" dirty="0">
+                <a:latin typeface="Helvetica"/>
+                <a:cs typeface="Calibri"/>
+              </a:rPr>
+              <a:t>Depende de abstracciones no de implementaciones</a:t>
+            </a:r>
+            <a:endParaRPr lang="es-ES"/>
+          </a:p>
+        </p:txBody>
+      </p:sp>
+      <p:sp>
+        <p:nvSpPr>
+          <p:cNvPr id="8" name="CuadroTexto 7">
+            <a:extLst>
+              <a:ext uri="{FF2B5EF4-FFF2-40B4-BE49-F238E27FC236}">
+                <a16:creationId xmlns:a16="http://schemas.microsoft.com/office/drawing/2014/main" id="{8720B905-6BED-9829-6F0B-09568D419ED8}"/>
+              </a:ext>
+            </a:extLst>
+          </p:cNvPr>
+          <p:cNvSpPr txBox="1"/>
+          <p:nvPr/>
+        </p:nvSpPr>
+        <p:spPr>
+          <a:xfrm>
+            <a:off x="3200400" y="3200400"/>
+            <a:ext cx="2743200" cy="646331"/>
+          </a:xfrm>
+          <a:prstGeom prst="rect">
+            <a:avLst/>
+          </a:prstGeom>
+          <a:noFill/>
+        </p:spPr>
+        <p:txBody>
+          <a:bodyPr rot="0" spcFirstLastPara="0" vertOverflow="overflow" horzOverflow="overflow" vert="horz" wrap="square" lIns="91440" tIns="45720" rIns="91440" bIns="45720" numCol="1" spcCol="0" rtlCol="0" fromWordArt="0" anchor="t" anchorCtr="0" forceAA="0" compatLnSpc="1">
+            <a:prstTxWarp prst="textNoShape">
+              <a:avLst/>
+            </a:prstTxWarp>
+            <a:spAutoFit/>
+          </a:bodyPr>
+          <a:lstStyle/>
+          <a:p>
+            <a:r>
+              <a:rPr lang="es-ES" dirty="0">
+                <a:cs typeface="Calibri"/>
+              </a:rPr>
+              <a:t>[No tenemos clases abstractas al final?]</a:t>
+            </a:r>
+          </a:p>
+        </p:txBody>
+      </p:sp>
+    </p:spTree>
+    <p:extLst>
+      <p:ext uri="{BB962C8B-B14F-4D97-AF65-F5344CB8AC3E}">
+        <p14:creationId xmlns:p14="http://schemas.microsoft.com/office/powerpoint/2010/main" val="1385376970"/>
+      </p:ext>
+    </p:extLst>
+  </p:cSld>
+  <p:clrMapOvr>
+    <a:masterClrMapping/>
+  </p:clrMapOvr>
+  <p:transition spd="slow">
+    <p:wipe/>
+  </p:transition>
+</p:sld>
+</file>
+
+<file path=ppt/slides/slide16.xml><?xml version="1.0" encoding="utf-8"?>
+<p:sld xmlns:a="http://schemas.openxmlformats.org/drawingml/2006/main" xmlns:r="http://schemas.openxmlformats.org/officeDocument/2006/relationships" xmlns:p="http://schemas.openxmlformats.org/presentationml/2006/main">
+  <p:cSld>
+    <p:spTree>
+      <p:nvGrpSpPr>
+        <p:cNvPr id="1" name=""/>
+        <p:cNvGrpSpPr/>
+        <p:nvPr/>
+      </p:nvGrpSpPr>
+      <p:grpSpPr>
+        <a:xfrm>
+          <a:off x="0" y="0"/>
+          <a:ext cx="0" cy="0"/>
+          <a:chOff x="0" y="0"/>
+          <a:chExt cx="0" cy="0"/>
+        </a:xfrm>
+      </p:grpSpPr>
+      <p:sp>
+        <p:nvSpPr>
+          <p:cNvPr id="2" name="Título 1">
+            <a:extLst>
+              <a:ext uri="{FF2B5EF4-FFF2-40B4-BE49-F238E27FC236}">
+                <a16:creationId xmlns:a16="http://schemas.microsoft.com/office/drawing/2014/main" id="{5D976B5A-B1FE-AA44-5307-8983E17F6F45}"/>
+              </a:ext>
+            </a:extLst>
+          </p:cNvPr>
+          <p:cNvSpPr>
+            <a:spLocks noGrp="1"/>
+          </p:cNvSpPr>
+          <p:nvPr>
+            <p:ph type="title"/>
+          </p:nvPr>
+        </p:nvSpPr>
+        <p:spPr/>
+        <p:txBody>
+          <a:bodyPr/>
+          <a:lstStyle/>
+          <a:p>
+            <a:r>
+              <a:rPr lang="es-ES" sz="2950" dirty="0">
+                <a:latin typeface="Geneva"/>
+              </a:rPr>
+              <a:t>Pruebas</a:t>
+            </a:r>
+            <a:endParaRPr lang="es-ES" dirty="0"/>
+          </a:p>
+        </p:txBody>
+      </p:sp>
+      <p:sp>
+        <p:nvSpPr>
+          <p:cNvPr id="4" name="Marcador de fecha 3">
+            <a:extLst>
+              <a:ext uri="{FF2B5EF4-FFF2-40B4-BE49-F238E27FC236}">
+                <a16:creationId xmlns:a16="http://schemas.microsoft.com/office/drawing/2014/main" id="{B6BE840B-B08D-477F-FD9F-3334C4503020}"/>
+              </a:ext>
+            </a:extLst>
+          </p:cNvPr>
+          <p:cNvSpPr>
+            <a:spLocks noGrp="1"/>
+          </p:cNvSpPr>
+          <p:nvPr>
+            <p:ph type="dt" sz="half" idx="10"/>
+          </p:nvPr>
+        </p:nvSpPr>
+        <p:spPr/>
+        <p:txBody>
+          <a:bodyPr/>
+          <a:lstStyle/>
+          <a:p>
+            <a:pPr defTabSz="422041">
+              <a:defRPr/>
+            </a:pPr>
+            <a:r>
+              <a:rPr lang="es-ES">
+                <a:solidFill>
+                  <a:prstClr val="black">
+                    <a:tint val="75000"/>
+                  </a:prstClr>
+                </a:solidFill>
+              </a:rPr>
+              <a:t>Curso 2021-2022</a:t>
+            </a:r>
+          </a:p>
+        </p:txBody>
+      </p:sp>
+      <p:sp>
+        <p:nvSpPr>
+          <p:cNvPr id="6" name="Marcador de número de diapositiva 5">
+            <a:extLst>
+              <a:ext uri="{FF2B5EF4-FFF2-40B4-BE49-F238E27FC236}">
+                <a16:creationId xmlns:a16="http://schemas.microsoft.com/office/drawing/2014/main" id="{5EB6CB30-A328-58DB-6883-2323124C96BD}"/>
+              </a:ext>
+            </a:extLst>
+          </p:cNvPr>
+          <p:cNvSpPr>
+            <a:spLocks noGrp="1"/>
+          </p:cNvSpPr>
+          <p:nvPr>
+            <p:ph type="sldNum" sz="quarter" idx="12"/>
+          </p:nvPr>
+        </p:nvSpPr>
+        <p:spPr/>
+        <p:txBody>
+          <a:bodyPr/>
+          <a:lstStyle/>
+          <a:p>
+            <a:pPr defTabSz="422041">
+              <a:defRPr/>
+            </a:pPr>
+            <a:fld id="{9961DA19-05BC-2C48-AEE7-B9DFD6D07410}" type="slidenum">
+              <a:rPr lang="es-ES" smtClean="0">
+                <a:solidFill>
+                  <a:prstClr val="black">
+                    <a:tint val="75000"/>
+                  </a:prstClr>
+                </a:solidFill>
+              </a:rPr>
+              <a:pPr defTabSz="422041">
+                <a:defRPr/>
+              </a:pPr>
+              <a:t>16</a:t>
+            </a:fld>
+            <a:endParaRPr lang="es-ES">
+              <a:solidFill>
+                <a:prstClr val="black">
+                  <a:tint val="75000"/>
+                </a:prstClr>
+              </a:solidFill>
+            </a:endParaRPr>
+          </a:p>
+        </p:txBody>
+      </p:sp>
+      <p:pic>
+        <p:nvPicPr>
+          <p:cNvPr id="8" name="Imagen 7">
+            <a:extLst>
+              <a:ext uri="{FF2B5EF4-FFF2-40B4-BE49-F238E27FC236}">
+                <a16:creationId xmlns:a16="http://schemas.microsoft.com/office/drawing/2014/main" id="{851A6F6A-E17F-3C97-1603-A190D9B6AE84}"/>
+              </a:ext>
+            </a:extLst>
+          </p:cNvPr>
+          <p:cNvPicPr>
+            <a:picLocks noChangeAspect="1"/>
+          </p:cNvPicPr>
+          <p:nvPr/>
+        </p:nvPicPr>
+        <p:blipFill>
+          <a:blip r:embed="rId2">
+            <a:extLst>
+              <a:ext uri="{28A0092B-C50C-407E-A947-70E740481C1C}">
+                <a14:useLocalDpi xmlns:a14="http://schemas.microsoft.com/office/drawing/2010/main" val="0"/>
+              </a:ext>
+            </a:extLst>
+          </a:blip>
+          <a:stretch>
+            <a:fillRect/>
+          </a:stretch>
+        </p:blipFill>
+        <p:spPr>
+          <a:xfrm>
+            <a:off x="943890" y="1384515"/>
+            <a:ext cx="3022029" cy="4598739"/>
+          </a:xfrm>
+          <a:prstGeom prst="rect">
+            <a:avLst/>
+          </a:prstGeom>
+        </p:spPr>
+      </p:pic>
+      <p:pic>
+        <p:nvPicPr>
+          <p:cNvPr id="10" name="Imagen 9">
+            <a:extLst>
+              <a:ext uri="{FF2B5EF4-FFF2-40B4-BE49-F238E27FC236}">
+                <a16:creationId xmlns:a16="http://schemas.microsoft.com/office/drawing/2014/main" id="{E54D4B6C-EE64-23E3-BC6C-DDF37823655C}"/>
+              </a:ext>
+            </a:extLst>
+          </p:cNvPr>
+          <p:cNvPicPr>
+            <a:picLocks noChangeAspect="1"/>
+          </p:cNvPicPr>
+          <p:nvPr/>
+        </p:nvPicPr>
+        <p:blipFill>
+          <a:blip r:embed="rId3">
+            <a:extLst>
+              <a:ext uri="{28A0092B-C50C-407E-A947-70E740481C1C}">
+                <a14:useLocalDpi xmlns:a14="http://schemas.microsoft.com/office/drawing/2010/main" val="0"/>
+              </a:ext>
+            </a:extLst>
+          </a:blip>
+          <a:stretch>
+            <a:fillRect/>
+          </a:stretch>
+        </p:blipFill>
+        <p:spPr>
+          <a:xfrm>
+            <a:off x="4456590" y="1078763"/>
+            <a:ext cx="4058760" cy="4616753"/>
+          </a:xfrm>
+          <a:prstGeom prst="rect">
+            <a:avLst/>
+          </a:prstGeom>
+        </p:spPr>
+      </p:pic>
+      <p:pic>
+        <p:nvPicPr>
+          <p:cNvPr id="12" name="Imagen 11">
+            <a:extLst>
+              <a:ext uri="{FF2B5EF4-FFF2-40B4-BE49-F238E27FC236}">
+                <a16:creationId xmlns:a16="http://schemas.microsoft.com/office/drawing/2014/main" id="{AD4DF198-E9C7-EFB1-2F40-2AE6F3AA1FEA}"/>
+              </a:ext>
+            </a:extLst>
+          </p:cNvPr>
+          <p:cNvPicPr>
+            <a:picLocks noChangeAspect="1"/>
+          </p:cNvPicPr>
+          <p:nvPr/>
+        </p:nvPicPr>
+        <p:blipFill>
+          <a:blip r:embed="rId4">
+            <a:extLst>
+              <a:ext uri="{28A0092B-C50C-407E-A947-70E740481C1C}">
+                <a14:useLocalDpi xmlns:a14="http://schemas.microsoft.com/office/drawing/2010/main" val="0"/>
+              </a:ext>
+            </a:extLst>
+          </a:blip>
+          <a:stretch>
+            <a:fillRect/>
+          </a:stretch>
+        </p:blipFill>
+        <p:spPr>
+          <a:xfrm>
+            <a:off x="5054314" y="5695516"/>
+            <a:ext cx="2613274" cy="963719"/>
+          </a:xfrm>
+          <a:prstGeom prst="rect">
+            <a:avLst/>
+          </a:prstGeom>
+        </p:spPr>
+      </p:pic>
+    </p:spTree>
+    <p:extLst>
+      <p:ext uri="{BB962C8B-B14F-4D97-AF65-F5344CB8AC3E}">
+        <p14:creationId xmlns:p14="http://schemas.microsoft.com/office/powerpoint/2010/main" val="749499641"/>
+      </p:ext>
+    </p:extLst>
+  </p:cSld>
+  <p:clrMapOvr>
+    <a:masterClrMapping/>
+  </p:clrMapOvr>
+  <p:transition spd="slow">
+    <p:comb/>
+  </p:transition>
+</p:sld>
+</file>
+
+<file path=ppt/slides/slide17.xml><?xml version="1.0" encoding="utf-8"?>
+<p:sld xmlns:a="http://schemas.openxmlformats.org/drawingml/2006/main" xmlns:r="http://schemas.openxmlformats.org/officeDocument/2006/relationships" xmlns:p="http://schemas.openxmlformats.org/presentationml/2006/main">
+  <p:cSld>
+    <p:spTree>
+      <p:nvGrpSpPr>
+        <p:cNvPr id="1" name=""/>
+        <p:cNvGrpSpPr/>
+        <p:nvPr/>
+      </p:nvGrpSpPr>
+      <p:grpSpPr>
+        <a:xfrm>
+          <a:off x="0" y="0"/>
+          <a:ext cx="0" cy="0"/>
+          <a:chOff x="0" y="0"/>
+          <a:chExt cx="0" cy="0"/>
+        </a:xfrm>
+      </p:grpSpPr>
+      <p:sp>
+        <p:nvSpPr>
+          <p:cNvPr id="2" name="Título 1">
+            <a:extLst>
+              <a:ext uri="{FF2B5EF4-FFF2-40B4-BE49-F238E27FC236}">
+                <a16:creationId xmlns:a16="http://schemas.microsoft.com/office/drawing/2014/main" id="{837682DD-FFE5-E1BF-1A5D-F4301E2824EB}"/>
+              </a:ext>
+            </a:extLst>
+          </p:cNvPr>
+          <p:cNvSpPr>
+            <a:spLocks noGrp="1"/>
+          </p:cNvSpPr>
+          <p:nvPr>
+            <p:ph type="title"/>
+          </p:nvPr>
+        </p:nvSpPr>
+        <p:spPr/>
+        <p:txBody>
+          <a:bodyPr/>
+          <a:lstStyle/>
+          <a:p>
+            <a:r>
+              <a:rPr lang="es-ES" dirty="0"/>
+              <a:t>Pruebas </a:t>
+            </a:r>
+            <a:r>
+              <a:rPr lang="es-ES" dirty="0" err="1"/>
+              <a:t>Mockito</a:t>
+            </a:r>
+            <a:endParaRPr lang="es-ES" dirty="0"/>
+          </a:p>
+        </p:txBody>
+      </p:sp>
+      <p:sp>
+        <p:nvSpPr>
+          <p:cNvPr id="4" name="Marcador de fecha 3">
+            <a:extLst>
+              <a:ext uri="{FF2B5EF4-FFF2-40B4-BE49-F238E27FC236}">
+                <a16:creationId xmlns:a16="http://schemas.microsoft.com/office/drawing/2014/main" id="{3FC4BE52-08E5-E224-81B4-7B2DD8476BEA}"/>
+              </a:ext>
+            </a:extLst>
+          </p:cNvPr>
+          <p:cNvSpPr>
+            <a:spLocks noGrp="1"/>
+          </p:cNvSpPr>
+          <p:nvPr>
+            <p:ph type="dt" sz="half" idx="10"/>
+          </p:nvPr>
+        </p:nvSpPr>
+        <p:spPr/>
+        <p:txBody>
+          <a:bodyPr/>
+          <a:lstStyle/>
+          <a:p>
+            <a:pPr defTabSz="422041">
+              <a:defRPr/>
+            </a:pPr>
+            <a:r>
+              <a:rPr lang="es-ES">
+                <a:solidFill>
+                  <a:prstClr val="black">
+                    <a:tint val="75000"/>
+                  </a:prstClr>
+                </a:solidFill>
+              </a:rPr>
+              <a:t>Curso 2021-2022</a:t>
+            </a:r>
+          </a:p>
+        </p:txBody>
+      </p:sp>
+      <p:sp>
+        <p:nvSpPr>
+          <p:cNvPr id="5" name="Marcador de pie de página 4">
+            <a:extLst>
+              <a:ext uri="{FF2B5EF4-FFF2-40B4-BE49-F238E27FC236}">
+                <a16:creationId xmlns:a16="http://schemas.microsoft.com/office/drawing/2014/main" id="{33E3FD58-12F5-3D61-62C0-723B257445CC}"/>
+              </a:ext>
+            </a:extLst>
+          </p:cNvPr>
+          <p:cNvSpPr>
+            <a:spLocks noGrp="1"/>
+          </p:cNvSpPr>
+          <p:nvPr>
+            <p:ph type="ftr" sz="quarter" idx="11"/>
+          </p:nvPr>
+        </p:nvSpPr>
+        <p:spPr/>
+        <p:txBody>
+          <a:bodyPr/>
+          <a:lstStyle/>
+          <a:p>
+            <a:pPr defTabSz="422041">
+              <a:defRPr/>
+            </a:pPr>
+            <a:r>
+              <a:rPr lang="es-ES">
+                <a:solidFill>
+                  <a:prstClr val="black">
+                    <a:tint val="75000"/>
+                  </a:prstClr>
+                </a:solidFill>
+              </a:rPr>
+              <a:t>Introducción a la Ingeniería del Software</a:t>
+            </a:r>
+          </a:p>
+        </p:txBody>
+      </p:sp>
+      <p:sp>
+        <p:nvSpPr>
+          <p:cNvPr id="6" name="Marcador de número de diapositiva 5">
+            <a:extLst>
+              <a:ext uri="{FF2B5EF4-FFF2-40B4-BE49-F238E27FC236}">
+                <a16:creationId xmlns:a16="http://schemas.microsoft.com/office/drawing/2014/main" id="{552968DE-93FD-ECE6-3B6E-0EFAF8C01B17}"/>
+              </a:ext>
+            </a:extLst>
+          </p:cNvPr>
+          <p:cNvSpPr>
+            <a:spLocks noGrp="1"/>
+          </p:cNvSpPr>
+          <p:nvPr>
+            <p:ph type="sldNum" sz="quarter" idx="12"/>
+          </p:nvPr>
+        </p:nvSpPr>
+        <p:spPr/>
+        <p:txBody>
+          <a:bodyPr/>
+          <a:lstStyle/>
+          <a:p>
+            <a:pPr defTabSz="422041">
+              <a:defRPr/>
+            </a:pPr>
+            <a:fld id="{9961DA19-05BC-2C48-AEE7-B9DFD6D07410}" type="slidenum">
+              <a:rPr lang="es-ES" smtClean="0">
+                <a:solidFill>
+                  <a:prstClr val="black">
+                    <a:tint val="75000"/>
+                  </a:prstClr>
+                </a:solidFill>
+              </a:rPr>
+              <a:pPr defTabSz="422041">
+                <a:defRPr/>
+              </a:pPr>
+              <a:t>17</a:t>
+            </a:fld>
+            <a:endParaRPr lang="es-ES">
+              <a:solidFill>
+                <a:prstClr val="black">
+                  <a:tint val="75000"/>
+                </a:prstClr>
+              </a:solidFill>
+            </a:endParaRPr>
+          </a:p>
+        </p:txBody>
+      </p:sp>
+      <p:pic>
+        <p:nvPicPr>
+          <p:cNvPr id="8" name="Imagen 7">
+            <a:extLst>
+              <a:ext uri="{FF2B5EF4-FFF2-40B4-BE49-F238E27FC236}">
+                <a16:creationId xmlns:a16="http://schemas.microsoft.com/office/drawing/2014/main" id="{6598B938-B008-6488-5F2B-5E7E15194F54}"/>
+              </a:ext>
+            </a:extLst>
+          </p:cNvPr>
+          <p:cNvPicPr>
+            <a:picLocks noChangeAspect="1"/>
+          </p:cNvPicPr>
+          <p:nvPr/>
+        </p:nvPicPr>
+        <p:blipFill>
+          <a:blip r:embed="rId2">
+            <a:extLst>
+              <a:ext uri="{28A0092B-C50C-407E-A947-70E740481C1C}">
+                <a14:useLocalDpi xmlns:a14="http://schemas.microsoft.com/office/drawing/2010/main" val="0"/>
+              </a:ext>
+            </a:extLst>
+          </a:blip>
+          <a:stretch>
+            <a:fillRect/>
+          </a:stretch>
+        </p:blipFill>
+        <p:spPr>
+          <a:xfrm>
+            <a:off x="358655" y="1210331"/>
+            <a:ext cx="4522085" cy="5182024"/>
+          </a:xfrm>
+          <a:prstGeom prst="rect">
+            <a:avLst/>
+          </a:prstGeom>
+        </p:spPr>
+      </p:pic>
+      <p:pic>
+        <p:nvPicPr>
+          <p:cNvPr id="10" name="Imagen 9">
+            <a:extLst>
+              <a:ext uri="{FF2B5EF4-FFF2-40B4-BE49-F238E27FC236}">
+                <a16:creationId xmlns:a16="http://schemas.microsoft.com/office/drawing/2014/main" id="{5FC68584-86D0-0BDB-7EFE-4CCAEA3D3991}"/>
+              </a:ext>
+            </a:extLst>
+          </p:cNvPr>
+          <p:cNvPicPr>
+            <a:picLocks noChangeAspect="1"/>
+          </p:cNvPicPr>
+          <p:nvPr/>
+        </p:nvPicPr>
+        <p:blipFill>
+          <a:blip r:embed="rId3">
+            <a:extLst>
+              <a:ext uri="{28A0092B-C50C-407E-A947-70E740481C1C}">
+                <a14:useLocalDpi xmlns:a14="http://schemas.microsoft.com/office/drawing/2010/main" val="0"/>
+              </a:ext>
+            </a:extLst>
+          </a:blip>
+          <a:stretch>
+            <a:fillRect/>
+          </a:stretch>
+        </p:blipFill>
+        <p:spPr>
+          <a:xfrm>
+            <a:off x="4880740" y="2146852"/>
+            <a:ext cx="4076692" cy="2914675"/>
+          </a:xfrm>
+          <a:prstGeom prst="rect">
+            <a:avLst/>
+          </a:prstGeom>
+        </p:spPr>
+      </p:pic>
+    </p:spTree>
+    <p:extLst>
+      <p:ext uri="{BB962C8B-B14F-4D97-AF65-F5344CB8AC3E}">
+        <p14:creationId xmlns:p14="http://schemas.microsoft.com/office/powerpoint/2010/main" val="2934548233"/>
+      </p:ext>
+    </p:extLst>
+  </p:cSld>
+  <p:clrMapOvr>
+    <a:masterClrMapping/>
+  </p:clrMapOvr>
+  <p:transition spd="slow">
+    <p:wipe/>
+  </p:transition>
+</p:sld>
+</file>
+
+<file path=ppt/slides/slide18.xml><?xml version="1.0" encoding="utf-8"?>
+<p:sld xmlns:a="http://schemas.openxmlformats.org/drawingml/2006/main" xmlns:r="http://schemas.openxmlformats.org/officeDocument/2006/relationships" xmlns:p="http://schemas.openxmlformats.org/presentationml/2006/main">
+  <p:cSld>
+    <p:spTree>
+      <p:nvGrpSpPr>
+        <p:cNvPr id="1" name=""/>
+        <p:cNvGrpSpPr/>
+        <p:nvPr/>
+      </p:nvGrpSpPr>
+      <p:grpSpPr>
+        <a:xfrm>
+          <a:off x="0" y="0"/>
+          <a:ext cx="0" cy="0"/>
+          <a:chOff x="0" y="0"/>
+          <a:chExt cx="0" cy="0"/>
+        </a:xfrm>
+      </p:grpSpPr>
+      <p:sp>
+        <p:nvSpPr>
+          <p:cNvPr id="2" name="Título 1">
+            <a:extLst>
+              <a:ext uri="{FF2B5EF4-FFF2-40B4-BE49-F238E27FC236}">
+                <a16:creationId xmlns:a16="http://schemas.microsoft.com/office/drawing/2014/main" id="{E3B0F960-EDD5-882D-8B18-2D5FBCF79A8D}"/>
+              </a:ext>
+            </a:extLst>
+          </p:cNvPr>
+          <p:cNvSpPr>
+            <a:spLocks noGrp="1"/>
+          </p:cNvSpPr>
+          <p:nvPr>
+            <p:ph type="title"/>
+          </p:nvPr>
+        </p:nvSpPr>
+        <p:spPr/>
+        <p:txBody>
+          <a:bodyPr/>
+          <a:lstStyle/>
+          <a:p>
+            <a:r>
+              <a:rPr lang="es-ES" sz="2950" dirty="0">
+                <a:latin typeface="Geneva"/>
+              </a:rPr>
+              <a:t>Estrategias y herramientas</a:t>
+            </a:r>
+            <a:endParaRPr lang="es-ES" dirty="0"/>
+          </a:p>
+        </p:txBody>
+      </p:sp>
+      <p:pic>
+        <p:nvPicPr>
+          <p:cNvPr id="7" name="Imagen 7" descr="Icono&#10;&#10;Descripción generada automáticamente">
+            <a:extLst>
+              <a:ext uri="{FF2B5EF4-FFF2-40B4-BE49-F238E27FC236}">
+                <a16:creationId xmlns:a16="http://schemas.microsoft.com/office/drawing/2014/main" id="{D2EA46B4-166A-8E4E-57F2-7161783C7F0C}"/>
+              </a:ext>
+            </a:extLst>
+          </p:cNvPr>
+          <p:cNvPicPr>
+            <a:picLocks noGrp="1" noChangeAspect="1"/>
+          </p:cNvPicPr>
+          <p:nvPr>
+            <p:ph idx="1"/>
+          </p:nvPr>
+        </p:nvPicPr>
+        <p:blipFill>
+          <a:blip r:embed="rId2"/>
+          <a:stretch>
+            <a:fillRect/>
+          </a:stretch>
+        </p:blipFill>
+        <p:spPr>
+          <a:xfrm>
+            <a:off x="553199" y="1316794"/>
+            <a:ext cx="2039216" cy="2039216"/>
+          </a:xfrm>
+        </p:spPr>
+      </p:pic>
+      <p:sp>
+        <p:nvSpPr>
+          <p:cNvPr id="4" name="Marcador de fecha 3">
+            <a:extLst>
+              <a:ext uri="{FF2B5EF4-FFF2-40B4-BE49-F238E27FC236}">
+                <a16:creationId xmlns:a16="http://schemas.microsoft.com/office/drawing/2014/main" id="{1999519D-E047-B1D4-083C-C20D2B3558E2}"/>
+              </a:ext>
+            </a:extLst>
+          </p:cNvPr>
+          <p:cNvSpPr>
+            <a:spLocks noGrp="1"/>
+          </p:cNvSpPr>
+          <p:nvPr>
+            <p:ph type="dt" sz="half" idx="10"/>
+          </p:nvPr>
+        </p:nvSpPr>
+        <p:spPr/>
+        <p:txBody>
+          <a:bodyPr/>
+          <a:lstStyle/>
+          <a:p>
+            <a:pPr defTabSz="422041">
+              <a:defRPr/>
+            </a:pPr>
+            <a:r>
+              <a:rPr lang="es-ES">
+                <a:solidFill>
+                  <a:prstClr val="black">
+                    <a:tint val="75000"/>
+                  </a:prstClr>
+                </a:solidFill>
+              </a:rPr>
+              <a:t>Curso 2021-2022</a:t>
+            </a:r>
+          </a:p>
+        </p:txBody>
+      </p:sp>
+      <p:sp>
+        <p:nvSpPr>
+          <p:cNvPr id="5" name="Marcador de pie de página 4">
+            <a:extLst>
+              <a:ext uri="{FF2B5EF4-FFF2-40B4-BE49-F238E27FC236}">
+                <a16:creationId xmlns:a16="http://schemas.microsoft.com/office/drawing/2014/main" id="{A57621F8-9C3F-E245-F56B-43BCA71BA3A3}"/>
+              </a:ext>
+            </a:extLst>
+          </p:cNvPr>
+          <p:cNvSpPr>
+            <a:spLocks noGrp="1"/>
+          </p:cNvSpPr>
+          <p:nvPr>
+            <p:ph type="ftr" sz="quarter" idx="11"/>
+          </p:nvPr>
+        </p:nvSpPr>
+        <p:spPr/>
+        <p:txBody>
+          <a:bodyPr/>
+          <a:lstStyle/>
+          <a:p>
+            <a:pPr defTabSz="422041">
+              <a:defRPr/>
+            </a:pPr>
+            <a:r>
+              <a:rPr lang="es-ES">
+                <a:solidFill>
+                  <a:prstClr val="black">
+                    <a:tint val="75000"/>
+                  </a:prstClr>
+                </a:solidFill>
+              </a:rPr>
+              <a:t>Introducción a la Ingeniería del Software</a:t>
+            </a:r>
+          </a:p>
+        </p:txBody>
+      </p:sp>
+      <p:sp>
+        <p:nvSpPr>
+          <p:cNvPr id="6" name="Marcador de número de diapositiva 5">
+            <a:extLst>
+              <a:ext uri="{FF2B5EF4-FFF2-40B4-BE49-F238E27FC236}">
+                <a16:creationId xmlns:a16="http://schemas.microsoft.com/office/drawing/2014/main" id="{89E16AB4-8085-3A01-E83B-1892F6649A7E}"/>
+              </a:ext>
+            </a:extLst>
+          </p:cNvPr>
+          <p:cNvSpPr>
+            <a:spLocks noGrp="1"/>
+          </p:cNvSpPr>
+          <p:nvPr>
+            <p:ph type="sldNum" sz="quarter" idx="12"/>
+          </p:nvPr>
+        </p:nvSpPr>
+        <p:spPr/>
+        <p:txBody>
+          <a:bodyPr/>
+          <a:lstStyle/>
+          <a:p>
+            <a:pPr defTabSz="422041">
+              <a:defRPr/>
+            </a:pPr>
+            <a:fld id="{9961DA19-05BC-2C48-AEE7-B9DFD6D07410}" type="slidenum">
+              <a:rPr lang="es-ES" smtClean="0">
+                <a:solidFill>
+                  <a:prstClr val="black">
+                    <a:tint val="75000"/>
+                  </a:prstClr>
+                </a:solidFill>
+              </a:rPr>
+              <a:pPr defTabSz="422041">
+                <a:defRPr/>
+              </a:pPr>
+              <a:t>18</a:t>
+            </a:fld>
+            <a:endParaRPr lang="es-ES">
+              <a:solidFill>
+                <a:prstClr val="black">
+                  <a:tint val="75000"/>
+                </a:prstClr>
+              </a:solidFill>
+            </a:endParaRPr>
+          </a:p>
+        </p:txBody>
+      </p:sp>
+      <p:pic>
+        <p:nvPicPr>
+          <p:cNvPr id="8" name="Imagen 8" descr="Icono&#10;&#10;Descripción generada automáticamente">
+            <a:extLst>
+              <a:ext uri="{FF2B5EF4-FFF2-40B4-BE49-F238E27FC236}">
+                <a16:creationId xmlns:a16="http://schemas.microsoft.com/office/drawing/2014/main" id="{74B76F5F-5B8C-318F-4A16-B3B5008C43FF}"/>
+              </a:ext>
+            </a:extLst>
+          </p:cNvPr>
+          <p:cNvPicPr>
+            <a:picLocks noChangeAspect="1"/>
+          </p:cNvPicPr>
+          <p:nvPr/>
+        </p:nvPicPr>
+        <p:blipFill>
+          <a:blip r:embed="rId3"/>
+          <a:stretch>
+            <a:fillRect/>
+          </a:stretch>
+        </p:blipFill>
+        <p:spPr>
+          <a:xfrm>
+            <a:off x="3462652" y="1365578"/>
+            <a:ext cx="1954200" cy="1954200"/>
+          </a:xfrm>
+          <a:prstGeom prst="rect">
+            <a:avLst/>
+          </a:prstGeom>
+        </p:spPr>
+      </p:pic>
+      <p:pic>
+        <p:nvPicPr>
+          <p:cNvPr id="9" name="Imagen 9" descr="Logotipo&#10;&#10;Descripción generada automáticamente">
+            <a:extLst>
+              <a:ext uri="{FF2B5EF4-FFF2-40B4-BE49-F238E27FC236}">
+                <a16:creationId xmlns:a16="http://schemas.microsoft.com/office/drawing/2014/main" id="{B9D52C8F-BBF8-644D-7A78-62B957BE214F}"/>
+              </a:ext>
+            </a:extLst>
+          </p:cNvPr>
+          <p:cNvPicPr>
+            <a:picLocks noChangeAspect="1"/>
+          </p:cNvPicPr>
+          <p:nvPr/>
+        </p:nvPicPr>
+        <p:blipFill>
+          <a:blip r:embed="rId4"/>
+          <a:stretch>
+            <a:fillRect/>
+          </a:stretch>
+        </p:blipFill>
+        <p:spPr>
+          <a:xfrm>
+            <a:off x="5977607" y="1553281"/>
+            <a:ext cx="2743200" cy="558595"/>
+          </a:xfrm>
+          <a:prstGeom prst="rect">
+            <a:avLst/>
+          </a:prstGeom>
+        </p:spPr>
+      </p:pic>
+      <p:pic>
+        <p:nvPicPr>
+          <p:cNvPr id="10" name="Imagen 10" descr="Interfaz de usuario gráfica, Texto&#10;&#10;Descripción generada automáticamente">
+            <a:extLst>
+              <a:ext uri="{FF2B5EF4-FFF2-40B4-BE49-F238E27FC236}">
+                <a16:creationId xmlns:a16="http://schemas.microsoft.com/office/drawing/2014/main" id="{96686CFE-4AC4-AA4C-2045-ADC2D256227B}"/>
+              </a:ext>
+            </a:extLst>
+          </p:cNvPr>
+          <p:cNvPicPr>
+            <a:picLocks noChangeAspect="1"/>
+          </p:cNvPicPr>
+          <p:nvPr/>
+        </p:nvPicPr>
+        <p:blipFill>
+          <a:blip r:embed="rId5"/>
+          <a:stretch>
+            <a:fillRect/>
+          </a:stretch>
+        </p:blipFill>
+        <p:spPr>
+          <a:xfrm>
+            <a:off x="5977607" y="2605939"/>
+            <a:ext cx="2743200" cy="531461"/>
+          </a:xfrm>
+          <a:prstGeom prst="rect">
+            <a:avLst/>
+          </a:prstGeom>
+        </p:spPr>
+      </p:pic>
+      <p:pic>
+        <p:nvPicPr>
+          <p:cNvPr id="11" name="Imagen 11">
+            <a:extLst>
+              <a:ext uri="{FF2B5EF4-FFF2-40B4-BE49-F238E27FC236}">
+                <a16:creationId xmlns:a16="http://schemas.microsoft.com/office/drawing/2014/main" id="{44A7942F-C0DF-FA63-D186-C4971534C78B}"/>
+              </a:ext>
+            </a:extLst>
+          </p:cNvPr>
+          <p:cNvPicPr>
+            <a:picLocks noChangeAspect="1"/>
+          </p:cNvPicPr>
+          <p:nvPr/>
+        </p:nvPicPr>
+        <p:blipFill>
+          <a:blip r:embed="rId6"/>
+          <a:stretch>
+            <a:fillRect/>
+          </a:stretch>
+        </p:blipFill>
+        <p:spPr>
+          <a:xfrm>
+            <a:off x="3238185" y="3906037"/>
+            <a:ext cx="2743200" cy="1143000"/>
+          </a:xfrm>
+          <a:prstGeom prst="rect">
+            <a:avLst/>
+          </a:prstGeom>
+        </p:spPr>
+      </p:pic>
+      <p:pic>
+        <p:nvPicPr>
+          <p:cNvPr id="12" name="Imagen 12" descr="Icono&#10;&#10;Descripción generada automáticamente">
+            <a:extLst>
+              <a:ext uri="{FF2B5EF4-FFF2-40B4-BE49-F238E27FC236}">
+                <a16:creationId xmlns:a16="http://schemas.microsoft.com/office/drawing/2014/main" id="{3605B79C-B683-4327-5CE8-6815452727A0}"/>
+              </a:ext>
+            </a:extLst>
+          </p:cNvPr>
+          <p:cNvPicPr>
+            <a:picLocks noChangeAspect="1"/>
+          </p:cNvPicPr>
+          <p:nvPr/>
+        </p:nvPicPr>
+        <p:blipFill>
+          <a:blip r:embed="rId7"/>
+          <a:stretch>
+            <a:fillRect/>
+          </a:stretch>
+        </p:blipFill>
+        <p:spPr>
+          <a:xfrm>
+            <a:off x="548514" y="3424867"/>
+            <a:ext cx="2133600" cy="2143125"/>
+          </a:xfrm>
+          <a:prstGeom prst="rect">
+            <a:avLst/>
+          </a:prstGeom>
+        </p:spPr>
+      </p:pic>
+      <p:pic>
+        <p:nvPicPr>
+          <p:cNvPr id="13" name="Imagen 13" descr="Icono&#10;&#10;Descripción generada automáticamente">
+            <a:extLst>
+              <a:ext uri="{FF2B5EF4-FFF2-40B4-BE49-F238E27FC236}">
+                <a16:creationId xmlns:a16="http://schemas.microsoft.com/office/drawing/2014/main" id="{598B9E11-BFC3-DD2E-B80D-4CB990F01DB7}"/>
+              </a:ext>
+            </a:extLst>
+          </p:cNvPr>
+          <p:cNvPicPr>
+            <a:picLocks noChangeAspect="1"/>
+          </p:cNvPicPr>
+          <p:nvPr/>
+        </p:nvPicPr>
+        <p:blipFill>
+          <a:blip r:embed="rId8"/>
+          <a:stretch>
+            <a:fillRect/>
+          </a:stretch>
+        </p:blipFill>
+        <p:spPr>
+          <a:xfrm>
+            <a:off x="6268198" y="3424868"/>
+            <a:ext cx="2143125" cy="2143125"/>
+          </a:xfrm>
+          <a:prstGeom prst="rect">
+            <a:avLst/>
+          </a:prstGeom>
+        </p:spPr>
+      </p:pic>
     </p:spTree>
     <p:extLst>
       <p:ext uri="{BB962C8B-B14F-4D97-AF65-F5344CB8AC3E}">
@@ -4592,6 +6953,242 @@
   <p:clrMapOvr>
     <a:masterClrMapping/>
   </p:clrMapOvr>
+  <mc:AlternateContent xmlns:mc="http://schemas.openxmlformats.org/markup-compatibility/2006">
+    <mc:Choice xmlns:p15="http://schemas.microsoft.com/office/powerpoint/2012/main" Requires="p15">
+      <p:transition xmlns:p14="http://schemas.microsoft.com/office/powerpoint/2010/main" spd="slow" p14:dur="2000">
+        <p15:prstTrans prst="wind"/>
+      </p:transition>
+    </mc:Choice>
+    <mc:Fallback>
+      <p:transition spd="slow">
+        <p:fade/>
+      </p:transition>
+    </mc:Fallback>
+  </mc:AlternateContent>
+</p:sld>
+</file>
+
+<file path=ppt/slides/slide19.xml><?xml version="1.0" encoding="utf-8"?>
+<p:sld xmlns:a="http://schemas.openxmlformats.org/drawingml/2006/main" xmlns:r="http://schemas.openxmlformats.org/officeDocument/2006/relationships" xmlns:p="http://schemas.openxmlformats.org/presentationml/2006/main">
+  <p:cSld>
+    <p:spTree>
+      <p:nvGrpSpPr>
+        <p:cNvPr id="1" name=""/>
+        <p:cNvGrpSpPr/>
+        <p:nvPr/>
+      </p:nvGrpSpPr>
+      <p:grpSpPr>
+        <a:xfrm>
+          <a:off x="0" y="0"/>
+          <a:ext cx="0" cy="0"/>
+          <a:chOff x="0" y="0"/>
+          <a:chExt cx="0" cy="0"/>
+        </a:xfrm>
+      </p:grpSpPr>
+      <p:sp>
+        <p:nvSpPr>
+          <p:cNvPr id="2" name="Título 1">
+            <a:extLst>
+              <a:ext uri="{FF2B5EF4-FFF2-40B4-BE49-F238E27FC236}">
+                <a16:creationId xmlns:a16="http://schemas.microsoft.com/office/drawing/2014/main" id="{C5ED3531-0A1F-A043-64DD-35538712DB2D}"/>
+              </a:ext>
+            </a:extLst>
+          </p:cNvPr>
+          <p:cNvSpPr>
+            <a:spLocks noGrp="1"/>
+          </p:cNvSpPr>
+          <p:nvPr>
+            <p:ph type="title"/>
+          </p:nvPr>
+        </p:nvSpPr>
+        <p:spPr/>
+        <p:txBody>
+          <a:bodyPr/>
+          <a:lstStyle/>
+          <a:p>
+            <a:r>
+              <a:rPr lang="es-ES" sz="2950" dirty="0">
+                <a:latin typeface="Geneva"/>
+              </a:rPr>
+              <a:t>Modelo de implementación</a:t>
+            </a:r>
+            <a:endParaRPr lang="es-ES" dirty="0"/>
+          </a:p>
+        </p:txBody>
+      </p:sp>
+      <p:sp>
+        <p:nvSpPr>
+          <p:cNvPr id="3" name="Marcador de contenido 2">
+            <a:extLst>
+              <a:ext uri="{FF2B5EF4-FFF2-40B4-BE49-F238E27FC236}">
+                <a16:creationId xmlns:a16="http://schemas.microsoft.com/office/drawing/2014/main" id="{E62DBD75-7DB7-1939-1686-8A8BBCDE7026}"/>
+              </a:ext>
+            </a:extLst>
+          </p:cNvPr>
+          <p:cNvSpPr>
+            <a:spLocks noGrp="1"/>
+          </p:cNvSpPr>
+          <p:nvPr>
+            <p:ph idx="1"/>
+          </p:nvPr>
+        </p:nvSpPr>
+        <p:spPr/>
+        <p:txBody>
+          <a:bodyPr vert="horz" lIns="91440" tIns="45720" rIns="91440" bIns="45720" rtlCol="0" anchor="t">
+            <a:normAutofit/>
+          </a:bodyPr>
+          <a:lstStyle/>
+          <a:p>
+            <a:pPr marL="0" indent="0">
+              <a:buNone/>
+            </a:pPr>
+            <a:endParaRPr lang="es-ES"/>
+          </a:p>
+        </p:txBody>
+      </p:sp>
+      <p:sp>
+        <p:nvSpPr>
+          <p:cNvPr id="4" name="Marcador de fecha 3">
+            <a:extLst>
+              <a:ext uri="{FF2B5EF4-FFF2-40B4-BE49-F238E27FC236}">
+                <a16:creationId xmlns:a16="http://schemas.microsoft.com/office/drawing/2014/main" id="{D4847B75-18DD-CBF3-EF16-A0D415D4DE2E}"/>
+              </a:ext>
+            </a:extLst>
+          </p:cNvPr>
+          <p:cNvSpPr>
+            <a:spLocks noGrp="1"/>
+          </p:cNvSpPr>
+          <p:nvPr>
+            <p:ph type="dt" sz="half" idx="10"/>
+          </p:nvPr>
+        </p:nvSpPr>
+        <p:spPr/>
+        <p:txBody>
+          <a:bodyPr/>
+          <a:lstStyle/>
+          <a:p>
+            <a:pPr defTabSz="422041">
+              <a:defRPr/>
+            </a:pPr>
+            <a:r>
+              <a:rPr lang="es-ES">
+                <a:solidFill>
+                  <a:prstClr val="black">
+                    <a:tint val="75000"/>
+                  </a:prstClr>
+                </a:solidFill>
+              </a:rPr>
+              <a:t>Curso 2021-2022</a:t>
+            </a:r>
+          </a:p>
+        </p:txBody>
+      </p:sp>
+      <p:sp>
+        <p:nvSpPr>
+          <p:cNvPr id="5" name="Marcador de pie de página 4">
+            <a:extLst>
+              <a:ext uri="{FF2B5EF4-FFF2-40B4-BE49-F238E27FC236}">
+                <a16:creationId xmlns:a16="http://schemas.microsoft.com/office/drawing/2014/main" id="{57378490-425E-8E30-C013-E4B0359A613E}"/>
+              </a:ext>
+            </a:extLst>
+          </p:cNvPr>
+          <p:cNvSpPr>
+            <a:spLocks noGrp="1"/>
+          </p:cNvSpPr>
+          <p:nvPr>
+            <p:ph type="ftr" sz="quarter" idx="11"/>
+          </p:nvPr>
+        </p:nvSpPr>
+        <p:spPr/>
+        <p:txBody>
+          <a:bodyPr/>
+          <a:lstStyle/>
+          <a:p>
+            <a:pPr defTabSz="422041">
+              <a:defRPr/>
+            </a:pPr>
+            <a:r>
+              <a:rPr lang="es-ES">
+                <a:solidFill>
+                  <a:prstClr val="black">
+                    <a:tint val="75000"/>
+                  </a:prstClr>
+                </a:solidFill>
+              </a:rPr>
+              <a:t>Introducción a la Ingeniería del Software</a:t>
+            </a:r>
+          </a:p>
+        </p:txBody>
+      </p:sp>
+      <p:sp>
+        <p:nvSpPr>
+          <p:cNvPr id="6" name="Marcador de número de diapositiva 5">
+            <a:extLst>
+              <a:ext uri="{FF2B5EF4-FFF2-40B4-BE49-F238E27FC236}">
+                <a16:creationId xmlns:a16="http://schemas.microsoft.com/office/drawing/2014/main" id="{ACEBB465-F56D-1806-D128-E683C923D278}"/>
+              </a:ext>
+            </a:extLst>
+          </p:cNvPr>
+          <p:cNvSpPr>
+            <a:spLocks noGrp="1"/>
+          </p:cNvSpPr>
+          <p:nvPr>
+            <p:ph type="sldNum" sz="quarter" idx="12"/>
+          </p:nvPr>
+        </p:nvSpPr>
+        <p:spPr/>
+        <p:txBody>
+          <a:bodyPr/>
+          <a:lstStyle/>
+          <a:p>
+            <a:pPr defTabSz="422041">
+              <a:defRPr/>
+            </a:pPr>
+            <a:fld id="{9961DA19-05BC-2C48-AEE7-B9DFD6D07410}" type="slidenum">
+              <a:rPr lang="es-ES" smtClean="0">
+                <a:solidFill>
+                  <a:prstClr val="black">
+                    <a:tint val="75000"/>
+                  </a:prstClr>
+                </a:solidFill>
+              </a:rPr>
+              <a:pPr defTabSz="422041">
+                <a:defRPr/>
+              </a:pPr>
+              <a:t>19</a:t>
+            </a:fld>
+            <a:endParaRPr lang="es-ES">
+              <a:solidFill>
+                <a:prstClr val="black">
+                  <a:tint val="75000"/>
+                </a:prstClr>
+              </a:solidFill>
+            </a:endParaRPr>
+          </a:p>
+        </p:txBody>
+      </p:sp>
+    </p:spTree>
+    <p:extLst>
+      <p:ext uri="{BB962C8B-B14F-4D97-AF65-F5344CB8AC3E}">
+        <p14:creationId xmlns:p14="http://schemas.microsoft.com/office/powerpoint/2010/main" val="481817417"/>
+      </p:ext>
+    </p:extLst>
+  </p:cSld>
+  <p:clrMapOvr>
+    <a:masterClrMapping/>
+  </p:clrMapOvr>
+  <mc:AlternateContent xmlns:mc="http://schemas.openxmlformats.org/markup-compatibility/2006">
+    <mc:Choice xmlns:p14="http://schemas.microsoft.com/office/powerpoint/2010/main" Requires="p14">
+      <p:transition spd="med" p14:dur="700">
+        <p:fade/>
+      </p:transition>
+    </mc:Choice>
+    <mc:Fallback>
+      <p:transition spd="med">
+        <p:fade/>
+      </p:transition>
+    </mc:Fallback>
+  </mc:AlternateContent>
 </p:sld>
 </file>
 
@@ -4847,6 +7444,1049 @@
   <p:clrMapOvr>
     <a:masterClrMapping/>
   </p:clrMapOvr>
+  <p:transition spd="slow">
+    <p:push dir="u"/>
+  </p:transition>
+</p:sld>
+</file>
+
+<file path=ppt/slides/slide20.xml><?xml version="1.0" encoding="utf-8"?>
+<p:sld xmlns:a="http://schemas.openxmlformats.org/drawingml/2006/main" xmlns:r="http://schemas.openxmlformats.org/officeDocument/2006/relationships" xmlns:p="http://schemas.openxmlformats.org/presentationml/2006/main">
+  <p:cSld>
+    <p:spTree>
+      <p:nvGrpSpPr>
+        <p:cNvPr id="1" name=""/>
+        <p:cNvGrpSpPr/>
+        <p:nvPr/>
+      </p:nvGrpSpPr>
+      <p:grpSpPr>
+        <a:xfrm>
+          <a:off x="0" y="0"/>
+          <a:ext cx="0" cy="0"/>
+          <a:chOff x="0" y="0"/>
+          <a:chExt cx="0" cy="0"/>
+        </a:xfrm>
+      </p:grpSpPr>
+      <p:sp>
+        <p:nvSpPr>
+          <p:cNvPr id="2" name="Título 1">
+            <a:extLst>
+              <a:ext uri="{FF2B5EF4-FFF2-40B4-BE49-F238E27FC236}">
+                <a16:creationId xmlns:a16="http://schemas.microsoft.com/office/drawing/2014/main" id="{716DC1C7-47F9-BFD5-350F-151ED6AFEAD1}"/>
+              </a:ext>
+            </a:extLst>
+          </p:cNvPr>
+          <p:cNvSpPr>
+            <a:spLocks noGrp="1"/>
+          </p:cNvSpPr>
+          <p:nvPr>
+            <p:ph type="title"/>
+          </p:nvPr>
+        </p:nvSpPr>
+        <p:spPr/>
+        <p:txBody>
+          <a:bodyPr/>
+          <a:lstStyle/>
+          <a:p>
+            <a:r>
+              <a:rPr lang="es-ES" sz="2950" dirty="0">
+                <a:latin typeface="Geneva"/>
+              </a:rPr>
+              <a:t>Despliegue</a:t>
+            </a:r>
+            <a:endParaRPr lang="es-ES" dirty="0"/>
+          </a:p>
+        </p:txBody>
+      </p:sp>
+      <p:sp>
+        <p:nvSpPr>
+          <p:cNvPr id="3" name="Marcador de contenido 2">
+            <a:extLst>
+              <a:ext uri="{FF2B5EF4-FFF2-40B4-BE49-F238E27FC236}">
+                <a16:creationId xmlns:a16="http://schemas.microsoft.com/office/drawing/2014/main" id="{E31C7EDA-4DBD-AA95-4A29-6F4C0B055386}"/>
+              </a:ext>
+            </a:extLst>
+          </p:cNvPr>
+          <p:cNvSpPr>
+            <a:spLocks noGrp="1"/>
+          </p:cNvSpPr>
+          <p:nvPr>
+            <p:ph idx="1"/>
+          </p:nvPr>
+        </p:nvSpPr>
+        <p:spPr>
+          <a:xfrm>
+            <a:off x="401940" y="4130013"/>
+            <a:ext cx="7886700" cy="4772738"/>
+          </a:xfrm>
+        </p:spPr>
+        <p:txBody>
+          <a:bodyPr vert="horz" lIns="91440" tIns="45720" rIns="91440" bIns="45720" rtlCol="0" anchor="t">
+            <a:normAutofit/>
+          </a:bodyPr>
+          <a:lstStyle/>
+          <a:p>
+            <a:pPr marL="0" indent="0">
+              <a:buNone/>
+            </a:pPr>
+            <a:endParaRPr lang="es-ES"/>
+          </a:p>
+        </p:txBody>
+      </p:sp>
+      <p:sp>
+        <p:nvSpPr>
+          <p:cNvPr id="4" name="Marcador de fecha 3">
+            <a:extLst>
+              <a:ext uri="{FF2B5EF4-FFF2-40B4-BE49-F238E27FC236}">
+                <a16:creationId xmlns:a16="http://schemas.microsoft.com/office/drawing/2014/main" id="{BE238069-DA65-249C-23DD-EF9C77B85CEA}"/>
+              </a:ext>
+            </a:extLst>
+          </p:cNvPr>
+          <p:cNvSpPr>
+            <a:spLocks noGrp="1"/>
+          </p:cNvSpPr>
+          <p:nvPr>
+            <p:ph type="dt" sz="half" idx="10"/>
+          </p:nvPr>
+        </p:nvSpPr>
+        <p:spPr/>
+        <p:txBody>
+          <a:bodyPr/>
+          <a:lstStyle/>
+          <a:p>
+            <a:pPr defTabSz="422041">
+              <a:defRPr/>
+            </a:pPr>
+            <a:r>
+              <a:rPr lang="es-ES">
+                <a:solidFill>
+                  <a:prstClr val="black">
+                    <a:tint val="75000"/>
+                  </a:prstClr>
+                </a:solidFill>
+              </a:rPr>
+              <a:t>Curso 2021-2022</a:t>
+            </a:r>
+          </a:p>
+        </p:txBody>
+      </p:sp>
+      <p:sp>
+        <p:nvSpPr>
+          <p:cNvPr id="5" name="Marcador de pie de página 4">
+            <a:extLst>
+              <a:ext uri="{FF2B5EF4-FFF2-40B4-BE49-F238E27FC236}">
+                <a16:creationId xmlns:a16="http://schemas.microsoft.com/office/drawing/2014/main" id="{B2AFDCA4-CA78-E226-2312-E1280DF453EE}"/>
+              </a:ext>
+            </a:extLst>
+          </p:cNvPr>
+          <p:cNvSpPr>
+            <a:spLocks noGrp="1"/>
+          </p:cNvSpPr>
+          <p:nvPr>
+            <p:ph type="ftr" sz="quarter" idx="11"/>
+          </p:nvPr>
+        </p:nvSpPr>
+        <p:spPr/>
+        <p:txBody>
+          <a:bodyPr/>
+          <a:lstStyle/>
+          <a:p>
+            <a:pPr defTabSz="422041">
+              <a:defRPr/>
+            </a:pPr>
+            <a:r>
+              <a:rPr lang="es-ES">
+                <a:solidFill>
+                  <a:prstClr val="black">
+                    <a:tint val="75000"/>
+                  </a:prstClr>
+                </a:solidFill>
+              </a:rPr>
+              <a:t>Introducción a la Ingeniería del Software</a:t>
+            </a:r>
+          </a:p>
+        </p:txBody>
+      </p:sp>
+      <p:sp>
+        <p:nvSpPr>
+          <p:cNvPr id="6" name="Marcador de número de diapositiva 5">
+            <a:extLst>
+              <a:ext uri="{FF2B5EF4-FFF2-40B4-BE49-F238E27FC236}">
+                <a16:creationId xmlns:a16="http://schemas.microsoft.com/office/drawing/2014/main" id="{A967FD6E-BE5E-7F9F-165B-32C7A20A4844}"/>
+              </a:ext>
+            </a:extLst>
+          </p:cNvPr>
+          <p:cNvSpPr>
+            <a:spLocks noGrp="1"/>
+          </p:cNvSpPr>
+          <p:nvPr>
+            <p:ph type="sldNum" sz="quarter" idx="12"/>
+          </p:nvPr>
+        </p:nvSpPr>
+        <p:spPr/>
+        <p:txBody>
+          <a:bodyPr/>
+          <a:lstStyle/>
+          <a:p>
+            <a:pPr defTabSz="422041">
+              <a:defRPr/>
+            </a:pPr>
+            <a:fld id="{9961DA19-05BC-2C48-AEE7-B9DFD6D07410}" type="slidenum">
+              <a:rPr lang="es-ES" smtClean="0">
+                <a:solidFill>
+                  <a:prstClr val="black">
+                    <a:tint val="75000"/>
+                  </a:prstClr>
+                </a:solidFill>
+              </a:rPr>
+              <a:pPr defTabSz="422041">
+                <a:defRPr/>
+              </a:pPr>
+              <a:t>20</a:t>
+            </a:fld>
+            <a:endParaRPr lang="es-ES">
+              <a:solidFill>
+                <a:prstClr val="black">
+                  <a:tint val="75000"/>
+                </a:prstClr>
+              </a:solidFill>
+            </a:endParaRPr>
+          </a:p>
+        </p:txBody>
+      </p:sp>
+      <p:sp>
+        <p:nvSpPr>
+          <p:cNvPr id="7" name="Rectángulo: esquinas redondeadas 6">
+            <a:extLst>
+              <a:ext uri="{FF2B5EF4-FFF2-40B4-BE49-F238E27FC236}">
+                <a16:creationId xmlns:a16="http://schemas.microsoft.com/office/drawing/2014/main" id="{B717FCB7-11CD-D1E9-7EBB-1C8357627978}"/>
+              </a:ext>
+            </a:extLst>
+          </p:cNvPr>
+          <p:cNvSpPr/>
+          <p:nvPr/>
+        </p:nvSpPr>
+        <p:spPr>
+          <a:xfrm>
+            <a:off x="402411" y="1394270"/>
+            <a:ext cx="1936487" cy="642347"/>
+          </a:xfrm>
+          <a:prstGeom prst="roundRect">
+            <a:avLst/>
+          </a:prstGeom>
+        </p:spPr>
+        <p:style>
+          <a:lnRef idx="2">
+            <a:schemeClr val="accent1">
+              <a:shade val="50000"/>
+            </a:schemeClr>
+          </a:lnRef>
+          <a:fillRef idx="1">
+            <a:schemeClr val="accent1"/>
+          </a:fillRef>
+          <a:effectRef idx="0">
+            <a:schemeClr val="accent1"/>
+          </a:effectRef>
+          <a:fontRef idx="minor">
+            <a:schemeClr val="lt1"/>
+          </a:fontRef>
+        </p:style>
+        <p:txBody>
+          <a:bodyPr rtlCol="0" anchor="ctr"/>
+          <a:lstStyle/>
+          <a:p>
+            <a:pPr algn="ctr"/>
+            <a:r>
+              <a:rPr lang="es-ES" dirty="0" err="1">
+                <a:cs typeface="Calibri"/>
+              </a:rPr>
+              <a:t>Login</a:t>
+            </a:r>
+            <a:r>
+              <a:rPr lang="es-ES" dirty="0">
+                <a:cs typeface="Calibri"/>
+              </a:rPr>
+              <a:t> de usuario</a:t>
+            </a:r>
+          </a:p>
+        </p:txBody>
+      </p:sp>
+      <p:sp>
+        <p:nvSpPr>
+          <p:cNvPr id="8" name="Rectángulo: esquinas redondeadas 7">
+            <a:extLst>
+              <a:ext uri="{FF2B5EF4-FFF2-40B4-BE49-F238E27FC236}">
+                <a16:creationId xmlns:a16="http://schemas.microsoft.com/office/drawing/2014/main" id="{10771EA4-83FE-389B-DB60-1F80CB112FC1}"/>
+              </a:ext>
+            </a:extLst>
+          </p:cNvPr>
+          <p:cNvSpPr/>
+          <p:nvPr/>
+        </p:nvSpPr>
+        <p:spPr>
+          <a:xfrm>
+            <a:off x="5749005" y="1394270"/>
+            <a:ext cx="2163197" cy="642347"/>
+          </a:xfrm>
+          <a:prstGeom prst="roundRect">
+            <a:avLst/>
+          </a:prstGeom>
+        </p:spPr>
+        <p:style>
+          <a:lnRef idx="2">
+            <a:schemeClr val="accent1">
+              <a:shade val="50000"/>
+            </a:schemeClr>
+          </a:lnRef>
+          <a:fillRef idx="1">
+            <a:schemeClr val="accent1"/>
+          </a:fillRef>
+          <a:effectRef idx="0">
+            <a:schemeClr val="accent1"/>
+          </a:effectRef>
+          <a:fontRef idx="minor">
+            <a:schemeClr val="lt1"/>
+          </a:fontRef>
+        </p:style>
+        <p:txBody>
+          <a:bodyPr lIns="91440" tIns="45720" rIns="91440" bIns="45720" rtlCol="0" anchor="ctr"/>
+          <a:lstStyle/>
+          <a:p>
+            <a:pPr algn="ctr"/>
+            <a:r>
+              <a:rPr lang="es-ES" dirty="0">
+                <a:cs typeface="Calibri"/>
+              </a:rPr>
+              <a:t>Selección de partida</a:t>
+            </a:r>
+          </a:p>
+        </p:txBody>
+      </p:sp>
+      <p:sp>
+        <p:nvSpPr>
+          <p:cNvPr id="9" name="Rectángulo: esquinas redondeadas 8">
+            <a:extLst>
+              <a:ext uri="{FF2B5EF4-FFF2-40B4-BE49-F238E27FC236}">
+                <a16:creationId xmlns:a16="http://schemas.microsoft.com/office/drawing/2014/main" id="{F3781108-1789-238A-4CBF-DE796509B212}"/>
+              </a:ext>
+            </a:extLst>
+          </p:cNvPr>
+          <p:cNvSpPr/>
+          <p:nvPr/>
+        </p:nvSpPr>
+        <p:spPr>
+          <a:xfrm>
+            <a:off x="402411" y="2622287"/>
+            <a:ext cx="1936487" cy="642347"/>
+          </a:xfrm>
+          <a:prstGeom prst="roundRect">
+            <a:avLst/>
+          </a:prstGeom>
+        </p:spPr>
+        <p:style>
+          <a:lnRef idx="2">
+            <a:schemeClr val="accent1">
+              <a:shade val="50000"/>
+            </a:schemeClr>
+          </a:lnRef>
+          <a:fillRef idx="1">
+            <a:schemeClr val="accent1"/>
+          </a:fillRef>
+          <a:effectRef idx="0">
+            <a:schemeClr val="accent1"/>
+          </a:effectRef>
+          <a:fontRef idx="minor">
+            <a:schemeClr val="lt1"/>
+          </a:fontRef>
+        </p:style>
+        <p:txBody>
+          <a:bodyPr lIns="91440" tIns="45720" rIns="91440" bIns="45720" rtlCol="0" anchor="ctr"/>
+          <a:lstStyle/>
+          <a:p>
+            <a:pPr algn="ctr"/>
+            <a:r>
+              <a:rPr lang="es-ES" dirty="0">
+                <a:cs typeface="Calibri"/>
+              </a:rPr>
+              <a:t>Generación de tablero</a:t>
+            </a:r>
+          </a:p>
+        </p:txBody>
+      </p:sp>
+      <p:sp>
+        <p:nvSpPr>
+          <p:cNvPr id="10" name="Rectángulo: esquinas redondeadas 9">
+            <a:extLst>
+              <a:ext uri="{FF2B5EF4-FFF2-40B4-BE49-F238E27FC236}">
+                <a16:creationId xmlns:a16="http://schemas.microsoft.com/office/drawing/2014/main" id="{033DD8AF-8ACB-DFEE-0586-735A10E21205}"/>
+              </a:ext>
+            </a:extLst>
+          </p:cNvPr>
+          <p:cNvSpPr/>
+          <p:nvPr/>
+        </p:nvSpPr>
+        <p:spPr>
+          <a:xfrm>
+            <a:off x="2575055" y="2622286"/>
+            <a:ext cx="1936487" cy="642347"/>
+          </a:xfrm>
+          <a:prstGeom prst="roundRect">
+            <a:avLst/>
+          </a:prstGeom>
+        </p:spPr>
+        <p:style>
+          <a:lnRef idx="2">
+            <a:schemeClr val="accent1">
+              <a:shade val="50000"/>
+            </a:schemeClr>
+          </a:lnRef>
+          <a:fillRef idx="1">
+            <a:schemeClr val="accent1"/>
+          </a:fillRef>
+          <a:effectRef idx="0">
+            <a:schemeClr val="accent1"/>
+          </a:effectRef>
+          <a:fontRef idx="minor">
+            <a:schemeClr val="lt1"/>
+          </a:fontRef>
+        </p:style>
+        <p:txBody>
+          <a:bodyPr lIns="91440" tIns="45720" rIns="91440" bIns="45720" rtlCol="0" anchor="ctr"/>
+          <a:lstStyle/>
+          <a:p>
+            <a:pPr algn="ctr"/>
+            <a:r>
+              <a:rPr lang="es-ES" dirty="0">
+                <a:cs typeface="Calibri"/>
+              </a:rPr>
+              <a:t>Generación de ficha</a:t>
+            </a:r>
+          </a:p>
+        </p:txBody>
+      </p:sp>
+      <p:sp>
+        <p:nvSpPr>
+          <p:cNvPr id="11" name="Rectángulo: esquinas redondeadas 10">
+            <a:extLst>
+              <a:ext uri="{FF2B5EF4-FFF2-40B4-BE49-F238E27FC236}">
+                <a16:creationId xmlns:a16="http://schemas.microsoft.com/office/drawing/2014/main" id="{1996299C-D5D8-E8A6-5AD5-55F879467C84}"/>
+              </a:ext>
+            </a:extLst>
+          </p:cNvPr>
+          <p:cNvSpPr/>
+          <p:nvPr/>
+        </p:nvSpPr>
+        <p:spPr>
+          <a:xfrm>
+            <a:off x="4700468" y="2584501"/>
+            <a:ext cx="1936487" cy="642347"/>
+          </a:xfrm>
+          <a:prstGeom prst="roundRect">
+            <a:avLst/>
+          </a:prstGeom>
+        </p:spPr>
+        <p:style>
+          <a:lnRef idx="2">
+            <a:schemeClr val="accent1">
+              <a:shade val="50000"/>
+            </a:schemeClr>
+          </a:lnRef>
+          <a:fillRef idx="1">
+            <a:schemeClr val="accent1"/>
+          </a:fillRef>
+          <a:effectRef idx="0">
+            <a:schemeClr val="accent1"/>
+          </a:effectRef>
+          <a:fontRef idx="minor">
+            <a:schemeClr val="lt1"/>
+          </a:fontRef>
+        </p:style>
+        <p:txBody>
+          <a:bodyPr lIns="91440" tIns="45720" rIns="91440" bIns="45720" rtlCol="0" anchor="ctr"/>
+          <a:lstStyle/>
+          <a:p>
+            <a:pPr algn="ctr"/>
+            <a:r>
+              <a:rPr lang="es-ES" dirty="0">
+                <a:cs typeface="Calibri"/>
+              </a:rPr>
+              <a:t>Generación de dado</a:t>
+            </a:r>
+          </a:p>
+        </p:txBody>
+      </p:sp>
+      <p:sp>
+        <p:nvSpPr>
+          <p:cNvPr id="12" name="Rectángulo: esquinas redondeadas 11">
+            <a:extLst>
+              <a:ext uri="{FF2B5EF4-FFF2-40B4-BE49-F238E27FC236}">
+                <a16:creationId xmlns:a16="http://schemas.microsoft.com/office/drawing/2014/main" id="{6509D727-2C9F-9305-9B18-67853E43EE31}"/>
+              </a:ext>
+            </a:extLst>
+          </p:cNvPr>
+          <p:cNvSpPr/>
+          <p:nvPr/>
+        </p:nvSpPr>
+        <p:spPr>
+          <a:xfrm>
+            <a:off x="6901452" y="2584501"/>
+            <a:ext cx="1936487" cy="642347"/>
+          </a:xfrm>
+          <a:prstGeom prst="roundRect">
+            <a:avLst/>
+          </a:prstGeom>
+        </p:spPr>
+        <p:style>
+          <a:lnRef idx="2">
+            <a:schemeClr val="accent1">
+              <a:shade val="50000"/>
+            </a:schemeClr>
+          </a:lnRef>
+          <a:fillRef idx="1">
+            <a:schemeClr val="accent1"/>
+          </a:fillRef>
+          <a:effectRef idx="0">
+            <a:schemeClr val="accent1"/>
+          </a:effectRef>
+          <a:fontRef idx="minor">
+            <a:schemeClr val="lt1"/>
+          </a:fontRef>
+        </p:style>
+        <p:txBody>
+          <a:bodyPr lIns="91440" tIns="45720" rIns="91440" bIns="45720" rtlCol="0" anchor="ctr"/>
+          <a:lstStyle/>
+          <a:p>
+            <a:pPr algn="ctr"/>
+            <a:r>
+              <a:rPr lang="es-ES" dirty="0">
+                <a:cs typeface="Calibri"/>
+              </a:rPr>
+              <a:t>Extracción de preguntas</a:t>
+            </a:r>
+          </a:p>
+        </p:txBody>
+      </p:sp>
+    </p:spTree>
+    <p:extLst>
+      <p:ext uri="{BB962C8B-B14F-4D97-AF65-F5344CB8AC3E}">
+        <p14:creationId xmlns:p14="http://schemas.microsoft.com/office/powerpoint/2010/main" val="1400691828"/>
+      </p:ext>
+    </p:extLst>
+  </p:cSld>
+  <p:clrMapOvr>
+    <a:masterClrMapping/>
+  </p:clrMapOvr>
+  <p:transition spd="slow">
+    <p:push dir="u"/>
+  </p:transition>
+</p:sld>
+</file>
+
+<file path=ppt/slides/slide21.xml><?xml version="1.0" encoding="utf-8"?>
+<p:sld xmlns:a="http://schemas.openxmlformats.org/drawingml/2006/main" xmlns:r="http://schemas.openxmlformats.org/officeDocument/2006/relationships" xmlns:p="http://schemas.openxmlformats.org/presentationml/2006/main">
+  <p:cSld>
+    <p:spTree>
+      <p:nvGrpSpPr>
+        <p:cNvPr id="1" name=""/>
+        <p:cNvGrpSpPr/>
+        <p:nvPr/>
+      </p:nvGrpSpPr>
+      <p:grpSpPr>
+        <a:xfrm>
+          <a:off x="0" y="0"/>
+          <a:ext cx="0" cy="0"/>
+          <a:chOff x="0" y="0"/>
+          <a:chExt cx="0" cy="0"/>
+        </a:xfrm>
+      </p:grpSpPr>
+      <p:sp>
+        <p:nvSpPr>
+          <p:cNvPr id="2" name="Título 1">
+            <a:extLst>
+              <a:ext uri="{FF2B5EF4-FFF2-40B4-BE49-F238E27FC236}">
+                <a16:creationId xmlns:a16="http://schemas.microsoft.com/office/drawing/2014/main" id="{DB4AA116-C933-9E52-C281-9FAA77C04474}"/>
+              </a:ext>
+            </a:extLst>
+          </p:cNvPr>
+          <p:cNvSpPr>
+            <a:spLocks noGrp="1"/>
+          </p:cNvSpPr>
+          <p:nvPr>
+            <p:ph type="title"/>
+          </p:nvPr>
+        </p:nvSpPr>
+        <p:spPr/>
+        <p:txBody>
+          <a:bodyPr/>
+          <a:lstStyle/>
+          <a:p>
+            <a:r>
+              <a:rPr lang="es-ES" sz="2950" dirty="0">
+                <a:latin typeface="Geneva"/>
+              </a:rPr>
+              <a:t>Resultado</a:t>
+            </a:r>
+            <a:endParaRPr lang="es-ES" dirty="0"/>
+          </a:p>
+        </p:txBody>
+      </p:sp>
+      <p:sp>
+        <p:nvSpPr>
+          <p:cNvPr id="3" name="Marcador de contenido 2">
+            <a:extLst>
+              <a:ext uri="{FF2B5EF4-FFF2-40B4-BE49-F238E27FC236}">
+                <a16:creationId xmlns:a16="http://schemas.microsoft.com/office/drawing/2014/main" id="{EE4FFB27-31A8-318E-ED1A-888384AB2567}"/>
+              </a:ext>
+            </a:extLst>
+          </p:cNvPr>
+          <p:cNvSpPr>
+            <a:spLocks noGrp="1"/>
+          </p:cNvSpPr>
+          <p:nvPr>
+            <p:ph idx="1"/>
+          </p:nvPr>
+        </p:nvSpPr>
+        <p:spPr/>
+        <p:txBody>
+          <a:bodyPr vert="horz" lIns="91440" tIns="45720" rIns="91440" bIns="45720" rtlCol="0" anchor="t">
+            <a:normAutofit/>
+          </a:bodyPr>
+          <a:lstStyle/>
+          <a:p>
+            <a:pPr marL="0" indent="0">
+              <a:buNone/>
+            </a:pPr>
+            <a:r>
+              <a:rPr lang="es-ES" sz="2950" dirty="0">
+                <a:latin typeface="Helvetica"/>
+                <a:ea typeface="Verdana"/>
+                <a:cs typeface="Arial"/>
+              </a:rPr>
+              <a:t>[insertar juego, ya sea vídeo/fotos]</a:t>
+            </a:r>
+            <a:endParaRPr lang="es-ES" dirty="0">
+              <a:latin typeface="Helvetica"/>
+              <a:ea typeface="Verdana"/>
+              <a:cs typeface="Arial"/>
+            </a:endParaRPr>
+          </a:p>
+        </p:txBody>
+      </p:sp>
+      <p:sp>
+        <p:nvSpPr>
+          <p:cNvPr id="4" name="Marcador de fecha 3">
+            <a:extLst>
+              <a:ext uri="{FF2B5EF4-FFF2-40B4-BE49-F238E27FC236}">
+                <a16:creationId xmlns:a16="http://schemas.microsoft.com/office/drawing/2014/main" id="{1EB9E022-F408-00BB-78A6-1C6E4BA0435F}"/>
+              </a:ext>
+            </a:extLst>
+          </p:cNvPr>
+          <p:cNvSpPr>
+            <a:spLocks noGrp="1"/>
+          </p:cNvSpPr>
+          <p:nvPr>
+            <p:ph type="dt" sz="half" idx="10"/>
+          </p:nvPr>
+        </p:nvSpPr>
+        <p:spPr/>
+        <p:txBody>
+          <a:bodyPr/>
+          <a:lstStyle/>
+          <a:p>
+            <a:pPr defTabSz="422041">
+              <a:defRPr/>
+            </a:pPr>
+            <a:r>
+              <a:rPr lang="es-ES">
+                <a:solidFill>
+                  <a:prstClr val="black">
+                    <a:tint val="75000"/>
+                  </a:prstClr>
+                </a:solidFill>
+              </a:rPr>
+              <a:t>Curso 2021-2022</a:t>
+            </a:r>
+          </a:p>
+        </p:txBody>
+      </p:sp>
+      <p:sp>
+        <p:nvSpPr>
+          <p:cNvPr id="5" name="Marcador de pie de página 4">
+            <a:extLst>
+              <a:ext uri="{FF2B5EF4-FFF2-40B4-BE49-F238E27FC236}">
+                <a16:creationId xmlns:a16="http://schemas.microsoft.com/office/drawing/2014/main" id="{1B3C5079-31D3-79EA-E684-4186CBD56FD6}"/>
+              </a:ext>
+            </a:extLst>
+          </p:cNvPr>
+          <p:cNvSpPr>
+            <a:spLocks noGrp="1"/>
+          </p:cNvSpPr>
+          <p:nvPr>
+            <p:ph type="ftr" sz="quarter" idx="11"/>
+          </p:nvPr>
+        </p:nvSpPr>
+        <p:spPr/>
+        <p:txBody>
+          <a:bodyPr/>
+          <a:lstStyle/>
+          <a:p>
+            <a:pPr defTabSz="422041">
+              <a:defRPr/>
+            </a:pPr>
+            <a:r>
+              <a:rPr lang="es-ES">
+                <a:solidFill>
+                  <a:prstClr val="black">
+                    <a:tint val="75000"/>
+                  </a:prstClr>
+                </a:solidFill>
+              </a:rPr>
+              <a:t>Introducción a la Ingeniería del Software</a:t>
+            </a:r>
+          </a:p>
+        </p:txBody>
+      </p:sp>
+      <p:sp>
+        <p:nvSpPr>
+          <p:cNvPr id="6" name="Marcador de número de diapositiva 5">
+            <a:extLst>
+              <a:ext uri="{FF2B5EF4-FFF2-40B4-BE49-F238E27FC236}">
+                <a16:creationId xmlns:a16="http://schemas.microsoft.com/office/drawing/2014/main" id="{6DDEB637-CB45-4005-F767-E99503EAA5CA}"/>
+              </a:ext>
+            </a:extLst>
+          </p:cNvPr>
+          <p:cNvSpPr>
+            <a:spLocks noGrp="1"/>
+          </p:cNvSpPr>
+          <p:nvPr>
+            <p:ph type="sldNum" sz="quarter" idx="12"/>
+          </p:nvPr>
+        </p:nvSpPr>
+        <p:spPr/>
+        <p:txBody>
+          <a:bodyPr/>
+          <a:lstStyle/>
+          <a:p>
+            <a:pPr defTabSz="422041">
+              <a:defRPr/>
+            </a:pPr>
+            <a:fld id="{9961DA19-05BC-2C48-AEE7-B9DFD6D07410}" type="slidenum">
+              <a:rPr lang="es-ES" smtClean="0">
+                <a:solidFill>
+                  <a:prstClr val="black">
+                    <a:tint val="75000"/>
+                  </a:prstClr>
+                </a:solidFill>
+              </a:rPr>
+              <a:pPr defTabSz="422041">
+                <a:defRPr/>
+              </a:pPr>
+              <a:t>21</a:t>
+            </a:fld>
+            <a:endParaRPr lang="es-ES">
+              <a:solidFill>
+                <a:prstClr val="black">
+                  <a:tint val="75000"/>
+                </a:prstClr>
+              </a:solidFill>
+            </a:endParaRPr>
+          </a:p>
+        </p:txBody>
+      </p:sp>
+    </p:spTree>
+    <p:extLst>
+      <p:ext uri="{BB962C8B-B14F-4D97-AF65-F5344CB8AC3E}">
+        <p14:creationId xmlns:p14="http://schemas.microsoft.com/office/powerpoint/2010/main" val="3149934396"/>
+      </p:ext>
+    </p:extLst>
+  </p:cSld>
+  <p:clrMapOvr>
+    <a:masterClrMapping/>
+  </p:clrMapOvr>
+  <mc:AlternateContent xmlns:mc="http://schemas.openxmlformats.org/markup-compatibility/2006">
+    <mc:Choice xmlns:p14="http://schemas.microsoft.com/office/powerpoint/2010/main" Requires="p14">
+      <p:transition spd="slow" p14:dur="900">
+        <p14:warp dir="in"/>
+      </p:transition>
+    </mc:Choice>
+    <mc:Fallback>
+      <p:transition spd="slow">
+        <p:fade/>
+      </p:transition>
+    </mc:Fallback>
+  </mc:AlternateContent>
+</p:sld>
+</file>
+
+<file path=ppt/slides/slide22.xml><?xml version="1.0" encoding="utf-8"?>
+<p:sld xmlns:a="http://schemas.openxmlformats.org/drawingml/2006/main" xmlns:r="http://schemas.openxmlformats.org/officeDocument/2006/relationships" xmlns:p="http://schemas.openxmlformats.org/presentationml/2006/main">
+  <p:cSld>
+    <p:spTree>
+      <p:nvGrpSpPr>
+        <p:cNvPr id="1" name=""/>
+        <p:cNvGrpSpPr/>
+        <p:nvPr/>
+      </p:nvGrpSpPr>
+      <p:grpSpPr>
+        <a:xfrm>
+          <a:off x="0" y="0"/>
+          <a:ext cx="0" cy="0"/>
+          <a:chOff x="0" y="0"/>
+          <a:chExt cx="0" cy="0"/>
+        </a:xfrm>
+      </p:grpSpPr>
+      <p:sp>
+        <p:nvSpPr>
+          <p:cNvPr id="2" name="Título 1">
+            <a:extLst>
+              <a:ext uri="{FF2B5EF4-FFF2-40B4-BE49-F238E27FC236}">
+                <a16:creationId xmlns:a16="http://schemas.microsoft.com/office/drawing/2014/main" id="{1DF47EC6-8A13-49CB-5949-967FFF981151}"/>
+              </a:ext>
+            </a:extLst>
+          </p:cNvPr>
+          <p:cNvSpPr>
+            <a:spLocks noGrp="1"/>
+          </p:cNvSpPr>
+          <p:nvPr>
+            <p:ph type="title"/>
+          </p:nvPr>
+        </p:nvSpPr>
+        <p:spPr/>
+        <p:txBody>
+          <a:bodyPr/>
+          <a:lstStyle/>
+          <a:p>
+            <a:r>
+              <a:rPr lang="es-ES" sz="2950" dirty="0">
+                <a:latin typeface="Geneva"/>
+              </a:rPr>
+              <a:t>Conclusiones</a:t>
+            </a:r>
+            <a:endParaRPr lang="es-ES" dirty="0"/>
+          </a:p>
+        </p:txBody>
+      </p:sp>
+      <p:sp>
+        <p:nvSpPr>
+          <p:cNvPr id="3" name="Marcador de contenido 2">
+            <a:extLst>
+              <a:ext uri="{FF2B5EF4-FFF2-40B4-BE49-F238E27FC236}">
+                <a16:creationId xmlns:a16="http://schemas.microsoft.com/office/drawing/2014/main" id="{47CA8611-B153-266D-4AC0-6709A4127CE0}"/>
+              </a:ext>
+            </a:extLst>
+          </p:cNvPr>
+          <p:cNvSpPr>
+            <a:spLocks noGrp="1"/>
+          </p:cNvSpPr>
+          <p:nvPr>
+            <p:ph idx="1"/>
+          </p:nvPr>
+        </p:nvSpPr>
+        <p:spPr/>
+        <p:txBody>
+          <a:bodyPr vert="horz" lIns="91440" tIns="45720" rIns="91440" bIns="45720" rtlCol="0" anchor="t">
+            <a:normAutofit/>
+          </a:bodyPr>
+          <a:lstStyle/>
+          <a:p>
+            <a:pPr marL="0" indent="0">
+              <a:buNone/>
+            </a:pPr>
+            <a:r>
+              <a:rPr lang="es-ES" sz="2950" dirty="0" err="1">
+                <a:latin typeface="Helvetica"/>
+                <a:ea typeface="Verdana"/>
+                <a:cs typeface="Arial"/>
+              </a:rPr>
+              <a:t>It's</a:t>
+            </a:r>
+            <a:r>
+              <a:rPr lang="es-ES" sz="2950" dirty="0">
+                <a:latin typeface="Helvetica"/>
+                <a:ea typeface="Verdana"/>
+                <a:cs typeface="Arial"/>
+              </a:rPr>
+              <a:t> </a:t>
+            </a:r>
+            <a:r>
+              <a:rPr lang="es-ES" sz="2950" dirty="0" err="1">
+                <a:latin typeface="Helvetica"/>
+                <a:ea typeface="Verdana"/>
+                <a:cs typeface="Arial"/>
+              </a:rPr>
+              <a:t>very</a:t>
+            </a:r>
+            <a:r>
+              <a:rPr lang="es-ES" sz="2950" dirty="0">
+                <a:latin typeface="Helvetica"/>
+                <a:ea typeface="Verdana"/>
+                <a:cs typeface="Arial"/>
+              </a:rPr>
+              <a:t> </a:t>
+            </a:r>
+            <a:r>
+              <a:rPr lang="es-ES" sz="2950" dirty="0" err="1">
+                <a:latin typeface="Helvetica"/>
+                <a:ea typeface="Verdana"/>
+                <a:cs typeface="Arial"/>
+              </a:rPr>
+              <a:t>difficult</a:t>
+            </a:r>
+            <a:r>
+              <a:rPr lang="es-ES" sz="2950" dirty="0">
+                <a:latin typeface="Helvetica"/>
+                <a:ea typeface="Verdana"/>
+                <a:cs typeface="Arial"/>
+              </a:rPr>
+              <a:t> todo esto.</a:t>
+            </a:r>
+            <a:endParaRPr lang="es-ES" dirty="0"/>
+          </a:p>
+        </p:txBody>
+      </p:sp>
+      <p:sp>
+        <p:nvSpPr>
+          <p:cNvPr id="4" name="Marcador de fecha 3">
+            <a:extLst>
+              <a:ext uri="{FF2B5EF4-FFF2-40B4-BE49-F238E27FC236}">
+                <a16:creationId xmlns:a16="http://schemas.microsoft.com/office/drawing/2014/main" id="{0B2DB011-A9CB-B49A-ECB7-AE6BD9FC3D5F}"/>
+              </a:ext>
+            </a:extLst>
+          </p:cNvPr>
+          <p:cNvSpPr>
+            <a:spLocks noGrp="1"/>
+          </p:cNvSpPr>
+          <p:nvPr>
+            <p:ph type="dt" sz="half" idx="10"/>
+          </p:nvPr>
+        </p:nvSpPr>
+        <p:spPr/>
+        <p:txBody>
+          <a:bodyPr/>
+          <a:lstStyle/>
+          <a:p>
+            <a:pPr defTabSz="422041">
+              <a:defRPr/>
+            </a:pPr>
+            <a:r>
+              <a:rPr lang="es-ES">
+                <a:solidFill>
+                  <a:prstClr val="black">
+                    <a:tint val="75000"/>
+                  </a:prstClr>
+                </a:solidFill>
+              </a:rPr>
+              <a:t>Curso 2021-2022</a:t>
+            </a:r>
+          </a:p>
+        </p:txBody>
+      </p:sp>
+      <p:sp>
+        <p:nvSpPr>
+          <p:cNvPr id="5" name="Marcador de pie de página 4">
+            <a:extLst>
+              <a:ext uri="{FF2B5EF4-FFF2-40B4-BE49-F238E27FC236}">
+                <a16:creationId xmlns:a16="http://schemas.microsoft.com/office/drawing/2014/main" id="{CBB98106-0D44-920D-ED6F-17D3DAD38957}"/>
+              </a:ext>
+            </a:extLst>
+          </p:cNvPr>
+          <p:cNvSpPr>
+            <a:spLocks noGrp="1"/>
+          </p:cNvSpPr>
+          <p:nvPr>
+            <p:ph type="ftr" sz="quarter" idx="11"/>
+          </p:nvPr>
+        </p:nvSpPr>
+        <p:spPr/>
+        <p:txBody>
+          <a:bodyPr/>
+          <a:lstStyle/>
+          <a:p>
+            <a:pPr defTabSz="422041">
+              <a:defRPr/>
+            </a:pPr>
+            <a:r>
+              <a:rPr lang="es-ES">
+                <a:solidFill>
+                  <a:prstClr val="black">
+                    <a:tint val="75000"/>
+                  </a:prstClr>
+                </a:solidFill>
+              </a:rPr>
+              <a:t>Introducción a la Ingeniería del Software</a:t>
+            </a:r>
+          </a:p>
+        </p:txBody>
+      </p:sp>
+      <p:sp>
+        <p:nvSpPr>
+          <p:cNvPr id="6" name="Marcador de número de diapositiva 5">
+            <a:extLst>
+              <a:ext uri="{FF2B5EF4-FFF2-40B4-BE49-F238E27FC236}">
+                <a16:creationId xmlns:a16="http://schemas.microsoft.com/office/drawing/2014/main" id="{D1F87D20-2E63-39F8-7F78-02DD75D951D1}"/>
+              </a:ext>
+            </a:extLst>
+          </p:cNvPr>
+          <p:cNvSpPr>
+            <a:spLocks noGrp="1"/>
+          </p:cNvSpPr>
+          <p:nvPr>
+            <p:ph type="sldNum" sz="quarter" idx="12"/>
+          </p:nvPr>
+        </p:nvSpPr>
+        <p:spPr/>
+        <p:txBody>
+          <a:bodyPr/>
+          <a:lstStyle/>
+          <a:p>
+            <a:pPr defTabSz="422041">
+              <a:defRPr/>
+            </a:pPr>
+            <a:fld id="{9961DA19-05BC-2C48-AEE7-B9DFD6D07410}" type="slidenum">
+              <a:rPr lang="es-ES" smtClean="0">
+                <a:solidFill>
+                  <a:prstClr val="black">
+                    <a:tint val="75000"/>
+                  </a:prstClr>
+                </a:solidFill>
+              </a:rPr>
+              <a:pPr defTabSz="422041">
+                <a:defRPr/>
+              </a:pPr>
+              <a:t>22</a:t>
+            </a:fld>
+            <a:endParaRPr lang="es-ES">
+              <a:solidFill>
+                <a:prstClr val="black">
+                  <a:tint val="75000"/>
+                </a:prstClr>
+              </a:solidFill>
+            </a:endParaRPr>
+          </a:p>
+        </p:txBody>
+      </p:sp>
+    </p:spTree>
+    <p:extLst>
+      <p:ext uri="{BB962C8B-B14F-4D97-AF65-F5344CB8AC3E}">
+        <p14:creationId xmlns:p14="http://schemas.microsoft.com/office/powerpoint/2010/main" val="663594853"/>
+      </p:ext>
+    </p:extLst>
+  </p:cSld>
+  <p:clrMapOvr>
+    <a:masterClrMapping/>
+  </p:clrMapOvr>
+  <mc:AlternateContent xmlns:mc="http://schemas.openxmlformats.org/markup-compatibility/2006">
+    <mc:Choice xmlns:p15="http://schemas.microsoft.com/office/powerpoint/2012/main" Requires="p15">
+      <p:transition xmlns:p14="http://schemas.microsoft.com/office/powerpoint/2010/main" spd="slow" p14:dur="1250">
+        <p15:prstTrans prst="peelOff"/>
+      </p:transition>
+    </mc:Choice>
+    <mc:Fallback>
+      <p:transition spd="slow">
+        <p:fade/>
+      </p:transition>
+    </mc:Fallback>
+  </mc:AlternateContent>
 </p:sld>
 </file>
 
@@ -4872,7 +8512,7 @@
           <p:cNvPr id="2" name="Título 1">
             <a:extLst>
               <a:ext uri="{FF2B5EF4-FFF2-40B4-BE49-F238E27FC236}">
-                <a16:creationId xmlns:a16="http://schemas.microsoft.com/office/drawing/2014/main" id="{FE1C76F2-8EFE-D7B4-554B-912BA40766DC}"/>
+                <a16:creationId xmlns:a16="http://schemas.microsoft.com/office/drawing/2014/main" id="{9C83E120-B2CB-33CE-D97C-EB4BFDC05C76}"/>
               </a:ext>
             </a:extLst>
           </p:cNvPr>
@@ -4881,80 +8521,63 @@
           </p:cNvSpPr>
           <p:nvPr>
             <p:ph type="title"/>
-          </p:nvPr>
-        </p:nvSpPr>
-        <p:spPr/>
-        <p:txBody>
-          <a:bodyPr/>
-          <a:lstStyle/>
-          <a:p>
-            <a:r>
-              <a:rPr lang="en-US" sz="2950" dirty="0">
-                <a:latin typeface="Geneva"/>
-              </a:rPr>
-              <a:t>El </a:t>
-            </a:r>
-            <a:r>
-              <a:rPr lang="en-US" sz="2950" dirty="0" err="1">
-                <a:latin typeface="Geneva"/>
-              </a:rPr>
-              <a:t>problema</a:t>
-            </a:r>
-            <a:endParaRPr lang="en-US" dirty="0" err="1"/>
-          </a:p>
-        </p:txBody>
-      </p:sp>
-      <p:sp>
-        <p:nvSpPr>
-          <p:cNvPr id="3" name="Marcador de contenido 2">
-            <a:extLst>
-              <a:ext uri="{FF2B5EF4-FFF2-40B4-BE49-F238E27FC236}">
-                <a16:creationId xmlns:a16="http://schemas.microsoft.com/office/drawing/2014/main" id="{25C0C900-2BAD-99F6-3C15-A0392B5406D4}"/>
-              </a:ext>
-            </a:extLst>
-          </p:cNvPr>
-          <p:cNvSpPr>
-            <a:spLocks noGrp="1"/>
-          </p:cNvSpPr>
-          <p:nvPr>
-            <p:ph idx="1"/>
           </p:nvPr>
         </p:nvSpPr>
         <p:spPr>
           <a:xfrm>
-            <a:off x="628651" y="1503947"/>
-            <a:ext cx="5525129" cy="4139837"/>
+            <a:off x="1096492" y="427357"/>
+            <a:ext cx="7213760" cy="1325563"/>
           </a:xfrm>
         </p:spPr>
         <p:txBody>
-          <a:bodyPr vert="horz" lIns="91440" tIns="45720" rIns="91440" bIns="45720" rtlCol="0" anchor="t">
-            <a:normAutofit/>
-          </a:bodyPr>
-          <a:lstStyle/>
-          <a:p>
-            <a:pPr marL="210820" indent="-210820" algn="ctr">
-              <a:buNone/>
-            </a:pPr>
+          <a:bodyPr/>
+          <a:lstStyle/>
+          <a:p>
             <a:r>
               <a:rPr lang="es-ES" sz="2950" dirty="0">
-                <a:latin typeface="Helvetica"/>
-                <a:ea typeface="Verdana"/>
-                <a:cs typeface="Helvetica"/>
-              </a:rPr>
-              <a:t>Hacer una adaptación del juego tradicional 'Trivial' quitando la rivalidad de competir contra otros jugadores y entretener a los usuarios en partidas más rápidas que desafían su conocimiento en entretenimiento y ciencia. </a:t>
-            </a:r>
-            <a:endParaRPr lang="es-ES" sz="2950" dirty="0">
-              <a:cs typeface="Helvetica"/>
-            </a:endParaRPr>
-          </a:p>
-        </p:txBody>
-      </p:sp>
+                <a:latin typeface="Geneva"/>
+              </a:rPr>
+              <a:t>El problema</a:t>
+            </a:r>
+            <a:endParaRPr lang="es-ES" dirty="0"/>
+          </a:p>
+        </p:txBody>
+      </p:sp>
+      <p:pic>
+        <p:nvPicPr>
+          <p:cNvPr id="8" name="Imagen 8">
+            <a:extLst>
+              <a:ext uri="{FF2B5EF4-FFF2-40B4-BE49-F238E27FC236}">
+                <a16:creationId xmlns:a16="http://schemas.microsoft.com/office/drawing/2014/main" id="{DDC75E0F-BB64-9214-B9C3-1E4945A3BA7D}"/>
+              </a:ext>
+            </a:extLst>
+          </p:cNvPr>
+          <p:cNvPicPr>
+            <a:picLocks noGrp="1" noChangeAspect="1"/>
+          </p:cNvPicPr>
+          <p:nvPr>
+            <p:ph idx="1"/>
+          </p:nvPr>
+        </p:nvPicPr>
+        <p:blipFill>
+          <a:blip r:embed="rId2"/>
+          <a:stretch>
+            <a:fillRect/>
+          </a:stretch>
+        </p:blipFill>
+        <p:spPr>
+          <a:xfrm>
+            <a:off x="477510" y="1713907"/>
+            <a:ext cx="8462923" cy="3247602"/>
+          </a:xfrm>
+        </p:spPr>
+      </p:pic>
       <p:sp>
         <p:nvSpPr>
           <p:cNvPr id="4" name="Marcador de fecha 3">
             <a:extLst>
               <a:ext uri="{FF2B5EF4-FFF2-40B4-BE49-F238E27FC236}">
-                <a16:creationId xmlns:a16="http://schemas.microsoft.com/office/drawing/2014/main" id="{A25250A3-E742-2DA2-74BB-F220446EB977}"/>
+                <a16:creationId xmlns:a16="http://schemas.microsoft.com/office/drawing/2014/main" id="{18793647-9858-EF58-5CDB-CE6CCAA6DF4D}"/>
               </a:ext>
             </a:extLst>
           </p:cNvPr>
@@ -4991,7 +8614,7 @@
           <p:cNvPr id="5" name="Marcador de pie de página 4">
             <a:extLst>
               <a:ext uri="{FF2B5EF4-FFF2-40B4-BE49-F238E27FC236}">
-                <a16:creationId xmlns:a16="http://schemas.microsoft.com/office/drawing/2014/main" id="{583BE91C-26C0-B348-0B3F-57C8C238B27C}"/>
+                <a16:creationId xmlns:a16="http://schemas.microsoft.com/office/drawing/2014/main" id="{C841B758-B66A-266A-9382-B847B28F9EA9}"/>
               </a:ext>
             </a:extLst>
           </p:cNvPr>
@@ -5028,7 +8651,7 @@
           <p:cNvPr id="6" name="Marcador de número de diapositiva 5">
             <a:extLst>
               <a:ext uri="{FF2B5EF4-FFF2-40B4-BE49-F238E27FC236}">
-                <a16:creationId xmlns:a16="http://schemas.microsoft.com/office/drawing/2014/main" id="{0005C4C0-6831-0BAA-4B36-6F99099CF043}"/>
+                <a16:creationId xmlns:a16="http://schemas.microsoft.com/office/drawing/2014/main" id="{6BDBA302-2B2B-C0A2-F046-B72165221EF9}"/>
               </a:ext>
             </a:extLst>
           </p:cNvPr>
@@ -5070,52 +8693,33 @@
           </a:p>
         </p:txBody>
       </p:sp>
-      <p:pic>
-        <p:nvPicPr>
-          <p:cNvPr id="7" name="Imagen 7" descr="Texto&#10;&#10;Descripción generada automáticamente">
-            <a:extLst>
-              <a:ext uri="{FF2B5EF4-FFF2-40B4-BE49-F238E27FC236}">
-                <a16:creationId xmlns:a16="http://schemas.microsoft.com/office/drawing/2014/main" id="{5349D0B1-E0DB-36CD-5EF3-16C1194067CD}"/>
-              </a:ext>
-            </a:extLst>
-          </p:cNvPr>
-          <p:cNvPicPr>
-            <a:picLocks noChangeAspect="1"/>
-          </p:cNvPicPr>
-          <p:nvPr/>
-        </p:nvPicPr>
-        <p:blipFill>
-          <a:blip r:embed="rId2"/>
-          <a:stretch>
-            <a:fillRect/>
-          </a:stretch>
-        </p:blipFill>
-        <p:spPr>
-          <a:xfrm>
-            <a:off x="6186055" y="2191616"/>
-            <a:ext cx="2590800" cy="2266950"/>
-          </a:xfrm>
-          <a:prstGeom prst="rect">
-            <a:avLst/>
-          </a:prstGeom>
-        </p:spPr>
-      </p:pic>
     </p:spTree>
     <p:extLst>
       <p:ext uri="{BB962C8B-B14F-4D97-AF65-F5344CB8AC3E}">
-        <p14:creationId xmlns:p14="http://schemas.microsoft.com/office/powerpoint/2010/main" val="3101252425"/>
+        <p14:creationId xmlns:p14="http://schemas.microsoft.com/office/powerpoint/2010/main" val="1312051198"/>
       </p:ext>
     </p:extLst>
   </p:cSld>
   <p:clrMapOvr>
     <a:masterClrMapping/>
   </p:clrMapOvr>
+  <p:transition spd="slow">
+    <p:wipe/>
+  </p:transition>
 </p:sld>
 </file>
 
 <file path=ppt/slides/slide4.xml><?xml version="1.0" encoding="utf-8"?>
 <p:sld xmlns:a="http://schemas.openxmlformats.org/drawingml/2006/main" xmlns:r="http://schemas.openxmlformats.org/officeDocument/2006/relationships" xmlns:p="http://schemas.openxmlformats.org/presentationml/2006/main">
   <p:cSld>
+    <p:bg>
+      <p:bgPr>
+        <a:solidFill>
+          <a:schemeClr val="bg1"/>
+        </a:solidFill>
+        <a:effectLst/>
+      </p:bgPr>
+    </p:bg>
     <p:spTree>
       <p:nvGrpSpPr>
         <p:cNvPr id="1" name=""/>
@@ -5135,7 +8739,7 @@
           <p:cNvPr id="2" name="Título 1">
             <a:extLst>
               <a:ext uri="{FF2B5EF4-FFF2-40B4-BE49-F238E27FC236}">
-                <a16:creationId xmlns:a16="http://schemas.microsoft.com/office/drawing/2014/main" id="{F97EB480-71EC-9782-42FD-BFC03D8C2995}"/>
+                <a16:creationId xmlns:a16="http://schemas.microsoft.com/office/drawing/2014/main" id="{FE1C76F2-8EFE-D7B4-554B-912BA40766DC}"/>
               </a:ext>
             </a:extLst>
           </p:cNvPr>
@@ -5146,27 +8750,124 @@
             <p:ph type="title"/>
           </p:nvPr>
         </p:nvSpPr>
-        <p:spPr/>
-        <p:txBody>
-          <a:bodyPr/>
-          <a:lstStyle/>
-          <a:p>
-            <a:r>
-              <a:rPr lang="es-ES" sz="2950" dirty="0">
+        <p:spPr>
+          <a:xfrm>
+            <a:off x="720075" y="978102"/>
+            <a:ext cx="7941325" cy="1062644"/>
+          </a:xfrm>
+        </p:spPr>
+        <p:txBody>
+          <a:bodyPr anchor="b">
+            <a:normAutofit/>
+          </a:bodyPr>
+          <a:lstStyle/>
+          <a:p>
+            <a:r>
+              <a:rPr lang="en-US" sz="2950" dirty="0">
                 <a:latin typeface="Geneva"/>
               </a:rPr>
-              <a:t>Equipo y trabajo en equipo</a:t>
-            </a:r>
-            <a:endParaRPr lang="es-ES" dirty="0"/>
-          </a:p>
-        </p:txBody>
-      </p:sp>
+              <a:t>La </a:t>
+            </a:r>
+            <a:r>
+              <a:rPr lang="en-US" sz="2950" dirty="0" err="1">
+                <a:latin typeface="Geneva"/>
+              </a:rPr>
+              <a:t>solución</a:t>
+            </a:r>
+          </a:p>
+        </p:txBody>
+      </p:sp>
+      <p:cxnSp>
+        <p:nvCxnSpPr>
+          <p:cNvPr id="14" name="Straight Connector 11">
+            <a:extLst>
+              <a:ext uri="{FF2B5EF4-FFF2-40B4-BE49-F238E27FC236}">
+                <a16:creationId xmlns:a16="http://schemas.microsoft.com/office/drawing/2014/main" id="{39B7FDC9-F0CE-43A7-9F2A-83DD09DC3453}"/>
+              </a:ext>
+              <a:ext uri="{C183D7F6-B498-43B3-948B-1728B52AA6E4}">
+                <adec:decorative xmlns:adec="http://schemas.microsoft.com/office/drawing/2017/decorative" val="1"/>
+              </a:ext>
+            </a:extLst>
+          </p:cNvPr>
+          <p:cNvCxnSpPr>
+            <a:cxnSpLocks noGrp="1" noRot="1" noChangeAspect="1" noMove="1" noResize="1" noEditPoints="1" noAdjustHandles="1" noChangeArrowheads="1" noChangeShapeType="1"/>
+          </p:cNvCxnSpPr>
+          <p:nvPr>
+            <p:extLst>
+              <p:ext uri="{386F3935-93C4-4BCD-93E2-E3B085C9AB24}">
+                <p16:designElem xmlns:p16="http://schemas.microsoft.com/office/powerpoint/2015/main" val="1"/>
+              </p:ext>
+            </p:extLst>
+          </p:nvPr>
+        </p:nvCxnSpPr>
+        <p:spPr>
+          <a:xfrm>
+            <a:off x="785718" y="2265037"/>
+            <a:ext cx="7593759" cy="0"/>
+          </a:xfrm>
+          <a:prstGeom prst="line">
+            <a:avLst/>
+          </a:prstGeom>
+          <a:ln w="15875">
+            <a:solidFill>
+              <a:schemeClr val="tx1">
+                <a:lumMod val="65000"/>
+                <a:lumOff val="35000"/>
+              </a:schemeClr>
+            </a:solidFill>
+          </a:ln>
+        </p:spPr>
+        <p:style>
+          <a:lnRef idx="1">
+            <a:schemeClr val="accent1"/>
+          </a:lnRef>
+          <a:fillRef idx="0">
+            <a:schemeClr val="accent1"/>
+          </a:fillRef>
+          <a:effectRef idx="0">
+            <a:schemeClr val="accent1"/>
+          </a:effectRef>
+          <a:fontRef idx="minor">
+            <a:schemeClr val="tx1"/>
+          </a:fontRef>
+        </p:style>
+      </p:cxnSp>
+      <p:pic>
+        <p:nvPicPr>
+          <p:cNvPr id="7" name="Imagen 7" descr="Texto&#10;&#10;Descripción generada automáticamente">
+            <a:extLst>
+              <a:ext uri="{FF2B5EF4-FFF2-40B4-BE49-F238E27FC236}">
+                <a16:creationId xmlns:a16="http://schemas.microsoft.com/office/drawing/2014/main" id="{5349D0B1-E0DB-36CD-5EF3-16C1194067CD}"/>
+              </a:ext>
+            </a:extLst>
+          </p:cNvPr>
+          <p:cNvPicPr>
+            <a:picLocks noChangeAspect="1"/>
+          </p:cNvPicPr>
+          <p:nvPr/>
+        </p:nvPicPr>
+        <p:blipFill>
+          <a:blip r:embed="rId2"/>
+          <a:stretch>
+            <a:fillRect/>
+          </a:stretch>
+        </p:blipFill>
+        <p:spPr>
+          <a:xfrm>
+            <a:off x="835517" y="2811104"/>
+            <a:ext cx="2524860" cy="2209252"/>
+          </a:xfrm>
+          <a:prstGeom prst="rect">
+            <a:avLst/>
+          </a:prstGeom>
+        </p:spPr>
+      </p:pic>
       <p:sp>
         <p:nvSpPr>
           <p:cNvPr id="3" name="Marcador de contenido 2">
             <a:extLst>
               <a:ext uri="{FF2B5EF4-FFF2-40B4-BE49-F238E27FC236}">
-                <a16:creationId xmlns:a16="http://schemas.microsoft.com/office/drawing/2014/main" id="{59BDD5A3-9DAB-5207-0DDC-9C409625F314}"/>
+                <a16:creationId xmlns:a16="http://schemas.microsoft.com/office/drawing/2014/main" id="{25C0C900-2BAD-99F6-3C15-A0392B5406D4}"/>
               </a:ext>
             </a:extLst>
           </p:cNvPr>
@@ -5177,85 +8878,127 @@
             <p:ph idx="1"/>
           </p:nvPr>
         </p:nvSpPr>
-        <p:spPr/>
-        <p:txBody>
-          <a:bodyPr/>
-          <a:lstStyle/>
-          <a:p>
-            <a:endParaRPr lang="es-ES"/>
-          </a:p>
-        </p:txBody>
-      </p:sp>
-      <p:sp>
-        <p:nvSpPr>
-          <p:cNvPr id="4" name="Marcador de fecha 3">
-            <a:extLst>
-              <a:ext uri="{FF2B5EF4-FFF2-40B4-BE49-F238E27FC236}">
-                <a16:creationId xmlns:a16="http://schemas.microsoft.com/office/drawing/2014/main" id="{E495F94C-6284-D092-E748-41CB32C41A06}"/>
-              </a:ext>
-            </a:extLst>
-          </p:cNvPr>
-          <p:cNvSpPr>
-            <a:spLocks noGrp="1"/>
-          </p:cNvSpPr>
-          <p:nvPr>
-            <p:ph type="dt" sz="half" idx="10"/>
-          </p:nvPr>
-        </p:nvSpPr>
-        <p:spPr/>
-        <p:txBody>
-          <a:bodyPr/>
-          <a:lstStyle/>
-          <a:p>
-            <a:pPr defTabSz="422041">
+        <p:spPr>
+          <a:xfrm>
+            <a:off x="3744853" y="2493507"/>
+            <a:ext cx="4995016" cy="3555815"/>
+          </a:xfrm>
+        </p:spPr>
+        <p:txBody>
+          <a:bodyPr vert="horz" lIns="91440" tIns="45720" rIns="91440" bIns="45720" rtlCol="0" anchor="t">
+            <a:normAutofit/>
+          </a:bodyPr>
+          <a:lstStyle/>
+          <a:p>
+            <a:pPr marL="210820" indent="-210820">
+              <a:buNone/>
+            </a:pPr>
+            <a:r>
+              <a:rPr lang="es-ES" sz="2400" dirty="0">
+                <a:latin typeface="Helvetica"/>
+                <a:ea typeface="Verdana"/>
+                <a:cs typeface="Helvetica"/>
+              </a:rPr>
+              <a:t>Hacer una adaptación del juego tradicional 'Trivial' quitando la rivalidad de competir contra otros jugadores, pero entreteniendo a los usuarios con partidas más rápidas que desafían su conocimiento en entretenimiento, ciencia, deporte, historia y sobre animales. </a:t>
+            </a:r>
+            <a:endParaRPr lang="es-ES" sz="2400" dirty="0">
+              <a:cs typeface="Helvetica"/>
+            </a:endParaRPr>
+          </a:p>
+        </p:txBody>
+      </p:sp>
+      <p:sp>
+        <p:nvSpPr>
+          <p:cNvPr id="5" name="Marcador de pie de página 4">
+            <a:extLst>
+              <a:ext uri="{FF2B5EF4-FFF2-40B4-BE49-F238E27FC236}">
+                <a16:creationId xmlns:a16="http://schemas.microsoft.com/office/drawing/2014/main" id="{583BE91C-26C0-B348-0B3F-57C8C238B27C}"/>
+              </a:ext>
+            </a:extLst>
+          </p:cNvPr>
+          <p:cNvSpPr>
+            <a:spLocks noGrp="1"/>
+          </p:cNvSpPr>
+          <p:nvPr>
+            <p:ph type="ftr" sz="quarter" idx="11"/>
+          </p:nvPr>
+        </p:nvSpPr>
+        <p:spPr>
+          <a:xfrm>
+            <a:off x="748344" y="6217920"/>
+            <a:ext cx="3086100" cy="365125"/>
+          </a:xfrm>
+        </p:spPr>
+        <p:txBody>
+          <a:bodyPr>
+            <a:normAutofit/>
+          </a:bodyPr>
+          <a:lstStyle/>
+          <a:p>
+            <a:pPr algn="l" defTabSz="422041">
+              <a:spcAft>
+                <a:spcPts val="600"/>
+              </a:spcAft>
               <a:defRPr/>
             </a:pPr>
             <a:r>
-              <a:rPr lang="es-ES">
+              <a:rPr lang="es-ES" sz="1000">
                 <a:solidFill>
                   <a:prstClr val="black">
-                    <a:tint val="75000"/>
+                    <a:lumMod val="50000"/>
+                    <a:lumOff val="50000"/>
                   </a:prstClr>
                 </a:solidFill>
               </a:rPr>
-              <a:t>Curso 2021-2022</a:t>
-            </a:r>
-          </a:p>
-        </p:txBody>
-      </p:sp>
-      <p:sp>
-        <p:nvSpPr>
-          <p:cNvPr id="5" name="Marcador de pie de página 4">
-            <a:extLst>
-              <a:ext uri="{FF2B5EF4-FFF2-40B4-BE49-F238E27FC236}">
-                <a16:creationId xmlns:a16="http://schemas.microsoft.com/office/drawing/2014/main" id="{5F0BB940-6F87-5CC3-225D-E19B063E0D4F}"/>
-              </a:ext>
-            </a:extLst>
-          </p:cNvPr>
-          <p:cNvSpPr>
-            <a:spLocks noGrp="1"/>
-          </p:cNvSpPr>
-          <p:nvPr>
-            <p:ph type="ftr" sz="quarter" idx="11"/>
-          </p:nvPr>
-        </p:nvSpPr>
-        <p:spPr/>
-        <p:txBody>
-          <a:bodyPr/>
-          <a:lstStyle/>
-          <a:p>
-            <a:pPr defTabSz="422041">
+              <a:t>Introducción a la Ingeniería del Software</a:t>
+            </a:r>
+          </a:p>
+        </p:txBody>
+      </p:sp>
+      <p:sp>
+        <p:nvSpPr>
+          <p:cNvPr id="4" name="Marcador de fecha 3">
+            <a:extLst>
+              <a:ext uri="{FF2B5EF4-FFF2-40B4-BE49-F238E27FC236}">
+                <a16:creationId xmlns:a16="http://schemas.microsoft.com/office/drawing/2014/main" id="{A25250A3-E742-2DA2-74BB-F220446EB977}"/>
+              </a:ext>
+            </a:extLst>
+          </p:cNvPr>
+          <p:cNvSpPr>
+            <a:spLocks noGrp="1"/>
+          </p:cNvSpPr>
+          <p:nvPr>
+            <p:ph type="dt" sz="half" idx="10"/>
+          </p:nvPr>
+        </p:nvSpPr>
+        <p:spPr>
+          <a:xfrm>
+            <a:off x="5650991" y="6217919"/>
+            <a:ext cx="1976534" cy="365125"/>
+          </a:xfrm>
+        </p:spPr>
+        <p:txBody>
+          <a:bodyPr>
+            <a:normAutofit/>
+          </a:bodyPr>
+          <a:lstStyle/>
+          <a:p>
+            <a:pPr algn="r" defTabSz="422041">
+              <a:spcAft>
+                <a:spcPts val="600"/>
+              </a:spcAft>
               <a:defRPr/>
             </a:pPr>
             <a:r>
-              <a:rPr lang="es-ES">
+              <a:rPr lang="es-ES" sz="1000">
                 <a:solidFill>
                   <a:prstClr val="black">
-                    <a:tint val="75000"/>
+                    <a:lumMod val="50000"/>
+                    <a:lumOff val="50000"/>
                   </a:prstClr>
                 </a:solidFill>
               </a:rPr>
-              <a:t>Introducción a la Ingeniería del Software</a:t>
+              <a:t>Curso 2021-2022</a:t>
             </a:r>
           </a:p>
         </p:txBody>
@@ -5265,7 +9008,7 @@
           <p:cNvPr id="6" name="Marcador de número de diapositiva 5">
             <a:extLst>
               <a:ext uri="{FF2B5EF4-FFF2-40B4-BE49-F238E27FC236}">
-                <a16:creationId xmlns:a16="http://schemas.microsoft.com/office/drawing/2014/main" id="{8E2F5330-4383-1B4E-66CE-C8D09B8DE1FE}"/>
+                <a16:creationId xmlns:a16="http://schemas.microsoft.com/office/drawing/2014/main" id="{0005C4C0-6831-0BAA-4B36-6F99099CF043}"/>
               </a:ext>
             </a:extLst>
           </p:cNvPr>
@@ -5276,31 +9019,46 @@
             <p:ph type="sldNum" sz="quarter" idx="12"/>
           </p:nvPr>
         </p:nvSpPr>
-        <p:spPr/>
-        <p:txBody>
-          <a:bodyPr/>
+        <p:spPr>
+          <a:xfrm>
+            <a:off x="7748177" y="6217920"/>
+            <a:ext cx="685800" cy="365125"/>
+          </a:xfrm>
+        </p:spPr>
+        <p:txBody>
+          <a:bodyPr>
+            <a:normAutofit/>
+          </a:bodyPr>
           <a:lstStyle/>
           <a:p>
             <a:pPr defTabSz="422041">
+              <a:spcAft>
+                <a:spcPts val="600"/>
+              </a:spcAft>
               <a:defRPr/>
             </a:pPr>
             <a:fld id="{9961DA19-05BC-2C48-AEE7-B9DFD6D07410}" type="slidenum">
-              <a:rPr lang="es-ES" smtClean="0">
+              <a:rPr lang="es-ES" sz="1000">
                 <a:solidFill>
                   <a:prstClr val="black">
-                    <a:tint val="75000"/>
+                    <a:lumMod val="50000"/>
+                    <a:lumOff val="50000"/>
                   </a:prstClr>
                 </a:solidFill>
               </a:rPr>
               <a:pPr defTabSz="422041">
+                <a:spcAft>
+                  <a:spcPts val="600"/>
+                </a:spcAft>
                 <a:defRPr/>
               </a:pPr>
               <a:t>4</a:t>
             </a:fld>
-            <a:endParaRPr lang="es-ES">
+            <a:endParaRPr lang="es-ES" sz="1000">
               <a:solidFill>
                 <a:prstClr val="black">
-                  <a:tint val="75000"/>
+                  <a:lumMod val="50000"/>
+                  <a:lumOff val="50000"/>
                 </a:prstClr>
               </a:solidFill>
             </a:endParaRPr>
@@ -5310,13 +9068,16 @@
     </p:spTree>
     <p:extLst>
       <p:ext uri="{BB962C8B-B14F-4D97-AF65-F5344CB8AC3E}">
-        <p14:creationId xmlns:p14="http://schemas.microsoft.com/office/powerpoint/2010/main" val="3909372119"/>
+        <p14:creationId xmlns:p14="http://schemas.microsoft.com/office/powerpoint/2010/main" val="3101252425"/>
       </p:ext>
     </p:extLst>
   </p:cSld>
   <p:clrMapOvr>
     <a:masterClrMapping/>
   </p:clrMapOvr>
+  <p:transition spd="med">
+    <p:pull/>
+  </p:transition>
 </p:sld>
 </file>
 
@@ -5342,7 +9103,7 @@
           <p:cNvPr id="2" name="Título 1">
             <a:extLst>
               <a:ext uri="{FF2B5EF4-FFF2-40B4-BE49-F238E27FC236}">
-                <a16:creationId xmlns:a16="http://schemas.microsoft.com/office/drawing/2014/main" id="{2BCF9AE5-73E0-80E1-72EB-C1B0BBF4AA29}"/>
+                <a16:creationId xmlns:a16="http://schemas.microsoft.com/office/drawing/2014/main" id="{F97EB480-71EC-9782-42FD-BFC03D8C2995}"/>
               </a:ext>
             </a:extLst>
           </p:cNvPr>
@@ -5353,7 +9114,12 @@
             <p:ph type="title"/>
           </p:nvPr>
         </p:nvSpPr>
-        <p:spPr/>
+        <p:spPr>
+          <a:xfrm>
+            <a:off x="1058707" y="257324"/>
+            <a:ext cx="7213760" cy="1325563"/>
+          </a:xfrm>
+        </p:spPr>
         <p:txBody>
           <a:bodyPr/>
           <a:lstStyle/>
@@ -5362,7 +9128,7 @@
               <a:rPr lang="es-ES" sz="2950" dirty="0">
                 <a:latin typeface="Geneva"/>
               </a:rPr>
-              <a:t>Requisitos</a:t>
+              <a:t>Equipo y trabajo en equipo</a:t>
             </a:r>
             <a:endParaRPr lang="es-ES" dirty="0"/>
           </a:p>
@@ -5373,7 +9139,7 @@
           <p:cNvPr id="7" name="Imagen 7" descr="Diagrama&#10;&#10;Descripción generada automáticamente">
             <a:extLst>
               <a:ext uri="{FF2B5EF4-FFF2-40B4-BE49-F238E27FC236}">
-                <a16:creationId xmlns:a16="http://schemas.microsoft.com/office/drawing/2014/main" id="{63B1447D-0AEE-5482-2B6A-F1DBBC951646}"/>
+                <a16:creationId xmlns:a16="http://schemas.microsoft.com/office/drawing/2014/main" id="{61F87702-ABCC-7F29-1FB9-83998B81A5BB}"/>
               </a:ext>
             </a:extLst>
           </p:cNvPr>
@@ -5392,8 +9158,8 @@
         </p:blipFill>
         <p:spPr>
           <a:xfrm>
-            <a:off x="496404" y="1938366"/>
-            <a:ext cx="8245657" cy="3337123"/>
+            <a:off x="691858" y="1714079"/>
+            <a:ext cx="7886700" cy="3825050"/>
           </a:xfrm>
         </p:spPr>
       </p:pic>
@@ -5402,7 +9168,7 @@
           <p:cNvPr id="4" name="Marcador de fecha 3">
             <a:extLst>
               <a:ext uri="{FF2B5EF4-FFF2-40B4-BE49-F238E27FC236}">
-                <a16:creationId xmlns:a16="http://schemas.microsoft.com/office/drawing/2014/main" id="{6C1AED72-993D-4618-1907-16AFC7543BE0}"/>
+                <a16:creationId xmlns:a16="http://schemas.microsoft.com/office/drawing/2014/main" id="{E495F94C-6284-D092-E748-41CB32C41A06}"/>
               </a:ext>
             </a:extLst>
           </p:cNvPr>
@@ -5439,7 +9205,7 @@
           <p:cNvPr id="5" name="Marcador de pie de página 4">
             <a:extLst>
               <a:ext uri="{FF2B5EF4-FFF2-40B4-BE49-F238E27FC236}">
-                <a16:creationId xmlns:a16="http://schemas.microsoft.com/office/drawing/2014/main" id="{91BDCB37-911A-43EE-C366-D2CB9AF9DC1A}"/>
+                <a16:creationId xmlns:a16="http://schemas.microsoft.com/office/drawing/2014/main" id="{5F0BB940-6F87-5CC3-225D-E19B063E0D4F}"/>
               </a:ext>
             </a:extLst>
           </p:cNvPr>
@@ -5476,7 +9242,7 @@
           <p:cNvPr id="6" name="Marcador de número de diapositiva 5">
             <a:extLst>
               <a:ext uri="{FF2B5EF4-FFF2-40B4-BE49-F238E27FC236}">
-                <a16:creationId xmlns:a16="http://schemas.microsoft.com/office/drawing/2014/main" id="{D8C90CA9-87EA-3B98-F7C7-977868823577}"/>
+                <a16:creationId xmlns:a16="http://schemas.microsoft.com/office/drawing/2014/main" id="{8E2F5330-4383-1B4E-66CE-C8D09B8DE1FE}"/>
               </a:ext>
             </a:extLst>
           </p:cNvPr>
@@ -5521,13 +9287,16 @@
     </p:spTree>
     <p:extLst>
       <p:ext uri="{BB962C8B-B14F-4D97-AF65-F5344CB8AC3E}">
-        <p14:creationId xmlns:p14="http://schemas.microsoft.com/office/powerpoint/2010/main" val="3071069779"/>
+        <p14:creationId xmlns:p14="http://schemas.microsoft.com/office/powerpoint/2010/main" val="3909372119"/>
       </p:ext>
     </p:extLst>
   </p:cSld>
   <p:clrMapOvr>
     <a:masterClrMapping/>
   </p:clrMapOvr>
+  <p:transition spd="slow">
+    <p:wheel spokes="1"/>
+  </p:transition>
 </p:sld>
 </file>
 
@@ -5553,7 +9322,7 @@
           <p:cNvPr id="2" name="Título 1">
             <a:extLst>
               <a:ext uri="{FF2B5EF4-FFF2-40B4-BE49-F238E27FC236}">
-                <a16:creationId xmlns:a16="http://schemas.microsoft.com/office/drawing/2014/main" id="{F82D0B56-CD85-64BA-3676-6C3B8A9D5968}"/>
+                <a16:creationId xmlns:a16="http://schemas.microsoft.com/office/drawing/2014/main" id="{2BCF9AE5-73E0-80E1-72EB-C1B0BBF4AA29}"/>
               </a:ext>
             </a:extLst>
           </p:cNvPr>
@@ -5564,7 +9333,12 @@
             <p:ph type="title"/>
           </p:nvPr>
         </p:nvSpPr>
-        <p:spPr/>
+        <p:spPr>
+          <a:xfrm>
+            <a:off x="1039814" y="380126"/>
+            <a:ext cx="7213760" cy="1325563"/>
+          </a:xfrm>
+        </p:spPr>
         <p:txBody>
           <a:bodyPr/>
           <a:lstStyle/>
@@ -5573,61 +9347,47 @@
               <a:rPr lang="es-ES" sz="2950" dirty="0">
                 <a:latin typeface="Geneva"/>
               </a:rPr>
-              <a:t>Planificación.</a:t>
+              <a:t>Requisitos</a:t>
             </a:r>
             <a:endParaRPr lang="es-ES" dirty="0"/>
           </a:p>
         </p:txBody>
       </p:sp>
-      <p:sp>
-        <p:nvSpPr>
-          <p:cNvPr id="3" name="Marcador de contenido 2">
-            <a:extLst>
-              <a:ext uri="{FF2B5EF4-FFF2-40B4-BE49-F238E27FC236}">
-                <a16:creationId xmlns:a16="http://schemas.microsoft.com/office/drawing/2014/main" id="{53542526-2D1B-5E24-08AB-F70644F58BC9}"/>
-              </a:ext>
-            </a:extLst>
-          </p:cNvPr>
-          <p:cNvSpPr>
-            <a:spLocks noGrp="1"/>
-          </p:cNvSpPr>
+      <p:pic>
+        <p:nvPicPr>
+          <p:cNvPr id="7" name="Imagen 7" descr="Diagrama&#10;&#10;Descripción generada automáticamente">
+            <a:extLst>
+              <a:ext uri="{FF2B5EF4-FFF2-40B4-BE49-F238E27FC236}">
+                <a16:creationId xmlns:a16="http://schemas.microsoft.com/office/drawing/2014/main" id="{63B1447D-0AEE-5482-2B6A-F1DBBC951646}"/>
+              </a:ext>
+            </a:extLst>
+          </p:cNvPr>
+          <p:cNvPicPr>
+            <a:picLocks noGrp="1" noChangeAspect="1"/>
+          </p:cNvPicPr>
           <p:nvPr>
             <p:ph idx="1"/>
           </p:nvPr>
-        </p:nvSpPr>
+        </p:nvPicPr>
+        <p:blipFill>
+          <a:blip r:embed="rId2"/>
+          <a:stretch>
+            <a:fillRect/>
+          </a:stretch>
+        </p:blipFill>
         <p:spPr>
           <a:xfrm>
-            <a:off x="628651" y="1503947"/>
-            <a:ext cx="7697775" cy="748623"/>
+            <a:off x="496404" y="1938366"/>
+            <a:ext cx="8245657" cy="3337123"/>
           </a:xfrm>
         </p:spPr>
-        <p:txBody>
-          <a:bodyPr vert="horz" lIns="91440" tIns="45720" rIns="91440" bIns="45720" rtlCol="0" anchor="t">
-            <a:normAutofit/>
-          </a:bodyPr>
-          <a:lstStyle/>
-          <a:p>
-            <a:pPr marL="0" indent="0">
-              <a:buNone/>
-            </a:pPr>
-            <a:r>
-              <a:rPr lang="es-ES" sz="2950" dirty="0">
-                <a:latin typeface="Helvetica"/>
-                <a:ea typeface="Verdana"/>
-                <a:cs typeface="Arial"/>
-              </a:rPr>
-              <a:t>Hemos seleccionado la metodología Scrum</a:t>
-            </a:r>
-            <a:endParaRPr lang="es-ES" dirty="0"/>
-          </a:p>
-        </p:txBody>
-      </p:sp>
+      </p:pic>
       <p:sp>
         <p:nvSpPr>
           <p:cNvPr id="4" name="Marcador de fecha 3">
             <a:extLst>
               <a:ext uri="{FF2B5EF4-FFF2-40B4-BE49-F238E27FC236}">
-                <a16:creationId xmlns:a16="http://schemas.microsoft.com/office/drawing/2014/main" id="{E3C54609-8253-0974-C6C1-D8802A5FE99F}"/>
+                <a16:creationId xmlns:a16="http://schemas.microsoft.com/office/drawing/2014/main" id="{6C1AED72-993D-4618-1907-16AFC7543BE0}"/>
               </a:ext>
             </a:extLst>
           </p:cNvPr>
@@ -5664,7 +9424,7 @@
           <p:cNvPr id="5" name="Marcador de pie de página 4">
             <a:extLst>
               <a:ext uri="{FF2B5EF4-FFF2-40B4-BE49-F238E27FC236}">
-                <a16:creationId xmlns:a16="http://schemas.microsoft.com/office/drawing/2014/main" id="{7869367F-AE39-7C68-849C-BB576D749337}"/>
+                <a16:creationId xmlns:a16="http://schemas.microsoft.com/office/drawing/2014/main" id="{91BDCB37-911A-43EE-C366-D2CB9AF9DC1A}"/>
               </a:ext>
             </a:extLst>
           </p:cNvPr>
@@ -5701,7 +9461,7 @@
           <p:cNvPr id="6" name="Marcador de número de diapositiva 5">
             <a:extLst>
               <a:ext uri="{FF2B5EF4-FFF2-40B4-BE49-F238E27FC236}">
-                <a16:creationId xmlns:a16="http://schemas.microsoft.com/office/drawing/2014/main" id="{183B6FA5-A77A-0082-04C0-6CDA5AEC95F1}"/>
+                <a16:creationId xmlns:a16="http://schemas.microsoft.com/office/drawing/2014/main" id="{D8C90CA9-87EA-3B98-F7C7-977868823577}"/>
               </a:ext>
             </a:extLst>
           </p:cNvPr>
@@ -5732,6 +9492,248 @@
                 <a:defRPr/>
               </a:pPr>
               <a:t>6</a:t>
+            </a:fld>
+            <a:endParaRPr lang="es-ES">
+              <a:solidFill>
+                <a:prstClr val="black">
+                  <a:tint val="75000"/>
+                </a:prstClr>
+              </a:solidFill>
+            </a:endParaRPr>
+          </a:p>
+        </p:txBody>
+      </p:sp>
+    </p:spTree>
+    <p:extLst>
+      <p:ext uri="{BB962C8B-B14F-4D97-AF65-F5344CB8AC3E}">
+        <p14:creationId xmlns:p14="http://schemas.microsoft.com/office/powerpoint/2010/main" val="3071069779"/>
+      </p:ext>
+    </p:extLst>
+  </p:cSld>
+  <p:clrMapOvr>
+    <a:masterClrMapping/>
+  </p:clrMapOvr>
+  <mc:AlternateContent xmlns:mc="http://schemas.openxmlformats.org/markup-compatibility/2006">
+    <mc:Choice xmlns:p14="http://schemas.microsoft.com/office/powerpoint/2010/main" Requires="p14">
+      <p:transition spd="med" p14:dur="700">
+        <p:fade/>
+      </p:transition>
+    </mc:Choice>
+    <mc:Fallback>
+      <p:transition spd="med">
+        <p:fade/>
+      </p:transition>
+    </mc:Fallback>
+  </mc:AlternateContent>
+</p:sld>
+</file>
+
+<file path=ppt/slides/slide7.xml><?xml version="1.0" encoding="utf-8"?>
+<p:sld xmlns:a="http://schemas.openxmlformats.org/drawingml/2006/main" xmlns:r="http://schemas.openxmlformats.org/officeDocument/2006/relationships" xmlns:p="http://schemas.openxmlformats.org/presentationml/2006/main">
+  <p:cSld>
+    <p:spTree>
+      <p:nvGrpSpPr>
+        <p:cNvPr id="1" name=""/>
+        <p:cNvGrpSpPr/>
+        <p:nvPr/>
+      </p:nvGrpSpPr>
+      <p:grpSpPr>
+        <a:xfrm>
+          <a:off x="0" y="0"/>
+          <a:ext cx="0" cy="0"/>
+          <a:chOff x="0" y="0"/>
+          <a:chExt cx="0" cy="0"/>
+        </a:xfrm>
+      </p:grpSpPr>
+      <p:sp>
+        <p:nvSpPr>
+          <p:cNvPr id="2" name="Título 1">
+            <a:extLst>
+              <a:ext uri="{FF2B5EF4-FFF2-40B4-BE49-F238E27FC236}">
+                <a16:creationId xmlns:a16="http://schemas.microsoft.com/office/drawing/2014/main" id="{F82D0B56-CD85-64BA-3676-6C3B8A9D5968}"/>
+              </a:ext>
+            </a:extLst>
+          </p:cNvPr>
+          <p:cNvSpPr>
+            <a:spLocks noGrp="1"/>
+          </p:cNvSpPr>
+          <p:nvPr>
+            <p:ph type="title"/>
+          </p:nvPr>
+        </p:nvSpPr>
+        <p:spPr>
+          <a:xfrm>
+            <a:off x="1096492" y="228985"/>
+            <a:ext cx="7213760" cy="1325563"/>
+          </a:xfrm>
+        </p:spPr>
+        <p:txBody>
+          <a:bodyPr/>
+          <a:lstStyle/>
+          <a:p>
+            <a:r>
+              <a:rPr lang="es-ES" sz="2950" dirty="0">
+                <a:latin typeface="Geneva"/>
+              </a:rPr>
+              <a:t>Planificación.</a:t>
+            </a:r>
+            <a:endParaRPr lang="es-ES" dirty="0"/>
+          </a:p>
+        </p:txBody>
+      </p:sp>
+      <p:sp>
+        <p:nvSpPr>
+          <p:cNvPr id="3" name="Marcador de contenido 2">
+            <a:extLst>
+              <a:ext uri="{FF2B5EF4-FFF2-40B4-BE49-F238E27FC236}">
+                <a16:creationId xmlns:a16="http://schemas.microsoft.com/office/drawing/2014/main" id="{53542526-2D1B-5E24-08AB-F70644F58BC9}"/>
+              </a:ext>
+            </a:extLst>
+          </p:cNvPr>
+          <p:cNvSpPr>
+            <a:spLocks noGrp="1"/>
+          </p:cNvSpPr>
+          <p:nvPr>
+            <p:ph idx="1"/>
+          </p:nvPr>
+        </p:nvSpPr>
+        <p:spPr>
+          <a:xfrm>
+            <a:off x="685328" y="1522840"/>
+            <a:ext cx="7641098" cy="748623"/>
+          </a:xfrm>
+        </p:spPr>
+        <p:txBody>
+          <a:bodyPr vert="horz" lIns="91440" tIns="45720" rIns="91440" bIns="45720" rtlCol="0" anchor="t">
+            <a:normAutofit/>
+          </a:bodyPr>
+          <a:lstStyle/>
+          <a:p>
+            <a:pPr marL="0" indent="0">
+              <a:buNone/>
+            </a:pPr>
+            <a:r>
+              <a:rPr lang="es-ES" sz="2950" dirty="0">
+                <a:latin typeface="Helvetica"/>
+                <a:ea typeface="Verdana"/>
+                <a:cs typeface="Arial"/>
+              </a:rPr>
+              <a:t>Hemos seleccionado la metodología Scrum</a:t>
+            </a:r>
+            <a:endParaRPr lang="es-ES" dirty="0"/>
+          </a:p>
+        </p:txBody>
+      </p:sp>
+      <p:sp>
+        <p:nvSpPr>
+          <p:cNvPr id="4" name="Marcador de fecha 3">
+            <a:extLst>
+              <a:ext uri="{FF2B5EF4-FFF2-40B4-BE49-F238E27FC236}">
+                <a16:creationId xmlns:a16="http://schemas.microsoft.com/office/drawing/2014/main" id="{E3C54609-8253-0974-C6C1-D8802A5FE99F}"/>
+              </a:ext>
+            </a:extLst>
+          </p:cNvPr>
+          <p:cNvSpPr>
+            <a:spLocks noGrp="1"/>
+          </p:cNvSpPr>
+          <p:nvPr>
+            <p:ph type="dt" sz="half" idx="10"/>
+          </p:nvPr>
+        </p:nvSpPr>
+        <p:spPr/>
+        <p:txBody>
+          <a:bodyPr/>
+          <a:lstStyle/>
+          <a:p>
+            <a:pPr defTabSz="422041">
+              <a:defRPr/>
+            </a:pPr>
+            <a:r>
+              <a:rPr lang="es-ES">
+                <a:solidFill>
+                  <a:prstClr val="black">
+                    <a:tint val="75000"/>
+                  </a:prstClr>
+                </a:solidFill>
+              </a:rPr>
+              <a:t>Curso 2021-2022</a:t>
+            </a:r>
+          </a:p>
+        </p:txBody>
+      </p:sp>
+      <p:sp>
+        <p:nvSpPr>
+          <p:cNvPr id="5" name="Marcador de pie de página 4">
+            <a:extLst>
+              <a:ext uri="{FF2B5EF4-FFF2-40B4-BE49-F238E27FC236}">
+                <a16:creationId xmlns:a16="http://schemas.microsoft.com/office/drawing/2014/main" id="{7869367F-AE39-7C68-849C-BB576D749337}"/>
+              </a:ext>
+            </a:extLst>
+          </p:cNvPr>
+          <p:cNvSpPr>
+            <a:spLocks noGrp="1"/>
+          </p:cNvSpPr>
+          <p:nvPr>
+            <p:ph type="ftr" sz="quarter" idx="11"/>
+          </p:nvPr>
+        </p:nvSpPr>
+        <p:spPr/>
+        <p:txBody>
+          <a:bodyPr/>
+          <a:lstStyle/>
+          <a:p>
+            <a:pPr defTabSz="422041">
+              <a:defRPr/>
+            </a:pPr>
+            <a:r>
+              <a:rPr lang="es-ES">
+                <a:solidFill>
+                  <a:prstClr val="black">
+                    <a:tint val="75000"/>
+                  </a:prstClr>
+                </a:solidFill>
+              </a:rPr>
+              <a:t>Introducción a la Ingeniería del Software</a:t>
+            </a:r>
+          </a:p>
+        </p:txBody>
+      </p:sp>
+      <p:sp>
+        <p:nvSpPr>
+          <p:cNvPr id="6" name="Marcador de número de diapositiva 5">
+            <a:extLst>
+              <a:ext uri="{FF2B5EF4-FFF2-40B4-BE49-F238E27FC236}">
+                <a16:creationId xmlns:a16="http://schemas.microsoft.com/office/drawing/2014/main" id="{183B6FA5-A77A-0082-04C0-6CDA5AEC95F1}"/>
+              </a:ext>
+            </a:extLst>
+          </p:cNvPr>
+          <p:cNvSpPr>
+            <a:spLocks noGrp="1"/>
+          </p:cNvSpPr>
+          <p:nvPr>
+            <p:ph type="sldNum" sz="quarter" idx="12"/>
+          </p:nvPr>
+        </p:nvSpPr>
+        <p:spPr/>
+        <p:txBody>
+          <a:bodyPr/>
+          <a:lstStyle/>
+          <a:p>
+            <a:pPr defTabSz="422041">
+              <a:defRPr/>
+            </a:pPr>
+            <a:fld id="{9961DA19-05BC-2C48-AEE7-B9DFD6D07410}" type="slidenum">
+              <a:rPr lang="es-ES" smtClean="0">
+                <a:solidFill>
+                  <a:prstClr val="black">
+                    <a:tint val="75000"/>
+                  </a:prstClr>
+                </a:solidFill>
+              </a:rPr>
+              <a:pPr defTabSz="422041">
+                <a:defRPr/>
+              </a:pPr>
+              <a:t>7</a:t>
             </a:fld>
             <a:endParaRPr lang="es-ES">
               <a:solidFill>
@@ -5783,213 +9785,9 @@
   <p:clrMapOvr>
     <a:masterClrMapping/>
   </p:clrMapOvr>
-</p:sld>
-</file>
-
-<file path=ppt/slides/slide7.xml><?xml version="1.0" encoding="utf-8"?>
-<p:sld xmlns:a="http://schemas.openxmlformats.org/drawingml/2006/main" xmlns:r="http://schemas.openxmlformats.org/officeDocument/2006/relationships" xmlns:p="http://schemas.openxmlformats.org/presentationml/2006/main">
-  <p:cSld>
-    <p:spTree>
-      <p:nvGrpSpPr>
-        <p:cNvPr id="1" name=""/>
-        <p:cNvGrpSpPr/>
-        <p:nvPr/>
-      </p:nvGrpSpPr>
-      <p:grpSpPr>
-        <a:xfrm>
-          <a:off x="0" y="0"/>
-          <a:ext cx="0" cy="0"/>
-          <a:chOff x="0" y="0"/>
-          <a:chExt cx="0" cy="0"/>
-        </a:xfrm>
-      </p:grpSpPr>
-      <p:sp>
-        <p:nvSpPr>
-          <p:cNvPr id="2" name="Título 1">
-            <a:extLst>
-              <a:ext uri="{FF2B5EF4-FFF2-40B4-BE49-F238E27FC236}">
-                <a16:creationId xmlns:a16="http://schemas.microsoft.com/office/drawing/2014/main" id="{F69FF439-ADBC-E2A8-75DD-26B866C6235E}"/>
-              </a:ext>
-            </a:extLst>
-          </p:cNvPr>
-          <p:cNvSpPr>
-            <a:spLocks noGrp="1"/>
-          </p:cNvSpPr>
-          <p:nvPr>
-            <p:ph type="title"/>
-          </p:nvPr>
-        </p:nvSpPr>
-        <p:spPr/>
-        <p:txBody>
-          <a:bodyPr/>
-          <a:lstStyle/>
-          <a:p>
-            <a:r>
-              <a:rPr lang="es-ES" sz="2950" dirty="0">
-                <a:latin typeface="Geneva"/>
-              </a:rPr>
-              <a:t>Arquitectura</a:t>
-            </a:r>
-            <a:endParaRPr lang="es-ES" dirty="0"/>
-          </a:p>
-        </p:txBody>
-      </p:sp>
-      <p:sp>
-        <p:nvSpPr>
-          <p:cNvPr id="3" name="Marcador de contenido 2">
-            <a:extLst>
-              <a:ext uri="{FF2B5EF4-FFF2-40B4-BE49-F238E27FC236}">
-                <a16:creationId xmlns:a16="http://schemas.microsoft.com/office/drawing/2014/main" id="{3420D9C2-CAC7-E2F4-D4D7-FC1C53F1E3AC}"/>
-              </a:ext>
-            </a:extLst>
-          </p:cNvPr>
-          <p:cNvSpPr>
-            <a:spLocks noGrp="1"/>
-          </p:cNvSpPr>
-          <p:nvPr>
-            <p:ph idx="1"/>
-          </p:nvPr>
-        </p:nvSpPr>
-        <p:spPr/>
-        <p:txBody>
-          <a:bodyPr/>
-          <a:lstStyle/>
-          <a:p>
-            <a:endParaRPr lang="es-ES"/>
-          </a:p>
-        </p:txBody>
-      </p:sp>
-      <p:sp>
-        <p:nvSpPr>
-          <p:cNvPr id="4" name="Marcador de fecha 3">
-            <a:extLst>
-              <a:ext uri="{FF2B5EF4-FFF2-40B4-BE49-F238E27FC236}">
-                <a16:creationId xmlns:a16="http://schemas.microsoft.com/office/drawing/2014/main" id="{1C7F6A76-A49E-63E1-873B-974ABA7D96CF}"/>
-              </a:ext>
-            </a:extLst>
-          </p:cNvPr>
-          <p:cNvSpPr>
-            <a:spLocks noGrp="1"/>
-          </p:cNvSpPr>
-          <p:nvPr>
-            <p:ph type="dt" sz="half" idx="10"/>
-          </p:nvPr>
-        </p:nvSpPr>
-        <p:spPr/>
-        <p:txBody>
-          <a:bodyPr/>
-          <a:lstStyle/>
-          <a:p>
-            <a:pPr defTabSz="422041">
-              <a:defRPr/>
-            </a:pPr>
-            <a:r>
-              <a:rPr lang="es-ES">
-                <a:solidFill>
-                  <a:prstClr val="black">
-                    <a:tint val="75000"/>
-                  </a:prstClr>
-                </a:solidFill>
-              </a:rPr>
-              <a:t>Curso 2021-2022</a:t>
-            </a:r>
-          </a:p>
-        </p:txBody>
-      </p:sp>
-      <p:sp>
-        <p:nvSpPr>
-          <p:cNvPr id="5" name="Marcador de pie de página 4">
-            <a:extLst>
-              <a:ext uri="{FF2B5EF4-FFF2-40B4-BE49-F238E27FC236}">
-                <a16:creationId xmlns:a16="http://schemas.microsoft.com/office/drawing/2014/main" id="{B02D4C27-4DF3-360E-6F59-85946C50BBE2}"/>
-              </a:ext>
-            </a:extLst>
-          </p:cNvPr>
-          <p:cNvSpPr>
-            <a:spLocks noGrp="1"/>
-          </p:cNvSpPr>
-          <p:nvPr>
-            <p:ph type="ftr" sz="quarter" idx="11"/>
-          </p:nvPr>
-        </p:nvSpPr>
-        <p:spPr/>
-        <p:txBody>
-          <a:bodyPr/>
-          <a:lstStyle/>
-          <a:p>
-            <a:pPr defTabSz="422041">
-              <a:defRPr/>
-            </a:pPr>
-            <a:r>
-              <a:rPr lang="es-ES">
-                <a:solidFill>
-                  <a:prstClr val="black">
-                    <a:tint val="75000"/>
-                  </a:prstClr>
-                </a:solidFill>
-              </a:rPr>
-              <a:t>Introducción a la Ingeniería del Software</a:t>
-            </a:r>
-          </a:p>
-        </p:txBody>
-      </p:sp>
-      <p:sp>
-        <p:nvSpPr>
-          <p:cNvPr id="6" name="Marcador de número de diapositiva 5">
-            <a:extLst>
-              <a:ext uri="{FF2B5EF4-FFF2-40B4-BE49-F238E27FC236}">
-                <a16:creationId xmlns:a16="http://schemas.microsoft.com/office/drawing/2014/main" id="{F4FB0E14-3B76-E561-001A-F81574E95A75}"/>
-              </a:ext>
-            </a:extLst>
-          </p:cNvPr>
-          <p:cNvSpPr>
-            <a:spLocks noGrp="1"/>
-          </p:cNvSpPr>
-          <p:nvPr>
-            <p:ph type="sldNum" sz="quarter" idx="12"/>
-          </p:nvPr>
-        </p:nvSpPr>
-        <p:spPr/>
-        <p:txBody>
-          <a:bodyPr/>
-          <a:lstStyle/>
-          <a:p>
-            <a:pPr defTabSz="422041">
-              <a:defRPr/>
-            </a:pPr>
-            <a:fld id="{9961DA19-05BC-2C48-AEE7-B9DFD6D07410}" type="slidenum">
-              <a:rPr lang="es-ES" smtClean="0">
-                <a:solidFill>
-                  <a:prstClr val="black">
-                    <a:tint val="75000"/>
-                  </a:prstClr>
-                </a:solidFill>
-              </a:rPr>
-              <a:pPr defTabSz="422041">
-                <a:defRPr/>
-              </a:pPr>
-              <a:t>7</a:t>
-            </a:fld>
-            <a:endParaRPr lang="es-ES">
-              <a:solidFill>
-                <a:prstClr val="black">
-                  <a:tint val="75000"/>
-                </a:prstClr>
-              </a:solidFill>
-            </a:endParaRPr>
-          </a:p>
-        </p:txBody>
-      </p:sp>
-    </p:spTree>
-    <p:extLst>
-      <p:ext uri="{BB962C8B-B14F-4D97-AF65-F5344CB8AC3E}">
-        <p14:creationId xmlns:p14="http://schemas.microsoft.com/office/powerpoint/2010/main" val="3636806485"/>
-      </p:ext>
-    </p:extLst>
-  </p:cSld>
-  <p:clrMapOvr>
-    <a:masterClrMapping/>
-  </p:clrMapOvr>
+  <p:transition spd="slow">
+    <p:push dir="u"/>
+  </p:transition>
 </p:sld>
 </file>
 
@@ -6015,7 +9813,7 @@
           <p:cNvPr id="2" name="Título 1">
             <a:extLst>
               <a:ext uri="{FF2B5EF4-FFF2-40B4-BE49-F238E27FC236}">
-                <a16:creationId xmlns:a16="http://schemas.microsoft.com/office/drawing/2014/main" id="{06B4040A-B532-101C-06D2-E433575FEA12}"/>
+                <a16:creationId xmlns:a16="http://schemas.microsoft.com/office/drawing/2014/main" id="{F69FF439-ADBC-E2A8-75DD-26B866C6235E}"/>
               </a:ext>
             </a:extLst>
           </p:cNvPr>
@@ -6035,43 +9833,47 @@
               <a:rPr lang="es-ES" sz="2950" dirty="0">
                 <a:latin typeface="Geneva"/>
               </a:rPr>
-              <a:t>Modelos</a:t>
-            </a:r>
-            <a:endParaRPr lang="es-ES" sz="2950" dirty="0"/>
-          </a:p>
-        </p:txBody>
-      </p:sp>
-      <p:sp>
-        <p:nvSpPr>
-          <p:cNvPr id="3" name="Marcador de contenido 2">
-            <a:extLst>
-              <a:ext uri="{FF2B5EF4-FFF2-40B4-BE49-F238E27FC236}">
-                <a16:creationId xmlns:a16="http://schemas.microsoft.com/office/drawing/2014/main" id="{249AF41E-3847-E031-C574-A321E770A3C4}"/>
-              </a:ext>
-            </a:extLst>
-          </p:cNvPr>
-          <p:cNvSpPr>
-            <a:spLocks noGrp="1"/>
-          </p:cNvSpPr>
+              <a:t>Arquitectura</a:t>
+            </a:r>
+            <a:endParaRPr lang="es-ES" dirty="0"/>
+          </a:p>
+        </p:txBody>
+      </p:sp>
+      <p:pic>
+        <p:nvPicPr>
+          <p:cNvPr id="7" name="Imagen 7" descr="Diagrama&#10;&#10;Descripción generada automáticamente">
+            <a:extLst>
+              <a:ext uri="{FF2B5EF4-FFF2-40B4-BE49-F238E27FC236}">
+                <a16:creationId xmlns:a16="http://schemas.microsoft.com/office/drawing/2014/main" id="{045DC57D-CB8C-4C99-0826-520B1A229B32}"/>
+              </a:ext>
+            </a:extLst>
+          </p:cNvPr>
+          <p:cNvPicPr>
+            <a:picLocks noGrp="1" noChangeAspect="1"/>
+          </p:cNvPicPr>
           <p:nvPr>
             <p:ph idx="1"/>
           </p:nvPr>
-        </p:nvSpPr>
-        <p:spPr/>
-        <p:txBody>
-          <a:bodyPr/>
-          <a:lstStyle/>
-          <a:p>
-            <a:endParaRPr lang="es-ES"/>
-          </a:p>
-        </p:txBody>
-      </p:sp>
+        </p:nvPicPr>
+        <p:blipFill>
+          <a:blip r:embed="rId2"/>
+          <a:stretch>
+            <a:fillRect/>
+          </a:stretch>
+        </p:blipFill>
+        <p:spPr>
+          <a:xfrm>
+            <a:off x="628651" y="1821074"/>
+            <a:ext cx="7886700" cy="4433452"/>
+          </a:xfrm>
+        </p:spPr>
+      </p:pic>
       <p:sp>
         <p:nvSpPr>
           <p:cNvPr id="4" name="Marcador de fecha 3">
             <a:extLst>
               <a:ext uri="{FF2B5EF4-FFF2-40B4-BE49-F238E27FC236}">
-                <a16:creationId xmlns:a16="http://schemas.microsoft.com/office/drawing/2014/main" id="{1CE2F660-9A10-8F85-498A-F308016B7DEA}"/>
+                <a16:creationId xmlns:a16="http://schemas.microsoft.com/office/drawing/2014/main" id="{1C7F6A76-A49E-63E1-873B-974ABA7D96CF}"/>
               </a:ext>
             </a:extLst>
           </p:cNvPr>
@@ -6108,7 +9910,7 @@
           <p:cNvPr id="5" name="Marcador de pie de página 4">
             <a:extLst>
               <a:ext uri="{FF2B5EF4-FFF2-40B4-BE49-F238E27FC236}">
-                <a16:creationId xmlns:a16="http://schemas.microsoft.com/office/drawing/2014/main" id="{5EADE792-0AFB-5272-59A1-C260F22570E8}"/>
+                <a16:creationId xmlns:a16="http://schemas.microsoft.com/office/drawing/2014/main" id="{B02D4C27-4DF3-360E-6F59-85946C50BBE2}"/>
               </a:ext>
             </a:extLst>
           </p:cNvPr>
@@ -6145,7 +9947,7 @@
           <p:cNvPr id="6" name="Marcador de número de diapositiva 5">
             <a:extLst>
               <a:ext uri="{FF2B5EF4-FFF2-40B4-BE49-F238E27FC236}">
-                <a16:creationId xmlns:a16="http://schemas.microsoft.com/office/drawing/2014/main" id="{ACEAFB86-E3DC-0881-5E73-F8C28677AED0}"/>
+                <a16:creationId xmlns:a16="http://schemas.microsoft.com/office/drawing/2014/main" id="{F4FB0E14-3B76-E561-001A-F81574E95A75}"/>
               </a:ext>
             </a:extLst>
           </p:cNvPr>
@@ -6187,16 +9989,65 @@
           </a:p>
         </p:txBody>
       </p:sp>
+      <p:sp>
+        <p:nvSpPr>
+          <p:cNvPr id="8" name="CuadroTexto 7">
+            <a:extLst>
+              <a:ext uri="{FF2B5EF4-FFF2-40B4-BE49-F238E27FC236}">
+                <a16:creationId xmlns:a16="http://schemas.microsoft.com/office/drawing/2014/main" id="{869C0773-BC34-3837-9693-47BDA2D12B51}"/>
+              </a:ext>
+            </a:extLst>
+          </p:cNvPr>
+          <p:cNvSpPr txBox="1"/>
+          <p:nvPr/>
+        </p:nvSpPr>
+        <p:spPr>
+          <a:xfrm>
+            <a:off x="1904650" y="1304179"/>
+            <a:ext cx="5598065" cy="523220"/>
+          </a:xfrm>
+          <a:prstGeom prst="rect">
+            <a:avLst/>
+          </a:prstGeom>
+          <a:noFill/>
+        </p:spPr>
+        <p:txBody>
+          <a:bodyPr rot="0" spcFirstLastPara="0" vertOverflow="overflow" horzOverflow="overflow" vert="horz" wrap="square" lIns="91440" tIns="45720" rIns="91440" bIns="45720" numCol="1" spcCol="0" rtlCol="0" fromWordArt="0" anchor="t" anchorCtr="0" forceAA="0" compatLnSpc="1">
+            <a:prstTxWarp prst="textNoShape">
+              <a:avLst/>
+            </a:prstTxWarp>
+            <a:spAutoFit/>
+          </a:bodyPr>
+          <a:lstStyle/>
+          <a:p>
+            <a:pPr algn="ctr"/>
+            <a:r>
+              <a:rPr lang="es-ES" sz="2800" b="1">
+                <a:solidFill>
+                  <a:schemeClr val="accent1">
+                    <a:lumMod val="50000"/>
+                  </a:schemeClr>
+                </a:solidFill>
+                <a:cs typeface="Calibri"/>
+              </a:rPr>
+              <a:t>MVC: Modelo-vista-controlador</a:t>
+            </a:r>
+          </a:p>
+        </p:txBody>
+      </p:sp>
     </p:spTree>
     <p:extLst>
       <p:ext uri="{BB962C8B-B14F-4D97-AF65-F5344CB8AC3E}">
-        <p14:creationId xmlns:p14="http://schemas.microsoft.com/office/powerpoint/2010/main" val="3841751223"/>
+        <p14:creationId xmlns:p14="http://schemas.microsoft.com/office/powerpoint/2010/main" val="3636806485"/>
       </p:ext>
     </p:extLst>
   </p:cSld>
   <p:clrMapOvr>
     <a:masterClrMapping/>
   </p:clrMapOvr>
+  <p:transition spd="med">
+    <p:pull/>
+  </p:transition>
 </p:sld>
 </file>
 
@@ -6222,7 +10073,7 @@
           <p:cNvPr id="2" name="Título 1">
             <a:extLst>
               <a:ext uri="{FF2B5EF4-FFF2-40B4-BE49-F238E27FC236}">
-                <a16:creationId xmlns:a16="http://schemas.microsoft.com/office/drawing/2014/main" id="{F92B5780-49D8-D397-78A8-E07A10F47A4C}"/>
+                <a16:creationId xmlns:a16="http://schemas.microsoft.com/office/drawing/2014/main" id="{06B4040A-B532-101C-06D2-E433575FEA12}"/>
               </a:ext>
             </a:extLst>
           </p:cNvPr>
@@ -6242,9 +10093,9 @@
               <a:rPr lang="es-ES" sz="2950" dirty="0">
                 <a:latin typeface="Geneva"/>
               </a:rPr>
-              <a:t>Patrones</a:t>
-            </a:r>
-            <a:endParaRPr lang="es-ES" dirty="0"/>
+              <a:t>Modelos</a:t>
+            </a:r>
+            <a:endParaRPr lang="es-ES" sz="2950" dirty="0"/>
           </a:p>
         </p:txBody>
       </p:sp>
@@ -6253,7 +10104,7 @@
           <p:cNvPr id="3" name="Marcador de contenido 2">
             <a:extLst>
               <a:ext uri="{FF2B5EF4-FFF2-40B4-BE49-F238E27FC236}">
-                <a16:creationId xmlns:a16="http://schemas.microsoft.com/office/drawing/2014/main" id="{2FDC2392-65CF-CBD0-FD19-E260ABAC49CB}"/>
+                <a16:creationId xmlns:a16="http://schemas.microsoft.com/office/drawing/2014/main" id="{249AF41E-3847-E031-C574-A321E770A3C4}"/>
               </a:ext>
             </a:extLst>
           </p:cNvPr>
@@ -6264,12 +10115,22 @@
             <p:ph idx="1"/>
           </p:nvPr>
         </p:nvSpPr>
-        <p:spPr/>
-        <p:txBody>
-          <a:bodyPr/>
-          <a:lstStyle/>
-          <a:p>
-            <a:endParaRPr lang="es-ES"/>
+        <p:spPr>
+          <a:xfrm>
+            <a:off x="660255" y="1430205"/>
+            <a:ext cx="7897234" cy="4730600"/>
+          </a:xfrm>
+        </p:spPr>
+        <p:txBody>
+          <a:bodyPr vert="horz" lIns="91440" tIns="45720" rIns="91440" bIns="45720" rtlCol="0" anchor="t">
+            <a:noAutofit/>
+          </a:bodyPr>
+          <a:lstStyle/>
+          <a:p>
+            <a:pPr marL="0" indent="0" algn="ctr">
+              <a:buNone/>
+            </a:pPr>
+            <a:endParaRPr lang="es-ES" sz="3600"/>
           </a:p>
         </p:txBody>
       </p:sp>
@@ -6278,7 +10139,7 @@
           <p:cNvPr id="4" name="Marcador de fecha 3">
             <a:extLst>
               <a:ext uri="{FF2B5EF4-FFF2-40B4-BE49-F238E27FC236}">
-                <a16:creationId xmlns:a16="http://schemas.microsoft.com/office/drawing/2014/main" id="{0779FFCC-B079-4DB2-AD00-99192F4D993C}"/>
+                <a16:creationId xmlns:a16="http://schemas.microsoft.com/office/drawing/2014/main" id="{1CE2F660-9A10-8F85-498A-F308016B7DEA}"/>
               </a:ext>
             </a:extLst>
           </p:cNvPr>
@@ -6315,7 +10176,7 @@
           <p:cNvPr id="5" name="Marcador de pie de página 4">
             <a:extLst>
               <a:ext uri="{FF2B5EF4-FFF2-40B4-BE49-F238E27FC236}">
-                <a16:creationId xmlns:a16="http://schemas.microsoft.com/office/drawing/2014/main" id="{A8170F22-D978-887A-A622-BB7A4BDD8F8B}"/>
+                <a16:creationId xmlns:a16="http://schemas.microsoft.com/office/drawing/2014/main" id="{5EADE792-0AFB-5272-59A1-C260F22570E8}"/>
               </a:ext>
             </a:extLst>
           </p:cNvPr>
@@ -6352,7 +10213,7 @@
           <p:cNvPr id="6" name="Marcador de número de diapositiva 5">
             <a:extLst>
               <a:ext uri="{FF2B5EF4-FFF2-40B4-BE49-F238E27FC236}">
-                <a16:creationId xmlns:a16="http://schemas.microsoft.com/office/drawing/2014/main" id="{3A425E5B-FF22-FD9C-5BE3-4E38594D88B1}"/>
+                <a16:creationId xmlns:a16="http://schemas.microsoft.com/office/drawing/2014/main" id="{ACEAFB86-E3DC-0881-5E73-F8C28677AED0}"/>
               </a:ext>
             </a:extLst>
           </p:cNvPr>
@@ -6394,16 +10255,64 @@
           </a:p>
         </p:txBody>
       </p:sp>
+      <p:pic>
+        <p:nvPicPr>
+          <p:cNvPr id="10" name="Imagen 9">
+            <a:extLst>
+              <a:ext uri="{FF2B5EF4-FFF2-40B4-BE49-F238E27FC236}">
+                <a16:creationId xmlns:a16="http://schemas.microsoft.com/office/drawing/2014/main" id="{E78671A5-C72E-D736-8F93-0AB072E93C20}"/>
+              </a:ext>
+            </a:extLst>
+          </p:cNvPr>
+          <p:cNvPicPr>
+            <a:picLocks noChangeAspect="1"/>
+          </p:cNvPicPr>
+          <p:nvPr/>
+        </p:nvPicPr>
+        <p:blipFill>
+          <a:blip r:embed="rId2">
+            <a:extLst>
+              <a:ext uri="{28A0092B-C50C-407E-A947-70E740481C1C}">
+                <a14:useLocalDpi xmlns:a14="http://schemas.microsoft.com/office/drawing/2010/main" val="0"/>
+              </a:ext>
+            </a:extLst>
+          </a:blip>
+          <a:stretch>
+            <a:fillRect/>
+          </a:stretch>
+        </p:blipFill>
+        <p:spPr>
+          <a:xfrm>
+            <a:off x="173935" y="1349345"/>
+            <a:ext cx="8796130" cy="5090893"/>
+          </a:xfrm>
+          <a:prstGeom prst="rect">
+            <a:avLst/>
+          </a:prstGeom>
+        </p:spPr>
+      </p:pic>
     </p:spTree>
     <p:extLst>
       <p:ext uri="{BB962C8B-B14F-4D97-AF65-F5344CB8AC3E}">
-        <p14:creationId xmlns:p14="http://schemas.microsoft.com/office/powerpoint/2010/main" val="3758494902"/>
+        <p14:creationId xmlns:p14="http://schemas.microsoft.com/office/powerpoint/2010/main" val="3841751223"/>
       </p:ext>
     </p:extLst>
   </p:cSld>
   <p:clrMapOvr>
     <a:masterClrMapping/>
   </p:clrMapOvr>
+  <mc:AlternateContent xmlns:mc="http://schemas.openxmlformats.org/markup-compatibility/2006">
+    <mc:Choice xmlns:p14="http://schemas.microsoft.com/office/powerpoint/2010/main" Requires="p14">
+      <p:transition spd="slow" p14:dur="800">
+        <p:circle/>
+      </p:transition>
+    </mc:Choice>
+    <mc:Fallback>
+      <p:transition spd="slow">
+        <p:circle/>
+      </p:transition>
+    </mc:Fallback>
+  </mc:AlternateContent>
 </p:sld>
 </file>
 

--- a/PFentertainment_presentación.pptx
+++ b/PFentertainment_presentación.pptx
@@ -5,10 +5,10 @@
     <p:sldMasterId id="2147484831" r:id="rId1"/>
   </p:sldMasterIdLst>
   <p:notesMasterIdLst>
-    <p:notesMasterId r:id="rId24"/>
+    <p:notesMasterId r:id="rId22"/>
   </p:notesMasterIdLst>
   <p:handoutMasterIdLst>
-    <p:handoutMasterId r:id="rId25"/>
+    <p:handoutMasterId r:id="rId23"/>
   </p:handoutMasterIdLst>
   <p:sldIdLst>
     <p:sldId id="256" r:id="rId2"/>
@@ -22,17 +22,15 @@
     <p:sldId id="264" r:id="rId10"/>
     <p:sldId id="262" r:id="rId11"/>
     <p:sldId id="273" r:id="rId12"/>
-    <p:sldId id="275" r:id="rId13"/>
-    <p:sldId id="276" r:id="rId14"/>
-    <p:sldId id="277" r:id="rId15"/>
-    <p:sldId id="278" r:id="rId16"/>
-    <p:sldId id="265" r:id="rId17"/>
-    <p:sldId id="272" r:id="rId18"/>
-    <p:sldId id="263" r:id="rId19"/>
-    <p:sldId id="267" r:id="rId20"/>
-    <p:sldId id="268" r:id="rId21"/>
-    <p:sldId id="269" r:id="rId22"/>
-    <p:sldId id="270" r:id="rId23"/>
+    <p:sldId id="276" r:id="rId13"/>
+    <p:sldId id="277" r:id="rId14"/>
+    <p:sldId id="265" r:id="rId15"/>
+    <p:sldId id="272" r:id="rId16"/>
+    <p:sldId id="263" r:id="rId17"/>
+    <p:sldId id="267" r:id="rId18"/>
+    <p:sldId id="268" r:id="rId19"/>
+    <p:sldId id="269" r:id="rId20"/>
+    <p:sldId id="270" r:id="rId21"/>
   </p:sldIdLst>
   <p:sldSz cx="9144000" cy="6858000" type="screen4x3"/>
   <p:notesSz cx="6858000" cy="9144000"/>
@@ -162,8 +160,10 @@
 <file path=ppt/revisionInfo.xml><?xml version="1.0" encoding="utf-8"?>
 <p1510:revInfo xmlns:a="http://schemas.openxmlformats.org/drawingml/2006/main" xmlns:r="http://schemas.openxmlformats.org/officeDocument/2006/relationships" xmlns:p1510="http://schemas.microsoft.com/office/powerpoint/2015/10/main">
   <p1510:revLst>
+    <p1510:client id="{2BDB59AB-1F8A-4A22-B2F1-900661B5FA1A}" v="334" dt="2022-06-02T10:04:32.463"/>
     <p1510:client id="{41BC8598-B609-4012-A2B8-23110220FEA6}" v="799" dt="2022-05-30T12:20:43.895"/>
     <p1510:client id="{4DE80898-35A4-4940-95C3-34D8C1415257}" v="1965" dt="2022-05-31T08:24:12.424"/>
+    <p1510:client id="{B4E4A41A-C8AB-412B-8C4B-A35658F91635}" v="485" dt="2022-06-02T09:39:45.503"/>
   </p1510:revLst>
 </p1510:revInfo>
 </file>
@@ -251,7 +251,7 @@
             <a:fld id="{0252902A-18E7-6440-A09B-741E2A2B6D42}" type="datetimeFigureOut">
               <a:rPr lang="es-ES" smtClean="0"/>
               <a:pPr/>
-              <a:t>30/05/2022</a:t>
+              <a:t>02/06/2022</a:t>
             </a:fld>
             <a:endParaRPr lang="es-ES"/>
           </a:p>
@@ -419,7 +419,7 @@
             <a:fld id="{4FA7064A-13DB-A34E-B31E-2D0AF10C5A7A}" type="datetimeFigureOut">
               <a:rPr lang="es-ES" smtClean="0"/>
               <a:pPr/>
-              <a:t>30/05/2022</a:t>
+              <a:t>02/06/2022</a:t>
             </a:fld>
             <a:endParaRPr lang="es-ES"/>
           </a:p>
@@ -904,10 +904,10 @@
           </a:lstStyle>
           <a:p>
             <a:r>
-              <a:rPr lang="es-ES" dirty="0"/>
+              <a:rPr lang="es-ES"/>
               <a:t>Haga clic para modificar el estilo de título del patrón</a:t>
             </a:r>
-            <a:endParaRPr lang="en-US" dirty="0"/>
+            <a:endParaRPr lang="en-US"/>
           </a:p>
         </p:txBody>
       </p:sp>
@@ -972,7 +972,7 @@
               <a:rPr lang="es-ES"/>
               <a:t>Haga clic para modificar el estilo de subtítulo del patrón</a:t>
             </a:r>
-            <a:endParaRPr lang="en-US" dirty="0"/>
+            <a:endParaRPr lang="en-US"/>
           </a:p>
         </p:txBody>
       </p:sp>
@@ -1138,10 +1138,10 @@
           </a:lstStyle>
           <a:p>
             <a:r>
-              <a:rPr lang="es-ES" dirty="0"/>
+              <a:rPr lang="es-ES"/>
               <a:t>Haga clic para modificar el estilo de título del patrón</a:t>
             </a:r>
-            <a:endParaRPr lang="en-US" dirty="0"/>
+            <a:endParaRPr lang="en-US"/>
           </a:p>
         </p:txBody>
       </p:sp>
@@ -1238,38 +1238,38 @@
           <a:p>
             <a:pPr lvl="0"/>
             <a:r>
-              <a:rPr lang="es-ES" dirty="0"/>
+              <a:rPr lang="es-ES"/>
               <a:t>Haga clic para modificar los estilos de texto del patrón</a:t>
             </a:r>
           </a:p>
           <a:p>
             <a:pPr lvl="1"/>
             <a:r>
-              <a:rPr lang="es-ES" dirty="0"/>
+              <a:rPr lang="es-ES"/>
               <a:t>Segundo nivel</a:t>
             </a:r>
           </a:p>
           <a:p>
             <a:pPr lvl="2"/>
             <a:r>
-              <a:rPr lang="es-ES" dirty="0"/>
+              <a:rPr lang="es-ES"/>
               <a:t>Tercer nivel</a:t>
             </a:r>
           </a:p>
           <a:p>
             <a:pPr lvl="3"/>
             <a:r>
-              <a:rPr lang="es-ES" dirty="0"/>
+              <a:rPr lang="es-ES"/>
               <a:t>Cuarto nivel</a:t>
             </a:r>
           </a:p>
           <a:p>
             <a:pPr lvl="4"/>
             <a:r>
-              <a:rPr lang="es-ES" dirty="0"/>
+              <a:rPr lang="es-ES"/>
               <a:t>Quinto nivel</a:t>
             </a:r>
-            <a:endParaRPr lang="en-US" dirty="0"/>
+            <a:endParaRPr lang="en-US"/>
           </a:p>
         </p:txBody>
       </p:sp>
@@ -1427,10 +1427,10 @@
           <a:lstStyle/>
           <a:p>
             <a:r>
-              <a:rPr lang="es-ES" dirty="0"/>
+              <a:rPr lang="es-ES"/>
               <a:t>Haga clic para modificar el estilo de título del patrón</a:t>
             </a:r>
-            <a:endParaRPr lang="en-US" dirty="0"/>
+            <a:endParaRPr lang="en-US"/>
           </a:p>
         </p:txBody>
       </p:sp>
@@ -1456,38 +1456,38 @@
           <a:p>
             <a:pPr lvl="0"/>
             <a:r>
-              <a:rPr lang="es-ES" dirty="0"/>
+              <a:rPr lang="es-ES"/>
               <a:t>Haga clic para modificar los estilos de texto del patrón</a:t>
             </a:r>
           </a:p>
           <a:p>
             <a:pPr lvl="1"/>
             <a:r>
-              <a:rPr lang="es-ES" dirty="0"/>
+              <a:rPr lang="es-ES"/>
               <a:t>Segundo nivel</a:t>
             </a:r>
           </a:p>
           <a:p>
             <a:pPr lvl="2"/>
             <a:r>
-              <a:rPr lang="es-ES" dirty="0"/>
+              <a:rPr lang="es-ES"/>
               <a:t>Tercer nivel</a:t>
             </a:r>
           </a:p>
           <a:p>
             <a:pPr lvl="3"/>
             <a:r>
-              <a:rPr lang="es-ES" dirty="0"/>
+              <a:rPr lang="es-ES"/>
               <a:t>Cuarto nivel</a:t>
             </a:r>
           </a:p>
           <a:p>
             <a:pPr lvl="4"/>
             <a:r>
-              <a:rPr lang="es-ES" dirty="0"/>
+              <a:rPr lang="es-ES"/>
               <a:t>Quinto nivel</a:t>
             </a:r>
-            <a:endParaRPr lang="en-US" dirty="0"/>
+            <a:endParaRPr lang="en-US"/>
           </a:p>
         </p:txBody>
       </p:sp>
@@ -1513,38 +1513,38 @@
           <a:p>
             <a:pPr lvl="0"/>
             <a:r>
-              <a:rPr lang="es-ES" dirty="0"/>
+              <a:rPr lang="es-ES"/>
               <a:t>Haga clic para modificar los estilos de texto del patrón</a:t>
             </a:r>
           </a:p>
           <a:p>
             <a:pPr lvl="1"/>
             <a:r>
-              <a:rPr lang="es-ES" dirty="0"/>
+              <a:rPr lang="es-ES"/>
               <a:t>Segundo nivel</a:t>
             </a:r>
           </a:p>
           <a:p>
             <a:pPr lvl="2"/>
             <a:r>
-              <a:rPr lang="es-ES" dirty="0"/>
+              <a:rPr lang="es-ES"/>
               <a:t>Tercer nivel</a:t>
             </a:r>
           </a:p>
           <a:p>
             <a:pPr lvl="3"/>
             <a:r>
-              <a:rPr lang="es-ES" dirty="0"/>
+              <a:rPr lang="es-ES"/>
               <a:t>Cuarto nivel</a:t>
             </a:r>
           </a:p>
           <a:p>
             <a:pPr lvl="4"/>
             <a:r>
-              <a:rPr lang="es-ES" dirty="0"/>
+              <a:rPr lang="es-ES"/>
               <a:t>Quinto nivel</a:t>
             </a:r>
-            <a:endParaRPr lang="en-US" dirty="0"/>
+            <a:endParaRPr lang="en-US"/>
           </a:p>
         </p:txBody>
       </p:sp>
@@ -2205,7 +2205,7 @@
               <a:tabLst/>
               <a:defRPr/>
             </a:pPr>
-            <a:endParaRPr kumimoji="0" lang="en-US" sz="1662" b="0" i="0" u="none" strike="noStrike" kern="1200" cap="none" spc="0" normalizeH="0" baseline="0" noProof="0" dirty="0">
+            <a:endParaRPr kumimoji="0" lang="en-US" sz="1662" b="0" i="0" u="none" strike="noStrike" kern="1200" cap="none" spc="0" normalizeH="0" baseline="0" noProof="0">
               <a:ln>
                 <a:noFill/>
               </a:ln>
@@ -2753,38 +2753,38 @@
           <a:p>
             <a:pPr lvl="0"/>
             <a:r>
-              <a:rPr lang="es-ES" dirty="0"/>
+              <a:rPr lang="es-ES"/>
               <a:t>Haga clic para modificar los estilos de texto del patrón</a:t>
             </a:r>
           </a:p>
           <a:p>
             <a:pPr lvl="1"/>
             <a:r>
-              <a:rPr lang="es-ES" dirty="0"/>
+              <a:rPr lang="es-ES"/>
               <a:t>Segundo nivel</a:t>
             </a:r>
           </a:p>
           <a:p>
             <a:pPr lvl="2"/>
             <a:r>
-              <a:rPr lang="es-ES" dirty="0"/>
+              <a:rPr lang="es-ES"/>
               <a:t>Tercer nivel</a:t>
             </a:r>
           </a:p>
           <a:p>
             <a:pPr lvl="3"/>
             <a:r>
-              <a:rPr lang="es-ES" dirty="0"/>
+              <a:rPr lang="es-ES"/>
               <a:t>Cuarto nivel</a:t>
             </a:r>
           </a:p>
           <a:p>
             <a:pPr lvl="4"/>
             <a:r>
-              <a:rPr lang="es-ES" dirty="0"/>
+              <a:rPr lang="es-ES"/>
               <a:t>Quinto nivel</a:t>
             </a:r>
-            <a:endParaRPr lang="en-US" dirty="0"/>
+            <a:endParaRPr lang="en-US"/>
           </a:p>
         </p:txBody>
       </p:sp>
@@ -2918,10 +2918,10 @@
           </a:lstStyle>
           <a:p>
             <a:r>
-              <a:rPr lang="es-ES" dirty="0"/>
+              <a:rPr lang="es-ES"/>
               <a:t>Haga clic para modificar el estilo de título del patrón</a:t>
             </a:r>
-            <a:endParaRPr lang="en-US" dirty="0"/>
+            <a:endParaRPr lang="en-US"/>
           </a:p>
         </p:txBody>
       </p:sp>
@@ -3008,38 +3008,38 @@
           <a:p>
             <a:pPr lvl="0"/>
             <a:r>
-              <a:rPr lang="es-ES" dirty="0"/>
+              <a:rPr lang="es-ES"/>
               <a:t>Haga clic para modificar los estilos de texto del patrón</a:t>
             </a:r>
           </a:p>
           <a:p>
             <a:pPr lvl="1"/>
             <a:r>
-              <a:rPr lang="es-ES" dirty="0"/>
+              <a:rPr lang="es-ES"/>
               <a:t>Segundo nivel</a:t>
             </a:r>
           </a:p>
           <a:p>
             <a:pPr lvl="2"/>
             <a:r>
-              <a:rPr lang="es-ES" dirty="0"/>
+              <a:rPr lang="es-ES"/>
               <a:t>Tercer nivel</a:t>
             </a:r>
           </a:p>
           <a:p>
             <a:pPr lvl="3"/>
             <a:r>
-              <a:rPr lang="es-ES" dirty="0"/>
+              <a:rPr lang="es-ES"/>
               <a:t>Cuarto nivel</a:t>
             </a:r>
           </a:p>
           <a:p>
             <a:pPr lvl="4"/>
             <a:r>
-              <a:rPr lang="es-ES" dirty="0"/>
+              <a:rPr lang="es-ES"/>
               <a:t>Quinto nivel</a:t>
             </a:r>
-            <a:endParaRPr lang="en-US" dirty="0"/>
+            <a:endParaRPr lang="en-US"/>
           </a:p>
         </p:txBody>
       </p:sp>
@@ -3127,7 +3127,7 @@
               <a:rPr lang="es-ES"/>
               <a:t>Quinto nivel</a:t>
             </a:r>
-            <a:endParaRPr lang="en-US" dirty="0"/>
+            <a:endParaRPr lang="en-US"/>
           </a:p>
         </p:txBody>
       </p:sp>
@@ -3253,10 +3253,10 @@
           <a:lstStyle/>
           <a:p>
             <a:r>
-              <a:rPr lang="es-ES" dirty="0"/>
+              <a:rPr lang="es-ES"/>
               <a:t>Haga clic para modificar el estilo de título del patrón</a:t>
             </a:r>
-            <a:endParaRPr lang="en-US" dirty="0"/>
+            <a:endParaRPr lang="en-US"/>
           </a:p>
         </p:txBody>
       </p:sp>
@@ -3321,10 +3321,10 @@
           <a:lstStyle/>
           <a:p>
             <a:r>
-              <a:rPr lang="es-ES" dirty="0"/>
+              <a:rPr lang="es-ES"/>
               <a:t>Haga clic para modificar el estilo de título del patrón</a:t>
             </a:r>
-            <a:endParaRPr lang="en-US" dirty="0"/>
+            <a:endParaRPr lang="en-US"/>
           </a:p>
         </p:txBody>
       </p:sp>
@@ -3355,38 +3355,38 @@
           <a:p>
             <a:pPr lvl="0"/>
             <a:r>
-              <a:rPr lang="es-ES" dirty="0"/>
+              <a:rPr lang="es-ES"/>
               <a:t>Haga clic para modificar los estilos de texto del patrón</a:t>
             </a:r>
           </a:p>
           <a:p>
             <a:pPr lvl="1"/>
             <a:r>
-              <a:rPr lang="es-ES" dirty="0"/>
+              <a:rPr lang="es-ES"/>
               <a:t>Segundo nivel</a:t>
             </a:r>
           </a:p>
           <a:p>
             <a:pPr lvl="2"/>
             <a:r>
-              <a:rPr lang="es-ES" dirty="0"/>
+              <a:rPr lang="es-ES"/>
               <a:t>Tercer nivel</a:t>
             </a:r>
           </a:p>
           <a:p>
             <a:pPr lvl="3"/>
             <a:r>
-              <a:rPr lang="es-ES" dirty="0"/>
+              <a:rPr lang="es-ES"/>
               <a:t>Cuarto nivel</a:t>
             </a:r>
           </a:p>
           <a:p>
             <a:pPr lvl="4"/>
             <a:r>
-              <a:rPr lang="es-ES" dirty="0"/>
+              <a:rPr lang="es-ES"/>
               <a:t>Quinto nivel </a:t>
             </a:r>
-            <a:endParaRPr lang="en-US" dirty="0"/>
+            <a:endParaRPr lang="en-US"/>
           </a:p>
         </p:txBody>
       </p:sp>
@@ -3547,13 +3547,6 @@
               </a:rPr>
               <a:t> / </a:t>
             </a:r>
-            <a:endParaRPr lang="es-ES" dirty="0">
-              <a:solidFill>
-                <a:prstClr val="black">
-                  <a:tint val="75000"/>
-                </a:prstClr>
-              </a:solidFill>
-            </a:endParaRPr>
           </a:p>
         </p:txBody>
       </p:sp>
@@ -3984,40 +3977,40 @@
           <a:lstStyle/>
           <a:p>
             <a:r>
-              <a:rPr lang="es-ES" sz="4400" dirty="0">
+              <a:rPr lang="es-ES" sz="4400">
                 <a:latin typeface="Geneva"/>
                 <a:cs typeface="Arial"/>
               </a:rPr>
               <a:t>Sabelotodo</a:t>
             </a:r>
             <a:br>
-              <a:rPr lang="es-ES" sz="4400" dirty="0">
+              <a:rPr lang="es-ES" sz="4400">
                 <a:latin typeface="Geneva"/>
                 <a:cs typeface="Arial"/>
               </a:rPr>
             </a:br>
             <a:r>
-              <a:rPr lang="es-ES" sz="1200" dirty="0" err="1">
+              <a:rPr lang="es-ES" sz="1200" err="1">
                 <a:latin typeface="Geneva"/>
                 <a:cs typeface="Arial"/>
               </a:rPr>
               <a:t>by</a:t>
             </a:r>
             <a:r>
-              <a:rPr lang="es-ES" sz="1200" dirty="0">
+              <a:rPr lang="es-ES" sz="1200">
                 <a:latin typeface="Geneva"/>
                 <a:cs typeface="Arial"/>
               </a:rPr>
               <a:t> PF </a:t>
             </a:r>
             <a:r>
-              <a:rPr lang="es-ES" sz="1200" dirty="0" err="1">
+              <a:rPr lang="es-ES" sz="1200" err="1">
                 <a:latin typeface="Geneva"/>
                 <a:cs typeface="Arial"/>
               </a:rPr>
               <a:t>Entertainment</a:t>
             </a:r>
-            <a:endParaRPr lang="es-ES" sz="4400" dirty="0" err="1"/>
+            <a:endParaRPr lang="es-ES" sz="4400" err="1"/>
           </a:p>
         </p:txBody>
       </p:sp>
@@ -4044,20 +4037,20 @@
           <a:lstStyle/>
           <a:p>
             <a:r>
-              <a:rPr lang="es-ES" sz="1600" dirty="0"/>
+              <a:rPr lang="es-ES" sz="1600"/>
               <a:t>Equipo:</a:t>
             </a:r>
           </a:p>
           <a:p>
             <a:r>
-              <a:rPr lang="es-ES" sz="1600" b="1" dirty="0">
+              <a:rPr lang="es-ES" sz="1600" b="1">
                 <a:latin typeface="Verdana"/>
                 <a:ea typeface="Verdana"/>
               </a:rPr>
               <a:t>Carlos Castaño Moreno</a:t>
             </a:r>
             <a:r>
-              <a:rPr lang="es-ES" sz="1600" dirty="0">
+              <a:rPr lang="es-ES" sz="1600">
                 <a:latin typeface="Verdana"/>
                 <a:ea typeface="Verdana"/>
               </a:rPr>
@@ -4066,14 +4059,14 @@
           </a:p>
           <a:p>
             <a:r>
-              <a:rPr lang="es-ES" sz="1600" b="1" dirty="0">
+              <a:rPr lang="es-ES" sz="1600" b="1">
                 <a:latin typeface="Verdana"/>
                 <a:ea typeface="Verdana"/>
               </a:rPr>
               <a:t>Nuria Rodríguez Tortosa</a:t>
             </a:r>
             <a:r>
-              <a:rPr lang="es-ES" sz="1600" dirty="0">
+              <a:rPr lang="es-ES" sz="1600">
                 <a:latin typeface="Verdana"/>
                 <a:ea typeface="Verdana"/>
               </a:rPr>
@@ -4082,14 +4075,14 @@
           </a:p>
           <a:p>
             <a:r>
-              <a:rPr lang="es-ES" sz="1600" b="1" dirty="0">
+              <a:rPr lang="es-ES" sz="1600" b="1">
                 <a:latin typeface="Verdana"/>
                 <a:ea typeface="Verdana"/>
               </a:rPr>
               <a:t>Daniel García Rodríguez</a:t>
             </a:r>
             <a:r>
-              <a:rPr lang="es-ES" sz="1600" dirty="0">
+              <a:rPr lang="es-ES" sz="1600">
                 <a:latin typeface="Verdana"/>
                 <a:ea typeface="Verdana"/>
               </a:rPr>
@@ -4098,91 +4091,91 @@
           </a:p>
           <a:p>
             <a:r>
-              <a:rPr lang="es-ES" sz="1600" b="1" dirty="0">
+              <a:rPr lang="es-ES" sz="1600" b="1">
                 <a:latin typeface="Verdana"/>
                 <a:ea typeface="Verdana"/>
               </a:rPr>
               <a:t>Javier Leiva Dueñas</a:t>
             </a:r>
             <a:r>
-              <a:rPr lang="es-ES" sz="1600" dirty="0">
+              <a:rPr lang="es-ES" sz="1600">
                 <a:latin typeface="Verdana"/>
                 <a:ea typeface="Verdana"/>
               </a:rPr>
               <a:t>, implementación y prueba.</a:t>
             </a:r>
-            <a:endParaRPr lang="es-ES" sz="1600" dirty="0"/>
-          </a:p>
-          <a:p>
-            <a:r>
-              <a:rPr lang="es-ES" sz="1600" b="1" dirty="0">
+            <a:endParaRPr lang="es-ES" sz="1600"/>
+          </a:p>
+          <a:p>
+            <a:r>
+              <a:rPr lang="es-ES" sz="1600" b="1">
                 <a:latin typeface="Verdana"/>
                 <a:ea typeface="Verdana"/>
               </a:rPr>
               <a:t>Javier Lanceta Salas</a:t>
             </a:r>
             <a:r>
-              <a:rPr lang="es-ES" sz="1600" dirty="0">
+              <a:rPr lang="es-ES" sz="1600">
                 <a:latin typeface="Verdana"/>
                 <a:ea typeface="Verdana"/>
               </a:rPr>
               <a:t>, implementación y prueba.</a:t>
             </a:r>
-            <a:endParaRPr lang="es-ES" dirty="0"/>
-          </a:p>
-          <a:p>
-            <a:r>
-              <a:rPr lang="es-ES" sz="1600" b="1" dirty="0">
+            <a:endParaRPr lang="es-ES"/>
+          </a:p>
+          <a:p>
+            <a:r>
+              <a:rPr lang="es-ES" sz="1600" b="1">
                 <a:latin typeface="Verdana"/>
                 <a:ea typeface="Verdana"/>
               </a:rPr>
               <a:t>Guillermo Tell González</a:t>
             </a:r>
             <a:r>
-              <a:rPr lang="es-ES" sz="1600" dirty="0">
+              <a:rPr lang="es-ES" sz="1600">
                 <a:latin typeface="Verdana"/>
                 <a:ea typeface="Verdana"/>
               </a:rPr>
               <a:t>, planificación, prueba y analista.</a:t>
             </a:r>
-            <a:endParaRPr lang="es-ES" dirty="0"/>
-          </a:p>
-          <a:p>
-            <a:r>
-              <a:rPr lang="es-ES" sz="1600" b="1" dirty="0">
+            <a:endParaRPr lang="es-ES"/>
+          </a:p>
+          <a:p>
+            <a:r>
+              <a:rPr lang="es-ES" sz="1600" b="1">
                 <a:latin typeface="Verdana"/>
                 <a:ea typeface="Verdana"/>
               </a:rPr>
               <a:t>Julián Castro Coloma</a:t>
             </a:r>
             <a:r>
-              <a:rPr lang="es-ES" sz="1600" dirty="0">
+              <a:rPr lang="es-ES" sz="1600">
                 <a:latin typeface="Verdana"/>
                 <a:ea typeface="Verdana"/>
               </a:rPr>
               <a:t>, diseño, prueba y scrum master.</a:t>
             </a:r>
-            <a:endParaRPr lang="es-ES" dirty="0"/>
-          </a:p>
-          <a:p>
-            <a:r>
-              <a:rPr lang="es-ES" sz="1600" b="1" dirty="0">
+            <a:endParaRPr lang="es-ES"/>
+          </a:p>
+          <a:p>
+            <a:r>
+              <a:rPr lang="es-ES" sz="1600" b="1">
                 <a:latin typeface="Verdana"/>
                 <a:ea typeface="Verdana"/>
               </a:rPr>
               <a:t>Pablo Fernández Serrano</a:t>
             </a:r>
             <a:r>
-              <a:rPr lang="es-ES" sz="1600" dirty="0">
+              <a:rPr lang="es-ES" sz="1600">
                 <a:latin typeface="Verdana"/>
                 <a:ea typeface="Verdana"/>
               </a:rPr>
               <a:t>, diseño e implementación.</a:t>
             </a:r>
-            <a:endParaRPr lang="es-ES" dirty="0"/>
-          </a:p>
-          <a:p>
-            <a:endParaRPr lang="es-ES" sz="1600" dirty="0"/>
+            <a:endParaRPr lang="es-ES"/>
+          </a:p>
+          <a:p>
+            <a:endParaRPr lang="es-ES" sz="1600"/>
           </a:p>
         </p:txBody>
       </p:sp>
@@ -4238,12 +4231,12 @@
           <a:lstStyle/>
           <a:p>
             <a:r>
-              <a:rPr lang="es-ES" sz="2950" dirty="0">
+              <a:rPr lang="es-ES" sz="2950">
                 <a:latin typeface="Geneva"/>
               </a:rPr>
               <a:t>Patrones</a:t>
             </a:r>
-            <a:endParaRPr lang="es-ES" dirty="0"/>
+            <a:endParaRPr lang="es-ES"/>
           </a:p>
         </p:txBody>
       </p:sp>
@@ -4295,27 +4288,19 @@
                 <a:ea typeface="Verdana"/>
                 <a:cs typeface="Arial"/>
               </a:rPr>
-              <a:t>: la clase Partida hace de fachada, pues el usuario interactúa con ella y ella se encarga de abrir las demás clases.</a:t>
+              <a:t>: la clase Partida hace de fachada, pues el usuario interactúa con ella y ella comienza a crear objetos de las otras clases.</a:t>
             </a:r>
           </a:p>
           <a:p>
             <a:pPr marL="0" indent="0" algn="ctr">
               <a:buNone/>
             </a:pPr>
-            <a:endParaRPr lang="es-ES" sz="2950" dirty="0"/>
+            <a:endParaRPr lang="es-ES" sz="2950"/>
           </a:p>
           <a:p>
             <a:pPr marL="0" indent="0" algn="ctr">
               <a:buNone/>
             </a:pPr>
-            <a:r>
-              <a:rPr lang="es-ES" sz="2950" dirty="0">
-                <a:latin typeface="Helvetica"/>
-                <a:ea typeface="Verdana"/>
-                <a:cs typeface="Arial"/>
-              </a:rPr>
-              <a:t>[a debate]</a:t>
-            </a:r>
             <a:endParaRPr lang="es-ES" sz="2950" dirty="0"/>
           </a:p>
         </p:txBody>
@@ -4441,6 +4426,242 @@
           </a:p>
         </p:txBody>
       </p:sp>
+      <p:sp>
+        <p:nvSpPr>
+          <p:cNvPr id="7" name="Elipse 6">
+            <a:extLst>
+              <a:ext uri="{FF2B5EF4-FFF2-40B4-BE49-F238E27FC236}">
+                <a16:creationId xmlns:a16="http://schemas.microsoft.com/office/drawing/2014/main" id="{5C57DBB6-C9BD-4EAF-5C7F-D99CAFA790B7}"/>
+              </a:ext>
+            </a:extLst>
+          </p:cNvPr>
+          <p:cNvSpPr/>
+          <p:nvPr/>
+        </p:nvSpPr>
+        <p:spPr>
+          <a:xfrm>
+            <a:off x="629121" y="4086460"/>
+            <a:ext cx="1303586" cy="916289"/>
+          </a:xfrm>
+          <a:prstGeom prst="ellipse">
+            <a:avLst/>
+          </a:prstGeom>
+        </p:spPr>
+        <p:style>
+          <a:lnRef idx="2">
+            <a:schemeClr val="accent1">
+              <a:shade val="50000"/>
+            </a:schemeClr>
+          </a:lnRef>
+          <a:fillRef idx="1">
+            <a:schemeClr val="accent1"/>
+          </a:fillRef>
+          <a:effectRef idx="0">
+            <a:schemeClr val="accent1"/>
+          </a:effectRef>
+          <a:fontRef idx="minor">
+            <a:schemeClr val="lt1"/>
+          </a:fontRef>
+        </p:style>
+        <p:txBody>
+          <a:bodyPr rtlCol="0" anchor="ctr"/>
+          <a:lstStyle/>
+          <a:p>
+            <a:pPr algn="ctr"/>
+            <a:r>
+              <a:rPr lang="es-ES" dirty="0">
+                <a:cs typeface="Calibri"/>
+              </a:rPr>
+              <a:t>Usuario</a:t>
+            </a:r>
+            <a:endParaRPr lang="es-ES" dirty="0"/>
+          </a:p>
+        </p:txBody>
+      </p:sp>
+      <p:sp>
+        <p:nvSpPr>
+          <p:cNvPr id="8" name="Elipse 7">
+            <a:extLst>
+              <a:ext uri="{FF2B5EF4-FFF2-40B4-BE49-F238E27FC236}">
+                <a16:creationId xmlns:a16="http://schemas.microsoft.com/office/drawing/2014/main" id="{73D661B5-7AFB-933F-3935-C4C48A8C77D0}"/>
+              </a:ext>
+            </a:extLst>
+          </p:cNvPr>
+          <p:cNvSpPr/>
+          <p:nvPr/>
+        </p:nvSpPr>
+        <p:spPr>
+          <a:xfrm>
+            <a:off x="3303599" y="4068748"/>
+            <a:ext cx="2285999" cy="916289"/>
+          </a:xfrm>
+          <a:prstGeom prst="ellipse">
+            <a:avLst/>
+          </a:prstGeom>
+        </p:spPr>
+        <p:style>
+          <a:lnRef idx="2">
+            <a:schemeClr val="accent1">
+              <a:shade val="50000"/>
+            </a:schemeClr>
+          </a:lnRef>
+          <a:fillRef idx="1">
+            <a:schemeClr val="accent1"/>
+          </a:fillRef>
+          <a:effectRef idx="0">
+            <a:schemeClr val="accent1"/>
+          </a:effectRef>
+          <a:fontRef idx="minor">
+            <a:schemeClr val="lt1"/>
+          </a:fontRef>
+        </p:style>
+        <p:txBody>
+          <a:bodyPr rtlCol="0" anchor="ctr"/>
+          <a:lstStyle/>
+          <a:p>
+            <a:pPr algn="ctr"/>
+            <a:r>
+              <a:rPr lang="es-ES" dirty="0">
+                <a:cs typeface="Calibri"/>
+              </a:rPr>
+              <a:t>Clase partida</a:t>
+            </a:r>
+            <a:endParaRPr lang="es-ES" dirty="0"/>
+          </a:p>
+        </p:txBody>
+      </p:sp>
+      <p:sp>
+        <p:nvSpPr>
+          <p:cNvPr id="9" name="Nube 8">
+            <a:extLst>
+              <a:ext uri="{FF2B5EF4-FFF2-40B4-BE49-F238E27FC236}">
+                <a16:creationId xmlns:a16="http://schemas.microsoft.com/office/drawing/2014/main" id="{6D32D2C2-E03E-5E45-C296-334BB10358BC}"/>
+              </a:ext>
+            </a:extLst>
+          </p:cNvPr>
+          <p:cNvSpPr/>
+          <p:nvPr/>
+        </p:nvSpPr>
+        <p:spPr>
+          <a:xfrm>
+            <a:off x="6686549" y="4088822"/>
+            <a:ext cx="2191536" cy="916289"/>
+          </a:xfrm>
+          <a:prstGeom prst="cloud">
+            <a:avLst/>
+          </a:prstGeom>
+        </p:spPr>
+        <p:style>
+          <a:lnRef idx="2">
+            <a:schemeClr val="accent1">
+              <a:shade val="50000"/>
+            </a:schemeClr>
+          </a:lnRef>
+          <a:fillRef idx="1">
+            <a:schemeClr val="accent1"/>
+          </a:fillRef>
+          <a:effectRef idx="0">
+            <a:schemeClr val="accent1"/>
+          </a:effectRef>
+          <a:fontRef idx="minor">
+            <a:schemeClr val="lt1"/>
+          </a:fontRef>
+        </p:style>
+        <p:txBody>
+          <a:bodyPr rtlCol="0" anchor="ctr"/>
+          <a:lstStyle/>
+          <a:p>
+            <a:pPr algn="ctr"/>
+            <a:r>
+              <a:rPr lang="es-ES" dirty="0">
+                <a:cs typeface="Calibri"/>
+              </a:rPr>
+              <a:t>Resto de clases</a:t>
+            </a:r>
+            <a:endParaRPr lang="es-ES" dirty="0"/>
+          </a:p>
+        </p:txBody>
+      </p:sp>
+      <p:cxnSp>
+        <p:nvCxnSpPr>
+          <p:cNvPr id="13" name="Conector recto de flecha 12">
+            <a:extLst>
+              <a:ext uri="{FF2B5EF4-FFF2-40B4-BE49-F238E27FC236}">
+                <a16:creationId xmlns:a16="http://schemas.microsoft.com/office/drawing/2014/main" id="{60CFE4B4-7451-641F-2A04-6D0A46185C87}"/>
+              </a:ext>
+            </a:extLst>
+          </p:cNvPr>
+          <p:cNvCxnSpPr/>
+          <p:nvPr/>
+        </p:nvCxnSpPr>
+        <p:spPr>
+          <a:xfrm flipV="1">
+            <a:off x="1936251" y="4513198"/>
+            <a:ext cx="1367822" cy="20780"/>
+          </a:xfrm>
+          <a:prstGeom prst="straightConnector1">
+            <a:avLst/>
+          </a:prstGeom>
+          <a:ln>
+            <a:tailEnd type="triangle"/>
+          </a:ln>
+        </p:spPr>
+        <p:style>
+          <a:lnRef idx="3">
+            <a:schemeClr val="accent5"/>
+          </a:lnRef>
+          <a:fillRef idx="0">
+            <a:schemeClr val="accent5"/>
+          </a:fillRef>
+          <a:effectRef idx="2">
+            <a:schemeClr val="accent5"/>
+          </a:effectRef>
+          <a:fontRef idx="minor">
+            <a:schemeClr val="tx1"/>
+          </a:fontRef>
+        </p:style>
+      </p:cxnSp>
+      <p:cxnSp>
+        <p:nvCxnSpPr>
+          <p:cNvPr id="15" name="Conector recto de flecha 14">
+            <a:extLst>
+              <a:ext uri="{FF2B5EF4-FFF2-40B4-BE49-F238E27FC236}">
+                <a16:creationId xmlns:a16="http://schemas.microsoft.com/office/drawing/2014/main" id="{0528ABC5-DA97-5367-1E80-3AA690B1646D}"/>
+              </a:ext>
+            </a:extLst>
+          </p:cNvPr>
+          <p:cNvCxnSpPr>
+            <a:cxnSpLocks/>
+          </p:cNvCxnSpPr>
+          <p:nvPr/>
+        </p:nvCxnSpPr>
+        <p:spPr>
+          <a:xfrm>
+            <a:off x="5591962" y="4515086"/>
+            <a:ext cx="1093880" cy="17004"/>
+          </a:xfrm>
+          <a:prstGeom prst="straightConnector1">
+            <a:avLst/>
+          </a:prstGeom>
+          <a:ln>
+            <a:tailEnd type="triangle"/>
+          </a:ln>
+        </p:spPr>
+        <p:style>
+          <a:lnRef idx="3">
+            <a:schemeClr val="accent5"/>
+          </a:lnRef>
+          <a:fillRef idx="0">
+            <a:schemeClr val="accent5"/>
+          </a:fillRef>
+          <a:effectRef idx="2">
+            <a:schemeClr val="accent5"/>
+          </a:effectRef>
+          <a:fontRef idx="minor">
+            <a:schemeClr val="tx1"/>
+          </a:fontRef>
+        </p:style>
+      </p:cxnSp>
     </p:spTree>
     <p:extLst>
       <p:ext uri="{BB962C8B-B14F-4D97-AF65-F5344CB8AC3E}">
@@ -4496,13 +4717,13 @@
           <a:lstStyle/>
           <a:p>
             <a:r>
-              <a:rPr lang="es-ES" sz="2950" dirty="0">
+              <a:rPr lang="es-ES" sz="2950">
                 <a:latin typeface="Geneva"/>
               </a:rPr>
               <a:t>Principios: </a:t>
             </a:r>
             <a:r>
-              <a:rPr lang="es-ES" sz="2950" dirty="0">
+              <a:rPr lang="es-ES" sz="2950">
                 <a:solidFill>
                   <a:srgbClr val="FF0000"/>
                 </a:solidFill>
@@ -4511,12 +4732,12 @@
               <a:t>S</a:t>
             </a:r>
             <a:r>
-              <a:rPr lang="es-ES" sz="2950" dirty="0">
+              <a:rPr lang="es-ES" sz="2950">
                 <a:latin typeface="Geneva"/>
               </a:rPr>
               <a:t>OLID</a:t>
             </a:r>
-            <a:endParaRPr lang="es-ES" dirty="0">
+            <a:endParaRPr lang="es-ES">
               <a:latin typeface="Geneva"/>
             </a:endParaRPr>
           </a:p>
@@ -4552,7 +4773,7 @@
           <a:p>
             <a:pPr marL="457200" indent="-457200" algn="ctr"/>
             <a:r>
-              <a:rPr lang="es-ES" sz="2950" dirty="0">
+              <a:rPr lang="es-ES" sz="2950">
                 <a:latin typeface="Helvetica"/>
                 <a:ea typeface="Verdana"/>
                 <a:cs typeface="Arial"/>
@@ -4563,7 +4784,7 @@
           </a:p>
           <a:p>
             <a:pPr marL="457200" indent="-457200"/>
-            <a:endParaRPr lang="es-ES" sz="2950" dirty="0"/>
+            <a:endParaRPr lang="es-ES" sz="2950"/>
           </a:p>
         </p:txBody>
       </p:sp>
@@ -4629,7 +4850,7 @@
               <a:defRPr/>
             </a:pPr>
             <a:r>
-              <a:rPr lang="es-ES" dirty="0">
+              <a:rPr lang="es-ES">
                 <a:solidFill>
                   <a:prstClr val="black">
                     <a:tint val="75000"/>
@@ -4751,13 +4972,13 @@
           <a:p>
             <a:pPr algn="ctr"/>
             <a:r>
-              <a:rPr lang="es-ES" dirty="0">
+              <a:rPr lang="es-ES">
                 <a:latin typeface="Helvetica"/>
                 <a:cs typeface="Calibri"/>
               </a:rPr>
               <a:t>Una clase debe hacer una sola cosa y hacerla bien.</a:t>
             </a:r>
-            <a:endParaRPr lang="es-ES" dirty="0">
+            <a:endParaRPr lang="es-ES">
               <a:latin typeface="Helvetica"/>
             </a:endParaRPr>
           </a:p>
@@ -4801,7 +5022,7 @@
           <p:cNvPr id="2" name="Título 1">
             <a:extLst>
               <a:ext uri="{FF2B5EF4-FFF2-40B4-BE49-F238E27FC236}">
-                <a16:creationId xmlns:a16="http://schemas.microsoft.com/office/drawing/2014/main" id="{0B6E4ECF-F238-69D7-643D-CAFE9E374AD1}"/>
+                <a16:creationId xmlns:a16="http://schemas.microsoft.com/office/drawing/2014/main" id="{B3C1355D-DA03-F813-AD31-D1D84881019B}"/>
               </a:ext>
             </a:extLst>
           </p:cNvPr>
@@ -4818,27 +5039,27 @@
           <a:lstStyle/>
           <a:p>
             <a:r>
-              <a:rPr lang="es-ES" sz="2950" dirty="0">
+              <a:rPr lang="es-ES" sz="2950">
                 <a:latin typeface="Geneva"/>
               </a:rPr>
-              <a:t>Principios: S</a:t>
-            </a:r>
-            <a:r>
-              <a:rPr lang="es-ES" sz="2950" dirty="0">
+              <a:t>Principios: SO</a:t>
+            </a:r>
+            <a:r>
+              <a:rPr lang="es-ES" sz="2950">
                 <a:solidFill>
                   <a:srgbClr val="FF0000"/>
                 </a:solidFill>
                 <a:latin typeface="Geneva"/>
               </a:rPr>
-              <a:t>O</a:t>
-            </a:r>
-            <a:r>
-              <a:rPr lang="es-ES" sz="2950" dirty="0">
+              <a:t>L</a:t>
+            </a:r>
+            <a:r>
+              <a:rPr lang="es-ES" sz="2950">
                 <a:latin typeface="Geneva"/>
               </a:rPr>
-              <a:t>LID</a:t>
-            </a:r>
-            <a:endParaRPr lang="es-ES" dirty="0"/>
+              <a:t>ID</a:t>
+            </a:r>
+            <a:endParaRPr lang="es-ES"/>
           </a:p>
         </p:txBody>
       </p:sp>
@@ -4847,7 +5068,7 @@
           <p:cNvPr id="3" name="Marcador de contenido 2">
             <a:extLst>
               <a:ext uri="{FF2B5EF4-FFF2-40B4-BE49-F238E27FC236}">
-                <a16:creationId xmlns:a16="http://schemas.microsoft.com/office/drawing/2014/main" id="{3277E491-0BAC-D66E-0E21-88E0CC37B564}"/>
+                <a16:creationId xmlns:a16="http://schemas.microsoft.com/office/drawing/2014/main" id="{5FBF4679-0A01-8228-6804-2466E7E9FA31}"/>
               </a:ext>
             </a:extLst>
           </p:cNvPr>
@@ -4858,7 +5079,12 @@
             <p:ph idx="1"/>
           </p:nvPr>
         </p:nvSpPr>
-        <p:spPr/>
+        <p:spPr>
+          <a:xfrm>
+            <a:off x="628651" y="1598410"/>
+            <a:ext cx="7593866" cy="559698"/>
+          </a:xfrm>
+        </p:spPr>
         <p:txBody>
           <a:bodyPr vert="horz" lIns="91440" tIns="45720" rIns="91440" bIns="45720" rtlCol="0" anchor="t">
             <a:normAutofit/>
@@ -4867,14 +5093,30 @@
           <a:p>
             <a:pPr marL="210820" indent="-210820" algn="ctr"/>
             <a:r>
-              <a:rPr lang="es-ES" sz="2950" dirty="0">
+              <a:rPr lang="es-ES" sz="2950">
                 <a:latin typeface="Helvetica"/>
                 <a:ea typeface="Verdana"/>
                 <a:cs typeface="Arial"/>
               </a:rPr>
-              <a:t>Principio abierto-cerrado</a:t>
-            </a:r>
-            <a:endParaRPr lang="es-ES" dirty="0"/>
+              <a:t>Principio de sustitución de </a:t>
+            </a:r>
+            <a:r>
+              <a:rPr lang="es-ES" sz="2950" err="1">
+                <a:latin typeface="Helvetica"/>
+                <a:ea typeface="Verdana"/>
+                <a:cs typeface="Arial"/>
+              </a:rPr>
+              <a:t>Liskov</a:t>
+            </a:r>
+            <a:r>
+              <a:rPr lang="es-ES" sz="2950">
+                <a:latin typeface="Helvetica"/>
+                <a:ea typeface="Verdana"/>
+                <a:cs typeface="Arial"/>
+              </a:rPr>
+              <a:t>.</a:t>
+            </a:r>
+            <a:endParaRPr lang="es-ES" err="1"/>
           </a:p>
         </p:txBody>
       </p:sp>
@@ -4883,7 +5125,7 @@
           <p:cNvPr id="4" name="Marcador de fecha 3">
             <a:extLst>
               <a:ext uri="{FF2B5EF4-FFF2-40B4-BE49-F238E27FC236}">
-                <a16:creationId xmlns:a16="http://schemas.microsoft.com/office/drawing/2014/main" id="{E51139D6-7F72-0B08-3ECC-EB16A5B5A800}"/>
+                <a16:creationId xmlns:a16="http://schemas.microsoft.com/office/drawing/2014/main" id="{9B1336B6-BAB7-A716-3EB2-B095AB723DBE}"/>
               </a:ext>
             </a:extLst>
           </p:cNvPr>
@@ -4920,7 +5162,7 @@
           <p:cNvPr id="5" name="Marcador de pie de página 4">
             <a:extLst>
               <a:ext uri="{FF2B5EF4-FFF2-40B4-BE49-F238E27FC236}">
-                <a16:creationId xmlns:a16="http://schemas.microsoft.com/office/drawing/2014/main" id="{129F13B5-88BC-B4F2-F470-1D8C82630E34}"/>
+                <a16:creationId xmlns:a16="http://schemas.microsoft.com/office/drawing/2014/main" id="{A0074193-9F44-24EE-EB51-55D1C3950C7A}"/>
               </a:ext>
             </a:extLst>
           </p:cNvPr>
@@ -4957,7 +5199,7 @@
           <p:cNvPr id="6" name="Marcador de número de diapositiva 5">
             <a:extLst>
               <a:ext uri="{FF2B5EF4-FFF2-40B4-BE49-F238E27FC236}">
-                <a16:creationId xmlns:a16="http://schemas.microsoft.com/office/drawing/2014/main" id="{DE1F1EE7-C0F2-66B5-423E-83C661EB1808}"/>
+                <a16:creationId xmlns:a16="http://schemas.microsoft.com/office/drawing/2014/main" id="{A2ED1741-3A5E-D040-0B3F-1642FF64B0E6}"/>
               </a:ext>
             </a:extLst>
           </p:cNvPr>
@@ -4999,12 +5241,42 @@
           </a:p>
         </p:txBody>
       </p:sp>
-      <p:sp>
-        <p:nvSpPr>
-          <p:cNvPr id="7" name="CuadroTexto 6">
-            <a:extLst>
-              <a:ext uri="{FF2B5EF4-FFF2-40B4-BE49-F238E27FC236}">
-                <a16:creationId xmlns:a16="http://schemas.microsoft.com/office/drawing/2014/main" id="{C2E4D2DD-D1E7-A33F-6E7F-CC4335247EB8}"/>
+      <p:pic>
+        <p:nvPicPr>
+          <p:cNvPr id="7" name="Imagen 7" descr="Texto&#10;&#10;Descripción generada automáticamente">
+            <a:extLst>
+              <a:ext uri="{FF2B5EF4-FFF2-40B4-BE49-F238E27FC236}">
+                <a16:creationId xmlns:a16="http://schemas.microsoft.com/office/drawing/2014/main" id="{0517D874-C169-1E1C-0F21-85F090E36AD5}"/>
+              </a:ext>
+            </a:extLst>
+          </p:cNvPr>
+          <p:cNvPicPr>
+            <a:picLocks noChangeAspect="1"/>
+          </p:cNvPicPr>
+          <p:nvPr/>
+        </p:nvPicPr>
+        <p:blipFill>
+          <a:blip r:embed="rId2"/>
+          <a:stretch>
+            <a:fillRect/>
+          </a:stretch>
+        </p:blipFill>
+        <p:spPr>
+          <a:xfrm>
+            <a:off x="1216682" y="3723507"/>
+            <a:ext cx="6720083" cy="1016853"/>
+          </a:xfrm>
+          <a:prstGeom prst="rect">
+            <a:avLst/>
+          </a:prstGeom>
+        </p:spPr>
+      </p:pic>
+      <p:sp>
+        <p:nvSpPr>
+          <p:cNvPr id="8" name="CuadroTexto 7">
+            <a:extLst>
+              <a:ext uri="{FF2B5EF4-FFF2-40B4-BE49-F238E27FC236}">
+                <a16:creationId xmlns:a16="http://schemas.microsoft.com/office/drawing/2014/main" id="{9B47D456-76E1-F250-D7B5-9FC557757611}"/>
               </a:ext>
             </a:extLst>
           </p:cNvPr>
@@ -5013,8 +5285,8 @@
         </p:nvSpPr>
         <p:spPr>
           <a:xfrm>
-            <a:off x="989971" y="2199094"/>
-            <a:ext cx="7438000" cy="1200329"/>
+            <a:off x="1717334" y="2227433"/>
+            <a:ext cx="5709331" cy="1200329"/>
           </a:xfrm>
           <a:prstGeom prst="rect">
             <a:avLst/>
@@ -5032,39 +5304,20 @@
           <a:p>
             <a:pPr algn="ctr"/>
             <a:r>
-              <a:rPr lang="es-ES" dirty="0">
+              <a:rPr lang="es-ES" sz="2400">
+                <a:latin typeface="Helvetica"/>
                 <a:cs typeface="Calibri"/>
               </a:rPr>
-              <a:t>Las clases deben estar abiertas a la extensión y cerradas a la modificación.</a:t>
-            </a:r>
-          </a:p>
-          <a:p>
-            <a:pPr algn="ctr"/>
-            <a:endParaRPr lang="es-ES" dirty="0">
-              <a:cs typeface="Calibri"/>
-            </a:endParaRPr>
-          </a:p>
-          <a:p>
-            <a:pPr algn="ctr"/>
-            <a:endParaRPr lang="es-ES" dirty="0">
-              <a:cs typeface="Calibri"/>
-            </a:endParaRPr>
-          </a:p>
-          <a:p>
-            <a:pPr algn="ctr"/>
-            <a:r>
-              <a:rPr lang="es-ES" dirty="0">
-                <a:cs typeface="Calibri"/>
-              </a:rPr>
-              <a:t>[no hay ejemplo como tal de esto?]</a:t>
-            </a:r>
+              <a:t>Las subclases deben poder sustituir a las clases base sin que el código cliente lo note.</a:t>
+            </a:r>
+            <a:endParaRPr lang="es-ES"/>
           </a:p>
         </p:txBody>
       </p:sp>
     </p:spTree>
     <p:extLst>
       <p:ext uri="{BB962C8B-B14F-4D97-AF65-F5344CB8AC3E}">
-        <p14:creationId xmlns:p14="http://schemas.microsoft.com/office/powerpoint/2010/main" val="1767918215"/>
+        <p14:creationId xmlns:p14="http://schemas.microsoft.com/office/powerpoint/2010/main" val="3025753338"/>
       </p:ext>
     </p:extLst>
   </p:cSld>
@@ -5099,7 +5352,7 @@
           <p:cNvPr id="2" name="Título 1">
             <a:extLst>
               <a:ext uri="{FF2B5EF4-FFF2-40B4-BE49-F238E27FC236}">
-                <a16:creationId xmlns:a16="http://schemas.microsoft.com/office/drawing/2014/main" id="{B3C1355D-DA03-F813-AD31-D1D84881019B}"/>
+                <a16:creationId xmlns:a16="http://schemas.microsoft.com/office/drawing/2014/main" id="{5FDE71F5-A752-7740-8EEA-69D32EEF0161}"/>
               </a:ext>
             </a:extLst>
           </p:cNvPr>
@@ -5116,27 +5369,27 @@
           <a:lstStyle/>
           <a:p>
             <a:r>
-              <a:rPr lang="es-ES" sz="2950" dirty="0">
+              <a:rPr lang="es-ES" sz="2950">
                 <a:latin typeface="Geneva"/>
               </a:rPr>
-              <a:t>Principios: SO</a:t>
-            </a:r>
-            <a:r>
-              <a:rPr lang="es-ES" sz="2950" dirty="0">
+              <a:t>Principios: SOL</a:t>
+            </a:r>
+            <a:r>
+              <a:rPr lang="es-ES" sz="2950">
                 <a:solidFill>
                   <a:srgbClr val="FF0000"/>
                 </a:solidFill>
                 <a:latin typeface="Geneva"/>
               </a:rPr>
-              <a:t>L</a:t>
-            </a:r>
-            <a:r>
-              <a:rPr lang="es-ES" sz="2950" dirty="0">
+              <a:t>I</a:t>
+            </a:r>
+            <a:r>
+              <a:rPr lang="es-ES" sz="2950">
                 <a:latin typeface="Geneva"/>
               </a:rPr>
-              <a:t>ID</a:t>
-            </a:r>
-            <a:endParaRPr lang="es-ES" dirty="0"/>
+              <a:t>D</a:t>
+            </a:r>
+            <a:endParaRPr lang="es-ES"/>
           </a:p>
         </p:txBody>
       </p:sp>
@@ -5145,7 +5398,7 @@
           <p:cNvPr id="3" name="Marcador de contenido 2">
             <a:extLst>
               <a:ext uri="{FF2B5EF4-FFF2-40B4-BE49-F238E27FC236}">
-                <a16:creationId xmlns:a16="http://schemas.microsoft.com/office/drawing/2014/main" id="{5FBF4679-0A01-8228-6804-2466E7E9FA31}"/>
+                <a16:creationId xmlns:a16="http://schemas.microsoft.com/office/drawing/2014/main" id="{5774A996-282C-1514-4D63-FB358A25F10B}"/>
               </a:ext>
             </a:extLst>
           </p:cNvPr>
@@ -5158,8 +5411,8 @@
         </p:nvSpPr>
         <p:spPr>
           <a:xfrm>
-            <a:off x="628651" y="1598410"/>
-            <a:ext cx="7593866" cy="559698"/>
+            <a:off x="628651" y="1503947"/>
+            <a:ext cx="7886700" cy="739177"/>
           </a:xfrm>
         </p:spPr>
         <p:txBody>
@@ -5168,32 +5421,16 @@
           </a:bodyPr>
           <a:lstStyle/>
           <a:p>
-            <a:pPr marL="210820" indent="-210820" algn="ctr"/>
-            <a:r>
-              <a:rPr lang="es-ES" sz="2950" dirty="0">
+            <a:pPr marL="457200" indent="-457200" algn="ctr"/>
+            <a:r>
+              <a:rPr lang="es-ES" sz="2950">
                 <a:latin typeface="Helvetica"/>
                 <a:ea typeface="Verdana"/>
                 <a:cs typeface="Arial"/>
               </a:rPr>
-              <a:t>Principio de sustitución de </a:t>
-            </a:r>
-            <a:r>
-              <a:rPr lang="es-ES" sz="2950" dirty="0" err="1">
-                <a:latin typeface="Helvetica"/>
-                <a:ea typeface="Verdana"/>
-                <a:cs typeface="Arial"/>
-              </a:rPr>
-              <a:t>Liskov</a:t>
-            </a:r>
-            <a:r>
-              <a:rPr lang="es-ES" sz="2950" dirty="0">
-                <a:latin typeface="Helvetica"/>
-                <a:ea typeface="Verdana"/>
-                <a:cs typeface="Arial"/>
-              </a:rPr>
-              <a:t>.</a:t>
-            </a:r>
-            <a:endParaRPr lang="es-ES" dirty="0" err="1"/>
+              <a:t>Principio de segregación de interfaces.</a:t>
+            </a:r>
+            <a:endParaRPr lang="es-ES"/>
           </a:p>
         </p:txBody>
       </p:sp>
@@ -5202,7 +5439,7 @@
           <p:cNvPr id="4" name="Marcador de fecha 3">
             <a:extLst>
               <a:ext uri="{FF2B5EF4-FFF2-40B4-BE49-F238E27FC236}">
-                <a16:creationId xmlns:a16="http://schemas.microsoft.com/office/drawing/2014/main" id="{9B1336B6-BAB7-A716-3EB2-B095AB723DBE}"/>
+                <a16:creationId xmlns:a16="http://schemas.microsoft.com/office/drawing/2014/main" id="{98D87CC3-C398-A7AD-4D0C-F55033B78DB4}"/>
               </a:ext>
             </a:extLst>
           </p:cNvPr>
@@ -5239,7 +5476,7 @@
           <p:cNvPr id="5" name="Marcador de pie de página 4">
             <a:extLst>
               <a:ext uri="{FF2B5EF4-FFF2-40B4-BE49-F238E27FC236}">
-                <a16:creationId xmlns:a16="http://schemas.microsoft.com/office/drawing/2014/main" id="{A0074193-9F44-24EE-EB51-55D1C3950C7A}"/>
+                <a16:creationId xmlns:a16="http://schemas.microsoft.com/office/drawing/2014/main" id="{1EC5CE2F-40C3-572F-CE15-31F8253473D5}"/>
               </a:ext>
             </a:extLst>
           </p:cNvPr>
@@ -5276,7 +5513,7 @@
           <p:cNvPr id="6" name="Marcador de número de diapositiva 5">
             <a:extLst>
               <a:ext uri="{FF2B5EF4-FFF2-40B4-BE49-F238E27FC236}">
-                <a16:creationId xmlns:a16="http://schemas.microsoft.com/office/drawing/2014/main" id="{A2ED1741-3A5E-D040-0B3F-1642FF64B0E6}"/>
+                <a16:creationId xmlns:a16="http://schemas.microsoft.com/office/drawing/2014/main" id="{B8E15421-4BF1-3FDB-C7FC-74E252E34548}"/>
               </a:ext>
             </a:extLst>
           </p:cNvPr>
@@ -5318,12 +5555,149 @@
           </a:p>
         </p:txBody>
       </p:sp>
+      <p:sp>
+        <p:nvSpPr>
+          <p:cNvPr id="7" name="CuadroTexto 6">
+            <a:extLst>
+              <a:ext uri="{FF2B5EF4-FFF2-40B4-BE49-F238E27FC236}">
+                <a16:creationId xmlns:a16="http://schemas.microsoft.com/office/drawing/2014/main" id="{32BB325A-967A-522C-9BBA-3DD7FD9C1696}"/>
+              </a:ext>
+            </a:extLst>
+          </p:cNvPr>
+          <p:cNvSpPr txBox="1"/>
+          <p:nvPr/>
+        </p:nvSpPr>
+        <p:spPr>
+          <a:xfrm>
+            <a:off x="1008862" y="2057401"/>
+            <a:ext cx="7041257" cy="369332"/>
+          </a:xfrm>
+          <a:prstGeom prst="rect">
+            <a:avLst/>
+          </a:prstGeom>
+          <a:noFill/>
+        </p:spPr>
+        <p:txBody>
+          <a:bodyPr rot="0" spcFirstLastPara="0" vertOverflow="overflow" horzOverflow="overflow" vert="horz" wrap="square" lIns="91440" tIns="45720" rIns="91440" bIns="45720" numCol="1" spcCol="0" rtlCol="0" fromWordArt="0" anchor="t" anchorCtr="0" forceAA="0" compatLnSpc="1">
+            <a:prstTxWarp prst="textNoShape">
+              <a:avLst/>
+            </a:prstTxWarp>
+            <a:spAutoFit/>
+          </a:bodyPr>
+          <a:lstStyle/>
+          <a:p>
+            <a:pPr algn="ctr"/>
+            <a:r>
+              <a:rPr lang="es-ES">
+                <a:cs typeface="Calibri"/>
+              </a:rPr>
+              <a:t>Los clientes no deben depender de métodos que no usan.</a:t>
+            </a:r>
+            <a:endParaRPr lang="es-ES"/>
+          </a:p>
+        </p:txBody>
+      </p:sp>
+      <p:sp>
+        <p:nvSpPr>
+          <p:cNvPr id="8" name="CuadroTexto 7">
+            <a:extLst>
+              <a:ext uri="{FF2B5EF4-FFF2-40B4-BE49-F238E27FC236}">
+                <a16:creationId xmlns:a16="http://schemas.microsoft.com/office/drawing/2014/main" id="{54CF10D3-15E5-A419-31A3-072471BC19CE}"/>
+              </a:ext>
+            </a:extLst>
+          </p:cNvPr>
+          <p:cNvSpPr txBox="1"/>
+          <p:nvPr/>
+        </p:nvSpPr>
+        <p:spPr>
+          <a:xfrm>
+            <a:off x="1386715" y="2784764"/>
+            <a:ext cx="6720083" cy="1015663"/>
+          </a:xfrm>
+          <a:prstGeom prst="rect">
+            <a:avLst/>
+          </a:prstGeom>
+          <a:noFill/>
+        </p:spPr>
+        <p:txBody>
+          <a:bodyPr rot="0" spcFirstLastPara="0" vertOverflow="overflow" horzOverflow="overflow" vert="horz" wrap="square" lIns="91440" tIns="45720" rIns="91440" bIns="45720" numCol="1" spcCol="0" rtlCol="0" fromWordArt="0" anchor="t" anchorCtr="0" forceAA="0" compatLnSpc="1">
+            <a:prstTxWarp prst="textNoShape">
+              <a:avLst/>
+            </a:prstTxWarp>
+            <a:spAutoFit/>
+          </a:bodyPr>
+          <a:lstStyle/>
+          <a:p>
+            <a:pPr algn="ctr"/>
+            <a:r>
+              <a:rPr lang="es-ES" sz="2000">
+                <a:latin typeface="Helvetica"/>
+                <a:cs typeface="Calibri"/>
+              </a:rPr>
+              <a:t>En nuestro caso, solo hay una acción que el cliente puede hacer: jugar. Por lo que no es necesario segregar la interfaz según clientes.</a:t>
+            </a:r>
+            <a:endParaRPr lang="es-ES"/>
+          </a:p>
+        </p:txBody>
+      </p:sp>
+      <p:sp>
+        <p:nvSpPr>
+          <p:cNvPr id="9" name="Nube 8">
+            <a:extLst>
+              <a:ext uri="{FF2B5EF4-FFF2-40B4-BE49-F238E27FC236}">
+                <a16:creationId xmlns:a16="http://schemas.microsoft.com/office/drawing/2014/main" id="{A7A798D1-2164-4231-3AA3-D71A7A862019}"/>
+              </a:ext>
+            </a:extLst>
+          </p:cNvPr>
+          <p:cNvSpPr/>
+          <p:nvPr/>
+        </p:nvSpPr>
+        <p:spPr>
+          <a:xfrm>
+            <a:off x="1091989" y="4435973"/>
+            <a:ext cx="2087628" cy="916289"/>
+          </a:xfrm>
+          <a:prstGeom prst="cloud">
+            <a:avLst/>
+          </a:prstGeom>
+        </p:spPr>
+        <p:style>
+          <a:lnRef idx="2">
+            <a:schemeClr val="accent1">
+              <a:shade val="50000"/>
+            </a:schemeClr>
+          </a:lnRef>
+          <a:fillRef idx="1">
+            <a:schemeClr val="accent1"/>
+          </a:fillRef>
+          <a:effectRef idx="0">
+            <a:schemeClr val="accent1"/>
+          </a:effectRef>
+          <a:fontRef idx="minor">
+            <a:schemeClr val="lt1"/>
+          </a:fontRef>
+        </p:style>
+        <p:txBody>
+          <a:bodyPr rtlCol="0" anchor="ctr"/>
+          <a:lstStyle/>
+          <a:p>
+            <a:pPr algn="ctr"/>
+            <a:r>
+              <a:rPr lang="es-ES" dirty="0">
+                <a:cs typeface="Calibri"/>
+              </a:rPr>
+              <a:t>Sistema</a:t>
+            </a:r>
+            <a:endParaRPr lang="es-ES" dirty="0"/>
+          </a:p>
+        </p:txBody>
+      </p:sp>
       <p:pic>
         <p:nvPicPr>
-          <p:cNvPr id="7" name="Imagen 7" descr="Texto&#10;&#10;Descripción generada automáticamente">
-            <a:extLst>
-              <a:ext uri="{FF2B5EF4-FFF2-40B4-BE49-F238E27FC236}">
-                <a16:creationId xmlns:a16="http://schemas.microsoft.com/office/drawing/2014/main" id="{0517D874-C169-1E1C-0F21-85F090E36AD5}"/>
+          <p:cNvPr id="11" name="Gráfico 11" descr="Contorno de cara de ángel con relleno sólido">
+            <a:extLst>
+              <a:ext uri="{FF2B5EF4-FFF2-40B4-BE49-F238E27FC236}">
+                <a16:creationId xmlns:a16="http://schemas.microsoft.com/office/drawing/2014/main" id="{C2C79705-1FE6-6D97-E1B0-B6A06F18A1DF}"/>
               </a:ext>
             </a:extLst>
           </p:cNvPr>
@@ -5333,15 +5707,21 @@
           <p:nvPr/>
         </p:nvPicPr>
         <p:blipFill>
-          <a:blip r:embed="rId2"/>
+          <a:blip r:embed="rId2">
+            <a:extLst>
+              <a:ext uri="{96DAC541-7B7A-43D3-8B79-37D633B846F1}">
+                <asvg:svgBlip xmlns:asvg="http://schemas.microsoft.com/office/drawing/2016/SVG/main" r:embed="rId3"/>
+              </a:ext>
+            </a:extLst>
+          </a:blip>
           <a:stretch>
             <a:fillRect/>
           </a:stretch>
         </p:blipFill>
         <p:spPr>
           <a:xfrm>
-            <a:off x="1216682" y="3723507"/>
-            <a:ext cx="6720083" cy="1016853"/>
+            <a:off x="7232073" y="4435974"/>
+            <a:ext cx="914400" cy="914400"/>
           </a:xfrm>
           <a:prstGeom prst="rect">
             <a:avLst/>
@@ -5350,10 +5730,62 @@
       </p:pic>
       <p:sp>
         <p:nvSpPr>
-          <p:cNvPr id="8" name="CuadroTexto 7">
-            <a:extLst>
-              <a:ext uri="{FF2B5EF4-FFF2-40B4-BE49-F238E27FC236}">
-                <a16:creationId xmlns:a16="http://schemas.microsoft.com/office/drawing/2014/main" id="{9B47D456-76E1-F250-D7B5-9FC557757611}"/>
+          <p:cNvPr id="12" name="Flecha: hacia la izquierda 11">
+            <a:extLst>
+              <a:ext uri="{FF2B5EF4-FFF2-40B4-BE49-F238E27FC236}">
+                <a16:creationId xmlns:a16="http://schemas.microsoft.com/office/drawing/2014/main" id="{11E8CE29-CDC9-9B37-62AC-1709E510638E}"/>
+              </a:ext>
+            </a:extLst>
+          </p:cNvPr>
+          <p:cNvSpPr/>
+          <p:nvPr/>
+        </p:nvSpPr>
+        <p:spPr>
+          <a:xfrm>
+            <a:off x="3433363" y="4587095"/>
+            <a:ext cx="3608479" cy="481760"/>
+          </a:xfrm>
+          <a:prstGeom prst="leftArrow">
+            <a:avLst/>
+          </a:prstGeom>
+          <a:solidFill>
+            <a:schemeClr val="accent1">
+              <a:lumMod val="60000"/>
+              <a:lumOff val="40000"/>
+            </a:schemeClr>
+          </a:solidFill>
+        </p:spPr>
+        <p:style>
+          <a:lnRef idx="2">
+            <a:schemeClr val="accent1">
+              <a:shade val="50000"/>
+            </a:schemeClr>
+          </a:lnRef>
+          <a:fillRef idx="1">
+            <a:schemeClr val="accent1"/>
+          </a:fillRef>
+          <a:effectRef idx="0">
+            <a:schemeClr val="accent1"/>
+          </a:effectRef>
+          <a:fontRef idx="minor">
+            <a:schemeClr val="lt1"/>
+          </a:fontRef>
+        </p:style>
+        <p:txBody>
+          <a:bodyPr rtlCol="0" anchor="ctr"/>
+          <a:lstStyle/>
+          <a:p>
+            <a:pPr algn="ctr"/>
+            <a:endParaRPr lang="es-ES"/>
+          </a:p>
+        </p:txBody>
+      </p:sp>
+      <p:sp>
+        <p:nvSpPr>
+          <p:cNvPr id="14" name="CuadroTexto 13">
+            <a:extLst>
+              <a:ext uri="{FF2B5EF4-FFF2-40B4-BE49-F238E27FC236}">
+                <a16:creationId xmlns:a16="http://schemas.microsoft.com/office/drawing/2014/main" id="{88F3EA67-FC08-1787-FF8C-9A34120BF0BB}"/>
               </a:ext>
             </a:extLst>
           </p:cNvPr>
@@ -5362,8 +5794,8 @@
         </p:nvSpPr>
         <p:spPr>
           <a:xfrm>
-            <a:off x="1717334" y="2227433"/>
-            <a:ext cx="5709331" cy="1200329"/>
+            <a:off x="3866363" y="4291445"/>
+            <a:ext cx="2743200" cy="369332"/>
           </a:xfrm>
           <a:prstGeom prst="rect">
             <a:avLst/>
@@ -5381,20 +5813,60 @@
           <a:p>
             <a:pPr algn="ctr"/>
             <a:r>
-              <a:rPr lang="es-ES" sz="2400" dirty="0">
-                <a:latin typeface="Helvetica"/>
+              <a:rPr lang="es-ES" dirty="0">
                 <a:cs typeface="Calibri"/>
               </a:rPr>
-              <a:t>Las subclases deben poder sustituir a las clases base sin que el código cliente lo note.</a:t>
+              <a:t>Jugar</a:t>
             </a:r>
             <a:endParaRPr lang="es-ES" dirty="0"/>
+          </a:p>
+        </p:txBody>
+      </p:sp>
+      <p:sp>
+        <p:nvSpPr>
+          <p:cNvPr id="15" name="CuadroTexto 14">
+            <a:extLst>
+              <a:ext uri="{FF2B5EF4-FFF2-40B4-BE49-F238E27FC236}">
+                <a16:creationId xmlns:a16="http://schemas.microsoft.com/office/drawing/2014/main" id="{331177A7-2FA8-7F2F-6FE0-EA2E30B0540E}"/>
+              </a:ext>
+            </a:extLst>
+          </p:cNvPr>
+          <p:cNvSpPr txBox="1"/>
+          <p:nvPr/>
+        </p:nvSpPr>
+        <p:spPr>
+          <a:xfrm>
+            <a:off x="7230420" y="4056469"/>
+            <a:ext cx="1023977" cy="369332"/>
+          </a:xfrm>
+          <a:prstGeom prst="rect">
+            <a:avLst/>
+          </a:prstGeom>
+          <a:noFill/>
+        </p:spPr>
+        <p:txBody>
+          <a:bodyPr rot="0" spcFirstLastPara="0" vertOverflow="overflow" horzOverflow="overflow" vert="horz" wrap="square" lIns="91440" tIns="45720" rIns="91440" bIns="45720" numCol="1" spcCol="0" rtlCol="0" fromWordArt="0" anchor="t" anchorCtr="0" forceAA="0" compatLnSpc="1">
+            <a:prstTxWarp prst="textNoShape">
+              <a:avLst/>
+            </a:prstTxWarp>
+            <a:spAutoFit/>
+          </a:bodyPr>
+          <a:lstStyle/>
+          <a:p>
+            <a:pPr algn="l"/>
+            <a:r>
+              <a:rPr lang="es-ES" dirty="0">
+                <a:cs typeface="Calibri"/>
+              </a:rPr>
+              <a:t>Jugador</a:t>
+            </a:r>
           </a:p>
         </p:txBody>
       </p:sp>
     </p:spTree>
     <p:extLst>
       <p:ext uri="{BB962C8B-B14F-4D97-AF65-F5344CB8AC3E}">
-        <p14:creationId xmlns:p14="http://schemas.microsoft.com/office/powerpoint/2010/main" val="3025753338"/>
+        <p14:creationId xmlns:p14="http://schemas.microsoft.com/office/powerpoint/2010/main" val="1074668632"/>
       </p:ext>
     </p:extLst>
   </p:cSld>
@@ -5429,7 +5901,7 @@
           <p:cNvPr id="2" name="Título 1">
             <a:extLst>
               <a:ext uri="{FF2B5EF4-FFF2-40B4-BE49-F238E27FC236}">
-                <a16:creationId xmlns:a16="http://schemas.microsoft.com/office/drawing/2014/main" id="{5FDE71F5-A752-7740-8EEA-69D32EEF0161}"/>
+                <a16:creationId xmlns:a16="http://schemas.microsoft.com/office/drawing/2014/main" id="{5D976B5A-B1FE-AA44-5307-8983E17F6F45}"/>
               </a:ext>
             </a:extLst>
           </p:cNvPr>
@@ -5446,68 +5918,12 @@
           <a:lstStyle/>
           <a:p>
             <a:r>
-              <a:rPr lang="es-ES" sz="2950" dirty="0">
+              <a:rPr lang="es-ES" sz="2950">
                 <a:latin typeface="Geneva"/>
               </a:rPr>
-              <a:t>Principios: SOL</a:t>
-            </a:r>
-            <a:r>
-              <a:rPr lang="es-ES" sz="2950" dirty="0">
-                <a:solidFill>
-                  <a:srgbClr val="FF0000"/>
-                </a:solidFill>
-                <a:latin typeface="Geneva"/>
-              </a:rPr>
-              <a:t>I</a:t>
-            </a:r>
-            <a:r>
-              <a:rPr lang="es-ES" sz="2950" dirty="0">
-                <a:latin typeface="Geneva"/>
-              </a:rPr>
-              <a:t>D</a:t>
-            </a:r>
-            <a:endParaRPr lang="es-ES" dirty="0"/>
-          </a:p>
-        </p:txBody>
-      </p:sp>
-      <p:sp>
-        <p:nvSpPr>
-          <p:cNvPr id="3" name="Marcador de contenido 2">
-            <a:extLst>
-              <a:ext uri="{FF2B5EF4-FFF2-40B4-BE49-F238E27FC236}">
-                <a16:creationId xmlns:a16="http://schemas.microsoft.com/office/drawing/2014/main" id="{5774A996-282C-1514-4D63-FB358A25F10B}"/>
-              </a:ext>
-            </a:extLst>
-          </p:cNvPr>
-          <p:cNvSpPr>
-            <a:spLocks noGrp="1"/>
-          </p:cNvSpPr>
-          <p:nvPr>
-            <p:ph idx="1"/>
-          </p:nvPr>
-        </p:nvSpPr>
-        <p:spPr>
-          <a:xfrm>
-            <a:off x="628651" y="1503947"/>
-            <a:ext cx="7886700" cy="739177"/>
-          </a:xfrm>
-        </p:spPr>
-        <p:txBody>
-          <a:bodyPr vert="horz" lIns="91440" tIns="45720" rIns="91440" bIns="45720" rtlCol="0" anchor="t">
-            <a:normAutofit/>
-          </a:bodyPr>
-          <a:lstStyle/>
-          <a:p>
-            <a:pPr marL="457200" indent="-457200" algn="ctr"/>
-            <a:r>
-              <a:rPr lang="es-ES" sz="2950" dirty="0">
-                <a:latin typeface="Helvetica"/>
-                <a:ea typeface="Verdana"/>
-                <a:cs typeface="Arial"/>
-              </a:rPr>
-              <a:t>Principio de segregación de interfaces.</a:t>
-            </a:r>
-            <a:endParaRPr lang="es-ES" dirty="0"/>
+              <a:t>Pruebas</a:t>
+            </a:r>
+            <a:endParaRPr lang="es-ES"/>
           </a:p>
         </p:txBody>
       </p:sp>
@@ -5516,7 +5932,7 @@
           <p:cNvPr id="4" name="Marcador de fecha 3">
             <a:extLst>
               <a:ext uri="{FF2B5EF4-FFF2-40B4-BE49-F238E27FC236}">
-                <a16:creationId xmlns:a16="http://schemas.microsoft.com/office/drawing/2014/main" id="{98D87CC3-C398-A7AD-4D0C-F55033B78DB4}"/>
+                <a16:creationId xmlns:a16="http://schemas.microsoft.com/office/drawing/2014/main" id="{B6BE840B-B08D-477F-FD9F-3334C4503020}"/>
               </a:ext>
             </a:extLst>
           </p:cNvPr>
@@ -5550,47 +5966,10 @@
       </p:sp>
       <p:sp>
         <p:nvSpPr>
-          <p:cNvPr id="5" name="Marcador de pie de página 4">
-            <a:extLst>
-              <a:ext uri="{FF2B5EF4-FFF2-40B4-BE49-F238E27FC236}">
-                <a16:creationId xmlns:a16="http://schemas.microsoft.com/office/drawing/2014/main" id="{1EC5CE2F-40C3-572F-CE15-31F8253473D5}"/>
-              </a:ext>
-            </a:extLst>
-          </p:cNvPr>
-          <p:cNvSpPr>
-            <a:spLocks noGrp="1"/>
-          </p:cNvSpPr>
-          <p:nvPr>
-            <p:ph type="ftr" sz="quarter" idx="11"/>
-          </p:nvPr>
-        </p:nvSpPr>
-        <p:spPr/>
-        <p:txBody>
-          <a:bodyPr/>
-          <a:lstStyle/>
-          <a:p>
-            <a:pPr defTabSz="422041">
-              <a:defRPr/>
-            </a:pPr>
-            <a:r>
-              <a:rPr lang="es-ES">
-                <a:solidFill>
-                  <a:prstClr val="black">
-                    <a:tint val="75000"/>
-                  </a:prstClr>
-                </a:solidFill>
-              </a:rPr>
-              <a:t>Introducción a la Ingeniería del Software</a:t>
-            </a:r>
-          </a:p>
-        </p:txBody>
-      </p:sp>
-      <p:sp>
-        <p:nvSpPr>
           <p:cNvPr id="6" name="Marcador de número de diapositiva 5">
             <a:extLst>
               <a:ext uri="{FF2B5EF4-FFF2-40B4-BE49-F238E27FC236}">
-                <a16:creationId xmlns:a16="http://schemas.microsoft.com/office/drawing/2014/main" id="{B8E15421-4BF1-3FDB-C7FC-74E252E34548}"/>
+                <a16:creationId xmlns:a16="http://schemas.microsoft.com/office/drawing/2014/main" id="{5EB6CB30-A328-58DB-6883-2323124C96BD}"/>
               </a:ext>
             </a:extLst>
           </p:cNvPr>
@@ -5621,556 +6000,6 @@
                 <a:defRPr/>
               </a:pPr>
               <a:t>14</a:t>
-            </a:fld>
-            <a:endParaRPr lang="es-ES">
-              <a:solidFill>
-                <a:prstClr val="black">
-                  <a:tint val="75000"/>
-                </a:prstClr>
-              </a:solidFill>
-            </a:endParaRPr>
-          </a:p>
-        </p:txBody>
-      </p:sp>
-      <p:sp>
-        <p:nvSpPr>
-          <p:cNvPr id="7" name="CuadroTexto 6">
-            <a:extLst>
-              <a:ext uri="{FF2B5EF4-FFF2-40B4-BE49-F238E27FC236}">
-                <a16:creationId xmlns:a16="http://schemas.microsoft.com/office/drawing/2014/main" id="{32BB325A-967A-522C-9BBA-3DD7FD9C1696}"/>
-              </a:ext>
-            </a:extLst>
-          </p:cNvPr>
-          <p:cNvSpPr txBox="1"/>
-          <p:nvPr/>
-        </p:nvSpPr>
-        <p:spPr>
-          <a:xfrm>
-            <a:off x="1008862" y="2057401"/>
-            <a:ext cx="7041257" cy="369332"/>
-          </a:xfrm>
-          <a:prstGeom prst="rect">
-            <a:avLst/>
-          </a:prstGeom>
-          <a:noFill/>
-        </p:spPr>
-        <p:txBody>
-          <a:bodyPr rot="0" spcFirstLastPara="0" vertOverflow="overflow" horzOverflow="overflow" vert="horz" wrap="square" lIns="91440" tIns="45720" rIns="91440" bIns="45720" numCol="1" spcCol="0" rtlCol="0" fromWordArt="0" anchor="t" anchorCtr="0" forceAA="0" compatLnSpc="1">
-            <a:prstTxWarp prst="textNoShape">
-              <a:avLst/>
-            </a:prstTxWarp>
-            <a:spAutoFit/>
-          </a:bodyPr>
-          <a:lstStyle/>
-          <a:p>
-            <a:pPr algn="ctr"/>
-            <a:r>
-              <a:rPr lang="es-ES" dirty="0">
-                <a:cs typeface="Calibri"/>
-              </a:rPr>
-              <a:t>Los clientes no deben depender de métodos que no usan.</a:t>
-            </a:r>
-            <a:endParaRPr lang="es-ES" dirty="0"/>
-          </a:p>
-        </p:txBody>
-      </p:sp>
-      <p:sp>
-        <p:nvSpPr>
-          <p:cNvPr id="8" name="CuadroTexto 7">
-            <a:extLst>
-              <a:ext uri="{FF2B5EF4-FFF2-40B4-BE49-F238E27FC236}">
-                <a16:creationId xmlns:a16="http://schemas.microsoft.com/office/drawing/2014/main" id="{54CF10D3-15E5-A419-31A3-072471BC19CE}"/>
-              </a:ext>
-            </a:extLst>
-          </p:cNvPr>
-          <p:cNvSpPr txBox="1"/>
-          <p:nvPr/>
-        </p:nvSpPr>
-        <p:spPr>
-          <a:xfrm>
-            <a:off x="1386715" y="2784764"/>
-            <a:ext cx="6720083" cy="1015663"/>
-          </a:xfrm>
-          <a:prstGeom prst="rect">
-            <a:avLst/>
-          </a:prstGeom>
-          <a:noFill/>
-        </p:spPr>
-        <p:txBody>
-          <a:bodyPr rot="0" spcFirstLastPara="0" vertOverflow="overflow" horzOverflow="overflow" vert="horz" wrap="square" lIns="91440" tIns="45720" rIns="91440" bIns="45720" numCol="1" spcCol="0" rtlCol="0" fromWordArt="0" anchor="t" anchorCtr="0" forceAA="0" compatLnSpc="1">
-            <a:prstTxWarp prst="textNoShape">
-              <a:avLst/>
-            </a:prstTxWarp>
-            <a:spAutoFit/>
-          </a:bodyPr>
-          <a:lstStyle/>
-          <a:p>
-            <a:pPr algn="ctr"/>
-            <a:r>
-              <a:rPr lang="es-ES" sz="2000" dirty="0">
-                <a:latin typeface="Helvetica"/>
-                <a:cs typeface="Calibri"/>
-              </a:rPr>
-              <a:t>En nuestro caso, solo hay una acción que el cliente puede hacer: jugar. Por lo que no es necesario segregar la interfaz según clientes.</a:t>
-            </a:r>
-            <a:endParaRPr lang="es-ES" dirty="0"/>
-          </a:p>
-        </p:txBody>
-      </p:sp>
-    </p:spTree>
-    <p:extLst>
-      <p:ext uri="{BB962C8B-B14F-4D97-AF65-F5344CB8AC3E}">
-        <p14:creationId xmlns:p14="http://schemas.microsoft.com/office/powerpoint/2010/main" val="1074668632"/>
-      </p:ext>
-    </p:extLst>
-  </p:cSld>
-  <p:clrMapOvr>
-    <a:masterClrMapping/>
-  </p:clrMapOvr>
-  <p:transition spd="slow">
-    <p:wipe/>
-  </p:transition>
-</p:sld>
-</file>
-
-<file path=ppt/slides/slide15.xml><?xml version="1.0" encoding="utf-8"?>
-<p:sld xmlns:a="http://schemas.openxmlformats.org/drawingml/2006/main" xmlns:r="http://schemas.openxmlformats.org/officeDocument/2006/relationships" xmlns:p="http://schemas.openxmlformats.org/presentationml/2006/main">
-  <p:cSld>
-    <p:spTree>
-      <p:nvGrpSpPr>
-        <p:cNvPr id="1" name=""/>
-        <p:cNvGrpSpPr/>
-        <p:nvPr/>
-      </p:nvGrpSpPr>
-      <p:grpSpPr>
-        <a:xfrm>
-          <a:off x="0" y="0"/>
-          <a:ext cx="0" cy="0"/>
-          <a:chOff x="0" y="0"/>
-          <a:chExt cx="0" cy="0"/>
-        </a:xfrm>
-      </p:grpSpPr>
-      <p:sp>
-        <p:nvSpPr>
-          <p:cNvPr id="2" name="Título 1">
-            <a:extLst>
-              <a:ext uri="{FF2B5EF4-FFF2-40B4-BE49-F238E27FC236}">
-                <a16:creationId xmlns:a16="http://schemas.microsoft.com/office/drawing/2014/main" id="{2D1E138D-3B6B-027A-F73C-264C72C6AB57}"/>
-              </a:ext>
-            </a:extLst>
-          </p:cNvPr>
-          <p:cNvSpPr>
-            <a:spLocks noGrp="1"/>
-          </p:cNvSpPr>
-          <p:nvPr>
-            <p:ph type="title"/>
-          </p:nvPr>
-        </p:nvSpPr>
-        <p:spPr/>
-        <p:txBody>
-          <a:bodyPr/>
-          <a:lstStyle/>
-          <a:p>
-            <a:r>
-              <a:rPr lang="es-ES" sz="2950" dirty="0">
-                <a:latin typeface="Geneva"/>
-              </a:rPr>
-              <a:t>Principios: SOLI</a:t>
-            </a:r>
-            <a:r>
-              <a:rPr lang="es-ES" sz="2950" dirty="0">
-                <a:solidFill>
-                  <a:srgbClr val="FF0000"/>
-                </a:solidFill>
-                <a:latin typeface="Geneva"/>
-              </a:rPr>
-              <a:t>D</a:t>
-            </a:r>
-            <a:endParaRPr lang="es-ES" dirty="0">
-              <a:solidFill>
-                <a:srgbClr val="FF0000"/>
-              </a:solidFill>
-            </a:endParaRPr>
-          </a:p>
-        </p:txBody>
-      </p:sp>
-      <p:sp>
-        <p:nvSpPr>
-          <p:cNvPr id="3" name="Marcador de contenido 2">
-            <a:extLst>
-              <a:ext uri="{FF2B5EF4-FFF2-40B4-BE49-F238E27FC236}">
-                <a16:creationId xmlns:a16="http://schemas.microsoft.com/office/drawing/2014/main" id="{9DD18A5F-0C10-A120-FFB2-8D2393134BD5}"/>
-              </a:ext>
-            </a:extLst>
-          </p:cNvPr>
-          <p:cNvSpPr>
-            <a:spLocks noGrp="1"/>
-          </p:cNvSpPr>
-          <p:nvPr>
-            <p:ph idx="1"/>
-          </p:nvPr>
-        </p:nvSpPr>
-        <p:spPr/>
-        <p:txBody>
-          <a:bodyPr vert="horz" lIns="91440" tIns="45720" rIns="91440" bIns="45720" rtlCol="0" anchor="t">
-            <a:normAutofit/>
-          </a:bodyPr>
-          <a:lstStyle/>
-          <a:p>
-            <a:pPr marL="210820" indent="-210820" algn="ctr"/>
-            <a:r>
-              <a:rPr lang="es-ES" sz="2950" dirty="0">
-                <a:latin typeface="Helvetica"/>
-                <a:ea typeface="Verdana"/>
-                <a:cs typeface="Arial"/>
-              </a:rPr>
-              <a:t>Principios de inversión de dependencias.</a:t>
-            </a:r>
-            <a:endParaRPr lang="es-ES" dirty="0"/>
-          </a:p>
-        </p:txBody>
-      </p:sp>
-      <p:sp>
-        <p:nvSpPr>
-          <p:cNvPr id="4" name="Marcador de fecha 3">
-            <a:extLst>
-              <a:ext uri="{FF2B5EF4-FFF2-40B4-BE49-F238E27FC236}">
-                <a16:creationId xmlns:a16="http://schemas.microsoft.com/office/drawing/2014/main" id="{54DC990E-1EBB-6251-4DFA-F42C4308BD99}"/>
-              </a:ext>
-            </a:extLst>
-          </p:cNvPr>
-          <p:cNvSpPr>
-            <a:spLocks noGrp="1"/>
-          </p:cNvSpPr>
-          <p:nvPr>
-            <p:ph type="dt" sz="half" idx="10"/>
-          </p:nvPr>
-        </p:nvSpPr>
-        <p:spPr/>
-        <p:txBody>
-          <a:bodyPr/>
-          <a:lstStyle/>
-          <a:p>
-            <a:pPr defTabSz="422041">
-              <a:defRPr/>
-            </a:pPr>
-            <a:r>
-              <a:rPr lang="es-ES">
-                <a:solidFill>
-                  <a:prstClr val="black">
-                    <a:tint val="75000"/>
-                  </a:prstClr>
-                </a:solidFill>
-              </a:rPr>
-              <a:t>Curso 2021-2022</a:t>
-            </a:r>
-          </a:p>
-        </p:txBody>
-      </p:sp>
-      <p:sp>
-        <p:nvSpPr>
-          <p:cNvPr id="5" name="Marcador de pie de página 4">
-            <a:extLst>
-              <a:ext uri="{FF2B5EF4-FFF2-40B4-BE49-F238E27FC236}">
-                <a16:creationId xmlns:a16="http://schemas.microsoft.com/office/drawing/2014/main" id="{D981E450-4611-C34E-EB0A-F9467582049B}"/>
-              </a:ext>
-            </a:extLst>
-          </p:cNvPr>
-          <p:cNvSpPr>
-            <a:spLocks noGrp="1"/>
-          </p:cNvSpPr>
-          <p:nvPr>
-            <p:ph type="ftr" sz="quarter" idx="11"/>
-          </p:nvPr>
-        </p:nvSpPr>
-        <p:spPr/>
-        <p:txBody>
-          <a:bodyPr/>
-          <a:lstStyle/>
-          <a:p>
-            <a:pPr defTabSz="422041">
-              <a:defRPr/>
-            </a:pPr>
-            <a:r>
-              <a:rPr lang="es-ES">
-                <a:solidFill>
-                  <a:prstClr val="black">
-                    <a:tint val="75000"/>
-                  </a:prstClr>
-                </a:solidFill>
-              </a:rPr>
-              <a:t>Introducción a la Ingeniería del Software</a:t>
-            </a:r>
-          </a:p>
-        </p:txBody>
-      </p:sp>
-      <p:sp>
-        <p:nvSpPr>
-          <p:cNvPr id="6" name="Marcador de número de diapositiva 5">
-            <a:extLst>
-              <a:ext uri="{FF2B5EF4-FFF2-40B4-BE49-F238E27FC236}">
-                <a16:creationId xmlns:a16="http://schemas.microsoft.com/office/drawing/2014/main" id="{D4471FDE-DDE5-9511-D1BE-993CE71CC939}"/>
-              </a:ext>
-            </a:extLst>
-          </p:cNvPr>
-          <p:cNvSpPr>
-            <a:spLocks noGrp="1"/>
-          </p:cNvSpPr>
-          <p:nvPr>
-            <p:ph type="sldNum" sz="quarter" idx="12"/>
-          </p:nvPr>
-        </p:nvSpPr>
-        <p:spPr/>
-        <p:txBody>
-          <a:bodyPr/>
-          <a:lstStyle/>
-          <a:p>
-            <a:pPr defTabSz="422041">
-              <a:defRPr/>
-            </a:pPr>
-            <a:fld id="{9961DA19-05BC-2C48-AEE7-B9DFD6D07410}" type="slidenum">
-              <a:rPr lang="es-ES" smtClean="0">
-                <a:solidFill>
-                  <a:prstClr val="black">
-                    <a:tint val="75000"/>
-                  </a:prstClr>
-                </a:solidFill>
-              </a:rPr>
-              <a:pPr defTabSz="422041">
-                <a:defRPr/>
-              </a:pPr>
-              <a:t>15</a:t>
-            </a:fld>
-            <a:endParaRPr lang="es-ES">
-              <a:solidFill>
-                <a:prstClr val="black">
-                  <a:tint val="75000"/>
-                </a:prstClr>
-              </a:solidFill>
-            </a:endParaRPr>
-          </a:p>
-        </p:txBody>
-      </p:sp>
-      <p:sp>
-        <p:nvSpPr>
-          <p:cNvPr id="7" name="CuadroTexto 6">
-            <a:extLst>
-              <a:ext uri="{FF2B5EF4-FFF2-40B4-BE49-F238E27FC236}">
-                <a16:creationId xmlns:a16="http://schemas.microsoft.com/office/drawing/2014/main" id="{EE566371-1E34-2DFA-7720-6E48067C5E32}"/>
-              </a:ext>
-            </a:extLst>
-          </p:cNvPr>
-          <p:cNvSpPr txBox="1"/>
-          <p:nvPr/>
-        </p:nvSpPr>
-        <p:spPr>
-          <a:xfrm>
-            <a:off x="1405607" y="2151863"/>
-            <a:ext cx="6115521" cy="369332"/>
-          </a:xfrm>
-          <a:prstGeom prst="rect">
-            <a:avLst/>
-          </a:prstGeom>
-          <a:noFill/>
-        </p:spPr>
-        <p:txBody>
-          <a:bodyPr rot="0" spcFirstLastPara="0" vertOverflow="overflow" horzOverflow="overflow" vert="horz" wrap="square" lIns="91440" tIns="45720" rIns="91440" bIns="45720" numCol="1" spcCol="0" rtlCol="0" fromWordArt="0" anchor="t" anchorCtr="0" forceAA="0" compatLnSpc="1">
-            <a:prstTxWarp prst="textNoShape">
-              <a:avLst/>
-            </a:prstTxWarp>
-            <a:spAutoFit/>
-          </a:bodyPr>
-          <a:lstStyle/>
-          <a:p>
-            <a:pPr algn="ctr"/>
-            <a:r>
-              <a:rPr lang="es-ES" dirty="0">
-                <a:latin typeface="Helvetica"/>
-                <a:cs typeface="Calibri"/>
-              </a:rPr>
-              <a:t>Depende de abstracciones no de implementaciones</a:t>
-            </a:r>
-            <a:endParaRPr lang="es-ES"/>
-          </a:p>
-        </p:txBody>
-      </p:sp>
-      <p:sp>
-        <p:nvSpPr>
-          <p:cNvPr id="8" name="CuadroTexto 7">
-            <a:extLst>
-              <a:ext uri="{FF2B5EF4-FFF2-40B4-BE49-F238E27FC236}">
-                <a16:creationId xmlns:a16="http://schemas.microsoft.com/office/drawing/2014/main" id="{8720B905-6BED-9829-6F0B-09568D419ED8}"/>
-              </a:ext>
-            </a:extLst>
-          </p:cNvPr>
-          <p:cNvSpPr txBox="1"/>
-          <p:nvPr/>
-        </p:nvSpPr>
-        <p:spPr>
-          <a:xfrm>
-            <a:off x="3200400" y="3200400"/>
-            <a:ext cx="2743200" cy="646331"/>
-          </a:xfrm>
-          <a:prstGeom prst="rect">
-            <a:avLst/>
-          </a:prstGeom>
-          <a:noFill/>
-        </p:spPr>
-        <p:txBody>
-          <a:bodyPr rot="0" spcFirstLastPara="0" vertOverflow="overflow" horzOverflow="overflow" vert="horz" wrap="square" lIns="91440" tIns="45720" rIns="91440" bIns="45720" numCol="1" spcCol="0" rtlCol="0" fromWordArt="0" anchor="t" anchorCtr="0" forceAA="0" compatLnSpc="1">
-            <a:prstTxWarp prst="textNoShape">
-              <a:avLst/>
-            </a:prstTxWarp>
-            <a:spAutoFit/>
-          </a:bodyPr>
-          <a:lstStyle/>
-          <a:p>
-            <a:r>
-              <a:rPr lang="es-ES" dirty="0">
-                <a:cs typeface="Calibri"/>
-              </a:rPr>
-              <a:t>[No tenemos clases abstractas al final?]</a:t>
-            </a:r>
-          </a:p>
-        </p:txBody>
-      </p:sp>
-    </p:spTree>
-    <p:extLst>
-      <p:ext uri="{BB962C8B-B14F-4D97-AF65-F5344CB8AC3E}">
-        <p14:creationId xmlns:p14="http://schemas.microsoft.com/office/powerpoint/2010/main" val="1385376970"/>
-      </p:ext>
-    </p:extLst>
-  </p:cSld>
-  <p:clrMapOvr>
-    <a:masterClrMapping/>
-  </p:clrMapOvr>
-  <p:transition spd="slow">
-    <p:wipe/>
-  </p:transition>
-</p:sld>
-</file>
-
-<file path=ppt/slides/slide16.xml><?xml version="1.0" encoding="utf-8"?>
-<p:sld xmlns:a="http://schemas.openxmlformats.org/drawingml/2006/main" xmlns:r="http://schemas.openxmlformats.org/officeDocument/2006/relationships" xmlns:p="http://schemas.openxmlformats.org/presentationml/2006/main">
-  <p:cSld>
-    <p:spTree>
-      <p:nvGrpSpPr>
-        <p:cNvPr id="1" name=""/>
-        <p:cNvGrpSpPr/>
-        <p:nvPr/>
-      </p:nvGrpSpPr>
-      <p:grpSpPr>
-        <a:xfrm>
-          <a:off x="0" y="0"/>
-          <a:ext cx="0" cy="0"/>
-          <a:chOff x="0" y="0"/>
-          <a:chExt cx="0" cy="0"/>
-        </a:xfrm>
-      </p:grpSpPr>
-      <p:sp>
-        <p:nvSpPr>
-          <p:cNvPr id="2" name="Título 1">
-            <a:extLst>
-              <a:ext uri="{FF2B5EF4-FFF2-40B4-BE49-F238E27FC236}">
-                <a16:creationId xmlns:a16="http://schemas.microsoft.com/office/drawing/2014/main" id="{5D976B5A-B1FE-AA44-5307-8983E17F6F45}"/>
-              </a:ext>
-            </a:extLst>
-          </p:cNvPr>
-          <p:cNvSpPr>
-            <a:spLocks noGrp="1"/>
-          </p:cNvSpPr>
-          <p:nvPr>
-            <p:ph type="title"/>
-          </p:nvPr>
-        </p:nvSpPr>
-        <p:spPr/>
-        <p:txBody>
-          <a:bodyPr/>
-          <a:lstStyle/>
-          <a:p>
-            <a:r>
-              <a:rPr lang="es-ES" sz="2950" dirty="0">
-                <a:latin typeface="Geneva"/>
-              </a:rPr>
-              <a:t>Pruebas</a:t>
-            </a:r>
-            <a:endParaRPr lang="es-ES" dirty="0"/>
-          </a:p>
-        </p:txBody>
-      </p:sp>
-      <p:sp>
-        <p:nvSpPr>
-          <p:cNvPr id="4" name="Marcador de fecha 3">
-            <a:extLst>
-              <a:ext uri="{FF2B5EF4-FFF2-40B4-BE49-F238E27FC236}">
-                <a16:creationId xmlns:a16="http://schemas.microsoft.com/office/drawing/2014/main" id="{B6BE840B-B08D-477F-FD9F-3334C4503020}"/>
-              </a:ext>
-            </a:extLst>
-          </p:cNvPr>
-          <p:cNvSpPr>
-            <a:spLocks noGrp="1"/>
-          </p:cNvSpPr>
-          <p:nvPr>
-            <p:ph type="dt" sz="half" idx="10"/>
-          </p:nvPr>
-        </p:nvSpPr>
-        <p:spPr/>
-        <p:txBody>
-          <a:bodyPr/>
-          <a:lstStyle/>
-          <a:p>
-            <a:pPr defTabSz="422041">
-              <a:defRPr/>
-            </a:pPr>
-            <a:r>
-              <a:rPr lang="es-ES">
-                <a:solidFill>
-                  <a:prstClr val="black">
-                    <a:tint val="75000"/>
-                  </a:prstClr>
-                </a:solidFill>
-              </a:rPr>
-              <a:t>Curso 2021-2022</a:t>
-            </a:r>
-          </a:p>
-        </p:txBody>
-      </p:sp>
-      <p:sp>
-        <p:nvSpPr>
-          <p:cNvPr id="6" name="Marcador de número de diapositiva 5">
-            <a:extLst>
-              <a:ext uri="{FF2B5EF4-FFF2-40B4-BE49-F238E27FC236}">
-                <a16:creationId xmlns:a16="http://schemas.microsoft.com/office/drawing/2014/main" id="{5EB6CB30-A328-58DB-6883-2323124C96BD}"/>
-              </a:ext>
-            </a:extLst>
-          </p:cNvPr>
-          <p:cNvSpPr>
-            <a:spLocks noGrp="1"/>
-          </p:cNvSpPr>
-          <p:nvPr>
-            <p:ph type="sldNum" sz="quarter" idx="12"/>
-          </p:nvPr>
-        </p:nvSpPr>
-        <p:spPr/>
-        <p:txBody>
-          <a:bodyPr/>
-          <a:lstStyle/>
-          <a:p>
-            <a:pPr defTabSz="422041">
-              <a:defRPr/>
-            </a:pPr>
-            <a:fld id="{9961DA19-05BC-2C48-AEE7-B9DFD6D07410}" type="slidenum">
-              <a:rPr lang="es-ES" smtClean="0">
-                <a:solidFill>
-                  <a:prstClr val="black">
-                    <a:tint val="75000"/>
-                  </a:prstClr>
-                </a:solidFill>
-              </a:rPr>
-              <a:pPr defTabSz="422041">
-                <a:defRPr/>
-              </a:pPr>
-              <a:t>16</a:t>
             </a:fld>
             <a:endParaRPr lang="es-ES">
               <a:solidFill>
@@ -6306,7 +6135,7 @@
 </p:sld>
 </file>
 
-<file path=ppt/slides/slide17.xml><?xml version="1.0" encoding="utf-8"?>
+<file path=ppt/slides/slide15.xml><?xml version="1.0" encoding="utf-8"?>
 <p:sld xmlns:a="http://schemas.openxmlformats.org/drawingml/2006/main" xmlns:r="http://schemas.openxmlformats.org/officeDocument/2006/relationships" xmlns:p="http://schemas.openxmlformats.org/presentationml/2006/main">
   <p:cSld>
     <p:spTree>
@@ -6345,14 +6174,14 @@
           <a:lstStyle/>
           <a:p>
             <a:r>
-              <a:rPr lang="es-ES" dirty="0"/>
+              <a:rPr lang="es-ES"/>
               <a:t>Pruebas </a:t>
             </a:r>
             <a:r>
-              <a:rPr lang="es-ES" dirty="0" err="1"/>
+              <a:rPr lang="es-ES" err="1"/>
               <a:t>Mockito</a:t>
             </a:r>
-            <a:endParaRPr lang="es-ES" dirty="0"/>
+            <a:endParaRPr lang="es-ES"/>
           </a:p>
         </p:txBody>
       </p:sp>
@@ -6465,7 +6294,7 @@
               <a:pPr defTabSz="422041">
                 <a:defRPr/>
               </a:pPr>
-              <a:t>17</a:t>
+              <a:t>15</a:t>
             </a:fld>
             <a:endParaRPr lang="es-ES">
               <a:solidFill>
@@ -6565,7 +6394,7 @@
 </p:sld>
 </file>
 
-<file path=ppt/slides/slide18.xml><?xml version="1.0" encoding="utf-8"?>
+<file path=ppt/slides/slide16.xml><?xml version="1.0" encoding="utf-8"?>
 <p:sld xmlns:a="http://schemas.openxmlformats.org/drawingml/2006/main" xmlns:r="http://schemas.openxmlformats.org/officeDocument/2006/relationships" xmlns:p="http://schemas.openxmlformats.org/presentationml/2006/main">
   <p:cSld>
     <p:spTree>
@@ -6604,12 +6433,12 @@
           <a:lstStyle/>
           <a:p>
             <a:r>
-              <a:rPr lang="es-ES" sz="2950" dirty="0">
+              <a:rPr lang="es-ES" sz="2950">
                 <a:latin typeface="Geneva"/>
               </a:rPr>
               <a:t>Estrategias y herramientas</a:t>
             </a:r>
-            <a:endParaRPr lang="es-ES" dirty="0"/>
+            <a:endParaRPr lang="es-ES"/>
           </a:p>
         </p:txBody>
       </p:sp>
@@ -6751,7 +6580,7 @@
               <a:pPr defTabSz="422041">
                 <a:defRPr/>
               </a:pPr>
-              <a:t>18</a:t>
+              <a:t>16</a:t>
             </a:fld>
             <a:endParaRPr lang="es-ES">
               <a:solidFill>
@@ -6953,18 +6782,851 @@
   <p:clrMapOvr>
     <a:masterClrMapping/>
   </p:clrMapOvr>
-  <mc:AlternateContent xmlns:mc="http://schemas.openxmlformats.org/markup-compatibility/2006">
-    <mc:Choice xmlns:p15="http://schemas.microsoft.com/office/powerpoint/2012/main" Requires="p15">
+  <mc:AlternateContent xmlns:mc="http://schemas.openxmlformats.org/markup-compatibility/2006" xmlns:p15="http://schemas.microsoft.com/office/powerpoint/2012/main">
+    <mc:Choice Requires="p15">
       <p:transition xmlns:p14="http://schemas.microsoft.com/office/powerpoint/2010/main" spd="slow" p14:dur="2000">
         <p15:prstTrans prst="wind"/>
       </p:transition>
     </mc:Choice>
-    <mc:Fallback>
+    <mc:Fallback xmlns="">
       <p:transition spd="slow">
         <p:fade/>
       </p:transition>
     </mc:Fallback>
   </mc:AlternateContent>
+</p:sld>
+</file>
+
+<file path=ppt/slides/slide17.xml><?xml version="1.0" encoding="utf-8"?>
+<p:sld xmlns:a="http://schemas.openxmlformats.org/drawingml/2006/main" xmlns:r="http://schemas.openxmlformats.org/officeDocument/2006/relationships" xmlns:p="http://schemas.openxmlformats.org/presentationml/2006/main">
+  <p:cSld>
+    <p:spTree>
+      <p:nvGrpSpPr>
+        <p:cNvPr id="1" name=""/>
+        <p:cNvGrpSpPr/>
+        <p:nvPr/>
+      </p:nvGrpSpPr>
+      <p:grpSpPr>
+        <a:xfrm>
+          <a:off x="0" y="0"/>
+          <a:ext cx="0" cy="0"/>
+          <a:chOff x="0" y="0"/>
+          <a:chExt cx="0" cy="0"/>
+        </a:xfrm>
+      </p:grpSpPr>
+      <p:sp>
+        <p:nvSpPr>
+          <p:cNvPr id="2" name="Título 1">
+            <a:extLst>
+              <a:ext uri="{FF2B5EF4-FFF2-40B4-BE49-F238E27FC236}">
+                <a16:creationId xmlns:a16="http://schemas.microsoft.com/office/drawing/2014/main" id="{C5ED3531-0A1F-A043-64DD-35538712DB2D}"/>
+              </a:ext>
+            </a:extLst>
+          </p:cNvPr>
+          <p:cNvSpPr>
+            <a:spLocks noGrp="1"/>
+          </p:cNvSpPr>
+          <p:nvPr>
+            <p:ph type="title"/>
+          </p:nvPr>
+        </p:nvSpPr>
+        <p:spPr/>
+        <p:txBody>
+          <a:bodyPr/>
+          <a:lstStyle/>
+          <a:p>
+            <a:r>
+              <a:rPr lang="es-ES" sz="2950">
+                <a:latin typeface="Geneva"/>
+              </a:rPr>
+              <a:t>Modelo de implementación</a:t>
+            </a:r>
+            <a:endParaRPr lang="es-ES"/>
+          </a:p>
+        </p:txBody>
+      </p:sp>
+      <p:sp>
+        <p:nvSpPr>
+          <p:cNvPr id="4" name="Marcador de fecha 3">
+            <a:extLst>
+              <a:ext uri="{FF2B5EF4-FFF2-40B4-BE49-F238E27FC236}">
+                <a16:creationId xmlns:a16="http://schemas.microsoft.com/office/drawing/2014/main" id="{D4847B75-18DD-CBF3-EF16-A0D415D4DE2E}"/>
+              </a:ext>
+            </a:extLst>
+          </p:cNvPr>
+          <p:cNvSpPr>
+            <a:spLocks noGrp="1"/>
+          </p:cNvSpPr>
+          <p:nvPr>
+            <p:ph type="dt" sz="half" idx="10"/>
+          </p:nvPr>
+        </p:nvSpPr>
+        <p:spPr/>
+        <p:txBody>
+          <a:bodyPr/>
+          <a:lstStyle/>
+          <a:p>
+            <a:pPr defTabSz="422041">
+              <a:defRPr/>
+            </a:pPr>
+            <a:r>
+              <a:rPr lang="es-ES">
+                <a:solidFill>
+                  <a:prstClr val="black">
+                    <a:tint val="75000"/>
+                  </a:prstClr>
+                </a:solidFill>
+              </a:rPr>
+              <a:t>Curso 2021-2022</a:t>
+            </a:r>
+          </a:p>
+        </p:txBody>
+      </p:sp>
+      <p:sp>
+        <p:nvSpPr>
+          <p:cNvPr id="5" name="Marcador de pie de página 4">
+            <a:extLst>
+              <a:ext uri="{FF2B5EF4-FFF2-40B4-BE49-F238E27FC236}">
+                <a16:creationId xmlns:a16="http://schemas.microsoft.com/office/drawing/2014/main" id="{57378490-425E-8E30-C013-E4B0359A613E}"/>
+              </a:ext>
+            </a:extLst>
+          </p:cNvPr>
+          <p:cNvSpPr>
+            <a:spLocks noGrp="1"/>
+          </p:cNvSpPr>
+          <p:nvPr>
+            <p:ph type="ftr" sz="quarter" idx="11"/>
+          </p:nvPr>
+        </p:nvSpPr>
+        <p:spPr/>
+        <p:txBody>
+          <a:bodyPr/>
+          <a:lstStyle/>
+          <a:p>
+            <a:pPr defTabSz="422041">
+              <a:defRPr/>
+            </a:pPr>
+            <a:r>
+              <a:rPr lang="es-ES">
+                <a:solidFill>
+                  <a:prstClr val="black">
+                    <a:tint val="75000"/>
+                  </a:prstClr>
+                </a:solidFill>
+              </a:rPr>
+              <a:t>Introducción a la Ingeniería del Software</a:t>
+            </a:r>
+          </a:p>
+        </p:txBody>
+      </p:sp>
+      <p:sp>
+        <p:nvSpPr>
+          <p:cNvPr id="6" name="Marcador de número de diapositiva 5">
+            <a:extLst>
+              <a:ext uri="{FF2B5EF4-FFF2-40B4-BE49-F238E27FC236}">
+                <a16:creationId xmlns:a16="http://schemas.microsoft.com/office/drawing/2014/main" id="{ACEBB465-F56D-1806-D128-E683C923D278}"/>
+              </a:ext>
+            </a:extLst>
+          </p:cNvPr>
+          <p:cNvSpPr>
+            <a:spLocks noGrp="1"/>
+          </p:cNvSpPr>
+          <p:nvPr>
+            <p:ph type="sldNum" sz="quarter" idx="12"/>
+          </p:nvPr>
+        </p:nvSpPr>
+        <p:spPr/>
+        <p:txBody>
+          <a:bodyPr/>
+          <a:lstStyle/>
+          <a:p>
+            <a:pPr defTabSz="422041">
+              <a:defRPr/>
+            </a:pPr>
+            <a:fld id="{9961DA19-05BC-2C48-AEE7-B9DFD6D07410}" type="slidenum">
+              <a:rPr lang="es-ES" smtClean="0">
+                <a:solidFill>
+                  <a:prstClr val="black">
+                    <a:tint val="75000"/>
+                  </a:prstClr>
+                </a:solidFill>
+              </a:rPr>
+              <a:pPr defTabSz="422041">
+                <a:defRPr/>
+              </a:pPr>
+              <a:t>17</a:t>
+            </a:fld>
+            <a:endParaRPr lang="es-ES">
+              <a:solidFill>
+                <a:prstClr val="black">
+                  <a:tint val="75000"/>
+                </a:prstClr>
+              </a:solidFill>
+            </a:endParaRPr>
+          </a:p>
+        </p:txBody>
+      </p:sp>
+      <p:sp>
+        <p:nvSpPr>
+          <p:cNvPr id="7" name="Cubo 6">
+            <a:extLst>
+              <a:ext uri="{FF2B5EF4-FFF2-40B4-BE49-F238E27FC236}">
+                <a16:creationId xmlns:a16="http://schemas.microsoft.com/office/drawing/2014/main" id="{80EDCF59-72AC-A413-0054-B3BC1B8E4519}"/>
+              </a:ext>
+            </a:extLst>
+          </p:cNvPr>
+          <p:cNvSpPr/>
+          <p:nvPr/>
+        </p:nvSpPr>
+        <p:spPr>
+          <a:xfrm>
+            <a:off x="1432320" y="1536230"/>
+            <a:ext cx="1218570" cy="1218570"/>
+          </a:xfrm>
+          <a:prstGeom prst="cube">
+            <a:avLst/>
+          </a:prstGeom>
+        </p:spPr>
+        <p:style>
+          <a:lnRef idx="2">
+            <a:schemeClr val="accent1">
+              <a:shade val="50000"/>
+            </a:schemeClr>
+          </a:lnRef>
+          <a:fillRef idx="1">
+            <a:schemeClr val="accent1"/>
+          </a:fillRef>
+          <a:effectRef idx="0">
+            <a:schemeClr val="accent1"/>
+          </a:effectRef>
+          <a:fontRef idx="minor">
+            <a:schemeClr val="lt1"/>
+          </a:fontRef>
+        </p:style>
+        <p:txBody>
+          <a:bodyPr rtlCol="0" anchor="ctr"/>
+          <a:lstStyle/>
+          <a:p>
+            <a:pPr algn="ctr"/>
+            <a:r>
+              <a:rPr lang="es-ES" dirty="0">
+                <a:cs typeface="Calibri"/>
+              </a:rPr>
+              <a:t>Diseño de las clases</a:t>
+            </a:r>
+            <a:endParaRPr lang="es-ES" dirty="0"/>
+          </a:p>
+        </p:txBody>
+      </p:sp>
+      <p:sp>
+        <p:nvSpPr>
+          <p:cNvPr id="8" name="Cubo 7">
+            <a:extLst>
+              <a:ext uri="{FF2B5EF4-FFF2-40B4-BE49-F238E27FC236}">
+                <a16:creationId xmlns:a16="http://schemas.microsoft.com/office/drawing/2014/main" id="{7A3D5722-162B-F26C-BBA3-C24E4BD6F857}"/>
+              </a:ext>
+            </a:extLst>
+          </p:cNvPr>
+          <p:cNvSpPr/>
+          <p:nvPr/>
+        </p:nvSpPr>
+        <p:spPr>
+          <a:xfrm>
+            <a:off x="5693774" y="1499626"/>
+            <a:ext cx="2106520" cy="1218570"/>
+          </a:xfrm>
+          <a:prstGeom prst="cube">
+            <a:avLst/>
+          </a:prstGeom>
+        </p:spPr>
+        <p:style>
+          <a:lnRef idx="2">
+            <a:schemeClr val="accent1">
+              <a:shade val="50000"/>
+            </a:schemeClr>
+          </a:lnRef>
+          <a:fillRef idx="1">
+            <a:schemeClr val="accent1"/>
+          </a:fillRef>
+          <a:effectRef idx="0">
+            <a:schemeClr val="accent1"/>
+          </a:effectRef>
+          <a:fontRef idx="minor">
+            <a:schemeClr val="lt1"/>
+          </a:fontRef>
+        </p:style>
+        <p:txBody>
+          <a:bodyPr rtlCol="0" anchor="ctr"/>
+          <a:lstStyle/>
+          <a:p>
+            <a:pPr algn="ctr"/>
+            <a:r>
+              <a:rPr lang="es-ES" dirty="0">
+                <a:cs typeface="Calibri"/>
+              </a:rPr>
+              <a:t>Implementación en java</a:t>
+            </a:r>
+            <a:endParaRPr lang="es-ES" dirty="0"/>
+          </a:p>
+        </p:txBody>
+      </p:sp>
+      <p:sp>
+        <p:nvSpPr>
+          <p:cNvPr id="9" name="Cubo 8">
+            <a:extLst>
+              <a:ext uri="{FF2B5EF4-FFF2-40B4-BE49-F238E27FC236}">
+                <a16:creationId xmlns:a16="http://schemas.microsoft.com/office/drawing/2014/main" id="{82370386-D795-6E04-29EE-8C4AE0AB2528}"/>
+              </a:ext>
+            </a:extLst>
+          </p:cNvPr>
+          <p:cNvSpPr/>
+          <p:nvPr/>
+        </p:nvSpPr>
+        <p:spPr>
+          <a:xfrm>
+            <a:off x="1434682" y="3815145"/>
+            <a:ext cx="1218570" cy="1218570"/>
+          </a:xfrm>
+          <a:prstGeom prst="cube">
+            <a:avLst/>
+          </a:prstGeom>
+        </p:spPr>
+        <p:style>
+          <a:lnRef idx="2">
+            <a:schemeClr val="accent1">
+              <a:shade val="50000"/>
+            </a:schemeClr>
+          </a:lnRef>
+          <a:fillRef idx="1">
+            <a:schemeClr val="accent1"/>
+          </a:fillRef>
+          <a:effectRef idx="0">
+            <a:schemeClr val="accent1"/>
+          </a:effectRef>
+          <a:fontRef idx="minor">
+            <a:schemeClr val="lt1"/>
+          </a:fontRef>
+        </p:style>
+        <p:txBody>
+          <a:bodyPr rtlCol="0" anchor="ctr"/>
+          <a:lstStyle/>
+          <a:p>
+            <a:pPr algn="ctr"/>
+            <a:r>
+              <a:rPr lang="es-ES" dirty="0">
+                <a:cs typeface="Calibri"/>
+              </a:rPr>
+              <a:t>Revisar errores</a:t>
+            </a:r>
+          </a:p>
+        </p:txBody>
+      </p:sp>
+      <p:sp>
+        <p:nvSpPr>
+          <p:cNvPr id="10" name="Cubo 9">
+            <a:extLst>
+              <a:ext uri="{FF2B5EF4-FFF2-40B4-BE49-F238E27FC236}">
+                <a16:creationId xmlns:a16="http://schemas.microsoft.com/office/drawing/2014/main" id="{59C88A91-AB48-8DE9-C060-89A1ED503090}"/>
+              </a:ext>
+            </a:extLst>
+          </p:cNvPr>
+          <p:cNvSpPr/>
+          <p:nvPr/>
+        </p:nvSpPr>
+        <p:spPr>
+          <a:xfrm>
+            <a:off x="6007862" y="3816326"/>
+            <a:ext cx="1483065" cy="1218570"/>
+          </a:xfrm>
+          <a:prstGeom prst="cube">
+            <a:avLst/>
+          </a:prstGeom>
+        </p:spPr>
+        <p:style>
+          <a:lnRef idx="2">
+            <a:schemeClr val="accent1">
+              <a:shade val="50000"/>
+            </a:schemeClr>
+          </a:lnRef>
+          <a:fillRef idx="1">
+            <a:schemeClr val="accent1"/>
+          </a:fillRef>
+          <a:effectRef idx="0">
+            <a:schemeClr val="accent1"/>
+          </a:effectRef>
+          <a:fontRef idx="minor">
+            <a:schemeClr val="lt1"/>
+          </a:fontRef>
+        </p:style>
+        <p:txBody>
+          <a:bodyPr rtlCol="0" anchor="ctr"/>
+          <a:lstStyle/>
+          <a:p>
+            <a:pPr algn="ctr"/>
+            <a:r>
+              <a:rPr lang="es-ES" dirty="0">
+                <a:cs typeface="Calibri"/>
+              </a:rPr>
+              <a:t>Extender las clases</a:t>
+            </a:r>
+            <a:endParaRPr lang="es-ES" dirty="0"/>
+          </a:p>
+        </p:txBody>
+      </p:sp>
+      <p:sp>
+        <p:nvSpPr>
+          <p:cNvPr id="11" name="Flecha: a la derecha 10">
+            <a:extLst>
+              <a:ext uri="{FF2B5EF4-FFF2-40B4-BE49-F238E27FC236}">
+                <a16:creationId xmlns:a16="http://schemas.microsoft.com/office/drawing/2014/main" id="{4C7A94E6-A1F6-F43A-CC53-AF567913DD95}"/>
+              </a:ext>
+            </a:extLst>
+          </p:cNvPr>
+          <p:cNvSpPr/>
+          <p:nvPr/>
+        </p:nvSpPr>
+        <p:spPr>
+          <a:xfrm>
+            <a:off x="2963411" y="1868928"/>
+            <a:ext cx="2446585" cy="481760"/>
+          </a:xfrm>
+          <a:prstGeom prst="rightArrow">
+            <a:avLst/>
+          </a:prstGeom>
+          <a:solidFill>
+            <a:schemeClr val="accent5">
+              <a:lumMod val="60000"/>
+              <a:lumOff val="40000"/>
+            </a:schemeClr>
+          </a:solidFill>
+        </p:spPr>
+        <p:style>
+          <a:lnRef idx="2">
+            <a:schemeClr val="accent1">
+              <a:shade val="50000"/>
+            </a:schemeClr>
+          </a:lnRef>
+          <a:fillRef idx="1">
+            <a:schemeClr val="accent1"/>
+          </a:fillRef>
+          <a:effectRef idx="0">
+            <a:schemeClr val="accent1"/>
+          </a:effectRef>
+          <a:fontRef idx="minor">
+            <a:schemeClr val="lt1"/>
+          </a:fontRef>
+        </p:style>
+        <p:txBody>
+          <a:bodyPr rtlCol="0" anchor="ctr"/>
+          <a:lstStyle/>
+          <a:p>
+            <a:pPr algn="ctr"/>
+            <a:endParaRPr lang="es-ES"/>
+          </a:p>
+        </p:txBody>
+      </p:sp>
+      <p:sp>
+        <p:nvSpPr>
+          <p:cNvPr id="12" name="Flecha: hacia la izquierda 11">
+            <a:extLst>
+              <a:ext uri="{FF2B5EF4-FFF2-40B4-BE49-F238E27FC236}">
+                <a16:creationId xmlns:a16="http://schemas.microsoft.com/office/drawing/2014/main" id="{ADBD9A78-683E-2CE1-2298-F2947402E16D}"/>
+              </a:ext>
+            </a:extLst>
+          </p:cNvPr>
+          <p:cNvSpPr/>
+          <p:nvPr/>
+        </p:nvSpPr>
+        <p:spPr>
+          <a:xfrm rot="20460000">
+            <a:off x="2822833" y="3044221"/>
+            <a:ext cx="2654404" cy="462868"/>
+          </a:xfrm>
+          <a:prstGeom prst="leftArrow">
+            <a:avLst/>
+          </a:prstGeom>
+          <a:solidFill>
+            <a:schemeClr val="accent5">
+              <a:lumMod val="60000"/>
+              <a:lumOff val="40000"/>
+            </a:schemeClr>
+          </a:solidFill>
+        </p:spPr>
+        <p:style>
+          <a:lnRef idx="2">
+            <a:schemeClr val="accent1">
+              <a:shade val="50000"/>
+            </a:schemeClr>
+          </a:lnRef>
+          <a:fillRef idx="1">
+            <a:schemeClr val="accent1"/>
+          </a:fillRef>
+          <a:effectRef idx="0">
+            <a:schemeClr val="accent1"/>
+          </a:effectRef>
+          <a:fontRef idx="minor">
+            <a:schemeClr val="lt1"/>
+          </a:fontRef>
+        </p:style>
+        <p:txBody>
+          <a:bodyPr rtlCol="0" anchor="ctr"/>
+          <a:lstStyle/>
+          <a:p>
+            <a:pPr algn="ctr"/>
+            <a:endParaRPr lang="es-ES"/>
+          </a:p>
+        </p:txBody>
+      </p:sp>
+      <p:sp>
+        <p:nvSpPr>
+          <p:cNvPr id="13" name="Flecha: a la izquierda y derecha 12">
+            <a:extLst>
+              <a:ext uri="{FF2B5EF4-FFF2-40B4-BE49-F238E27FC236}">
+                <a16:creationId xmlns:a16="http://schemas.microsoft.com/office/drawing/2014/main" id="{73C412EF-AB21-1D7D-CCB4-035E668E4F37}"/>
+              </a:ext>
+            </a:extLst>
+          </p:cNvPr>
+          <p:cNvSpPr/>
+          <p:nvPr/>
+        </p:nvSpPr>
+        <p:spPr>
+          <a:xfrm>
+            <a:off x="2818563" y="4185628"/>
+            <a:ext cx="2871667" cy="481760"/>
+          </a:xfrm>
+          <a:prstGeom prst="leftRightArrow">
+            <a:avLst/>
+          </a:prstGeom>
+          <a:solidFill>
+            <a:schemeClr val="accent5">
+              <a:lumMod val="60000"/>
+              <a:lumOff val="40000"/>
+            </a:schemeClr>
+          </a:solidFill>
+        </p:spPr>
+        <p:style>
+          <a:lnRef idx="2">
+            <a:schemeClr val="accent1">
+              <a:shade val="50000"/>
+            </a:schemeClr>
+          </a:lnRef>
+          <a:fillRef idx="1">
+            <a:schemeClr val="accent1"/>
+          </a:fillRef>
+          <a:effectRef idx="0">
+            <a:schemeClr val="accent1"/>
+          </a:effectRef>
+          <a:fontRef idx="minor">
+            <a:schemeClr val="lt1"/>
+          </a:fontRef>
+        </p:style>
+        <p:txBody>
+          <a:bodyPr rtlCol="0" anchor="ctr"/>
+          <a:lstStyle/>
+          <a:p>
+            <a:pPr algn="ctr"/>
+            <a:endParaRPr lang="es-ES"/>
+          </a:p>
+        </p:txBody>
+      </p:sp>
+    </p:spTree>
+    <p:extLst>
+      <p:ext uri="{BB962C8B-B14F-4D97-AF65-F5344CB8AC3E}">
+        <p14:creationId xmlns:p14="http://schemas.microsoft.com/office/powerpoint/2010/main" val="481817417"/>
+      </p:ext>
+    </p:extLst>
+  </p:cSld>
+  <p:clrMapOvr>
+    <a:masterClrMapping/>
+  </p:clrMapOvr>
+  <mc:AlternateContent xmlns:mc="http://schemas.openxmlformats.org/markup-compatibility/2006" xmlns:p14="http://schemas.microsoft.com/office/powerpoint/2010/main">
+    <mc:Choice Requires="p14">
+      <p:transition spd="med" p14:dur="700">
+        <p:fade/>
+      </p:transition>
+    </mc:Choice>
+    <mc:Fallback xmlns="">
+      <p:transition spd="med">
+        <p:fade/>
+      </p:transition>
+    </mc:Fallback>
+  </mc:AlternateContent>
+</p:sld>
+</file>
+
+<file path=ppt/slides/slide18.xml><?xml version="1.0" encoding="utf-8"?>
+<p:sld xmlns:a="http://schemas.openxmlformats.org/drawingml/2006/main" xmlns:r="http://schemas.openxmlformats.org/officeDocument/2006/relationships" xmlns:p="http://schemas.openxmlformats.org/presentationml/2006/main">
+  <p:cSld>
+    <p:spTree>
+      <p:nvGrpSpPr>
+        <p:cNvPr id="1" name=""/>
+        <p:cNvGrpSpPr/>
+        <p:nvPr/>
+      </p:nvGrpSpPr>
+      <p:grpSpPr>
+        <a:xfrm>
+          <a:off x="0" y="0"/>
+          <a:ext cx="0" cy="0"/>
+          <a:chOff x="0" y="0"/>
+          <a:chExt cx="0" cy="0"/>
+        </a:xfrm>
+      </p:grpSpPr>
+      <p:sp>
+        <p:nvSpPr>
+          <p:cNvPr id="2" name="Título 1">
+            <a:extLst>
+              <a:ext uri="{FF2B5EF4-FFF2-40B4-BE49-F238E27FC236}">
+                <a16:creationId xmlns:a16="http://schemas.microsoft.com/office/drawing/2014/main" id="{716DC1C7-47F9-BFD5-350F-151ED6AFEAD1}"/>
+              </a:ext>
+            </a:extLst>
+          </p:cNvPr>
+          <p:cNvSpPr>
+            <a:spLocks noGrp="1"/>
+          </p:cNvSpPr>
+          <p:nvPr>
+            <p:ph type="title"/>
+          </p:nvPr>
+        </p:nvSpPr>
+        <p:spPr>
+          <a:xfrm>
+            <a:off x="1077599" y="332894"/>
+            <a:ext cx="7213760" cy="1325563"/>
+          </a:xfrm>
+        </p:spPr>
+        <p:txBody>
+          <a:bodyPr/>
+          <a:lstStyle/>
+          <a:p>
+            <a:r>
+              <a:rPr lang="es-ES" sz="2950">
+                <a:latin typeface="Geneva"/>
+              </a:rPr>
+              <a:t>Despliegue</a:t>
+            </a:r>
+            <a:endParaRPr lang="es-ES"/>
+          </a:p>
+        </p:txBody>
+      </p:sp>
+      <p:sp>
+        <p:nvSpPr>
+          <p:cNvPr id="4" name="Marcador de fecha 3">
+            <a:extLst>
+              <a:ext uri="{FF2B5EF4-FFF2-40B4-BE49-F238E27FC236}">
+                <a16:creationId xmlns:a16="http://schemas.microsoft.com/office/drawing/2014/main" id="{BE238069-DA65-249C-23DD-EF9C77B85CEA}"/>
+              </a:ext>
+            </a:extLst>
+          </p:cNvPr>
+          <p:cNvSpPr>
+            <a:spLocks noGrp="1"/>
+          </p:cNvSpPr>
+          <p:nvPr>
+            <p:ph type="dt" sz="half" idx="10"/>
+          </p:nvPr>
+        </p:nvSpPr>
+        <p:spPr/>
+        <p:txBody>
+          <a:bodyPr/>
+          <a:lstStyle/>
+          <a:p>
+            <a:pPr defTabSz="422041">
+              <a:defRPr/>
+            </a:pPr>
+            <a:r>
+              <a:rPr lang="es-ES">
+                <a:solidFill>
+                  <a:prstClr val="black">
+                    <a:tint val="75000"/>
+                  </a:prstClr>
+                </a:solidFill>
+              </a:rPr>
+              <a:t>Curso 2021-2022</a:t>
+            </a:r>
+          </a:p>
+        </p:txBody>
+      </p:sp>
+      <p:sp>
+        <p:nvSpPr>
+          <p:cNvPr id="5" name="Marcador de pie de página 4">
+            <a:extLst>
+              <a:ext uri="{FF2B5EF4-FFF2-40B4-BE49-F238E27FC236}">
+                <a16:creationId xmlns:a16="http://schemas.microsoft.com/office/drawing/2014/main" id="{B2AFDCA4-CA78-E226-2312-E1280DF453EE}"/>
+              </a:ext>
+            </a:extLst>
+          </p:cNvPr>
+          <p:cNvSpPr>
+            <a:spLocks noGrp="1"/>
+          </p:cNvSpPr>
+          <p:nvPr>
+            <p:ph type="ftr" sz="quarter" idx="11"/>
+          </p:nvPr>
+        </p:nvSpPr>
+        <p:spPr/>
+        <p:txBody>
+          <a:bodyPr/>
+          <a:lstStyle/>
+          <a:p>
+            <a:pPr defTabSz="422041">
+              <a:defRPr/>
+            </a:pPr>
+            <a:r>
+              <a:rPr lang="es-ES">
+                <a:solidFill>
+                  <a:prstClr val="black">
+                    <a:tint val="75000"/>
+                  </a:prstClr>
+                </a:solidFill>
+              </a:rPr>
+              <a:t>Introducción a la Ingeniería del Software</a:t>
+            </a:r>
+          </a:p>
+        </p:txBody>
+      </p:sp>
+      <p:sp>
+        <p:nvSpPr>
+          <p:cNvPr id="6" name="Marcador de número de diapositiva 5">
+            <a:extLst>
+              <a:ext uri="{FF2B5EF4-FFF2-40B4-BE49-F238E27FC236}">
+                <a16:creationId xmlns:a16="http://schemas.microsoft.com/office/drawing/2014/main" id="{A967FD6E-BE5E-7F9F-165B-32C7A20A4844}"/>
+              </a:ext>
+            </a:extLst>
+          </p:cNvPr>
+          <p:cNvSpPr>
+            <a:spLocks noGrp="1"/>
+          </p:cNvSpPr>
+          <p:nvPr>
+            <p:ph type="sldNum" sz="quarter" idx="12"/>
+          </p:nvPr>
+        </p:nvSpPr>
+        <p:spPr/>
+        <p:txBody>
+          <a:bodyPr/>
+          <a:lstStyle/>
+          <a:p>
+            <a:pPr defTabSz="422041">
+              <a:defRPr/>
+            </a:pPr>
+            <a:fld id="{9961DA19-05BC-2C48-AEE7-B9DFD6D07410}" type="slidenum">
+              <a:rPr lang="es-ES" smtClean="0">
+                <a:solidFill>
+                  <a:prstClr val="black">
+                    <a:tint val="75000"/>
+                  </a:prstClr>
+                </a:solidFill>
+              </a:rPr>
+              <a:pPr defTabSz="422041">
+                <a:defRPr/>
+              </a:pPr>
+              <a:t>18</a:t>
+            </a:fld>
+            <a:endParaRPr lang="es-ES">
+              <a:solidFill>
+                <a:prstClr val="black">
+                  <a:tint val="75000"/>
+                </a:prstClr>
+              </a:solidFill>
+            </a:endParaRPr>
+          </a:p>
+        </p:txBody>
+      </p:sp>
+      <p:sp>
+        <p:nvSpPr>
+          <p:cNvPr id="13" name="CuadroTexto 12">
+            <a:extLst>
+              <a:ext uri="{FF2B5EF4-FFF2-40B4-BE49-F238E27FC236}">
+                <a16:creationId xmlns:a16="http://schemas.microsoft.com/office/drawing/2014/main" id="{73A2389F-A71D-E8A7-21AF-22DABF951281}"/>
+              </a:ext>
+            </a:extLst>
+          </p:cNvPr>
+          <p:cNvSpPr txBox="1"/>
+          <p:nvPr/>
+        </p:nvSpPr>
+        <p:spPr>
+          <a:xfrm>
+            <a:off x="1074988" y="2019614"/>
+            <a:ext cx="4018446" cy="1631216"/>
+          </a:xfrm>
+          <a:prstGeom prst="rect">
+            <a:avLst/>
+          </a:prstGeom>
+          <a:noFill/>
+        </p:spPr>
+        <p:txBody>
+          <a:bodyPr rot="0" spcFirstLastPara="0" vertOverflow="overflow" horzOverflow="overflow" vert="horz" wrap="square" lIns="91440" tIns="45720" rIns="91440" bIns="45720" numCol="1" spcCol="0" rtlCol="0" fromWordArt="0" anchor="t" anchorCtr="0" forceAA="0" compatLnSpc="1">
+            <a:prstTxWarp prst="textNoShape">
+              <a:avLst/>
+            </a:prstTxWarp>
+            <a:spAutoFit/>
+          </a:bodyPr>
+          <a:lstStyle/>
+          <a:p>
+            <a:r>
+              <a:rPr lang="es-ES" sz="2000" dirty="0">
+                <a:cs typeface="Calibri"/>
+              </a:rPr>
+              <a:t>Nuestro proyecto se ha decantado por la creación de una aplicación de uso local, en el propio dispositivo. Ya que su fácil implementación nos ha facilitado el desarrollo de la misma. </a:t>
+            </a:r>
+          </a:p>
+        </p:txBody>
+      </p:sp>
+      <p:sp>
+        <p:nvSpPr>
+          <p:cNvPr id="15" name="CuadroTexto 14">
+            <a:extLst>
+              <a:ext uri="{FF2B5EF4-FFF2-40B4-BE49-F238E27FC236}">
+                <a16:creationId xmlns:a16="http://schemas.microsoft.com/office/drawing/2014/main" id="{9280B94B-8470-09AC-3952-5039126B5AD9}"/>
+              </a:ext>
+            </a:extLst>
+          </p:cNvPr>
+          <p:cNvSpPr txBox="1"/>
+          <p:nvPr/>
+        </p:nvSpPr>
+        <p:spPr>
+          <a:xfrm>
+            <a:off x="5402564" y="3796695"/>
+            <a:ext cx="2620398" cy="1569660"/>
+          </a:xfrm>
+          <a:prstGeom prst="rect">
+            <a:avLst/>
+          </a:prstGeom>
+          <a:noFill/>
+        </p:spPr>
+        <p:txBody>
+          <a:bodyPr rot="0" spcFirstLastPara="0" vertOverflow="overflow" horzOverflow="overflow" vert="horz" wrap="square" lIns="91440" tIns="45720" rIns="91440" bIns="45720" numCol="1" spcCol="0" rtlCol="0" fromWordArt="0" anchor="t" anchorCtr="0" forceAA="0" compatLnSpc="1">
+            <a:prstTxWarp prst="textNoShape">
+              <a:avLst/>
+            </a:prstTxWarp>
+            <a:spAutoFit/>
+          </a:bodyPr>
+          <a:lstStyle/>
+          <a:p>
+            <a:pPr algn="l"/>
+            <a:r>
+              <a:rPr lang="es-ES" sz="9600" dirty="0">
+                <a:solidFill>
+                  <a:srgbClr val="FF0000"/>
+                </a:solidFill>
+                <a:latin typeface="Malgun Gothic"/>
+                <a:ea typeface="FangSong"/>
+                <a:cs typeface="Calibri"/>
+              </a:rPr>
+              <a:t>GUI</a:t>
+            </a:r>
+          </a:p>
+        </p:txBody>
+      </p:sp>
+    </p:spTree>
+    <p:extLst>
+      <p:ext uri="{BB962C8B-B14F-4D97-AF65-F5344CB8AC3E}">
+        <p14:creationId xmlns:p14="http://schemas.microsoft.com/office/powerpoint/2010/main" val="1400691828"/>
+      </p:ext>
+    </p:extLst>
+  </p:cSld>
+  <p:clrMapOvr>
+    <a:masterClrMapping/>
+  </p:clrMapOvr>
+  <p:transition spd="slow">
+    <p:push dir="u"/>
+  </p:transition>
 </p:sld>
 </file>
 
@@ -6990,7 +7652,7 @@
           <p:cNvPr id="2" name="Título 1">
             <a:extLst>
               <a:ext uri="{FF2B5EF4-FFF2-40B4-BE49-F238E27FC236}">
-                <a16:creationId xmlns:a16="http://schemas.microsoft.com/office/drawing/2014/main" id="{C5ED3531-0A1F-A043-64DD-35538712DB2D}"/>
+                <a16:creationId xmlns:a16="http://schemas.microsoft.com/office/drawing/2014/main" id="{DB4AA116-C933-9E52-C281-9FAA77C04474}"/>
               </a:ext>
             </a:extLst>
           </p:cNvPr>
@@ -7007,12 +7669,12 @@
           <a:lstStyle/>
           <a:p>
             <a:r>
-              <a:rPr lang="es-ES" sz="2950" dirty="0">
+              <a:rPr lang="es-ES" sz="2950">
                 <a:latin typeface="Geneva"/>
               </a:rPr>
-              <a:t>Modelo de implementación</a:t>
-            </a:r>
-            <a:endParaRPr lang="es-ES" dirty="0"/>
+              <a:t>Resultado</a:t>
+            </a:r>
+            <a:endParaRPr lang="es-ES"/>
           </a:p>
         </p:txBody>
       </p:sp>
@@ -7021,7 +7683,7 @@
           <p:cNvPr id="3" name="Marcador de contenido 2">
             <a:extLst>
               <a:ext uri="{FF2B5EF4-FFF2-40B4-BE49-F238E27FC236}">
-                <a16:creationId xmlns:a16="http://schemas.microsoft.com/office/drawing/2014/main" id="{E62DBD75-7DB7-1939-1686-8A8BBCDE7026}"/>
+                <a16:creationId xmlns:a16="http://schemas.microsoft.com/office/drawing/2014/main" id="{EE4FFB27-31A8-318E-ED1A-888384AB2567}"/>
               </a:ext>
             </a:extLst>
           </p:cNvPr>
@@ -7042,7 +7704,19 @@
             <a:pPr marL="0" indent="0">
               <a:buNone/>
             </a:pPr>
-            <a:endParaRPr lang="es-ES"/>
+            <a:r>
+              <a:rPr lang="es-ES" sz="2950">
+                <a:latin typeface="Helvetica"/>
+                <a:ea typeface="Verdana"/>
+                <a:cs typeface="Arial"/>
+              </a:rPr>
+              <a:t>[insertar juego, ya sea vídeo/fotos]</a:t>
+            </a:r>
+            <a:endParaRPr lang="es-ES">
+              <a:latin typeface="Helvetica"/>
+              <a:ea typeface="Verdana"/>
+              <a:cs typeface="Arial"/>
+            </a:endParaRPr>
           </a:p>
         </p:txBody>
       </p:sp>
@@ -7051,7 +7725,7 @@
           <p:cNvPr id="4" name="Marcador de fecha 3">
             <a:extLst>
               <a:ext uri="{FF2B5EF4-FFF2-40B4-BE49-F238E27FC236}">
-                <a16:creationId xmlns:a16="http://schemas.microsoft.com/office/drawing/2014/main" id="{D4847B75-18DD-CBF3-EF16-A0D415D4DE2E}"/>
+                <a16:creationId xmlns:a16="http://schemas.microsoft.com/office/drawing/2014/main" id="{1EB9E022-F408-00BB-78A6-1C6E4BA0435F}"/>
               </a:ext>
             </a:extLst>
           </p:cNvPr>
@@ -7088,7 +7762,7 @@
           <p:cNvPr id="5" name="Marcador de pie de página 4">
             <a:extLst>
               <a:ext uri="{FF2B5EF4-FFF2-40B4-BE49-F238E27FC236}">
-                <a16:creationId xmlns:a16="http://schemas.microsoft.com/office/drawing/2014/main" id="{57378490-425E-8E30-C013-E4B0359A613E}"/>
+                <a16:creationId xmlns:a16="http://schemas.microsoft.com/office/drawing/2014/main" id="{1B3C5079-31D3-79EA-E684-4186CBD56FD6}"/>
               </a:ext>
             </a:extLst>
           </p:cNvPr>
@@ -7125,7 +7799,7 @@
           <p:cNvPr id="6" name="Marcador de número de diapositiva 5">
             <a:extLst>
               <a:ext uri="{FF2B5EF4-FFF2-40B4-BE49-F238E27FC236}">
-                <a16:creationId xmlns:a16="http://schemas.microsoft.com/office/drawing/2014/main" id="{ACEBB465-F56D-1806-D128-E683C923D278}"/>
+                <a16:creationId xmlns:a16="http://schemas.microsoft.com/office/drawing/2014/main" id="{6DDEB637-CB45-4005-F767-E99503EAA5CA}"/>
               </a:ext>
             </a:extLst>
           </p:cNvPr>
@@ -7170,21 +7844,21 @@
     </p:spTree>
     <p:extLst>
       <p:ext uri="{BB962C8B-B14F-4D97-AF65-F5344CB8AC3E}">
-        <p14:creationId xmlns:p14="http://schemas.microsoft.com/office/powerpoint/2010/main" val="481817417"/>
+        <p14:creationId xmlns:p14="http://schemas.microsoft.com/office/powerpoint/2010/main" val="3149934396"/>
       </p:ext>
     </p:extLst>
   </p:cSld>
   <p:clrMapOvr>
     <a:masterClrMapping/>
   </p:clrMapOvr>
-  <mc:AlternateContent xmlns:mc="http://schemas.openxmlformats.org/markup-compatibility/2006">
-    <mc:Choice xmlns:p14="http://schemas.microsoft.com/office/powerpoint/2010/main" Requires="p14">
-      <p:transition spd="med" p14:dur="700">
-        <p:fade/>
+  <mc:AlternateContent xmlns:mc="http://schemas.openxmlformats.org/markup-compatibility/2006" xmlns:p14="http://schemas.microsoft.com/office/powerpoint/2010/main">
+    <mc:Choice Requires="p14">
+      <p:transition spd="slow" p14:dur="900">
+        <p14:warp dir="in"/>
       </p:transition>
     </mc:Choice>
-    <mc:Fallback>
-      <p:transition spd="med">
+    <mc:Fallback xmlns="">
+      <p:transition spd="slow">
         <p:fade/>
       </p:transition>
     </mc:Fallback>
@@ -7225,7 +7899,7 @@
           <a:lstStyle/>
           <a:p>
             <a:r>
-              <a:rPr lang="es-ES" dirty="0"/>
+              <a:rPr lang="es-ES"/>
               <a:t>Índice de contenidos</a:t>
             </a:r>
           </a:p>
@@ -7254,106 +7928,106 @@
           <a:lstStyle/>
           <a:p>
             <a:r>
-              <a:rPr lang="es-ES" dirty="0"/>
+              <a:rPr lang="es-ES"/>
               <a:t>Introducción – El problema</a:t>
             </a:r>
           </a:p>
           <a:p>
             <a:r>
-              <a:rPr lang="es-ES" dirty="0"/>
+              <a:rPr lang="es-ES"/>
               <a:t>La solución</a:t>
             </a:r>
           </a:p>
           <a:p>
             <a:r>
-              <a:rPr lang="es-ES" dirty="0"/>
+              <a:rPr lang="es-ES"/>
               <a:t>El equipo y el trabajo en equipo</a:t>
             </a:r>
           </a:p>
           <a:p>
             <a:r>
-              <a:rPr lang="es-ES" dirty="0"/>
+              <a:rPr lang="es-ES"/>
               <a:t>Actividades de Ingeniería de Software</a:t>
             </a:r>
           </a:p>
           <a:p>
             <a:pPr lvl="1"/>
             <a:r>
-              <a:rPr lang="es-ES" dirty="0"/>
+              <a:rPr lang="es-ES"/>
               <a:t>Requisitos</a:t>
             </a:r>
           </a:p>
           <a:p>
             <a:pPr lvl="1"/>
             <a:r>
-              <a:rPr lang="es-ES" dirty="0"/>
+              <a:rPr lang="es-ES"/>
               <a:t>Planificación</a:t>
             </a:r>
           </a:p>
           <a:p>
             <a:pPr lvl="1"/>
             <a:r>
-              <a:rPr lang="es-ES" dirty="0"/>
+              <a:rPr lang="es-ES"/>
               <a:t>Arquitectura</a:t>
             </a:r>
           </a:p>
           <a:p>
             <a:pPr lvl="1"/>
             <a:r>
-              <a:rPr lang="es-ES" dirty="0"/>
+              <a:rPr lang="es-ES"/>
               <a:t>Modelos </a:t>
             </a:r>
           </a:p>
           <a:p>
             <a:pPr lvl="1"/>
             <a:r>
-              <a:rPr lang="es-ES" dirty="0"/>
+              <a:rPr lang="es-ES"/>
               <a:t>Patrones/Principios</a:t>
             </a:r>
           </a:p>
           <a:p>
             <a:pPr lvl="1"/>
             <a:r>
-              <a:rPr lang="es-ES" dirty="0"/>
+              <a:rPr lang="es-ES"/>
               <a:t>Pruebas</a:t>
             </a:r>
           </a:p>
           <a:p>
             <a:r>
-              <a:rPr lang="es-ES" dirty="0"/>
+              <a:rPr lang="es-ES"/>
               <a:t>Desarrollo/Despliegue</a:t>
             </a:r>
           </a:p>
           <a:p>
             <a:pPr lvl="1"/>
             <a:r>
-              <a:rPr lang="es-ES" dirty="0"/>
+              <a:rPr lang="es-ES"/>
               <a:t>Estrategias y herramientas</a:t>
             </a:r>
           </a:p>
           <a:p>
             <a:pPr lvl="1"/>
             <a:r>
-              <a:rPr lang="es-ES" dirty="0"/>
+              <a:rPr lang="es-ES"/>
               <a:t>Modelo de Implementación </a:t>
             </a:r>
           </a:p>
           <a:p>
             <a:pPr lvl="1"/>
             <a:r>
-              <a:rPr lang="es-ES" dirty="0"/>
+              <a:rPr lang="es-ES"/>
               <a:t>Despliegue</a:t>
             </a:r>
           </a:p>
           <a:p>
             <a:r>
-              <a:rPr lang="es-ES" dirty="0"/>
+              <a:rPr lang="es-ES"/>
               <a:t>Resultados</a:t>
             </a:r>
           </a:p>
           <a:p>
             <a:r>
-              <a:rPr lang="es-ES" dirty="0"/>
+              <a:rPr lang="es-ES"/>
               <a:t>Conclusiones</a:t>
             </a:r>
           </a:p>
@@ -7472,7 +8146,7 @@
           <p:cNvPr id="2" name="Título 1">
             <a:extLst>
               <a:ext uri="{FF2B5EF4-FFF2-40B4-BE49-F238E27FC236}">
-                <a16:creationId xmlns:a16="http://schemas.microsoft.com/office/drawing/2014/main" id="{716DC1C7-47F9-BFD5-350F-151ED6AFEAD1}"/>
+                <a16:creationId xmlns:a16="http://schemas.microsoft.com/office/drawing/2014/main" id="{1DF47EC6-8A13-49CB-5949-967FFF981151}"/>
               </a:ext>
             </a:extLst>
           </p:cNvPr>
@@ -7489,12 +8163,12 @@
           <a:lstStyle/>
           <a:p>
             <a:r>
-              <a:rPr lang="es-ES" sz="2950" dirty="0">
+              <a:rPr lang="es-ES" sz="2950">
                 <a:latin typeface="Geneva"/>
               </a:rPr>
-              <a:t>Despliegue</a:t>
-            </a:r>
-            <a:endParaRPr lang="es-ES" dirty="0"/>
+              <a:t>Conclusiones</a:t>
+            </a:r>
+            <a:endParaRPr lang="es-ES"/>
           </a:p>
         </p:txBody>
       </p:sp>
@@ -7503,7 +8177,7 @@
           <p:cNvPr id="3" name="Marcador de contenido 2">
             <a:extLst>
               <a:ext uri="{FF2B5EF4-FFF2-40B4-BE49-F238E27FC236}">
-                <a16:creationId xmlns:a16="http://schemas.microsoft.com/office/drawing/2014/main" id="{E31C7EDA-4DBD-AA95-4A29-6F4C0B055386}"/>
+                <a16:creationId xmlns:a16="http://schemas.microsoft.com/office/drawing/2014/main" id="{47CA8611-B153-266D-4AC0-6709A4127CE0}"/>
               </a:ext>
             </a:extLst>
           </p:cNvPr>
@@ -7514,12 +8188,7 @@
             <p:ph idx="1"/>
           </p:nvPr>
         </p:nvSpPr>
-        <p:spPr>
-          <a:xfrm>
-            <a:off x="401940" y="4130013"/>
-            <a:ext cx="7886700" cy="4772738"/>
-          </a:xfrm>
-        </p:spPr>
+        <p:spPr/>
         <p:txBody>
           <a:bodyPr vert="horz" lIns="91440" tIns="45720" rIns="91440" bIns="45720" rtlCol="0" anchor="t">
             <a:normAutofit/>
@@ -7529,7 +8198,74 @@
             <a:pPr marL="0" indent="0">
               <a:buNone/>
             </a:pPr>
-            <a:endParaRPr lang="es-ES"/>
+            <a:r>
+              <a:rPr lang="es-ES" sz="2950" dirty="0" err="1">
+                <a:latin typeface="Helvetica"/>
+                <a:ea typeface="Verdana"/>
+                <a:cs typeface="Arial"/>
+              </a:rPr>
+              <a:t>It's</a:t>
+            </a:r>
+            <a:r>
+              <a:rPr lang="es-ES" sz="2950" dirty="0">
+                <a:latin typeface="Helvetica"/>
+                <a:ea typeface="Verdana"/>
+                <a:cs typeface="Arial"/>
+              </a:rPr>
+              <a:t> </a:t>
+            </a:r>
+            <a:r>
+              <a:rPr lang="es-ES" sz="2950" dirty="0" err="1">
+                <a:latin typeface="Helvetica"/>
+                <a:ea typeface="Verdana"/>
+                <a:cs typeface="Arial"/>
+              </a:rPr>
+              <a:t>very</a:t>
+            </a:r>
+            <a:r>
+              <a:rPr lang="es-ES" sz="2950" dirty="0">
+                <a:latin typeface="Helvetica"/>
+                <a:ea typeface="Verdana"/>
+                <a:cs typeface="Arial"/>
+              </a:rPr>
+              <a:t> </a:t>
+            </a:r>
+            <a:r>
+              <a:rPr lang="es-ES" sz="2950" dirty="0" err="1">
+                <a:latin typeface="Helvetica"/>
+                <a:ea typeface="Verdana"/>
+                <a:cs typeface="Arial"/>
+              </a:rPr>
+              <a:t>difficult</a:t>
+            </a:r>
+            <a:r>
+              <a:rPr lang="es-ES" sz="2950" dirty="0">
+                <a:latin typeface="Helvetica"/>
+                <a:ea typeface="Verdana"/>
+                <a:cs typeface="Arial"/>
+              </a:rPr>
+              <a:t> todo esto.</a:t>
+            </a:r>
+          </a:p>
+          <a:p>
+            <a:pPr marL="0" indent="0">
+              <a:buNone/>
+            </a:pPr>
+            <a:endParaRPr lang="es-ES" sz="2950" dirty="0"/>
+          </a:p>
+          <a:p>
+            <a:pPr marL="0" indent="0">
+              <a:buNone/>
+            </a:pPr>
+            <a:r>
+              <a:rPr lang="es-ES" sz="2950" dirty="0">
+                <a:latin typeface="Helvetica"/>
+                <a:ea typeface="Verdana"/>
+                <a:cs typeface="Arial"/>
+              </a:rPr>
+              <a:t>En un proyecto software es muy importante seleccionar la metodología más adecuada y seguirla, que los integrantes del proyecto tengan una buena comunicación y realizar todas las actividades de ingeniería, anteriores a la implementación.</a:t>
+            </a:r>
+            <a:endParaRPr lang="es-ES" sz="2950" dirty="0"/>
           </a:p>
         </p:txBody>
       </p:sp>
@@ -7538,7 +8274,7 @@
           <p:cNvPr id="4" name="Marcador de fecha 3">
             <a:extLst>
               <a:ext uri="{FF2B5EF4-FFF2-40B4-BE49-F238E27FC236}">
-                <a16:creationId xmlns:a16="http://schemas.microsoft.com/office/drawing/2014/main" id="{BE238069-DA65-249C-23DD-EF9C77B85CEA}"/>
+                <a16:creationId xmlns:a16="http://schemas.microsoft.com/office/drawing/2014/main" id="{0B2DB011-A9CB-B49A-ECB7-AE6BD9FC3D5F}"/>
               </a:ext>
             </a:extLst>
           </p:cNvPr>
@@ -7575,7 +8311,7 @@
           <p:cNvPr id="5" name="Marcador de pie de página 4">
             <a:extLst>
               <a:ext uri="{FF2B5EF4-FFF2-40B4-BE49-F238E27FC236}">
-                <a16:creationId xmlns:a16="http://schemas.microsoft.com/office/drawing/2014/main" id="{B2AFDCA4-CA78-E226-2312-E1280DF453EE}"/>
+                <a16:creationId xmlns:a16="http://schemas.microsoft.com/office/drawing/2014/main" id="{CBB98106-0D44-920D-ED6F-17D3DAD38957}"/>
               </a:ext>
             </a:extLst>
           </p:cNvPr>
@@ -7612,7 +8348,7 @@
           <p:cNvPr id="6" name="Marcador de número de diapositiva 5">
             <a:extLst>
               <a:ext uri="{FF2B5EF4-FFF2-40B4-BE49-F238E27FC236}">
-                <a16:creationId xmlns:a16="http://schemas.microsoft.com/office/drawing/2014/main" id="{A967FD6E-BE5E-7F9F-165B-32C7A20A4844}"/>
+                <a16:creationId xmlns:a16="http://schemas.microsoft.com/office/drawing/2014/main" id="{D1F87D20-2E63-39F8-7F78-02DD75D951D1}"/>
               </a:ext>
             </a:extLst>
           </p:cNvPr>
@@ -7654,817 +8390,6 @@
           </a:p>
         </p:txBody>
       </p:sp>
-      <p:sp>
-        <p:nvSpPr>
-          <p:cNvPr id="7" name="Rectángulo: esquinas redondeadas 6">
-            <a:extLst>
-              <a:ext uri="{FF2B5EF4-FFF2-40B4-BE49-F238E27FC236}">
-                <a16:creationId xmlns:a16="http://schemas.microsoft.com/office/drawing/2014/main" id="{B717FCB7-11CD-D1E9-7EBB-1C8357627978}"/>
-              </a:ext>
-            </a:extLst>
-          </p:cNvPr>
-          <p:cNvSpPr/>
-          <p:nvPr/>
-        </p:nvSpPr>
-        <p:spPr>
-          <a:xfrm>
-            <a:off x="402411" y="1394270"/>
-            <a:ext cx="1936487" cy="642347"/>
-          </a:xfrm>
-          <a:prstGeom prst="roundRect">
-            <a:avLst/>
-          </a:prstGeom>
-        </p:spPr>
-        <p:style>
-          <a:lnRef idx="2">
-            <a:schemeClr val="accent1">
-              <a:shade val="50000"/>
-            </a:schemeClr>
-          </a:lnRef>
-          <a:fillRef idx="1">
-            <a:schemeClr val="accent1"/>
-          </a:fillRef>
-          <a:effectRef idx="0">
-            <a:schemeClr val="accent1"/>
-          </a:effectRef>
-          <a:fontRef idx="minor">
-            <a:schemeClr val="lt1"/>
-          </a:fontRef>
-        </p:style>
-        <p:txBody>
-          <a:bodyPr rtlCol="0" anchor="ctr"/>
-          <a:lstStyle/>
-          <a:p>
-            <a:pPr algn="ctr"/>
-            <a:r>
-              <a:rPr lang="es-ES" dirty="0" err="1">
-                <a:cs typeface="Calibri"/>
-              </a:rPr>
-              <a:t>Login</a:t>
-            </a:r>
-            <a:r>
-              <a:rPr lang="es-ES" dirty="0">
-                <a:cs typeface="Calibri"/>
-              </a:rPr>
-              <a:t> de usuario</a:t>
-            </a:r>
-          </a:p>
-        </p:txBody>
-      </p:sp>
-      <p:sp>
-        <p:nvSpPr>
-          <p:cNvPr id="8" name="Rectángulo: esquinas redondeadas 7">
-            <a:extLst>
-              <a:ext uri="{FF2B5EF4-FFF2-40B4-BE49-F238E27FC236}">
-                <a16:creationId xmlns:a16="http://schemas.microsoft.com/office/drawing/2014/main" id="{10771EA4-83FE-389B-DB60-1F80CB112FC1}"/>
-              </a:ext>
-            </a:extLst>
-          </p:cNvPr>
-          <p:cNvSpPr/>
-          <p:nvPr/>
-        </p:nvSpPr>
-        <p:spPr>
-          <a:xfrm>
-            <a:off x="5749005" y="1394270"/>
-            <a:ext cx="2163197" cy="642347"/>
-          </a:xfrm>
-          <a:prstGeom prst="roundRect">
-            <a:avLst/>
-          </a:prstGeom>
-        </p:spPr>
-        <p:style>
-          <a:lnRef idx="2">
-            <a:schemeClr val="accent1">
-              <a:shade val="50000"/>
-            </a:schemeClr>
-          </a:lnRef>
-          <a:fillRef idx="1">
-            <a:schemeClr val="accent1"/>
-          </a:fillRef>
-          <a:effectRef idx="0">
-            <a:schemeClr val="accent1"/>
-          </a:effectRef>
-          <a:fontRef idx="minor">
-            <a:schemeClr val="lt1"/>
-          </a:fontRef>
-        </p:style>
-        <p:txBody>
-          <a:bodyPr lIns="91440" tIns="45720" rIns="91440" bIns="45720" rtlCol="0" anchor="ctr"/>
-          <a:lstStyle/>
-          <a:p>
-            <a:pPr algn="ctr"/>
-            <a:r>
-              <a:rPr lang="es-ES" dirty="0">
-                <a:cs typeface="Calibri"/>
-              </a:rPr>
-              <a:t>Selección de partida</a:t>
-            </a:r>
-          </a:p>
-        </p:txBody>
-      </p:sp>
-      <p:sp>
-        <p:nvSpPr>
-          <p:cNvPr id="9" name="Rectángulo: esquinas redondeadas 8">
-            <a:extLst>
-              <a:ext uri="{FF2B5EF4-FFF2-40B4-BE49-F238E27FC236}">
-                <a16:creationId xmlns:a16="http://schemas.microsoft.com/office/drawing/2014/main" id="{F3781108-1789-238A-4CBF-DE796509B212}"/>
-              </a:ext>
-            </a:extLst>
-          </p:cNvPr>
-          <p:cNvSpPr/>
-          <p:nvPr/>
-        </p:nvSpPr>
-        <p:spPr>
-          <a:xfrm>
-            <a:off x="402411" y="2622287"/>
-            <a:ext cx="1936487" cy="642347"/>
-          </a:xfrm>
-          <a:prstGeom prst="roundRect">
-            <a:avLst/>
-          </a:prstGeom>
-        </p:spPr>
-        <p:style>
-          <a:lnRef idx="2">
-            <a:schemeClr val="accent1">
-              <a:shade val="50000"/>
-            </a:schemeClr>
-          </a:lnRef>
-          <a:fillRef idx="1">
-            <a:schemeClr val="accent1"/>
-          </a:fillRef>
-          <a:effectRef idx="0">
-            <a:schemeClr val="accent1"/>
-          </a:effectRef>
-          <a:fontRef idx="minor">
-            <a:schemeClr val="lt1"/>
-          </a:fontRef>
-        </p:style>
-        <p:txBody>
-          <a:bodyPr lIns="91440" tIns="45720" rIns="91440" bIns="45720" rtlCol="0" anchor="ctr"/>
-          <a:lstStyle/>
-          <a:p>
-            <a:pPr algn="ctr"/>
-            <a:r>
-              <a:rPr lang="es-ES" dirty="0">
-                <a:cs typeface="Calibri"/>
-              </a:rPr>
-              <a:t>Generación de tablero</a:t>
-            </a:r>
-          </a:p>
-        </p:txBody>
-      </p:sp>
-      <p:sp>
-        <p:nvSpPr>
-          <p:cNvPr id="10" name="Rectángulo: esquinas redondeadas 9">
-            <a:extLst>
-              <a:ext uri="{FF2B5EF4-FFF2-40B4-BE49-F238E27FC236}">
-                <a16:creationId xmlns:a16="http://schemas.microsoft.com/office/drawing/2014/main" id="{033DD8AF-8ACB-DFEE-0586-735A10E21205}"/>
-              </a:ext>
-            </a:extLst>
-          </p:cNvPr>
-          <p:cNvSpPr/>
-          <p:nvPr/>
-        </p:nvSpPr>
-        <p:spPr>
-          <a:xfrm>
-            <a:off x="2575055" y="2622286"/>
-            <a:ext cx="1936487" cy="642347"/>
-          </a:xfrm>
-          <a:prstGeom prst="roundRect">
-            <a:avLst/>
-          </a:prstGeom>
-        </p:spPr>
-        <p:style>
-          <a:lnRef idx="2">
-            <a:schemeClr val="accent1">
-              <a:shade val="50000"/>
-            </a:schemeClr>
-          </a:lnRef>
-          <a:fillRef idx="1">
-            <a:schemeClr val="accent1"/>
-          </a:fillRef>
-          <a:effectRef idx="0">
-            <a:schemeClr val="accent1"/>
-          </a:effectRef>
-          <a:fontRef idx="minor">
-            <a:schemeClr val="lt1"/>
-          </a:fontRef>
-        </p:style>
-        <p:txBody>
-          <a:bodyPr lIns="91440" tIns="45720" rIns="91440" bIns="45720" rtlCol="0" anchor="ctr"/>
-          <a:lstStyle/>
-          <a:p>
-            <a:pPr algn="ctr"/>
-            <a:r>
-              <a:rPr lang="es-ES" dirty="0">
-                <a:cs typeface="Calibri"/>
-              </a:rPr>
-              <a:t>Generación de ficha</a:t>
-            </a:r>
-          </a:p>
-        </p:txBody>
-      </p:sp>
-      <p:sp>
-        <p:nvSpPr>
-          <p:cNvPr id="11" name="Rectángulo: esquinas redondeadas 10">
-            <a:extLst>
-              <a:ext uri="{FF2B5EF4-FFF2-40B4-BE49-F238E27FC236}">
-                <a16:creationId xmlns:a16="http://schemas.microsoft.com/office/drawing/2014/main" id="{1996299C-D5D8-E8A6-5AD5-55F879467C84}"/>
-              </a:ext>
-            </a:extLst>
-          </p:cNvPr>
-          <p:cNvSpPr/>
-          <p:nvPr/>
-        </p:nvSpPr>
-        <p:spPr>
-          <a:xfrm>
-            <a:off x="4700468" y="2584501"/>
-            <a:ext cx="1936487" cy="642347"/>
-          </a:xfrm>
-          <a:prstGeom prst="roundRect">
-            <a:avLst/>
-          </a:prstGeom>
-        </p:spPr>
-        <p:style>
-          <a:lnRef idx="2">
-            <a:schemeClr val="accent1">
-              <a:shade val="50000"/>
-            </a:schemeClr>
-          </a:lnRef>
-          <a:fillRef idx="1">
-            <a:schemeClr val="accent1"/>
-          </a:fillRef>
-          <a:effectRef idx="0">
-            <a:schemeClr val="accent1"/>
-          </a:effectRef>
-          <a:fontRef idx="minor">
-            <a:schemeClr val="lt1"/>
-          </a:fontRef>
-        </p:style>
-        <p:txBody>
-          <a:bodyPr lIns="91440" tIns="45720" rIns="91440" bIns="45720" rtlCol="0" anchor="ctr"/>
-          <a:lstStyle/>
-          <a:p>
-            <a:pPr algn="ctr"/>
-            <a:r>
-              <a:rPr lang="es-ES" dirty="0">
-                <a:cs typeface="Calibri"/>
-              </a:rPr>
-              <a:t>Generación de dado</a:t>
-            </a:r>
-          </a:p>
-        </p:txBody>
-      </p:sp>
-      <p:sp>
-        <p:nvSpPr>
-          <p:cNvPr id="12" name="Rectángulo: esquinas redondeadas 11">
-            <a:extLst>
-              <a:ext uri="{FF2B5EF4-FFF2-40B4-BE49-F238E27FC236}">
-                <a16:creationId xmlns:a16="http://schemas.microsoft.com/office/drawing/2014/main" id="{6509D727-2C9F-9305-9B18-67853E43EE31}"/>
-              </a:ext>
-            </a:extLst>
-          </p:cNvPr>
-          <p:cNvSpPr/>
-          <p:nvPr/>
-        </p:nvSpPr>
-        <p:spPr>
-          <a:xfrm>
-            <a:off x="6901452" y="2584501"/>
-            <a:ext cx="1936487" cy="642347"/>
-          </a:xfrm>
-          <a:prstGeom prst="roundRect">
-            <a:avLst/>
-          </a:prstGeom>
-        </p:spPr>
-        <p:style>
-          <a:lnRef idx="2">
-            <a:schemeClr val="accent1">
-              <a:shade val="50000"/>
-            </a:schemeClr>
-          </a:lnRef>
-          <a:fillRef idx="1">
-            <a:schemeClr val="accent1"/>
-          </a:fillRef>
-          <a:effectRef idx="0">
-            <a:schemeClr val="accent1"/>
-          </a:effectRef>
-          <a:fontRef idx="minor">
-            <a:schemeClr val="lt1"/>
-          </a:fontRef>
-        </p:style>
-        <p:txBody>
-          <a:bodyPr lIns="91440" tIns="45720" rIns="91440" bIns="45720" rtlCol="0" anchor="ctr"/>
-          <a:lstStyle/>
-          <a:p>
-            <a:pPr algn="ctr"/>
-            <a:r>
-              <a:rPr lang="es-ES" dirty="0">
-                <a:cs typeface="Calibri"/>
-              </a:rPr>
-              <a:t>Extracción de preguntas</a:t>
-            </a:r>
-          </a:p>
-        </p:txBody>
-      </p:sp>
-    </p:spTree>
-    <p:extLst>
-      <p:ext uri="{BB962C8B-B14F-4D97-AF65-F5344CB8AC3E}">
-        <p14:creationId xmlns:p14="http://schemas.microsoft.com/office/powerpoint/2010/main" val="1400691828"/>
-      </p:ext>
-    </p:extLst>
-  </p:cSld>
-  <p:clrMapOvr>
-    <a:masterClrMapping/>
-  </p:clrMapOvr>
-  <p:transition spd="slow">
-    <p:push dir="u"/>
-  </p:transition>
-</p:sld>
-</file>
-
-<file path=ppt/slides/slide21.xml><?xml version="1.0" encoding="utf-8"?>
-<p:sld xmlns:a="http://schemas.openxmlformats.org/drawingml/2006/main" xmlns:r="http://schemas.openxmlformats.org/officeDocument/2006/relationships" xmlns:p="http://schemas.openxmlformats.org/presentationml/2006/main">
-  <p:cSld>
-    <p:spTree>
-      <p:nvGrpSpPr>
-        <p:cNvPr id="1" name=""/>
-        <p:cNvGrpSpPr/>
-        <p:nvPr/>
-      </p:nvGrpSpPr>
-      <p:grpSpPr>
-        <a:xfrm>
-          <a:off x="0" y="0"/>
-          <a:ext cx="0" cy="0"/>
-          <a:chOff x="0" y="0"/>
-          <a:chExt cx="0" cy="0"/>
-        </a:xfrm>
-      </p:grpSpPr>
-      <p:sp>
-        <p:nvSpPr>
-          <p:cNvPr id="2" name="Título 1">
-            <a:extLst>
-              <a:ext uri="{FF2B5EF4-FFF2-40B4-BE49-F238E27FC236}">
-                <a16:creationId xmlns:a16="http://schemas.microsoft.com/office/drawing/2014/main" id="{DB4AA116-C933-9E52-C281-9FAA77C04474}"/>
-              </a:ext>
-            </a:extLst>
-          </p:cNvPr>
-          <p:cNvSpPr>
-            <a:spLocks noGrp="1"/>
-          </p:cNvSpPr>
-          <p:nvPr>
-            <p:ph type="title"/>
-          </p:nvPr>
-        </p:nvSpPr>
-        <p:spPr/>
-        <p:txBody>
-          <a:bodyPr/>
-          <a:lstStyle/>
-          <a:p>
-            <a:r>
-              <a:rPr lang="es-ES" sz="2950" dirty="0">
-                <a:latin typeface="Geneva"/>
-              </a:rPr>
-              <a:t>Resultado</a:t>
-            </a:r>
-            <a:endParaRPr lang="es-ES" dirty="0"/>
-          </a:p>
-        </p:txBody>
-      </p:sp>
-      <p:sp>
-        <p:nvSpPr>
-          <p:cNvPr id="3" name="Marcador de contenido 2">
-            <a:extLst>
-              <a:ext uri="{FF2B5EF4-FFF2-40B4-BE49-F238E27FC236}">
-                <a16:creationId xmlns:a16="http://schemas.microsoft.com/office/drawing/2014/main" id="{EE4FFB27-31A8-318E-ED1A-888384AB2567}"/>
-              </a:ext>
-            </a:extLst>
-          </p:cNvPr>
-          <p:cNvSpPr>
-            <a:spLocks noGrp="1"/>
-          </p:cNvSpPr>
-          <p:nvPr>
-            <p:ph idx="1"/>
-          </p:nvPr>
-        </p:nvSpPr>
-        <p:spPr/>
-        <p:txBody>
-          <a:bodyPr vert="horz" lIns="91440" tIns="45720" rIns="91440" bIns="45720" rtlCol="0" anchor="t">
-            <a:normAutofit/>
-          </a:bodyPr>
-          <a:lstStyle/>
-          <a:p>
-            <a:pPr marL="0" indent="0">
-              <a:buNone/>
-            </a:pPr>
-            <a:r>
-              <a:rPr lang="es-ES" sz="2950" dirty="0">
-                <a:latin typeface="Helvetica"/>
-                <a:ea typeface="Verdana"/>
-                <a:cs typeface="Arial"/>
-              </a:rPr>
-              <a:t>[insertar juego, ya sea vídeo/fotos]</a:t>
-            </a:r>
-            <a:endParaRPr lang="es-ES" dirty="0">
-              <a:latin typeface="Helvetica"/>
-              <a:ea typeface="Verdana"/>
-              <a:cs typeface="Arial"/>
-            </a:endParaRPr>
-          </a:p>
-        </p:txBody>
-      </p:sp>
-      <p:sp>
-        <p:nvSpPr>
-          <p:cNvPr id="4" name="Marcador de fecha 3">
-            <a:extLst>
-              <a:ext uri="{FF2B5EF4-FFF2-40B4-BE49-F238E27FC236}">
-                <a16:creationId xmlns:a16="http://schemas.microsoft.com/office/drawing/2014/main" id="{1EB9E022-F408-00BB-78A6-1C6E4BA0435F}"/>
-              </a:ext>
-            </a:extLst>
-          </p:cNvPr>
-          <p:cNvSpPr>
-            <a:spLocks noGrp="1"/>
-          </p:cNvSpPr>
-          <p:nvPr>
-            <p:ph type="dt" sz="half" idx="10"/>
-          </p:nvPr>
-        </p:nvSpPr>
-        <p:spPr/>
-        <p:txBody>
-          <a:bodyPr/>
-          <a:lstStyle/>
-          <a:p>
-            <a:pPr defTabSz="422041">
-              <a:defRPr/>
-            </a:pPr>
-            <a:r>
-              <a:rPr lang="es-ES">
-                <a:solidFill>
-                  <a:prstClr val="black">
-                    <a:tint val="75000"/>
-                  </a:prstClr>
-                </a:solidFill>
-              </a:rPr>
-              <a:t>Curso 2021-2022</a:t>
-            </a:r>
-          </a:p>
-        </p:txBody>
-      </p:sp>
-      <p:sp>
-        <p:nvSpPr>
-          <p:cNvPr id="5" name="Marcador de pie de página 4">
-            <a:extLst>
-              <a:ext uri="{FF2B5EF4-FFF2-40B4-BE49-F238E27FC236}">
-                <a16:creationId xmlns:a16="http://schemas.microsoft.com/office/drawing/2014/main" id="{1B3C5079-31D3-79EA-E684-4186CBD56FD6}"/>
-              </a:ext>
-            </a:extLst>
-          </p:cNvPr>
-          <p:cNvSpPr>
-            <a:spLocks noGrp="1"/>
-          </p:cNvSpPr>
-          <p:nvPr>
-            <p:ph type="ftr" sz="quarter" idx="11"/>
-          </p:nvPr>
-        </p:nvSpPr>
-        <p:spPr/>
-        <p:txBody>
-          <a:bodyPr/>
-          <a:lstStyle/>
-          <a:p>
-            <a:pPr defTabSz="422041">
-              <a:defRPr/>
-            </a:pPr>
-            <a:r>
-              <a:rPr lang="es-ES">
-                <a:solidFill>
-                  <a:prstClr val="black">
-                    <a:tint val="75000"/>
-                  </a:prstClr>
-                </a:solidFill>
-              </a:rPr>
-              <a:t>Introducción a la Ingeniería del Software</a:t>
-            </a:r>
-          </a:p>
-        </p:txBody>
-      </p:sp>
-      <p:sp>
-        <p:nvSpPr>
-          <p:cNvPr id="6" name="Marcador de número de diapositiva 5">
-            <a:extLst>
-              <a:ext uri="{FF2B5EF4-FFF2-40B4-BE49-F238E27FC236}">
-                <a16:creationId xmlns:a16="http://schemas.microsoft.com/office/drawing/2014/main" id="{6DDEB637-CB45-4005-F767-E99503EAA5CA}"/>
-              </a:ext>
-            </a:extLst>
-          </p:cNvPr>
-          <p:cNvSpPr>
-            <a:spLocks noGrp="1"/>
-          </p:cNvSpPr>
-          <p:nvPr>
-            <p:ph type="sldNum" sz="quarter" idx="12"/>
-          </p:nvPr>
-        </p:nvSpPr>
-        <p:spPr/>
-        <p:txBody>
-          <a:bodyPr/>
-          <a:lstStyle/>
-          <a:p>
-            <a:pPr defTabSz="422041">
-              <a:defRPr/>
-            </a:pPr>
-            <a:fld id="{9961DA19-05BC-2C48-AEE7-B9DFD6D07410}" type="slidenum">
-              <a:rPr lang="es-ES" smtClean="0">
-                <a:solidFill>
-                  <a:prstClr val="black">
-                    <a:tint val="75000"/>
-                  </a:prstClr>
-                </a:solidFill>
-              </a:rPr>
-              <a:pPr defTabSz="422041">
-                <a:defRPr/>
-              </a:pPr>
-              <a:t>21</a:t>
-            </a:fld>
-            <a:endParaRPr lang="es-ES">
-              <a:solidFill>
-                <a:prstClr val="black">
-                  <a:tint val="75000"/>
-                </a:prstClr>
-              </a:solidFill>
-            </a:endParaRPr>
-          </a:p>
-        </p:txBody>
-      </p:sp>
-    </p:spTree>
-    <p:extLst>
-      <p:ext uri="{BB962C8B-B14F-4D97-AF65-F5344CB8AC3E}">
-        <p14:creationId xmlns:p14="http://schemas.microsoft.com/office/powerpoint/2010/main" val="3149934396"/>
-      </p:ext>
-    </p:extLst>
-  </p:cSld>
-  <p:clrMapOvr>
-    <a:masterClrMapping/>
-  </p:clrMapOvr>
-  <mc:AlternateContent xmlns:mc="http://schemas.openxmlformats.org/markup-compatibility/2006">
-    <mc:Choice xmlns:p14="http://schemas.microsoft.com/office/powerpoint/2010/main" Requires="p14">
-      <p:transition spd="slow" p14:dur="900">
-        <p14:warp dir="in"/>
-      </p:transition>
-    </mc:Choice>
-    <mc:Fallback>
-      <p:transition spd="slow">
-        <p:fade/>
-      </p:transition>
-    </mc:Fallback>
-  </mc:AlternateContent>
-</p:sld>
-</file>
-
-<file path=ppt/slides/slide22.xml><?xml version="1.0" encoding="utf-8"?>
-<p:sld xmlns:a="http://schemas.openxmlformats.org/drawingml/2006/main" xmlns:r="http://schemas.openxmlformats.org/officeDocument/2006/relationships" xmlns:p="http://schemas.openxmlformats.org/presentationml/2006/main">
-  <p:cSld>
-    <p:spTree>
-      <p:nvGrpSpPr>
-        <p:cNvPr id="1" name=""/>
-        <p:cNvGrpSpPr/>
-        <p:nvPr/>
-      </p:nvGrpSpPr>
-      <p:grpSpPr>
-        <a:xfrm>
-          <a:off x="0" y="0"/>
-          <a:ext cx="0" cy="0"/>
-          <a:chOff x="0" y="0"/>
-          <a:chExt cx="0" cy="0"/>
-        </a:xfrm>
-      </p:grpSpPr>
-      <p:sp>
-        <p:nvSpPr>
-          <p:cNvPr id="2" name="Título 1">
-            <a:extLst>
-              <a:ext uri="{FF2B5EF4-FFF2-40B4-BE49-F238E27FC236}">
-                <a16:creationId xmlns:a16="http://schemas.microsoft.com/office/drawing/2014/main" id="{1DF47EC6-8A13-49CB-5949-967FFF981151}"/>
-              </a:ext>
-            </a:extLst>
-          </p:cNvPr>
-          <p:cNvSpPr>
-            <a:spLocks noGrp="1"/>
-          </p:cNvSpPr>
-          <p:nvPr>
-            <p:ph type="title"/>
-          </p:nvPr>
-        </p:nvSpPr>
-        <p:spPr/>
-        <p:txBody>
-          <a:bodyPr/>
-          <a:lstStyle/>
-          <a:p>
-            <a:r>
-              <a:rPr lang="es-ES" sz="2950" dirty="0">
-                <a:latin typeface="Geneva"/>
-              </a:rPr>
-              <a:t>Conclusiones</a:t>
-            </a:r>
-            <a:endParaRPr lang="es-ES" dirty="0"/>
-          </a:p>
-        </p:txBody>
-      </p:sp>
-      <p:sp>
-        <p:nvSpPr>
-          <p:cNvPr id="3" name="Marcador de contenido 2">
-            <a:extLst>
-              <a:ext uri="{FF2B5EF4-FFF2-40B4-BE49-F238E27FC236}">
-                <a16:creationId xmlns:a16="http://schemas.microsoft.com/office/drawing/2014/main" id="{47CA8611-B153-266D-4AC0-6709A4127CE0}"/>
-              </a:ext>
-            </a:extLst>
-          </p:cNvPr>
-          <p:cNvSpPr>
-            <a:spLocks noGrp="1"/>
-          </p:cNvSpPr>
-          <p:nvPr>
-            <p:ph idx="1"/>
-          </p:nvPr>
-        </p:nvSpPr>
-        <p:spPr/>
-        <p:txBody>
-          <a:bodyPr vert="horz" lIns="91440" tIns="45720" rIns="91440" bIns="45720" rtlCol="0" anchor="t">
-            <a:normAutofit/>
-          </a:bodyPr>
-          <a:lstStyle/>
-          <a:p>
-            <a:pPr marL="0" indent="0">
-              <a:buNone/>
-            </a:pPr>
-            <a:r>
-              <a:rPr lang="es-ES" sz="2950" dirty="0" err="1">
-                <a:latin typeface="Helvetica"/>
-                <a:ea typeface="Verdana"/>
-                <a:cs typeface="Arial"/>
-              </a:rPr>
-              <a:t>It's</a:t>
-            </a:r>
-            <a:r>
-              <a:rPr lang="es-ES" sz="2950" dirty="0">
-                <a:latin typeface="Helvetica"/>
-                <a:ea typeface="Verdana"/>
-                <a:cs typeface="Arial"/>
-              </a:rPr>
-              <a:t> </a:t>
-            </a:r>
-            <a:r>
-              <a:rPr lang="es-ES" sz="2950" dirty="0" err="1">
-                <a:latin typeface="Helvetica"/>
-                <a:ea typeface="Verdana"/>
-                <a:cs typeface="Arial"/>
-              </a:rPr>
-              <a:t>very</a:t>
-            </a:r>
-            <a:r>
-              <a:rPr lang="es-ES" sz="2950" dirty="0">
-                <a:latin typeface="Helvetica"/>
-                <a:ea typeface="Verdana"/>
-                <a:cs typeface="Arial"/>
-              </a:rPr>
-              <a:t> </a:t>
-            </a:r>
-            <a:r>
-              <a:rPr lang="es-ES" sz="2950" dirty="0" err="1">
-                <a:latin typeface="Helvetica"/>
-                <a:ea typeface="Verdana"/>
-                <a:cs typeface="Arial"/>
-              </a:rPr>
-              <a:t>difficult</a:t>
-            </a:r>
-            <a:r>
-              <a:rPr lang="es-ES" sz="2950" dirty="0">
-                <a:latin typeface="Helvetica"/>
-                <a:ea typeface="Verdana"/>
-                <a:cs typeface="Arial"/>
-              </a:rPr>
-              <a:t> todo esto.</a:t>
-            </a:r>
-            <a:endParaRPr lang="es-ES" dirty="0"/>
-          </a:p>
-        </p:txBody>
-      </p:sp>
-      <p:sp>
-        <p:nvSpPr>
-          <p:cNvPr id="4" name="Marcador de fecha 3">
-            <a:extLst>
-              <a:ext uri="{FF2B5EF4-FFF2-40B4-BE49-F238E27FC236}">
-                <a16:creationId xmlns:a16="http://schemas.microsoft.com/office/drawing/2014/main" id="{0B2DB011-A9CB-B49A-ECB7-AE6BD9FC3D5F}"/>
-              </a:ext>
-            </a:extLst>
-          </p:cNvPr>
-          <p:cNvSpPr>
-            <a:spLocks noGrp="1"/>
-          </p:cNvSpPr>
-          <p:nvPr>
-            <p:ph type="dt" sz="half" idx="10"/>
-          </p:nvPr>
-        </p:nvSpPr>
-        <p:spPr/>
-        <p:txBody>
-          <a:bodyPr/>
-          <a:lstStyle/>
-          <a:p>
-            <a:pPr defTabSz="422041">
-              <a:defRPr/>
-            </a:pPr>
-            <a:r>
-              <a:rPr lang="es-ES">
-                <a:solidFill>
-                  <a:prstClr val="black">
-                    <a:tint val="75000"/>
-                  </a:prstClr>
-                </a:solidFill>
-              </a:rPr>
-              <a:t>Curso 2021-2022</a:t>
-            </a:r>
-          </a:p>
-        </p:txBody>
-      </p:sp>
-      <p:sp>
-        <p:nvSpPr>
-          <p:cNvPr id="5" name="Marcador de pie de página 4">
-            <a:extLst>
-              <a:ext uri="{FF2B5EF4-FFF2-40B4-BE49-F238E27FC236}">
-                <a16:creationId xmlns:a16="http://schemas.microsoft.com/office/drawing/2014/main" id="{CBB98106-0D44-920D-ED6F-17D3DAD38957}"/>
-              </a:ext>
-            </a:extLst>
-          </p:cNvPr>
-          <p:cNvSpPr>
-            <a:spLocks noGrp="1"/>
-          </p:cNvSpPr>
-          <p:nvPr>
-            <p:ph type="ftr" sz="quarter" idx="11"/>
-          </p:nvPr>
-        </p:nvSpPr>
-        <p:spPr/>
-        <p:txBody>
-          <a:bodyPr/>
-          <a:lstStyle/>
-          <a:p>
-            <a:pPr defTabSz="422041">
-              <a:defRPr/>
-            </a:pPr>
-            <a:r>
-              <a:rPr lang="es-ES">
-                <a:solidFill>
-                  <a:prstClr val="black">
-                    <a:tint val="75000"/>
-                  </a:prstClr>
-                </a:solidFill>
-              </a:rPr>
-              <a:t>Introducción a la Ingeniería del Software</a:t>
-            </a:r>
-          </a:p>
-        </p:txBody>
-      </p:sp>
-      <p:sp>
-        <p:nvSpPr>
-          <p:cNvPr id="6" name="Marcador de número de diapositiva 5">
-            <a:extLst>
-              <a:ext uri="{FF2B5EF4-FFF2-40B4-BE49-F238E27FC236}">
-                <a16:creationId xmlns:a16="http://schemas.microsoft.com/office/drawing/2014/main" id="{D1F87D20-2E63-39F8-7F78-02DD75D951D1}"/>
-              </a:ext>
-            </a:extLst>
-          </p:cNvPr>
-          <p:cNvSpPr>
-            <a:spLocks noGrp="1"/>
-          </p:cNvSpPr>
-          <p:nvPr>
-            <p:ph type="sldNum" sz="quarter" idx="12"/>
-          </p:nvPr>
-        </p:nvSpPr>
-        <p:spPr/>
-        <p:txBody>
-          <a:bodyPr/>
-          <a:lstStyle/>
-          <a:p>
-            <a:pPr defTabSz="422041">
-              <a:defRPr/>
-            </a:pPr>
-            <a:fld id="{9961DA19-05BC-2C48-AEE7-B9DFD6D07410}" type="slidenum">
-              <a:rPr lang="es-ES" smtClean="0">
-                <a:solidFill>
-                  <a:prstClr val="black">
-                    <a:tint val="75000"/>
-                  </a:prstClr>
-                </a:solidFill>
-              </a:rPr>
-              <a:pPr defTabSz="422041">
-                <a:defRPr/>
-              </a:pPr>
-              <a:t>22</a:t>
-            </a:fld>
-            <a:endParaRPr lang="es-ES">
-              <a:solidFill>
-                <a:prstClr val="black">
-                  <a:tint val="75000"/>
-                </a:prstClr>
-              </a:solidFill>
-            </a:endParaRPr>
-          </a:p>
-        </p:txBody>
-      </p:sp>
     </p:spTree>
     <p:extLst>
       <p:ext uri="{BB962C8B-B14F-4D97-AF65-F5344CB8AC3E}">
@@ -8475,13 +8400,13 @@
   <p:clrMapOvr>
     <a:masterClrMapping/>
   </p:clrMapOvr>
-  <mc:AlternateContent xmlns:mc="http://schemas.openxmlformats.org/markup-compatibility/2006">
-    <mc:Choice xmlns:p15="http://schemas.microsoft.com/office/powerpoint/2012/main" Requires="p15">
+  <mc:AlternateContent xmlns:mc="http://schemas.openxmlformats.org/markup-compatibility/2006" xmlns:p15="http://schemas.microsoft.com/office/powerpoint/2012/main">
+    <mc:Choice Requires="p15">
       <p:transition xmlns:p14="http://schemas.microsoft.com/office/powerpoint/2010/main" spd="slow" p14:dur="1250">
         <p15:prstTrans prst="peelOff"/>
       </p:transition>
     </mc:Choice>
-    <mc:Fallback>
+    <mc:Fallback xmlns="">
       <p:transition spd="slow">
         <p:fade/>
       </p:transition>
@@ -8534,12 +8459,12 @@
           <a:lstStyle/>
           <a:p>
             <a:r>
-              <a:rPr lang="es-ES" sz="2950" dirty="0">
+              <a:rPr lang="es-ES" sz="2950">
                 <a:latin typeface="Geneva"/>
               </a:rPr>
               <a:t>El problema</a:t>
             </a:r>
-            <a:endParaRPr lang="es-ES" dirty="0"/>
+            <a:endParaRPr lang="es-ES"/>
           </a:p>
         </p:txBody>
       </p:sp>
@@ -8766,13 +8691,7 @@
               <a:rPr lang="en-US" sz="2950" dirty="0">
                 <a:latin typeface="Geneva"/>
               </a:rPr>
-              <a:t>La </a:t>
-            </a:r>
-            <a:r>
-              <a:rPr lang="en-US" sz="2950" dirty="0" err="1">
-                <a:latin typeface="Geneva"/>
-              </a:rPr>
-              <a:t>solución</a:t>
+              <a:t>La solución</a:t>
             </a:r>
           </a:p>
         </p:txBody>
@@ -8894,14 +8813,14 @@
               <a:buNone/>
             </a:pPr>
             <a:r>
-              <a:rPr lang="es-ES" sz="2400" dirty="0">
+              <a:rPr lang="es-ES" sz="2400">
                 <a:latin typeface="Helvetica"/>
                 <a:ea typeface="Verdana"/>
                 <a:cs typeface="Helvetica"/>
               </a:rPr>
               <a:t>Hacer una adaptación del juego tradicional 'Trivial' quitando la rivalidad de competir contra otros jugadores, pero entreteniendo a los usuarios con partidas más rápidas que desafían su conocimiento en entretenimiento, ciencia, deporte, historia y sobre animales. </a:t>
             </a:r>
-            <a:endParaRPr lang="es-ES" sz="2400" dirty="0">
+            <a:endParaRPr lang="es-ES" sz="2400">
               <a:cs typeface="Helvetica"/>
             </a:endParaRPr>
           </a:p>
@@ -9125,12 +9044,12 @@
           <a:lstStyle/>
           <a:p>
             <a:r>
-              <a:rPr lang="es-ES" sz="2950" dirty="0">
+              <a:rPr lang="es-ES" sz="2950">
                 <a:latin typeface="Geneva"/>
               </a:rPr>
               <a:t>Equipo y trabajo en equipo</a:t>
             </a:r>
-            <a:endParaRPr lang="es-ES" dirty="0"/>
+            <a:endParaRPr lang="es-ES"/>
           </a:p>
         </p:txBody>
       </p:sp>
@@ -9344,12 +9263,12 @@
           <a:lstStyle/>
           <a:p>
             <a:r>
-              <a:rPr lang="es-ES" sz="2950" dirty="0">
+              <a:rPr lang="es-ES" sz="2950">
                 <a:latin typeface="Geneva"/>
               </a:rPr>
               <a:t>Requisitos</a:t>
             </a:r>
-            <a:endParaRPr lang="es-ES" dirty="0"/>
+            <a:endParaRPr lang="es-ES"/>
           </a:p>
         </p:txBody>
       </p:sp>
@@ -9513,13 +9432,13 @@
   <p:clrMapOvr>
     <a:masterClrMapping/>
   </p:clrMapOvr>
-  <mc:AlternateContent xmlns:mc="http://schemas.openxmlformats.org/markup-compatibility/2006">
-    <mc:Choice xmlns:p14="http://schemas.microsoft.com/office/powerpoint/2010/main" Requires="p14">
+  <mc:AlternateContent xmlns:mc="http://schemas.openxmlformats.org/markup-compatibility/2006" xmlns:p14="http://schemas.microsoft.com/office/powerpoint/2010/main">
+    <mc:Choice Requires="p14">
       <p:transition spd="med" p14:dur="700">
         <p:fade/>
       </p:transition>
     </mc:Choice>
-    <mc:Fallback>
+    <mc:Fallback xmlns="">
       <p:transition spd="med">
         <p:fade/>
       </p:transition>
@@ -9572,12 +9491,12 @@
           <a:lstStyle/>
           <a:p>
             <a:r>
-              <a:rPr lang="es-ES" sz="2950" dirty="0">
+              <a:rPr lang="es-ES" sz="2950">
                 <a:latin typeface="Geneva"/>
               </a:rPr>
               <a:t>Planificación.</a:t>
             </a:r>
-            <a:endParaRPr lang="es-ES" dirty="0"/>
+            <a:endParaRPr lang="es-ES"/>
           </a:p>
         </p:txBody>
       </p:sp>
@@ -9613,14 +9532,14 @@
               <a:buNone/>
             </a:pPr>
             <a:r>
-              <a:rPr lang="es-ES" sz="2950" dirty="0">
+              <a:rPr lang="es-ES" sz="2950">
                 <a:latin typeface="Helvetica"/>
                 <a:ea typeface="Verdana"/>
                 <a:cs typeface="Arial"/>
               </a:rPr>
               <a:t>Hemos seleccionado la metodología Scrum</a:t>
             </a:r>
-            <a:endParaRPr lang="es-ES" dirty="0"/>
+            <a:endParaRPr lang="es-ES"/>
           </a:p>
         </p:txBody>
       </p:sp>
@@ -9830,12 +9749,12 @@
           <a:lstStyle/>
           <a:p>
             <a:r>
-              <a:rPr lang="es-ES" sz="2950" dirty="0">
+              <a:rPr lang="es-ES" sz="2950">
                 <a:latin typeface="Geneva"/>
               </a:rPr>
               <a:t>Arquitectura</a:t>
             </a:r>
-            <a:endParaRPr lang="es-ES" dirty="0"/>
+            <a:endParaRPr lang="es-ES"/>
           </a:p>
         </p:txBody>
       </p:sp>
@@ -10090,12 +10009,12 @@
           <a:lstStyle/>
           <a:p>
             <a:r>
-              <a:rPr lang="es-ES" sz="2950" dirty="0">
+              <a:rPr lang="es-ES" sz="2950">
                 <a:latin typeface="Geneva"/>
               </a:rPr>
               <a:t>Modelos</a:t>
             </a:r>
-            <a:endParaRPr lang="es-ES" sz="2950" dirty="0"/>
+            <a:endParaRPr lang="es-ES" sz="2950"/>
           </a:p>
         </p:txBody>
       </p:sp>
@@ -10301,13 +10220,13 @@
   <p:clrMapOvr>
     <a:masterClrMapping/>
   </p:clrMapOvr>
-  <mc:AlternateContent xmlns:mc="http://schemas.openxmlformats.org/markup-compatibility/2006">
-    <mc:Choice xmlns:p14="http://schemas.microsoft.com/office/powerpoint/2010/main" Requires="p14">
+  <mc:AlternateContent xmlns:mc="http://schemas.openxmlformats.org/markup-compatibility/2006" xmlns:p14="http://schemas.microsoft.com/office/powerpoint/2010/main">
+    <mc:Choice Requires="p14">
       <p:transition spd="slow" p14:dur="800">
         <p:circle/>
       </p:transition>
     </mc:Choice>
-    <mc:Fallback>
+    <mc:Fallback xmlns="">
       <p:transition spd="slow">
         <p:circle/>
       </p:transition>

--- a/PFentertainment_presentación.pptx
+++ b/PFentertainment_presentación.pptx
@@ -6026,7 +6026,7 @@
           <p:nvPr/>
         </p:nvPicPr>
         <p:blipFill>
-          <a:blip r:embed="rId2">
+          <a:blip r:embed="rId2" cstate="email">
             <a:extLst>
               <a:ext uri="{28A0092B-C50C-407E-A947-70E740481C1C}">
                 <a14:useLocalDpi xmlns:a14="http://schemas.microsoft.com/office/drawing/2010/main" val="0"/>
@@ -6062,7 +6062,7 @@
           <p:nvPr/>
         </p:nvPicPr>
         <p:blipFill>
-          <a:blip r:embed="rId3">
+          <a:blip r:embed="rId3" cstate="email">
             <a:extLst>
               <a:ext uri="{28A0092B-C50C-407E-A947-70E740481C1C}">
                 <a14:useLocalDpi xmlns:a14="http://schemas.microsoft.com/office/drawing/2010/main" val="0"/>
@@ -6098,7 +6098,7 @@
           <p:nvPr/>
         </p:nvPicPr>
         <p:blipFill>
-          <a:blip r:embed="rId4">
+          <a:blip r:embed="rId4" cstate="email">
             <a:extLst>
               <a:ext uri="{28A0092B-C50C-407E-A947-70E740481C1C}">
                 <a14:useLocalDpi xmlns:a14="http://schemas.microsoft.com/office/drawing/2010/main" val="0"/>
@@ -6321,7 +6321,7 @@
           <p:nvPr/>
         </p:nvPicPr>
         <p:blipFill>
-          <a:blip r:embed="rId2">
+          <a:blip r:embed="rId2" cstate="email">
             <a:extLst>
               <a:ext uri="{28A0092B-C50C-407E-A947-70E740481C1C}">
                 <a14:useLocalDpi xmlns:a14="http://schemas.microsoft.com/office/drawing/2010/main" val="0"/>
@@ -6357,7 +6357,7 @@
           <p:nvPr/>
         </p:nvPicPr>
         <p:blipFill>
-          <a:blip r:embed="rId3">
+          <a:blip r:embed="rId3" cstate="email">
             <a:extLst>
               <a:ext uri="{28A0092B-C50C-407E-A947-70E740481C1C}">
                 <a14:useLocalDpi xmlns:a14="http://schemas.microsoft.com/office/drawing/2010/main" val="0"/>
@@ -7669,57 +7669,44 @@
           <a:lstStyle/>
           <a:p>
             <a:r>
-              <a:rPr lang="es-ES" sz="2950">
+              <a:rPr lang="es-ES" sz="2950" dirty="0">
                 <a:latin typeface="Geneva"/>
               </a:rPr>
               <a:t>Resultado</a:t>
             </a:r>
-            <a:endParaRPr lang="es-ES"/>
-          </a:p>
-        </p:txBody>
-      </p:sp>
-      <p:sp>
-        <p:nvSpPr>
-          <p:cNvPr id="3" name="Marcador de contenido 2">
-            <a:extLst>
-              <a:ext uri="{FF2B5EF4-FFF2-40B4-BE49-F238E27FC236}">
-                <a16:creationId xmlns:a16="http://schemas.microsoft.com/office/drawing/2014/main" id="{EE4FFB27-31A8-318E-ED1A-888384AB2567}"/>
-              </a:ext>
-            </a:extLst>
-          </p:cNvPr>
-          <p:cNvSpPr>
-            <a:spLocks noGrp="1"/>
-          </p:cNvSpPr>
+            <a:endParaRPr lang="es-ES" dirty="0"/>
+          </a:p>
+        </p:txBody>
+      </p:sp>
+      <p:pic>
+        <p:nvPicPr>
+          <p:cNvPr id="8" name="Marcador de contenido 7">
+            <a:extLst>
+              <a:ext uri="{FF2B5EF4-FFF2-40B4-BE49-F238E27FC236}">
+                <a16:creationId xmlns:a16="http://schemas.microsoft.com/office/drawing/2014/main" id="{05642C22-19D3-BAC8-D857-367857E61F7C}"/>
+              </a:ext>
+            </a:extLst>
+          </p:cNvPr>
+          <p:cNvPicPr>
+            <a:picLocks noGrp="1" noChangeAspect="1"/>
+          </p:cNvPicPr>
           <p:nvPr>
             <p:ph idx="1"/>
           </p:nvPr>
-        </p:nvSpPr>
-        <p:spPr/>
-        <p:txBody>
-          <a:bodyPr vert="horz" lIns="91440" tIns="45720" rIns="91440" bIns="45720" rtlCol="0" anchor="t">
-            <a:normAutofit/>
-          </a:bodyPr>
-          <a:lstStyle/>
-          <a:p>
-            <a:pPr marL="0" indent="0">
-              <a:buNone/>
-            </a:pPr>
-            <a:r>
-              <a:rPr lang="es-ES" sz="2950">
-                <a:latin typeface="Helvetica"/>
-                <a:ea typeface="Verdana"/>
-                <a:cs typeface="Arial"/>
-              </a:rPr>
-              <a:t>[insertar juego, ya sea vídeo/fotos]</a:t>
-            </a:r>
-            <a:endParaRPr lang="es-ES">
-              <a:latin typeface="Helvetica"/>
-              <a:ea typeface="Verdana"/>
-              <a:cs typeface="Arial"/>
-            </a:endParaRPr>
-          </a:p>
-        </p:txBody>
-      </p:sp>
+        </p:nvPicPr>
+        <p:blipFill>
+          <a:blip r:embed="rId2"/>
+          <a:stretch>
+            <a:fillRect/>
+          </a:stretch>
+        </p:blipFill>
+        <p:spPr>
+          <a:xfrm>
+            <a:off x="869133" y="1991595"/>
+            <a:ext cx="7213759" cy="3693032"/>
+          </a:xfrm>
+        </p:spPr>
+      </p:pic>
       <p:sp>
         <p:nvSpPr>
           <p:cNvPr id="4" name="Marcador de fecha 3">
@@ -7838,6 +7825,41 @@
                 </a:prstClr>
               </a:solidFill>
             </a:endParaRPr>
+          </a:p>
+        </p:txBody>
+      </p:sp>
+      <p:sp>
+        <p:nvSpPr>
+          <p:cNvPr id="9" name="CuadroTexto 8">
+            <a:extLst>
+              <a:ext uri="{FF2B5EF4-FFF2-40B4-BE49-F238E27FC236}">
+                <a16:creationId xmlns:a16="http://schemas.microsoft.com/office/drawing/2014/main" id="{8FC9CC1D-5972-478B-9896-1569F5D31D3A}"/>
+              </a:ext>
+            </a:extLst>
+          </p:cNvPr>
+          <p:cNvSpPr txBox="1"/>
+          <p:nvPr/>
+        </p:nvSpPr>
+        <p:spPr>
+          <a:xfrm>
+            <a:off x="869133" y="1683945"/>
+            <a:ext cx="2804742" cy="369332"/>
+          </a:xfrm>
+          <a:prstGeom prst="rect">
+            <a:avLst/>
+          </a:prstGeom>
+          <a:noFill/>
+        </p:spPr>
+        <p:txBody>
+          <a:bodyPr wrap="none" rtlCol="0">
+            <a:spAutoFit/>
+          </a:bodyPr>
+          <a:lstStyle/>
+          <a:p>
+            <a:r>
+              <a:rPr lang="es-ES" dirty="0"/>
+              <a:t>APLICACIÓN DE ESCRITORIO</a:t>
+            </a:r>
           </a:p>
         </p:txBody>
       </p:sp>
@@ -10189,7 +10211,7 @@
           <p:nvPr/>
         </p:nvPicPr>
         <p:blipFill>
-          <a:blip r:embed="rId2">
+          <a:blip r:embed="rId2" cstate="email">
             <a:extLst>
               <a:ext uri="{28A0092B-C50C-407E-A947-70E740481C1C}">
                 <a14:useLocalDpi xmlns:a14="http://schemas.microsoft.com/office/drawing/2010/main" val="0"/>

--- a/PFentertainment_presentación.pptx
+++ b/PFentertainment_presentación.pptx
@@ -7681,6 +7681,7 @@
       <p:pic>
         <p:nvPicPr>
           <p:cNvPr id="8" name="Marcador de contenido 7">
+            <a:hlinkClick r:id="rId2" action="ppaction://hlinkfile"/>
             <a:extLst>
               <a:ext uri="{FF2B5EF4-FFF2-40B4-BE49-F238E27FC236}">
                 <a16:creationId xmlns:a16="http://schemas.microsoft.com/office/drawing/2014/main" id="{05642C22-19D3-BAC8-D857-367857E61F7C}"/>
@@ -7695,15 +7696,15 @@
           </p:nvPr>
         </p:nvPicPr>
         <p:blipFill>
-          <a:blip r:embed="rId2"/>
+          <a:blip r:embed="rId3"/>
           <a:stretch>
             <a:fillRect/>
           </a:stretch>
         </p:blipFill>
         <p:spPr>
           <a:xfrm>
-            <a:off x="869133" y="1991595"/>
-            <a:ext cx="7213759" cy="3693032"/>
+            <a:off x="330122" y="2092354"/>
+            <a:ext cx="4131634" cy="2115160"/>
           </a:xfrm>
         </p:spPr>
       </p:pic>
@@ -7843,7 +7844,7 @@
         <p:spPr>
           <a:xfrm>
             <a:off x="869133" y="1683945"/>
-            <a:ext cx="2804742" cy="369332"/>
+            <a:ext cx="6441122" cy="369332"/>
           </a:xfrm>
           <a:prstGeom prst="rect">
             <a:avLst/>
@@ -7858,11 +7859,73 @@
           <a:p>
             <a:r>
               <a:rPr lang="es-ES" dirty="0"/>
-              <a:t>APLICACIÓN DE ESCRITORIO</a:t>
-            </a:r>
-          </a:p>
-        </p:txBody>
-      </p:sp>
+              <a:t>APLICACIÓN DE ESCRITORIO			APLICACIÓN WEB</a:t>
+            </a:r>
+          </a:p>
+        </p:txBody>
+      </p:sp>
+      <p:pic>
+        <p:nvPicPr>
+          <p:cNvPr id="7" name="Imagen 6">
+            <a:hlinkClick r:id="rId4"/>
+            <a:extLst>
+              <a:ext uri="{FF2B5EF4-FFF2-40B4-BE49-F238E27FC236}">
+                <a16:creationId xmlns:a16="http://schemas.microsoft.com/office/drawing/2014/main" id="{0A5423C3-EBB3-BD4F-996D-11EC13A0E007}"/>
+              </a:ext>
+            </a:extLst>
+          </p:cNvPr>
+          <p:cNvPicPr>
+            <a:picLocks noChangeAspect="1"/>
+          </p:cNvPicPr>
+          <p:nvPr/>
+        </p:nvPicPr>
+        <p:blipFill>
+          <a:blip r:embed="rId5"/>
+          <a:stretch>
+            <a:fillRect/>
+          </a:stretch>
+        </p:blipFill>
+        <p:spPr>
+          <a:xfrm>
+            <a:off x="4682246" y="2092354"/>
+            <a:ext cx="4218780" cy="2115160"/>
+          </a:xfrm>
+          <a:prstGeom prst="rect">
+            <a:avLst/>
+          </a:prstGeom>
+        </p:spPr>
+      </p:pic>
+      <p:pic>
+        <p:nvPicPr>
+          <p:cNvPr id="14" name="Imagen 13">
+            <a:hlinkClick r:id="rId2" action="ppaction://hlinkfile"/>
+            <a:extLst>
+              <a:ext uri="{FF2B5EF4-FFF2-40B4-BE49-F238E27FC236}">
+                <a16:creationId xmlns:a16="http://schemas.microsoft.com/office/drawing/2014/main" id="{8B2157DB-B38B-5AB7-57B3-00B7ECDAC07A}"/>
+              </a:ext>
+            </a:extLst>
+          </p:cNvPr>
+          <p:cNvPicPr>
+            <a:picLocks noChangeAspect="1"/>
+          </p:cNvPicPr>
+          <p:nvPr/>
+        </p:nvPicPr>
+        <p:blipFill>
+          <a:blip r:embed="rId6"/>
+          <a:stretch>
+            <a:fillRect/>
+          </a:stretch>
+        </p:blipFill>
+        <p:spPr>
+          <a:xfrm>
+            <a:off x="330122" y="4246590"/>
+            <a:ext cx="4131634" cy="2126625"/>
+          </a:xfrm>
+          <a:prstGeom prst="rect">
+            <a:avLst/>
+          </a:prstGeom>
+        </p:spPr>
+      </p:pic>
     </p:spTree>
     <p:extLst>
       <p:ext uri="{BB962C8B-B14F-4D97-AF65-F5344CB8AC3E}">
@@ -8222,6 +8285,9 @@
             </a:pPr>
             <a:r>
               <a:rPr lang="es-ES" sz="2950" dirty="0" err="1">
+                <a:solidFill>
+                  <a:srgbClr val="FF0000"/>
+                </a:solidFill>
                 <a:latin typeface="Helvetica"/>
                 <a:ea typeface="Verdana"/>
                 <a:cs typeface="Arial"/>
@@ -8230,6 +8296,9 @@
             </a:r>
             <a:r>
               <a:rPr lang="es-ES" sz="2950" dirty="0">
+                <a:solidFill>
+                  <a:srgbClr val="FF0000"/>
+                </a:solidFill>
                 <a:latin typeface="Helvetica"/>
                 <a:ea typeface="Verdana"/>
                 <a:cs typeface="Arial"/>
@@ -8238,6 +8307,9 @@
             </a:r>
             <a:r>
               <a:rPr lang="es-ES" sz="2950" dirty="0" err="1">
+                <a:solidFill>
+                  <a:srgbClr val="FF0000"/>
+                </a:solidFill>
                 <a:latin typeface="Helvetica"/>
                 <a:ea typeface="Verdana"/>
                 <a:cs typeface="Arial"/>
@@ -8246,6 +8318,9 @@
             </a:r>
             <a:r>
               <a:rPr lang="es-ES" sz="2950" dirty="0">
+                <a:solidFill>
+                  <a:srgbClr val="FF0000"/>
+                </a:solidFill>
                 <a:latin typeface="Helvetica"/>
                 <a:ea typeface="Verdana"/>
                 <a:cs typeface="Arial"/>
@@ -8254,6 +8329,9 @@
             </a:r>
             <a:r>
               <a:rPr lang="es-ES" sz="2950" dirty="0" err="1">
+                <a:solidFill>
+                  <a:srgbClr val="FF0000"/>
+                </a:solidFill>
                 <a:latin typeface="Helvetica"/>
                 <a:ea typeface="Verdana"/>
                 <a:cs typeface="Arial"/>
@@ -8262,11 +8340,14 @@
             </a:r>
             <a:r>
               <a:rPr lang="es-ES" sz="2950" dirty="0">
+                <a:solidFill>
+                  <a:srgbClr val="FF0000"/>
+                </a:solidFill>
                 <a:latin typeface="Helvetica"/>
                 <a:ea typeface="Verdana"/>
                 <a:cs typeface="Arial"/>
               </a:rPr>
-              <a:t> todo esto.</a:t>
+              <a:t> todo esto !!</a:t>
             </a:r>
           </a:p>
           <a:p>

--- a/PFentertainment_presentación.pptx
+++ b/PFentertainment_presentación.pptx
@@ -251,7 +251,7 @@
             <a:fld id="{0252902A-18E7-6440-A09B-741E2A2B6D42}" type="datetimeFigureOut">
               <a:rPr lang="es-ES" smtClean="0"/>
               <a:pPr/>
-              <a:t>02/06/2022</a:t>
+              <a:t>04/06/2022</a:t>
             </a:fld>
             <a:endParaRPr lang="es-ES"/>
           </a:p>
@@ -419,7 +419,7 @@
             <a:fld id="{4FA7064A-13DB-A34E-B31E-2D0AF10C5A7A}" type="datetimeFigureOut">
               <a:rPr lang="es-ES" smtClean="0"/>
               <a:pPr/>
-              <a:t>02/06/2022</a:t>
+              <a:t>04/06/2022</a:t>
             </a:fld>
             <a:endParaRPr lang="es-ES"/>
           </a:p>
@@ -7678,36 +7678,6 @@
           </a:p>
         </p:txBody>
       </p:sp>
-      <p:pic>
-        <p:nvPicPr>
-          <p:cNvPr id="8" name="Marcador de contenido 7">
-            <a:hlinkClick r:id="rId2" action="ppaction://hlinkfile"/>
-            <a:extLst>
-              <a:ext uri="{FF2B5EF4-FFF2-40B4-BE49-F238E27FC236}">
-                <a16:creationId xmlns:a16="http://schemas.microsoft.com/office/drawing/2014/main" id="{05642C22-19D3-BAC8-D857-367857E61F7C}"/>
-              </a:ext>
-            </a:extLst>
-          </p:cNvPr>
-          <p:cNvPicPr>
-            <a:picLocks noGrp="1" noChangeAspect="1"/>
-          </p:cNvPicPr>
-          <p:nvPr>
-            <p:ph idx="1"/>
-          </p:nvPr>
-        </p:nvPicPr>
-        <p:blipFill>
-          <a:blip r:embed="rId3"/>
-          <a:stretch>
-            <a:fillRect/>
-          </a:stretch>
-        </p:blipFill>
-        <p:spPr>
-          <a:xfrm>
-            <a:off x="330122" y="2092354"/>
-            <a:ext cx="4131634" cy="2115160"/>
-          </a:xfrm>
-        </p:spPr>
-      </p:pic>
       <p:sp>
         <p:nvSpPr>
           <p:cNvPr id="4" name="Marcador de fecha 3">
@@ -7859,7 +7829,7 @@
           <a:p>
             <a:r>
               <a:rPr lang="es-ES" dirty="0"/>
-              <a:t>APLICACIÓN DE ESCRITORIO			APLICACIÓN WEB</a:t>
+              <a:t>APLICACIÓN DE ESCRITORIO	V1 &amp; V2		APLICACIÓN WEB</a:t>
             </a:r>
           </a:p>
         </p:txBody>
@@ -7867,7 +7837,7 @@
       <p:pic>
         <p:nvPicPr>
           <p:cNvPr id="7" name="Imagen 6">
-            <a:hlinkClick r:id="rId4"/>
+            <a:hlinkClick r:id="rId2"/>
             <a:extLst>
               <a:ext uri="{FF2B5EF4-FFF2-40B4-BE49-F238E27FC236}">
                 <a16:creationId xmlns:a16="http://schemas.microsoft.com/office/drawing/2014/main" id="{0A5423C3-EBB3-BD4F-996D-11EC13A0E007}"/>
@@ -7880,7 +7850,7 @@
           <p:nvPr/>
         </p:nvPicPr>
         <p:blipFill>
-          <a:blip r:embed="rId5"/>
+          <a:blip r:embed="rId3"/>
           <a:stretch>
             <a:fillRect/>
           </a:stretch>
@@ -7898,10 +7868,40 @@
       <p:pic>
         <p:nvPicPr>
           <p:cNvPr id="14" name="Imagen 13">
-            <a:hlinkClick r:id="rId2" action="ppaction://hlinkfile"/>
+            <a:hlinkClick r:id="rId4" action="ppaction://hlinkfile"/>
             <a:extLst>
               <a:ext uri="{FF2B5EF4-FFF2-40B4-BE49-F238E27FC236}">
                 <a16:creationId xmlns:a16="http://schemas.microsoft.com/office/drawing/2014/main" id="{8B2157DB-B38B-5AB7-57B3-00B7ECDAC07A}"/>
+              </a:ext>
+            </a:extLst>
+          </p:cNvPr>
+          <p:cNvPicPr>
+            <a:picLocks noChangeAspect="1"/>
+          </p:cNvPicPr>
+          <p:nvPr/>
+        </p:nvPicPr>
+        <p:blipFill>
+          <a:blip r:embed="rId5"/>
+          <a:stretch>
+            <a:fillRect/>
+          </a:stretch>
+        </p:blipFill>
+        <p:spPr>
+          <a:xfrm>
+            <a:off x="440366" y="2086621"/>
+            <a:ext cx="4131634" cy="2126625"/>
+          </a:xfrm>
+          <a:prstGeom prst="rect">
+            <a:avLst/>
+          </a:prstGeom>
+        </p:spPr>
+      </p:pic>
+      <p:pic>
+        <p:nvPicPr>
+          <p:cNvPr id="12" name="Imagen 11">
+            <a:extLst>
+              <a:ext uri="{FF2B5EF4-FFF2-40B4-BE49-F238E27FC236}">
+                <a16:creationId xmlns:a16="http://schemas.microsoft.com/office/drawing/2014/main" id="{221F69F1-5949-5883-0D1F-7593D9B7B00B}"/>
               </a:ext>
             </a:extLst>
           </p:cNvPr>
@@ -7918,8 +7918,8 @@
         </p:blipFill>
         <p:spPr>
           <a:xfrm>
-            <a:off x="330122" y="4246590"/>
-            <a:ext cx="4131634" cy="2126625"/>
+            <a:off x="590289" y="4314336"/>
+            <a:ext cx="3964209" cy="2055516"/>
           </a:xfrm>
           <a:prstGeom prst="rect">
             <a:avLst/>
@@ -9885,8 +9885,8 @@
         </p:blipFill>
         <p:spPr>
           <a:xfrm>
-            <a:off x="628651" y="1821074"/>
-            <a:ext cx="7886700" cy="4433452"/>
+            <a:off x="1069017" y="1739654"/>
+            <a:ext cx="7389300" cy="4153842"/>
           </a:xfrm>
         </p:spPr>
       </p:pic>
@@ -10053,6 +10053,47 @@
                 <a:cs typeface="Calibri"/>
               </a:rPr>
               <a:t>MVC: Modelo-vista-controlador</a:t>
+            </a:r>
+          </a:p>
+        </p:txBody>
+      </p:sp>
+      <p:sp>
+        <p:nvSpPr>
+          <p:cNvPr id="3" name="CuadroTexto 2">
+            <a:extLst>
+              <a:ext uri="{FF2B5EF4-FFF2-40B4-BE49-F238E27FC236}">
+                <a16:creationId xmlns:a16="http://schemas.microsoft.com/office/drawing/2014/main" id="{4A28829C-2C89-6F0A-E605-F90A985885EA}"/>
+              </a:ext>
+            </a:extLst>
+          </p:cNvPr>
+          <p:cNvSpPr txBox="1"/>
+          <p:nvPr/>
+        </p:nvSpPr>
+        <p:spPr>
+          <a:xfrm>
+            <a:off x="469725" y="5845348"/>
+            <a:ext cx="1590807" cy="375595"/>
+          </a:xfrm>
+          <a:prstGeom prst="rect">
+            <a:avLst/>
+          </a:prstGeom>
+          <a:noFill/>
+        </p:spPr>
+        <p:txBody>
+          <a:bodyPr wrap="square" rtlCol="0">
+            <a:spAutoFit/>
+          </a:bodyPr>
+          <a:lstStyle/>
+          <a:p>
+            <a:r>
+              <a:rPr lang="es-ES" dirty="0">
+                <a:hlinkClick r:id="rId3"/>
+              </a:rPr>
+              <a:t>AUTÓMATA</a:t>
+            </a:r>
+            <a:r>
+              <a:rPr lang="es-ES" dirty="0"/>
+              <a:t> </a:t>
             </a:r>
           </a:p>
         </p:txBody>

--- a/PFentertainment_presentación.pptx
+++ b/PFentertainment_presentación.pptx
@@ -5,10 +5,10 @@
     <p:sldMasterId id="2147484831" r:id="rId1"/>
   </p:sldMasterIdLst>
   <p:notesMasterIdLst>
-    <p:notesMasterId r:id="rId22"/>
+    <p:notesMasterId r:id="rId25"/>
   </p:notesMasterIdLst>
   <p:handoutMasterIdLst>
-    <p:handoutMasterId r:id="rId23"/>
+    <p:handoutMasterId r:id="rId26"/>
   </p:handoutMasterIdLst>
   <p:sldIdLst>
     <p:sldId id="256" r:id="rId2"/>
@@ -18,19 +18,22 @@
     <p:sldId id="266" r:id="rId6"/>
     <p:sldId id="259" r:id="rId7"/>
     <p:sldId id="260" r:id="rId8"/>
-    <p:sldId id="261" r:id="rId9"/>
-    <p:sldId id="264" r:id="rId10"/>
-    <p:sldId id="262" r:id="rId11"/>
-    <p:sldId id="273" r:id="rId12"/>
-    <p:sldId id="276" r:id="rId13"/>
-    <p:sldId id="277" r:id="rId14"/>
-    <p:sldId id="265" r:id="rId15"/>
-    <p:sldId id="272" r:id="rId16"/>
-    <p:sldId id="263" r:id="rId17"/>
-    <p:sldId id="267" r:id="rId18"/>
-    <p:sldId id="268" r:id="rId19"/>
-    <p:sldId id="269" r:id="rId20"/>
-    <p:sldId id="270" r:id="rId21"/>
+    <p:sldId id="278" r:id="rId9"/>
+    <p:sldId id="279" r:id="rId10"/>
+    <p:sldId id="280" r:id="rId11"/>
+    <p:sldId id="261" r:id="rId12"/>
+    <p:sldId id="264" r:id="rId13"/>
+    <p:sldId id="262" r:id="rId14"/>
+    <p:sldId id="273" r:id="rId15"/>
+    <p:sldId id="276" r:id="rId16"/>
+    <p:sldId id="277" r:id="rId17"/>
+    <p:sldId id="265" r:id="rId18"/>
+    <p:sldId id="272" r:id="rId19"/>
+    <p:sldId id="263" r:id="rId20"/>
+    <p:sldId id="267" r:id="rId21"/>
+    <p:sldId id="268" r:id="rId22"/>
+    <p:sldId id="269" r:id="rId23"/>
+    <p:sldId id="270" r:id="rId24"/>
   </p:sldIdLst>
   <p:sldSz cx="9144000" cy="6858000" type="screen4x3"/>
   <p:notesSz cx="6858000" cy="9144000"/>
@@ -251,7 +254,7 @@
             <a:fld id="{0252902A-18E7-6440-A09B-741E2A2B6D42}" type="datetimeFigureOut">
               <a:rPr lang="es-ES" smtClean="0"/>
               <a:pPr/>
-              <a:t>04/06/2022</a:t>
+              <a:t>05/06/2022</a:t>
             </a:fld>
             <a:endParaRPr lang="es-ES"/>
           </a:p>
@@ -419,7 +422,7 @@
             <a:fld id="{4FA7064A-13DB-A34E-B31E-2D0AF10C5A7A}" type="datetimeFigureOut">
               <a:rPr lang="es-ES" smtClean="0"/>
               <a:pPr/>
-              <a:t>04/06/2022</a:t>
+              <a:t>05/06/2022</a:t>
             </a:fld>
             <a:endParaRPr lang="es-ES"/>
           </a:p>
@@ -4214,7 +4217,7 @@
           <p:cNvPr id="2" name="Título 1">
             <a:extLst>
               <a:ext uri="{FF2B5EF4-FFF2-40B4-BE49-F238E27FC236}">
-                <a16:creationId xmlns:a16="http://schemas.microsoft.com/office/drawing/2014/main" id="{F92B5780-49D8-D397-78A8-E07A10F47A4C}"/>
+                <a16:creationId xmlns:a16="http://schemas.microsoft.com/office/drawing/2014/main" id="{04B46495-5D51-55E9-9CB7-C4644155D94A}"/>
               </a:ext>
             </a:extLst>
           </p:cNvPr>
@@ -4231,77 +4234,12 @@
           <a:lstStyle/>
           <a:p>
             <a:r>
-              <a:rPr lang="es-ES" sz="2950">
+              <a:rPr lang="es-ES" sz="3200" dirty="0">
                 <a:latin typeface="Geneva"/>
               </a:rPr>
-              <a:t>Patrones</a:t>
-            </a:r>
-            <a:endParaRPr lang="es-ES"/>
-          </a:p>
-        </p:txBody>
-      </p:sp>
-      <p:sp>
-        <p:nvSpPr>
-          <p:cNvPr id="3" name="Marcador de contenido 2">
-            <a:extLst>
-              <a:ext uri="{FF2B5EF4-FFF2-40B4-BE49-F238E27FC236}">
-                <a16:creationId xmlns:a16="http://schemas.microsoft.com/office/drawing/2014/main" id="{2FDC2392-65CF-CBD0-FD19-E260ABAC49CB}"/>
-              </a:ext>
-            </a:extLst>
-          </p:cNvPr>
-          <p:cNvSpPr>
-            <a:spLocks noGrp="1"/>
-          </p:cNvSpPr>
-          <p:nvPr>
-            <p:ph idx="1"/>
-          </p:nvPr>
-        </p:nvSpPr>
-        <p:spPr/>
-        <p:txBody>
-          <a:bodyPr vert="horz" lIns="91440" tIns="45720" rIns="91440" bIns="45720" rtlCol="0" anchor="t">
-            <a:normAutofit/>
-          </a:bodyPr>
-          <a:lstStyle/>
-          <a:p>
-            <a:pPr marL="0" indent="0" algn="ctr">
-              <a:buNone/>
-            </a:pPr>
-            <a:r>
-              <a:rPr lang="es-ES" sz="2950" dirty="0">
-                <a:latin typeface="Helvetica"/>
-                <a:ea typeface="Verdana"/>
-                <a:cs typeface="Arial"/>
-              </a:rPr>
-              <a:t>Patrón </a:t>
-            </a:r>
-            <a:r>
-              <a:rPr lang="es-ES" sz="2950" dirty="0" err="1">
-                <a:latin typeface="Helvetica"/>
-                <a:ea typeface="Verdana"/>
-                <a:cs typeface="Arial"/>
-              </a:rPr>
-              <a:t>Façade</a:t>
-            </a:r>
-            <a:r>
-              <a:rPr lang="es-ES" sz="2950" dirty="0">
-                <a:latin typeface="Helvetica"/>
-                <a:ea typeface="Verdana"/>
-                <a:cs typeface="Arial"/>
-              </a:rPr>
-              <a:t>: la clase Partida hace de fachada, pues el usuario interactúa con ella y ella comienza a crear objetos de las otras clases.</a:t>
-            </a:r>
-          </a:p>
-          <a:p>
-            <a:pPr marL="0" indent="0" algn="ctr">
-              <a:buNone/>
-            </a:pPr>
-            <a:endParaRPr lang="es-ES" sz="2950"/>
-          </a:p>
-          <a:p>
-            <a:pPr marL="0" indent="0" algn="ctr">
-              <a:buNone/>
-            </a:pPr>
-            <a:endParaRPr lang="es-ES" sz="2950" dirty="0"/>
+              <a:t>Planificación</a:t>
+            </a:r>
+            <a:endParaRPr lang="es-ES" dirty="0"/>
           </a:p>
         </p:txBody>
       </p:sp>
@@ -4310,7 +4248,7 @@
           <p:cNvPr id="4" name="Marcador de fecha 3">
             <a:extLst>
               <a:ext uri="{FF2B5EF4-FFF2-40B4-BE49-F238E27FC236}">
-                <a16:creationId xmlns:a16="http://schemas.microsoft.com/office/drawing/2014/main" id="{0779FFCC-B079-4DB2-AD00-99192F4D993C}"/>
+                <a16:creationId xmlns:a16="http://schemas.microsoft.com/office/drawing/2014/main" id="{0252129A-4E51-5805-B99F-B201D3B9383B}"/>
               </a:ext>
             </a:extLst>
           </p:cNvPr>
@@ -4347,7 +4285,7 @@
           <p:cNvPr id="5" name="Marcador de pie de página 4">
             <a:extLst>
               <a:ext uri="{FF2B5EF4-FFF2-40B4-BE49-F238E27FC236}">
-                <a16:creationId xmlns:a16="http://schemas.microsoft.com/office/drawing/2014/main" id="{A8170F22-D978-887A-A622-BB7A4BDD8F8B}"/>
+                <a16:creationId xmlns:a16="http://schemas.microsoft.com/office/drawing/2014/main" id="{E4E507FF-6B3D-F737-181A-732E19EBBBF0}"/>
               </a:ext>
             </a:extLst>
           </p:cNvPr>
@@ -4384,7 +4322,7 @@
           <p:cNvPr id="6" name="Marcador de número de diapositiva 5">
             <a:extLst>
               <a:ext uri="{FF2B5EF4-FFF2-40B4-BE49-F238E27FC236}">
-                <a16:creationId xmlns:a16="http://schemas.microsoft.com/office/drawing/2014/main" id="{3A425E5B-FF22-FD9C-5BE3-4E38594D88B1}"/>
+                <a16:creationId xmlns:a16="http://schemas.microsoft.com/office/drawing/2014/main" id="{3E579B45-4B84-1610-6651-413F2B9603FA}"/>
               </a:ext>
             </a:extLst>
           </p:cNvPr>
@@ -4415,6 +4353,1357 @@
                 <a:defRPr/>
               </a:pPr>
               <a:t>10</a:t>
+            </a:fld>
+            <a:endParaRPr lang="es-ES">
+              <a:solidFill>
+                <a:prstClr val="black">
+                  <a:tint val="75000"/>
+                </a:prstClr>
+              </a:solidFill>
+            </a:endParaRPr>
+          </a:p>
+        </p:txBody>
+      </p:sp>
+      <p:sp>
+        <p:nvSpPr>
+          <p:cNvPr id="12" name="Marcador de contenido 2">
+            <a:extLst>
+              <a:ext uri="{FF2B5EF4-FFF2-40B4-BE49-F238E27FC236}">
+                <a16:creationId xmlns:a16="http://schemas.microsoft.com/office/drawing/2014/main" id="{29ABE0C3-1CD9-EEE2-F075-7F695520B0AE}"/>
+              </a:ext>
+            </a:extLst>
+          </p:cNvPr>
+          <p:cNvSpPr txBox="1">
+            <a:spLocks/>
+          </p:cNvSpPr>
+          <p:nvPr/>
+        </p:nvSpPr>
+        <p:spPr>
+          <a:xfrm>
+            <a:off x="628649" y="1449351"/>
+            <a:ext cx="7886700" cy="1194302"/>
+          </a:xfrm>
+          <a:prstGeom prst="rect">
+            <a:avLst/>
+          </a:prstGeom>
+        </p:spPr>
+        <p:txBody>
+          <a:bodyPr vert="horz" lIns="91440" tIns="45720" rIns="91440" bIns="45720" rtlCol="0">
+            <a:normAutofit/>
+          </a:bodyPr>
+          <a:lstStyle>
+            <a:lvl1pPr marL="211021" indent="-211021" algn="l" defTabSz="844083" rtl="0" eaLnBrk="1" latinLnBrk="0" hangingPunct="1">
+              <a:lnSpc>
+                <a:spcPct val="100000"/>
+              </a:lnSpc>
+              <a:spcBef>
+                <a:spcPts val="554"/>
+              </a:spcBef>
+              <a:spcAft>
+                <a:spcPts val="554"/>
+              </a:spcAft>
+              <a:buFont typeface="Arial" panose="020B0604020202020204" pitchFamily="34" charset="0"/>
+              <a:buChar char="•"/>
+              <a:defRPr sz="2954" kern="1200">
+                <a:solidFill>
+                  <a:schemeClr val="tx1"/>
+                </a:solidFill>
+                <a:latin typeface="Helvetica" pitchFamily="2" charset="0"/>
+                <a:ea typeface="Verdana" panose="020B0604030504040204" pitchFamily="34" charset="0"/>
+                <a:cs typeface="Arial" panose="020B0604020202020204" pitchFamily="34" charset="0"/>
+              </a:defRPr>
+            </a:lvl1pPr>
+            <a:lvl2pPr marL="633062" indent="-211021" algn="l" defTabSz="844083" rtl="0" eaLnBrk="1" latinLnBrk="0" hangingPunct="1">
+              <a:lnSpc>
+                <a:spcPct val="100000"/>
+              </a:lnSpc>
+              <a:spcBef>
+                <a:spcPts val="554"/>
+              </a:spcBef>
+              <a:spcAft>
+                <a:spcPts val="554"/>
+              </a:spcAft>
+              <a:buFont typeface="Arial" panose="020B0604020202020204" pitchFamily="34" charset="0"/>
+              <a:buChar char="•"/>
+              <a:defRPr sz="2585" kern="1200">
+                <a:solidFill>
+                  <a:schemeClr val="tx1"/>
+                </a:solidFill>
+                <a:latin typeface="Helvetica" pitchFamily="2" charset="0"/>
+                <a:ea typeface="Verdana" panose="020B0604030504040204" pitchFamily="34" charset="0"/>
+                <a:cs typeface="Arial" panose="020B0604020202020204" pitchFamily="34" charset="0"/>
+              </a:defRPr>
+            </a:lvl2pPr>
+            <a:lvl3pPr marL="1055103" indent="-211021" algn="l" defTabSz="844083" rtl="0" eaLnBrk="1" latinLnBrk="0" hangingPunct="1">
+              <a:lnSpc>
+                <a:spcPct val="100000"/>
+              </a:lnSpc>
+              <a:spcBef>
+                <a:spcPts val="554"/>
+              </a:spcBef>
+              <a:spcAft>
+                <a:spcPts val="554"/>
+              </a:spcAft>
+              <a:buFont typeface="Arial" panose="020B0604020202020204" pitchFamily="34" charset="0"/>
+              <a:buChar char="•"/>
+              <a:defRPr sz="2215" kern="1200">
+                <a:solidFill>
+                  <a:schemeClr val="tx1"/>
+                </a:solidFill>
+                <a:latin typeface="Helvetica" pitchFamily="2" charset="0"/>
+                <a:ea typeface="Verdana" panose="020B0604030504040204" pitchFamily="34" charset="0"/>
+                <a:cs typeface="Arial" panose="020B0604020202020204" pitchFamily="34" charset="0"/>
+              </a:defRPr>
+            </a:lvl3pPr>
+            <a:lvl4pPr marL="1477145" indent="-211021" algn="l" defTabSz="844083" rtl="0" eaLnBrk="1" latinLnBrk="0" hangingPunct="1">
+              <a:lnSpc>
+                <a:spcPct val="100000"/>
+              </a:lnSpc>
+              <a:spcBef>
+                <a:spcPts val="554"/>
+              </a:spcBef>
+              <a:spcAft>
+                <a:spcPts val="554"/>
+              </a:spcAft>
+              <a:buFont typeface="Arial" panose="020B0604020202020204" pitchFamily="34" charset="0"/>
+              <a:buChar char="•"/>
+              <a:defRPr sz="1846" kern="1200">
+                <a:solidFill>
+                  <a:schemeClr val="tx1"/>
+                </a:solidFill>
+                <a:latin typeface="Helvetica" pitchFamily="2" charset="0"/>
+                <a:ea typeface="Verdana" panose="020B0604030504040204" pitchFamily="34" charset="0"/>
+                <a:cs typeface="Arial" panose="020B0604020202020204" pitchFamily="34" charset="0"/>
+              </a:defRPr>
+            </a:lvl4pPr>
+            <a:lvl5pPr marL="1899186" indent="-211021" algn="l" defTabSz="844083" rtl="0" eaLnBrk="1" latinLnBrk="0" hangingPunct="1">
+              <a:lnSpc>
+                <a:spcPct val="100000"/>
+              </a:lnSpc>
+              <a:spcBef>
+                <a:spcPts val="554"/>
+              </a:spcBef>
+              <a:spcAft>
+                <a:spcPts val="554"/>
+              </a:spcAft>
+              <a:buFont typeface="Arial" panose="020B0604020202020204" pitchFamily="34" charset="0"/>
+              <a:buChar char="•"/>
+              <a:defRPr sz="1846" kern="1200">
+                <a:solidFill>
+                  <a:schemeClr val="tx1"/>
+                </a:solidFill>
+                <a:latin typeface="Helvetica" pitchFamily="2" charset="0"/>
+                <a:ea typeface="Verdana" panose="020B0604030504040204" pitchFamily="34" charset="0"/>
+                <a:cs typeface="Arial" panose="020B0604020202020204" pitchFamily="34" charset="0"/>
+              </a:defRPr>
+            </a:lvl5pPr>
+            <a:lvl6pPr marL="2321227" indent="-211021" algn="l" defTabSz="844083" rtl="0" eaLnBrk="1" latinLnBrk="0" hangingPunct="1">
+              <a:lnSpc>
+                <a:spcPct val="90000"/>
+              </a:lnSpc>
+              <a:spcBef>
+                <a:spcPts val="462"/>
+              </a:spcBef>
+              <a:buFont typeface="Arial" panose="020B0604020202020204" pitchFamily="34" charset="0"/>
+              <a:buChar char="•"/>
+              <a:defRPr sz="1662" kern="1200">
+                <a:solidFill>
+                  <a:schemeClr val="tx1"/>
+                </a:solidFill>
+                <a:latin typeface="+mn-lt"/>
+                <a:ea typeface="+mn-ea"/>
+                <a:cs typeface="+mn-cs"/>
+              </a:defRPr>
+            </a:lvl6pPr>
+            <a:lvl7pPr marL="2743269" indent="-211021" algn="l" defTabSz="844083" rtl="0" eaLnBrk="1" latinLnBrk="0" hangingPunct="1">
+              <a:lnSpc>
+                <a:spcPct val="90000"/>
+              </a:lnSpc>
+              <a:spcBef>
+                <a:spcPts val="462"/>
+              </a:spcBef>
+              <a:buFont typeface="Arial" panose="020B0604020202020204" pitchFamily="34" charset="0"/>
+              <a:buChar char="•"/>
+              <a:defRPr sz="1662" kern="1200">
+                <a:solidFill>
+                  <a:schemeClr val="tx1"/>
+                </a:solidFill>
+                <a:latin typeface="+mn-lt"/>
+                <a:ea typeface="+mn-ea"/>
+                <a:cs typeface="+mn-cs"/>
+              </a:defRPr>
+            </a:lvl7pPr>
+            <a:lvl8pPr marL="3165310" indent="-211021" algn="l" defTabSz="844083" rtl="0" eaLnBrk="1" latinLnBrk="0" hangingPunct="1">
+              <a:lnSpc>
+                <a:spcPct val="90000"/>
+              </a:lnSpc>
+              <a:spcBef>
+                <a:spcPts val="462"/>
+              </a:spcBef>
+              <a:buFont typeface="Arial" panose="020B0604020202020204" pitchFamily="34" charset="0"/>
+              <a:buChar char="•"/>
+              <a:defRPr sz="1662" kern="1200">
+                <a:solidFill>
+                  <a:schemeClr val="tx1"/>
+                </a:solidFill>
+                <a:latin typeface="+mn-lt"/>
+                <a:ea typeface="+mn-ea"/>
+                <a:cs typeface="+mn-cs"/>
+              </a:defRPr>
+            </a:lvl8pPr>
+            <a:lvl9pPr marL="3587351" indent="-211021" algn="l" defTabSz="844083" rtl="0" eaLnBrk="1" latinLnBrk="0" hangingPunct="1">
+              <a:lnSpc>
+                <a:spcPct val="90000"/>
+              </a:lnSpc>
+              <a:spcBef>
+                <a:spcPts val="462"/>
+              </a:spcBef>
+              <a:buFont typeface="Arial" panose="020B0604020202020204" pitchFamily="34" charset="0"/>
+              <a:buChar char="•"/>
+              <a:defRPr sz="1662" kern="1200">
+                <a:solidFill>
+                  <a:schemeClr val="tx1"/>
+                </a:solidFill>
+                <a:latin typeface="+mn-lt"/>
+                <a:ea typeface="+mn-ea"/>
+                <a:cs typeface="+mn-cs"/>
+              </a:defRPr>
+            </a:lvl9pPr>
+          </a:lstStyle>
+          <a:p>
+            <a:r>
+              <a:rPr lang="es-ES" dirty="0"/>
+              <a:t>Creación de reglas y botones para agilizar la organización (Butler).</a:t>
+            </a:r>
+          </a:p>
+        </p:txBody>
+      </p:sp>
+      <p:sp>
+        <p:nvSpPr>
+          <p:cNvPr id="10" name="Marcador de contenido 2">
+            <a:extLst>
+              <a:ext uri="{FF2B5EF4-FFF2-40B4-BE49-F238E27FC236}">
+                <a16:creationId xmlns:a16="http://schemas.microsoft.com/office/drawing/2014/main" id="{AF356377-1392-942B-9A1E-98EE5342A5EC}"/>
+              </a:ext>
+            </a:extLst>
+          </p:cNvPr>
+          <p:cNvSpPr txBox="1">
+            <a:spLocks/>
+          </p:cNvSpPr>
+          <p:nvPr/>
+        </p:nvSpPr>
+        <p:spPr>
+          <a:xfrm>
+            <a:off x="628649" y="2440983"/>
+            <a:ext cx="7886700" cy="1194302"/>
+          </a:xfrm>
+          <a:prstGeom prst="rect">
+            <a:avLst/>
+          </a:prstGeom>
+        </p:spPr>
+        <p:txBody>
+          <a:bodyPr vert="horz" lIns="91440" tIns="45720" rIns="91440" bIns="45720" rtlCol="0">
+            <a:normAutofit/>
+          </a:bodyPr>
+          <a:lstStyle>
+            <a:lvl1pPr marL="211021" indent="-211021" algn="l" defTabSz="844083" rtl="0" eaLnBrk="1" latinLnBrk="0" hangingPunct="1">
+              <a:lnSpc>
+                <a:spcPct val="100000"/>
+              </a:lnSpc>
+              <a:spcBef>
+                <a:spcPts val="554"/>
+              </a:spcBef>
+              <a:spcAft>
+                <a:spcPts val="554"/>
+              </a:spcAft>
+              <a:buFont typeface="Arial" panose="020B0604020202020204" pitchFamily="34" charset="0"/>
+              <a:buChar char="•"/>
+              <a:defRPr sz="2954" kern="1200">
+                <a:solidFill>
+                  <a:schemeClr val="tx1"/>
+                </a:solidFill>
+                <a:latin typeface="Helvetica" pitchFamily="2" charset="0"/>
+                <a:ea typeface="Verdana" panose="020B0604030504040204" pitchFamily="34" charset="0"/>
+                <a:cs typeface="Arial" panose="020B0604020202020204" pitchFamily="34" charset="0"/>
+              </a:defRPr>
+            </a:lvl1pPr>
+            <a:lvl2pPr marL="633062" indent="-211021" algn="l" defTabSz="844083" rtl="0" eaLnBrk="1" latinLnBrk="0" hangingPunct="1">
+              <a:lnSpc>
+                <a:spcPct val="100000"/>
+              </a:lnSpc>
+              <a:spcBef>
+                <a:spcPts val="554"/>
+              </a:spcBef>
+              <a:spcAft>
+                <a:spcPts val="554"/>
+              </a:spcAft>
+              <a:buFont typeface="Arial" panose="020B0604020202020204" pitchFamily="34" charset="0"/>
+              <a:buChar char="•"/>
+              <a:defRPr sz="2585" kern="1200">
+                <a:solidFill>
+                  <a:schemeClr val="tx1"/>
+                </a:solidFill>
+                <a:latin typeface="Helvetica" pitchFamily="2" charset="0"/>
+                <a:ea typeface="Verdana" panose="020B0604030504040204" pitchFamily="34" charset="0"/>
+                <a:cs typeface="Arial" panose="020B0604020202020204" pitchFamily="34" charset="0"/>
+              </a:defRPr>
+            </a:lvl2pPr>
+            <a:lvl3pPr marL="1055103" indent="-211021" algn="l" defTabSz="844083" rtl="0" eaLnBrk="1" latinLnBrk="0" hangingPunct="1">
+              <a:lnSpc>
+                <a:spcPct val="100000"/>
+              </a:lnSpc>
+              <a:spcBef>
+                <a:spcPts val="554"/>
+              </a:spcBef>
+              <a:spcAft>
+                <a:spcPts val="554"/>
+              </a:spcAft>
+              <a:buFont typeface="Arial" panose="020B0604020202020204" pitchFamily="34" charset="0"/>
+              <a:buChar char="•"/>
+              <a:defRPr sz="2215" kern="1200">
+                <a:solidFill>
+                  <a:schemeClr val="tx1"/>
+                </a:solidFill>
+                <a:latin typeface="Helvetica" pitchFamily="2" charset="0"/>
+                <a:ea typeface="Verdana" panose="020B0604030504040204" pitchFamily="34" charset="0"/>
+                <a:cs typeface="Arial" panose="020B0604020202020204" pitchFamily="34" charset="0"/>
+              </a:defRPr>
+            </a:lvl3pPr>
+            <a:lvl4pPr marL="1477145" indent="-211021" algn="l" defTabSz="844083" rtl="0" eaLnBrk="1" latinLnBrk="0" hangingPunct="1">
+              <a:lnSpc>
+                <a:spcPct val="100000"/>
+              </a:lnSpc>
+              <a:spcBef>
+                <a:spcPts val="554"/>
+              </a:spcBef>
+              <a:spcAft>
+                <a:spcPts val="554"/>
+              </a:spcAft>
+              <a:buFont typeface="Arial" panose="020B0604020202020204" pitchFamily="34" charset="0"/>
+              <a:buChar char="•"/>
+              <a:defRPr sz="1846" kern="1200">
+                <a:solidFill>
+                  <a:schemeClr val="tx1"/>
+                </a:solidFill>
+                <a:latin typeface="Helvetica" pitchFamily="2" charset="0"/>
+                <a:ea typeface="Verdana" panose="020B0604030504040204" pitchFamily="34" charset="0"/>
+                <a:cs typeface="Arial" panose="020B0604020202020204" pitchFamily="34" charset="0"/>
+              </a:defRPr>
+            </a:lvl4pPr>
+            <a:lvl5pPr marL="1899186" indent="-211021" algn="l" defTabSz="844083" rtl="0" eaLnBrk="1" latinLnBrk="0" hangingPunct="1">
+              <a:lnSpc>
+                <a:spcPct val="100000"/>
+              </a:lnSpc>
+              <a:spcBef>
+                <a:spcPts val="554"/>
+              </a:spcBef>
+              <a:spcAft>
+                <a:spcPts val="554"/>
+              </a:spcAft>
+              <a:buFont typeface="Arial" panose="020B0604020202020204" pitchFamily="34" charset="0"/>
+              <a:buChar char="•"/>
+              <a:defRPr sz="1846" kern="1200">
+                <a:solidFill>
+                  <a:schemeClr val="tx1"/>
+                </a:solidFill>
+                <a:latin typeface="Helvetica" pitchFamily="2" charset="0"/>
+                <a:ea typeface="Verdana" panose="020B0604030504040204" pitchFamily="34" charset="0"/>
+                <a:cs typeface="Arial" panose="020B0604020202020204" pitchFamily="34" charset="0"/>
+              </a:defRPr>
+            </a:lvl5pPr>
+            <a:lvl6pPr marL="2321227" indent="-211021" algn="l" defTabSz="844083" rtl="0" eaLnBrk="1" latinLnBrk="0" hangingPunct="1">
+              <a:lnSpc>
+                <a:spcPct val="90000"/>
+              </a:lnSpc>
+              <a:spcBef>
+                <a:spcPts val="462"/>
+              </a:spcBef>
+              <a:buFont typeface="Arial" panose="020B0604020202020204" pitchFamily="34" charset="0"/>
+              <a:buChar char="•"/>
+              <a:defRPr sz="1662" kern="1200">
+                <a:solidFill>
+                  <a:schemeClr val="tx1"/>
+                </a:solidFill>
+                <a:latin typeface="+mn-lt"/>
+                <a:ea typeface="+mn-ea"/>
+                <a:cs typeface="+mn-cs"/>
+              </a:defRPr>
+            </a:lvl6pPr>
+            <a:lvl7pPr marL="2743269" indent="-211021" algn="l" defTabSz="844083" rtl="0" eaLnBrk="1" latinLnBrk="0" hangingPunct="1">
+              <a:lnSpc>
+                <a:spcPct val="90000"/>
+              </a:lnSpc>
+              <a:spcBef>
+                <a:spcPts val="462"/>
+              </a:spcBef>
+              <a:buFont typeface="Arial" panose="020B0604020202020204" pitchFamily="34" charset="0"/>
+              <a:buChar char="•"/>
+              <a:defRPr sz="1662" kern="1200">
+                <a:solidFill>
+                  <a:schemeClr val="tx1"/>
+                </a:solidFill>
+                <a:latin typeface="+mn-lt"/>
+                <a:ea typeface="+mn-ea"/>
+                <a:cs typeface="+mn-cs"/>
+              </a:defRPr>
+            </a:lvl7pPr>
+            <a:lvl8pPr marL="3165310" indent="-211021" algn="l" defTabSz="844083" rtl="0" eaLnBrk="1" latinLnBrk="0" hangingPunct="1">
+              <a:lnSpc>
+                <a:spcPct val="90000"/>
+              </a:lnSpc>
+              <a:spcBef>
+                <a:spcPts val="462"/>
+              </a:spcBef>
+              <a:buFont typeface="Arial" panose="020B0604020202020204" pitchFamily="34" charset="0"/>
+              <a:buChar char="•"/>
+              <a:defRPr sz="1662" kern="1200">
+                <a:solidFill>
+                  <a:schemeClr val="tx1"/>
+                </a:solidFill>
+                <a:latin typeface="+mn-lt"/>
+                <a:ea typeface="+mn-ea"/>
+                <a:cs typeface="+mn-cs"/>
+              </a:defRPr>
+            </a:lvl8pPr>
+            <a:lvl9pPr marL="3587351" indent="-211021" algn="l" defTabSz="844083" rtl="0" eaLnBrk="1" latinLnBrk="0" hangingPunct="1">
+              <a:lnSpc>
+                <a:spcPct val="90000"/>
+              </a:lnSpc>
+              <a:spcBef>
+                <a:spcPts val="462"/>
+              </a:spcBef>
+              <a:buFont typeface="Arial" panose="020B0604020202020204" pitchFamily="34" charset="0"/>
+              <a:buChar char="•"/>
+              <a:defRPr sz="1662" kern="1200">
+                <a:solidFill>
+                  <a:schemeClr val="tx1"/>
+                </a:solidFill>
+                <a:latin typeface="+mn-lt"/>
+                <a:ea typeface="+mn-ea"/>
+                <a:cs typeface="+mn-cs"/>
+              </a:defRPr>
+            </a:lvl9pPr>
+          </a:lstStyle>
+          <a:p>
+            <a:r>
+              <a:rPr lang="es-ES" dirty="0" err="1"/>
+              <a:t>Review</a:t>
+            </a:r>
+            <a:r>
+              <a:rPr lang="es-ES" dirty="0"/>
+              <a:t> &amp; </a:t>
+            </a:r>
+            <a:r>
+              <a:rPr lang="es-ES" dirty="0" err="1"/>
+              <a:t>Feedback</a:t>
+            </a:r>
+            <a:r>
+              <a:rPr lang="es-ES" dirty="0"/>
+              <a:t> a través de </a:t>
+            </a:r>
+            <a:r>
+              <a:rPr lang="es-ES" i="1" dirty="0" err="1"/>
+              <a:t>issues</a:t>
+            </a:r>
+            <a:r>
+              <a:rPr lang="es-ES" dirty="0"/>
+              <a:t> en GitHub, y </a:t>
+            </a:r>
+            <a:r>
+              <a:rPr lang="es-ES" dirty="0" err="1"/>
+              <a:t>Discord</a:t>
+            </a:r>
+            <a:r>
+              <a:rPr lang="es-ES" dirty="0"/>
+              <a:t>.</a:t>
+            </a:r>
+          </a:p>
+        </p:txBody>
+      </p:sp>
+      <p:pic>
+        <p:nvPicPr>
+          <p:cNvPr id="14" name="Imagen 13">
+            <a:extLst>
+              <a:ext uri="{FF2B5EF4-FFF2-40B4-BE49-F238E27FC236}">
+                <a16:creationId xmlns:a16="http://schemas.microsoft.com/office/drawing/2014/main" id="{0CFFFF52-B8F5-D11A-A4A1-346F4C7D9CE6}"/>
+              </a:ext>
+            </a:extLst>
+          </p:cNvPr>
+          <p:cNvPicPr>
+            <a:picLocks noChangeAspect="1"/>
+          </p:cNvPicPr>
+          <p:nvPr/>
+        </p:nvPicPr>
+        <p:blipFill>
+          <a:blip r:embed="rId2"/>
+          <a:stretch>
+            <a:fillRect/>
+          </a:stretch>
+        </p:blipFill>
+        <p:spPr>
+          <a:xfrm>
+            <a:off x="896167" y="3799258"/>
+            <a:ext cx="4657562" cy="2513442"/>
+          </a:xfrm>
+          <a:prstGeom prst="rect">
+            <a:avLst/>
+          </a:prstGeom>
+          <a:ln>
+            <a:solidFill>
+              <a:schemeClr val="accent2"/>
+            </a:solidFill>
+          </a:ln>
+        </p:spPr>
+      </p:pic>
+      <p:pic>
+        <p:nvPicPr>
+          <p:cNvPr id="18" name="Imagen 17">
+            <a:extLst>
+              <a:ext uri="{FF2B5EF4-FFF2-40B4-BE49-F238E27FC236}">
+                <a16:creationId xmlns:a16="http://schemas.microsoft.com/office/drawing/2014/main" id="{B142CF12-EB92-F853-7355-F070B3D8898B}"/>
+              </a:ext>
+            </a:extLst>
+          </p:cNvPr>
+          <p:cNvPicPr>
+            <a:picLocks noChangeAspect="1"/>
+          </p:cNvPicPr>
+          <p:nvPr/>
+        </p:nvPicPr>
+        <p:blipFill>
+          <a:blip r:embed="rId3"/>
+          <a:stretch>
+            <a:fillRect/>
+          </a:stretch>
+        </p:blipFill>
+        <p:spPr>
+          <a:xfrm>
+            <a:off x="3430045" y="3429000"/>
+            <a:ext cx="4880207" cy="1063999"/>
+          </a:xfrm>
+          <a:prstGeom prst="rect">
+            <a:avLst/>
+          </a:prstGeom>
+          <a:ln>
+            <a:solidFill>
+              <a:schemeClr val="accent2"/>
+            </a:solidFill>
+          </a:ln>
+        </p:spPr>
+      </p:pic>
+    </p:spTree>
+    <p:extLst>
+      <p:ext uri="{BB962C8B-B14F-4D97-AF65-F5344CB8AC3E}">
+        <p14:creationId xmlns:p14="http://schemas.microsoft.com/office/powerpoint/2010/main" val="3901915659"/>
+      </p:ext>
+    </p:extLst>
+  </p:cSld>
+  <p:clrMapOvr>
+    <a:masterClrMapping/>
+  </p:clrMapOvr>
+  <mc:AlternateContent xmlns:mc="http://schemas.openxmlformats.org/markup-compatibility/2006">
+    <mc:Choice xmlns:p159="http://schemas.microsoft.com/office/powerpoint/2015/09/main" Requires="p159">
+      <p:transition spd="slow">
+        <p159:morph option="byObject"/>
+      </p:transition>
+    </mc:Choice>
+    <mc:Fallback>
+      <p:transition spd="slow">
+        <p:fade/>
+      </p:transition>
+    </mc:Fallback>
+  </mc:AlternateContent>
+</p:sld>
+</file>
+
+<file path=ppt/slides/slide11.xml><?xml version="1.0" encoding="utf-8"?>
+<p:sld xmlns:a="http://schemas.openxmlformats.org/drawingml/2006/main" xmlns:r="http://schemas.openxmlformats.org/officeDocument/2006/relationships" xmlns:p="http://schemas.openxmlformats.org/presentationml/2006/main">
+  <p:cSld>
+    <p:spTree>
+      <p:nvGrpSpPr>
+        <p:cNvPr id="1" name=""/>
+        <p:cNvGrpSpPr/>
+        <p:nvPr/>
+      </p:nvGrpSpPr>
+      <p:grpSpPr>
+        <a:xfrm>
+          <a:off x="0" y="0"/>
+          <a:ext cx="0" cy="0"/>
+          <a:chOff x="0" y="0"/>
+          <a:chExt cx="0" cy="0"/>
+        </a:xfrm>
+      </p:grpSpPr>
+      <p:sp>
+        <p:nvSpPr>
+          <p:cNvPr id="2" name="Título 1">
+            <a:extLst>
+              <a:ext uri="{FF2B5EF4-FFF2-40B4-BE49-F238E27FC236}">
+                <a16:creationId xmlns:a16="http://schemas.microsoft.com/office/drawing/2014/main" id="{F69FF439-ADBC-E2A8-75DD-26B866C6235E}"/>
+              </a:ext>
+            </a:extLst>
+          </p:cNvPr>
+          <p:cNvSpPr>
+            <a:spLocks noGrp="1"/>
+          </p:cNvSpPr>
+          <p:nvPr>
+            <p:ph type="title"/>
+          </p:nvPr>
+        </p:nvSpPr>
+        <p:spPr/>
+        <p:txBody>
+          <a:bodyPr/>
+          <a:lstStyle/>
+          <a:p>
+            <a:r>
+              <a:rPr lang="es-ES" sz="2950">
+                <a:latin typeface="Geneva"/>
+              </a:rPr>
+              <a:t>Arquitectura</a:t>
+            </a:r>
+            <a:endParaRPr lang="es-ES"/>
+          </a:p>
+        </p:txBody>
+      </p:sp>
+      <p:pic>
+        <p:nvPicPr>
+          <p:cNvPr id="7" name="Imagen 7" descr="Diagrama&#10;&#10;Descripción generada automáticamente">
+            <a:extLst>
+              <a:ext uri="{FF2B5EF4-FFF2-40B4-BE49-F238E27FC236}">
+                <a16:creationId xmlns:a16="http://schemas.microsoft.com/office/drawing/2014/main" id="{045DC57D-CB8C-4C99-0826-520B1A229B32}"/>
+              </a:ext>
+            </a:extLst>
+          </p:cNvPr>
+          <p:cNvPicPr>
+            <a:picLocks noGrp="1" noChangeAspect="1"/>
+          </p:cNvPicPr>
+          <p:nvPr>
+            <p:ph idx="1"/>
+          </p:nvPr>
+        </p:nvPicPr>
+        <p:blipFill>
+          <a:blip r:embed="rId2"/>
+          <a:stretch>
+            <a:fillRect/>
+          </a:stretch>
+        </p:blipFill>
+        <p:spPr>
+          <a:xfrm>
+            <a:off x="1069017" y="1739654"/>
+            <a:ext cx="7389300" cy="4153842"/>
+          </a:xfrm>
+        </p:spPr>
+      </p:pic>
+      <p:sp>
+        <p:nvSpPr>
+          <p:cNvPr id="4" name="Marcador de fecha 3">
+            <a:extLst>
+              <a:ext uri="{FF2B5EF4-FFF2-40B4-BE49-F238E27FC236}">
+                <a16:creationId xmlns:a16="http://schemas.microsoft.com/office/drawing/2014/main" id="{1C7F6A76-A49E-63E1-873B-974ABA7D96CF}"/>
+              </a:ext>
+            </a:extLst>
+          </p:cNvPr>
+          <p:cNvSpPr>
+            <a:spLocks noGrp="1"/>
+          </p:cNvSpPr>
+          <p:nvPr>
+            <p:ph type="dt" sz="half" idx="10"/>
+          </p:nvPr>
+        </p:nvSpPr>
+        <p:spPr/>
+        <p:txBody>
+          <a:bodyPr/>
+          <a:lstStyle/>
+          <a:p>
+            <a:pPr defTabSz="422041">
+              <a:defRPr/>
+            </a:pPr>
+            <a:r>
+              <a:rPr lang="es-ES">
+                <a:solidFill>
+                  <a:prstClr val="black">
+                    <a:tint val="75000"/>
+                  </a:prstClr>
+                </a:solidFill>
+              </a:rPr>
+              <a:t>Curso 2021-2022</a:t>
+            </a:r>
+          </a:p>
+        </p:txBody>
+      </p:sp>
+      <p:sp>
+        <p:nvSpPr>
+          <p:cNvPr id="5" name="Marcador de pie de página 4">
+            <a:extLst>
+              <a:ext uri="{FF2B5EF4-FFF2-40B4-BE49-F238E27FC236}">
+                <a16:creationId xmlns:a16="http://schemas.microsoft.com/office/drawing/2014/main" id="{B02D4C27-4DF3-360E-6F59-85946C50BBE2}"/>
+              </a:ext>
+            </a:extLst>
+          </p:cNvPr>
+          <p:cNvSpPr>
+            <a:spLocks noGrp="1"/>
+          </p:cNvSpPr>
+          <p:nvPr>
+            <p:ph type="ftr" sz="quarter" idx="11"/>
+          </p:nvPr>
+        </p:nvSpPr>
+        <p:spPr/>
+        <p:txBody>
+          <a:bodyPr/>
+          <a:lstStyle/>
+          <a:p>
+            <a:pPr defTabSz="422041">
+              <a:defRPr/>
+            </a:pPr>
+            <a:r>
+              <a:rPr lang="es-ES">
+                <a:solidFill>
+                  <a:prstClr val="black">
+                    <a:tint val="75000"/>
+                  </a:prstClr>
+                </a:solidFill>
+              </a:rPr>
+              <a:t>Introducción a la Ingeniería del Software</a:t>
+            </a:r>
+          </a:p>
+        </p:txBody>
+      </p:sp>
+      <p:sp>
+        <p:nvSpPr>
+          <p:cNvPr id="6" name="Marcador de número de diapositiva 5">
+            <a:extLst>
+              <a:ext uri="{FF2B5EF4-FFF2-40B4-BE49-F238E27FC236}">
+                <a16:creationId xmlns:a16="http://schemas.microsoft.com/office/drawing/2014/main" id="{F4FB0E14-3B76-E561-001A-F81574E95A75}"/>
+              </a:ext>
+            </a:extLst>
+          </p:cNvPr>
+          <p:cNvSpPr>
+            <a:spLocks noGrp="1"/>
+          </p:cNvSpPr>
+          <p:nvPr>
+            <p:ph type="sldNum" sz="quarter" idx="12"/>
+          </p:nvPr>
+        </p:nvSpPr>
+        <p:spPr/>
+        <p:txBody>
+          <a:bodyPr/>
+          <a:lstStyle/>
+          <a:p>
+            <a:pPr defTabSz="422041">
+              <a:defRPr/>
+            </a:pPr>
+            <a:fld id="{9961DA19-05BC-2C48-AEE7-B9DFD6D07410}" type="slidenum">
+              <a:rPr lang="es-ES" smtClean="0">
+                <a:solidFill>
+                  <a:prstClr val="black">
+                    <a:tint val="75000"/>
+                  </a:prstClr>
+                </a:solidFill>
+              </a:rPr>
+              <a:pPr defTabSz="422041">
+                <a:defRPr/>
+              </a:pPr>
+              <a:t>11</a:t>
+            </a:fld>
+            <a:endParaRPr lang="es-ES">
+              <a:solidFill>
+                <a:prstClr val="black">
+                  <a:tint val="75000"/>
+                </a:prstClr>
+              </a:solidFill>
+            </a:endParaRPr>
+          </a:p>
+        </p:txBody>
+      </p:sp>
+      <p:sp>
+        <p:nvSpPr>
+          <p:cNvPr id="8" name="CuadroTexto 7">
+            <a:extLst>
+              <a:ext uri="{FF2B5EF4-FFF2-40B4-BE49-F238E27FC236}">
+                <a16:creationId xmlns:a16="http://schemas.microsoft.com/office/drawing/2014/main" id="{869C0773-BC34-3837-9693-47BDA2D12B51}"/>
+              </a:ext>
+            </a:extLst>
+          </p:cNvPr>
+          <p:cNvSpPr txBox="1"/>
+          <p:nvPr/>
+        </p:nvSpPr>
+        <p:spPr>
+          <a:xfrm>
+            <a:off x="1904650" y="1304179"/>
+            <a:ext cx="5598065" cy="523220"/>
+          </a:xfrm>
+          <a:prstGeom prst="rect">
+            <a:avLst/>
+          </a:prstGeom>
+          <a:noFill/>
+        </p:spPr>
+        <p:txBody>
+          <a:bodyPr rot="0" spcFirstLastPara="0" vertOverflow="overflow" horzOverflow="overflow" vert="horz" wrap="square" lIns="91440" tIns="45720" rIns="91440" bIns="45720" numCol="1" spcCol="0" rtlCol="0" fromWordArt="0" anchor="t" anchorCtr="0" forceAA="0" compatLnSpc="1">
+            <a:prstTxWarp prst="textNoShape">
+              <a:avLst/>
+            </a:prstTxWarp>
+            <a:spAutoFit/>
+          </a:bodyPr>
+          <a:lstStyle/>
+          <a:p>
+            <a:pPr algn="ctr"/>
+            <a:r>
+              <a:rPr lang="es-ES" sz="2800" b="1">
+                <a:solidFill>
+                  <a:schemeClr val="accent1">
+                    <a:lumMod val="50000"/>
+                  </a:schemeClr>
+                </a:solidFill>
+                <a:cs typeface="Calibri"/>
+              </a:rPr>
+              <a:t>MVC: Modelo-vista-controlador</a:t>
+            </a:r>
+          </a:p>
+        </p:txBody>
+      </p:sp>
+      <p:sp>
+        <p:nvSpPr>
+          <p:cNvPr id="3" name="CuadroTexto 2">
+            <a:extLst>
+              <a:ext uri="{FF2B5EF4-FFF2-40B4-BE49-F238E27FC236}">
+                <a16:creationId xmlns:a16="http://schemas.microsoft.com/office/drawing/2014/main" id="{4A28829C-2C89-6F0A-E605-F90A985885EA}"/>
+              </a:ext>
+            </a:extLst>
+          </p:cNvPr>
+          <p:cNvSpPr txBox="1"/>
+          <p:nvPr/>
+        </p:nvSpPr>
+        <p:spPr>
+          <a:xfrm>
+            <a:off x="469725" y="5845348"/>
+            <a:ext cx="1590807" cy="375595"/>
+          </a:xfrm>
+          <a:prstGeom prst="rect">
+            <a:avLst/>
+          </a:prstGeom>
+          <a:noFill/>
+        </p:spPr>
+        <p:txBody>
+          <a:bodyPr wrap="square" rtlCol="0">
+            <a:spAutoFit/>
+          </a:bodyPr>
+          <a:lstStyle/>
+          <a:p>
+            <a:r>
+              <a:rPr lang="es-ES" dirty="0">
+                <a:hlinkClick r:id="rId3"/>
+              </a:rPr>
+              <a:t>AUTÓMATA</a:t>
+            </a:r>
+            <a:r>
+              <a:rPr lang="es-ES" dirty="0"/>
+              <a:t> </a:t>
+            </a:r>
+          </a:p>
+        </p:txBody>
+      </p:sp>
+    </p:spTree>
+    <p:extLst>
+      <p:ext uri="{BB962C8B-B14F-4D97-AF65-F5344CB8AC3E}">
+        <p14:creationId xmlns:p14="http://schemas.microsoft.com/office/powerpoint/2010/main" val="3636806485"/>
+      </p:ext>
+    </p:extLst>
+  </p:cSld>
+  <p:clrMapOvr>
+    <a:masterClrMapping/>
+  </p:clrMapOvr>
+  <p:transition spd="med">
+    <p:pull/>
+  </p:transition>
+</p:sld>
+</file>
+
+<file path=ppt/slides/slide12.xml><?xml version="1.0" encoding="utf-8"?>
+<p:sld xmlns:a="http://schemas.openxmlformats.org/drawingml/2006/main" xmlns:r="http://schemas.openxmlformats.org/officeDocument/2006/relationships" xmlns:p="http://schemas.openxmlformats.org/presentationml/2006/main">
+  <p:cSld>
+    <p:spTree>
+      <p:nvGrpSpPr>
+        <p:cNvPr id="1" name=""/>
+        <p:cNvGrpSpPr/>
+        <p:nvPr/>
+      </p:nvGrpSpPr>
+      <p:grpSpPr>
+        <a:xfrm>
+          <a:off x="0" y="0"/>
+          <a:ext cx="0" cy="0"/>
+          <a:chOff x="0" y="0"/>
+          <a:chExt cx="0" cy="0"/>
+        </a:xfrm>
+      </p:grpSpPr>
+      <p:sp>
+        <p:nvSpPr>
+          <p:cNvPr id="2" name="Título 1">
+            <a:extLst>
+              <a:ext uri="{FF2B5EF4-FFF2-40B4-BE49-F238E27FC236}">
+                <a16:creationId xmlns:a16="http://schemas.microsoft.com/office/drawing/2014/main" id="{06B4040A-B532-101C-06D2-E433575FEA12}"/>
+              </a:ext>
+            </a:extLst>
+          </p:cNvPr>
+          <p:cNvSpPr>
+            <a:spLocks noGrp="1"/>
+          </p:cNvSpPr>
+          <p:nvPr>
+            <p:ph type="title"/>
+          </p:nvPr>
+        </p:nvSpPr>
+        <p:spPr/>
+        <p:txBody>
+          <a:bodyPr/>
+          <a:lstStyle/>
+          <a:p>
+            <a:r>
+              <a:rPr lang="es-ES" sz="2950">
+                <a:latin typeface="Geneva"/>
+              </a:rPr>
+              <a:t>Modelos</a:t>
+            </a:r>
+            <a:endParaRPr lang="es-ES" sz="2950"/>
+          </a:p>
+        </p:txBody>
+      </p:sp>
+      <p:sp>
+        <p:nvSpPr>
+          <p:cNvPr id="3" name="Marcador de contenido 2">
+            <a:extLst>
+              <a:ext uri="{FF2B5EF4-FFF2-40B4-BE49-F238E27FC236}">
+                <a16:creationId xmlns:a16="http://schemas.microsoft.com/office/drawing/2014/main" id="{249AF41E-3847-E031-C574-A321E770A3C4}"/>
+              </a:ext>
+            </a:extLst>
+          </p:cNvPr>
+          <p:cNvSpPr>
+            <a:spLocks noGrp="1"/>
+          </p:cNvSpPr>
+          <p:nvPr>
+            <p:ph idx="1"/>
+          </p:nvPr>
+        </p:nvSpPr>
+        <p:spPr>
+          <a:xfrm>
+            <a:off x="660255" y="1430205"/>
+            <a:ext cx="7897234" cy="4730600"/>
+          </a:xfrm>
+        </p:spPr>
+        <p:txBody>
+          <a:bodyPr vert="horz" lIns="91440" tIns="45720" rIns="91440" bIns="45720" rtlCol="0" anchor="t">
+            <a:noAutofit/>
+          </a:bodyPr>
+          <a:lstStyle/>
+          <a:p>
+            <a:pPr marL="0" indent="0" algn="ctr">
+              <a:buNone/>
+            </a:pPr>
+            <a:endParaRPr lang="es-ES" sz="3600"/>
+          </a:p>
+        </p:txBody>
+      </p:sp>
+      <p:sp>
+        <p:nvSpPr>
+          <p:cNvPr id="4" name="Marcador de fecha 3">
+            <a:extLst>
+              <a:ext uri="{FF2B5EF4-FFF2-40B4-BE49-F238E27FC236}">
+                <a16:creationId xmlns:a16="http://schemas.microsoft.com/office/drawing/2014/main" id="{1CE2F660-9A10-8F85-498A-F308016B7DEA}"/>
+              </a:ext>
+            </a:extLst>
+          </p:cNvPr>
+          <p:cNvSpPr>
+            <a:spLocks noGrp="1"/>
+          </p:cNvSpPr>
+          <p:nvPr>
+            <p:ph type="dt" sz="half" idx="10"/>
+          </p:nvPr>
+        </p:nvSpPr>
+        <p:spPr/>
+        <p:txBody>
+          <a:bodyPr/>
+          <a:lstStyle/>
+          <a:p>
+            <a:pPr defTabSz="422041">
+              <a:defRPr/>
+            </a:pPr>
+            <a:r>
+              <a:rPr lang="es-ES">
+                <a:solidFill>
+                  <a:prstClr val="black">
+                    <a:tint val="75000"/>
+                  </a:prstClr>
+                </a:solidFill>
+              </a:rPr>
+              <a:t>Curso 2021-2022</a:t>
+            </a:r>
+          </a:p>
+        </p:txBody>
+      </p:sp>
+      <p:sp>
+        <p:nvSpPr>
+          <p:cNvPr id="5" name="Marcador de pie de página 4">
+            <a:extLst>
+              <a:ext uri="{FF2B5EF4-FFF2-40B4-BE49-F238E27FC236}">
+                <a16:creationId xmlns:a16="http://schemas.microsoft.com/office/drawing/2014/main" id="{5EADE792-0AFB-5272-59A1-C260F22570E8}"/>
+              </a:ext>
+            </a:extLst>
+          </p:cNvPr>
+          <p:cNvSpPr>
+            <a:spLocks noGrp="1"/>
+          </p:cNvSpPr>
+          <p:nvPr>
+            <p:ph type="ftr" sz="quarter" idx="11"/>
+          </p:nvPr>
+        </p:nvSpPr>
+        <p:spPr/>
+        <p:txBody>
+          <a:bodyPr/>
+          <a:lstStyle/>
+          <a:p>
+            <a:pPr defTabSz="422041">
+              <a:defRPr/>
+            </a:pPr>
+            <a:r>
+              <a:rPr lang="es-ES">
+                <a:solidFill>
+                  <a:prstClr val="black">
+                    <a:tint val="75000"/>
+                  </a:prstClr>
+                </a:solidFill>
+              </a:rPr>
+              <a:t>Introducción a la Ingeniería del Software</a:t>
+            </a:r>
+          </a:p>
+        </p:txBody>
+      </p:sp>
+      <p:sp>
+        <p:nvSpPr>
+          <p:cNvPr id="6" name="Marcador de número de diapositiva 5">
+            <a:extLst>
+              <a:ext uri="{FF2B5EF4-FFF2-40B4-BE49-F238E27FC236}">
+                <a16:creationId xmlns:a16="http://schemas.microsoft.com/office/drawing/2014/main" id="{ACEAFB86-E3DC-0881-5E73-F8C28677AED0}"/>
+              </a:ext>
+            </a:extLst>
+          </p:cNvPr>
+          <p:cNvSpPr>
+            <a:spLocks noGrp="1"/>
+          </p:cNvSpPr>
+          <p:nvPr>
+            <p:ph type="sldNum" sz="quarter" idx="12"/>
+          </p:nvPr>
+        </p:nvSpPr>
+        <p:spPr/>
+        <p:txBody>
+          <a:bodyPr/>
+          <a:lstStyle/>
+          <a:p>
+            <a:pPr defTabSz="422041">
+              <a:defRPr/>
+            </a:pPr>
+            <a:fld id="{9961DA19-05BC-2C48-AEE7-B9DFD6D07410}" type="slidenum">
+              <a:rPr lang="es-ES" smtClean="0">
+                <a:solidFill>
+                  <a:prstClr val="black">
+                    <a:tint val="75000"/>
+                  </a:prstClr>
+                </a:solidFill>
+              </a:rPr>
+              <a:pPr defTabSz="422041">
+                <a:defRPr/>
+              </a:pPr>
+              <a:t>12</a:t>
+            </a:fld>
+            <a:endParaRPr lang="es-ES">
+              <a:solidFill>
+                <a:prstClr val="black">
+                  <a:tint val="75000"/>
+                </a:prstClr>
+              </a:solidFill>
+            </a:endParaRPr>
+          </a:p>
+        </p:txBody>
+      </p:sp>
+      <p:pic>
+        <p:nvPicPr>
+          <p:cNvPr id="10" name="Imagen 9">
+            <a:extLst>
+              <a:ext uri="{FF2B5EF4-FFF2-40B4-BE49-F238E27FC236}">
+                <a16:creationId xmlns:a16="http://schemas.microsoft.com/office/drawing/2014/main" id="{E78671A5-C72E-D736-8F93-0AB072E93C20}"/>
+              </a:ext>
+            </a:extLst>
+          </p:cNvPr>
+          <p:cNvPicPr>
+            <a:picLocks noChangeAspect="1"/>
+          </p:cNvPicPr>
+          <p:nvPr/>
+        </p:nvPicPr>
+        <p:blipFill>
+          <a:blip r:embed="rId2" cstate="email">
+            <a:extLst>
+              <a:ext uri="{28A0092B-C50C-407E-A947-70E740481C1C}">
+                <a14:useLocalDpi xmlns:a14="http://schemas.microsoft.com/office/drawing/2010/main" val="0"/>
+              </a:ext>
+            </a:extLst>
+          </a:blip>
+          <a:stretch>
+            <a:fillRect/>
+          </a:stretch>
+        </p:blipFill>
+        <p:spPr>
+          <a:xfrm>
+            <a:off x="173935" y="1349345"/>
+            <a:ext cx="8796130" cy="5090893"/>
+          </a:xfrm>
+          <a:prstGeom prst="rect">
+            <a:avLst/>
+          </a:prstGeom>
+        </p:spPr>
+      </p:pic>
+    </p:spTree>
+    <p:extLst>
+      <p:ext uri="{BB962C8B-B14F-4D97-AF65-F5344CB8AC3E}">
+        <p14:creationId xmlns:p14="http://schemas.microsoft.com/office/powerpoint/2010/main" val="3841751223"/>
+      </p:ext>
+    </p:extLst>
+  </p:cSld>
+  <p:clrMapOvr>
+    <a:masterClrMapping/>
+  </p:clrMapOvr>
+  <mc:AlternateContent xmlns:mc="http://schemas.openxmlformats.org/markup-compatibility/2006" xmlns:p14="http://schemas.microsoft.com/office/powerpoint/2010/main">
+    <mc:Choice Requires="p14">
+      <p:transition spd="slow" p14:dur="800">
+        <p:circle/>
+      </p:transition>
+    </mc:Choice>
+    <mc:Fallback xmlns="">
+      <p:transition spd="slow">
+        <p:circle/>
+      </p:transition>
+    </mc:Fallback>
+  </mc:AlternateContent>
+</p:sld>
+</file>
+
+<file path=ppt/slides/slide13.xml><?xml version="1.0" encoding="utf-8"?>
+<p:sld xmlns:a="http://schemas.openxmlformats.org/drawingml/2006/main" xmlns:r="http://schemas.openxmlformats.org/officeDocument/2006/relationships" xmlns:p="http://schemas.openxmlformats.org/presentationml/2006/main">
+  <p:cSld>
+    <p:spTree>
+      <p:nvGrpSpPr>
+        <p:cNvPr id="1" name=""/>
+        <p:cNvGrpSpPr/>
+        <p:nvPr/>
+      </p:nvGrpSpPr>
+      <p:grpSpPr>
+        <a:xfrm>
+          <a:off x="0" y="0"/>
+          <a:ext cx="0" cy="0"/>
+          <a:chOff x="0" y="0"/>
+          <a:chExt cx="0" cy="0"/>
+        </a:xfrm>
+      </p:grpSpPr>
+      <p:sp>
+        <p:nvSpPr>
+          <p:cNvPr id="2" name="Título 1">
+            <a:extLst>
+              <a:ext uri="{FF2B5EF4-FFF2-40B4-BE49-F238E27FC236}">
+                <a16:creationId xmlns:a16="http://schemas.microsoft.com/office/drawing/2014/main" id="{F92B5780-49D8-D397-78A8-E07A10F47A4C}"/>
+              </a:ext>
+            </a:extLst>
+          </p:cNvPr>
+          <p:cNvSpPr>
+            <a:spLocks noGrp="1"/>
+          </p:cNvSpPr>
+          <p:nvPr>
+            <p:ph type="title"/>
+          </p:nvPr>
+        </p:nvSpPr>
+        <p:spPr/>
+        <p:txBody>
+          <a:bodyPr/>
+          <a:lstStyle/>
+          <a:p>
+            <a:r>
+              <a:rPr lang="es-ES" sz="2950">
+                <a:latin typeface="Geneva"/>
+              </a:rPr>
+              <a:t>Patrones</a:t>
+            </a:r>
+            <a:endParaRPr lang="es-ES"/>
+          </a:p>
+        </p:txBody>
+      </p:sp>
+      <p:sp>
+        <p:nvSpPr>
+          <p:cNvPr id="3" name="Marcador de contenido 2">
+            <a:extLst>
+              <a:ext uri="{FF2B5EF4-FFF2-40B4-BE49-F238E27FC236}">
+                <a16:creationId xmlns:a16="http://schemas.microsoft.com/office/drawing/2014/main" id="{2FDC2392-65CF-CBD0-FD19-E260ABAC49CB}"/>
+              </a:ext>
+            </a:extLst>
+          </p:cNvPr>
+          <p:cNvSpPr>
+            <a:spLocks noGrp="1"/>
+          </p:cNvSpPr>
+          <p:nvPr>
+            <p:ph idx="1"/>
+          </p:nvPr>
+        </p:nvSpPr>
+        <p:spPr/>
+        <p:txBody>
+          <a:bodyPr vert="horz" lIns="91440" tIns="45720" rIns="91440" bIns="45720" rtlCol="0" anchor="t">
+            <a:normAutofit/>
+          </a:bodyPr>
+          <a:lstStyle/>
+          <a:p>
+            <a:pPr marL="0" indent="0" algn="ctr">
+              <a:buNone/>
+            </a:pPr>
+            <a:r>
+              <a:rPr lang="es-ES" sz="2950" dirty="0">
+                <a:latin typeface="Helvetica"/>
+                <a:ea typeface="Verdana"/>
+                <a:cs typeface="Arial"/>
+              </a:rPr>
+              <a:t>Patrón </a:t>
+            </a:r>
+            <a:r>
+              <a:rPr lang="es-ES" sz="2950" dirty="0" err="1">
+                <a:latin typeface="Helvetica"/>
+                <a:ea typeface="Verdana"/>
+                <a:cs typeface="Arial"/>
+              </a:rPr>
+              <a:t>Façade</a:t>
+            </a:r>
+            <a:r>
+              <a:rPr lang="es-ES" sz="2950" dirty="0">
+                <a:latin typeface="Helvetica"/>
+                <a:ea typeface="Verdana"/>
+                <a:cs typeface="Arial"/>
+              </a:rPr>
+              <a:t>: la clase Partida hace de fachada, pues el usuario interactúa con ella y ella comienza a crear objetos de las otras clases.</a:t>
+            </a:r>
+          </a:p>
+          <a:p>
+            <a:pPr marL="0" indent="0" algn="ctr">
+              <a:buNone/>
+            </a:pPr>
+            <a:endParaRPr lang="es-ES" sz="2950"/>
+          </a:p>
+          <a:p>
+            <a:pPr marL="0" indent="0" algn="ctr">
+              <a:buNone/>
+            </a:pPr>
+            <a:endParaRPr lang="es-ES" sz="2950" dirty="0"/>
+          </a:p>
+        </p:txBody>
+      </p:sp>
+      <p:sp>
+        <p:nvSpPr>
+          <p:cNvPr id="4" name="Marcador de fecha 3">
+            <a:extLst>
+              <a:ext uri="{FF2B5EF4-FFF2-40B4-BE49-F238E27FC236}">
+                <a16:creationId xmlns:a16="http://schemas.microsoft.com/office/drawing/2014/main" id="{0779FFCC-B079-4DB2-AD00-99192F4D993C}"/>
+              </a:ext>
+            </a:extLst>
+          </p:cNvPr>
+          <p:cNvSpPr>
+            <a:spLocks noGrp="1"/>
+          </p:cNvSpPr>
+          <p:nvPr>
+            <p:ph type="dt" sz="half" idx="10"/>
+          </p:nvPr>
+        </p:nvSpPr>
+        <p:spPr/>
+        <p:txBody>
+          <a:bodyPr/>
+          <a:lstStyle/>
+          <a:p>
+            <a:pPr defTabSz="422041">
+              <a:defRPr/>
+            </a:pPr>
+            <a:r>
+              <a:rPr lang="es-ES">
+                <a:solidFill>
+                  <a:prstClr val="black">
+                    <a:tint val="75000"/>
+                  </a:prstClr>
+                </a:solidFill>
+              </a:rPr>
+              <a:t>Curso 2021-2022</a:t>
+            </a:r>
+          </a:p>
+        </p:txBody>
+      </p:sp>
+      <p:sp>
+        <p:nvSpPr>
+          <p:cNvPr id="5" name="Marcador de pie de página 4">
+            <a:extLst>
+              <a:ext uri="{FF2B5EF4-FFF2-40B4-BE49-F238E27FC236}">
+                <a16:creationId xmlns:a16="http://schemas.microsoft.com/office/drawing/2014/main" id="{A8170F22-D978-887A-A622-BB7A4BDD8F8B}"/>
+              </a:ext>
+            </a:extLst>
+          </p:cNvPr>
+          <p:cNvSpPr>
+            <a:spLocks noGrp="1"/>
+          </p:cNvSpPr>
+          <p:nvPr>
+            <p:ph type="ftr" sz="quarter" idx="11"/>
+          </p:nvPr>
+        </p:nvSpPr>
+        <p:spPr/>
+        <p:txBody>
+          <a:bodyPr/>
+          <a:lstStyle/>
+          <a:p>
+            <a:pPr defTabSz="422041">
+              <a:defRPr/>
+            </a:pPr>
+            <a:r>
+              <a:rPr lang="es-ES">
+                <a:solidFill>
+                  <a:prstClr val="black">
+                    <a:tint val="75000"/>
+                  </a:prstClr>
+                </a:solidFill>
+              </a:rPr>
+              <a:t>Introducción a la Ingeniería del Software</a:t>
+            </a:r>
+          </a:p>
+        </p:txBody>
+      </p:sp>
+      <p:sp>
+        <p:nvSpPr>
+          <p:cNvPr id="6" name="Marcador de número de diapositiva 5">
+            <a:extLst>
+              <a:ext uri="{FF2B5EF4-FFF2-40B4-BE49-F238E27FC236}">
+                <a16:creationId xmlns:a16="http://schemas.microsoft.com/office/drawing/2014/main" id="{3A425E5B-FF22-FD9C-5BE3-4E38594D88B1}"/>
+              </a:ext>
+            </a:extLst>
+          </p:cNvPr>
+          <p:cNvSpPr>
+            <a:spLocks noGrp="1"/>
+          </p:cNvSpPr>
+          <p:nvPr>
+            <p:ph type="sldNum" sz="quarter" idx="12"/>
+          </p:nvPr>
+        </p:nvSpPr>
+        <p:spPr/>
+        <p:txBody>
+          <a:bodyPr/>
+          <a:lstStyle/>
+          <a:p>
+            <a:pPr defTabSz="422041">
+              <a:defRPr/>
+            </a:pPr>
+            <a:fld id="{9961DA19-05BC-2C48-AEE7-B9DFD6D07410}" type="slidenum">
+              <a:rPr lang="es-ES" smtClean="0">
+                <a:solidFill>
+                  <a:prstClr val="black">
+                    <a:tint val="75000"/>
+                  </a:prstClr>
+                </a:solidFill>
+              </a:rPr>
+              <a:pPr defTabSz="422041">
+                <a:defRPr/>
+              </a:pPr>
+              <a:t>13</a:t>
             </a:fld>
             <a:endParaRPr lang="es-ES">
               <a:solidFill>
@@ -4678,7 +5967,7 @@
 </p:sld>
 </file>
 
-<file path=ppt/slides/slide11.xml><?xml version="1.0" encoding="utf-8"?>
+<file path=ppt/slides/slide14.xml><?xml version="1.0" encoding="utf-8"?>
 <p:sld xmlns:a="http://schemas.openxmlformats.org/drawingml/2006/main" xmlns:r="http://schemas.openxmlformats.org/officeDocument/2006/relationships" xmlns:p="http://schemas.openxmlformats.org/presentationml/2006/main">
   <p:cSld>
     <p:spTree>
@@ -4897,7 +6186,7 @@
               <a:pPr defTabSz="422041">
                 <a:defRPr/>
               </a:pPr>
-              <a:t>11</a:t>
+              <a:t>14</a:t>
             </a:fld>
             <a:endParaRPr lang="es-ES">
               <a:solidFill>
@@ -5000,7 +6289,7 @@
 </p:sld>
 </file>
 
-<file path=ppt/slides/slide12.xml><?xml version="1.0" encoding="utf-8"?>
+<file path=ppt/slides/slide15.xml><?xml version="1.0" encoding="utf-8"?>
 <p:sld xmlns:a="http://schemas.openxmlformats.org/drawingml/2006/main" xmlns:r="http://schemas.openxmlformats.org/officeDocument/2006/relationships" xmlns:p="http://schemas.openxmlformats.org/presentationml/2006/main">
   <p:cSld>
     <p:spTree>
@@ -5229,7 +6518,7 @@
               <a:pPr defTabSz="422041">
                 <a:defRPr/>
               </a:pPr>
-              <a:t>12</a:t>
+              <a:t>15</a:t>
             </a:fld>
             <a:endParaRPr lang="es-ES">
               <a:solidFill>
@@ -5330,7 +6619,7 @@
 </p:sld>
 </file>
 
-<file path=ppt/slides/slide13.xml><?xml version="1.0" encoding="utf-8"?>
+<file path=ppt/slides/slide16.xml><?xml version="1.0" encoding="utf-8"?>
 <p:sld xmlns:a="http://schemas.openxmlformats.org/drawingml/2006/main" xmlns:r="http://schemas.openxmlformats.org/officeDocument/2006/relationships" xmlns:p="http://schemas.openxmlformats.org/presentationml/2006/main">
   <p:cSld>
     <p:spTree>
@@ -5543,7 +6832,7 @@
               <a:pPr defTabSz="422041">
                 <a:defRPr/>
               </a:pPr>
-              <a:t>13</a:t>
+              <a:t>16</a:t>
             </a:fld>
             <a:endParaRPr lang="es-ES">
               <a:solidFill>
@@ -5879,7 +7168,7 @@
 </p:sld>
 </file>
 
-<file path=ppt/slides/slide14.xml><?xml version="1.0" encoding="utf-8"?>
+<file path=ppt/slides/slide17.xml><?xml version="1.0" encoding="utf-8"?>
 <p:sld xmlns:a="http://schemas.openxmlformats.org/drawingml/2006/main" xmlns:r="http://schemas.openxmlformats.org/officeDocument/2006/relationships" xmlns:p="http://schemas.openxmlformats.org/presentationml/2006/main">
   <p:cSld>
     <p:spTree>
@@ -5999,7 +7288,7 @@
               <a:pPr defTabSz="422041">
                 <a:defRPr/>
               </a:pPr>
-              <a:t>14</a:t>
+              <a:t>17</a:t>
             </a:fld>
             <a:endParaRPr lang="es-ES">
               <a:solidFill>
@@ -6135,7 +7424,7 @@
 </p:sld>
 </file>
 
-<file path=ppt/slides/slide15.xml><?xml version="1.0" encoding="utf-8"?>
+<file path=ppt/slides/slide18.xml><?xml version="1.0" encoding="utf-8"?>
 <p:sld xmlns:a="http://schemas.openxmlformats.org/drawingml/2006/main" xmlns:r="http://schemas.openxmlformats.org/officeDocument/2006/relationships" xmlns:p="http://schemas.openxmlformats.org/presentationml/2006/main">
   <p:cSld>
     <p:spTree>
@@ -6294,7 +7583,7 @@
               <a:pPr defTabSz="422041">
                 <a:defRPr/>
               </a:pPr>
-              <a:t>15</a:t>
+              <a:t>18</a:t>
             </a:fld>
             <a:endParaRPr lang="es-ES">
               <a:solidFill>
@@ -6394,7 +7683,7 @@
 </p:sld>
 </file>
 
-<file path=ppt/slides/slide16.xml><?xml version="1.0" encoding="utf-8"?>
+<file path=ppt/slides/slide19.xml><?xml version="1.0" encoding="utf-8"?>
 <p:sld xmlns:a="http://schemas.openxmlformats.org/drawingml/2006/main" xmlns:r="http://schemas.openxmlformats.org/officeDocument/2006/relationships" xmlns:p="http://schemas.openxmlformats.org/presentationml/2006/main">
   <p:cSld>
     <p:spTree>
@@ -6580,7 +7869,7 @@
               <a:pPr defTabSz="422041">
                 <a:defRPr/>
               </a:pPr>
-              <a:t>16</a:t>
+              <a:t>19</a:t>
             </a:fld>
             <a:endParaRPr lang="es-ES">
               <a:solidFill>
@@ -6797,7 +8086,7 @@
 </p:sld>
 </file>
 
-<file path=ppt/slides/slide17.xml><?xml version="1.0" encoding="utf-8"?>
+<file path=ppt/slides/slide2.xml><?xml version="1.0" encoding="utf-8"?>
 <p:sld xmlns:a="http://schemas.openxmlformats.org/drawingml/2006/main" xmlns:r="http://schemas.openxmlformats.org/officeDocument/2006/relationships" xmlns:p="http://schemas.openxmlformats.org/presentationml/2006/main">
   <p:cSld>
     <p:spTree>
@@ -6816,6 +8105,264 @@
       </p:grpSpPr>
       <p:sp>
         <p:nvSpPr>
+          <p:cNvPr id="2" name="Título 1"/>
+          <p:cNvSpPr>
+            <a:spLocks noGrp="1"/>
+          </p:cNvSpPr>
+          <p:nvPr>
+            <p:ph type="title"/>
+          </p:nvPr>
+        </p:nvSpPr>
+        <p:spPr/>
+        <p:txBody>
+          <a:bodyPr/>
+          <a:lstStyle/>
+          <a:p>
+            <a:r>
+              <a:rPr lang="es-ES"/>
+              <a:t>Índice de contenidos</a:t>
+            </a:r>
+          </a:p>
+        </p:txBody>
+      </p:sp>
+      <p:sp>
+        <p:nvSpPr>
+          <p:cNvPr id="3" name="Marcador de contenido 2"/>
+          <p:cNvSpPr>
+            <a:spLocks noGrp="1"/>
+          </p:cNvSpPr>
+          <p:nvPr>
+            <p:ph idx="1"/>
+          </p:nvPr>
+        </p:nvSpPr>
+        <p:spPr>
+          <a:xfrm>
+            <a:off x="628650" y="1117600"/>
+            <a:ext cx="8177022" cy="5511800"/>
+          </a:xfrm>
+        </p:spPr>
+        <p:txBody>
+          <a:bodyPr>
+            <a:normAutofit fontScale="55000" lnSpcReduction="20000"/>
+          </a:bodyPr>
+          <a:lstStyle/>
+          <a:p>
+            <a:r>
+              <a:rPr lang="es-ES"/>
+              <a:t>Introducción – El problema</a:t>
+            </a:r>
+          </a:p>
+          <a:p>
+            <a:r>
+              <a:rPr lang="es-ES"/>
+              <a:t>La solución</a:t>
+            </a:r>
+          </a:p>
+          <a:p>
+            <a:r>
+              <a:rPr lang="es-ES"/>
+              <a:t>El equipo y el trabajo en equipo</a:t>
+            </a:r>
+          </a:p>
+          <a:p>
+            <a:r>
+              <a:rPr lang="es-ES"/>
+              <a:t>Actividades de Ingeniería de Software</a:t>
+            </a:r>
+          </a:p>
+          <a:p>
+            <a:pPr lvl="1"/>
+            <a:r>
+              <a:rPr lang="es-ES"/>
+              <a:t>Requisitos</a:t>
+            </a:r>
+          </a:p>
+          <a:p>
+            <a:pPr lvl="1"/>
+            <a:r>
+              <a:rPr lang="es-ES"/>
+              <a:t>Planificación</a:t>
+            </a:r>
+          </a:p>
+          <a:p>
+            <a:pPr lvl="1"/>
+            <a:r>
+              <a:rPr lang="es-ES"/>
+              <a:t>Arquitectura</a:t>
+            </a:r>
+          </a:p>
+          <a:p>
+            <a:pPr lvl="1"/>
+            <a:r>
+              <a:rPr lang="es-ES"/>
+              <a:t>Modelos </a:t>
+            </a:r>
+          </a:p>
+          <a:p>
+            <a:pPr lvl="1"/>
+            <a:r>
+              <a:rPr lang="es-ES"/>
+              <a:t>Patrones/Principios</a:t>
+            </a:r>
+          </a:p>
+          <a:p>
+            <a:pPr lvl="1"/>
+            <a:r>
+              <a:rPr lang="es-ES"/>
+              <a:t>Pruebas</a:t>
+            </a:r>
+          </a:p>
+          <a:p>
+            <a:r>
+              <a:rPr lang="es-ES"/>
+              <a:t>Desarrollo/Despliegue</a:t>
+            </a:r>
+          </a:p>
+          <a:p>
+            <a:pPr lvl="1"/>
+            <a:r>
+              <a:rPr lang="es-ES"/>
+              <a:t>Estrategias y herramientas</a:t>
+            </a:r>
+          </a:p>
+          <a:p>
+            <a:pPr lvl="1"/>
+            <a:r>
+              <a:rPr lang="es-ES"/>
+              <a:t>Modelo de Implementación </a:t>
+            </a:r>
+          </a:p>
+          <a:p>
+            <a:pPr lvl="1"/>
+            <a:r>
+              <a:rPr lang="es-ES"/>
+              <a:t>Despliegue</a:t>
+            </a:r>
+          </a:p>
+          <a:p>
+            <a:r>
+              <a:rPr lang="es-ES"/>
+              <a:t>Resultados</a:t>
+            </a:r>
+          </a:p>
+          <a:p>
+            <a:r>
+              <a:rPr lang="es-ES"/>
+              <a:t>Conclusiones</a:t>
+            </a:r>
+          </a:p>
+        </p:txBody>
+      </p:sp>
+      <p:sp>
+        <p:nvSpPr>
+          <p:cNvPr id="6" name="Marcador de fecha 5">
+            <a:extLst>
+              <a:ext uri="{FF2B5EF4-FFF2-40B4-BE49-F238E27FC236}">
+                <a16:creationId xmlns:a16="http://schemas.microsoft.com/office/drawing/2014/main" id="{F46DF278-D0DC-4016-8CE5-ED318BE19903}"/>
+              </a:ext>
+            </a:extLst>
+          </p:cNvPr>
+          <p:cNvSpPr>
+            <a:spLocks noGrp="1"/>
+          </p:cNvSpPr>
+          <p:nvPr>
+            <p:ph type="dt" sz="half" idx="10"/>
+          </p:nvPr>
+        </p:nvSpPr>
+        <p:spPr/>
+        <p:txBody>
+          <a:bodyPr/>
+          <a:lstStyle/>
+          <a:p>
+            <a:r>
+              <a:rPr lang="es-ES"/>
+              <a:t>Curso 2021-2022</a:t>
+            </a:r>
+            <a:endParaRPr lang="en-US"/>
+          </a:p>
+        </p:txBody>
+      </p:sp>
+      <p:sp>
+        <p:nvSpPr>
+          <p:cNvPr id="4" name="Marcador de pie de página 3"/>
+          <p:cNvSpPr>
+            <a:spLocks noGrp="1"/>
+          </p:cNvSpPr>
+          <p:nvPr>
+            <p:ph type="ftr" sz="quarter" idx="11"/>
+          </p:nvPr>
+        </p:nvSpPr>
+        <p:spPr/>
+        <p:txBody>
+          <a:bodyPr/>
+          <a:lstStyle/>
+          <a:p>
+            <a:r>
+              <a:rPr lang="en-US"/>
+              <a:t>Introducción a la Ingeniería del Software</a:t>
+            </a:r>
+          </a:p>
+        </p:txBody>
+      </p:sp>
+      <p:sp>
+        <p:nvSpPr>
+          <p:cNvPr id="5" name="Marcador de número de diapositiva 4"/>
+          <p:cNvSpPr>
+            <a:spLocks noGrp="1"/>
+          </p:cNvSpPr>
+          <p:nvPr>
+            <p:ph type="sldNum" sz="quarter" idx="12"/>
+          </p:nvPr>
+        </p:nvSpPr>
+        <p:spPr/>
+        <p:txBody>
+          <a:bodyPr/>
+          <a:lstStyle/>
+          <a:p>
+            <a:fld id="{2754ED01-E2A0-4C1E-8E21-014B99041579}" type="slidenum">
+              <a:rPr lang="en-US" smtClean="0"/>
+              <a:pPr/>
+              <a:t>2</a:t>
+            </a:fld>
+            <a:endParaRPr lang="en-US"/>
+          </a:p>
+        </p:txBody>
+      </p:sp>
+    </p:spTree>
+    <p:extLst>
+      <p:ext uri="{BB962C8B-B14F-4D97-AF65-F5344CB8AC3E}">
+        <p14:creationId xmlns:p14="http://schemas.microsoft.com/office/powerpoint/2010/main" val="3365594736"/>
+      </p:ext>
+    </p:extLst>
+  </p:cSld>
+  <p:clrMapOvr>
+    <a:masterClrMapping/>
+  </p:clrMapOvr>
+  <p:transition spd="slow">
+    <p:push dir="u"/>
+  </p:transition>
+</p:sld>
+</file>
+
+<file path=ppt/slides/slide20.xml><?xml version="1.0" encoding="utf-8"?>
+<p:sld xmlns:a="http://schemas.openxmlformats.org/drawingml/2006/main" xmlns:r="http://schemas.openxmlformats.org/officeDocument/2006/relationships" xmlns:p="http://schemas.openxmlformats.org/presentationml/2006/main">
+  <p:cSld>
+    <p:spTree>
+      <p:nvGrpSpPr>
+        <p:cNvPr id="1" name=""/>
+        <p:cNvGrpSpPr/>
+        <p:nvPr/>
+      </p:nvGrpSpPr>
+      <p:grpSpPr>
+        <a:xfrm>
+          <a:off x="0" y="0"/>
+          <a:ext cx="0" cy="0"/>
+          <a:chOff x="0" y="0"/>
+          <a:chExt cx="0" cy="0"/>
+        </a:xfrm>
+      </p:grpSpPr>
+      <p:sp>
+        <p:nvSpPr>
           <p:cNvPr id="2" name="Título 1">
             <a:extLst>
               <a:ext uri="{FF2B5EF4-FFF2-40B4-BE49-F238E27FC236}">
@@ -6954,7 +8501,7 @@
               <a:pPr defTabSz="422041">
                 <a:defRPr/>
               </a:pPr>
-              <a:t>17</a:t>
+              <a:t>20</a:t>
             </a:fld>
             <a:endParaRPr lang="es-ES">
               <a:solidFill>
@@ -7354,7 +8901,7 @@
 </p:sld>
 </file>
 
-<file path=ppt/slides/slide18.xml><?xml version="1.0" encoding="utf-8"?>
+<file path=ppt/slides/slide21.xml><?xml version="1.0" encoding="utf-8"?>
 <p:sld xmlns:a="http://schemas.openxmlformats.org/drawingml/2006/main" xmlns:r="http://schemas.openxmlformats.org/officeDocument/2006/relationships" xmlns:p="http://schemas.openxmlformats.org/presentationml/2006/main">
   <p:cSld>
     <p:spTree>
@@ -7516,7 +9063,7 @@
               <a:pPr defTabSz="422041">
                 <a:defRPr/>
               </a:pPr>
-              <a:t>18</a:t>
+              <a:t>21</a:t>
             </a:fld>
             <a:endParaRPr lang="es-ES">
               <a:solidFill>
@@ -7630,7 +9177,7 @@
 </p:sld>
 </file>
 
-<file path=ppt/slides/slide19.xml><?xml version="1.0" encoding="utf-8"?>
+<file path=ppt/slides/slide22.xml><?xml version="1.0" encoding="utf-8"?>
 <p:sld xmlns:a="http://schemas.openxmlformats.org/drawingml/2006/main" xmlns:r="http://schemas.openxmlformats.org/officeDocument/2006/relationships" xmlns:p="http://schemas.openxmlformats.org/presentationml/2006/main">
   <p:cSld>
     <p:spTree>
@@ -7787,7 +9334,7 @@
               <a:pPr defTabSz="422041">
                 <a:defRPr/>
               </a:pPr>
-              <a:t>19</a:t>
+              <a:t>22</a:t>
             </a:fld>
             <a:endParaRPr lang="es-ES">
               <a:solidFill>
@@ -7951,7 +9498,7 @@
 </p:sld>
 </file>
 
-<file path=ppt/slides/slide2.xml><?xml version="1.0" encoding="utf-8"?>
+<file path=ppt/slides/slide23.xml><?xml version="1.0" encoding="utf-8"?>
 <p:sld xmlns:a="http://schemas.openxmlformats.org/drawingml/2006/main" xmlns:r="http://schemas.openxmlformats.org/officeDocument/2006/relationships" xmlns:p="http://schemas.openxmlformats.org/presentationml/2006/main">
   <p:cSld>
     <p:spTree>
@@ -7970,264 +9517,6 @@
       </p:grpSpPr>
       <p:sp>
         <p:nvSpPr>
-          <p:cNvPr id="2" name="Título 1"/>
-          <p:cNvSpPr>
-            <a:spLocks noGrp="1"/>
-          </p:cNvSpPr>
-          <p:nvPr>
-            <p:ph type="title"/>
-          </p:nvPr>
-        </p:nvSpPr>
-        <p:spPr/>
-        <p:txBody>
-          <a:bodyPr/>
-          <a:lstStyle/>
-          <a:p>
-            <a:r>
-              <a:rPr lang="es-ES"/>
-              <a:t>Índice de contenidos</a:t>
-            </a:r>
-          </a:p>
-        </p:txBody>
-      </p:sp>
-      <p:sp>
-        <p:nvSpPr>
-          <p:cNvPr id="3" name="Marcador de contenido 2"/>
-          <p:cNvSpPr>
-            <a:spLocks noGrp="1"/>
-          </p:cNvSpPr>
-          <p:nvPr>
-            <p:ph idx="1"/>
-          </p:nvPr>
-        </p:nvSpPr>
-        <p:spPr>
-          <a:xfrm>
-            <a:off x="628650" y="1117600"/>
-            <a:ext cx="8177022" cy="5511800"/>
-          </a:xfrm>
-        </p:spPr>
-        <p:txBody>
-          <a:bodyPr>
-            <a:normAutofit fontScale="55000" lnSpcReduction="20000"/>
-          </a:bodyPr>
-          <a:lstStyle/>
-          <a:p>
-            <a:r>
-              <a:rPr lang="es-ES"/>
-              <a:t>Introducción – El problema</a:t>
-            </a:r>
-          </a:p>
-          <a:p>
-            <a:r>
-              <a:rPr lang="es-ES"/>
-              <a:t>La solución</a:t>
-            </a:r>
-          </a:p>
-          <a:p>
-            <a:r>
-              <a:rPr lang="es-ES"/>
-              <a:t>El equipo y el trabajo en equipo</a:t>
-            </a:r>
-          </a:p>
-          <a:p>
-            <a:r>
-              <a:rPr lang="es-ES"/>
-              <a:t>Actividades de Ingeniería de Software</a:t>
-            </a:r>
-          </a:p>
-          <a:p>
-            <a:pPr lvl="1"/>
-            <a:r>
-              <a:rPr lang="es-ES"/>
-              <a:t>Requisitos</a:t>
-            </a:r>
-          </a:p>
-          <a:p>
-            <a:pPr lvl="1"/>
-            <a:r>
-              <a:rPr lang="es-ES"/>
-              <a:t>Planificación</a:t>
-            </a:r>
-          </a:p>
-          <a:p>
-            <a:pPr lvl="1"/>
-            <a:r>
-              <a:rPr lang="es-ES"/>
-              <a:t>Arquitectura</a:t>
-            </a:r>
-          </a:p>
-          <a:p>
-            <a:pPr lvl="1"/>
-            <a:r>
-              <a:rPr lang="es-ES"/>
-              <a:t>Modelos </a:t>
-            </a:r>
-          </a:p>
-          <a:p>
-            <a:pPr lvl="1"/>
-            <a:r>
-              <a:rPr lang="es-ES"/>
-              <a:t>Patrones/Principios</a:t>
-            </a:r>
-          </a:p>
-          <a:p>
-            <a:pPr lvl="1"/>
-            <a:r>
-              <a:rPr lang="es-ES"/>
-              <a:t>Pruebas</a:t>
-            </a:r>
-          </a:p>
-          <a:p>
-            <a:r>
-              <a:rPr lang="es-ES"/>
-              <a:t>Desarrollo/Despliegue</a:t>
-            </a:r>
-          </a:p>
-          <a:p>
-            <a:pPr lvl="1"/>
-            <a:r>
-              <a:rPr lang="es-ES"/>
-              <a:t>Estrategias y herramientas</a:t>
-            </a:r>
-          </a:p>
-          <a:p>
-            <a:pPr lvl="1"/>
-            <a:r>
-              <a:rPr lang="es-ES"/>
-              <a:t>Modelo de Implementación </a:t>
-            </a:r>
-          </a:p>
-          <a:p>
-            <a:pPr lvl="1"/>
-            <a:r>
-              <a:rPr lang="es-ES"/>
-              <a:t>Despliegue</a:t>
-            </a:r>
-          </a:p>
-          <a:p>
-            <a:r>
-              <a:rPr lang="es-ES"/>
-              <a:t>Resultados</a:t>
-            </a:r>
-          </a:p>
-          <a:p>
-            <a:r>
-              <a:rPr lang="es-ES"/>
-              <a:t>Conclusiones</a:t>
-            </a:r>
-          </a:p>
-        </p:txBody>
-      </p:sp>
-      <p:sp>
-        <p:nvSpPr>
-          <p:cNvPr id="6" name="Marcador de fecha 5">
-            <a:extLst>
-              <a:ext uri="{FF2B5EF4-FFF2-40B4-BE49-F238E27FC236}">
-                <a16:creationId xmlns:a16="http://schemas.microsoft.com/office/drawing/2014/main" id="{F46DF278-D0DC-4016-8CE5-ED318BE19903}"/>
-              </a:ext>
-            </a:extLst>
-          </p:cNvPr>
-          <p:cNvSpPr>
-            <a:spLocks noGrp="1"/>
-          </p:cNvSpPr>
-          <p:nvPr>
-            <p:ph type="dt" sz="half" idx="10"/>
-          </p:nvPr>
-        </p:nvSpPr>
-        <p:spPr/>
-        <p:txBody>
-          <a:bodyPr/>
-          <a:lstStyle/>
-          <a:p>
-            <a:r>
-              <a:rPr lang="es-ES"/>
-              <a:t>Curso 2021-2022</a:t>
-            </a:r>
-            <a:endParaRPr lang="en-US"/>
-          </a:p>
-        </p:txBody>
-      </p:sp>
-      <p:sp>
-        <p:nvSpPr>
-          <p:cNvPr id="4" name="Marcador de pie de página 3"/>
-          <p:cNvSpPr>
-            <a:spLocks noGrp="1"/>
-          </p:cNvSpPr>
-          <p:nvPr>
-            <p:ph type="ftr" sz="quarter" idx="11"/>
-          </p:nvPr>
-        </p:nvSpPr>
-        <p:spPr/>
-        <p:txBody>
-          <a:bodyPr/>
-          <a:lstStyle/>
-          <a:p>
-            <a:r>
-              <a:rPr lang="en-US"/>
-              <a:t>Introducción a la Ingeniería del Software</a:t>
-            </a:r>
-          </a:p>
-        </p:txBody>
-      </p:sp>
-      <p:sp>
-        <p:nvSpPr>
-          <p:cNvPr id="5" name="Marcador de número de diapositiva 4"/>
-          <p:cNvSpPr>
-            <a:spLocks noGrp="1"/>
-          </p:cNvSpPr>
-          <p:nvPr>
-            <p:ph type="sldNum" sz="quarter" idx="12"/>
-          </p:nvPr>
-        </p:nvSpPr>
-        <p:spPr/>
-        <p:txBody>
-          <a:bodyPr/>
-          <a:lstStyle/>
-          <a:p>
-            <a:fld id="{2754ED01-E2A0-4C1E-8E21-014B99041579}" type="slidenum">
-              <a:rPr lang="en-US" smtClean="0"/>
-              <a:pPr/>
-              <a:t>2</a:t>
-            </a:fld>
-            <a:endParaRPr lang="en-US"/>
-          </a:p>
-        </p:txBody>
-      </p:sp>
-    </p:spTree>
-    <p:extLst>
-      <p:ext uri="{BB962C8B-B14F-4D97-AF65-F5344CB8AC3E}">
-        <p14:creationId xmlns:p14="http://schemas.microsoft.com/office/powerpoint/2010/main" val="3365594736"/>
-      </p:ext>
-    </p:extLst>
-  </p:cSld>
-  <p:clrMapOvr>
-    <a:masterClrMapping/>
-  </p:clrMapOvr>
-  <p:transition spd="slow">
-    <p:push dir="u"/>
-  </p:transition>
-</p:sld>
-</file>
-
-<file path=ppt/slides/slide20.xml><?xml version="1.0" encoding="utf-8"?>
-<p:sld xmlns:a="http://schemas.openxmlformats.org/drawingml/2006/main" xmlns:r="http://schemas.openxmlformats.org/officeDocument/2006/relationships" xmlns:p="http://schemas.openxmlformats.org/presentationml/2006/main">
-  <p:cSld>
-    <p:spTree>
-      <p:nvGrpSpPr>
-        <p:cNvPr id="1" name=""/>
-        <p:cNvGrpSpPr/>
-        <p:nvPr/>
-      </p:nvGrpSpPr>
-      <p:grpSpPr>
-        <a:xfrm>
-          <a:off x="0" y="0"/>
-          <a:ext cx="0" cy="0"/>
-          <a:chOff x="0" y="0"/>
-          <a:chExt cx="0" cy="0"/>
-        </a:xfrm>
-      </p:grpSpPr>
-      <p:sp>
-        <p:nvSpPr>
           <p:cNvPr id="2" name="Título 1">
             <a:extLst>
               <a:ext uri="{FF2B5EF4-FFF2-40B4-BE49-F238E27FC236}">
@@ -8481,7 +9770,7 @@
               <a:pPr defTabSz="422041">
                 <a:defRPr/>
               </a:pPr>
-              <a:t>20</a:t>
+              <a:t>23</a:t>
             </a:fld>
             <a:endParaRPr lang="es-ES">
               <a:solidFill>
@@ -9594,12 +10883,12 @@
           <a:lstStyle/>
           <a:p>
             <a:r>
-              <a:rPr lang="es-ES" sz="2950">
+              <a:rPr lang="es-ES" sz="2950" dirty="0">
                 <a:latin typeface="Geneva"/>
               </a:rPr>
-              <a:t>Planificación.</a:t>
-            </a:r>
-            <a:endParaRPr lang="es-ES"/>
+              <a:t>Planificación</a:t>
+            </a:r>
+            <a:endParaRPr lang="es-ES" dirty="0"/>
           </a:p>
         </p:txBody>
       </p:sp>
@@ -9835,7 +11124,7 @@
           <p:cNvPr id="2" name="Título 1">
             <a:extLst>
               <a:ext uri="{FF2B5EF4-FFF2-40B4-BE49-F238E27FC236}">
-                <a16:creationId xmlns:a16="http://schemas.microsoft.com/office/drawing/2014/main" id="{F69FF439-ADBC-E2A8-75DD-26B866C6235E}"/>
+                <a16:creationId xmlns:a16="http://schemas.microsoft.com/office/drawing/2014/main" id="{04B46495-5D51-55E9-9CB7-C4644155D94A}"/>
               </a:ext>
             </a:extLst>
           </p:cNvPr>
@@ -9852,50 +11141,57 @@
           <a:lstStyle/>
           <a:p>
             <a:r>
-              <a:rPr lang="es-ES" sz="2950">
+              <a:rPr lang="es-ES" sz="3200" dirty="0">
                 <a:latin typeface="Geneva"/>
               </a:rPr>
-              <a:t>Arquitectura</a:t>
-            </a:r>
-            <a:endParaRPr lang="es-ES"/>
-          </a:p>
-        </p:txBody>
-      </p:sp>
-      <p:pic>
-        <p:nvPicPr>
-          <p:cNvPr id="7" name="Imagen 7" descr="Diagrama&#10;&#10;Descripción generada automáticamente">
-            <a:extLst>
-              <a:ext uri="{FF2B5EF4-FFF2-40B4-BE49-F238E27FC236}">
-                <a16:creationId xmlns:a16="http://schemas.microsoft.com/office/drawing/2014/main" id="{045DC57D-CB8C-4C99-0826-520B1A229B32}"/>
-              </a:ext>
-            </a:extLst>
-          </p:cNvPr>
-          <p:cNvPicPr>
-            <a:picLocks noGrp="1" noChangeAspect="1"/>
-          </p:cNvPicPr>
+              <a:t>Planificación</a:t>
+            </a:r>
+            <a:endParaRPr lang="es-ES" dirty="0"/>
+          </a:p>
+        </p:txBody>
+      </p:sp>
+      <p:sp>
+        <p:nvSpPr>
+          <p:cNvPr id="3" name="Marcador de contenido 2">
+            <a:extLst>
+              <a:ext uri="{FF2B5EF4-FFF2-40B4-BE49-F238E27FC236}">
+                <a16:creationId xmlns:a16="http://schemas.microsoft.com/office/drawing/2014/main" id="{E2EADCF1-77B5-835A-CD68-333739134B27}"/>
+              </a:ext>
+            </a:extLst>
+          </p:cNvPr>
+          <p:cNvSpPr>
+            <a:spLocks noGrp="1"/>
+          </p:cNvSpPr>
           <p:nvPr>
             <p:ph idx="1"/>
           </p:nvPr>
-        </p:nvPicPr>
-        <p:blipFill>
-          <a:blip r:embed="rId2"/>
-          <a:stretch>
-            <a:fillRect/>
-          </a:stretch>
-        </p:blipFill>
-        <p:spPr>
-          <a:xfrm>
-            <a:off x="1069017" y="1739654"/>
-            <a:ext cx="7389300" cy="4153842"/>
-          </a:xfrm>
-        </p:spPr>
-      </p:pic>
+        </p:nvSpPr>
+        <p:spPr/>
+        <p:txBody>
+          <a:bodyPr/>
+          <a:lstStyle/>
+          <a:p>
+            <a:r>
+              <a:rPr lang="es-ES" dirty="0"/>
+              <a:t>Planificación de tareas en Tablero Trello a través del concepto de </a:t>
+            </a:r>
+            <a:r>
+              <a:rPr lang="es-ES" i="1" dirty="0"/>
+              <a:t>sprint</a:t>
+            </a:r>
+            <a:r>
+              <a:rPr lang="es-ES" dirty="0"/>
+              <a:t>.</a:t>
+            </a:r>
+          </a:p>
+        </p:txBody>
+      </p:sp>
       <p:sp>
         <p:nvSpPr>
           <p:cNvPr id="4" name="Marcador de fecha 3">
             <a:extLst>
               <a:ext uri="{FF2B5EF4-FFF2-40B4-BE49-F238E27FC236}">
-                <a16:creationId xmlns:a16="http://schemas.microsoft.com/office/drawing/2014/main" id="{1C7F6A76-A49E-63E1-873B-974ABA7D96CF}"/>
+                <a16:creationId xmlns:a16="http://schemas.microsoft.com/office/drawing/2014/main" id="{0252129A-4E51-5805-B99F-B201D3B9383B}"/>
               </a:ext>
             </a:extLst>
           </p:cNvPr>
@@ -9932,7 +11228,7 @@
           <p:cNvPr id="5" name="Marcador de pie de página 4">
             <a:extLst>
               <a:ext uri="{FF2B5EF4-FFF2-40B4-BE49-F238E27FC236}">
-                <a16:creationId xmlns:a16="http://schemas.microsoft.com/office/drawing/2014/main" id="{B02D4C27-4DF3-360E-6F59-85946C50BBE2}"/>
+                <a16:creationId xmlns:a16="http://schemas.microsoft.com/office/drawing/2014/main" id="{E4E507FF-6B3D-F737-181A-732E19EBBBF0}"/>
               </a:ext>
             </a:extLst>
           </p:cNvPr>
@@ -9969,7 +11265,7 @@
           <p:cNvPr id="6" name="Marcador de número de diapositiva 5">
             <a:extLst>
               <a:ext uri="{FF2B5EF4-FFF2-40B4-BE49-F238E27FC236}">
-                <a16:creationId xmlns:a16="http://schemas.microsoft.com/office/drawing/2014/main" id="{F4FB0E14-3B76-E561-001A-F81574E95A75}"/>
+                <a16:creationId xmlns:a16="http://schemas.microsoft.com/office/drawing/2014/main" id="{3E579B45-4B84-1610-6651-413F2B9603FA}"/>
               </a:ext>
             </a:extLst>
           </p:cNvPr>
@@ -10011,97 +11307,133 @@
           </a:p>
         </p:txBody>
       </p:sp>
-      <p:sp>
-        <p:nvSpPr>
-          <p:cNvPr id="8" name="CuadroTexto 7">
-            <a:extLst>
-              <a:ext uri="{FF2B5EF4-FFF2-40B4-BE49-F238E27FC236}">
-                <a16:creationId xmlns:a16="http://schemas.microsoft.com/office/drawing/2014/main" id="{869C0773-BC34-3837-9693-47BDA2D12B51}"/>
-              </a:ext>
-            </a:extLst>
-          </p:cNvPr>
-          <p:cNvSpPr txBox="1"/>
+      <p:pic>
+        <p:nvPicPr>
+          <p:cNvPr id="7" name="Imagen 6" descr="Interfaz de usuario gráfica, Texto, Aplicación, Chat o mensaje de texto&#10;&#10;Descripción generada automáticamente">
+            <a:extLst>
+              <a:ext uri="{FF2B5EF4-FFF2-40B4-BE49-F238E27FC236}">
+                <a16:creationId xmlns:a16="http://schemas.microsoft.com/office/drawing/2014/main" id="{EC7A1E12-8711-68CA-D115-2B2A69ADAD3C}"/>
+              </a:ext>
+            </a:extLst>
+          </p:cNvPr>
+          <p:cNvPicPr>
+            <a:picLocks noChangeAspect="1"/>
+          </p:cNvPicPr>
           <p:nvPr/>
-        </p:nvSpPr>
+        </p:nvPicPr>
+        <p:blipFill rotWithShape="1">
+          <a:blip r:embed="rId2"/>
+          <a:srcRect l="50382"/>
+          <a:stretch/>
+        </p:blipFill>
         <p:spPr>
           <a:xfrm>
-            <a:off x="1904650" y="1304179"/>
-            <a:ext cx="5598065" cy="523220"/>
+            <a:off x="3969644" y="2562981"/>
+            <a:ext cx="4290813" cy="3713704"/>
           </a:xfrm>
           <a:prstGeom prst="rect">
             <a:avLst/>
           </a:prstGeom>
-          <a:noFill/>
+          <a:ln>
+            <a:solidFill>
+              <a:schemeClr val="accent2"/>
+            </a:solidFill>
+          </a:ln>
         </p:spPr>
-        <p:txBody>
-          <a:bodyPr rot="0" spcFirstLastPara="0" vertOverflow="overflow" horzOverflow="overflow" vert="horz" wrap="square" lIns="91440" tIns="45720" rIns="91440" bIns="45720" numCol="1" spcCol="0" rtlCol="0" fromWordArt="0" anchor="t" anchorCtr="0" forceAA="0" compatLnSpc="1">
-            <a:prstTxWarp prst="textNoShape">
-              <a:avLst/>
-            </a:prstTxWarp>
-            <a:spAutoFit/>
-          </a:bodyPr>
-          <a:lstStyle/>
-          <a:p>
-            <a:pPr algn="ctr"/>
-            <a:r>
-              <a:rPr lang="es-ES" sz="2800" b="1">
-                <a:solidFill>
-                  <a:schemeClr val="accent1">
-                    <a:lumMod val="50000"/>
-                  </a:schemeClr>
-                </a:solidFill>
-                <a:cs typeface="Calibri"/>
-              </a:rPr>
-              <a:t>MVC: Modelo-vista-controlador</a:t>
-            </a:r>
-          </a:p>
-        </p:txBody>
-      </p:sp>
-      <p:sp>
-        <p:nvSpPr>
-          <p:cNvPr id="3" name="CuadroTexto 2">
-            <a:extLst>
-              <a:ext uri="{FF2B5EF4-FFF2-40B4-BE49-F238E27FC236}">
-                <a16:creationId xmlns:a16="http://schemas.microsoft.com/office/drawing/2014/main" id="{4A28829C-2C89-6F0A-E605-F90A985885EA}"/>
-              </a:ext>
-            </a:extLst>
-          </p:cNvPr>
-          <p:cNvSpPr txBox="1"/>
+      </p:pic>
+      <p:pic>
+        <p:nvPicPr>
+          <p:cNvPr id="9" name="Imagen 8">
+            <a:extLst>
+              <a:ext uri="{FF2B5EF4-FFF2-40B4-BE49-F238E27FC236}">
+                <a16:creationId xmlns:a16="http://schemas.microsoft.com/office/drawing/2014/main" id="{0DC731A1-FA18-6E96-82E5-9DF3D017B69A}"/>
+              </a:ext>
+            </a:extLst>
+          </p:cNvPr>
+          <p:cNvPicPr>
+            <a:picLocks noChangeAspect="1"/>
+          </p:cNvPicPr>
           <p:nvPr/>
-        </p:nvSpPr>
+        </p:nvPicPr>
+        <p:blipFill>
+          <a:blip r:embed="rId3"/>
+          <a:stretch>
+            <a:fillRect/>
+          </a:stretch>
+        </p:blipFill>
         <p:spPr>
           <a:xfrm>
-            <a:off x="469725" y="5845348"/>
-            <a:ext cx="1590807" cy="375595"/>
+            <a:off x="854583" y="2562981"/>
+            <a:ext cx="2299335" cy="3713704"/>
           </a:xfrm>
           <a:prstGeom prst="rect">
             <a:avLst/>
           </a:prstGeom>
-          <a:noFill/>
+          <a:ln>
+            <a:solidFill>
+              <a:schemeClr val="accent2"/>
+            </a:solidFill>
+          </a:ln>
         </p:spPr>
-        <p:txBody>
-          <a:bodyPr wrap="square" rtlCol="0">
-            <a:spAutoFit/>
-          </a:bodyPr>
-          <a:lstStyle/>
-          <a:p>
-            <a:r>
-              <a:rPr lang="es-ES" dirty="0">
-                <a:hlinkClick r:id="rId3"/>
-              </a:rPr>
-              <a:t>AUTÓMATA</a:t>
-            </a:r>
-            <a:r>
-              <a:rPr lang="es-ES" dirty="0"/>
-              <a:t> </a:t>
-            </a:r>
+      </p:pic>
+      <p:sp>
+        <p:nvSpPr>
+          <p:cNvPr id="10" name="Flecha: a la derecha 9">
+            <a:extLst>
+              <a:ext uri="{FF2B5EF4-FFF2-40B4-BE49-F238E27FC236}">
+                <a16:creationId xmlns:a16="http://schemas.microsoft.com/office/drawing/2014/main" id="{8F1B0CC4-DCBD-5397-F6E5-5411C01E41A4}"/>
+              </a:ext>
+            </a:extLst>
+          </p:cNvPr>
+          <p:cNvSpPr/>
+          <p:nvPr/>
+        </p:nvSpPr>
+        <p:spPr>
+          <a:xfrm>
+            <a:off x="3343292" y="4215851"/>
+            <a:ext cx="436978" cy="407963"/>
+          </a:xfrm>
+          <a:prstGeom prst="rightArrow">
+            <a:avLst/>
+          </a:prstGeom>
+          <a:solidFill>
+            <a:schemeClr val="accent2"/>
+          </a:solidFill>
+          <a:ln>
+            <a:solidFill>
+              <a:schemeClr val="accent2"/>
+            </a:solidFill>
+          </a:ln>
+        </p:spPr>
+        <p:style>
+          <a:lnRef idx="2">
+            <a:schemeClr val="accent1">
+              <a:shade val="50000"/>
+            </a:schemeClr>
+          </a:lnRef>
+          <a:fillRef idx="1">
+            <a:schemeClr val="accent1"/>
+          </a:fillRef>
+          <a:effectRef idx="0">
+            <a:schemeClr val="accent1"/>
+          </a:effectRef>
+          <a:fontRef idx="minor">
+            <a:schemeClr val="lt1"/>
+          </a:fontRef>
+        </p:style>
+        <p:txBody>
+          <a:bodyPr rtlCol="0" anchor="ctr"/>
+          <a:lstStyle/>
+          <a:p>
+            <a:pPr algn="ctr"/>
+            <a:endParaRPr lang="es-ES" dirty="0"/>
           </a:p>
         </p:txBody>
       </p:sp>
     </p:spTree>
     <p:extLst>
       <p:ext uri="{BB962C8B-B14F-4D97-AF65-F5344CB8AC3E}">
-        <p14:creationId xmlns:p14="http://schemas.microsoft.com/office/powerpoint/2010/main" val="3636806485"/>
+        <p14:creationId xmlns:p14="http://schemas.microsoft.com/office/powerpoint/2010/main" val="2850129881"/>
       </p:ext>
     </p:extLst>
   </p:cSld>
@@ -10109,8 +11441,370 @@
     <a:masterClrMapping/>
   </p:clrMapOvr>
   <p:transition spd="med">
-    <p:pull/>
+    <p:wipe/>
   </p:transition>
+  <p:timing>
+    <p:tnLst>
+      <p:par>
+        <p:cTn id="1" dur="indefinite" restart="never" nodeType="tmRoot">
+          <p:childTnLst>
+            <p:seq concurrent="1" nextAc="seek">
+              <p:cTn id="2" dur="indefinite" nodeType="mainSeq">
+                <p:childTnLst>
+                  <p:par>
+                    <p:cTn id="3" fill="hold">
+                      <p:stCondLst>
+                        <p:cond delay="indefinite"/>
+                        <p:cond evt="onBegin" delay="0">
+                          <p:tn val="2"/>
+                        </p:cond>
+                      </p:stCondLst>
+                      <p:childTnLst>
+                        <p:par>
+                          <p:cTn id="4" fill="hold">
+                            <p:stCondLst>
+                              <p:cond delay="0"/>
+                            </p:stCondLst>
+                            <p:childTnLst>
+                              <p:par>
+                                <p:cTn id="5" presetID="2" presetClass="entr" presetSubtype="8" fill="hold" nodeType="afterEffect">
+                                  <p:stCondLst>
+                                    <p:cond delay="500"/>
+                                  </p:stCondLst>
+                                  <p:childTnLst>
+                                    <p:set>
+                                      <p:cBhvr>
+                                        <p:cTn id="6" dur="1" fill="hold">
+                                          <p:stCondLst>
+                                            <p:cond delay="0"/>
+                                          </p:stCondLst>
+                                        </p:cTn>
+                                        <p:tgtEl>
+                                          <p:spTgt spid="9"/>
+                                        </p:tgtEl>
+                                        <p:attrNameLst>
+                                          <p:attrName>style.visibility</p:attrName>
+                                        </p:attrNameLst>
+                                      </p:cBhvr>
+                                      <p:to>
+                                        <p:strVal val="visible"/>
+                                      </p:to>
+                                    </p:set>
+                                    <p:anim calcmode="lin" valueType="num">
+                                      <p:cBhvr additive="base">
+                                        <p:cTn id="7" dur="350" fill="hold"/>
+                                        <p:tgtEl>
+                                          <p:spTgt spid="9"/>
+                                        </p:tgtEl>
+                                        <p:attrNameLst>
+                                          <p:attrName>ppt_x</p:attrName>
+                                        </p:attrNameLst>
+                                      </p:cBhvr>
+                                      <p:tavLst>
+                                        <p:tav tm="0">
+                                          <p:val>
+                                            <p:strVal val="0-#ppt_w/2"/>
+                                          </p:val>
+                                        </p:tav>
+                                        <p:tav tm="100000">
+                                          <p:val>
+                                            <p:strVal val="#ppt_x"/>
+                                          </p:val>
+                                        </p:tav>
+                                      </p:tavLst>
+                                    </p:anim>
+                                    <p:anim calcmode="lin" valueType="num">
+                                      <p:cBhvr additive="base">
+                                        <p:cTn id="8" dur="350" fill="hold"/>
+                                        <p:tgtEl>
+                                          <p:spTgt spid="9"/>
+                                        </p:tgtEl>
+                                        <p:attrNameLst>
+                                          <p:attrName>ppt_y</p:attrName>
+                                        </p:attrNameLst>
+                                      </p:cBhvr>
+                                      <p:tavLst>
+                                        <p:tav tm="0">
+                                          <p:val>
+                                            <p:strVal val="#ppt_y"/>
+                                          </p:val>
+                                        </p:tav>
+                                        <p:tav tm="100000">
+                                          <p:val>
+                                            <p:strVal val="#ppt_y"/>
+                                          </p:val>
+                                        </p:tav>
+                                      </p:tavLst>
+                                    </p:anim>
+                                  </p:childTnLst>
+                                </p:cTn>
+                              </p:par>
+                            </p:childTnLst>
+                          </p:cTn>
+                        </p:par>
+                        <p:par>
+                          <p:cTn id="9" fill="hold">
+                            <p:stCondLst>
+                              <p:cond delay="850"/>
+                            </p:stCondLst>
+                            <p:childTnLst>
+                              <p:par>
+                                <p:cTn id="10" presetID="2" presetClass="entr" presetSubtype="8" fill="hold" grpId="0" nodeType="afterEffect">
+                                  <p:stCondLst>
+                                    <p:cond delay="500"/>
+                                  </p:stCondLst>
+                                  <p:childTnLst>
+                                    <p:set>
+                                      <p:cBhvr>
+                                        <p:cTn id="11" dur="1" fill="hold">
+                                          <p:stCondLst>
+                                            <p:cond delay="0"/>
+                                          </p:stCondLst>
+                                        </p:cTn>
+                                        <p:tgtEl>
+                                          <p:spTgt spid="10"/>
+                                        </p:tgtEl>
+                                        <p:attrNameLst>
+                                          <p:attrName>style.visibility</p:attrName>
+                                        </p:attrNameLst>
+                                      </p:cBhvr>
+                                      <p:to>
+                                        <p:strVal val="visible"/>
+                                      </p:to>
+                                    </p:set>
+                                    <p:anim calcmode="lin" valueType="num">
+                                      <p:cBhvr additive="base">
+                                        <p:cTn id="12" dur="350" fill="hold"/>
+                                        <p:tgtEl>
+                                          <p:spTgt spid="10"/>
+                                        </p:tgtEl>
+                                        <p:attrNameLst>
+                                          <p:attrName>ppt_x</p:attrName>
+                                        </p:attrNameLst>
+                                      </p:cBhvr>
+                                      <p:tavLst>
+                                        <p:tav tm="0">
+                                          <p:val>
+                                            <p:strVal val="0-#ppt_w/2"/>
+                                          </p:val>
+                                        </p:tav>
+                                        <p:tav tm="100000">
+                                          <p:val>
+                                            <p:strVal val="#ppt_x"/>
+                                          </p:val>
+                                        </p:tav>
+                                      </p:tavLst>
+                                    </p:anim>
+                                    <p:anim calcmode="lin" valueType="num">
+                                      <p:cBhvr additive="base">
+                                        <p:cTn id="13" dur="350" fill="hold"/>
+                                        <p:tgtEl>
+                                          <p:spTgt spid="10"/>
+                                        </p:tgtEl>
+                                        <p:attrNameLst>
+                                          <p:attrName>ppt_y</p:attrName>
+                                        </p:attrNameLst>
+                                      </p:cBhvr>
+                                      <p:tavLst>
+                                        <p:tav tm="0">
+                                          <p:val>
+                                            <p:strVal val="#ppt_y"/>
+                                          </p:val>
+                                        </p:tav>
+                                        <p:tav tm="100000">
+                                          <p:val>
+                                            <p:strVal val="#ppt_y"/>
+                                          </p:val>
+                                        </p:tav>
+                                      </p:tavLst>
+                                    </p:anim>
+                                  </p:childTnLst>
+                                </p:cTn>
+                              </p:par>
+                              <p:par>
+                                <p:cTn id="14" presetID="10" presetClass="entr" presetSubtype="0" fill="hold" grpId="1" nodeType="withEffect">
+                                  <p:stCondLst>
+                                    <p:cond delay="500"/>
+                                  </p:stCondLst>
+                                  <p:childTnLst>
+                                    <p:set>
+                                      <p:cBhvr>
+                                        <p:cTn id="15" dur="1" fill="hold">
+                                          <p:stCondLst>
+                                            <p:cond delay="0"/>
+                                          </p:stCondLst>
+                                        </p:cTn>
+                                        <p:tgtEl>
+                                          <p:spTgt spid="10"/>
+                                        </p:tgtEl>
+                                        <p:attrNameLst>
+                                          <p:attrName>style.visibility</p:attrName>
+                                        </p:attrNameLst>
+                                      </p:cBhvr>
+                                      <p:to>
+                                        <p:strVal val="visible"/>
+                                      </p:to>
+                                    </p:set>
+                                    <p:animEffect transition="in" filter="fade">
+                                      <p:cBhvr>
+                                        <p:cTn id="16" dur="350"/>
+                                        <p:tgtEl>
+                                          <p:spTgt spid="10"/>
+                                        </p:tgtEl>
+                                      </p:cBhvr>
+                                    </p:animEffect>
+                                  </p:childTnLst>
+                                </p:cTn>
+                              </p:par>
+                            </p:childTnLst>
+                          </p:cTn>
+                        </p:par>
+                        <p:par>
+                          <p:cTn id="17" fill="hold">
+                            <p:stCondLst>
+                              <p:cond delay="1700"/>
+                            </p:stCondLst>
+                            <p:childTnLst>
+                              <p:par>
+                                <p:cTn id="18" presetID="2" presetClass="entr" presetSubtype="8" fill="hold" nodeType="afterEffect">
+                                  <p:stCondLst>
+                                    <p:cond delay="500"/>
+                                  </p:stCondLst>
+                                  <p:childTnLst>
+                                    <p:set>
+                                      <p:cBhvr>
+                                        <p:cTn id="19" dur="1" fill="hold">
+                                          <p:stCondLst>
+                                            <p:cond delay="0"/>
+                                          </p:stCondLst>
+                                        </p:cTn>
+                                        <p:tgtEl>
+                                          <p:spTgt spid="7"/>
+                                        </p:tgtEl>
+                                        <p:attrNameLst>
+                                          <p:attrName>style.visibility</p:attrName>
+                                        </p:attrNameLst>
+                                      </p:cBhvr>
+                                      <p:to>
+                                        <p:strVal val="visible"/>
+                                      </p:to>
+                                    </p:set>
+                                    <p:anim calcmode="lin" valueType="num">
+                                      <p:cBhvr additive="base">
+                                        <p:cTn id="20" dur="350" fill="hold"/>
+                                        <p:tgtEl>
+                                          <p:spTgt spid="7"/>
+                                        </p:tgtEl>
+                                        <p:attrNameLst>
+                                          <p:attrName>ppt_x</p:attrName>
+                                        </p:attrNameLst>
+                                      </p:cBhvr>
+                                      <p:tavLst>
+                                        <p:tav tm="0">
+                                          <p:val>
+                                            <p:strVal val="0-#ppt_w/2"/>
+                                          </p:val>
+                                        </p:tav>
+                                        <p:tav tm="100000">
+                                          <p:val>
+                                            <p:strVal val="#ppt_x"/>
+                                          </p:val>
+                                        </p:tav>
+                                      </p:tavLst>
+                                    </p:anim>
+                                    <p:anim calcmode="lin" valueType="num">
+                                      <p:cBhvr additive="base">
+                                        <p:cTn id="21" dur="350" fill="hold"/>
+                                        <p:tgtEl>
+                                          <p:spTgt spid="7"/>
+                                        </p:tgtEl>
+                                        <p:attrNameLst>
+                                          <p:attrName>ppt_y</p:attrName>
+                                        </p:attrNameLst>
+                                      </p:cBhvr>
+                                      <p:tavLst>
+                                        <p:tav tm="0">
+                                          <p:val>
+                                            <p:strVal val="#ppt_y"/>
+                                          </p:val>
+                                        </p:tav>
+                                        <p:tav tm="100000">
+                                          <p:val>
+                                            <p:strVal val="#ppt_y"/>
+                                          </p:val>
+                                        </p:tav>
+                                      </p:tavLst>
+                                    </p:anim>
+                                  </p:childTnLst>
+                                </p:cTn>
+                              </p:par>
+                              <p:par>
+                                <p:cTn id="22" presetID="10" presetClass="entr" presetSubtype="0" fill="hold" nodeType="withEffect">
+                                  <p:stCondLst>
+                                    <p:cond delay="500"/>
+                                  </p:stCondLst>
+                                  <p:childTnLst>
+                                    <p:set>
+                                      <p:cBhvr>
+                                        <p:cTn id="23" dur="1" fill="hold">
+                                          <p:stCondLst>
+                                            <p:cond delay="0"/>
+                                          </p:stCondLst>
+                                        </p:cTn>
+                                        <p:tgtEl>
+                                          <p:spTgt spid="7"/>
+                                        </p:tgtEl>
+                                        <p:attrNameLst>
+                                          <p:attrName>style.visibility</p:attrName>
+                                        </p:attrNameLst>
+                                      </p:cBhvr>
+                                      <p:to>
+                                        <p:strVal val="visible"/>
+                                      </p:to>
+                                    </p:set>
+                                    <p:animEffect transition="in" filter="fade">
+                                      <p:cBhvr>
+                                        <p:cTn id="24" dur="350"/>
+                                        <p:tgtEl>
+                                          <p:spTgt spid="7"/>
+                                        </p:tgtEl>
+                                      </p:cBhvr>
+                                    </p:animEffect>
+                                  </p:childTnLst>
+                                </p:cTn>
+                              </p:par>
+                            </p:childTnLst>
+                          </p:cTn>
+                        </p:par>
+                      </p:childTnLst>
+                    </p:cTn>
+                  </p:par>
+                </p:childTnLst>
+              </p:cTn>
+              <p:prevCondLst>
+                <p:cond evt="onPrev" delay="0">
+                  <p:tgtEl>
+                    <p:sldTgt/>
+                  </p:tgtEl>
+                </p:cond>
+              </p:prevCondLst>
+              <p:nextCondLst>
+                <p:cond evt="onNext" delay="0">
+                  <p:tgtEl>
+                    <p:sldTgt/>
+                  </p:tgtEl>
+                </p:cond>
+              </p:nextCondLst>
+            </p:seq>
+          </p:childTnLst>
+        </p:cTn>
+      </p:par>
+    </p:tnLst>
+    <p:bldLst>
+      <p:bldP spid="10" grpId="0" animBg="1"/>
+      <p:bldP spid="10" grpId="1" animBg="1"/>
+    </p:bldLst>
+  </p:timing>
 </p:sld>
 </file>
 
@@ -10136,7 +11830,7 @@
           <p:cNvPr id="2" name="Título 1">
             <a:extLst>
               <a:ext uri="{FF2B5EF4-FFF2-40B4-BE49-F238E27FC236}">
-                <a16:creationId xmlns:a16="http://schemas.microsoft.com/office/drawing/2014/main" id="{06B4040A-B532-101C-06D2-E433575FEA12}"/>
+                <a16:creationId xmlns:a16="http://schemas.microsoft.com/office/drawing/2014/main" id="{04B46495-5D51-55E9-9CB7-C4644155D94A}"/>
               </a:ext>
             </a:extLst>
           </p:cNvPr>
@@ -10153,12 +11847,12 @@
           <a:lstStyle/>
           <a:p>
             <a:r>
-              <a:rPr lang="es-ES" sz="2950">
+              <a:rPr lang="es-ES" sz="3200" dirty="0">
                 <a:latin typeface="Geneva"/>
               </a:rPr>
-              <a:t>Modelos</a:t>
-            </a:r>
-            <a:endParaRPr lang="es-ES" sz="2950"/>
+              <a:t>Planificación</a:t>
+            </a:r>
+            <a:endParaRPr lang="es-ES" dirty="0"/>
           </a:p>
         </p:txBody>
       </p:sp>
@@ -10167,7 +11861,7 @@
           <p:cNvPr id="3" name="Marcador de contenido 2">
             <a:extLst>
               <a:ext uri="{FF2B5EF4-FFF2-40B4-BE49-F238E27FC236}">
-                <a16:creationId xmlns:a16="http://schemas.microsoft.com/office/drawing/2014/main" id="{249AF41E-3847-E031-C574-A321E770A3C4}"/>
+                <a16:creationId xmlns:a16="http://schemas.microsoft.com/office/drawing/2014/main" id="{E2EADCF1-77B5-835A-CD68-333739134B27}"/>
               </a:ext>
             </a:extLst>
           </p:cNvPr>
@@ -10180,20 +11874,26 @@
         </p:nvSpPr>
         <p:spPr>
           <a:xfrm>
-            <a:off x="660255" y="1430205"/>
-            <a:ext cx="7897234" cy="4730600"/>
+            <a:off x="628651" y="1503947"/>
+            <a:ext cx="7886700" cy="1194302"/>
           </a:xfrm>
         </p:spPr>
         <p:txBody>
-          <a:bodyPr vert="horz" lIns="91440" tIns="45720" rIns="91440" bIns="45720" rtlCol="0" anchor="t">
-            <a:noAutofit/>
-          </a:bodyPr>
-          <a:lstStyle/>
-          <a:p>
-            <a:pPr marL="0" indent="0" algn="ctr">
-              <a:buNone/>
-            </a:pPr>
-            <a:endParaRPr lang="es-ES" sz="3600"/>
+          <a:bodyPr/>
+          <a:lstStyle/>
+          <a:p>
+            <a:r>
+              <a:rPr lang="es-ES" dirty="0"/>
+              <a:t>Planificación de tareas en Tablero Trello a través del concepto de </a:t>
+            </a:r>
+            <a:r>
+              <a:rPr lang="es-ES" i="1" dirty="0"/>
+              <a:t>sprint</a:t>
+            </a:r>
+            <a:r>
+              <a:rPr lang="es-ES" dirty="0"/>
+              <a:t>.</a:t>
+            </a:r>
           </a:p>
         </p:txBody>
       </p:sp>
@@ -10202,7 +11902,7 @@
           <p:cNvPr id="4" name="Marcador de fecha 3">
             <a:extLst>
               <a:ext uri="{FF2B5EF4-FFF2-40B4-BE49-F238E27FC236}">
-                <a16:creationId xmlns:a16="http://schemas.microsoft.com/office/drawing/2014/main" id="{1CE2F660-9A10-8F85-498A-F308016B7DEA}"/>
+                <a16:creationId xmlns:a16="http://schemas.microsoft.com/office/drawing/2014/main" id="{0252129A-4E51-5805-B99F-B201D3B9383B}"/>
               </a:ext>
             </a:extLst>
           </p:cNvPr>
@@ -10239,7 +11939,7 @@
           <p:cNvPr id="5" name="Marcador de pie de página 4">
             <a:extLst>
               <a:ext uri="{FF2B5EF4-FFF2-40B4-BE49-F238E27FC236}">
-                <a16:creationId xmlns:a16="http://schemas.microsoft.com/office/drawing/2014/main" id="{5EADE792-0AFB-5272-59A1-C260F22570E8}"/>
+                <a16:creationId xmlns:a16="http://schemas.microsoft.com/office/drawing/2014/main" id="{E4E507FF-6B3D-F737-181A-732E19EBBBF0}"/>
               </a:ext>
             </a:extLst>
           </p:cNvPr>
@@ -10276,7 +11976,7 @@
           <p:cNvPr id="6" name="Marcador de número de diapositiva 5">
             <a:extLst>
               <a:ext uri="{FF2B5EF4-FFF2-40B4-BE49-F238E27FC236}">
-                <a16:creationId xmlns:a16="http://schemas.microsoft.com/office/drawing/2014/main" id="{ACEAFB86-E3DC-0881-5E73-F8C28677AED0}"/>
+                <a16:creationId xmlns:a16="http://schemas.microsoft.com/office/drawing/2014/main" id="{3E579B45-4B84-1610-6651-413F2B9603FA}"/>
               </a:ext>
             </a:extLst>
           </p:cNvPr>
@@ -10320,10 +12020,10 @@
       </p:sp>
       <p:pic>
         <p:nvPicPr>
-          <p:cNvPr id="10" name="Imagen 9">
-            <a:extLst>
-              <a:ext uri="{FF2B5EF4-FFF2-40B4-BE49-F238E27FC236}">
-                <a16:creationId xmlns:a16="http://schemas.microsoft.com/office/drawing/2014/main" id="{E78671A5-C72E-D736-8F93-0AB072E93C20}"/>
+          <p:cNvPr id="9" name="Imagen 8">
+            <a:extLst>
+              <a:ext uri="{FF2B5EF4-FFF2-40B4-BE49-F238E27FC236}">
+                <a16:creationId xmlns:a16="http://schemas.microsoft.com/office/drawing/2014/main" id="{4E2B2CE6-B54F-D4B9-0E9D-2B909C27C851}"/>
               </a:ext>
             </a:extLst>
           </p:cNvPr>
@@ -10333,46 +12033,310 @@
           <p:nvPr/>
         </p:nvPicPr>
         <p:blipFill>
-          <a:blip r:embed="rId2" cstate="email">
-            <a:extLst>
-              <a:ext uri="{28A0092B-C50C-407E-A947-70E740481C1C}">
-                <a14:useLocalDpi xmlns:a14="http://schemas.microsoft.com/office/drawing/2010/main" val="0"/>
-              </a:ext>
-            </a:extLst>
-          </a:blip>
+          <a:blip r:embed="rId2"/>
           <a:stretch>
             <a:fillRect/>
           </a:stretch>
         </p:blipFill>
         <p:spPr>
           <a:xfrm>
-            <a:off x="173935" y="1349345"/>
-            <a:ext cx="8796130" cy="5090893"/>
+            <a:off x="942652" y="3955808"/>
+            <a:ext cx="2291785" cy="1572795"/>
+          </a:xfrm>
+          <a:prstGeom prst="rect">
+            <a:avLst/>
+          </a:prstGeom>
+          <a:ln>
+            <a:solidFill>
+              <a:schemeClr val="accent2"/>
+            </a:solidFill>
+          </a:ln>
+        </p:spPr>
+        <p:style>
+          <a:lnRef idx="2">
+            <a:schemeClr val="accent4">
+              <a:shade val="50000"/>
+            </a:schemeClr>
+          </a:lnRef>
+          <a:fillRef idx="1">
+            <a:schemeClr val="accent4"/>
+          </a:fillRef>
+          <a:effectRef idx="0">
+            <a:schemeClr val="accent4"/>
+          </a:effectRef>
+          <a:fontRef idx="minor">
+            <a:schemeClr val="lt1"/>
+          </a:fontRef>
+        </p:style>
+      </p:pic>
+      <p:pic>
+        <p:nvPicPr>
+          <p:cNvPr id="11" name="Imagen 10" descr="Interfaz de usuario gráfica, Texto, Aplicación&#10;&#10;Descripción generada automáticamente">
+            <a:extLst>
+              <a:ext uri="{FF2B5EF4-FFF2-40B4-BE49-F238E27FC236}">
+                <a16:creationId xmlns:a16="http://schemas.microsoft.com/office/drawing/2014/main" id="{E1AEB45B-D9D0-F155-72C5-EE5E593138D4}"/>
+              </a:ext>
+            </a:extLst>
+          </p:cNvPr>
+          <p:cNvPicPr>
+            <a:picLocks noChangeAspect="1"/>
+          </p:cNvPicPr>
+          <p:nvPr/>
+        </p:nvPicPr>
+        <p:blipFill>
+          <a:blip r:embed="rId3"/>
+          <a:stretch>
+            <a:fillRect/>
+          </a:stretch>
+        </p:blipFill>
+        <p:spPr>
+          <a:xfrm>
+            <a:off x="3546689" y="3646319"/>
+            <a:ext cx="4968660" cy="2110477"/>
+          </a:xfrm>
+          <a:prstGeom prst="rect">
+            <a:avLst/>
+          </a:prstGeom>
+          <a:ln>
+            <a:solidFill>
+              <a:schemeClr val="accent2"/>
+            </a:solidFill>
+          </a:ln>
+        </p:spPr>
+      </p:pic>
+      <p:sp>
+        <p:nvSpPr>
+          <p:cNvPr id="12" name="Marcador de contenido 2">
+            <a:extLst>
+              <a:ext uri="{FF2B5EF4-FFF2-40B4-BE49-F238E27FC236}">
+                <a16:creationId xmlns:a16="http://schemas.microsoft.com/office/drawing/2014/main" id="{29ABE0C3-1CD9-EEE2-F075-7F695520B0AE}"/>
+              </a:ext>
+            </a:extLst>
+          </p:cNvPr>
+          <p:cNvSpPr txBox="1">
+            <a:spLocks/>
+          </p:cNvSpPr>
+          <p:nvPr/>
+        </p:nvSpPr>
+        <p:spPr>
+          <a:xfrm>
+            <a:off x="628649" y="2461037"/>
+            <a:ext cx="7886700" cy="1194302"/>
           </a:xfrm>
           <a:prstGeom prst="rect">
             <a:avLst/>
           </a:prstGeom>
         </p:spPr>
-      </p:pic>
+        <p:txBody>
+          <a:bodyPr vert="horz" lIns="91440" tIns="45720" rIns="91440" bIns="45720" rtlCol="0">
+            <a:normAutofit/>
+          </a:bodyPr>
+          <a:lstStyle>
+            <a:lvl1pPr marL="211021" indent="-211021" algn="l" defTabSz="844083" rtl="0" eaLnBrk="1" latinLnBrk="0" hangingPunct="1">
+              <a:lnSpc>
+                <a:spcPct val="100000"/>
+              </a:lnSpc>
+              <a:spcBef>
+                <a:spcPts val="554"/>
+              </a:spcBef>
+              <a:spcAft>
+                <a:spcPts val="554"/>
+              </a:spcAft>
+              <a:buFont typeface="Arial" panose="020B0604020202020204" pitchFamily="34" charset="0"/>
+              <a:buChar char="•"/>
+              <a:defRPr sz="2954" kern="1200">
+                <a:solidFill>
+                  <a:schemeClr val="tx1"/>
+                </a:solidFill>
+                <a:latin typeface="Helvetica" pitchFamily="2" charset="0"/>
+                <a:ea typeface="Verdana" panose="020B0604030504040204" pitchFamily="34" charset="0"/>
+                <a:cs typeface="Arial" panose="020B0604020202020204" pitchFamily="34" charset="0"/>
+              </a:defRPr>
+            </a:lvl1pPr>
+            <a:lvl2pPr marL="633062" indent="-211021" algn="l" defTabSz="844083" rtl="0" eaLnBrk="1" latinLnBrk="0" hangingPunct="1">
+              <a:lnSpc>
+                <a:spcPct val="100000"/>
+              </a:lnSpc>
+              <a:spcBef>
+                <a:spcPts val="554"/>
+              </a:spcBef>
+              <a:spcAft>
+                <a:spcPts val="554"/>
+              </a:spcAft>
+              <a:buFont typeface="Arial" panose="020B0604020202020204" pitchFamily="34" charset="0"/>
+              <a:buChar char="•"/>
+              <a:defRPr sz="2585" kern="1200">
+                <a:solidFill>
+                  <a:schemeClr val="tx1"/>
+                </a:solidFill>
+                <a:latin typeface="Helvetica" pitchFamily="2" charset="0"/>
+                <a:ea typeface="Verdana" panose="020B0604030504040204" pitchFamily="34" charset="0"/>
+                <a:cs typeface="Arial" panose="020B0604020202020204" pitchFamily="34" charset="0"/>
+              </a:defRPr>
+            </a:lvl2pPr>
+            <a:lvl3pPr marL="1055103" indent="-211021" algn="l" defTabSz="844083" rtl="0" eaLnBrk="1" latinLnBrk="0" hangingPunct="1">
+              <a:lnSpc>
+                <a:spcPct val="100000"/>
+              </a:lnSpc>
+              <a:spcBef>
+                <a:spcPts val="554"/>
+              </a:spcBef>
+              <a:spcAft>
+                <a:spcPts val="554"/>
+              </a:spcAft>
+              <a:buFont typeface="Arial" panose="020B0604020202020204" pitchFamily="34" charset="0"/>
+              <a:buChar char="•"/>
+              <a:defRPr sz="2215" kern="1200">
+                <a:solidFill>
+                  <a:schemeClr val="tx1"/>
+                </a:solidFill>
+                <a:latin typeface="Helvetica" pitchFamily="2" charset="0"/>
+                <a:ea typeface="Verdana" panose="020B0604030504040204" pitchFamily="34" charset="0"/>
+                <a:cs typeface="Arial" panose="020B0604020202020204" pitchFamily="34" charset="0"/>
+              </a:defRPr>
+            </a:lvl3pPr>
+            <a:lvl4pPr marL="1477145" indent="-211021" algn="l" defTabSz="844083" rtl="0" eaLnBrk="1" latinLnBrk="0" hangingPunct="1">
+              <a:lnSpc>
+                <a:spcPct val="100000"/>
+              </a:lnSpc>
+              <a:spcBef>
+                <a:spcPts val="554"/>
+              </a:spcBef>
+              <a:spcAft>
+                <a:spcPts val="554"/>
+              </a:spcAft>
+              <a:buFont typeface="Arial" panose="020B0604020202020204" pitchFamily="34" charset="0"/>
+              <a:buChar char="•"/>
+              <a:defRPr sz="1846" kern="1200">
+                <a:solidFill>
+                  <a:schemeClr val="tx1"/>
+                </a:solidFill>
+                <a:latin typeface="Helvetica" pitchFamily="2" charset="0"/>
+                <a:ea typeface="Verdana" panose="020B0604030504040204" pitchFamily="34" charset="0"/>
+                <a:cs typeface="Arial" panose="020B0604020202020204" pitchFamily="34" charset="0"/>
+              </a:defRPr>
+            </a:lvl4pPr>
+            <a:lvl5pPr marL="1899186" indent="-211021" algn="l" defTabSz="844083" rtl="0" eaLnBrk="1" latinLnBrk="0" hangingPunct="1">
+              <a:lnSpc>
+                <a:spcPct val="100000"/>
+              </a:lnSpc>
+              <a:spcBef>
+                <a:spcPts val="554"/>
+              </a:spcBef>
+              <a:spcAft>
+                <a:spcPts val="554"/>
+              </a:spcAft>
+              <a:buFont typeface="Arial" panose="020B0604020202020204" pitchFamily="34" charset="0"/>
+              <a:buChar char="•"/>
+              <a:defRPr sz="1846" kern="1200">
+                <a:solidFill>
+                  <a:schemeClr val="tx1"/>
+                </a:solidFill>
+                <a:latin typeface="Helvetica" pitchFamily="2" charset="0"/>
+                <a:ea typeface="Verdana" panose="020B0604030504040204" pitchFamily="34" charset="0"/>
+                <a:cs typeface="Arial" panose="020B0604020202020204" pitchFamily="34" charset="0"/>
+              </a:defRPr>
+            </a:lvl5pPr>
+            <a:lvl6pPr marL="2321227" indent="-211021" algn="l" defTabSz="844083" rtl="0" eaLnBrk="1" latinLnBrk="0" hangingPunct="1">
+              <a:lnSpc>
+                <a:spcPct val="90000"/>
+              </a:lnSpc>
+              <a:spcBef>
+                <a:spcPts val="462"/>
+              </a:spcBef>
+              <a:buFont typeface="Arial" panose="020B0604020202020204" pitchFamily="34" charset="0"/>
+              <a:buChar char="•"/>
+              <a:defRPr sz="1662" kern="1200">
+                <a:solidFill>
+                  <a:schemeClr val="tx1"/>
+                </a:solidFill>
+                <a:latin typeface="+mn-lt"/>
+                <a:ea typeface="+mn-ea"/>
+                <a:cs typeface="+mn-cs"/>
+              </a:defRPr>
+            </a:lvl6pPr>
+            <a:lvl7pPr marL="2743269" indent="-211021" algn="l" defTabSz="844083" rtl="0" eaLnBrk="1" latinLnBrk="0" hangingPunct="1">
+              <a:lnSpc>
+                <a:spcPct val="90000"/>
+              </a:lnSpc>
+              <a:spcBef>
+                <a:spcPts val="462"/>
+              </a:spcBef>
+              <a:buFont typeface="Arial" panose="020B0604020202020204" pitchFamily="34" charset="0"/>
+              <a:buChar char="•"/>
+              <a:defRPr sz="1662" kern="1200">
+                <a:solidFill>
+                  <a:schemeClr val="tx1"/>
+                </a:solidFill>
+                <a:latin typeface="+mn-lt"/>
+                <a:ea typeface="+mn-ea"/>
+                <a:cs typeface="+mn-cs"/>
+              </a:defRPr>
+            </a:lvl7pPr>
+            <a:lvl8pPr marL="3165310" indent="-211021" algn="l" defTabSz="844083" rtl="0" eaLnBrk="1" latinLnBrk="0" hangingPunct="1">
+              <a:lnSpc>
+                <a:spcPct val="90000"/>
+              </a:lnSpc>
+              <a:spcBef>
+                <a:spcPts val="462"/>
+              </a:spcBef>
+              <a:buFont typeface="Arial" panose="020B0604020202020204" pitchFamily="34" charset="0"/>
+              <a:buChar char="•"/>
+              <a:defRPr sz="1662" kern="1200">
+                <a:solidFill>
+                  <a:schemeClr val="tx1"/>
+                </a:solidFill>
+                <a:latin typeface="+mn-lt"/>
+                <a:ea typeface="+mn-ea"/>
+                <a:cs typeface="+mn-cs"/>
+              </a:defRPr>
+            </a:lvl8pPr>
+            <a:lvl9pPr marL="3587351" indent="-211021" algn="l" defTabSz="844083" rtl="0" eaLnBrk="1" latinLnBrk="0" hangingPunct="1">
+              <a:lnSpc>
+                <a:spcPct val="90000"/>
+              </a:lnSpc>
+              <a:spcBef>
+                <a:spcPts val="462"/>
+              </a:spcBef>
+              <a:buFont typeface="Arial" panose="020B0604020202020204" pitchFamily="34" charset="0"/>
+              <a:buChar char="•"/>
+              <a:defRPr sz="1662" kern="1200">
+                <a:solidFill>
+                  <a:schemeClr val="tx1"/>
+                </a:solidFill>
+                <a:latin typeface="+mn-lt"/>
+                <a:ea typeface="+mn-ea"/>
+                <a:cs typeface="+mn-cs"/>
+              </a:defRPr>
+            </a:lvl9pPr>
+          </a:lstStyle>
+          <a:p>
+            <a:r>
+              <a:rPr lang="es-ES" dirty="0"/>
+              <a:t>Creación de reglas y botones para agilizar la organización (Butler).</a:t>
+            </a:r>
+          </a:p>
+        </p:txBody>
+      </p:sp>
     </p:spTree>
     <p:extLst>
       <p:ext uri="{BB962C8B-B14F-4D97-AF65-F5344CB8AC3E}">
-        <p14:creationId xmlns:p14="http://schemas.microsoft.com/office/powerpoint/2010/main" val="3841751223"/>
+        <p14:creationId xmlns:p14="http://schemas.microsoft.com/office/powerpoint/2010/main" val="3090432756"/>
       </p:ext>
     </p:extLst>
   </p:cSld>
   <p:clrMapOvr>
     <a:masterClrMapping/>
   </p:clrMapOvr>
-  <mc:AlternateContent xmlns:mc="http://schemas.openxmlformats.org/markup-compatibility/2006" xmlns:p14="http://schemas.microsoft.com/office/powerpoint/2010/main">
-    <mc:Choice Requires="p14">
-      <p:transition spd="slow" p14:dur="800">
-        <p:circle/>
+  <mc:AlternateContent xmlns:mc="http://schemas.openxmlformats.org/markup-compatibility/2006">
+    <mc:Choice xmlns:p159="http://schemas.microsoft.com/office/powerpoint/2015/09/main" Requires="p159">
+      <p:transition spd="slow">
+        <p159:morph option="byObject"/>
       </p:transition>
     </mc:Choice>
-    <mc:Fallback xmlns="">
+    <mc:Fallback>
       <p:transition spd="slow">
-        <p:circle/>
+        <p:fade/>
       </p:transition>
     </mc:Fallback>
   </mc:AlternateContent>

--- a/PFentertainment_presentación.pptx
+++ b/PFentertainment_presentación.pptx
@@ -4900,13 +4900,13 @@
   <p:clrMapOvr>
     <a:masterClrMapping/>
   </p:clrMapOvr>
-  <mc:AlternateContent xmlns:mc="http://schemas.openxmlformats.org/markup-compatibility/2006">
-    <mc:Choice xmlns:p159="http://schemas.microsoft.com/office/powerpoint/2015/09/main" Requires="p159">
+  <mc:AlternateContent xmlns:mc="http://schemas.openxmlformats.org/markup-compatibility/2006" xmlns:p159="http://schemas.microsoft.com/office/powerpoint/2015/09/main">
+    <mc:Choice Requires="p159">
       <p:transition spd="slow">
         <p159:morph option="byObject"/>
       </p:transition>
     </mc:Choice>
-    <mc:Fallback>
+    <mc:Fallback xmlns="">
       <p:transition spd="slow">
         <p:fade/>
       </p:transition>
@@ -10436,12 +10436,23 @@
           <a:lstStyle/>
           <a:p>
             <a:r>
-              <a:rPr lang="es-ES" sz="2950">
+              <a:rPr lang="es-ES" sz="2950" dirty="0">
                 <a:latin typeface="Geneva"/>
               </a:rPr>
-              <a:t>Equipo y trabajo en equipo</a:t>
-            </a:r>
-            <a:endParaRPr lang="es-ES"/>
+              <a:t>Trabajo en equipo y </a:t>
+            </a:r>
+            <a:br>
+              <a:rPr lang="es-ES" sz="2950" dirty="0">
+                <a:latin typeface="Geneva"/>
+              </a:rPr>
+            </a:br>
+            <a:r>
+              <a:rPr lang="es-ES" sz="2950" dirty="0">
+                <a:latin typeface="Geneva"/>
+              </a:rPr>
+              <a:t>Riesgos afrontados</a:t>
+            </a:r>
+            <a:endParaRPr lang="es-ES" dirty="0"/>
           </a:p>
         </p:txBody>
       </p:sp>
@@ -10469,8 +10480,8 @@
         </p:blipFill>
         <p:spPr>
           <a:xfrm>
-            <a:off x="691858" y="1714079"/>
-            <a:ext cx="7886700" cy="3825050"/>
+            <a:off x="1808845" y="1779264"/>
+            <a:ext cx="5526309" cy="2680260"/>
           </a:xfrm>
         </p:spPr>
       </p:pic>
@@ -10592,6 +10603,84 @@
                 </a:prstClr>
               </a:solidFill>
             </a:endParaRPr>
+          </a:p>
+        </p:txBody>
+      </p:sp>
+      <p:sp>
+        <p:nvSpPr>
+          <p:cNvPr id="3" name="CuadroTexto 2">
+            <a:extLst>
+              <a:ext uri="{FF2B5EF4-FFF2-40B4-BE49-F238E27FC236}">
+                <a16:creationId xmlns:a16="http://schemas.microsoft.com/office/drawing/2014/main" id="{2E85E8CF-9B56-019C-3C7D-C88F92DE7420}"/>
+              </a:ext>
+            </a:extLst>
+          </p:cNvPr>
+          <p:cNvSpPr txBox="1"/>
+          <p:nvPr/>
+        </p:nvSpPr>
+        <p:spPr>
+          <a:xfrm>
+            <a:off x="2145026" y="5128676"/>
+            <a:ext cx="4203523" cy="369332"/>
+          </a:xfrm>
+          <a:prstGeom prst="rect">
+            <a:avLst/>
+          </a:prstGeom>
+          <a:noFill/>
+        </p:spPr>
+        <p:txBody>
+          <a:bodyPr wrap="none" rtlCol="0">
+            <a:spAutoFit/>
+          </a:bodyPr>
+          <a:lstStyle/>
+          <a:p>
+            <a:pPr marL="285750" indent="-285750">
+              <a:buFont typeface="Arial" panose="020B0604020202020204" pitchFamily="34" charset="0"/>
+              <a:buChar char="•"/>
+            </a:pPr>
+            <a:r>
+              <a:rPr lang="es-ES" b="1" dirty="0"/>
+              <a:t>Complejidad del producto a desarrollar</a:t>
+            </a:r>
+          </a:p>
+        </p:txBody>
+      </p:sp>
+      <p:sp>
+        <p:nvSpPr>
+          <p:cNvPr id="8" name="CuadroTexto 7">
+            <a:extLst>
+              <a:ext uri="{FF2B5EF4-FFF2-40B4-BE49-F238E27FC236}">
+                <a16:creationId xmlns:a16="http://schemas.microsoft.com/office/drawing/2014/main" id="{B105E5FB-C4B6-ABF8-8D92-9CA36C5FAD4C}"/>
+              </a:ext>
+            </a:extLst>
+          </p:cNvPr>
+          <p:cNvSpPr txBox="1"/>
+          <p:nvPr/>
+        </p:nvSpPr>
+        <p:spPr>
+          <a:xfrm>
+            <a:off x="2152238" y="4589255"/>
+            <a:ext cx="5026697" cy="369332"/>
+          </a:xfrm>
+          <a:prstGeom prst="rect">
+            <a:avLst/>
+          </a:prstGeom>
+          <a:noFill/>
+        </p:spPr>
+        <p:txBody>
+          <a:bodyPr wrap="none" rtlCol="0">
+            <a:spAutoFit/>
+          </a:bodyPr>
+          <a:lstStyle/>
+          <a:p>
+            <a:pPr marL="285750" indent="-285750">
+              <a:buFont typeface="Arial" panose="020B0604020202020204" pitchFamily="34" charset="0"/>
+              <a:buChar char="•"/>
+            </a:pPr>
+            <a:r>
+              <a:rPr lang="es-ES" b="1" dirty="0"/>
+              <a:t>Cambio en el planteamiento inicial del proyecto</a:t>
+            </a:r>
           </a:p>
         </p:txBody>
       </p:sp>
@@ -12328,13 +12417,13 @@
   <p:clrMapOvr>
     <a:masterClrMapping/>
   </p:clrMapOvr>
-  <mc:AlternateContent xmlns:mc="http://schemas.openxmlformats.org/markup-compatibility/2006">
-    <mc:Choice xmlns:p159="http://schemas.microsoft.com/office/powerpoint/2015/09/main" Requires="p159">
+  <mc:AlternateContent xmlns:mc="http://schemas.openxmlformats.org/markup-compatibility/2006" xmlns:p159="http://schemas.microsoft.com/office/powerpoint/2015/09/main">
+    <mc:Choice Requires="p159">
       <p:transition spd="slow">
         <p159:morph option="byObject"/>
       </p:transition>
     </mc:Choice>
-    <mc:Fallback>
+    <mc:Fallback xmlns="">
       <p:transition spd="slow">
         <p:fade/>
       </p:transition>

--- a/PFentertainment_presentación.pptx
+++ b/PFentertainment_presentación.pptx
@@ -5,10 +5,10 @@
     <p:sldMasterId id="2147484831" r:id="rId1"/>
   </p:sldMasterIdLst>
   <p:notesMasterIdLst>
-    <p:notesMasterId r:id="rId25"/>
+    <p:notesMasterId r:id="rId26"/>
   </p:notesMasterIdLst>
   <p:handoutMasterIdLst>
-    <p:handoutMasterId r:id="rId26"/>
+    <p:handoutMasterId r:id="rId27"/>
   </p:handoutMasterIdLst>
   <p:sldIdLst>
     <p:sldId id="256" r:id="rId2"/>
@@ -20,20 +20,21 @@
     <p:sldId id="260" r:id="rId8"/>
     <p:sldId id="278" r:id="rId9"/>
     <p:sldId id="279" r:id="rId10"/>
-    <p:sldId id="280" r:id="rId11"/>
-    <p:sldId id="261" r:id="rId12"/>
-    <p:sldId id="264" r:id="rId13"/>
-    <p:sldId id="262" r:id="rId14"/>
-    <p:sldId id="273" r:id="rId15"/>
-    <p:sldId id="276" r:id="rId16"/>
-    <p:sldId id="277" r:id="rId17"/>
-    <p:sldId id="265" r:id="rId18"/>
-    <p:sldId id="272" r:id="rId19"/>
-    <p:sldId id="263" r:id="rId20"/>
-    <p:sldId id="267" r:id="rId21"/>
-    <p:sldId id="268" r:id="rId22"/>
-    <p:sldId id="269" r:id="rId23"/>
-    <p:sldId id="270" r:id="rId24"/>
+    <p:sldId id="281" r:id="rId11"/>
+    <p:sldId id="280" r:id="rId12"/>
+    <p:sldId id="261" r:id="rId13"/>
+    <p:sldId id="264" r:id="rId14"/>
+    <p:sldId id="262" r:id="rId15"/>
+    <p:sldId id="273" r:id="rId16"/>
+    <p:sldId id="276" r:id="rId17"/>
+    <p:sldId id="277" r:id="rId18"/>
+    <p:sldId id="265" r:id="rId19"/>
+    <p:sldId id="272" r:id="rId20"/>
+    <p:sldId id="263" r:id="rId21"/>
+    <p:sldId id="267" r:id="rId22"/>
+    <p:sldId id="268" r:id="rId23"/>
+    <p:sldId id="269" r:id="rId24"/>
+    <p:sldId id="270" r:id="rId25"/>
   </p:sldIdLst>
   <p:sldSz cx="9144000" cy="6858000" type="screen4x3"/>
   <p:notesSz cx="6858000" cy="9144000"/>
@@ -4212,6 +4213,41 @@
           <a:chExt cx="0" cy="0"/>
         </a:xfrm>
       </p:grpSpPr>
+      <p:pic>
+        <p:nvPicPr>
+          <p:cNvPr id="16" name="Imagen 15">
+            <a:extLst>
+              <a:ext uri="{FF2B5EF4-FFF2-40B4-BE49-F238E27FC236}">
+                <a16:creationId xmlns:a16="http://schemas.microsoft.com/office/drawing/2014/main" id="{2F29C088-5AC7-E062-D24C-45813BA543A3}"/>
+              </a:ext>
+            </a:extLst>
+          </p:cNvPr>
+          <p:cNvPicPr>
+            <a:picLocks noChangeAspect="1"/>
+          </p:cNvPicPr>
+          <p:nvPr/>
+        </p:nvPicPr>
+        <p:blipFill>
+          <a:blip r:embed="rId2"/>
+          <a:stretch>
+            <a:fillRect/>
+          </a:stretch>
+        </p:blipFill>
+        <p:spPr>
+          <a:xfrm>
+            <a:off x="4526438" y="3633209"/>
+            <a:ext cx="3635056" cy="2133071"/>
+          </a:xfrm>
+          <a:prstGeom prst="rect">
+            <a:avLst/>
+          </a:prstGeom>
+          <a:ln>
+            <a:solidFill>
+              <a:schemeClr val="accent2"/>
+            </a:solidFill>
+          </a:ln>
+        </p:spPr>
+      </p:pic>
       <p:sp>
         <p:nvSpPr>
           <p:cNvPr id="2" name="Título 1">
@@ -4354,7 +4390,7 @@
               </a:pPr>
               <a:t>10</a:t>
             </a:fld>
-            <a:endParaRPr lang="es-ES">
+            <a:endParaRPr lang="es-ES" dirty="0">
               <a:solidFill>
                 <a:prstClr val="black">
                   <a:tint val="75000"/>
@@ -4380,7 +4416,7 @@
         </p:nvSpPr>
         <p:spPr>
           <a:xfrm>
-            <a:off x="628649" y="1449351"/>
+            <a:off x="628649" y="1507241"/>
             <a:ext cx="7886700" cy="1194302"/>
           </a:xfrm>
           <a:prstGeom prst="rect">
@@ -4583,7 +4619,7 @@
           <p:cNvPr id="10" name="Marcador de contenido 2">
             <a:extLst>
               <a:ext uri="{FF2B5EF4-FFF2-40B4-BE49-F238E27FC236}">
-                <a16:creationId xmlns:a16="http://schemas.microsoft.com/office/drawing/2014/main" id="{AF356377-1392-942B-9A1E-98EE5342A5EC}"/>
+                <a16:creationId xmlns:a16="http://schemas.microsoft.com/office/drawing/2014/main" id="{AE20952B-5F37-5253-A986-3A964B4A9480}"/>
               </a:ext>
             </a:extLst>
           </p:cNvPr>
@@ -4594,7 +4630,7 @@
         </p:nvSpPr>
         <p:spPr>
           <a:xfrm>
-            <a:off x="628649" y="2440983"/>
+            <a:off x="628649" y="2464331"/>
             <a:ext cx="7886700" cy="1194302"/>
           </a:xfrm>
           <a:prstGeom prst="rect">
@@ -4786,6 +4822,663 @@
           </a:lstStyle>
           <a:p>
             <a:r>
+              <a:rPr lang="es-ES" dirty="0"/>
+              <a:t>Organización de reuniones con el equipo para repartir las tareas y discutir detalles.</a:t>
+            </a:r>
+          </a:p>
+        </p:txBody>
+      </p:sp>
+      <p:pic>
+        <p:nvPicPr>
+          <p:cNvPr id="14" name="Imagen 13">
+            <a:extLst>
+              <a:ext uri="{FF2B5EF4-FFF2-40B4-BE49-F238E27FC236}">
+                <a16:creationId xmlns:a16="http://schemas.microsoft.com/office/drawing/2014/main" id="{77DF10D2-49F2-0268-4354-F9288B3720FD}"/>
+              </a:ext>
+            </a:extLst>
+          </p:cNvPr>
+          <p:cNvPicPr>
+            <a:picLocks noChangeAspect="1"/>
+          </p:cNvPicPr>
+          <p:nvPr/>
+        </p:nvPicPr>
+        <p:blipFill>
+          <a:blip r:embed="rId3"/>
+          <a:stretch>
+            <a:fillRect/>
+          </a:stretch>
+        </p:blipFill>
+        <p:spPr>
+          <a:xfrm>
+            <a:off x="1128773" y="4108331"/>
+            <a:ext cx="3114553" cy="1048025"/>
+          </a:xfrm>
+          <a:prstGeom prst="rect">
+            <a:avLst/>
+          </a:prstGeom>
+          <a:ln>
+            <a:solidFill>
+              <a:schemeClr val="accent2"/>
+            </a:solidFill>
+          </a:ln>
+        </p:spPr>
+      </p:pic>
+    </p:spTree>
+    <p:extLst>
+      <p:ext uri="{BB962C8B-B14F-4D97-AF65-F5344CB8AC3E}">
+        <p14:creationId xmlns:p14="http://schemas.microsoft.com/office/powerpoint/2010/main" val="3911790203"/>
+      </p:ext>
+    </p:extLst>
+  </p:cSld>
+  <p:clrMapOvr>
+    <a:masterClrMapping/>
+  </p:clrMapOvr>
+  <mc:AlternateContent xmlns:mc="http://schemas.openxmlformats.org/markup-compatibility/2006">
+    <mc:Choice xmlns:p159="http://schemas.microsoft.com/office/powerpoint/2015/09/main" Requires="p159">
+      <p:transition spd="slow">
+        <p159:morph option="byObject"/>
+      </p:transition>
+    </mc:Choice>
+    <mc:Fallback>
+      <p:transition spd="slow">
+        <p:fade/>
+      </p:transition>
+    </mc:Fallback>
+  </mc:AlternateContent>
+</p:sld>
+</file>
+
+<file path=ppt/slides/slide11.xml><?xml version="1.0" encoding="utf-8"?>
+<p:sld xmlns:a="http://schemas.openxmlformats.org/drawingml/2006/main" xmlns:r="http://schemas.openxmlformats.org/officeDocument/2006/relationships" xmlns:p="http://schemas.openxmlformats.org/presentationml/2006/main">
+  <p:cSld>
+    <p:spTree>
+      <p:nvGrpSpPr>
+        <p:cNvPr id="1" name=""/>
+        <p:cNvGrpSpPr/>
+        <p:nvPr/>
+      </p:nvGrpSpPr>
+      <p:grpSpPr>
+        <a:xfrm>
+          <a:off x="0" y="0"/>
+          <a:ext cx="0" cy="0"/>
+          <a:chOff x="0" y="0"/>
+          <a:chExt cx="0" cy="0"/>
+        </a:xfrm>
+      </p:grpSpPr>
+      <p:sp>
+        <p:nvSpPr>
+          <p:cNvPr id="2" name="Título 1">
+            <a:extLst>
+              <a:ext uri="{FF2B5EF4-FFF2-40B4-BE49-F238E27FC236}">
+                <a16:creationId xmlns:a16="http://schemas.microsoft.com/office/drawing/2014/main" id="{04B46495-5D51-55E9-9CB7-C4644155D94A}"/>
+              </a:ext>
+            </a:extLst>
+          </p:cNvPr>
+          <p:cNvSpPr>
+            <a:spLocks noGrp="1"/>
+          </p:cNvSpPr>
+          <p:nvPr>
+            <p:ph type="title"/>
+          </p:nvPr>
+        </p:nvSpPr>
+        <p:spPr/>
+        <p:txBody>
+          <a:bodyPr/>
+          <a:lstStyle/>
+          <a:p>
+            <a:r>
+              <a:rPr lang="es-ES" sz="3200" dirty="0">
+                <a:latin typeface="Geneva"/>
+              </a:rPr>
+              <a:t>Planificación</a:t>
+            </a:r>
+            <a:endParaRPr lang="es-ES" dirty="0"/>
+          </a:p>
+        </p:txBody>
+      </p:sp>
+      <p:sp>
+        <p:nvSpPr>
+          <p:cNvPr id="4" name="Marcador de fecha 3">
+            <a:extLst>
+              <a:ext uri="{FF2B5EF4-FFF2-40B4-BE49-F238E27FC236}">
+                <a16:creationId xmlns:a16="http://schemas.microsoft.com/office/drawing/2014/main" id="{0252129A-4E51-5805-B99F-B201D3B9383B}"/>
+              </a:ext>
+            </a:extLst>
+          </p:cNvPr>
+          <p:cNvSpPr>
+            <a:spLocks noGrp="1"/>
+          </p:cNvSpPr>
+          <p:nvPr>
+            <p:ph type="dt" sz="half" idx="10"/>
+          </p:nvPr>
+        </p:nvSpPr>
+        <p:spPr/>
+        <p:txBody>
+          <a:bodyPr/>
+          <a:lstStyle/>
+          <a:p>
+            <a:pPr defTabSz="422041">
+              <a:defRPr/>
+            </a:pPr>
+            <a:r>
+              <a:rPr lang="es-ES">
+                <a:solidFill>
+                  <a:prstClr val="black">
+                    <a:tint val="75000"/>
+                  </a:prstClr>
+                </a:solidFill>
+              </a:rPr>
+              <a:t>Curso 2021-2022</a:t>
+            </a:r>
+          </a:p>
+        </p:txBody>
+      </p:sp>
+      <p:sp>
+        <p:nvSpPr>
+          <p:cNvPr id="5" name="Marcador de pie de página 4">
+            <a:extLst>
+              <a:ext uri="{FF2B5EF4-FFF2-40B4-BE49-F238E27FC236}">
+                <a16:creationId xmlns:a16="http://schemas.microsoft.com/office/drawing/2014/main" id="{E4E507FF-6B3D-F737-181A-732E19EBBBF0}"/>
+              </a:ext>
+            </a:extLst>
+          </p:cNvPr>
+          <p:cNvSpPr>
+            <a:spLocks noGrp="1"/>
+          </p:cNvSpPr>
+          <p:nvPr>
+            <p:ph type="ftr" sz="quarter" idx="11"/>
+          </p:nvPr>
+        </p:nvSpPr>
+        <p:spPr/>
+        <p:txBody>
+          <a:bodyPr/>
+          <a:lstStyle/>
+          <a:p>
+            <a:pPr defTabSz="422041">
+              <a:defRPr/>
+            </a:pPr>
+            <a:r>
+              <a:rPr lang="es-ES">
+                <a:solidFill>
+                  <a:prstClr val="black">
+                    <a:tint val="75000"/>
+                  </a:prstClr>
+                </a:solidFill>
+              </a:rPr>
+              <a:t>Introducción a la Ingeniería del Software</a:t>
+            </a:r>
+          </a:p>
+        </p:txBody>
+      </p:sp>
+      <p:sp>
+        <p:nvSpPr>
+          <p:cNvPr id="6" name="Marcador de número de diapositiva 5">
+            <a:extLst>
+              <a:ext uri="{FF2B5EF4-FFF2-40B4-BE49-F238E27FC236}">
+                <a16:creationId xmlns:a16="http://schemas.microsoft.com/office/drawing/2014/main" id="{3E579B45-4B84-1610-6651-413F2B9603FA}"/>
+              </a:ext>
+            </a:extLst>
+          </p:cNvPr>
+          <p:cNvSpPr>
+            <a:spLocks noGrp="1"/>
+          </p:cNvSpPr>
+          <p:nvPr>
+            <p:ph type="sldNum" sz="quarter" idx="12"/>
+          </p:nvPr>
+        </p:nvSpPr>
+        <p:spPr/>
+        <p:txBody>
+          <a:bodyPr/>
+          <a:lstStyle/>
+          <a:p>
+            <a:pPr defTabSz="422041">
+              <a:defRPr/>
+            </a:pPr>
+            <a:fld id="{9961DA19-05BC-2C48-AEE7-B9DFD6D07410}" type="slidenum">
+              <a:rPr lang="es-ES" smtClean="0">
+                <a:solidFill>
+                  <a:prstClr val="black">
+                    <a:tint val="75000"/>
+                  </a:prstClr>
+                </a:solidFill>
+              </a:rPr>
+              <a:pPr defTabSz="422041">
+                <a:defRPr/>
+              </a:pPr>
+              <a:t>11</a:t>
+            </a:fld>
+            <a:endParaRPr lang="es-ES">
+              <a:solidFill>
+                <a:prstClr val="black">
+                  <a:tint val="75000"/>
+                </a:prstClr>
+              </a:solidFill>
+            </a:endParaRPr>
+          </a:p>
+        </p:txBody>
+      </p:sp>
+      <p:sp>
+        <p:nvSpPr>
+          <p:cNvPr id="12" name="Marcador de contenido 2">
+            <a:extLst>
+              <a:ext uri="{FF2B5EF4-FFF2-40B4-BE49-F238E27FC236}">
+                <a16:creationId xmlns:a16="http://schemas.microsoft.com/office/drawing/2014/main" id="{29ABE0C3-1CD9-EEE2-F075-7F695520B0AE}"/>
+              </a:ext>
+            </a:extLst>
+          </p:cNvPr>
+          <p:cNvSpPr txBox="1">
+            <a:spLocks/>
+          </p:cNvSpPr>
+          <p:nvPr/>
+        </p:nvSpPr>
+        <p:spPr>
+          <a:xfrm>
+            <a:off x="628649" y="1491554"/>
+            <a:ext cx="7886700" cy="1194302"/>
+          </a:xfrm>
+          <a:prstGeom prst="rect">
+            <a:avLst/>
+          </a:prstGeom>
+        </p:spPr>
+        <p:txBody>
+          <a:bodyPr vert="horz" lIns="91440" tIns="45720" rIns="91440" bIns="45720" rtlCol="0">
+            <a:normAutofit/>
+          </a:bodyPr>
+          <a:lstStyle>
+            <a:lvl1pPr marL="211021" indent="-211021" algn="l" defTabSz="844083" rtl="0" eaLnBrk="1" latinLnBrk="0" hangingPunct="1">
+              <a:lnSpc>
+                <a:spcPct val="100000"/>
+              </a:lnSpc>
+              <a:spcBef>
+                <a:spcPts val="554"/>
+              </a:spcBef>
+              <a:spcAft>
+                <a:spcPts val="554"/>
+              </a:spcAft>
+              <a:buFont typeface="Arial" panose="020B0604020202020204" pitchFamily="34" charset="0"/>
+              <a:buChar char="•"/>
+              <a:defRPr sz="2954" kern="1200">
+                <a:solidFill>
+                  <a:schemeClr val="tx1"/>
+                </a:solidFill>
+                <a:latin typeface="Helvetica" pitchFamily="2" charset="0"/>
+                <a:ea typeface="Verdana" panose="020B0604030504040204" pitchFamily="34" charset="0"/>
+                <a:cs typeface="Arial" panose="020B0604020202020204" pitchFamily="34" charset="0"/>
+              </a:defRPr>
+            </a:lvl1pPr>
+            <a:lvl2pPr marL="633062" indent="-211021" algn="l" defTabSz="844083" rtl="0" eaLnBrk="1" latinLnBrk="0" hangingPunct="1">
+              <a:lnSpc>
+                <a:spcPct val="100000"/>
+              </a:lnSpc>
+              <a:spcBef>
+                <a:spcPts val="554"/>
+              </a:spcBef>
+              <a:spcAft>
+                <a:spcPts val="554"/>
+              </a:spcAft>
+              <a:buFont typeface="Arial" panose="020B0604020202020204" pitchFamily="34" charset="0"/>
+              <a:buChar char="•"/>
+              <a:defRPr sz="2585" kern="1200">
+                <a:solidFill>
+                  <a:schemeClr val="tx1"/>
+                </a:solidFill>
+                <a:latin typeface="Helvetica" pitchFamily="2" charset="0"/>
+                <a:ea typeface="Verdana" panose="020B0604030504040204" pitchFamily="34" charset="0"/>
+                <a:cs typeface="Arial" panose="020B0604020202020204" pitchFamily="34" charset="0"/>
+              </a:defRPr>
+            </a:lvl2pPr>
+            <a:lvl3pPr marL="1055103" indent="-211021" algn="l" defTabSz="844083" rtl="0" eaLnBrk="1" latinLnBrk="0" hangingPunct="1">
+              <a:lnSpc>
+                <a:spcPct val="100000"/>
+              </a:lnSpc>
+              <a:spcBef>
+                <a:spcPts val="554"/>
+              </a:spcBef>
+              <a:spcAft>
+                <a:spcPts val="554"/>
+              </a:spcAft>
+              <a:buFont typeface="Arial" panose="020B0604020202020204" pitchFamily="34" charset="0"/>
+              <a:buChar char="•"/>
+              <a:defRPr sz="2215" kern="1200">
+                <a:solidFill>
+                  <a:schemeClr val="tx1"/>
+                </a:solidFill>
+                <a:latin typeface="Helvetica" pitchFamily="2" charset="0"/>
+                <a:ea typeface="Verdana" panose="020B0604030504040204" pitchFamily="34" charset="0"/>
+                <a:cs typeface="Arial" panose="020B0604020202020204" pitchFamily="34" charset="0"/>
+              </a:defRPr>
+            </a:lvl3pPr>
+            <a:lvl4pPr marL="1477145" indent="-211021" algn="l" defTabSz="844083" rtl="0" eaLnBrk="1" latinLnBrk="0" hangingPunct="1">
+              <a:lnSpc>
+                <a:spcPct val="100000"/>
+              </a:lnSpc>
+              <a:spcBef>
+                <a:spcPts val="554"/>
+              </a:spcBef>
+              <a:spcAft>
+                <a:spcPts val="554"/>
+              </a:spcAft>
+              <a:buFont typeface="Arial" panose="020B0604020202020204" pitchFamily="34" charset="0"/>
+              <a:buChar char="•"/>
+              <a:defRPr sz="1846" kern="1200">
+                <a:solidFill>
+                  <a:schemeClr val="tx1"/>
+                </a:solidFill>
+                <a:latin typeface="Helvetica" pitchFamily="2" charset="0"/>
+                <a:ea typeface="Verdana" panose="020B0604030504040204" pitchFamily="34" charset="0"/>
+                <a:cs typeface="Arial" panose="020B0604020202020204" pitchFamily="34" charset="0"/>
+              </a:defRPr>
+            </a:lvl4pPr>
+            <a:lvl5pPr marL="1899186" indent="-211021" algn="l" defTabSz="844083" rtl="0" eaLnBrk="1" latinLnBrk="0" hangingPunct="1">
+              <a:lnSpc>
+                <a:spcPct val="100000"/>
+              </a:lnSpc>
+              <a:spcBef>
+                <a:spcPts val="554"/>
+              </a:spcBef>
+              <a:spcAft>
+                <a:spcPts val="554"/>
+              </a:spcAft>
+              <a:buFont typeface="Arial" panose="020B0604020202020204" pitchFamily="34" charset="0"/>
+              <a:buChar char="•"/>
+              <a:defRPr sz="1846" kern="1200">
+                <a:solidFill>
+                  <a:schemeClr val="tx1"/>
+                </a:solidFill>
+                <a:latin typeface="Helvetica" pitchFamily="2" charset="0"/>
+                <a:ea typeface="Verdana" panose="020B0604030504040204" pitchFamily="34" charset="0"/>
+                <a:cs typeface="Arial" panose="020B0604020202020204" pitchFamily="34" charset="0"/>
+              </a:defRPr>
+            </a:lvl5pPr>
+            <a:lvl6pPr marL="2321227" indent="-211021" algn="l" defTabSz="844083" rtl="0" eaLnBrk="1" latinLnBrk="0" hangingPunct="1">
+              <a:lnSpc>
+                <a:spcPct val="90000"/>
+              </a:lnSpc>
+              <a:spcBef>
+                <a:spcPts val="462"/>
+              </a:spcBef>
+              <a:buFont typeface="Arial" panose="020B0604020202020204" pitchFamily="34" charset="0"/>
+              <a:buChar char="•"/>
+              <a:defRPr sz="1662" kern="1200">
+                <a:solidFill>
+                  <a:schemeClr val="tx1"/>
+                </a:solidFill>
+                <a:latin typeface="+mn-lt"/>
+                <a:ea typeface="+mn-ea"/>
+                <a:cs typeface="+mn-cs"/>
+              </a:defRPr>
+            </a:lvl6pPr>
+            <a:lvl7pPr marL="2743269" indent="-211021" algn="l" defTabSz="844083" rtl="0" eaLnBrk="1" latinLnBrk="0" hangingPunct="1">
+              <a:lnSpc>
+                <a:spcPct val="90000"/>
+              </a:lnSpc>
+              <a:spcBef>
+                <a:spcPts val="462"/>
+              </a:spcBef>
+              <a:buFont typeface="Arial" panose="020B0604020202020204" pitchFamily="34" charset="0"/>
+              <a:buChar char="•"/>
+              <a:defRPr sz="1662" kern="1200">
+                <a:solidFill>
+                  <a:schemeClr val="tx1"/>
+                </a:solidFill>
+                <a:latin typeface="+mn-lt"/>
+                <a:ea typeface="+mn-ea"/>
+                <a:cs typeface="+mn-cs"/>
+              </a:defRPr>
+            </a:lvl7pPr>
+            <a:lvl8pPr marL="3165310" indent="-211021" algn="l" defTabSz="844083" rtl="0" eaLnBrk="1" latinLnBrk="0" hangingPunct="1">
+              <a:lnSpc>
+                <a:spcPct val="90000"/>
+              </a:lnSpc>
+              <a:spcBef>
+                <a:spcPts val="462"/>
+              </a:spcBef>
+              <a:buFont typeface="Arial" panose="020B0604020202020204" pitchFamily="34" charset="0"/>
+              <a:buChar char="•"/>
+              <a:defRPr sz="1662" kern="1200">
+                <a:solidFill>
+                  <a:schemeClr val="tx1"/>
+                </a:solidFill>
+                <a:latin typeface="+mn-lt"/>
+                <a:ea typeface="+mn-ea"/>
+                <a:cs typeface="+mn-cs"/>
+              </a:defRPr>
+            </a:lvl8pPr>
+            <a:lvl9pPr marL="3587351" indent="-211021" algn="l" defTabSz="844083" rtl="0" eaLnBrk="1" latinLnBrk="0" hangingPunct="1">
+              <a:lnSpc>
+                <a:spcPct val="90000"/>
+              </a:lnSpc>
+              <a:spcBef>
+                <a:spcPts val="462"/>
+              </a:spcBef>
+              <a:buFont typeface="Arial" panose="020B0604020202020204" pitchFamily="34" charset="0"/>
+              <a:buChar char="•"/>
+              <a:defRPr sz="1662" kern="1200">
+                <a:solidFill>
+                  <a:schemeClr val="tx1"/>
+                </a:solidFill>
+                <a:latin typeface="+mn-lt"/>
+                <a:ea typeface="+mn-ea"/>
+                <a:cs typeface="+mn-cs"/>
+              </a:defRPr>
+            </a:lvl9pPr>
+          </a:lstStyle>
+          <a:p>
+            <a:r>
+              <a:rPr lang="es-ES" dirty="0"/>
+              <a:t>Organización de reuniones con el equipo para repartir las tareas y discutir detalles.</a:t>
+            </a:r>
+          </a:p>
+        </p:txBody>
+      </p:sp>
+      <p:sp>
+        <p:nvSpPr>
+          <p:cNvPr id="10" name="Marcador de contenido 2">
+            <a:extLst>
+              <a:ext uri="{FF2B5EF4-FFF2-40B4-BE49-F238E27FC236}">
+                <a16:creationId xmlns:a16="http://schemas.microsoft.com/office/drawing/2014/main" id="{AF356377-1392-942B-9A1E-98EE5342A5EC}"/>
+              </a:ext>
+            </a:extLst>
+          </p:cNvPr>
+          <p:cNvSpPr txBox="1">
+            <a:spLocks/>
+          </p:cNvSpPr>
+          <p:nvPr/>
+        </p:nvSpPr>
+        <p:spPr>
+          <a:xfrm>
+            <a:off x="628649" y="2440983"/>
+            <a:ext cx="7886700" cy="1194302"/>
+          </a:xfrm>
+          <a:prstGeom prst="rect">
+            <a:avLst/>
+          </a:prstGeom>
+        </p:spPr>
+        <p:txBody>
+          <a:bodyPr vert="horz" lIns="91440" tIns="45720" rIns="91440" bIns="45720" rtlCol="0">
+            <a:normAutofit/>
+          </a:bodyPr>
+          <a:lstStyle>
+            <a:lvl1pPr marL="211021" indent="-211021" algn="l" defTabSz="844083" rtl="0" eaLnBrk="1" latinLnBrk="0" hangingPunct="1">
+              <a:lnSpc>
+                <a:spcPct val="100000"/>
+              </a:lnSpc>
+              <a:spcBef>
+                <a:spcPts val="554"/>
+              </a:spcBef>
+              <a:spcAft>
+                <a:spcPts val="554"/>
+              </a:spcAft>
+              <a:buFont typeface="Arial" panose="020B0604020202020204" pitchFamily="34" charset="0"/>
+              <a:buChar char="•"/>
+              <a:defRPr sz="2954" kern="1200">
+                <a:solidFill>
+                  <a:schemeClr val="tx1"/>
+                </a:solidFill>
+                <a:latin typeface="Helvetica" pitchFamily="2" charset="0"/>
+                <a:ea typeface="Verdana" panose="020B0604030504040204" pitchFamily="34" charset="0"/>
+                <a:cs typeface="Arial" panose="020B0604020202020204" pitchFamily="34" charset="0"/>
+              </a:defRPr>
+            </a:lvl1pPr>
+            <a:lvl2pPr marL="633062" indent="-211021" algn="l" defTabSz="844083" rtl="0" eaLnBrk="1" latinLnBrk="0" hangingPunct="1">
+              <a:lnSpc>
+                <a:spcPct val="100000"/>
+              </a:lnSpc>
+              <a:spcBef>
+                <a:spcPts val="554"/>
+              </a:spcBef>
+              <a:spcAft>
+                <a:spcPts val="554"/>
+              </a:spcAft>
+              <a:buFont typeface="Arial" panose="020B0604020202020204" pitchFamily="34" charset="0"/>
+              <a:buChar char="•"/>
+              <a:defRPr sz="2585" kern="1200">
+                <a:solidFill>
+                  <a:schemeClr val="tx1"/>
+                </a:solidFill>
+                <a:latin typeface="Helvetica" pitchFamily="2" charset="0"/>
+                <a:ea typeface="Verdana" panose="020B0604030504040204" pitchFamily="34" charset="0"/>
+                <a:cs typeface="Arial" panose="020B0604020202020204" pitchFamily="34" charset="0"/>
+              </a:defRPr>
+            </a:lvl2pPr>
+            <a:lvl3pPr marL="1055103" indent="-211021" algn="l" defTabSz="844083" rtl="0" eaLnBrk="1" latinLnBrk="0" hangingPunct="1">
+              <a:lnSpc>
+                <a:spcPct val="100000"/>
+              </a:lnSpc>
+              <a:spcBef>
+                <a:spcPts val="554"/>
+              </a:spcBef>
+              <a:spcAft>
+                <a:spcPts val="554"/>
+              </a:spcAft>
+              <a:buFont typeface="Arial" panose="020B0604020202020204" pitchFamily="34" charset="0"/>
+              <a:buChar char="•"/>
+              <a:defRPr sz="2215" kern="1200">
+                <a:solidFill>
+                  <a:schemeClr val="tx1"/>
+                </a:solidFill>
+                <a:latin typeface="Helvetica" pitchFamily="2" charset="0"/>
+                <a:ea typeface="Verdana" panose="020B0604030504040204" pitchFamily="34" charset="0"/>
+                <a:cs typeface="Arial" panose="020B0604020202020204" pitchFamily="34" charset="0"/>
+              </a:defRPr>
+            </a:lvl3pPr>
+            <a:lvl4pPr marL="1477145" indent="-211021" algn="l" defTabSz="844083" rtl="0" eaLnBrk="1" latinLnBrk="0" hangingPunct="1">
+              <a:lnSpc>
+                <a:spcPct val="100000"/>
+              </a:lnSpc>
+              <a:spcBef>
+                <a:spcPts val="554"/>
+              </a:spcBef>
+              <a:spcAft>
+                <a:spcPts val="554"/>
+              </a:spcAft>
+              <a:buFont typeface="Arial" panose="020B0604020202020204" pitchFamily="34" charset="0"/>
+              <a:buChar char="•"/>
+              <a:defRPr sz="1846" kern="1200">
+                <a:solidFill>
+                  <a:schemeClr val="tx1"/>
+                </a:solidFill>
+                <a:latin typeface="Helvetica" pitchFamily="2" charset="0"/>
+                <a:ea typeface="Verdana" panose="020B0604030504040204" pitchFamily="34" charset="0"/>
+                <a:cs typeface="Arial" panose="020B0604020202020204" pitchFamily="34" charset="0"/>
+              </a:defRPr>
+            </a:lvl4pPr>
+            <a:lvl5pPr marL="1899186" indent="-211021" algn="l" defTabSz="844083" rtl="0" eaLnBrk="1" latinLnBrk="0" hangingPunct="1">
+              <a:lnSpc>
+                <a:spcPct val="100000"/>
+              </a:lnSpc>
+              <a:spcBef>
+                <a:spcPts val="554"/>
+              </a:spcBef>
+              <a:spcAft>
+                <a:spcPts val="554"/>
+              </a:spcAft>
+              <a:buFont typeface="Arial" panose="020B0604020202020204" pitchFamily="34" charset="0"/>
+              <a:buChar char="•"/>
+              <a:defRPr sz="1846" kern="1200">
+                <a:solidFill>
+                  <a:schemeClr val="tx1"/>
+                </a:solidFill>
+                <a:latin typeface="Helvetica" pitchFamily="2" charset="0"/>
+                <a:ea typeface="Verdana" panose="020B0604030504040204" pitchFamily="34" charset="0"/>
+                <a:cs typeface="Arial" panose="020B0604020202020204" pitchFamily="34" charset="0"/>
+              </a:defRPr>
+            </a:lvl5pPr>
+            <a:lvl6pPr marL="2321227" indent="-211021" algn="l" defTabSz="844083" rtl="0" eaLnBrk="1" latinLnBrk="0" hangingPunct="1">
+              <a:lnSpc>
+                <a:spcPct val="90000"/>
+              </a:lnSpc>
+              <a:spcBef>
+                <a:spcPts val="462"/>
+              </a:spcBef>
+              <a:buFont typeface="Arial" panose="020B0604020202020204" pitchFamily="34" charset="0"/>
+              <a:buChar char="•"/>
+              <a:defRPr sz="1662" kern="1200">
+                <a:solidFill>
+                  <a:schemeClr val="tx1"/>
+                </a:solidFill>
+                <a:latin typeface="+mn-lt"/>
+                <a:ea typeface="+mn-ea"/>
+                <a:cs typeface="+mn-cs"/>
+              </a:defRPr>
+            </a:lvl6pPr>
+            <a:lvl7pPr marL="2743269" indent="-211021" algn="l" defTabSz="844083" rtl="0" eaLnBrk="1" latinLnBrk="0" hangingPunct="1">
+              <a:lnSpc>
+                <a:spcPct val="90000"/>
+              </a:lnSpc>
+              <a:spcBef>
+                <a:spcPts val="462"/>
+              </a:spcBef>
+              <a:buFont typeface="Arial" panose="020B0604020202020204" pitchFamily="34" charset="0"/>
+              <a:buChar char="•"/>
+              <a:defRPr sz="1662" kern="1200">
+                <a:solidFill>
+                  <a:schemeClr val="tx1"/>
+                </a:solidFill>
+                <a:latin typeface="+mn-lt"/>
+                <a:ea typeface="+mn-ea"/>
+                <a:cs typeface="+mn-cs"/>
+              </a:defRPr>
+            </a:lvl7pPr>
+            <a:lvl8pPr marL="3165310" indent="-211021" algn="l" defTabSz="844083" rtl="0" eaLnBrk="1" latinLnBrk="0" hangingPunct="1">
+              <a:lnSpc>
+                <a:spcPct val="90000"/>
+              </a:lnSpc>
+              <a:spcBef>
+                <a:spcPts val="462"/>
+              </a:spcBef>
+              <a:buFont typeface="Arial" panose="020B0604020202020204" pitchFamily="34" charset="0"/>
+              <a:buChar char="•"/>
+              <a:defRPr sz="1662" kern="1200">
+                <a:solidFill>
+                  <a:schemeClr val="tx1"/>
+                </a:solidFill>
+                <a:latin typeface="+mn-lt"/>
+                <a:ea typeface="+mn-ea"/>
+                <a:cs typeface="+mn-cs"/>
+              </a:defRPr>
+            </a:lvl8pPr>
+            <a:lvl9pPr marL="3587351" indent="-211021" algn="l" defTabSz="844083" rtl="0" eaLnBrk="1" latinLnBrk="0" hangingPunct="1">
+              <a:lnSpc>
+                <a:spcPct val="90000"/>
+              </a:lnSpc>
+              <a:spcBef>
+                <a:spcPts val="462"/>
+              </a:spcBef>
+              <a:buFont typeface="Arial" panose="020B0604020202020204" pitchFamily="34" charset="0"/>
+              <a:buChar char="•"/>
+              <a:defRPr sz="1662" kern="1200">
+                <a:solidFill>
+                  <a:schemeClr val="tx1"/>
+                </a:solidFill>
+                <a:latin typeface="+mn-lt"/>
+                <a:ea typeface="+mn-ea"/>
+                <a:cs typeface="+mn-cs"/>
+              </a:defRPr>
+            </a:lvl9pPr>
+          </a:lstStyle>
+          <a:p>
+            <a:r>
               <a:rPr lang="es-ES" dirty="0" err="1"/>
               <a:t>Review</a:t>
             </a:r>
@@ -4842,8 +5535,8 @@
         </p:blipFill>
         <p:spPr>
           <a:xfrm>
-            <a:off x="896167" y="3799258"/>
-            <a:ext cx="4657562" cy="2513442"/>
+            <a:off x="896166" y="3797634"/>
+            <a:ext cx="4660571" cy="2515066"/>
           </a:xfrm>
           <a:prstGeom prst="rect">
             <a:avLst/>
@@ -4879,6 +5572,41 @@
           <a:xfrm>
             <a:off x="3430045" y="3429000"/>
             <a:ext cx="4880207" cy="1063999"/>
+          </a:xfrm>
+          <a:prstGeom prst="rect">
+            <a:avLst/>
+          </a:prstGeom>
+          <a:ln>
+            <a:solidFill>
+              <a:schemeClr val="accent2"/>
+            </a:solidFill>
+          </a:ln>
+        </p:spPr>
+      </p:pic>
+      <p:pic>
+        <p:nvPicPr>
+          <p:cNvPr id="7" name="Imagen 6">
+            <a:extLst>
+              <a:ext uri="{FF2B5EF4-FFF2-40B4-BE49-F238E27FC236}">
+                <a16:creationId xmlns:a16="http://schemas.microsoft.com/office/drawing/2014/main" id="{79D104CB-DFD0-9462-D852-864990446781}"/>
+              </a:ext>
+            </a:extLst>
+          </p:cNvPr>
+          <p:cNvPicPr>
+            <a:picLocks noChangeAspect="1"/>
+          </p:cNvPicPr>
+          <p:nvPr/>
+        </p:nvPicPr>
+        <p:blipFill>
+          <a:blip r:embed="rId4"/>
+          <a:stretch>
+            <a:fillRect/>
+          </a:stretch>
+        </p:blipFill>
+        <p:spPr>
+          <a:xfrm>
+            <a:off x="5429249" y="4761239"/>
+            <a:ext cx="3086100" cy="1447604"/>
           </a:xfrm>
           <a:prstGeom prst="rect">
             <a:avLst/>
@@ -4912,307 +5640,180 @@
       </p:transition>
     </mc:Fallback>
   </mc:AlternateContent>
-</p:sld>
-</file>
-
-<file path=ppt/slides/slide11.xml><?xml version="1.0" encoding="utf-8"?>
-<p:sld xmlns:a="http://schemas.openxmlformats.org/drawingml/2006/main" xmlns:r="http://schemas.openxmlformats.org/officeDocument/2006/relationships" xmlns:p="http://schemas.openxmlformats.org/presentationml/2006/main">
-  <p:cSld>
-    <p:spTree>
-      <p:nvGrpSpPr>
-        <p:cNvPr id="1" name=""/>
-        <p:cNvGrpSpPr/>
-        <p:nvPr/>
-      </p:nvGrpSpPr>
-      <p:grpSpPr>
-        <a:xfrm>
-          <a:off x="0" y="0"/>
-          <a:ext cx="0" cy="0"/>
-          <a:chOff x="0" y="0"/>
-          <a:chExt cx="0" cy="0"/>
-        </a:xfrm>
-      </p:grpSpPr>
-      <p:sp>
-        <p:nvSpPr>
-          <p:cNvPr id="2" name="Título 1">
-            <a:extLst>
-              <a:ext uri="{FF2B5EF4-FFF2-40B4-BE49-F238E27FC236}">
-                <a16:creationId xmlns:a16="http://schemas.microsoft.com/office/drawing/2014/main" id="{F69FF439-ADBC-E2A8-75DD-26B866C6235E}"/>
-              </a:ext>
-            </a:extLst>
-          </p:cNvPr>
-          <p:cNvSpPr>
-            <a:spLocks noGrp="1"/>
-          </p:cNvSpPr>
-          <p:nvPr>
-            <p:ph type="title"/>
-          </p:nvPr>
-        </p:nvSpPr>
-        <p:spPr/>
-        <p:txBody>
-          <a:bodyPr/>
-          <a:lstStyle/>
-          <a:p>
-            <a:r>
-              <a:rPr lang="es-ES" sz="2950">
-                <a:latin typeface="Geneva"/>
-              </a:rPr>
-              <a:t>Arquitectura</a:t>
-            </a:r>
-            <a:endParaRPr lang="es-ES"/>
-          </a:p>
-        </p:txBody>
-      </p:sp>
-      <p:pic>
-        <p:nvPicPr>
-          <p:cNvPr id="7" name="Imagen 7" descr="Diagrama&#10;&#10;Descripción generada automáticamente">
-            <a:extLst>
-              <a:ext uri="{FF2B5EF4-FFF2-40B4-BE49-F238E27FC236}">
-                <a16:creationId xmlns:a16="http://schemas.microsoft.com/office/drawing/2014/main" id="{045DC57D-CB8C-4C99-0826-520B1A229B32}"/>
-              </a:ext>
-            </a:extLst>
-          </p:cNvPr>
-          <p:cNvPicPr>
-            <a:picLocks noGrp="1" noChangeAspect="1"/>
-          </p:cNvPicPr>
-          <p:nvPr>
-            <p:ph idx="1"/>
-          </p:nvPr>
-        </p:nvPicPr>
-        <p:blipFill>
-          <a:blip r:embed="rId2"/>
-          <a:stretch>
-            <a:fillRect/>
-          </a:stretch>
-        </p:blipFill>
-        <p:spPr>
-          <a:xfrm>
-            <a:off x="1069017" y="1739654"/>
-            <a:ext cx="7389300" cy="4153842"/>
-          </a:xfrm>
-        </p:spPr>
-      </p:pic>
-      <p:sp>
-        <p:nvSpPr>
-          <p:cNvPr id="4" name="Marcador de fecha 3">
-            <a:extLst>
-              <a:ext uri="{FF2B5EF4-FFF2-40B4-BE49-F238E27FC236}">
-                <a16:creationId xmlns:a16="http://schemas.microsoft.com/office/drawing/2014/main" id="{1C7F6A76-A49E-63E1-873B-974ABA7D96CF}"/>
-              </a:ext>
-            </a:extLst>
-          </p:cNvPr>
-          <p:cNvSpPr>
-            <a:spLocks noGrp="1"/>
-          </p:cNvSpPr>
-          <p:nvPr>
-            <p:ph type="dt" sz="half" idx="10"/>
-          </p:nvPr>
-        </p:nvSpPr>
-        <p:spPr/>
-        <p:txBody>
-          <a:bodyPr/>
-          <a:lstStyle/>
-          <a:p>
-            <a:pPr defTabSz="422041">
-              <a:defRPr/>
-            </a:pPr>
-            <a:r>
-              <a:rPr lang="es-ES">
-                <a:solidFill>
-                  <a:prstClr val="black">
-                    <a:tint val="75000"/>
-                  </a:prstClr>
-                </a:solidFill>
-              </a:rPr>
-              <a:t>Curso 2021-2022</a:t>
-            </a:r>
-          </a:p>
-        </p:txBody>
-      </p:sp>
-      <p:sp>
-        <p:nvSpPr>
-          <p:cNvPr id="5" name="Marcador de pie de página 4">
-            <a:extLst>
-              <a:ext uri="{FF2B5EF4-FFF2-40B4-BE49-F238E27FC236}">
-                <a16:creationId xmlns:a16="http://schemas.microsoft.com/office/drawing/2014/main" id="{B02D4C27-4DF3-360E-6F59-85946C50BBE2}"/>
-              </a:ext>
-            </a:extLst>
-          </p:cNvPr>
-          <p:cNvSpPr>
-            <a:spLocks noGrp="1"/>
-          </p:cNvSpPr>
-          <p:nvPr>
-            <p:ph type="ftr" sz="quarter" idx="11"/>
-          </p:nvPr>
-        </p:nvSpPr>
-        <p:spPr/>
-        <p:txBody>
-          <a:bodyPr/>
-          <a:lstStyle/>
-          <a:p>
-            <a:pPr defTabSz="422041">
-              <a:defRPr/>
-            </a:pPr>
-            <a:r>
-              <a:rPr lang="es-ES">
-                <a:solidFill>
-                  <a:prstClr val="black">
-                    <a:tint val="75000"/>
-                  </a:prstClr>
-                </a:solidFill>
-              </a:rPr>
-              <a:t>Introducción a la Ingeniería del Software</a:t>
-            </a:r>
-          </a:p>
-        </p:txBody>
-      </p:sp>
-      <p:sp>
-        <p:nvSpPr>
-          <p:cNvPr id="6" name="Marcador de número de diapositiva 5">
-            <a:extLst>
-              <a:ext uri="{FF2B5EF4-FFF2-40B4-BE49-F238E27FC236}">
-                <a16:creationId xmlns:a16="http://schemas.microsoft.com/office/drawing/2014/main" id="{F4FB0E14-3B76-E561-001A-F81574E95A75}"/>
-              </a:ext>
-            </a:extLst>
-          </p:cNvPr>
-          <p:cNvSpPr>
-            <a:spLocks noGrp="1"/>
-          </p:cNvSpPr>
-          <p:nvPr>
-            <p:ph type="sldNum" sz="quarter" idx="12"/>
-          </p:nvPr>
-        </p:nvSpPr>
-        <p:spPr/>
-        <p:txBody>
-          <a:bodyPr/>
-          <a:lstStyle/>
-          <a:p>
-            <a:pPr defTabSz="422041">
-              <a:defRPr/>
-            </a:pPr>
-            <a:fld id="{9961DA19-05BC-2C48-AEE7-B9DFD6D07410}" type="slidenum">
-              <a:rPr lang="es-ES" smtClean="0">
-                <a:solidFill>
-                  <a:prstClr val="black">
-                    <a:tint val="75000"/>
-                  </a:prstClr>
-                </a:solidFill>
-              </a:rPr>
-              <a:pPr defTabSz="422041">
-                <a:defRPr/>
-              </a:pPr>
-              <a:t>11</a:t>
-            </a:fld>
-            <a:endParaRPr lang="es-ES">
-              <a:solidFill>
-                <a:prstClr val="black">
-                  <a:tint val="75000"/>
-                </a:prstClr>
-              </a:solidFill>
-            </a:endParaRPr>
-          </a:p>
-        </p:txBody>
-      </p:sp>
-      <p:sp>
-        <p:nvSpPr>
-          <p:cNvPr id="8" name="CuadroTexto 7">
-            <a:extLst>
-              <a:ext uri="{FF2B5EF4-FFF2-40B4-BE49-F238E27FC236}">
-                <a16:creationId xmlns:a16="http://schemas.microsoft.com/office/drawing/2014/main" id="{869C0773-BC34-3837-9693-47BDA2D12B51}"/>
-              </a:ext>
-            </a:extLst>
-          </p:cNvPr>
-          <p:cNvSpPr txBox="1"/>
-          <p:nvPr/>
-        </p:nvSpPr>
-        <p:spPr>
-          <a:xfrm>
-            <a:off x="1904650" y="1304179"/>
-            <a:ext cx="5598065" cy="523220"/>
-          </a:xfrm>
-          <a:prstGeom prst="rect">
-            <a:avLst/>
-          </a:prstGeom>
-          <a:noFill/>
-        </p:spPr>
-        <p:txBody>
-          <a:bodyPr rot="0" spcFirstLastPara="0" vertOverflow="overflow" horzOverflow="overflow" vert="horz" wrap="square" lIns="91440" tIns="45720" rIns="91440" bIns="45720" numCol="1" spcCol="0" rtlCol="0" fromWordArt="0" anchor="t" anchorCtr="0" forceAA="0" compatLnSpc="1">
-            <a:prstTxWarp prst="textNoShape">
-              <a:avLst/>
-            </a:prstTxWarp>
-            <a:spAutoFit/>
-          </a:bodyPr>
-          <a:lstStyle/>
-          <a:p>
-            <a:pPr algn="ctr"/>
-            <a:r>
-              <a:rPr lang="es-ES" sz="2800" b="1">
-                <a:solidFill>
-                  <a:schemeClr val="accent1">
-                    <a:lumMod val="50000"/>
-                  </a:schemeClr>
-                </a:solidFill>
-                <a:cs typeface="Calibri"/>
-              </a:rPr>
-              <a:t>MVC: Modelo-vista-controlador</a:t>
-            </a:r>
-          </a:p>
-        </p:txBody>
-      </p:sp>
-      <p:sp>
-        <p:nvSpPr>
-          <p:cNvPr id="3" name="CuadroTexto 2">
-            <a:extLst>
-              <a:ext uri="{FF2B5EF4-FFF2-40B4-BE49-F238E27FC236}">
-                <a16:creationId xmlns:a16="http://schemas.microsoft.com/office/drawing/2014/main" id="{4A28829C-2C89-6F0A-E605-F90A985885EA}"/>
-              </a:ext>
-            </a:extLst>
-          </p:cNvPr>
-          <p:cNvSpPr txBox="1"/>
-          <p:nvPr/>
-        </p:nvSpPr>
-        <p:spPr>
-          <a:xfrm>
-            <a:off x="469725" y="5845348"/>
-            <a:ext cx="1590807" cy="375595"/>
-          </a:xfrm>
-          <a:prstGeom prst="rect">
-            <a:avLst/>
-          </a:prstGeom>
-          <a:noFill/>
-        </p:spPr>
-        <p:txBody>
-          <a:bodyPr wrap="square" rtlCol="0">
-            <a:spAutoFit/>
-          </a:bodyPr>
-          <a:lstStyle/>
-          <a:p>
-            <a:r>
-              <a:rPr lang="es-ES" dirty="0">
-                <a:hlinkClick r:id="rId3"/>
-              </a:rPr>
-              <a:t>AUTÓMATA</a:t>
-            </a:r>
-            <a:r>
-              <a:rPr lang="es-ES" dirty="0"/>
-              <a:t> </a:t>
-            </a:r>
-          </a:p>
-        </p:txBody>
-      </p:sp>
-    </p:spTree>
-    <p:extLst>
-      <p:ext uri="{BB962C8B-B14F-4D97-AF65-F5344CB8AC3E}">
-        <p14:creationId xmlns:p14="http://schemas.microsoft.com/office/powerpoint/2010/main" val="3636806485"/>
-      </p:ext>
-    </p:extLst>
-  </p:cSld>
-  <p:clrMapOvr>
-    <a:masterClrMapping/>
-  </p:clrMapOvr>
-  <p:transition spd="med">
-    <p:pull/>
-  </p:transition>
+  <p:timing>
+    <p:tnLst>
+      <p:par>
+        <p:cTn id="1" dur="indefinite" restart="never" nodeType="tmRoot">
+          <p:childTnLst>
+            <p:seq concurrent="1" nextAc="seek">
+              <p:cTn id="2" dur="indefinite" nodeType="mainSeq">
+                <p:childTnLst>
+                  <p:par>
+                    <p:cTn id="3" fill="hold">
+                      <p:stCondLst>
+                        <p:cond delay="indefinite"/>
+                        <p:cond evt="onBegin" delay="0">
+                          <p:tn val="2"/>
+                        </p:cond>
+                      </p:stCondLst>
+                      <p:childTnLst>
+                        <p:par>
+                          <p:cTn id="4" fill="hold">
+                            <p:stCondLst>
+                              <p:cond delay="0"/>
+                            </p:stCondLst>
+                            <p:childTnLst>
+                              <p:par>
+                                <p:cTn id="5" presetID="22" presetClass="entr" presetSubtype="4" fill="hold" nodeType="afterEffect">
+                                  <p:stCondLst>
+                                    <p:cond delay="250"/>
+                                  </p:stCondLst>
+                                  <p:childTnLst>
+                                    <p:set>
+                                      <p:cBhvr>
+                                        <p:cTn id="6" dur="1" fill="hold">
+                                          <p:stCondLst>
+                                            <p:cond delay="0"/>
+                                          </p:stCondLst>
+                                        </p:cTn>
+                                        <p:tgtEl>
+                                          <p:spTgt spid="14"/>
+                                        </p:tgtEl>
+                                        <p:attrNameLst>
+                                          <p:attrName>style.visibility</p:attrName>
+                                        </p:attrNameLst>
+                                      </p:cBhvr>
+                                      <p:to>
+                                        <p:strVal val="visible"/>
+                                      </p:to>
+                                    </p:set>
+                                    <p:animEffect transition="in" filter="wipe(down)">
+                                      <p:cBhvr>
+                                        <p:cTn id="7" dur="300"/>
+                                        <p:tgtEl>
+                                          <p:spTgt spid="14"/>
+                                        </p:tgtEl>
+                                      </p:cBhvr>
+                                    </p:animEffect>
+                                  </p:childTnLst>
+                                </p:cTn>
+                              </p:par>
+                            </p:childTnLst>
+                          </p:cTn>
+                        </p:par>
+                        <p:par>
+                          <p:cTn id="8" fill="hold">
+                            <p:stCondLst>
+                              <p:cond delay="550"/>
+                            </p:stCondLst>
+                            <p:childTnLst>
+                              <p:par>
+                                <p:cTn id="9" presetID="22" presetClass="entr" presetSubtype="2" fill="hold" nodeType="afterEffect">
+                                  <p:stCondLst>
+                                    <p:cond delay="250"/>
+                                  </p:stCondLst>
+                                  <p:childTnLst>
+                                    <p:set>
+                                      <p:cBhvr>
+                                        <p:cTn id="10" dur="1" fill="hold">
+                                          <p:stCondLst>
+                                            <p:cond delay="0"/>
+                                          </p:stCondLst>
+                                        </p:cTn>
+                                        <p:tgtEl>
+                                          <p:spTgt spid="18"/>
+                                        </p:tgtEl>
+                                        <p:attrNameLst>
+                                          <p:attrName>style.visibility</p:attrName>
+                                        </p:attrNameLst>
+                                      </p:cBhvr>
+                                      <p:to>
+                                        <p:strVal val="visible"/>
+                                      </p:to>
+                                    </p:set>
+                                    <p:animEffect transition="in" filter="wipe(right)">
+                                      <p:cBhvr>
+                                        <p:cTn id="11" dur="300"/>
+                                        <p:tgtEl>
+                                          <p:spTgt spid="18"/>
+                                        </p:tgtEl>
+                                      </p:cBhvr>
+                                    </p:animEffect>
+                                  </p:childTnLst>
+                                </p:cTn>
+                              </p:par>
+                            </p:childTnLst>
+                          </p:cTn>
+                        </p:par>
+                        <p:par>
+                          <p:cTn id="12" fill="hold">
+                            <p:stCondLst>
+                              <p:cond delay="1100"/>
+                            </p:stCondLst>
+                            <p:childTnLst>
+                              <p:par>
+                                <p:cTn id="13" presetID="22" presetClass="entr" presetSubtype="2" fill="hold" nodeType="afterEffect">
+                                  <p:stCondLst>
+                                    <p:cond delay="250"/>
+                                  </p:stCondLst>
+                                  <p:childTnLst>
+                                    <p:set>
+                                      <p:cBhvr>
+                                        <p:cTn id="14" dur="1" fill="hold">
+                                          <p:stCondLst>
+                                            <p:cond delay="0"/>
+                                          </p:stCondLst>
+                                        </p:cTn>
+                                        <p:tgtEl>
+                                          <p:spTgt spid="7"/>
+                                        </p:tgtEl>
+                                        <p:attrNameLst>
+                                          <p:attrName>style.visibility</p:attrName>
+                                        </p:attrNameLst>
+                                      </p:cBhvr>
+                                      <p:to>
+                                        <p:strVal val="visible"/>
+                                      </p:to>
+                                    </p:set>
+                                    <p:animEffect transition="in" filter="wipe(right)">
+                                      <p:cBhvr>
+                                        <p:cTn id="15" dur="300"/>
+                                        <p:tgtEl>
+                                          <p:spTgt spid="7"/>
+                                        </p:tgtEl>
+                                      </p:cBhvr>
+                                    </p:animEffect>
+                                  </p:childTnLst>
+                                </p:cTn>
+                              </p:par>
+                            </p:childTnLst>
+                          </p:cTn>
+                        </p:par>
+                      </p:childTnLst>
+                    </p:cTn>
+                  </p:par>
+                </p:childTnLst>
+              </p:cTn>
+              <p:prevCondLst>
+                <p:cond evt="onPrev" delay="0">
+                  <p:tgtEl>
+                    <p:sldTgt/>
+                  </p:tgtEl>
+                </p:cond>
+              </p:prevCondLst>
+              <p:nextCondLst>
+                <p:cond evt="onNext" delay="0">
+                  <p:tgtEl>
+                    <p:sldTgt/>
+                  </p:tgtEl>
+                </p:cond>
+              </p:nextCondLst>
+            </p:seq>
+          </p:childTnLst>
+        </p:cTn>
+      </p:par>
+    </p:tnLst>
+  </p:timing>
 </p:sld>
 </file>
 
@@ -5238,6 +5839,307 @@
           <p:cNvPr id="2" name="Título 1">
             <a:extLst>
               <a:ext uri="{FF2B5EF4-FFF2-40B4-BE49-F238E27FC236}">
+                <a16:creationId xmlns:a16="http://schemas.microsoft.com/office/drawing/2014/main" id="{F69FF439-ADBC-E2A8-75DD-26B866C6235E}"/>
+              </a:ext>
+            </a:extLst>
+          </p:cNvPr>
+          <p:cNvSpPr>
+            <a:spLocks noGrp="1"/>
+          </p:cNvSpPr>
+          <p:nvPr>
+            <p:ph type="title"/>
+          </p:nvPr>
+        </p:nvSpPr>
+        <p:spPr/>
+        <p:txBody>
+          <a:bodyPr/>
+          <a:lstStyle/>
+          <a:p>
+            <a:r>
+              <a:rPr lang="es-ES" sz="2950">
+                <a:latin typeface="Geneva"/>
+              </a:rPr>
+              <a:t>Arquitectura</a:t>
+            </a:r>
+            <a:endParaRPr lang="es-ES"/>
+          </a:p>
+        </p:txBody>
+      </p:sp>
+      <p:pic>
+        <p:nvPicPr>
+          <p:cNvPr id="7" name="Imagen 7" descr="Diagrama&#10;&#10;Descripción generada automáticamente">
+            <a:extLst>
+              <a:ext uri="{FF2B5EF4-FFF2-40B4-BE49-F238E27FC236}">
+                <a16:creationId xmlns:a16="http://schemas.microsoft.com/office/drawing/2014/main" id="{045DC57D-CB8C-4C99-0826-520B1A229B32}"/>
+              </a:ext>
+            </a:extLst>
+          </p:cNvPr>
+          <p:cNvPicPr>
+            <a:picLocks noGrp="1" noChangeAspect="1"/>
+          </p:cNvPicPr>
+          <p:nvPr>
+            <p:ph idx="1"/>
+          </p:nvPr>
+        </p:nvPicPr>
+        <p:blipFill>
+          <a:blip r:embed="rId2"/>
+          <a:stretch>
+            <a:fillRect/>
+          </a:stretch>
+        </p:blipFill>
+        <p:spPr>
+          <a:xfrm>
+            <a:off x="1069017" y="1739654"/>
+            <a:ext cx="7389300" cy="4153842"/>
+          </a:xfrm>
+        </p:spPr>
+      </p:pic>
+      <p:sp>
+        <p:nvSpPr>
+          <p:cNvPr id="4" name="Marcador de fecha 3">
+            <a:extLst>
+              <a:ext uri="{FF2B5EF4-FFF2-40B4-BE49-F238E27FC236}">
+                <a16:creationId xmlns:a16="http://schemas.microsoft.com/office/drawing/2014/main" id="{1C7F6A76-A49E-63E1-873B-974ABA7D96CF}"/>
+              </a:ext>
+            </a:extLst>
+          </p:cNvPr>
+          <p:cNvSpPr>
+            <a:spLocks noGrp="1"/>
+          </p:cNvSpPr>
+          <p:nvPr>
+            <p:ph type="dt" sz="half" idx="10"/>
+          </p:nvPr>
+        </p:nvSpPr>
+        <p:spPr/>
+        <p:txBody>
+          <a:bodyPr/>
+          <a:lstStyle/>
+          <a:p>
+            <a:pPr defTabSz="422041">
+              <a:defRPr/>
+            </a:pPr>
+            <a:r>
+              <a:rPr lang="es-ES">
+                <a:solidFill>
+                  <a:prstClr val="black">
+                    <a:tint val="75000"/>
+                  </a:prstClr>
+                </a:solidFill>
+              </a:rPr>
+              <a:t>Curso 2021-2022</a:t>
+            </a:r>
+          </a:p>
+        </p:txBody>
+      </p:sp>
+      <p:sp>
+        <p:nvSpPr>
+          <p:cNvPr id="5" name="Marcador de pie de página 4">
+            <a:extLst>
+              <a:ext uri="{FF2B5EF4-FFF2-40B4-BE49-F238E27FC236}">
+                <a16:creationId xmlns:a16="http://schemas.microsoft.com/office/drawing/2014/main" id="{B02D4C27-4DF3-360E-6F59-85946C50BBE2}"/>
+              </a:ext>
+            </a:extLst>
+          </p:cNvPr>
+          <p:cNvSpPr>
+            <a:spLocks noGrp="1"/>
+          </p:cNvSpPr>
+          <p:nvPr>
+            <p:ph type="ftr" sz="quarter" idx="11"/>
+          </p:nvPr>
+        </p:nvSpPr>
+        <p:spPr/>
+        <p:txBody>
+          <a:bodyPr/>
+          <a:lstStyle/>
+          <a:p>
+            <a:pPr defTabSz="422041">
+              <a:defRPr/>
+            </a:pPr>
+            <a:r>
+              <a:rPr lang="es-ES">
+                <a:solidFill>
+                  <a:prstClr val="black">
+                    <a:tint val="75000"/>
+                  </a:prstClr>
+                </a:solidFill>
+              </a:rPr>
+              <a:t>Introducción a la Ingeniería del Software</a:t>
+            </a:r>
+          </a:p>
+        </p:txBody>
+      </p:sp>
+      <p:sp>
+        <p:nvSpPr>
+          <p:cNvPr id="6" name="Marcador de número de diapositiva 5">
+            <a:extLst>
+              <a:ext uri="{FF2B5EF4-FFF2-40B4-BE49-F238E27FC236}">
+                <a16:creationId xmlns:a16="http://schemas.microsoft.com/office/drawing/2014/main" id="{F4FB0E14-3B76-E561-001A-F81574E95A75}"/>
+              </a:ext>
+            </a:extLst>
+          </p:cNvPr>
+          <p:cNvSpPr>
+            <a:spLocks noGrp="1"/>
+          </p:cNvSpPr>
+          <p:nvPr>
+            <p:ph type="sldNum" sz="quarter" idx="12"/>
+          </p:nvPr>
+        </p:nvSpPr>
+        <p:spPr/>
+        <p:txBody>
+          <a:bodyPr/>
+          <a:lstStyle/>
+          <a:p>
+            <a:pPr defTabSz="422041">
+              <a:defRPr/>
+            </a:pPr>
+            <a:fld id="{9961DA19-05BC-2C48-AEE7-B9DFD6D07410}" type="slidenum">
+              <a:rPr lang="es-ES" smtClean="0">
+                <a:solidFill>
+                  <a:prstClr val="black">
+                    <a:tint val="75000"/>
+                  </a:prstClr>
+                </a:solidFill>
+              </a:rPr>
+              <a:pPr defTabSz="422041">
+                <a:defRPr/>
+              </a:pPr>
+              <a:t>12</a:t>
+            </a:fld>
+            <a:endParaRPr lang="es-ES">
+              <a:solidFill>
+                <a:prstClr val="black">
+                  <a:tint val="75000"/>
+                </a:prstClr>
+              </a:solidFill>
+            </a:endParaRPr>
+          </a:p>
+        </p:txBody>
+      </p:sp>
+      <p:sp>
+        <p:nvSpPr>
+          <p:cNvPr id="8" name="CuadroTexto 7">
+            <a:extLst>
+              <a:ext uri="{FF2B5EF4-FFF2-40B4-BE49-F238E27FC236}">
+                <a16:creationId xmlns:a16="http://schemas.microsoft.com/office/drawing/2014/main" id="{869C0773-BC34-3837-9693-47BDA2D12B51}"/>
+              </a:ext>
+            </a:extLst>
+          </p:cNvPr>
+          <p:cNvSpPr txBox="1"/>
+          <p:nvPr/>
+        </p:nvSpPr>
+        <p:spPr>
+          <a:xfrm>
+            <a:off x="1904650" y="1304179"/>
+            <a:ext cx="5598065" cy="523220"/>
+          </a:xfrm>
+          <a:prstGeom prst="rect">
+            <a:avLst/>
+          </a:prstGeom>
+          <a:noFill/>
+        </p:spPr>
+        <p:txBody>
+          <a:bodyPr rot="0" spcFirstLastPara="0" vertOverflow="overflow" horzOverflow="overflow" vert="horz" wrap="square" lIns="91440" tIns="45720" rIns="91440" bIns="45720" numCol="1" spcCol="0" rtlCol="0" fromWordArt="0" anchor="t" anchorCtr="0" forceAA="0" compatLnSpc="1">
+            <a:prstTxWarp prst="textNoShape">
+              <a:avLst/>
+            </a:prstTxWarp>
+            <a:spAutoFit/>
+          </a:bodyPr>
+          <a:lstStyle/>
+          <a:p>
+            <a:pPr algn="ctr"/>
+            <a:r>
+              <a:rPr lang="es-ES" sz="2800" b="1">
+                <a:solidFill>
+                  <a:schemeClr val="accent1">
+                    <a:lumMod val="50000"/>
+                  </a:schemeClr>
+                </a:solidFill>
+                <a:cs typeface="Calibri"/>
+              </a:rPr>
+              <a:t>MVC: Modelo-vista-controlador</a:t>
+            </a:r>
+          </a:p>
+        </p:txBody>
+      </p:sp>
+      <p:sp>
+        <p:nvSpPr>
+          <p:cNvPr id="3" name="CuadroTexto 2">
+            <a:extLst>
+              <a:ext uri="{FF2B5EF4-FFF2-40B4-BE49-F238E27FC236}">
+                <a16:creationId xmlns:a16="http://schemas.microsoft.com/office/drawing/2014/main" id="{4A28829C-2C89-6F0A-E605-F90A985885EA}"/>
+              </a:ext>
+            </a:extLst>
+          </p:cNvPr>
+          <p:cNvSpPr txBox="1"/>
+          <p:nvPr/>
+        </p:nvSpPr>
+        <p:spPr>
+          <a:xfrm>
+            <a:off x="469725" y="5845348"/>
+            <a:ext cx="1590807" cy="375595"/>
+          </a:xfrm>
+          <a:prstGeom prst="rect">
+            <a:avLst/>
+          </a:prstGeom>
+          <a:noFill/>
+        </p:spPr>
+        <p:txBody>
+          <a:bodyPr wrap="square" rtlCol="0">
+            <a:spAutoFit/>
+          </a:bodyPr>
+          <a:lstStyle/>
+          <a:p>
+            <a:r>
+              <a:rPr lang="es-ES" dirty="0">
+                <a:hlinkClick r:id="rId3"/>
+              </a:rPr>
+              <a:t>AUTÓMATA</a:t>
+            </a:r>
+            <a:r>
+              <a:rPr lang="es-ES" dirty="0"/>
+              <a:t> </a:t>
+            </a:r>
+          </a:p>
+        </p:txBody>
+      </p:sp>
+    </p:spTree>
+    <p:extLst>
+      <p:ext uri="{BB962C8B-B14F-4D97-AF65-F5344CB8AC3E}">
+        <p14:creationId xmlns:p14="http://schemas.microsoft.com/office/powerpoint/2010/main" val="3636806485"/>
+      </p:ext>
+    </p:extLst>
+  </p:cSld>
+  <p:clrMapOvr>
+    <a:masterClrMapping/>
+  </p:clrMapOvr>
+  <p:transition spd="med">
+    <p:pull/>
+  </p:transition>
+</p:sld>
+</file>
+
+<file path=ppt/slides/slide13.xml><?xml version="1.0" encoding="utf-8"?>
+<p:sld xmlns:a="http://schemas.openxmlformats.org/drawingml/2006/main" xmlns:r="http://schemas.openxmlformats.org/officeDocument/2006/relationships" xmlns:p="http://schemas.openxmlformats.org/presentationml/2006/main">
+  <p:cSld>
+    <p:spTree>
+      <p:nvGrpSpPr>
+        <p:cNvPr id="1" name=""/>
+        <p:cNvGrpSpPr/>
+        <p:nvPr/>
+      </p:nvGrpSpPr>
+      <p:grpSpPr>
+        <a:xfrm>
+          <a:off x="0" y="0"/>
+          <a:ext cx="0" cy="0"/>
+          <a:chOff x="0" y="0"/>
+          <a:chExt cx="0" cy="0"/>
+        </a:xfrm>
+      </p:grpSpPr>
+      <p:sp>
+        <p:nvSpPr>
+          <p:cNvPr id="2" name="Título 1">
+            <a:extLst>
+              <a:ext uri="{FF2B5EF4-FFF2-40B4-BE49-F238E27FC236}">
                 <a16:creationId xmlns:a16="http://schemas.microsoft.com/office/drawing/2014/main" id="{06B4040A-B532-101C-06D2-E433575FEA12}"/>
               </a:ext>
             </a:extLst>
@@ -5408,7 +6310,7 @@
               <a:pPr defTabSz="422041">
                 <a:defRPr/>
               </a:pPr>
-              <a:t>12</a:t>
+              <a:t>13</a:t>
             </a:fld>
             <a:endParaRPr lang="es-ES">
               <a:solidFill>
@@ -5481,7 +6383,7 @@
 </p:sld>
 </file>
 
-<file path=ppt/slides/slide13.xml><?xml version="1.0" encoding="utf-8"?>
+<file path=ppt/slides/slide14.xml><?xml version="1.0" encoding="utf-8"?>
 <p:sld xmlns:a="http://schemas.openxmlformats.org/drawingml/2006/main" xmlns:r="http://schemas.openxmlformats.org/officeDocument/2006/relationships" xmlns:p="http://schemas.openxmlformats.org/presentationml/2006/main">
   <p:cSld>
     <p:spTree>
@@ -5703,7 +6605,7 @@
               <a:pPr defTabSz="422041">
                 <a:defRPr/>
               </a:pPr>
-              <a:t>13</a:t>
+              <a:t>14</a:t>
             </a:fld>
             <a:endParaRPr lang="es-ES">
               <a:solidFill>
@@ -5967,7 +6869,7 @@
 </p:sld>
 </file>
 
-<file path=ppt/slides/slide14.xml><?xml version="1.0" encoding="utf-8"?>
+<file path=ppt/slides/slide15.xml><?xml version="1.0" encoding="utf-8"?>
 <p:sld xmlns:a="http://schemas.openxmlformats.org/drawingml/2006/main" xmlns:r="http://schemas.openxmlformats.org/officeDocument/2006/relationships" xmlns:p="http://schemas.openxmlformats.org/presentationml/2006/main">
   <p:cSld>
     <p:spTree>
@@ -6186,7 +7088,7 @@
               <a:pPr defTabSz="422041">
                 <a:defRPr/>
               </a:pPr>
-              <a:t>14</a:t>
+              <a:t>15</a:t>
             </a:fld>
             <a:endParaRPr lang="es-ES">
               <a:solidFill>
@@ -6289,7 +7191,7 @@
 </p:sld>
 </file>
 
-<file path=ppt/slides/slide15.xml><?xml version="1.0" encoding="utf-8"?>
+<file path=ppt/slides/slide16.xml><?xml version="1.0" encoding="utf-8"?>
 <p:sld xmlns:a="http://schemas.openxmlformats.org/drawingml/2006/main" xmlns:r="http://schemas.openxmlformats.org/officeDocument/2006/relationships" xmlns:p="http://schemas.openxmlformats.org/presentationml/2006/main">
   <p:cSld>
     <p:spTree>
@@ -6518,7 +7420,7 @@
               <a:pPr defTabSz="422041">
                 <a:defRPr/>
               </a:pPr>
-              <a:t>15</a:t>
+              <a:t>16</a:t>
             </a:fld>
             <a:endParaRPr lang="es-ES">
               <a:solidFill>
@@ -6619,7 +7521,7 @@
 </p:sld>
 </file>
 
-<file path=ppt/slides/slide16.xml><?xml version="1.0" encoding="utf-8"?>
+<file path=ppt/slides/slide17.xml><?xml version="1.0" encoding="utf-8"?>
 <p:sld xmlns:a="http://schemas.openxmlformats.org/drawingml/2006/main" xmlns:r="http://schemas.openxmlformats.org/officeDocument/2006/relationships" xmlns:p="http://schemas.openxmlformats.org/presentationml/2006/main">
   <p:cSld>
     <p:spTree>
@@ -6832,7 +7734,7 @@
               <a:pPr defTabSz="422041">
                 <a:defRPr/>
               </a:pPr>
-              <a:t>16</a:t>
+              <a:t>17</a:t>
             </a:fld>
             <a:endParaRPr lang="es-ES">
               <a:solidFill>
@@ -7168,7 +8070,7 @@
 </p:sld>
 </file>
 
-<file path=ppt/slides/slide17.xml><?xml version="1.0" encoding="utf-8"?>
+<file path=ppt/slides/slide18.xml><?xml version="1.0" encoding="utf-8"?>
 <p:sld xmlns:a="http://schemas.openxmlformats.org/drawingml/2006/main" xmlns:r="http://schemas.openxmlformats.org/officeDocument/2006/relationships" xmlns:p="http://schemas.openxmlformats.org/presentationml/2006/main">
   <p:cSld>
     <p:spTree>
@@ -7288,7 +8190,7 @@
               <a:pPr defTabSz="422041">
                 <a:defRPr/>
               </a:pPr>
-              <a:t>17</a:t>
+              <a:t>18</a:t>
             </a:fld>
             <a:endParaRPr lang="es-ES">
               <a:solidFill>
@@ -7424,7 +8326,7 @@
 </p:sld>
 </file>
 
-<file path=ppt/slides/slide18.xml><?xml version="1.0" encoding="utf-8"?>
+<file path=ppt/slides/slide19.xml><?xml version="1.0" encoding="utf-8"?>
 <p:sld xmlns:a="http://schemas.openxmlformats.org/drawingml/2006/main" xmlns:r="http://schemas.openxmlformats.org/officeDocument/2006/relationships" xmlns:p="http://schemas.openxmlformats.org/presentationml/2006/main">
   <p:cSld>
     <p:spTree>
@@ -7583,7 +8485,7 @@
               <a:pPr defTabSz="422041">
                 <a:defRPr/>
               </a:pPr>
-              <a:t>18</a:t>
+              <a:t>19</a:t>
             </a:fld>
             <a:endParaRPr lang="es-ES">
               <a:solidFill>
@@ -7683,7 +8585,7 @@
 </p:sld>
 </file>
 
-<file path=ppt/slides/slide19.xml><?xml version="1.0" encoding="utf-8"?>
+<file path=ppt/slides/slide2.xml><?xml version="1.0" encoding="utf-8"?>
 <p:sld xmlns:a="http://schemas.openxmlformats.org/drawingml/2006/main" xmlns:r="http://schemas.openxmlformats.org/officeDocument/2006/relationships" xmlns:p="http://schemas.openxmlformats.org/presentationml/2006/main">
   <p:cSld>
     <p:spTree>
@@ -7702,6 +8604,264 @@
       </p:grpSpPr>
       <p:sp>
         <p:nvSpPr>
+          <p:cNvPr id="2" name="Título 1"/>
+          <p:cNvSpPr>
+            <a:spLocks noGrp="1"/>
+          </p:cNvSpPr>
+          <p:nvPr>
+            <p:ph type="title"/>
+          </p:nvPr>
+        </p:nvSpPr>
+        <p:spPr/>
+        <p:txBody>
+          <a:bodyPr/>
+          <a:lstStyle/>
+          <a:p>
+            <a:r>
+              <a:rPr lang="es-ES"/>
+              <a:t>Índice de contenidos</a:t>
+            </a:r>
+          </a:p>
+        </p:txBody>
+      </p:sp>
+      <p:sp>
+        <p:nvSpPr>
+          <p:cNvPr id="3" name="Marcador de contenido 2"/>
+          <p:cNvSpPr>
+            <a:spLocks noGrp="1"/>
+          </p:cNvSpPr>
+          <p:nvPr>
+            <p:ph idx="1"/>
+          </p:nvPr>
+        </p:nvSpPr>
+        <p:spPr>
+          <a:xfrm>
+            <a:off x="628650" y="1117600"/>
+            <a:ext cx="8177022" cy="5511800"/>
+          </a:xfrm>
+        </p:spPr>
+        <p:txBody>
+          <a:bodyPr>
+            <a:normAutofit fontScale="55000" lnSpcReduction="20000"/>
+          </a:bodyPr>
+          <a:lstStyle/>
+          <a:p>
+            <a:r>
+              <a:rPr lang="es-ES"/>
+              <a:t>Introducción – El problema</a:t>
+            </a:r>
+          </a:p>
+          <a:p>
+            <a:r>
+              <a:rPr lang="es-ES"/>
+              <a:t>La solución</a:t>
+            </a:r>
+          </a:p>
+          <a:p>
+            <a:r>
+              <a:rPr lang="es-ES"/>
+              <a:t>El equipo y el trabajo en equipo</a:t>
+            </a:r>
+          </a:p>
+          <a:p>
+            <a:r>
+              <a:rPr lang="es-ES"/>
+              <a:t>Actividades de Ingeniería de Software</a:t>
+            </a:r>
+          </a:p>
+          <a:p>
+            <a:pPr lvl="1"/>
+            <a:r>
+              <a:rPr lang="es-ES"/>
+              <a:t>Requisitos</a:t>
+            </a:r>
+          </a:p>
+          <a:p>
+            <a:pPr lvl="1"/>
+            <a:r>
+              <a:rPr lang="es-ES"/>
+              <a:t>Planificación</a:t>
+            </a:r>
+          </a:p>
+          <a:p>
+            <a:pPr lvl="1"/>
+            <a:r>
+              <a:rPr lang="es-ES"/>
+              <a:t>Arquitectura</a:t>
+            </a:r>
+          </a:p>
+          <a:p>
+            <a:pPr lvl="1"/>
+            <a:r>
+              <a:rPr lang="es-ES"/>
+              <a:t>Modelos </a:t>
+            </a:r>
+          </a:p>
+          <a:p>
+            <a:pPr lvl="1"/>
+            <a:r>
+              <a:rPr lang="es-ES"/>
+              <a:t>Patrones/Principios</a:t>
+            </a:r>
+          </a:p>
+          <a:p>
+            <a:pPr lvl="1"/>
+            <a:r>
+              <a:rPr lang="es-ES"/>
+              <a:t>Pruebas</a:t>
+            </a:r>
+          </a:p>
+          <a:p>
+            <a:r>
+              <a:rPr lang="es-ES"/>
+              <a:t>Desarrollo/Despliegue</a:t>
+            </a:r>
+          </a:p>
+          <a:p>
+            <a:pPr lvl="1"/>
+            <a:r>
+              <a:rPr lang="es-ES"/>
+              <a:t>Estrategias y herramientas</a:t>
+            </a:r>
+          </a:p>
+          <a:p>
+            <a:pPr lvl="1"/>
+            <a:r>
+              <a:rPr lang="es-ES"/>
+              <a:t>Modelo de Implementación </a:t>
+            </a:r>
+          </a:p>
+          <a:p>
+            <a:pPr lvl="1"/>
+            <a:r>
+              <a:rPr lang="es-ES"/>
+              <a:t>Despliegue</a:t>
+            </a:r>
+          </a:p>
+          <a:p>
+            <a:r>
+              <a:rPr lang="es-ES"/>
+              <a:t>Resultados</a:t>
+            </a:r>
+          </a:p>
+          <a:p>
+            <a:r>
+              <a:rPr lang="es-ES"/>
+              <a:t>Conclusiones</a:t>
+            </a:r>
+          </a:p>
+        </p:txBody>
+      </p:sp>
+      <p:sp>
+        <p:nvSpPr>
+          <p:cNvPr id="6" name="Marcador de fecha 5">
+            <a:extLst>
+              <a:ext uri="{FF2B5EF4-FFF2-40B4-BE49-F238E27FC236}">
+                <a16:creationId xmlns:a16="http://schemas.microsoft.com/office/drawing/2014/main" id="{F46DF278-D0DC-4016-8CE5-ED318BE19903}"/>
+              </a:ext>
+            </a:extLst>
+          </p:cNvPr>
+          <p:cNvSpPr>
+            <a:spLocks noGrp="1"/>
+          </p:cNvSpPr>
+          <p:nvPr>
+            <p:ph type="dt" sz="half" idx="10"/>
+          </p:nvPr>
+        </p:nvSpPr>
+        <p:spPr/>
+        <p:txBody>
+          <a:bodyPr/>
+          <a:lstStyle/>
+          <a:p>
+            <a:r>
+              <a:rPr lang="es-ES"/>
+              <a:t>Curso 2021-2022</a:t>
+            </a:r>
+            <a:endParaRPr lang="en-US"/>
+          </a:p>
+        </p:txBody>
+      </p:sp>
+      <p:sp>
+        <p:nvSpPr>
+          <p:cNvPr id="4" name="Marcador de pie de página 3"/>
+          <p:cNvSpPr>
+            <a:spLocks noGrp="1"/>
+          </p:cNvSpPr>
+          <p:nvPr>
+            <p:ph type="ftr" sz="quarter" idx="11"/>
+          </p:nvPr>
+        </p:nvSpPr>
+        <p:spPr/>
+        <p:txBody>
+          <a:bodyPr/>
+          <a:lstStyle/>
+          <a:p>
+            <a:r>
+              <a:rPr lang="en-US"/>
+              <a:t>Introducción a la Ingeniería del Software</a:t>
+            </a:r>
+          </a:p>
+        </p:txBody>
+      </p:sp>
+      <p:sp>
+        <p:nvSpPr>
+          <p:cNvPr id="5" name="Marcador de número de diapositiva 4"/>
+          <p:cNvSpPr>
+            <a:spLocks noGrp="1"/>
+          </p:cNvSpPr>
+          <p:nvPr>
+            <p:ph type="sldNum" sz="quarter" idx="12"/>
+          </p:nvPr>
+        </p:nvSpPr>
+        <p:spPr/>
+        <p:txBody>
+          <a:bodyPr/>
+          <a:lstStyle/>
+          <a:p>
+            <a:fld id="{2754ED01-E2A0-4C1E-8E21-014B99041579}" type="slidenum">
+              <a:rPr lang="en-US" smtClean="0"/>
+              <a:pPr/>
+              <a:t>2</a:t>
+            </a:fld>
+            <a:endParaRPr lang="en-US"/>
+          </a:p>
+        </p:txBody>
+      </p:sp>
+    </p:spTree>
+    <p:extLst>
+      <p:ext uri="{BB962C8B-B14F-4D97-AF65-F5344CB8AC3E}">
+        <p14:creationId xmlns:p14="http://schemas.microsoft.com/office/powerpoint/2010/main" val="3365594736"/>
+      </p:ext>
+    </p:extLst>
+  </p:cSld>
+  <p:clrMapOvr>
+    <a:masterClrMapping/>
+  </p:clrMapOvr>
+  <p:transition spd="slow">
+    <p:push dir="u"/>
+  </p:transition>
+</p:sld>
+</file>
+
+<file path=ppt/slides/slide20.xml><?xml version="1.0" encoding="utf-8"?>
+<p:sld xmlns:a="http://schemas.openxmlformats.org/drawingml/2006/main" xmlns:r="http://schemas.openxmlformats.org/officeDocument/2006/relationships" xmlns:p="http://schemas.openxmlformats.org/presentationml/2006/main">
+  <p:cSld>
+    <p:spTree>
+      <p:nvGrpSpPr>
+        <p:cNvPr id="1" name=""/>
+        <p:cNvGrpSpPr/>
+        <p:nvPr/>
+      </p:nvGrpSpPr>
+      <p:grpSpPr>
+        <a:xfrm>
+          <a:off x="0" y="0"/>
+          <a:ext cx="0" cy="0"/>
+          <a:chOff x="0" y="0"/>
+          <a:chExt cx="0" cy="0"/>
+        </a:xfrm>
+      </p:grpSpPr>
+      <p:sp>
+        <p:nvSpPr>
           <p:cNvPr id="2" name="Título 1">
             <a:extLst>
               <a:ext uri="{FF2B5EF4-FFF2-40B4-BE49-F238E27FC236}">
@@ -7869,7 +9029,7 @@
               <a:pPr defTabSz="422041">
                 <a:defRPr/>
               </a:pPr>
-              <a:t>19</a:t>
+              <a:t>20</a:t>
             </a:fld>
             <a:endParaRPr lang="es-ES">
               <a:solidFill>
@@ -8086,7 +9246,7 @@
 </p:sld>
 </file>
 
-<file path=ppt/slides/slide2.xml><?xml version="1.0" encoding="utf-8"?>
+<file path=ppt/slides/slide21.xml><?xml version="1.0" encoding="utf-8"?>
 <p:sld xmlns:a="http://schemas.openxmlformats.org/drawingml/2006/main" xmlns:r="http://schemas.openxmlformats.org/officeDocument/2006/relationships" xmlns:p="http://schemas.openxmlformats.org/presentationml/2006/main">
   <p:cSld>
     <p:spTree>
@@ -8105,264 +9265,6 @@
       </p:grpSpPr>
       <p:sp>
         <p:nvSpPr>
-          <p:cNvPr id="2" name="Título 1"/>
-          <p:cNvSpPr>
-            <a:spLocks noGrp="1"/>
-          </p:cNvSpPr>
-          <p:nvPr>
-            <p:ph type="title"/>
-          </p:nvPr>
-        </p:nvSpPr>
-        <p:spPr/>
-        <p:txBody>
-          <a:bodyPr/>
-          <a:lstStyle/>
-          <a:p>
-            <a:r>
-              <a:rPr lang="es-ES"/>
-              <a:t>Índice de contenidos</a:t>
-            </a:r>
-          </a:p>
-        </p:txBody>
-      </p:sp>
-      <p:sp>
-        <p:nvSpPr>
-          <p:cNvPr id="3" name="Marcador de contenido 2"/>
-          <p:cNvSpPr>
-            <a:spLocks noGrp="1"/>
-          </p:cNvSpPr>
-          <p:nvPr>
-            <p:ph idx="1"/>
-          </p:nvPr>
-        </p:nvSpPr>
-        <p:spPr>
-          <a:xfrm>
-            <a:off x="628650" y="1117600"/>
-            <a:ext cx="8177022" cy="5511800"/>
-          </a:xfrm>
-        </p:spPr>
-        <p:txBody>
-          <a:bodyPr>
-            <a:normAutofit fontScale="55000" lnSpcReduction="20000"/>
-          </a:bodyPr>
-          <a:lstStyle/>
-          <a:p>
-            <a:r>
-              <a:rPr lang="es-ES"/>
-              <a:t>Introducción – El problema</a:t>
-            </a:r>
-          </a:p>
-          <a:p>
-            <a:r>
-              <a:rPr lang="es-ES"/>
-              <a:t>La solución</a:t>
-            </a:r>
-          </a:p>
-          <a:p>
-            <a:r>
-              <a:rPr lang="es-ES"/>
-              <a:t>El equipo y el trabajo en equipo</a:t>
-            </a:r>
-          </a:p>
-          <a:p>
-            <a:r>
-              <a:rPr lang="es-ES"/>
-              <a:t>Actividades de Ingeniería de Software</a:t>
-            </a:r>
-          </a:p>
-          <a:p>
-            <a:pPr lvl="1"/>
-            <a:r>
-              <a:rPr lang="es-ES"/>
-              <a:t>Requisitos</a:t>
-            </a:r>
-          </a:p>
-          <a:p>
-            <a:pPr lvl="1"/>
-            <a:r>
-              <a:rPr lang="es-ES"/>
-              <a:t>Planificación</a:t>
-            </a:r>
-          </a:p>
-          <a:p>
-            <a:pPr lvl="1"/>
-            <a:r>
-              <a:rPr lang="es-ES"/>
-              <a:t>Arquitectura</a:t>
-            </a:r>
-          </a:p>
-          <a:p>
-            <a:pPr lvl="1"/>
-            <a:r>
-              <a:rPr lang="es-ES"/>
-              <a:t>Modelos </a:t>
-            </a:r>
-          </a:p>
-          <a:p>
-            <a:pPr lvl="1"/>
-            <a:r>
-              <a:rPr lang="es-ES"/>
-              <a:t>Patrones/Principios</a:t>
-            </a:r>
-          </a:p>
-          <a:p>
-            <a:pPr lvl="1"/>
-            <a:r>
-              <a:rPr lang="es-ES"/>
-              <a:t>Pruebas</a:t>
-            </a:r>
-          </a:p>
-          <a:p>
-            <a:r>
-              <a:rPr lang="es-ES"/>
-              <a:t>Desarrollo/Despliegue</a:t>
-            </a:r>
-          </a:p>
-          <a:p>
-            <a:pPr lvl="1"/>
-            <a:r>
-              <a:rPr lang="es-ES"/>
-              <a:t>Estrategias y herramientas</a:t>
-            </a:r>
-          </a:p>
-          <a:p>
-            <a:pPr lvl="1"/>
-            <a:r>
-              <a:rPr lang="es-ES"/>
-              <a:t>Modelo de Implementación </a:t>
-            </a:r>
-          </a:p>
-          <a:p>
-            <a:pPr lvl="1"/>
-            <a:r>
-              <a:rPr lang="es-ES"/>
-              <a:t>Despliegue</a:t>
-            </a:r>
-          </a:p>
-          <a:p>
-            <a:r>
-              <a:rPr lang="es-ES"/>
-              <a:t>Resultados</a:t>
-            </a:r>
-          </a:p>
-          <a:p>
-            <a:r>
-              <a:rPr lang="es-ES"/>
-              <a:t>Conclusiones</a:t>
-            </a:r>
-          </a:p>
-        </p:txBody>
-      </p:sp>
-      <p:sp>
-        <p:nvSpPr>
-          <p:cNvPr id="6" name="Marcador de fecha 5">
-            <a:extLst>
-              <a:ext uri="{FF2B5EF4-FFF2-40B4-BE49-F238E27FC236}">
-                <a16:creationId xmlns:a16="http://schemas.microsoft.com/office/drawing/2014/main" id="{F46DF278-D0DC-4016-8CE5-ED318BE19903}"/>
-              </a:ext>
-            </a:extLst>
-          </p:cNvPr>
-          <p:cNvSpPr>
-            <a:spLocks noGrp="1"/>
-          </p:cNvSpPr>
-          <p:nvPr>
-            <p:ph type="dt" sz="half" idx="10"/>
-          </p:nvPr>
-        </p:nvSpPr>
-        <p:spPr/>
-        <p:txBody>
-          <a:bodyPr/>
-          <a:lstStyle/>
-          <a:p>
-            <a:r>
-              <a:rPr lang="es-ES"/>
-              <a:t>Curso 2021-2022</a:t>
-            </a:r>
-            <a:endParaRPr lang="en-US"/>
-          </a:p>
-        </p:txBody>
-      </p:sp>
-      <p:sp>
-        <p:nvSpPr>
-          <p:cNvPr id="4" name="Marcador de pie de página 3"/>
-          <p:cNvSpPr>
-            <a:spLocks noGrp="1"/>
-          </p:cNvSpPr>
-          <p:nvPr>
-            <p:ph type="ftr" sz="quarter" idx="11"/>
-          </p:nvPr>
-        </p:nvSpPr>
-        <p:spPr/>
-        <p:txBody>
-          <a:bodyPr/>
-          <a:lstStyle/>
-          <a:p>
-            <a:r>
-              <a:rPr lang="en-US"/>
-              <a:t>Introducción a la Ingeniería del Software</a:t>
-            </a:r>
-          </a:p>
-        </p:txBody>
-      </p:sp>
-      <p:sp>
-        <p:nvSpPr>
-          <p:cNvPr id="5" name="Marcador de número de diapositiva 4"/>
-          <p:cNvSpPr>
-            <a:spLocks noGrp="1"/>
-          </p:cNvSpPr>
-          <p:nvPr>
-            <p:ph type="sldNum" sz="quarter" idx="12"/>
-          </p:nvPr>
-        </p:nvSpPr>
-        <p:spPr/>
-        <p:txBody>
-          <a:bodyPr/>
-          <a:lstStyle/>
-          <a:p>
-            <a:fld id="{2754ED01-E2A0-4C1E-8E21-014B99041579}" type="slidenum">
-              <a:rPr lang="en-US" smtClean="0"/>
-              <a:pPr/>
-              <a:t>2</a:t>
-            </a:fld>
-            <a:endParaRPr lang="en-US"/>
-          </a:p>
-        </p:txBody>
-      </p:sp>
-    </p:spTree>
-    <p:extLst>
-      <p:ext uri="{BB962C8B-B14F-4D97-AF65-F5344CB8AC3E}">
-        <p14:creationId xmlns:p14="http://schemas.microsoft.com/office/powerpoint/2010/main" val="3365594736"/>
-      </p:ext>
-    </p:extLst>
-  </p:cSld>
-  <p:clrMapOvr>
-    <a:masterClrMapping/>
-  </p:clrMapOvr>
-  <p:transition spd="slow">
-    <p:push dir="u"/>
-  </p:transition>
-</p:sld>
-</file>
-
-<file path=ppt/slides/slide20.xml><?xml version="1.0" encoding="utf-8"?>
-<p:sld xmlns:a="http://schemas.openxmlformats.org/drawingml/2006/main" xmlns:r="http://schemas.openxmlformats.org/officeDocument/2006/relationships" xmlns:p="http://schemas.openxmlformats.org/presentationml/2006/main">
-  <p:cSld>
-    <p:spTree>
-      <p:nvGrpSpPr>
-        <p:cNvPr id="1" name=""/>
-        <p:cNvGrpSpPr/>
-        <p:nvPr/>
-      </p:nvGrpSpPr>
-      <p:grpSpPr>
-        <a:xfrm>
-          <a:off x="0" y="0"/>
-          <a:ext cx="0" cy="0"/>
-          <a:chOff x="0" y="0"/>
-          <a:chExt cx="0" cy="0"/>
-        </a:xfrm>
-      </p:grpSpPr>
-      <p:sp>
-        <p:nvSpPr>
           <p:cNvPr id="2" name="Título 1">
             <a:extLst>
               <a:ext uri="{FF2B5EF4-FFF2-40B4-BE49-F238E27FC236}">
@@ -8501,7 +9403,7 @@
               <a:pPr defTabSz="422041">
                 <a:defRPr/>
               </a:pPr>
-              <a:t>20</a:t>
+              <a:t>21</a:t>
             </a:fld>
             <a:endParaRPr lang="es-ES">
               <a:solidFill>
@@ -8901,282 +9803,6 @@
 </p:sld>
 </file>
 
-<file path=ppt/slides/slide21.xml><?xml version="1.0" encoding="utf-8"?>
-<p:sld xmlns:a="http://schemas.openxmlformats.org/drawingml/2006/main" xmlns:r="http://schemas.openxmlformats.org/officeDocument/2006/relationships" xmlns:p="http://schemas.openxmlformats.org/presentationml/2006/main">
-  <p:cSld>
-    <p:spTree>
-      <p:nvGrpSpPr>
-        <p:cNvPr id="1" name=""/>
-        <p:cNvGrpSpPr/>
-        <p:nvPr/>
-      </p:nvGrpSpPr>
-      <p:grpSpPr>
-        <a:xfrm>
-          <a:off x="0" y="0"/>
-          <a:ext cx="0" cy="0"/>
-          <a:chOff x="0" y="0"/>
-          <a:chExt cx="0" cy="0"/>
-        </a:xfrm>
-      </p:grpSpPr>
-      <p:sp>
-        <p:nvSpPr>
-          <p:cNvPr id="2" name="Título 1">
-            <a:extLst>
-              <a:ext uri="{FF2B5EF4-FFF2-40B4-BE49-F238E27FC236}">
-                <a16:creationId xmlns:a16="http://schemas.microsoft.com/office/drawing/2014/main" id="{716DC1C7-47F9-BFD5-350F-151ED6AFEAD1}"/>
-              </a:ext>
-            </a:extLst>
-          </p:cNvPr>
-          <p:cNvSpPr>
-            <a:spLocks noGrp="1"/>
-          </p:cNvSpPr>
-          <p:nvPr>
-            <p:ph type="title"/>
-          </p:nvPr>
-        </p:nvSpPr>
-        <p:spPr>
-          <a:xfrm>
-            <a:off x="1077599" y="332894"/>
-            <a:ext cx="7213760" cy="1325563"/>
-          </a:xfrm>
-        </p:spPr>
-        <p:txBody>
-          <a:bodyPr/>
-          <a:lstStyle/>
-          <a:p>
-            <a:r>
-              <a:rPr lang="es-ES" sz="2950">
-                <a:latin typeface="Geneva"/>
-              </a:rPr>
-              <a:t>Despliegue</a:t>
-            </a:r>
-            <a:endParaRPr lang="es-ES"/>
-          </a:p>
-        </p:txBody>
-      </p:sp>
-      <p:sp>
-        <p:nvSpPr>
-          <p:cNvPr id="4" name="Marcador de fecha 3">
-            <a:extLst>
-              <a:ext uri="{FF2B5EF4-FFF2-40B4-BE49-F238E27FC236}">
-                <a16:creationId xmlns:a16="http://schemas.microsoft.com/office/drawing/2014/main" id="{BE238069-DA65-249C-23DD-EF9C77B85CEA}"/>
-              </a:ext>
-            </a:extLst>
-          </p:cNvPr>
-          <p:cNvSpPr>
-            <a:spLocks noGrp="1"/>
-          </p:cNvSpPr>
-          <p:nvPr>
-            <p:ph type="dt" sz="half" idx="10"/>
-          </p:nvPr>
-        </p:nvSpPr>
-        <p:spPr/>
-        <p:txBody>
-          <a:bodyPr/>
-          <a:lstStyle/>
-          <a:p>
-            <a:pPr defTabSz="422041">
-              <a:defRPr/>
-            </a:pPr>
-            <a:r>
-              <a:rPr lang="es-ES">
-                <a:solidFill>
-                  <a:prstClr val="black">
-                    <a:tint val="75000"/>
-                  </a:prstClr>
-                </a:solidFill>
-              </a:rPr>
-              <a:t>Curso 2021-2022</a:t>
-            </a:r>
-          </a:p>
-        </p:txBody>
-      </p:sp>
-      <p:sp>
-        <p:nvSpPr>
-          <p:cNvPr id="5" name="Marcador de pie de página 4">
-            <a:extLst>
-              <a:ext uri="{FF2B5EF4-FFF2-40B4-BE49-F238E27FC236}">
-                <a16:creationId xmlns:a16="http://schemas.microsoft.com/office/drawing/2014/main" id="{B2AFDCA4-CA78-E226-2312-E1280DF453EE}"/>
-              </a:ext>
-            </a:extLst>
-          </p:cNvPr>
-          <p:cNvSpPr>
-            <a:spLocks noGrp="1"/>
-          </p:cNvSpPr>
-          <p:nvPr>
-            <p:ph type="ftr" sz="quarter" idx="11"/>
-          </p:nvPr>
-        </p:nvSpPr>
-        <p:spPr/>
-        <p:txBody>
-          <a:bodyPr/>
-          <a:lstStyle/>
-          <a:p>
-            <a:pPr defTabSz="422041">
-              <a:defRPr/>
-            </a:pPr>
-            <a:r>
-              <a:rPr lang="es-ES">
-                <a:solidFill>
-                  <a:prstClr val="black">
-                    <a:tint val="75000"/>
-                  </a:prstClr>
-                </a:solidFill>
-              </a:rPr>
-              <a:t>Introducción a la Ingeniería del Software</a:t>
-            </a:r>
-          </a:p>
-        </p:txBody>
-      </p:sp>
-      <p:sp>
-        <p:nvSpPr>
-          <p:cNvPr id="6" name="Marcador de número de diapositiva 5">
-            <a:extLst>
-              <a:ext uri="{FF2B5EF4-FFF2-40B4-BE49-F238E27FC236}">
-                <a16:creationId xmlns:a16="http://schemas.microsoft.com/office/drawing/2014/main" id="{A967FD6E-BE5E-7F9F-165B-32C7A20A4844}"/>
-              </a:ext>
-            </a:extLst>
-          </p:cNvPr>
-          <p:cNvSpPr>
-            <a:spLocks noGrp="1"/>
-          </p:cNvSpPr>
-          <p:nvPr>
-            <p:ph type="sldNum" sz="quarter" idx="12"/>
-          </p:nvPr>
-        </p:nvSpPr>
-        <p:spPr/>
-        <p:txBody>
-          <a:bodyPr/>
-          <a:lstStyle/>
-          <a:p>
-            <a:pPr defTabSz="422041">
-              <a:defRPr/>
-            </a:pPr>
-            <a:fld id="{9961DA19-05BC-2C48-AEE7-B9DFD6D07410}" type="slidenum">
-              <a:rPr lang="es-ES" smtClean="0">
-                <a:solidFill>
-                  <a:prstClr val="black">
-                    <a:tint val="75000"/>
-                  </a:prstClr>
-                </a:solidFill>
-              </a:rPr>
-              <a:pPr defTabSz="422041">
-                <a:defRPr/>
-              </a:pPr>
-              <a:t>21</a:t>
-            </a:fld>
-            <a:endParaRPr lang="es-ES">
-              <a:solidFill>
-                <a:prstClr val="black">
-                  <a:tint val="75000"/>
-                </a:prstClr>
-              </a:solidFill>
-            </a:endParaRPr>
-          </a:p>
-        </p:txBody>
-      </p:sp>
-      <p:sp>
-        <p:nvSpPr>
-          <p:cNvPr id="13" name="CuadroTexto 12">
-            <a:extLst>
-              <a:ext uri="{FF2B5EF4-FFF2-40B4-BE49-F238E27FC236}">
-                <a16:creationId xmlns:a16="http://schemas.microsoft.com/office/drawing/2014/main" id="{73A2389F-A71D-E8A7-21AF-22DABF951281}"/>
-              </a:ext>
-            </a:extLst>
-          </p:cNvPr>
-          <p:cNvSpPr txBox="1"/>
-          <p:nvPr/>
-        </p:nvSpPr>
-        <p:spPr>
-          <a:xfrm>
-            <a:off x="1074988" y="2019614"/>
-            <a:ext cx="4018446" cy="1631216"/>
-          </a:xfrm>
-          <a:prstGeom prst="rect">
-            <a:avLst/>
-          </a:prstGeom>
-          <a:noFill/>
-        </p:spPr>
-        <p:txBody>
-          <a:bodyPr rot="0" spcFirstLastPara="0" vertOverflow="overflow" horzOverflow="overflow" vert="horz" wrap="square" lIns="91440" tIns="45720" rIns="91440" bIns="45720" numCol="1" spcCol="0" rtlCol="0" fromWordArt="0" anchor="t" anchorCtr="0" forceAA="0" compatLnSpc="1">
-            <a:prstTxWarp prst="textNoShape">
-              <a:avLst/>
-            </a:prstTxWarp>
-            <a:spAutoFit/>
-          </a:bodyPr>
-          <a:lstStyle/>
-          <a:p>
-            <a:r>
-              <a:rPr lang="es-ES" sz="2000" dirty="0">
-                <a:cs typeface="Calibri"/>
-              </a:rPr>
-              <a:t>Nuestro proyecto se ha decantado por la creación de una aplicación de uso local, en el propio dispositivo. Ya que su fácil implementación nos ha facilitado el desarrollo de la misma. </a:t>
-            </a:r>
-          </a:p>
-        </p:txBody>
-      </p:sp>
-      <p:sp>
-        <p:nvSpPr>
-          <p:cNvPr id="15" name="CuadroTexto 14">
-            <a:extLst>
-              <a:ext uri="{FF2B5EF4-FFF2-40B4-BE49-F238E27FC236}">
-                <a16:creationId xmlns:a16="http://schemas.microsoft.com/office/drawing/2014/main" id="{9280B94B-8470-09AC-3952-5039126B5AD9}"/>
-              </a:ext>
-            </a:extLst>
-          </p:cNvPr>
-          <p:cNvSpPr txBox="1"/>
-          <p:nvPr/>
-        </p:nvSpPr>
-        <p:spPr>
-          <a:xfrm>
-            <a:off x="5402564" y="3796695"/>
-            <a:ext cx="2620398" cy="1569660"/>
-          </a:xfrm>
-          <a:prstGeom prst="rect">
-            <a:avLst/>
-          </a:prstGeom>
-          <a:noFill/>
-        </p:spPr>
-        <p:txBody>
-          <a:bodyPr rot="0" spcFirstLastPara="0" vertOverflow="overflow" horzOverflow="overflow" vert="horz" wrap="square" lIns="91440" tIns="45720" rIns="91440" bIns="45720" numCol="1" spcCol="0" rtlCol="0" fromWordArt="0" anchor="t" anchorCtr="0" forceAA="0" compatLnSpc="1">
-            <a:prstTxWarp prst="textNoShape">
-              <a:avLst/>
-            </a:prstTxWarp>
-            <a:spAutoFit/>
-          </a:bodyPr>
-          <a:lstStyle/>
-          <a:p>
-            <a:pPr algn="l"/>
-            <a:r>
-              <a:rPr lang="es-ES" sz="9600" dirty="0">
-                <a:solidFill>
-                  <a:srgbClr val="FF0000"/>
-                </a:solidFill>
-                <a:latin typeface="Malgun Gothic"/>
-                <a:ea typeface="FangSong"/>
-                <a:cs typeface="Calibri"/>
-              </a:rPr>
-              <a:t>GUI</a:t>
-            </a:r>
-          </a:p>
-        </p:txBody>
-      </p:sp>
-    </p:spTree>
-    <p:extLst>
-      <p:ext uri="{BB962C8B-B14F-4D97-AF65-F5344CB8AC3E}">
-        <p14:creationId xmlns:p14="http://schemas.microsoft.com/office/powerpoint/2010/main" val="1400691828"/>
-      </p:ext>
-    </p:extLst>
-  </p:cSld>
-  <p:clrMapOvr>
-    <a:masterClrMapping/>
-  </p:clrMapOvr>
-  <p:transition spd="slow">
-    <p:push dir="u"/>
-  </p:transition>
-</p:sld>
-</file>
-
 <file path=ppt/slides/slide22.xml><?xml version="1.0" encoding="utf-8"?>
 <p:sld xmlns:a="http://schemas.openxmlformats.org/drawingml/2006/main" xmlns:r="http://schemas.openxmlformats.org/officeDocument/2006/relationships" xmlns:p="http://schemas.openxmlformats.org/presentationml/2006/main">
   <p:cSld>
@@ -9199,7 +9825,7 @@
           <p:cNvPr id="2" name="Título 1">
             <a:extLst>
               <a:ext uri="{FF2B5EF4-FFF2-40B4-BE49-F238E27FC236}">
-                <a16:creationId xmlns:a16="http://schemas.microsoft.com/office/drawing/2014/main" id="{DB4AA116-C933-9E52-C281-9FAA77C04474}"/>
+                <a16:creationId xmlns:a16="http://schemas.microsoft.com/office/drawing/2014/main" id="{716DC1C7-47F9-BFD5-350F-151ED6AFEAD1}"/>
               </a:ext>
             </a:extLst>
           </p:cNvPr>
@@ -9210,18 +9836,23 @@
             <p:ph type="title"/>
           </p:nvPr>
         </p:nvSpPr>
-        <p:spPr/>
+        <p:spPr>
+          <a:xfrm>
+            <a:off x="1077599" y="332894"/>
+            <a:ext cx="7213760" cy="1325563"/>
+          </a:xfrm>
+        </p:spPr>
         <p:txBody>
           <a:bodyPr/>
           <a:lstStyle/>
           <a:p>
             <a:r>
-              <a:rPr lang="es-ES" sz="2950" dirty="0">
+              <a:rPr lang="es-ES" sz="2950">
                 <a:latin typeface="Geneva"/>
               </a:rPr>
-              <a:t>Resultado</a:t>
-            </a:r>
-            <a:endParaRPr lang="es-ES" dirty="0"/>
+              <a:t>Despliegue</a:t>
+            </a:r>
+            <a:endParaRPr lang="es-ES"/>
           </a:p>
         </p:txBody>
       </p:sp>
@@ -9230,7 +9861,7 @@
           <p:cNvPr id="4" name="Marcador de fecha 3">
             <a:extLst>
               <a:ext uri="{FF2B5EF4-FFF2-40B4-BE49-F238E27FC236}">
-                <a16:creationId xmlns:a16="http://schemas.microsoft.com/office/drawing/2014/main" id="{1EB9E022-F408-00BB-78A6-1C6E4BA0435F}"/>
+                <a16:creationId xmlns:a16="http://schemas.microsoft.com/office/drawing/2014/main" id="{BE238069-DA65-249C-23DD-EF9C77B85CEA}"/>
               </a:ext>
             </a:extLst>
           </p:cNvPr>
@@ -9267,7 +9898,7 @@
           <p:cNvPr id="5" name="Marcador de pie de página 4">
             <a:extLst>
               <a:ext uri="{FF2B5EF4-FFF2-40B4-BE49-F238E27FC236}">
-                <a16:creationId xmlns:a16="http://schemas.microsoft.com/office/drawing/2014/main" id="{1B3C5079-31D3-79EA-E684-4186CBD56FD6}"/>
+                <a16:creationId xmlns:a16="http://schemas.microsoft.com/office/drawing/2014/main" id="{B2AFDCA4-CA78-E226-2312-E1280DF453EE}"/>
               </a:ext>
             </a:extLst>
           </p:cNvPr>
@@ -9304,7 +9935,7 @@
           <p:cNvPr id="6" name="Marcador de número de diapositiva 5">
             <a:extLst>
               <a:ext uri="{FF2B5EF4-FFF2-40B4-BE49-F238E27FC236}">
-                <a16:creationId xmlns:a16="http://schemas.microsoft.com/office/drawing/2014/main" id="{6DDEB637-CB45-4005-F767-E99503EAA5CA}"/>
+                <a16:creationId xmlns:a16="http://schemas.microsoft.com/office/drawing/2014/main" id="{A967FD6E-BE5E-7F9F-165B-32C7A20A4844}"/>
               </a:ext>
             </a:extLst>
           </p:cNvPr>
@@ -9335,6 +9966,277 @@
                 <a:defRPr/>
               </a:pPr>
               <a:t>22</a:t>
+            </a:fld>
+            <a:endParaRPr lang="es-ES">
+              <a:solidFill>
+                <a:prstClr val="black">
+                  <a:tint val="75000"/>
+                </a:prstClr>
+              </a:solidFill>
+            </a:endParaRPr>
+          </a:p>
+        </p:txBody>
+      </p:sp>
+      <p:sp>
+        <p:nvSpPr>
+          <p:cNvPr id="13" name="CuadroTexto 12">
+            <a:extLst>
+              <a:ext uri="{FF2B5EF4-FFF2-40B4-BE49-F238E27FC236}">
+                <a16:creationId xmlns:a16="http://schemas.microsoft.com/office/drawing/2014/main" id="{73A2389F-A71D-E8A7-21AF-22DABF951281}"/>
+              </a:ext>
+            </a:extLst>
+          </p:cNvPr>
+          <p:cNvSpPr txBox="1"/>
+          <p:nvPr/>
+        </p:nvSpPr>
+        <p:spPr>
+          <a:xfrm>
+            <a:off x="1074988" y="2019614"/>
+            <a:ext cx="4018446" cy="1631216"/>
+          </a:xfrm>
+          <a:prstGeom prst="rect">
+            <a:avLst/>
+          </a:prstGeom>
+          <a:noFill/>
+        </p:spPr>
+        <p:txBody>
+          <a:bodyPr rot="0" spcFirstLastPara="0" vertOverflow="overflow" horzOverflow="overflow" vert="horz" wrap="square" lIns="91440" tIns="45720" rIns="91440" bIns="45720" numCol="1" spcCol="0" rtlCol="0" fromWordArt="0" anchor="t" anchorCtr="0" forceAA="0" compatLnSpc="1">
+            <a:prstTxWarp prst="textNoShape">
+              <a:avLst/>
+            </a:prstTxWarp>
+            <a:spAutoFit/>
+          </a:bodyPr>
+          <a:lstStyle/>
+          <a:p>
+            <a:r>
+              <a:rPr lang="es-ES" sz="2000" dirty="0">
+                <a:cs typeface="Calibri"/>
+              </a:rPr>
+              <a:t>Nuestro proyecto se ha decantado por la creación de una aplicación de uso local, en el propio dispositivo. Ya que su fácil implementación nos ha facilitado el desarrollo de la misma. </a:t>
+            </a:r>
+          </a:p>
+        </p:txBody>
+      </p:sp>
+      <p:sp>
+        <p:nvSpPr>
+          <p:cNvPr id="15" name="CuadroTexto 14">
+            <a:extLst>
+              <a:ext uri="{FF2B5EF4-FFF2-40B4-BE49-F238E27FC236}">
+                <a16:creationId xmlns:a16="http://schemas.microsoft.com/office/drawing/2014/main" id="{9280B94B-8470-09AC-3952-5039126B5AD9}"/>
+              </a:ext>
+            </a:extLst>
+          </p:cNvPr>
+          <p:cNvSpPr txBox="1"/>
+          <p:nvPr/>
+        </p:nvSpPr>
+        <p:spPr>
+          <a:xfrm>
+            <a:off x="5402564" y="3796695"/>
+            <a:ext cx="2620398" cy="1569660"/>
+          </a:xfrm>
+          <a:prstGeom prst="rect">
+            <a:avLst/>
+          </a:prstGeom>
+          <a:noFill/>
+        </p:spPr>
+        <p:txBody>
+          <a:bodyPr rot="0" spcFirstLastPara="0" vertOverflow="overflow" horzOverflow="overflow" vert="horz" wrap="square" lIns="91440" tIns="45720" rIns="91440" bIns="45720" numCol="1" spcCol="0" rtlCol="0" fromWordArt="0" anchor="t" anchorCtr="0" forceAA="0" compatLnSpc="1">
+            <a:prstTxWarp prst="textNoShape">
+              <a:avLst/>
+            </a:prstTxWarp>
+            <a:spAutoFit/>
+          </a:bodyPr>
+          <a:lstStyle/>
+          <a:p>
+            <a:pPr algn="l"/>
+            <a:r>
+              <a:rPr lang="es-ES" sz="9600" dirty="0">
+                <a:solidFill>
+                  <a:srgbClr val="FF0000"/>
+                </a:solidFill>
+                <a:latin typeface="Malgun Gothic"/>
+                <a:ea typeface="FangSong"/>
+                <a:cs typeface="Calibri"/>
+              </a:rPr>
+              <a:t>GUI</a:t>
+            </a:r>
+          </a:p>
+        </p:txBody>
+      </p:sp>
+    </p:spTree>
+    <p:extLst>
+      <p:ext uri="{BB962C8B-B14F-4D97-AF65-F5344CB8AC3E}">
+        <p14:creationId xmlns:p14="http://schemas.microsoft.com/office/powerpoint/2010/main" val="1400691828"/>
+      </p:ext>
+    </p:extLst>
+  </p:cSld>
+  <p:clrMapOvr>
+    <a:masterClrMapping/>
+  </p:clrMapOvr>
+  <p:transition spd="slow">
+    <p:push dir="u"/>
+  </p:transition>
+</p:sld>
+</file>
+
+<file path=ppt/slides/slide23.xml><?xml version="1.0" encoding="utf-8"?>
+<p:sld xmlns:a="http://schemas.openxmlformats.org/drawingml/2006/main" xmlns:r="http://schemas.openxmlformats.org/officeDocument/2006/relationships" xmlns:p="http://schemas.openxmlformats.org/presentationml/2006/main">
+  <p:cSld>
+    <p:spTree>
+      <p:nvGrpSpPr>
+        <p:cNvPr id="1" name=""/>
+        <p:cNvGrpSpPr/>
+        <p:nvPr/>
+      </p:nvGrpSpPr>
+      <p:grpSpPr>
+        <a:xfrm>
+          <a:off x="0" y="0"/>
+          <a:ext cx="0" cy="0"/>
+          <a:chOff x="0" y="0"/>
+          <a:chExt cx="0" cy="0"/>
+        </a:xfrm>
+      </p:grpSpPr>
+      <p:sp>
+        <p:nvSpPr>
+          <p:cNvPr id="2" name="Título 1">
+            <a:extLst>
+              <a:ext uri="{FF2B5EF4-FFF2-40B4-BE49-F238E27FC236}">
+                <a16:creationId xmlns:a16="http://schemas.microsoft.com/office/drawing/2014/main" id="{DB4AA116-C933-9E52-C281-9FAA77C04474}"/>
+              </a:ext>
+            </a:extLst>
+          </p:cNvPr>
+          <p:cNvSpPr>
+            <a:spLocks noGrp="1"/>
+          </p:cNvSpPr>
+          <p:nvPr>
+            <p:ph type="title"/>
+          </p:nvPr>
+        </p:nvSpPr>
+        <p:spPr/>
+        <p:txBody>
+          <a:bodyPr/>
+          <a:lstStyle/>
+          <a:p>
+            <a:r>
+              <a:rPr lang="es-ES" sz="2950" dirty="0">
+                <a:latin typeface="Geneva"/>
+              </a:rPr>
+              <a:t>Resultado</a:t>
+            </a:r>
+            <a:endParaRPr lang="es-ES" dirty="0"/>
+          </a:p>
+        </p:txBody>
+      </p:sp>
+      <p:sp>
+        <p:nvSpPr>
+          <p:cNvPr id="4" name="Marcador de fecha 3">
+            <a:extLst>
+              <a:ext uri="{FF2B5EF4-FFF2-40B4-BE49-F238E27FC236}">
+                <a16:creationId xmlns:a16="http://schemas.microsoft.com/office/drawing/2014/main" id="{1EB9E022-F408-00BB-78A6-1C6E4BA0435F}"/>
+              </a:ext>
+            </a:extLst>
+          </p:cNvPr>
+          <p:cNvSpPr>
+            <a:spLocks noGrp="1"/>
+          </p:cNvSpPr>
+          <p:nvPr>
+            <p:ph type="dt" sz="half" idx="10"/>
+          </p:nvPr>
+        </p:nvSpPr>
+        <p:spPr/>
+        <p:txBody>
+          <a:bodyPr/>
+          <a:lstStyle/>
+          <a:p>
+            <a:pPr defTabSz="422041">
+              <a:defRPr/>
+            </a:pPr>
+            <a:r>
+              <a:rPr lang="es-ES">
+                <a:solidFill>
+                  <a:prstClr val="black">
+                    <a:tint val="75000"/>
+                  </a:prstClr>
+                </a:solidFill>
+              </a:rPr>
+              <a:t>Curso 2021-2022</a:t>
+            </a:r>
+          </a:p>
+        </p:txBody>
+      </p:sp>
+      <p:sp>
+        <p:nvSpPr>
+          <p:cNvPr id="5" name="Marcador de pie de página 4">
+            <a:extLst>
+              <a:ext uri="{FF2B5EF4-FFF2-40B4-BE49-F238E27FC236}">
+                <a16:creationId xmlns:a16="http://schemas.microsoft.com/office/drawing/2014/main" id="{1B3C5079-31D3-79EA-E684-4186CBD56FD6}"/>
+              </a:ext>
+            </a:extLst>
+          </p:cNvPr>
+          <p:cNvSpPr>
+            <a:spLocks noGrp="1"/>
+          </p:cNvSpPr>
+          <p:nvPr>
+            <p:ph type="ftr" sz="quarter" idx="11"/>
+          </p:nvPr>
+        </p:nvSpPr>
+        <p:spPr/>
+        <p:txBody>
+          <a:bodyPr/>
+          <a:lstStyle/>
+          <a:p>
+            <a:pPr defTabSz="422041">
+              <a:defRPr/>
+            </a:pPr>
+            <a:r>
+              <a:rPr lang="es-ES">
+                <a:solidFill>
+                  <a:prstClr val="black">
+                    <a:tint val="75000"/>
+                  </a:prstClr>
+                </a:solidFill>
+              </a:rPr>
+              <a:t>Introducción a la Ingeniería del Software</a:t>
+            </a:r>
+          </a:p>
+        </p:txBody>
+      </p:sp>
+      <p:sp>
+        <p:nvSpPr>
+          <p:cNvPr id="6" name="Marcador de número de diapositiva 5">
+            <a:extLst>
+              <a:ext uri="{FF2B5EF4-FFF2-40B4-BE49-F238E27FC236}">
+                <a16:creationId xmlns:a16="http://schemas.microsoft.com/office/drawing/2014/main" id="{6DDEB637-CB45-4005-F767-E99503EAA5CA}"/>
+              </a:ext>
+            </a:extLst>
+          </p:cNvPr>
+          <p:cNvSpPr>
+            <a:spLocks noGrp="1"/>
+          </p:cNvSpPr>
+          <p:nvPr>
+            <p:ph type="sldNum" sz="quarter" idx="12"/>
+          </p:nvPr>
+        </p:nvSpPr>
+        <p:spPr/>
+        <p:txBody>
+          <a:bodyPr/>
+          <a:lstStyle/>
+          <a:p>
+            <a:pPr defTabSz="422041">
+              <a:defRPr/>
+            </a:pPr>
+            <a:fld id="{9961DA19-05BC-2C48-AEE7-B9DFD6D07410}" type="slidenum">
+              <a:rPr lang="es-ES" smtClean="0">
+                <a:solidFill>
+                  <a:prstClr val="black">
+                    <a:tint val="75000"/>
+                  </a:prstClr>
+                </a:solidFill>
+              </a:rPr>
+              <a:pPr defTabSz="422041">
+                <a:defRPr/>
+              </a:pPr>
+              <a:t>23</a:t>
             </a:fld>
             <a:endParaRPr lang="es-ES">
               <a:solidFill>
@@ -9498,7 +10400,7 @@
 </p:sld>
 </file>
 
-<file path=ppt/slides/slide23.xml><?xml version="1.0" encoding="utf-8"?>
+<file path=ppt/slides/slide24.xml><?xml version="1.0" encoding="utf-8"?>
 <p:sld xmlns:a="http://schemas.openxmlformats.org/drawingml/2006/main" xmlns:r="http://schemas.openxmlformats.org/officeDocument/2006/relationships" xmlns:p="http://schemas.openxmlformats.org/presentationml/2006/main">
   <p:cSld>
     <p:spTree>
@@ -9770,7 +10672,7 @@
               <a:pPr defTabSz="422041">
                 <a:defRPr/>
               </a:pPr>
-              <a:t>23</a:t>
+              <a:t>24</a:t>
             </a:fld>
             <a:endParaRPr lang="es-ES">
               <a:solidFill>
@@ -11013,14 +11915,14 @@
               <a:buNone/>
             </a:pPr>
             <a:r>
-              <a:rPr lang="es-ES" sz="2950">
+              <a:rPr lang="es-ES" sz="2950" dirty="0">
                 <a:latin typeface="Helvetica"/>
                 <a:ea typeface="Verdana"/>
                 <a:cs typeface="Arial"/>
               </a:rPr>
-              <a:t>Hemos seleccionado la metodología Scrum</a:t>
-            </a:r>
-            <a:endParaRPr lang="es-ES"/>
+              <a:t>Hemos seleccionado la metodología Scrum.</a:t>
+            </a:r>
+            <a:endParaRPr lang="es-ES" dirty="0"/>
           </a:p>
         </p:txBody>
       </p:sp>
